--- a/curriculum/Unit2/Unit2.pptx
+++ b/curriculum/Unit2/Unit2.pptx
@@ -207,6 +207,10 @@
 </p:presentation>
 </file>
 
+<file path=ppt/revisionInfo.xml><?xml version="1.0" encoding="utf-8"?>
+<p1510:revInfo xmlns:a="http://schemas.openxmlformats.org/drawingml/2006/main" xmlns:r="http://schemas.openxmlformats.org/officeDocument/2006/relationships" xmlns:p1510="http://schemas.microsoft.com/office/powerpoint/2015/10/main"/>
+</file>
+
 <file path=ppt/notesMasters/notesMaster1.xml><?xml version="1.0" encoding="utf-8"?>
 <p:notesMaster xmlns:a="http://schemas.openxmlformats.org/drawingml/2006/main" xmlns:r="http://schemas.openxmlformats.org/officeDocument/2006/relationships" xmlns:p="http://schemas.openxmlformats.org/presentationml/2006/main">
   <p:cSld>
@@ -289,7 +293,7 @@
           <a:p>
             <a:fld id="{01EE7243-FE3C-4092-BCD1-A3CEC92C371A}" type="datetimeFigureOut">
               <a:rPr lang="en-US" smtClean="0"/>
-              <a:t>10/28/2016</a:t>
+              <a:t>9/29/2017</a:t>
             </a:fld>
             <a:endParaRPr lang="en-US"/>
           </a:p>
@@ -2607,7 +2611,7 @@
           <a:p>
             <a:fld id="{04E6A347-E849-4263-9BF9-31A91B9AAA7C}" type="datetimeFigureOut">
               <a:rPr lang="en-US" smtClean="0"/>
-              <a:t>10/28/2016</a:t>
+              <a:t>9/29/2017</a:t>
             </a:fld>
             <a:endParaRPr lang="en-US"/>
           </a:p>
@@ -2775,7 +2779,7 @@
           <a:p>
             <a:fld id="{04E6A347-E849-4263-9BF9-31A91B9AAA7C}" type="datetimeFigureOut">
               <a:rPr lang="en-US" smtClean="0"/>
-              <a:t>10/28/2016</a:t>
+              <a:t>9/29/2017</a:t>
             </a:fld>
             <a:endParaRPr lang="en-US"/>
           </a:p>
@@ -2953,7 +2957,7 @@
           <a:p>
             <a:fld id="{04E6A347-E849-4263-9BF9-31A91B9AAA7C}" type="datetimeFigureOut">
               <a:rPr lang="en-US" smtClean="0"/>
-              <a:t>10/28/2016</a:t>
+              <a:t>9/29/2017</a:t>
             </a:fld>
             <a:endParaRPr lang="en-US"/>
           </a:p>
@@ -3121,7 +3125,7 @@
           <a:p>
             <a:fld id="{04E6A347-E849-4263-9BF9-31A91B9AAA7C}" type="datetimeFigureOut">
               <a:rPr lang="en-US" smtClean="0"/>
-              <a:t>10/28/2016</a:t>
+              <a:t>9/29/2017</a:t>
             </a:fld>
             <a:endParaRPr lang="en-US"/>
           </a:p>
@@ -3366,7 +3370,7 @@
           <a:p>
             <a:fld id="{04E6A347-E849-4263-9BF9-31A91B9AAA7C}" type="datetimeFigureOut">
               <a:rPr lang="en-US" smtClean="0"/>
-              <a:t>10/28/2016</a:t>
+              <a:t>9/29/2017</a:t>
             </a:fld>
             <a:endParaRPr lang="en-US"/>
           </a:p>
@@ -3595,7 +3599,7 @@
           <a:p>
             <a:fld id="{04E6A347-E849-4263-9BF9-31A91B9AAA7C}" type="datetimeFigureOut">
               <a:rPr lang="en-US" smtClean="0"/>
-              <a:t>10/28/2016</a:t>
+              <a:t>9/29/2017</a:t>
             </a:fld>
             <a:endParaRPr lang="en-US"/>
           </a:p>
@@ -3959,7 +3963,7 @@
           <a:p>
             <a:fld id="{04E6A347-E849-4263-9BF9-31A91B9AAA7C}" type="datetimeFigureOut">
               <a:rPr lang="en-US" smtClean="0"/>
-              <a:t>10/28/2016</a:t>
+              <a:t>9/29/2017</a:t>
             </a:fld>
             <a:endParaRPr lang="en-US"/>
           </a:p>
@@ -4076,7 +4080,7 @@
           <a:p>
             <a:fld id="{04E6A347-E849-4263-9BF9-31A91B9AAA7C}" type="datetimeFigureOut">
               <a:rPr lang="en-US" smtClean="0"/>
-              <a:t>10/28/2016</a:t>
+              <a:t>9/29/2017</a:t>
             </a:fld>
             <a:endParaRPr lang="en-US"/>
           </a:p>
@@ -4171,7 +4175,7 @@
           <a:p>
             <a:fld id="{04E6A347-E849-4263-9BF9-31A91B9AAA7C}" type="datetimeFigureOut">
               <a:rPr lang="en-US" smtClean="0"/>
-              <a:t>10/28/2016</a:t>
+              <a:t>9/29/2017</a:t>
             </a:fld>
             <a:endParaRPr lang="en-US"/>
           </a:p>
@@ -4446,7 +4450,7 @@
           <a:p>
             <a:fld id="{04E6A347-E849-4263-9BF9-31A91B9AAA7C}" type="datetimeFigureOut">
               <a:rPr lang="en-US" smtClean="0"/>
-              <a:t>10/28/2016</a:t>
+              <a:t>9/29/2017</a:t>
             </a:fld>
             <a:endParaRPr lang="en-US"/>
           </a:p>
@@ -4698,7 +4702,7 @@
           <a:p>
             <a:fld id="{04E6A347-E849-4263-9BF9-31A91B9AAA7C}" type="datetimeFigureOut">
               <a:rPr lang="en-US" smtClean="0"/>
-              <a:t>10/28/2016</a:t>
+              <a:t>9/29/2017</a:t>
             </a:fld>
             <a:endParaRPr lang="en-US"/>
           </a:p>
@@ -4909,7 +4913,7 @@
           <a:p>
             <a:fld id="{04E6A347-E849-4263-9BF9-31A91B9AAA7C}" type="datetimeFigureOut">
               <a:rPr lang="en-US" smtClean="0"/>
-              <a:t>10/28/2016</a:t>
+              <a:t>9/29/2017</a:t>
             </a:fld>
             <a:endParaRPr lang="en-US"/>
           </a:p>
@@ -10903,7 +10907,9 @@
         </p:nvSpPr>
         <p:spPr/>
         <p:txBody>
-          <a:bodyPr/>
+          <a:bodyPr>
+            <a:normAutofit lnSpcReduction="10000"/>
+          </a:bodyPr>
           <a:lstStyle/>
           <a:p>
             <a:pPr marL="0" indent="0">
@@ -10943,7 +10949,7 @@
                 <a:latin typeface="Courier New" panose="02070309020205020404" pitchFamily="49" charset="0"/>
                 <a:cs typeface="Courier New" panose="02070309020205020404" pitchFamily="49" charset="0"/>
               </a:rPr>
-              <a:t>) 4.29 		=&gt; 	4</a:t>
+              <a:t>) 4.29 			=&gt; 	4</a:t>
             </a:r>
           </a:p>
           <a:p>
@@ -10955,19 +10961,26 @@
                 <a:latin typeface="Courier New" panose="02070309020205020404" pitchFamily="49" charset="0"/>
                 <a:cs typeface="Courier New" panose="02070309020205020404" pitchFamily="49" charset="0"/>
               </a:rPr>
-              <a:t>(double) 1 		=&gt; 	1.0</a:t>
-            </a:r>
-          </a:p>
-          <a:p>
-            <a:pPr marL="0" indent="0">
-              <a:buNone/>
-            </a:pPr>
+              <a:t>(double) 1 			=&gt; 	1.0</a:t>
+            </a:r>
+          </a:p>
+          <a:p>
+            <a:pPr marL="0" indent="0">
+              <a:buNone/>
+            </a:pPr>
+            <a:r>
+              <a:rPr lang="en-US" dirty="0" err="1">
+                <a:latin typeface="Courier New" panose="02070309020205020404" pitchFamily="49" charset="0"/>
+                <a:cs typeface="Courier New" panose="02070309020205020404" pitchFamily="49" charset="0"/>
+              </a:rPr>
+              <a:t>String.valueof</a:t>
+            </a:r>
             <a:r>
               <a:rPr lang="en-US" dirty="0">
                 <a:latin typeface="Courier New" panose="02070309020205020404" pitchFamily="49" charset="0"/>
                 <a:cs typeface="Courier New" panose="02070309020205020404" pitchFamily="49" charset="0"/>
               </a:rPr>
-              <a:t>(String) 4.892 	=&gt; 	“4.892”</a:t>
+              <a:t>(4.892)	=&gt; 	“4.892”</a:t>
             </a:r>
           </a:p>
           <a:p>
@@ -11004,7 +11017,33 @@
             </a:r>
             <a:r>
               <a:rPr lang="en-US" dirty="0"/>
-              <a:t> =/=&gt; ‘???’ </a:t>
+              <a:t> =/=&gt; ‘???’</a:t>
+            </a:r>
+          </a:p>
+          <a:p>
+            <a:pPr marL="0" indent="0">
+              <a:buNone/>
+            </a:pPr>
+            <a:endParaRPr lang="en-US" dirty="0"/>
+          </a:p>
+          <a:p>
+            <a:pPr marL="0" indent="0">
+              <a:buNone/>
+            </a:pPr>
+            <a:r>
+              <a:rPr lang="en-US" sz="2400" i="1" dirty="0"/>
+              <a:t>Note: </a:t>
+            </a:r>
+            <a:r>
+              <a:rPr lang="en-US" sz="2400" dirty="0">
+                <a:latin typeface="Courier New" panose="02070309020205020404" pitchFamily="49" charset="0"/>
+                <a:cs typeface="Courier New" panose="02070309020205020404" pitchFamily="49" charset="0"/>
+              </a:rPr>
+              <a:t>String</a:t>
+            </a:r>
+            <a:r>
+              <a:rPr lang="en-US" sz="2400" i="1" dirty="0"/>
+              <a:t> is not a primitive type and requires a method call to convert </a:t>
             </a:r>
           </a:p>
         </p:txBody>
@@ -17177,6 +17216,12 @@
 </file>
 
 <file path=customXml/item1.xml><?xml version="1.0" encoding="utf-8"?>
+<p:properties xmlns:p="http://schemas.microsoft.com/office/2006/metadata/properties" xmlns:xsi="http://www.w3.org/2001/XMLSchema-instance" xmlns:pc="http://schemas.microsoft.com/office/infopath/2007/PartnerControls">
+  <documentManagement/>
+</p:properties>
+</file>
+
+<file path=customXml/item2.xml><?xml version="1.0" encoding="utf-8"?>
 <?mso-contentType ?>
 <FormTemplates xmlns="http://schemas.microsoft.com/sharepoint/v3/contenttype/forms">
   <Display>DocumentLibraryForm</Display>
@@ -17185,7 +17230,7 @@
 </FormTemplates>
 </file>
 
-<file path=customXml/item2.xml><?xml version="1.0" encoding="utf-8"?>
+<file path=customXml/item3.xml><?xml version="1.0" encoding="utf-8"?>
 <ct:contentTypeSchema xmlns:ct="http://schemas.microsoft.com/office/2006/metadata/contentType" xmlns:ma="http://schemas.microsoft.com/office/2006/metadata/properties/metaAttributes" ct:_="" ma:_="" ma:contentTypeName="Document" ma:contentTypeID="0x010100BABADD3A0624AA4E97287821B8F4D7D6" ma:contentTypeVersion="3" ma:contentTypeDescription="Create a new document." ma:contentTypeScope="" ma:versionID="d1f55a70bd1930e0ae5c5588ea58d234">
   <xsd:schema xmlns:xsd="http://www.w3.org/2001/XMLSchema" xmlns:xs="http://www.w3.org/2001/XMLSchema" xmlns:p="http://schemas.microsoft.com/office/2006/metadata/properties" xmlns:ns2="5edd459b-714d-42ed-b78f-512da7d1c14e" targetNamespace="http://schemas.microsoft.com/office/2006/metadata/properties" ma:root="true" ma:fieldsID="5a6a6e2895642296b7d1775ae73bc200" ns2:_="">
     <xsd:import namespace="5edd459b-714d-42ed-b78f-512da7d1c14e"/>
@@ -17339,13 +17384,23 @@
 </ct:contentTypeSchema>
 </file>
 
-<file path=customXml/item3.xml><?xml version="1.0" encoding="utf-8"?>
-<p:properties xmlns:p="http://schemas.microsoft.com/office/2006/metadata/properties" xmlns:xsi="http://www.w3.org/2001/XMLSchema-instance" xmlns:pc="http://schemas.microsoft.com/office/infopath/2007/PartnerControls">
-  <documentManagement/>
-</p:properties>
+<file path=customXml/itemProps1.xml><?xml version="1.0" encoding="utf-8"?>
+<ds:datastoreItem xmlns:ds="http://schemas.openxmlformats.org/officeDocument/2006/customXml" ds:itemID="{137ABD09-FFEE-4830-B492-D9820D9FDFA2}">
+  <ds:schemaRefs>
+    <ds:schemaRef ds:uri="http://schemas.microsoft.com/office/infopath/2007/PartnerControls"/>
+    <ds:schemaRef ds:uri="http://purl.org/dc/elements/1.1/"/>
+    <ds:schemaRef ds:uri="http://schemas.microsoft.com/office/2006/metadata/properties"/>
+    <ds:schemaRef ds:uri="http://schemas.microsoft.com/office/2006/documentManagement/types"/>
+    <ds:schemaRef ds:uri="http://purl.org/dc/terms/"/>
+    <ds:schemaRef ds:uri="http://schemas.openxmlformats.org/package/2006/metadata/core-properties"/>
+    <ds:schemaRef ds:uri="5edd459b-714d-42ed-b78f-512da7d1c14e"/>
+    <ds:schemaRef ds:uri="http://purl.org/dc/dcmitype/"/>
+    <ds:schemaRef ds:uri="http://www.w3.org/XML/1998/namespace"/>
+  </ds:schemaRefs>
+</ds:datastoreItem>
 </file>
 
-<file path=customXml/itemProps1.xml><?xml version="1.0" encoding="utf-8"?>
+<file path=customXml/itemProps2.xml><?xml version="1.0" encoding="utf-8"?>
 <ds:datastoreItem xmlns:ds="http://schemas.openxmlformats.org/officeDocument/2006/customXml" ds:itemID="{D3F258A9-62F9-4AA7-BEBE-DE1957F67E4B}">
   <ds:schemaRefs>
     <ds:schemaRef ds:uri="http://schemas.microsoft.com/sharepoint/v3/contenttype/forms"/>
@@ -17353,7 +17408,7 @@
 </ds:datastoreItem>
 </file>
 
-<file path=customXml/itemProps2.xml><?xml version="1.0" encoding="utf-8"?>
+<file path=customXml/itemProps3.xml><?xml version="1.0" encoding="utf-8"?>
 <ds:datastoreItem xmlns:ds="http://schemas.openxmlformats.org/officeDocument/2006/customXml" ds:itemID="{9B436524-1E59-45A9-9022-9518E43CCB5C}">
   <ds:schemaRefs>
     <ds:schemaRef ds:uri="http://schemas.microsoft.com/office/2006/metadata/contentType"/>
@@ -17369,20 +17424,4 @@
     <ds:schemaRef ds:uri="http://schemas.microsoft.com/internal/obd"/>
   </ds:schemaRefs>
 </ds:datastoreItem>
-</file>
-
-<file path=customXml/itemProps3.xml><?xml version="1.0" encoding="utf-8"?>
-<ds:datastoreItem xmlns:ds="http://schemas.openxmlformats.org/officeDocument/2006/customXml" ds:itemID="{137ABD09-FFEE-4830-B492-D9820D9FDFA2}">
-  <ds:schemaRefs>
-    <ds:schemaRef ds:uri="http://schemas.microsoft.com/office/infopath/2007/PartnerControls"/>
-    <ds:schemaRef ds:uri="http://purl.org/dc/elements/1.1/"/>
-    <ds:schemaRef ds:uri="http://schemas.microsoft.com/office/2006/metadata/properties"/>
-    <ds:schemaRef ds:uri="http://schemas.microsoft.com/office/2006/documentManagement/types"/>
-    <ds:schemaRef ds:uri="http://purl.org/dc/terms/"/>
-    <ds:schemaRef ds:uri="http://schemas.openxmlformats.org/package/2006/metadata/core-properties"/>
-    <ds:schemaRef ds:uri="5edd459b-714d-42ed-b78f-512da7d1c14e"/>
-    <ds:schemaRef ds:uri="http://purl.org/dc/dcmitype/"/>
-    <ds:schemaRef ds:uri="http://www.w3.org/XML/1998/namespace"/>
-  </ds:schemaRefs>
-</ds:datastoreItem>
 </file>
--- a/curriculum/Unit2/Unit2.pptx
+++ b/curriculum/Unit2/Unit2.pptx
@@ -293,7 +293,7 @@
           <a:p>
             <a:fld id="{01EE7243-FE3C-4092-BCD1-A3CEC92C371A}" type="datetimeFigureOut">
               <a:rPr lang="en-US" smtClean="0"/>
-              <a:t>9/29/2017</a:t>
+              <a:t>2017-09-29</a:t>
             </a:fld>
             <a:endParaRPr lang="en-US"/>
           </a:p>
@@ -2611,7 +2611,7 @@
           <a:p>
             <a:fld id="{04E6A347-E849-4263-9BF9-31A91B9AAA7C}" type="datetimeFigureOut">
               <a:rPr lang="en-US" smtClean="0"/>
-              <a:t>9/29/2017</a:t>
+              <a:t>2017-09-29</a:t>
             </a:fld>
             <a:endParaRPr lang="en-US"/>
           </a:p>
@@ -2779,7 +2779,7 @@
           <a:p>
             <a:fld id="{04E6A347-E849-4263-9BF9-31A91B9AAA7C}" type="datetimeFigureOut">
               <a:rPr lang="en-US" smtClean="0"/>
-              <a:t>9/29/2017</a:t>
+              <a:t>2017-09-29</a:t>
             </a:fld>
             <a:endParaRPr lang="en-US"/>
           </a:p>
@@ -2957,7 +2957,7 @@
           <a:p>
             <a:fld id="{04E6A347-E849-4263-9BF9-31A91B9AAA7C}" type="datetimeFigureOut">
               <a:rPr lang="en-US" smtClean="0"/>
-              <a:t>9/29/2017</a:t>
+              <a:t>2017-09-29</a:t>
             </a:fld>
             <a:endParaRPr lang="en-US"/>
           </a:p>
@@ -3125,7 +3125,7 @@
           <a:p>
             <a:fld id="{04E6A347-E849-4263-9BF9-31A91B9AAA7C}" type="datetimeFigureOut">
               <a:rPr lang="en-US" smtClean="0"/>
-              <a:t>9/29/2017</a:t>
+              <a:t>2017-09-29</a:t>
             </a:fld>
             <a:endParaRPr lang="en-US"/>
           </a:p>
@@ -3370,7 +3370,7 @@
           <a:p>
             <a:fld id="{04E6A347-E849-4263-9BF9-31A91B9AAA7C}" type="datetimeFigureOut">
               <a:rPr lang="en-US" smtClean="0"/>
-              <a:t>9/29/2017</a:t>
+              <a:t>2017-09-29</a:t>
             </a:fld>
             <a:endParaRPr lang="en-US"/>
           </a:p>
@@ -3599,7 +3599,7 @@
           <a:p>
             <a:fld id="{04E6A347-E849-4263-9BF9-31A91B9AAA7C}" type="datetimeFigureOut">
               <a:rPr lang="en-US" smtClean="0"/>
-              <a:t>9/29/2017</a:t>
+              <a:t>2017-09-29</a:t>
             </a:fld>
             <a:endParaRPr lang="en-US"/>
           </a:p>
@@ -3963,7 +3963,7 @@
           <a:p>
             <a:fld id="{04E6A347-E849-4263-9BF9-31A91B9AAA7C}" type="datetimeFigureOut">
               <a:rPr lang="en-US" smtClean="0"/>
-              <a:t>9/29/2017</a:t>
+              <a:t>2017-09-29</a:t>
             </a:fld>
             <a:endParaRPr lang="en-US"/>
           </a:p>
@@ -4080,7 +4080,7 @@
           <a:p>
             <a:fld id="{04E6A347-E849-4263-9BF9-31A91B9AAA7C}" type="datetimeFigureOut">
               <a:rPr lang="en-US" smtClean="0"/>
-              <a:t>9/29/2017</a:t>
+              <a:t>2017-09-29</a:t>
             </a:fld>
             <a:endParaRPr lang="en-US"/>
           </a:p>
@@ -4175,7 +4175,7 @@
           <a:p>
             <a:fld id="{04E6A347-E849-4263-9BF9-31A91B9AAA7C}" type="datetimeFigureOut">
               <a:rPr lang="en-US" smtClean="0"/>
-              <a:t>9/29/2017</a:t>
+              <a:t>2017-09-29</a:t>
             </a:fld>
             <a:endParaRPr lang="en-US"/>
           </a:p>
@@ -4450,7 +4450,7 @@
           <a:p>
             <a:fld id="{04E6A347-E849-4263-9BF9-31A91B9AAA7C}" type="datetimeFigureOut">
               <a:rPr lang="en-US" smtClean="0"/>
-              <a:t>9/29/2017</a:t>
+              <a:t>2017-09-29</a:t>
             </a:fld>
             <a:endParaRPr lang="en-US"/>
           </a:p>
@@ -4702,7 +4702,7 @@
           <a:p>
             <a:fld id="{04E6A347-E849-4263-9BF9-31A91B9AAA7C}" type="datetimeFigureOut">
               <a:rPr lang="en-US" smtClean="0"/>
-              <a:t>9/29/2017</a:t>
+              <a:t>2017-09-29</a:t>
             </a:fld>
             <a:endParaRPr lang="en-US"/>
           </a:p>
@@ -4913,7 +4913,7 @@
           <a:p>
             <a:fld id="{04E6A347-E849-4263-9BF9-31A91B9AAA7C}" type="datetimeFigureOut">
               <a:rPr lang="en-US" smtClean="0"/>
-              <a:t>9/29/2017</a:t>
+              <a:t>2017-09-29</a:t>
             </a:fld>
             <a:endParaRPr lang="en-US"/>
           </a:p>
@@ -10949,7 +10949,7 @@
                 <a:latin typeface="Courier New" panose="02070309020205020404" pitchFamily="49" charset="0"/>
                 <a:cs typeface="Courier New" panose="02070309020205020404" pitchFamily="49" charset="0"/>
               </a:rPr>
-              <a:t>) 4.29 			=&gt; 	4</a:t>
+              <a:t>) 4.29 			⇒ 	4</a:t>
             </a:r>
           </a:p>
           <a:p>
@@ -10961,7 +10961,7 @@
                 <a:latin typeface="Courier New" panose="02070309020205020404" pitchFamily="49" charset="0"/>
                 <a:cs typeface="Courier New" panose="02070309020205020404" pitchFamily="49" charset="0"/>
               </a:rPr>
-              <a:t>(double) 1 			=&gt; 	1.0</a:t>
+              <a:t>(double) 1 			⇒ 	1.0</a:t>
             </a:r>
           </a:p>
           <a:p>
@@ -10980,7 +10980,7 @@
                 <a:latin typeface="Courier New" panose="02070309020205020404" pitchFamily="49" charset="0"/>
                 <a:cs typeface="Courier New" panose="02070309020205020404" pitchFamily="49" charset="0"/>
               </a:rPr>
-              <a:t>(4.892)	=&gt; 	“4.892”</a:t>
+              <a:t>(4.892)	⇒ 	“4.892”</a:t>
             </a:r>
           </a:p>
           <a:p>
@@ -11013,12 +11013,20 @@
                 <a:latin typeface="Courier New" panose="02070309020205020404" pitchFamily="49" charset="0"/>
                 <a:cs typeface="Courier New" panose="02070309020205020404" pitchFamily="49" charset="0"/>
               </a:rPr>
-              <a:t>) “String”</a:t>
-            </a:r>
-            <a:r>
-              <a:rPr lang="en-US" dirty="0"/>
-              <a:t> =/=&gt; ‘???’</a:t>
-            </a:r>
+              <a:t>) “String</a:t>
+            </a:r>
+            <a:r>
+              <a:rPr lang="en-US">
+                <a:latin typeface="Courier New" panose="02070309020205020404" pitchFamily="49" charset="0"/>
+                <a:cs typeface="Courier New" panose="02070309020205020404" pitchFamily="49" charset="0"/>
+              </a:rPr>
+              <a:t>”</a:t>
+            </a:r>
+            <a:r>
+              <a:rPr lang="en-US"/>
+              <a:t> ⇏ ???</a:t>
+            </a:r>
+            <a:endParaRPr lang="en-US" dirty="0"/>
           </a:p>
           <a:p>
             <a:pPr marL="0" indent="0">
@@ -11043,7 +11051,7 @@
             </a:r>
             <a:r>
               <a:rPr lang="en-US" sz="2400" i="1" dirty="0"/>
-              <a:t> is not a primitive type and requires a method call to convert </a:t>
+              <a:t> is not a primitive type, and requires a method call to convert </a:t>
             </a:r>
           </a:p>
         </p:txBody>
@@ -17216,12 +17224,6 @@
 </file>
 
 <file path=customXml/item1.xml><?xml version="1.0" encoding="utf-8"?>
-<p:properties xmlns:p="http://schemas.microsoft.com/office/2006/metadata/properties" xmlns:xsi="http://www.w3.org/2001/XMLSchema-instance" xmlns:pc="http://schemas.microsoft.com/office/infopath/2007/PartnerControls">
-  <documentManagement/>
-</p:properties>
-</file>
-
-<file path=customXml/item2.xml><?xml version="1.0" encoding="utf-8"?>
 <?mso-contentType ?>
 <FormTemplates xmlns="http://schemas.microsoft.com/sharepoint/v3/contenttype/forms">
   <Display>DocumentLibraryForm</Display>
@@ -17230,7 +17232,7 @@
 </FormTemplates>
 </file>
 
-<file path=customXml/item3.xml><?xml version="1.0" encoding="utf-8"?>
+<file path=customXml/item2.xml><?xml version="1.0" encoding="utf-8"?>
 <ct:contentTypeSchema xmlns:ct="http://schemas.microsoft.com/office/2006/metadata/contentType" xmlns:ma="http://schemas.microsoft.com/office/2006/metadata/properties/metaAttributes" ct:_="" ma:_="" ma:contentTypeName="Document" ma:contentTypeID="0x010100BABADD3A0624AA4E97287821B8F4D7D6" ma:contentTypeVersion="3" ma:contentTypeDescription="Create a new document." ma:contentTypeScope="" ma:versionID="d1f55a70bd1930e0ae5c5588ea58d234">
   <xsd:schema xmlns:xsd="http://www.w3.org/2001/XMLSchema" xmlns:xs="http://www.w3.org/2001/XMLSchema" xmlns:p="http://schemas.microsoft.com/office/2006/metadata/properties" xmlns:ns2="5edd459b-714d-42ed-b78f-512da7d1c14e" targetNamespace="http://schemas.microsoft.com/office/2006/metadata/properties" ma:root="true" ma:fieldsID="5a6a6e2895642296b7d1775ae73bc200" ns2:_="">
     <xsd:import namespace="5edd459b-714d-42ed-b78f-512da7d1c14e"/>
@@ -17384,23 +17386,13 @@
 </ct:contentTypeSchema>
 </file>
 
-<file path=customXml/itemProps1.xml><?xml version="1.0" encoding="utf-8"?>
-<ds:datastoreItem xmlns:ds="http://schemas.openxmlformats.org/officeDocument/2006/customXml" ds:itemID="{137ABD09-FFEE-4830-B492-D9820D9FDFA2}">
-  <ds:schemaRefs>
-    <ds:schemaRef ds:uri="http://schemas.microsoft.com/office/infopath/2007/PartnerControls"/>
-    <ds:schemaRef ds:uri="http://purl.org/dc/elements/1.1/"/>
-    <ds:schemaRef ds:uri="http://schemas.microsoft.com/office/2006/metadata/properties"/>
-    <ds:schemaRef ds:uri="http://schemas.microsoft.com/office/2006/documentManagement/types"/>
-    <ds:schemaRef ds:uri="http://purl.org/dc/terms/"/>
-    <ds:schemaRef ds:uri="http://schemas.openxmlformats.org/package/2006/metadata/core-properties"/>
-    <ds:schemaRef ds:uri="5edd459b-714d-42ed-b78f-512da7d1c14e"/>
-    <ds:schemaRef ds:uri="http://purl.org/dc/dcmitype/"/>
-    <ds:schemaRef ds:uri="http://www.w3.org/XML/1998/namespace"/>
-  </ds:schemaRefs>
-</ds:datastoreItem>
+<file path=customXml/item3.xml><?xml version="1.0" encoding="utf-8"?>
+<p:properties xmlns:p="http://schemas.microsoft.com/office/2006/metadata/properties" xmlns:xsi="http://www.w3.org/2001/XMLSchema-instance" xmlns:pc="http://schemas.microsoft.com/office/infopath/2007/PartnerControls">
+  <documentManagement/>
+</p:properties>
 </file>
 
-<file path=customXml/itemProps2.xml><?xml version="1.0" encoding="utf-8"?>
+<file path=customXml/itemProps1.xml><?xml version="1.0" encoding="utf-8"?>
 <ds:datastoreItem xmlns:ds="http://schemas.openxmlformats.org/officeDocument/2006/customXml" ds:itemID="{D3F258A9-62F9-4AA7-BEBE-DE1957F67E4B}">
   <ds:schemaRefs>
     <ds:schemaRef ds:uri="http://schemas.microsoft.com/sharepoint/v3/contenttype/forms"/>
@@ -17408,7 +17400,7 @@
 </ds:datastoreItem>
 </file>
 
-<file path=customXml/itemProps3.xml><?xml version="1.0" encoding="utf-8"?>
+<file path=customXml/itemProps2.xml><?xml version="1.0" encoding="utf-8"?>
 <ds:datastoreItem xmlns:ds="http://schemas.openxmlformats.org/officeDocument/2006/customXml" ds:itemID="{9B436524-1E59-45A9-9022-9518E43CCB5C}">
   <ds:schemaRefs>
     <ds:schemaRef ds:uri="http://schemas.microsoft.com/office/2006/metadata/contentType"/>
@@ -17424,4 +17416,20 @@
     <ds:schemaRef ds:uri="http://schemas.microsoft.com/internal/obd"/>
   </ds:schemaRefs>
 </ds:datastoreItem>
+</file>
+
+<file path=customXml/itemProps3.xml><?xml version="1.0" encoding="utf-8"?>
+<ds:datastoreItem xmlns:ds="http://schemas.openxmlformats.org/officeDocument/2006/customXml" ds:itemID="{137ABD09-FFEE-4830-B492-D9820D9FDFA2}">
+  <ds:schemaRefs>
+    <ds:schemaRef ds:uri="http://schemas.microsoft.com/office/infopath/2007/PartnerControls"/>
+    <ds:schemaRef ds:uri="http://purl.org/dc/elements/1.1/"/>
+    <ds:schemaRef ds:uri="http://schemas.microsoft.com/office/2006/metadata/properties"/>
+    <ds:schemaRef ds:uri="http://schemas.microsoft.com/office/2006/documentManagement/types"/>
+    <ds:schemaRef ds:uri="http://purl.org/dc/terms/"/>
+    <ds:schemaRef ds:uri="http://schemas.openxmlformats.org/package/2006/metadata/core-properties"/>
+    <ds:schemaRef ds:uri="5edd459b-714d-42ed-b78f-512da7d1c14e"/>
+    <ds:schemaRef ds:uri="http://purl.org/dc/dcmitype/"/>
+    <ds:schemaRef ds:uri="http://www.w3.org/XML/1998/namespace"/>
+  </ds:schemaRefs>
+</ds:datastoreItem>
 </file>
--- a/curriculum/Unit2/Unit2.pptx
+++ b/curriculum/Unit2/Unit2.pptx
@@ -293,7 +293,7 @@
           <a:p>
             <a:fld id="{01EE7243-FE3C-4092-BCD1-A3CEC92C371A}" type="datetimeFigureOut">
               <a:rPr lang="en-US" smtClean="0"/>
-              <a:t>2017-09-29</a:t>
+              <a:t>9/30/2017</a:t>
             </a:fld>
             <a:endParaRPr lang="en-US"/>
           </a:p>
@@ -2611,7 +2611,7 @@
           <a:p>
             <a:fld id="{04E6A347-E849-4263-9BF9-31A91B9AAA7C}" type="datetimeFigureOut">
               <a:rPr lang="en-US" smtClean="0"/>
-              <a:t>2017-09-29</a:t>
+              <a:t>9/30/2017</a:t>
             </a:fld>
             <a:endParaRPr lang="en-US"/>
           </a:p>
@@ -2779,7 +2779,7 @@
           <a:p>
             <a:fld id="{04E6A347-E849-4263-9BF9-31A91B9AAA7C}" type="datetimeFigureOut">
               <a:rPr lang="en-US" smtClean="0"/>
-              <a:t>2017-09-29</a:t>
+              <a:t>9/30/2017</a:t>
             </a:fld>
             <a:endParaRPr lang="en-US"/>
           </a:p>
@@ -2957,7 +2957,7 @@
           <a:p>
             <a:fld id="{04E6A347-E849-4263-9BF9-31A91B9AAA7C}" type="datetimeFigureOut">
               <a:rPr lang="en-US" smtClean="0"/>
-              <a:t>2017-09-29</a:t>
+              <a:t>9/30/2017</a:t>
             </a:fld>
             <a:endParaRPr lang="en-US"/>
           </a:p>
@@ -3125,7 +3125,7 @@
           <a:p>
             <a:fld id="{04E6A347-E849-4263-9BF9-31A91B9AAA7C}" type="datetimeFigureOut">
               <a:rPr lang="en-US" smtClean="0"/>
-              <a:t>2017-09-29</a:t>
+              <a:t>9/30/2017</a:t>
             </a:fld>
             <a:endParaRPr lang="en-US"/>
           </a:p>
@@ -3370,7 +3370,7 @@
           <a:p>
             <a:fld id="{04E6A347-E849-4263-9BF9-31A91B9AAA7C}" type="datetimeFigureOut">
               <a:rPr lang="en-US" smtClean="0"/>
-              <a:t>2017-09-29</a:t>
+              <a:t>9/30/2017</a:t>
             </a:fld>
             <a:endParaRPr lang="en-US"/>
           </a:p>
@@ -3599,7 +3599,7 @@
           <a:p>
             <a:fld id="{04E6A347-E849-4263-9BF9-31A91B9AAA7C}" type="datetimeFigureOut">
               <a:rPr lang="en-US" smtClean="0"/>
-              <a:t>2017-09-29</a:t>
+              <a:t>9/30/2017</a:t>
             </a:fld>
             <a:endParaRPr lang="en-US"/>
           </a:p>
@@ -3963,7 +3963,7 @@
           <a:p>
             <a:fld id="{04E6A347-E849-4263-9BF9-31A91B9AAA7C}" type="datetimeFigureOut">
               <a:rPr lang="en-US" smtClean="0"/>
-              <a:t>2017-09-29</a:t>
+              <a:t>9/30/2017</a:t>
             </a:fld>
             <a:endParaRPr lang="en-US"/>
           </a:p>
@@ -4080,7 +4080,7 @@
           <a:p>
             <a:fld id="{04E6A347-E849-4263-9BF9-31A91B9AAA7C}" type="datetimeFigureOut">
               <a:rPr lang="en-US" smtClean="0"/>
-              <a:t>2017-09-29</a:t>
+              <a:t>9/30/2017</a:t>
             </a:fld>
             <a:endParaRPr lang="en-US"/>
           </a:p>
@@ -4175,7 +4175,7 @@
           <a:p>
             <a:fld id="{04E6A347-E849-4263-9BF9-31A91B9AAA7C}" type="datetimeFigureOut">
               <a:rPr lang="en-US" smtClean="0"/>
-              <a:t>2017-09-29</a:t>
+              <a:t>9/30/2017</a:t>
             </a:fld>
             <a:endParaRPr lang="en-US"/>
           </a:p>
@@ -4450,7 +4450,7 @@
           <a:p>
             <a:fld id="{04E6A347-E849-4263-9BF9-31A91B9AAA7C}" type="datetimeFigureOut">
               <a:rPr lang="en-US" smtClean="0"/>
-              <a:t>2017-09-29</a:t>
+              <a:t>9/30/2017</a:t>
             </a:fld>
             <a:endParaRPr lang="en-US"/>
           </a:p>
@@ -4702,7 +4702,7 @@
           <a:p>
             <a:fld id="{04E6A347-E849-4263-9BF9-31A91B9AAA7C}" type="datetimeFigureOut">
               <a:rPr lang="en-US" smtClean="0"/>
-              <a:t>2017-09-29</a:t>
+              <a:t>9/30/2017</a:t>
             </a:fld>
             <a:endParaRPr lang="en-US"/>
           </a:p>
@@ -4913,7 +4913,7 @@
           <a:p>
             <a:fld id="{04E6A347-E849-4263-9BF9-31A91B9AAA7C}" type="datetimeFigureOut">
               <a:rPr lang="en-US" smtClean="0"/>
-              <a:t>2017-09-29</a:t>
+              <a:t>9/30/2017</a:t>
             </a:fld>
             <a:endParaRPr lang="en-US"/>
           </a:p>
@@ -10908,22 +10908,13 @@
         <p:spPr/>
         <p:txBody>
           <a:bodyPr>
-            <a:normAutofit lnSpcReduction="10000"/>
+            <a:normAutofit/>
           </a:bodyPr>
           <a:lstStyle/>
           <a:p>
             <a:pPr marL="0" indent="0">
               <a:buNone/>
             </a:pPr>
-            <a:r>
-              <a:rPr lang="en-US" dirty="0"/>
-              <a:t>What happens if you want to preserve the human race?</a:t>
-            </a:r>
-          </a:p>
-          <a:p>
-            <a:pPr marL="0" indent="0">
-              <a:buNone/>
-            </a:pPr>
             <a:endParaRPr lang="en-US" dirty="0"/>
           </a:p>
           <a:p>
@@ -10949,7 +10940,7 @@
                 <a:latin typeface="Courier New" panose="02070309020205020404" pitchFamily="49" charset="0"/>
                 <a:cs typeface="Courier New" panose="02070309020205020404" pitchFamily="49" charset="0"/>
               </a:rPr>
-              <a:t>) 4.29 			⇒ 	4</a:t>
+              <a:t>) 4.29 		⇒ 	4</a:t>
             </a:r>
           </a:p>
           <a:p>
@@ -10961,72 +10952,8 @@
                 <a:latin typeface="Courier New" panose="02070309020205020404" pitchFamily="49" charset="0"/>
                 <a:cs typeface="Courier New" panose="02070309020205020404" pitchFamily="49" charset="0"/>
               </a:rPr>
-              <a:t>(double) 1 			⇒ 	1.0</a:t>
-            </a:r>
-          </a:p>
-          <a:p>
-            <a:pPr marL="0" indent="0">
-              <a:buNone/>
-            </a:pPr>
-            <a:r>
-              <a:rPr lang="en-US" dirty="0" err="1">
-                <a:latin typeface="Courier New" panose="02070309020205020404" pitchFamily="49" charset="0"/>
-                <a:cs typeface="Courier New" panose="02070309020205020404" pitchFamily="49" charset="0"/>
-              </a:rPr>
-              <a:t>String.valueof</a:t>
-            </a:r>
-            <a:r>
-              <a:rPr lang="en-US" dirty="0">
-                <a:latin typeface="Courier New" panose="02070309020205020404" pitchFamily="49" charset="0"/>
-                <a:cs typeface="Courier New" panose="02070309020205020404" pitchFamily="49" charset="0"/>
-              </a:rPr>
-              <a:t>(4.892)	⇒ 	“4.892”</a:t>
-            </a:r>
-          </a:p>
-          <a:p>
-            <a:endParaRPr lang="en-US" dirty="0"/>
-          </a:p>
-          <a:p>
-            <a:pPr marL="0" indent="0">
-              <a:buNone/>
-            </a:pPr>
-            <a:r>
-              <a:rPr lang="en-US" dirty="0"/>
-              <a:t>But, zombies can never be turned back: </a:t>
-            </a:r>
-            <a:r>
-              <a:rPr lang="en-US" dirty="0">
-                <a:latin typeface="Courier New" panose="02070309020205020404" pitchFamily="49" charset="0"/>
-                <a:cs typeface="Courier New" panose="02070309020205020404" pitchFamily="49" charset="0"/>
-              </a:rPr>
-              <a:t>(</a:t>
-            </a:r>
-            <a:r>
-              <a:rPr lang="en-US" dirty="0" err="1">
-                <a:latin typeface="Courier New" panose="02070309020205020404" pitchFamily="49" charset="0"/>
-                <a:cs typeface="Courier New" panose="02070309020205020404" pitchFamily="49" charset="0"/>
-              </a:rPr>
-              <a:t>int</a:t>
-            </a:r>
-            <a:r>
-              <a:rPr lang="en-US" dirty="0">
-                <a:latin typeface="Courier New" panose="02070309020205020404" pitchFamily="49" charset="0"/>
-                <a:cs typeface="Courier New" panose="02070309020205020404" pitchFamily="49" charset="0"/>
-              </a:rPr>
-              <a:t>) “String</a:t>
-            </a:r>
-            <a:r>
-              <a:rPr lang="en-US">
-                <a:latin typeface="Courier New" panose="02070309020205020404" pitchFamily="49" charset="0"/>
-                <a:cs typeface="Courier New" panose="02070309020205020404" pitchFamily="49" charset="0"/>
-              </a:rPr>
-              <a:t>”</a:t>
-            </a:r>
-            <a:r>
-              <a:rPr lang="en-US"/>
-              <a:t> ⇏ ???</a:t>
-            </a:r>
-            <a:endParaRPr lang="en-US" dirty="0"/>
+              <a:t>(double) 1 		⇒ 	1.0</a:t>
+            </a:r>
           </a:p>
           <a:p>
             <a:pPr marL="0" indent="0">
@@ -11051,8 +10978,56 @@
             </a:r>
             <a:r>
               <a:rPr lang="en-US" sz="2400" i="1" dirty="0"/>
-              <a:t> is not a primitive type, and requires a method call to convert </a:t>
-            </a:r>
+              <a:t> is not a primitive type and cannot be cast.  Java will convert </a:t>
+            </a:r>
+            <a:r>
+              <a:rPr lang="en-US" sz="2400" dirty="0" err="1">
+                <a:latin typeface="Courier New" panose="02070309020205020404" pitchFamily="49" charset="0"/>
+                <a:cs typeface="Courier New" panose="02070309020205020404" pitchFamily="49" charset="0"/>
+              </a:rPr>
+              <a:t>int</a:t>
+            </a:r>
+            <a:r>
+              <a:rPr lang="en-US" sz="2400" i="1" dirty="0"/>
+              <a:t> </a:t>
+            </a:r>
+            <a:r>
+              <a:rPr lang="en-US" sz="2400" i="1"/>
+              <a:t>and </a:t>
+            </a:r>
+            <a:r>
+              <a:rPr lang="en-US" sz="2400">
+                <a:latin typeface="Courier New" panose="02070309020205020404" pitchFamily="49" charset="0"/>
+                <a:cs typeface="Courier New" panose="02070309020205020404" pitchFamily="49" charset="0"/>
+              </a:rPr>
+              <a:t>double</a:t>
+            </a:r>
+            <a:r>
+              <a:rPr lang="en-US" sz="2400" i="1"/>
+              <a:t> to </a:t>
+            </a:r>
+            <a:r>
+              <a:rPr lang="en-US" sz="2400" i="1" dirty="0"/>
+              <a:t>strings when concatenated with a string.</a:t>
+            </a:r>
+          </a:p>
+          <a:p>
+            <a:pPr marL="0" indent="0">
+              <a:buNone/>
+            </a:pPr>
+            <a:r>
+              <a:rPr lang="en-US" sz="2400" dirty="0">
+                <a:latin typeface="Courier New" panose="02070309020205020404" pitchFamily="49" charset="0"/>
+                <a:cs typeface="Courier New" panose="02070309020205020404" pitchFamily="49" charset="0"/>
+              </a:rPr>
+              <a:t>	“” + 4.892		⇒ 	“4.892”</a:t>
+            </a:r>
+          </a:p>
+          <a:p>
+            <a:pPr marL="0" indent="0">
+              <a:buNone/>
+            </a:pPr>
+            <a:endParaRPr lang="en-US" sz="2400" i="1" dirty="0"/>
           </a:p>
         </p:txBody>
       </p:sp>
@@ -17224,15 +17199,6 @@
 </file>
 
 <file path=customXml/item1.xml><?xml version="1.0" encoding="utf-8"?>
-<?mso-contentType ?>
-<FormTemplates xmlns="http://schemas.microsoft.com/sharepoint/v3/contenttype/forms">
-  <Display>DocumentLibraryForm</Display>
-  <Edit>DocumentLibraryForm</Edit>
-  <New>DocumentLibraryForm</New>
-</FormTemplates>
-</file>
-
-<file path=customXml/item2.xml><?xml version="1.0" encoding="utf-8"?>
 <ct:contentTypeSchema xmlns:ct="http://schemas.microsoft.com/office/2006/metadata/contentType" xmlns:ma="http://schemas.microsoft.com/office/2006/metadata/properties/metaAttributes" ct:_="" ma:_="" ma:contentTypeName="Document" ma:contentTypeID="0x010100BABADD3A0624AA4E97287821B8F4D7D6" ma:contentTypeVersion="3" ma:contentTypeDescription="Create a new document." ma:contentTypeScope="" ma:versionID="d1f55a70bd1930e0ae5c5588ea58d234">
   <xsd:schema xmlns:xsd="http://www.w3.org/2001/XMLSchema" xmlns:xs="http://www.w3.org/2001/XMLSchema" xmlns:p="http://schemas.microsoft.com/office/2006/metadata/properties" xmlns:ns2="5edd459b-714d-42ed-b78f-512da7d1c14e" targetNamespace="http://schemas.microsoft.com/office/2006/metadata/properties" ma:root="true" ma:fieldsID="5a6a6e2895642296b7d1775ae73bc200" ns2:_="">
     <xsd:import namespace="5edd459b-714d-42ed-b78f-512da7d1c14e"/>
@@ -17386,21 +17352,22 @@
 </ct:contentTypeSchema>
 </file>
 
-<file path=customXml/item3.xml><?xml version="1.0" encoding="utf-8"?>
+<file path=customXml/item2.xml><?xml version="1.0" encoding="utf-8"?>
 <p:properties xmlns:p="http://schemas.microsoft.com/office/2006/metadata/properties" xmlns:xsi="http://www.w3.org/2001/XMLSchema-instance" xmlns:pc="http://schemas.microsoft.com/office/infopath/2007/PartnerControls">
   <documentManagement/>
 </p:properties>
 </file>
 
-<file path=customXml/itemProps1.xml><?xml version="1.0" encoding="utf-8"?>
-<ds:datastoreItem xmlns:ds="http://schemas.openxmlformats.org/officeDocument/2006/customXml" ds:itemID="{D3F258A9-62F9-4AA7-BEBE-DE1957F67E4B}">
-  <ds:schemaRefs>
-    <ds:schemaRef ds:uri="http://schemas.microsoft.com/sharepoint/v3/contenttype/forms"/>
-  </ds:schemaRefs>
-</ds:datastoreItem>
+<file path=customXml/item3.xml><?xml version="1.0" encoding="utf-8"?>
+<?mso-contentType ?>
+<FormTemplates xmlns="http://schemas.microsoft.com/sharepoint/v3/contenttype/forms">
+  <Display>DocumentLibraryForm</Display>
+  <Edit>DocumentLibraryForm</Edit>
+  <New>DocumentLibraryForm</New>
+</FormTemplates>
 </file>
 
-<file path=customXml/itemProps2.xml><?xml version="1.0" encoding="utf-8"?>
+<file path=customXml/itemProps1.xml><?xml version="1.0" encoding="utf-8"?>
 <ds:datastoreItem xmlns:ds="http://schemas.openxmlformats.org/officeDocument/2006/customXml" ds:itemID="{9B436524-1E59-45A9-9022-9518E43CCB5C}">
   <ds:schemaRefs>
     <ds:schemaRef ds:uri="http://schemas.microsoft.com/office/2006/metadata/contentType"/>
@@ -17418,7 +17385,7 @@
 </ds:datastoreItem>
 </file>
 
-<file path=customXml/itemProps3.xml><?xml version="1.0" encoding="utf-8"?>
+<file path=customXml/itemProps2.xml><?xml version="1.0" encoding="utf-8"?>
 <ds:datastoreItem xmlns:ds="http://schemas.openxmlformats.org/officeDocument/2006/customXml" ds:itemID="{137ABD09-FFEE-4830-B492-D9820D9FDFA2}">
   <ds:schemaRefs>
     <ds:schemaRef ds:uri="http://schemas.microsoft.com/office/infopath/2007/PartnerControls"/>
@@ -17432,4 +17399,12 @@
     <ds:schemaRef ds:uri="http://www.w3.org/XML/1998/namespace"/>
   </ds:schemaRefs>
 </ds:datastoreItem>
+</file>
+
+<file path=customXml/itemProps3.xml><?xml version="1.0" encoding="utf-8"?>
+<ds:datastoreItem xmlns:ds="http://schemas.openxmlformats.org/officeDocument/2006/customXml" ds:itemID="{D3F258A9-62F9-4AA7-BEBE-DE1957F67E4B}">
+  <ds:schemaRefs>
+    <ds:schemaRef ds:uri="http://schemas.microsoft.com/sharepoint/v3/contenttype/forms"/>
+  </ds:schemaRefs>
+</ds:datastoreItem>
 </file>
--- a/curriculum/Unit2/Unit2.pptx
+++ b/curriculum/Unit2/Unit2.pptx
@@ -207,10 +207,6 @@
 </p:presentation>
 </file>
 
-<file path=ppt/revisionInfo.xml><?xml version="1.0" encoding="utf-8"?>
-<p1510:revInfo xmlns:a="http://schemas.openxmlformats.org/drawingml/2006/main" xmlns:r="http://schemas.openxmlformats.org/officeDocument/2006/relationships" xmlns:p1510="http://schemas.microsoft.com/office/powerpoint/2015/10/main"/>
-</file>
-
 <file path=ppt/notesMasters/notesMaster1.xml><?xml version="1.0" encoding="utf-8"?>
 <p:notesMaster xmlns:a="http://schemas.openxmlformats.org/drawingml/2006/main" xmlns:r="http://schemas.openxmlformats.org/officeDocument/2006/relationships" xmlns:p="http://schemas.openxmlformats.org/presentationml/2006/main">
   <p:cSld>
@@ -293,7 +289,7 @@
           <a:p>
             <a:fld id="{01EE7243-FE3C-4092-BCD1-A3CEC92C371A}" type="datetimeFigureOut">
               <a:rPr lang="en-US" smtClean="0"/>
-              <a:t>9/30/2017</a:t>
+              <a:t>7/23/2019</a:t>
             </a:fld>
             <a:endParaRPr lang="en-US"/>
           </a:p>
@@ -2611,7 +2607,7 @@
           <a:p>
             <a:fld id="{04E6A347-E849-4263-9BF9-31A91B9AAA7C}" type="datetimeFigureOut">
               <a:rPr lang="en-US" smtClean="0"/>
-              <a:t>9/30/2017</a:t>
+              <a:t>7/23/2019</a:t>
             </a:fld>
             <a:endParaRPr lang="en-US"/>
           </a:p>
@@ -2779,7 +2775,7 @@
           <a:p>
             <a:fld id="{04E6A347-E849-4263-9BF9-31A91B9AAA7C}" type="datetimeFigureOut">
               <a:rPr lang="en-US" smtClean="0"/>
-              <a:t>9/30/2017</a:t>
+              <a:t>7/23/2019</a:t>
             </a:fld>
             <a:endParaRPr lang="en-US"/>
           </a:p>
@@ -2957,7 +2953,7 @@
           <a:p>
             <a:fld id="{04E6A347-E849-4263-9BF9-31A91B9AAA7C}" type="datetimeFigureOut">
               <a:rPr lang="en-US" smtClean="0"/>
-              <a:t>9/30/2017</a:t>
+              <a:t>7/23/2019</a:t>
             </a:fld>
             <a:endParaRPr lang="en-US"/>
           </a:p>
@@ -3125,7 +3121,7 @@
           <a:p>
             <a:fld id="{04E6A347-E849-4263-9BF9-31A91B9AAA7C}" type="datetimeFigureOut">
               <a:rPr lang="en-US" smtClean="0"/>
-              <a:t>9/30/2017</a:t>
+              <a:t>7/23/2019</a:t>
             </a:fld>
             <a:endParaRPr lang="en-US"/>
           </a:p>
@@ -3370,7 +3366,7 @@
           <a:p>
             <a:fld id="{04E6A347-E849-4263-9BF9-31A91B9AAA7C}" type="datetimeFigureOut">
               <a:rPr lang="en-US" smtClean="0"/>
-              <a:t>9/30/2017</a:t>
+              <a:t>7/23/2019</a:t>
             </a:fld>
             <a:endParaRPr lang="en-US"/>
           </a:p>
@@ -3599,7 +3595,7 @@
           <a:p>
             <a:fld id="{04E6A347-E849-4263-9BF9-31A91B9AAA7C}" type="datetimeFigureOut">
               <a:rPr lang="en-US" smtClean="0"/>
-              <a:t>9/30/2017</a:t>
+              <a:t>7/23/2019</a:t>
             </a:fld>
             <a:endParaRPr lang="en-US"/>
           </a:p>
@@ -3963,7 +3959,7 @@
           <a:p>
             <a:fld id="{04E6A347-E849-4263-9BF9-31A91B9AAA7C}" type="datetimeFigureOut">
               <a:rPr lang="en-US" smtClean="0"/>
-              <a:t>9/30/2017</a:t>
+              <a:t>7/23/2019</a:t>
             </a:fld>
             <a:endParaRPr lang="en-US"/>
           </a:p>
@@ -4080,7 +4076,7 @@
           <a:p>
             <a:fld id="{04E6A347-E849-4263-9BF9-31A91B9AAA7C}" type="datetimeFigureOut">
               <a:rPr lang="en-US" smtClean="0"/>
-              <a:t>9/30/2017</a:t>
+              <a:t>7/23/2019</a:t>
             </a:fld>
             <a:endParaRPr lang="en-US"/>
           </a:p>
@@ -4175,7 +4171,7 @@
           <a:p>
             <a:fld id="{04E6A347-E849-4263-9BF9-31A91B9AAA7C}" type="datetimeFigureOut">
               <a:rPr lang="en-US" smtClean="0"/>
-              <a:t>9/30/2017</a:t>
+              <a:t>7/23/2019</a:t>
             </a:fld>
             <a:endParaRPr lang="en-US"/>
           </a:p>
@@ -4450,7 +4446,7 @@
           <a:p>
             <a:fld id="{04E6A347-E849-4263-9BF9-31A91B9AAA7C}" type="datetimeFigureOut">
               <a:rPr lang="en-US" smtClean="0"/>
-              <a:t>9/30/2017</a:t>
+              <a:t>7/23/2019</a:t>
             </a:fld>
             <a:endParaRPr lang="en-US"/>
           </a:p>
@@ -4702,7 +4698,7 @@
           <a:p>
             <a:fld id="{04E6A347-E849-4263-9BF9-31A91B9AAA7C}" type="datetimeFigureOut">
               <a:rPr lang="en-US" smtClean="0"/>
-              <a:t>9/30/2017</a:t>
+              <a:t>7/23/2019</a:t>
             </a:fld>
             <a:endParaRPr lang="en-US"/>
           </a:p>
@@ -4913,7 +4909,7 @@
           <a:p>
             <a:fld id="{04E6A347-E849-4263-9BF9-31A91B9AAA7C}" type="datetimeFigureOut">
               <a:rPr lang="en-US" smtClean="0"/>
-              <a:t>9/30/2017</a:t>
+              <a:t>7/23/2019</a:t>
             </a:fld>
             <a:endParaRPr lang="en-US"/>
           </a:p>
@@ -11917,18 +11913,25 @@
               <a:t> = 1; </a:t>
             </a:r>
             <a:r>
-              <a:rPr lang="en-US" dirty="0" err="1">
+              <a:rPr lang="en-US" err="1">
                 <a:latin typeface="Courier New" panose="02070309020205020404" pitchFamily="49" charset="0"/>
                 <a:cs typeface="Courier New" panose="02070309020205020404" pitchFamily="49" charset="0"/>
               </a:rPr>
               <a:t>i</a:t>
             </a:r>
             <a:r>
+              <a:rPr lang="en-US">
+                <a:latin typeface="Courier New" panose="02070309020205020404" pitchFamily="49" charset="0"/>
+                <a:cs typeface="Courier New" panose="02070309020205020404" pitchFamily="49" charset="0"/>
+              </a:rPr>
+              <a:t> &lt;= </a:t>
+            </a:r>
+            <a:r>
               <a:rPr lang="en-US" dirty="0">
                 <a:latin typeface="Courier New" panose="02070309020205020404" pitchFamily="49" charset="0"/>
                 <a:cs typeface="Courier New" panose="02070309020205020404" pitchFamily="49" charset="0"/>
               </a:rPr>
-              <a:t> &lt; 1000; </a:t>
+              <a:t>1000; </a:t>
             </a:r>
             <a:r>
               <a:rPr lang="en-US" dirty="0" err="1">
@@ -17199,6 +17202,21 @@
 </file>
 
 <file path=customXml/item1.xml><?xml version="1.0" encoding="utf-8"?>
+<p:properties xmlns:p="http://schemas.microsoft.com/office/2006/metadata/properties" xmlns:xsi="http://www.w3.org/2001/XMLSchema-instance" xmlns:pc="http://schemas.microsoft.com/office/infopath/2007/PartnerControls">
+  <documentManagement/>
+</p:properties>
+</file>
+
+<file path=customXml/item2.xml><?xml version="1.0" encoding="utf-8"?>
+<?mso-contentType ?>
+<FormTemplates xmlns="http://schemas.microsoft.com/sharepoint/v3/contenttype/forms">
+  <Display>DocumentLibraryForm</Display>
+  <Edit>DocumentLibraryForm</Edit>
+  <New>DocumentLibraryForm</New>
+</FormTemplates>
+</file>
+
+<file path=customXml/item3.xml><?xml version="1.0" encoding="utf-8"?>
 <ct:contentTypeSchema xmlns:ct="http://schemas.microsoft.com/office/2006/metadata/contentType" xmlns:ma="http://schemas.microsoft.com/office/2006/metadata/properties/metaAttributes" ct:_="" ma:_="" ma:contentTypeName="Document" ma:contentTypeID="0x010100BABADD3A0624AA4E97287821B8F4D7D6" ma:contentTypeVersion="3" ma:contentTypeDescription="Create a new document." ma:contentTypeScope="" ma:versionID="d1f55a70bd1930e0ae5c5588ea58d234">
   <xsd:schema xmlns:xsd="http://www.w3.org/2001/XMLSchema" xmlns:xs="http://www.w3.org/2001/XMLSchema" xmlns:p="http://schemas.microsoft.com/office/2006/metadata/properties" xmlns:ns2="5edd459b-714d-42ed-b78f-512da7d1c14e" targetNamespace="http://schemas.microsoft.com/office/2006/metadata/properties" ma:root="true" ma:fieldsID="5a6a6e2895642296b7d1775ae73bc200" ns2:_="">
     <xsd:import namespace="5edd459b-714d-42ed-b78f-512da7d1c14e"/>
@@ -17352,22 +17370,31 @@
 </ct:contentTypeSchema>
 </file>
 
-<file path=customXml/item2.xml><?xml version="1.0" encoding="utf-8"?>
-<p:properties xmlns:p="http://schemas.microsoft.com/office/2006/metadata/properties" xmlns:xsi="http://www.w3.org/2001/XMLSchema-instance" xmlns:pc="http://schemas.microsoft.com/office/infopath/2007/PartnerControls">
-  <documentManagement/>
-</p:properties>
+<file path=customXml/itemProps1.xml><?xml version="1.0" encoding="utf-8"?>
+<ds:datastoreItem xmlns:ds="http://schemas.openxmlformats.org/officeDocument/2006/customXml" ds:itemID="{137ABD09-FFEE-4830-B492-D9820D9FDFA2}">
+  <ds:schemaRefs>
+    <ds:schemaRef ds:uri="http://schemas.microsoft.com/office/infopath/2007/PartnerControls"/>
+    <ds:schemaRef ds:uri="http://purl.org/dc/elements/1.1/"/>
+    <ds:schemaRef ds:uri="http://schemas.microsoft.com/office/2006/metadata/properties"/>
+    <ds:schemaRef ds:uri="http://schemas.microsoft.com/office/2006/documentManagement/types"/>
+    <ds:schemaRef ds:uri="http://purl.org/dc/terms/"/>
+    <ds:schemaRef ds:uri="http://schemas.openxmlformats.org/package/2006/metadata/core-properties"/>
+    <ds:schemaRef ds:uri="5edd459b-714d-42ed-b78f-512da7d1c14e"/>
+    <ds:schemaRef ds:uri="http://purl.org/dc/dcmitype/"/>
+    <ds:schemaRef ds:uri="http://www.w3.org/XML/1998/namespace"/>
+  </ds:schemaRefs>
+</ds:datastoreItem>
 </file>
 
-<file path=customXml/item3.xml><?xml version="1.0" encoding="utf-8"?>
-<?mso-contentType ?>
-<FormTemplates xmlns="http://schemas.microsoft.com/sharepoint/v3/contenttype/forms">
-  <Display>DocumentLibraryForm</Display>
-  <Edit>DocumentLibraryForm</Edit>
-  <New>DocumentLibraryForm</New>
-</FormTemplates>
+<file path=customXml/itemProps2.xml><?xml version="1.0" encoding="utf-8"?>
+<ds:datastoreItem xmlns:ds="http://schemas.openxmlformats.org/officeDocument/2006/customXml" ds:itemID="{D3F258A9-62F9-4AA7-BEBE-DE1957F67E4B}">
+  <ds:schemaRefs>
+    <ds:schemaRef ds:uri="http://schemas.microsoft.com/sharepoint/v3/contenttype/forms"/>
+  </ds:schemaRefs>
+</ds:datastoreItem>
 </file>
 
-<file path=customXml/itemProps1.xml><?xml version="1.0" encoding="utf-8"?>
+<file path=customXml/itemProps3.xml><?xml version="1.0" encoding="utf-8"?>
 <ds:datastoreItem xmlns:ds="http://schemas.openxmlformats.org/officeDocument/2006/customXml" ds:itemID="{9B436524-1E59-45A9-9022-9518E43CCB5C}">
   <ds:schemaRefs>
     <ds:schemaRef ds:uri="http://schemas.microsoft.com/office/2006/metadata/contentType"/>
@@ -17383,28 +17410,4 @@
     <ds:schemaRef ds:uri="http://schemas.microsoft.com/internal/obd"/>
   </ds:schemaRefs>
 </ds:datastoreItem>
-</file>
-
-<file path=customXml/itemProps2.xml><?xml version="1.0" encoding="utf-8"?>
-<ds:datastoreItem xmlns:ds="http://schemas.openxmlformats.org/officeDocument/2006/customXml" ds:itemID="{137ABD09-FFEE-4830-B492-D9820D9FDFA2}">
-  <ds:schemaRefs>
-    <ds:schemaRef ds:uri="http://schemas.microsoft.com/office/infopath/2007/PartnerControls"/>
-    <ds:schemaRef ds:uri="http://purl.org/dc/elements/1.1/"/>
-    <ds:schemaRef ds:uri="http://schemas.microsoft.com/office/2006/metadata/properties"/>
-    <ds:schemaRef ds:uri="http://schemas.microsoft.com/office/2006/documentManagement/types"/>
-    <ds:schemaRef ds:uri="http://purl.org/dc/terms/"/>
-    <ds:schemaRef ds:uri="http://schemas.openxmlformats.org/package/2006/metadata/core-properties"/>
-    <ds:schemaRef ds:uri="5edd459b-714d-42ed-b78f-512da7d1c14e"/>
-    <ds:schemaRef ds:uri="http://purl.org/dc/dcmitype/"/>
-    <ds:schemaRef ds:uri="http://www.w3.org/XML/1998/namespace"/>
-  </ds:schemaRefs>
-</ds:datastoreItem>
-</file>
-
-<file path=customXml/itemProps3.xml><?xml version="1.0" encoding="utf-8"?>
-<ds:datastoreItem xmlns:ds="http://schemas.openxmlformats.org/officeDocument/2006/customXml" ds:itemID="{D3F258A9-62F9-4AA7-BEBE-DE1957F67E4B}">
-  <ds:schemaRefs>
-    <ds:schemaRef ds:uri="http://schemas.microsoft.com/sharepoint/v3/contenttype/forms"/>
-  </ds:schemaRefs>
-</ds:datastoreItem>
 </file>
--- a/curriculum/Unit2/Unit2.pptx
+++ b/curriculum/Unit2/Unit2.pptx
@@ -5,7 +5,7 @@
     <p:sldMasterId id="2147483648" r:id="rId4"/>
   </p:sldMasterIdLst>
   <p:notesMasterIdLst>
-    <p:notesMasterId r:id="rId88"/>
+    <p:notesMasterId r:id="rId85"/>
   </p:notesMasterIdLst>
   <p:sldIdLst>
     <p:sldId id="318" r:id="rId5"/>
@@ -36,61 +36,58 @@
     <p:sldId id="334" r:id="rId30"/>
     <p:sldId id="335" r:id="rId31"/>
     <p:sldId id="328" r:id="rId32"/>
-    <p:sldId id="329" r:id="rId33"/>
-    <p:sldId id="330" r:id="rId34"/>
-    <p:sldId id="301" r:id="rId35"/>
-    <p:sldId id="302" r:id="rId36"/>
-    <p:sldId id="303" r:id="rId37"/>
-    <p:sldId id="304" r:id="rId38"/>
-    <p:sldId id="305" r:id="rId39"/>
-    <p:sldId id="306" r:id="rId40"/>
-    <p:sldId id="336" r:id="rId41"/>
-    <p:sldId id="290" r:id="rId42"/>
-    <p:sldId id="291" r:id="rId43"/>
-    <p:sldId id="292" r:id="rId44"/>
-    <p:sldId id="293" r:id="rId45"/>
-    <p:sldId id="294" r:id="rId46"/>
-    <p:sldId id="295" r:id="rId47"/>
-    <p:sldId id="296" r:id="rId48"/>
-    <p:sldId id="297" r:id="rId49"/>
-    <p:sldId id="298" r:id="rId50"/>
-    <p:sldId id="299" r:id="rId51"/>
-    <p:sldId id="300" r:id="rId52"/>
-    <p:sldId id="285" r:id="rId53"/>
-    <p:sldId id="286" r:id="rId54"/>
-    <p:sldId id="287" r:id="rId55"/>
-    <p:sldId id="288" r:id="rId56"/>
-    <p:sldId id="289" r:id="rId57"/>
-    <p:sldId id="278" r:id="rId58"/>
-    <p:sldId id="279" r:id="rId59"/>
-    <p:sldId id="280" r:id="rId60"/>
-    <p:sldId id="281" r:id="rId61"/>
-    <p:sldId id="282" r:id="rId62"/>
-    <p:sldId id="283" r:id="rId63"/>
-    <p:sldId id="284" r:id="rId64"/>
-    <p:sldId id="274" r:id="rId65"/>
-    <p:sldId id="275" r:id="rId66"/>
-    <p:sldId id="337" r:id="rId67"/>
-    <p:sldId id="276" r:id="rId68"/>
-    <p:sldId id="277" r:id="rId69"/>
-    <p:sldId id="271" r:id="rId70"/>
-    <p:sldId id="272" r:id="rId71"/>
-    <p:sldId id="273" r:id="rId72"/>
-    <p:sldId id="266" r:id="rId73"/>
-    <p:sldId id="267" r:id="rId74"/>
-    <p:sldId id="268" r:id="rId75"/>
-    <p:sldId id="269" r:id="rId76"/>
-    <p:sldId id="270" r:id="rId77"/>
-    <p:sldId id="261" r:id="rId78"/>
-    <p:sldId id="262" r:id="rId79"/>
-    <p:sldId id="263" r:id="rId80"/>
-    <p:sldId id="264" r:id="rId81"/>
-    <p:sldId id="265" r:id="rId82"/>
-    <p:sldId id="256" r:id="rId83"/>
-    <p:sldId id="257" r:id="rId84"/>
-    <p:sldId id="258" r:id="rId85"/>
-    <p:sldId id="259" r:id="rId86"/>
-    <p:sldId id="260" r:id="rId87"/>
+    <p:sldId id="330" r:id="rId33"/>
+    <p:sldId id="301" r:id="rId34"/>
+    <p:sldId id="302" r:id="rId35"/>
+    <p:sldId id="303" r:id="rId36"/>
+    <p:sldId id="304" r:id="rId37"/>
+    <p:sldId id="305" r:id="rId38"/>
+    <p:sldId id="306" r:id="rId39"/>
+    <p:sldId id="336" r:id="rId40"/>
+    <p:sldId id="290" r:id="rId41"/>
+    <p:sldId id="291" r:id="rId42"/>
+    <p:sldId id="292" r:id="rId43"/>
+    <p:sldId id="293" r:id="rId44"/>
+    <p:sldId id="294" r:id="rId45"/>
+    <p:sldId id="295" r:id="rId46"/>
+    <p:sldId id="296" r:id="rId47"/>
+    <p:sldId id="297" r:id="rId48"/>
+    <p:sldId id="298" r:id="rId49"/>
+    <p:sldId id="299" r:id="rId50"/>
+    <p:sldId id="300" r:id="rId51"/>
+    <p:sldId id="285" r:id="rId52"/>
+    <p:sldId id="286" r:id="rId53"/>
+    <p:sldId id="287" r:id="rId54"/>
+    <p:sldId id="289" r:id="rId55"/>
+    <p:sldId id="278" r:id="rId56"/>
+    <p:sldId id="279" r:id="rId57"/>
+    <p:sldId id="280" r:id="rId58"/>
+    <p:sldId id="281" r:id="rId59"/>
+    <p:sldId id="282" r:id="rId60"/>
+    <p:sldId id="284" r:id="rId61"/>
+    <p:sldId id="274" r:id="rId62"/>
+    <p:sldId id="275" r:id="rId63"/>
+    <p:sldId id="337" r:id="rId64"/>
+    <p:sldId id="276" r:id="rId65"/>
+    <p:sldId id="277" r:id="rId66"/>
+    <p:sldId id="271" r:id="rId67"/>
+    <p:sldId id="272" r:id="rId68"/>
+    <p:sldId id="273" r:id="rId69"/>
+    <p:sldId id="266" r:id="rId70"/>
+    <p:sldId id="267" r:id="rId71"/>
+    <p:sldId id="268" r:id="rId72"/>
+    <p:sldId id="269" r:id="rId73"/>
+    <p:sldId id="270" r:id="rId74"/>
+    <p:sldId id="261" r:id="rId75"/>
+    <p:sldId id="262" r:id="rId76"/>
+    <p:sldId id="263" r:id="rId77"/>
+    <p:sldId id="264" r:id="rId78"/>
+    <p:sldId id="265" r:id="rId79"/>
+    <p:sldId id="256" r:id="rId80"/>
+    <p:sldId id="257" r:id="rId81"/>
+    <p:sldId id="258" r:id="rId82"/>
+    <p:sldId id="259" r:id="rId83"/>
+    <p:sldId id="260" r:id="rId84"/>
   </p:sldIdLst>
   <p:sldSz cx="12192000" cy="6858000"/>
   <p:notesSz cx="6858000" cy="9144000"/>
@@ -290,7 +287,7 @@
           <a:p>
             <a:fld id="{01EE7243-FE3C-4092-BCD1-A3CEC92C371A}" type="datetimeFigureOut">
               <a:rPr lang="en-US" smtClean="0"/>
-              <a:t>1/9/2020</a:t>
+              <a:t>2/18/2020</a:t>
             </a:fld>
             <a:endParaRPr lang="en-US"/>
           </a:p>
@@ -685,28 +682,6 @@
           <a:bodyPr/>
           <a:lstStyle/>
           <a:p>
-            <a:r>
-              <a:rPr lang="en-US" dirty="0"/>
-              <a:t>If you think you’re class gets incrementing and concatenation</a:t>
-            </a:r>
-            <a:r>
-              <a:rPr lang="en-US" baseline="0" dirty="0"/>
-              <a:t>, I would recommend skipping </a:t>
-            </a:r>
-            <a:r>
-              <a:rPr lang="en-US" baseline="0" dirty="0" err="1"/>
-              <a:t>GrudgeBall</a:t>
-            </a:r>
-            <a:r>
-              <a:rPr lang="en-US" baseline="0" dirty="0"/>
-              <a:t> to review previous content or start on 2.4 (there’s essentially no homework for today). If you’re class doesn’t get it and you feel like a 30 minute activity is too much, do some practice questions on the board and review previous topics.</a:t>
-            </a:r>
-          </a:p>
-          <a:p>
-            <a:r>
-              <a:rPr lang="en-US" baseline="0" dirty="0"/>
-              <a:t>Practice-It self check 2.2, 2.3, and 2.4 are all good for expressions.</a:t>
-            </a:r>
             <a:endParaRPr lang="en-US" dirty="0"/>
           </a:p>
         </p:txBody>
@@ -728,7 +703,7 @@
           <a:p>
             <a:fld id="{C56969A0-B3EA-45A4-A390-44554200A62E}" type="slidenum">
               <a:rPr lang="en-US" smtClean="0"/>
-              <a:t>36</a:t>
+              <a:t>37</a:t>
             </a:fld>
             <a:endParaRPr lang="en-US"/>
           </a:p>
@@ -737,7 +712,7 @@
     </p:spTree>
     <p:extLst>
       <p:ext uri="{BB962C8B-B14F-4D97-AF65-F5344CB8AC3E}">
-        <p14:creationId xmlns:p14="http://schemas.microsoft.com/office/powerpoint/2010/main" val="239085459"/>
+        <p14:creationId xmlns:p14="http://schemas.microsoft.com/office/powerpoint/2010/main" val="2723762761"/>
       </p:ext>
     </p:extLst>
   </p:cSld>
@@ -791,6 +766,14 @@
           <a:bodyPr/>
           <a:lstStyle/>
           <a:p>
+            <a:r>
+              <a:rPr lang="en-US" dirty="0"/>
+              <a:t>FYI:</a:t>
+            </a:r>
+            <a:r>
+              <a:rPr lang="en-US" baseline="0" dirty="0"/>
+              <a:t> This is the high school from Teen Wolf a popular teen show about werewolves (hence the name).</a:t>
+            </a:r>
             <a:endParaRPr lang="en-US" dirty="0"/>
           </a:p>
         </p:txBody>
@@ -812,7 +795,7 @@
           <a:p>
             <a:fld id="{C56969A0-B3EA-45A4-A390-44554200A62E}" type="slidenum">
               <a:rPr lang="en-US" smtClean="0"/>
-              <a:t>38</a:t>
+              <a:t>43</a:t>
             </a:fld>
             <a:endParaRPr lang="en-US"/>
           </a:p>
@@ -821,7 +804,7 @@
     </p:spTree>
     <p:extLst>
       <p:ext uri="{BB962C8B-B14F-4D97-AF65-F5344CB8AC3E}">
-        <p14:creationId xmlns:p14="http://schemas.microsoft.com/office/powerpoint/2010/main" val="2723762761"/>
+        <p14:creationId xmlns:p14="http://schemas.microsoft.com/office/powerpoint/2010/main" val="2249690212"/>
       </p:ext>
     </p:extLst>
   </p:cSld>
@@ -877,11 +860,15 @@
           <a:p>
             <a:r>
               <a:rPr lang="en-US" dirty="0"/>
-              <a:t>FYI:</a:t>
+              <a:t>This</a:t>
             </a:r>
             <a:r>
               <a:rPr lang="en-US" baseline="0" dirty="0"/>
-              <a:t> This is the high school from Teen Wolf a popular teen show about werewolves (hence the name).</a:t>
+              <a:t> unit is mostly done either on practice it or the board. Feel free to edit </a:t>
+            </a:r>
+            <a:r>
+              <a:rPr lang="en-US" baseline="0"/>
+              <a:t>this slide deck as you see fit!</a:t>
             </a:r>
             <a:endParaRPr lang="en-US" dirty="0"/>
           </a:p>
@@ -904,7 +891,7 @@
           <a:p>
             <a:fld id="{C56969A0-B3EA-45A4-A390-44554200A62E}" type="slidenum">
               <a:rPr lang="en-US" smtClean="0"/>
-              <a:t>44</a:t>
+              <a:t>48</a:t>
             </a:fld>
             <a:endParaRPr lang="en-US"/>
           </a:p>
@@ -913,7 +900,7 @@
     </p:spTree>
     <p:extLst>
       <p:ext uri="{BB962C8B-B14F-4D97-AF65-F5344CB8AC3E}">
-        <p14:creationId xmlns:p14="http://schemas.microsoft.com/office/powerpoint/2010/main" val="2249690212"/>
+        <p14:creationId xmlns:p14="http://schemas.microsoft.com/office/powerpoint/2010/main" val="1775871340"/>
       </p:ext>
     </p:extLst>
   </p:cSld>
@@ -969,15 +956,17 @@
           <a:p>
             <a:r>
               <a:rPr lang="en-US" dirty="0"/>
-              <a:t>This</a:t>
+              <a:t>Add your own for</a:t>
             </a:r>
             <a:r>
               <a:rPr lang="en-US" baseline="0" dirty="0"/>
-              <a:t> unit is mostly done either on practice it or the board. Feel free to edit </a:t>
-            </a:r>
-            <a:r>
-              <a:rPr lang="en-US" baseline="0"/>
-              <a:t>this slide deck as you see fit!</a:t>
+              <a:t> loop up on the board, have the class follow along. Example above.</a:t>
+            </a:r>
+          </a:p>
+          <a:p>
+            <a:r>
+              <a:rPr lang="en-US" baseline="0" dirty="0"/>
+              <a:t>You can tweak each of these for loops and ask your class what would be said.</a:t>
             </a:r>
             <a:endParaRPr lang="en-US" dirty="0"/>
           </a:p>
@@ -1009,7 +998,7 @@
     </p:spTree>
     <p:extLst>
       <p:ext uri="{BB962C8B-B14F-4D97-AF65-F5344CB8AC3E}">
-        <p14:creationId xmlns:p14="http://schemas.microsoft.com/office/powerpoint/2010/main" val="1775871340"/>
+        <p14:creationId xmlns:p14="http://schemas.microsoft.com/office/powerpoint/2010/main" val="4201018680"/>
       </p:ext>
     </p:extLst>
   </p:cSld>
@@ -1065,19 +1054,8 @@
           <a:p>
             <a:r>
               <a:rPr lang="en-US" dirty="0"/>
-              <a:t>Add your own for</a:t>
-            </a:r>
-            <a:r>
-              <a:rPr lang="en-US" baseline="0" dirty="0"/>
-              <a:t> loop up on the board, have the class follow along. Example above.</a:t>
-            </a:r>
-          </a:p>
-          <a:p>
-            <a:r>
-              <a:rPr lang="en-US" baseline="0" dirty="0"/>
-              <a:t>You can tweak each of these for loops and ask your class what would be said.</a:t>
-            </a:r>
-            <a:endParaRPr lang="en-US" dirty="0"/>
+              <a:t>Don’t show your class this slide until after they finish.</a:t>
+            </a:r>
           </a:p>
         </p:txBody>
       </p:sp>
@@ -1107,7 +1085,7 @@
     </p:spTree>
     <p:extLst>
       <p:ext uri="{BB962C8B-B14F-4D97-AF65-F5344CB8AC3E}">
-        <p14:creationId xmlns:p14="http://schemas.microsoft.com/office/powerpoint/2010/main" val="4201018680"/>
+        <p14:creationId xmlns:p14="http://schemas.microsoft.com/office/powerpoint/2010/main" val="1430313054"/>
       </p:ext>
     </p:extLst>
   </p:cSld>
@@ -1163,8 +1141,17 @@
           <a:p>
             <a:r>
               <a:rPr lang="en-US" dirty="0"/>
-              <a:t>Don’t show your class this slide until after they finish.</a:t>
-            </a:r>
+              <a:t>This</a:t>
+            </a:r>
+            <a:r>
+              <a:rPr lang="en-US" baseline="0" dirty="0"/>
+              <a:t> unit is mostly done either on practice it or the board. Feel free to edit </a:t>
+            </a:r>
+            <a:r>
+              <a:rPr lang="en-US" baseline="0"/>
+              <a:t>this slide deck as you see fit!</a:t>
+            </a:r>
+            <a:endParaRPr lang="en-US" dirty="0"/>
           </a:p>
         </p:txBody>
       </p:sp>
@@ -1185,7 +1172,7 @@
           <a:p>
             <a:fld id="{C56969A0-B3EA-45A4-A390-44554200A62E}" type="slidenum">
               <a:rPr lang="en-US" smtClean="0"/>
-              <a:t>51</a:t>
+              <a:t>52</a:t>
             </a:fld>
             <a:endParaRPr lang="en-US"/>
           </a:p>
@@ -1194,7 +1181,7 @@
     </p:spTree>
     <p:extLst>
       <p:ext uri="{BB962C8B-B14F-4D97-AF65-F5344CB8AC3E}">
-        <p14:creationId xmlns:p14="http://schemas.microsoft.com/office/powerpoint/2010/main" val="1430313054"/>
+        <p14:creationId xmlns:p14="http://schemas.microsoft.com/office/powerpoint/2010/main" val="3457626382"/>
       </p:ext>
     </p:extLst>
   </p:cSld>
@@ -1281,7 +1268,7 @@
           <a:p>
             <a:fld id="{C56969A0-B3EA-45A4-A390-44554200A62E}" type="slidenum">
               <a:rPr lang="en-US" smtClean="0"/>
-              <a:t>54</a:t>
+              <a:t>58</a:t>
             </a:fld>
             <a:endParaRPr lang="en-US"/>
           </a:p>
@@ -1290,7 +1277,7 @@
     </p:spTree>
     <p:extLst>
       <p:ext uri="{BB962C8B-B14F-4D97-AF65-F5344CB8AC3E}">
-        <p14:creationId xmlns:p14="http://schemas.microsoft.com/office/powerpoint/2010/main" val="3457626382"/>
+        <p14:creationId xmlns:p14="http://schemas.microsoft.com/office/powerpoint/2010/main" val="1825897824"/>
       </p:ext>
     </p:extLst>
   </p:cSld>
@@ -1346,11 +1333,15 @@
           <a:p>
             <a:r>
               <a:rPr lang="en-US" dirty="0"/>
-              <a:t>Practice It, alternatively</a:t>
+              <a:t>This</a:t>
             </a:r>
             <a:r>
               <a:rPr lang="en-US" baseline="0" dirty="0"/>
-              <a:t> you can work on the challenge introduced at the start. The alternative would generally be done on the board as it’s easier to talk the class through the loop step by step.</a:t>
+              <a:t> unit is mostly done either on practice it or the board. Feel free to edit </a:t>
+            </a:r>
+            <a:r>
+              <a:rPr lang="en-US" baseline="0"/>
+              <a:t>this slide deck as you see fit!</a:t>
             </a:r>
             <a:endParaRPr lang="en-US" dirty="0"/>
           </a:p>
@@ -1373,7 +1364,7 @@
           <a:p>
             <a:fld id="{C56969A0-B3EA-45A4-A390-44554200A62E}" type="slidenum">
               <a:rPr lang="en-US" smtClean="0"/>
-              <a:t>59</a:t>
+              <a:t>63</a:t>
             </a:fld>
             <a:endParaRPr lang="en-US"/>
           </a:p>
@@ -1382,7 +1373,7 @@
     </p:spTree>
     <p:extLst>
       <p:ext uri="{BB962C8B-B14F-4D97-AF65-F5344CB8AC3E}">
-        <p14:creationId xmlns:p14="http://schemas.microsoft.com/office/powerpoint/2010/main" val="3898233131"/>
+        <p14:creationId xmlns:p14="http://schemas.microsoft.com/office/powerpoint/2010/main" val="2228105771"/>
       </p:ext>
     </p:extLst>
   </p:cSld>
@@ -1469,7 +1460,7 @@
           <a:p>
             <a:fld id="{C56969A0-B3EA-45A4-A390-44554200A62E}" type="slidenum">
               <a:rPr lang="en-US" smtClean="0"/>
-              <a:t>61</a:t>
+              <a:t>66</a:t>
             </a:fld>
             <a:endParaRPr lang="en-US"/>
           </a:p>
@@ -1478,7 +1469,7 @@
     </p:spTree>
     <p:extLst>
       <p:ext uri="{BB962C8B-B14F-4D97-AF65-F5344CB8AC3E}">
-        <p14:creationId xmlns:p14="http://schemas.microsoft.com/office/powerpoint/2010/main" val="1825897824"/>
+        <p14:creationId xmlns:p14="http://schemas.microsoft.com/office/powerpoint/2010/main" val="3215377394"/>
       </p:ext>
     </p:extLst>
   </p:cSld>
@@ -1565,7 +1556,7 @@
           <a:p>
             <a:fld id="{C56969A0-B3EA-45A4-A390-44554200A62E}" type="slidenum">
               <a:rPr lang="en-US" smtClean="0"/>
-              <a:t>66</a:t>
+              <a:t>71</a:t>
             </a:fld>
             <a:endParaRPr lang="en-US"/>
           </a:p>
@@ -1574,7 +1565,7 @@
     </p:spTree>
     <p:extLst>
       <p:ext uri="{BB962C8B-B14F-4D97-AF65-F5344CB8AC3E}">
-        <p14:creationId xmlns:p14="http://schemas.microsoft.com/office/powerpoint/2010/main" val="2228105771"/>
+        <p14:creationId xmlns:p14="http://schemas.microsoft.com/office/powerpoint/2010/main" val="2352727907"/>
       </p:ext>
     </p:extLst>
   </p:cSld>
@@ -1659,198 +1650,6 @@
     <p:extLst>
       <p:ext uri="{BB962C8B-B14F-4D97-AF65-F5344CB8AC3E}">
         <p14:creationId xmlns:p14="http://schemas.microsoft.com/office/powerpoint/2010/main" val="1421016923"/>
-      </p:ext>
-    </p:extLst>
-  </p:cSld>
-  <p:clrMapOvr>
-    <a:masterClrMapping/>
-  </p:clrMapOvr>
-</p:notes>
-</file>
-
-<file path=ppt/notesSlides/notesSlide20.xml><?xml version="1.0" encoding="utf-8"?>
-<p:notes xmlns:a="http://schemas.openxmlformats.org/drawingml/2006/main" xmlns:r="http://schemas.openxmlformats.org/officeDocument/2006/relationships" xmlns:p="http://schemas.openxmlformats.org/presentationml/2006/main">
-  <p:cSld>
-    <p:spTree>
-      <p:nvGrpSpPr>
-        <p:cNvPr id="1" name=""/>
-        <p:cNvGrpSpPr/>
-        <p:nvPr/>
-      </p:nvGrpSpPr>
-      <p:grpSpPr>
-        <a:xfrm>
-          <a:off x="0" y="0"/>
-          <a:ext cx="0" cy="0"/>
-          <a:chOff x="0" y="0"/>
-          <a:chExt cx="0" cy="0"/>
-        </a:xfrm>
-      </p:grpSpPr>
-      <p:sp>
-        <p:nvSpPr>
-          <p:cNvPr id="2" name="Slide Image Placeholder 1"/>
-          <p:cNvSpPr>
-            <a:spLocks noGrp="1" noRot="1" noChangeAspect="1"/>
-          </p:cNvSpPr>
-          <p:nvPr>
-            <p:ph type="sldImg"/>
-          </p:nvPr>
-        </p:nvSpPr>
-        <p:spPr/>
-      </p:sp>
-      <p:sp>
-        <p:nvSpPr>
-          <p:cNvPr id="3" name="Notes Placeholder 2"/>
-          <p:cNvSpPr>
-            <a:spLocks noGrp="1"/>
-          </p:cNvSpPr>
-          <p:nvPr>
-            <p:ph type="body" idx="1"/>
-          </p:nvPr>
-        </p:nvSpPr>
-        <p:spPr/>
-        <p:txBody>
-          <a:bodyPr/>
-          <a:lstStyle/>
-          <a:p>
-            <a:r>
-              <a:rPr lang="en-US" dirty="0"/>
-              <a:t>This</a:t>
-            </a:r>
-            <a:r>
-              <a:rPr lang="en-US" baseline="0" dirty="0"/>
-              <a:t> unit is mostly done either on practice it or the board. Feel free to edit </a:t>
-            </a:r>
-            <a:r>
-              <a:rPr lang="en-US" baseline="0"/>
-              <a:t>this slide deck as you see fit!</a:t>
-            </a:r>
-            <a:endParaRPr lang="en-US" dirty="0"/>
-          </a:p>
-        </p:txBody>
-      </p:sp>
-      <p:sp>
-        <p:nvSpPr>
-          <p:cNvPr id="4" name="Slide Number Placeholder 3"/>
-          <p:cNvSpPr>
-            <a:spLocks noGrp="1"/>
-          </p:cNvSpPr>
-          <p:nvPr>
-            <p:ph type="sldNum" sz="quarter" idx="10"/>
-          </p:nvPr>
-        </p:nvSpPr>
-        <p:spPr/>
-        <p:txBody>
-          <a:bodyPr/>
-          <a:lstStyle/>
-          <a:p>
-            <a:fld id="{C56969A0-B3EA-45A4-A390-44554200A62E}" type="slidenum">
-              <a:rPr lang="en-US" smtClean="0"/>
-              <a:t>69</a:t>
-            </a:fld>
-            <a:endParaRPr lang="en-US"/>
-          </a:p>
-        </p:txBody>
-      </p:sp>
-    </p:spTree>
-    <p:extLst>
-      <p:ext uri="{BB962C8B-B14F-4D97-AF65-F5344CB8AC3E}">
-        <p14:creationId xmlns:p14="http://schemas.microsoft.com/office/powerpoint/2010/main" val="3215377394"/>
-      </p:ext>
-    </p:extLst>
-  </p:cSld>
-  <p:clrMapOvr>
-    <a:masterClrMapping/>
-  </p:clrMapOvr>
-</p:notes>
-</file>
-
-<file path=ppt/notesSlides/notesSlide21.xml><?xml version="1.0" encoding="utf-8"?>
-<p:notes xmlns:a="http://schemas.openxmlformats.org/drawingml/2006/main" xmlns:r="http://schemas.openxmlformats.org/officeDocument/2006/relationships" xmlns:p="http://schemas.openxmlformats.org/presentationml/2006/main">
-  <p:cSld>
-    <p:spTree>
-      <p:nvGrpSpPr>
-        <p:cNvPr id="1" name=""/>
-        <p:cNvGrpSpPr/>
-        <p:nvPr/>
-      </p:nvGrpSpPr>
-      <p:grpSpPr>
-        <a:xfrm>
-          <a:off x="0" y="0"/>
-          <a:ext cx="0" cy="0"/>
-          <a:chOff x="0" y="0"/>
-          <a:chExt cx="0" cy="0"/>
-        </a:xfrm>
-      </p:grpSpPr>
-      <p:sp>
-        <p:nvSpPr>
-          <p:cNvPr id="2" name="Slide Image Placeholder 1"/>
-          <p:cNvSpPr>
-            <a:spLocks noGrp="1" noRot="1" noChangeAspect="1"/>
-          </p:cNvSpPr>
-          <p:nvPr>
-            <p:ph type="sldImg"/>
-          </p:nvPr>
-        </p:nvSpPr>
-        <p:spPr/>
-      </p:sp>
-      <p:sp>
-        <p:nvSpPr>
-          <p:cNvPr id="3" name="Notes Placeholder 2"/>
-          <p:cNvSpPr>
-            <a:spLocks noGrp="1"/>
-          </p:cNvSpPr>
-          <p:nvPr>
-            <p:ph type="body" idx="1"/>
-          </p:nvPr>
-        </p:nvSpPr>
-        <p:spPr/>
-        <p:txBody>
-          <a:bodyPr/>
-          <a:lstStyle/>
-          <a:p>
-            <a:r>
-              <a:rPr lang="en-US" dirty="0"/>
-              <a:t>This</a:t>
-            </a:r>
-            <a:r>
-              <a:rPr lang="en-US" baseline="0" dirty="0"/>
-              <a:t> unit is mostly done either on practice it or the board. Feel free to edit </a:t>
-            </a:r>
-            <a:r>
-              <a:rPr lang="en-US" baseline="0"/>
-              <a:t>this slide deck as you see fit!</a:t>
-            </a:r>
-            <a:endParaRPr lang="en-US" dirty="0"/>
-          </a:p>
-        </p:txBody>
-      </p:sp>
-      <p:sp>
-        <p:nvSpPr>
-          <p:cNvPr id="4" name="Slide Number Placeholder 3"/>
-          <p:cNvSpPr>
-            <a:spLocks noGrp="1"/>
-          </p:cNvSpPr>
-          <p:nvPr>
-            <p:ph type="sldNum" sz="quarter" idx="10"/>
-          </p:nvPr>
-        </p:nvSpPr>
-        <p:spPr/>
-        <p:txBody>
-          <a:bodyPr/>
-          <a:lstStyle/>
-          <a:p>
-            <a:fld id="{C56969A0-B3EA-45A4-A390-44554200A62E}" type="slidenum">
-              <a:rPr lang="en-US" smtClean="0"/>
-              <a:t>74</a:t>
-            </a:fld>
-            <a:endParaRPr lang="en-US"/>
-          </a:p>
-        </p:txBody>
-      </p:sp>
-    </p:spTree>
-    <p:extLst>
-      <p:ext uri="{BB962C8B-B14F-4D97-AF65-F5344CB8AC3E}">
-        <p14:creationId xmlns:p14="http://schemas.microsoft.com/office/powerpoint/2010/main" val="2352727907"/>
       </p:ext>
     </p:extLst>
   </p:cSld>
@@ -2268,10 +2067,7 @@
           <a:bodyPr/>
           <a:lstStyle/>
           <a:p>
-            <a:r>
-              <a:rPr lang="en-US" dirty="0"/>
-              <a:t>Collect all of this work.</a:t>
-            </a:r>
+            <a:endParaRPr lang="en-US" dirty="0"/>
           </a:p>
         </p:txBody>
       </p:sp>
@@ -2292,7 +2088,7 @@
           <a:p>
             <a:fld id="{C56969A0-B3EA-45A4-A390-44554200A62E}" type="slidenum">
               <a:rPr lang="en-US" smtClean="0"/>
-              <a:t>29</a:t>
+              <a:t>30</a:t>
             </a:fld>
             <a:endParaRPr lang="en-US"/>
           </a:p>
@@ -2301,7 +2097,7 @@
     </p:spTree>
     <p:extLst>
       <p:ext uri="{BB962C8B-B14F-4D97-AF65-F5344CB8AC3E}">
-        <p14:creationId xmlns:p14="http://schemas.microsoft.com/office/powerpoint/2010/main" val="1655144284"/>
+        <p14:creationId xmlns:p14="http://schemas.microsoft.com/office/powerpoint/2010/main" val="2618100131"/>
       </p:ext>
     </p:extLst>
   </p:cSld>
@@ -2376,7 +2172,7 @@
           <a:p>
             <a:fld id="{C56969A0-B3EA-45A4-A390-44554200A62E}" type="slidenum">
               <a:rPr lang="en-US" smtClean="0"/>
-              <a:t>31</a:t>
+              <a:t>34</a:t>
             </a:fld>
             <a:endParaRPr lang="en-US"/>
           </a:p>
@@ -2385,7 +2181,7 @@
     </p:spTree>
     <p:extLst>
       <p:ext uri="{BB962C8B-B14F-4D97-AF65-F5344CB8AC3E}">
-        <p14:creationId xmlns:p14="http://schemas.microsoft.com/office/powerpoint/2010/main" val="2618100131"/>
+        <p14:creationId xmlns:p14="http://schemas.microsoft.com/office/powerpoint/2010/main" val="3387428070"/>
       </p:ext>
     </p:extLst>
   </p:cSld>
@@ -2439,6 +2235,28 @@
           <a:bodyPr/>
           <a:lstStyle/>
           <a:p>
+            <a:r>
+              <a:rPr lang="en-US" dirty="0"/>
+              <a:t>If you think you’re class gets incrementing and concatenation</a:t>
+            </a:r>
+            <a:r>
+              <a:rPr lang="en-US" baseline="0" dirty="0"/>
+              <a:t>, I would recommend skipping </a:t>
+            </a:r>
+            <a:r>
+              <a:rPr lang="en-US" baseline="0" dirty="0" err="1"/>
+              <a:t>GrudgeBall</a:t>
+            </a:r>
+            <a:r>
+              <a:rPr lang="en-US" baseline="0" dirty="0"/>
+              <a:t> to review previous content or start on 2.4 (there’s essentially no homework for today). If you’re class doesn’t get it and you feel like a 30 minute activity is too much, do some practice questions on the board and review previous topics.</a:t>
+            </a:r>
+          </a:p>
+          <a:p>
+            <a:r>
+              <a:rPr lang="en-US" baseline="0" dirty="0"/>
+              <a:t>Practice-It self check 2.2, 2.3, and 2.4 are all good for expressions.</a:t>
+            </a:r>
             <a:endParaRPr lang="en-US" dirty="0"/>
           </a:p>
         </p:txBody>
@@ -2469,7 +2287,7 @@
     </p:spTree>
     <p:extLst>
       <p:ext uri="{BB962C8B-B14F-4D97-AF65-F5344CB8AC3E}">
-        <p14:creationId xmlns:p14="http://schemas.microsoft.com/office/powerpoint/2010/main" val="3387428070"/>
+        <p14:creationId xmlns:p14="http://schemas.microsoft.com/office/powerpoint/2010/main" val="239085459"/>
       </p:ext>
     </p:extLst>
   </p:cSld>
@@ -2608,7 +2426,7 @@
           <a:p>
             <a:fld id="{04E6A347-E849-4263-9BF9-31A91B9AAA7C}" type="datetimeFigureOut">
               <a:rPr lang="en-US" smtClean="0"/>
-              <a:t>1/9/2020</a:t>
+              <a:t>2/18/2020</a:t>
             </a:fld>
             <a:endParaRPr lang="en-US"/>
           </a:p>
@@ -2776,7 +2594,7 @@
           <a:p>
             <a:fld id="{04E6A347-E849-4263-9BF9-31A91B9AAA7C}" type="datetimeFigureOut">
               <a:rPr lang="en-US" smtClean="0"/>
-              <a:t>1/9/2020</a:t>
+              <a:t>2/18/2020</a:t>
             </a:fld>
             <a:endParaRPr lang="en-US"/>
           </a:p>
@@ -2954,7 +2772,7 @@
           <a:p>
             <a:fld id="{04E6A347-E849-4263-9BF9-31A91B9AAA7C}" type="datetimeFigureOut">
               <a:rPr lang="en-US" smtClean="0"/>
-              <a:t>1/9/2020</a:t>
+              <a:t>2/18/2020</a:t>
             </a:fld>
             <a:endParaRPr lang="en-US"/>
           </a:p>
@@ -3122,7 +2940,7 @@
           <a:p>
             <a:fld id="{04E6A347-E849-4263-9BF9-31A91B9AAA7C}" type="datetimeFigureOut">
               <a:rPr lang="en-US" smtClean="0"/>
-              <a:t>1/9/2020</a:t>
+              <a:t>2/18/2020</a:t>
             </a:fld>
             <a:endParaRPr lang="en-US"/>
           </a:p>
@@ -3367,7 +3185,7 @@
           <a:p>
             <a:fld id="{04E6A347-E849-4263-9BF9-31A91B9AAA7C}" type="datetimeFigureOut">
               <a:rPr lang="en-US" smtClean="0"/>
-              <a:t>1/9/2020</a:t>
+              <a:t>2/18/2020</a:t>
             </a:fld>
             <a:endParaRPr lang="en-US"/>
           </a:p>
@@ -3596,7 +3414,7 @@
           <a:p>
             <a:fld id="{04E6A347-E849-4263-9BF9-31A91B9AAA7C}" type="datetimeFigureOut">
               <a:rPr lang="en-US" smtClean="0"/>
-              <a:t>1/9/2020</a:t>
+              <a:t>2/18/2020</a:t>
             </a:fld>
             <a:endParaRPr lang="en-US"/>
           </a:p>
@@ -3960,7 +3778,7 @@
           <a:p>
             <a:fld id="{04E6A347-E849-4263-9BF9-31A91B9AAA7C}" type="datetimeFigureOut">
               <a:rPr lang="en-US" smtClean="0"/>
-              <a:t>1/9/2020</a:t>
+              <a:t>2/18/2020</a:t>
             </a:fld>
             <a:endParaRPr lang="en-US"/>
           </a:p>
@@ -4077,7 +3895,7 @@
           <a:p>
             <a:fld id="{04E6A347-E849-4263-9BF9-31A91B9AAA7C}" type="datetimeFigureOut">
               <a:rPr lang="en-US" smtClean="0"/>
-              <a:t>1/9/2020</a:t>
+              <a:t>2/18/2020</a:t>
             </a:fld>
             <a:endParaRPr lang="en-US"/>
           </a:p>
@@ -4172,7 +3990,7 @@
           <a:p>
             <a:fld id="{04E6A347-E849-4263-9BF9-31A91B9AAA7C}" type="datetimeFigureOut">
               <a:rPr lang="en-US" smtClean="0"/>
-              <a:t>1/9/2020</a:t>
+              <a:t>2/18/2020</a:t>
             </a:fld>
             <a:endParaRPr lang="en-US"/>
           </a:p>
@@ -4447,7 +4265,7 @@
           <a:p>
             <a:fld id="{04E6A347-E849-4263-9BF9-31A91B9AAA7C}" type="datetimeFigureOut">
               <a:rPr lang="en-US" smtClean="0"/>
-              <a:t>1/9/2020</a:t>
+              <a:t>2/18/2020</a:t>
             </a:fld>
             <a:endParaRPr lang="en-US"/>
           </a:p>
@@ -4699,7 +4517,7 @@
           <a:p>
             <a:fld id="{04E6A347-E849-4263-9BF9-31A91B9AAA7C}" type="datetimeFigureOut">
               <a:rPr lang="en-US" smtClean="0"/>
-              <a:t>1/9/2020</a:t>
+              <a:t>2/18/2020</a:t>
             </a:fld>
             <a:endParaRPr lang="en-US"/>
           </a:p>
@@ -4910,7 +4728,7 @@
           <a:p>
             <a:fld id="{04E6A347-E849-4263-9BF9-31A91B9AAA7C}" type="datetimeFigureOut">
               <a:rPr lang="en-US" smtClean="0"/>
-              <a:t>1/9/2020</a:t>
+              <a:t>2/18/2020</a:t>
             </a:fld>
             <a:endParaRPr lang="en-US"/>
           </a:p>
@@ -9435,12 +9253,14 @@
         </p:nvSpPr>
         <p:spPr/>
         <p:txBody>
-          <a:bodyPr/>
-          <a:lstStyle/>
-          <a:p>
-            <a:r>
-              <a:rPr lang="en-US" dirty="0"/>
-              <a:t>Practice-It</a:t>
+          <a:bodyPr>
+            <a:normAutofit/>
+          </a:bodyPr>
+          <a:lstStyle/>
+          <a:p>
+            <a:r>
+              <a:rPr lang="en-US" dirty="0"/>
+              <a:t>Homework</a:t>
             </a:r>
           </a:p>
         </p:txBody>
@@ -9465,7 +9285,7 @@
             </a:pPr>
             <a:r>
               <a:rPr lang="en-US" dirty="0"/>
-              <a:t>Complete the following self-check questions:</a:t>
+              <a:t>Read the rest of 2.2</a:t>
             </a:r>
           </a:p>
           <a:p>
@@ -9475,57 +9295,37 @@
             <a:endParaRPr lang="en-US" dirty="0"/>
           </a:p>
           <a:p>
-            <a:pPr marL="514350" indent="-514350">
-              <a:buAutoNum type="alphaLcPeriod"/>
-            </a:pPr>
-            <a:r>
-              <a:rPr lang="en-US" dirty="0" err="1"/>
-              <a:t>studentVariables</a:t>
-            </a:r>
-            <a:endParaRPr lang="en-US" dirty="0"/>
-          </a:p>
-          <a:p>
-            <a:pPr marL="514350" indent="-514350">
-              <a:buAutoNum type="alphaLcPeriod"/>
-            </a:pPr>
-            <a:r>
-              <a:rPr lang="en-US" dirty="0"/>
-              <a:t>Values of A, B, C</a:t>
-            </a:r>
-          </a:p>
-          <a:p>
-            <a:pPr marL="514350" indent="-514350">
-              <a:buAutoNum type="alphaLcPeriod"/>
-            </a:pPr>
-            <a:endParaRPr lang="en-US" dirty="0"/>
-          </a:p>
-          <a:p>
-            <a:pPr marL="0" indent="0">
-              <a:buNone/>
-            </a:pPr>
-            <a:r>
-              <a:rPr lang="en-US" dirty="0"/>
-              <a:t>Complete the Practice-It exercise “displacement”.</a:t>
-            </a:r>
-          </a:p>
-          <a:p>
-            <a:pPr marL="0" indent="0">
-              <a:buNone/>
-            </a:pPr>
-            <a:endParaRPr lang="en-US" dirty="0"/>
-          </a:p>
-          <a:p>
-            <a:pPr marL="0" indent="0">
-              <a:buNone/>
-            </a:pPr>
-            <a:endParaRPr lang="en-US" dirty="0"/>
+            <a:pPr marL="0" indent="0">
+              <a:buNone/>
+            </a:pPr>
+            <a:r>
+              <a:rPr lang="en-US" dirty="0"/>
+              <a:t>Complete chapter 2 self-check questions 5, 6, 9, 12 – 15 </a:t>
+            </a:r>
+          </a:p>
+          <a:p>
+            <a:pPr marL="0" indent="0">
+              <a:buNone/>
+            </a:pPr>
+            <a:r>
+              <a:rPr lang="en-US" dirty="0"/>
+              <a:t>(4</a:t>
+            </a:r>
+            <a:r>
+              <a:rPr lang="en-US" baseline="30000" dirty="0"/>
+              <a:t>th</a:t>
+            </a:r>
+            <a:r>
+              <a:rPr lang="en-US" dirty="0"/>
+              <a:t> edition: 6, 5, 10, 14-17). </a:t>
+            </a:r>
           </a:p>
         </p:txBody>
       </p:sp>
     </p:spTree>
     <p:extLst>
       <p:ext uri="{BB962C8B-B14F-4D97-AF65-F5344CB8AC3E}">
-        <p14:creationId xmlns:p14="http://schemas.microsoft.com/office/powerpoint/2010/main" val="1400030666"/>
+        <p14:creationId xmlns:p14="http://schemas.microsoft.com/office/powerpoint/2010/main" val="1832084249"/>
       </p:ext>
     </p:extLst>
   </p:cSld>
@@ -9618,7 +9418,7 @@
             <a:spLocks noGrp="1"/>
           </p:cNvSpPr>
           <p:nvPr>
-            <p:ph type="title"/>
+            <p:ph type="ctrTitle"/>
           </p:nvPr>
         </p:nvSpPr>
         <p:spPr/>
@@ -9629,65 +9429,30 @@
           <a:lstStyle/>
           <a:p>
             <a:r>
-              <a:rPr lang="en-US" dirty="0"/>
-              <a:t>Homework</a:t>
-            </a:r>
-          </a:p>
-        </p:txBody>
-      </p:sp>
-      <p:sp>
-        <p:nvSpPr>
-          <p:cNvPr id="3" name="Content Placeholder 2"/>
-          <p:cNvSpPr>
-            <a:spLocks noGrp="1"/>
-          </p:cNvSpPr>
-          <p:nvPr>
-            <p:ph idx="1"/>
-          </p:nvPr>
-        </p:nvSpPr>
-        <p:spPr/>
-        <p:txBody>
-          <a:bodyPr/>
-          <a:lstStyle/>
-          <a:p>
-            <a:pPr marL="0" indent="0">
-              <a:buNone/>
-            </a:pPr>
-            <a:r>
-              <a:rPr lang="en-US" dirty="0"/>
-              <a:t>Read the rest of 2.2</a:t>
-            </a:r>
-          </a:p>
-          <a:p>
-            <a:pPr marL="0" indent="0">
-              <a:buNone/>
-            </a:pPr>
-            <a:endParaRPr lang="en-US" dirty="0"/>
-          </a:p>
-          <a:p>
-            <a:pPr marL="0" indent="0">
-              <a:buNone/>
-            </a:pPr>
-            <a:r>
-              <a:rPr lang="en-US" dirty="0"/>
-              <a:t>Complete chapter 2 self-check questions 5, 6, 9, 12 – 15 </a:t>
-            </a:r>
-          </a:p>
-          <a:p>
-            <a:pPr marL="0" indent="0">
-              <a:buNone/>
-            </a:pPr>
-            <a:r>
-              <a:rPr lang="en-US" dirty="0"/>
-              <a:t>(4</a:t>
-            </a:r>
-            <a:r>
-              <a:rPr lang="en-US" baseline="30000" dirty="0"/>
-              <a:t>th</a:t>
-            </a:r>
-            <a:r>
-              <a:rPr lang="en-US" dirty="0"/>
-              <a:t> edition: 6, 5, 10, 14-17). </a:t>
+              <a:rPr lang="en-US" sz="4800" dirty="0"/>
+              <a:t>String Concatenation and Increment</a:t>
+            </a:r>
+          </a:p>
+        </p:txBody>
+      </p:sp>
+      <p:sp>
+        <p:nvSpPr>
+          <p:cNvPr id="3" name="Subtitle 2"/>
+          <p:cNvSpPr>
+            <a:spLocks noGrp="1"/>
+          </p:cNvSpPr>
+          <p:nvPr>
+            <p:ph type="subTitle" idx="1"/>
+          </p:nvPr>
+        </p:nvSpPr>
+        <p:spPr/>
+        <p:txBody>
+          <a:bodyPr/>
+          <a:lstStyle/>
+          <a:p>
+            <a:r>
+              <a:rPr lang="en-US" dirty="0"/>
+              <a:t>[ 2.03] [ Today’s Date ] [ Instructor Name ]</a:t>
             </a:r>
           </a:p>
         </p:txBody>
@@ -9695,7 +9460,7 @@
     </p:spTree>
     <p:extLst>
       <p:ext uri="{BB962C8B-B14F-4D97-AF65-F5344CB8AC3E}">
-        <p14:creationId xmlns:p14="http://schemas.microsoft.com/office/powerpoint/2010/main" val="1832084249"/>
+        <p14:creationId xmlns:p14="http://schemas.microsoft.com/office/powerpoint/2010/main" val="3456595835"/>
       </p:ext>
     </p:extLst>
   </p:cSld>
@@ -9729,7 +9494,7 @@
             <a:spLocks noGrp="1"/>
           </p:cNvSpPr>
           <p:nvPr>
-            <p:ph type="ctrTitle"/>
+            <p:ph type="title"/>
           </p:nvPr>
         </p:nvSpPr>
         <p:spPr/>
@@ -9740,30 +9505,111 @@
           <a:lstStyle/>
           <a:p>
             <a:r>
-              <a:rPr lang="en-US" sz="4800" dirty="0"/>
-              <a:t>String Concatenation and Increment</a:t>
-            </a:r>
-          </a:p>
-        </p:txBody>
-      </p:sp>
-      <p:sp>
-        <p:nvSpPr>
-          <p:cNvPr id="3" name="Subtitle 2"/>
-          <p:cNvSpPr>
-            <a:spLocks noGrp="1"/>
-          </p:cNvSpPr>
-          <p:nvPr>
-            <p:ph type="subTitle" idx="1"/>
-          </p:nvPr>
-        </p:nvSpPr>
-        <p:spPr/>
-        <p:txBody>
-          <a:bodyPr/>
-          <a:lstStyle/>
-          <a:p>
-            <a:r>
-              <a:rPr lang="en-US" dirty="0"/>
-              <a:t>[ 2.03] [ Today’s Date ] [ Instructor Name ]</a:t>
+              <a:rPr lang="en-US" sz="3600" dirty="0"/>
+              <a:t>Intro to String Concatenation : Expressions with Strings</a:t>
+            </a:r>
+          </a:p>
+        </p:txBody>
+      </p:sp>
+      <p:sp>
+        <p:nvSpPr>
+          <p:cNvPr id="3" name="Content Placeholder 2"/>
+          <p:cNvSpPr>
+            <a:spLocks noGrp="1"/>
+          </p:cNvSpPr>
+          <p:nvPr>
+            <p:ph idx="1"/>
+          </p:nvPr>
+        </p:nvSpPr>
+        <p:spPr/>
+        <p:txBody>
+          <a:bodyPr>
+            <a:normAutofit lnSpcReduction="10000"/>
+          </a:bodyPr>
+          <a:lstStyle/>
+          <a:p>
+            <a:pPr marL="0" indent="0">
+              <a:buNone/>
+            </a:pPr>
+            <a:r>
+              <a:rPr lang="en-US" b="1" dirty="0"/>
+              <a:t>Converts other types to </a:t>
+            </a:r>
+            <a:r>
+              <a:rPr lang="en-US" b="1" dirty="0">
+                <a:latin typeface="Courier New" panose="02070309020205020404" pitchFamily="49" charset="0"/>
+                <a:cs typeface="Courier New" panose="02070309020205020404" pitchFamily="49" charset="0"/>
+              </a:rPr>
+              <a:t>String</a:t>
+            </a:r>
+          </a:p>
+          <a:p>
+            <a:pPr marL="0" indent="0">
+              <a:buNone/>
+            </a:pPr>
+            <a:r>
+              <a:rPr lang="en-US" b="1" dirty="0"/>
+              <a:t>Obeys Order of Operations</a:t>
+            </a:r>
+          </a:p>
+          <a:p>
+            <a:pPr marL="0" indent="0">
+              <a:buNone/>
+            </a:pPr>
+            <a:endParaRPr lang="en-US" dirty="0"/>
+          </a:p>
+          <a:p>
+            <a:pPr marL="0" indent="0">
+              <a:buNone/>
+            </a:pPr>
+            <a:r>
+              <a:rPr lang="en-US" b="1" dirty="0"/>
+              <a:t>Examples</a:t>
+            </a:r>
+          </a:p>
+          <a:p>
+            <a:r>
+              <a:rPr lang="en-US" dirty="0">
+                <a:latin typeface="Courier New" panose="02070309020205020404" pitchFamily="49" charset="0"/>
+                <a:cs typeface="Courier New" panose="02070309020205020404" pitchFamily="49" charset="0"/>
+              </a:rPr>
+              <a:t>“hello” + 4 =			“hello4”</a:t>
+            </a:r>
+          </a:p>
+          <a:p>
+            <a:r>
+              <a:rPr lang="en-US" dirty="0">
+                <a:latin typeface="Courier New" panose="02070309020205020404" pitchFamily="49" charset="0"/>
+                <a:cs typeface="Courier New" panose="02070309020205020404" pitchFamily="49" charset="0"/>
+              </a:rPr>
+              <a:t>“hello” + 4 + 2 = 		“hello42”</a:t>
+            </a:r>
+          </a:p>
+          <a:p>
+            <a:r>
+              <a:rPr lang="en-US" dirty="0">
+                <a:latin typeface="Courier New" panose="02070309020205020404" pitchFamily="49" charset="0"/>
+                <a:cs typeface="Courier New" panose="02070309020205020404" pitchFamily="49" charset="0"/>
+              </a:rPr>
+              <a:t>4 + 2 + “hello” = 		“6hello”</a:t>
+            </a:r>
+          </a:p>
+          <a:p>
+            <a:r>
+              <a:rPr lang="en-US" dirty="0">
+                <a:latin typeface="Courier New" panose="02070309020205020404" pitchFamily="49" charset="0"/>
+                <a:cs typeface="Courier New" panose="02070309020205020404" pitchFamily="49" charset="0"/>
+              </a:rPr>
+              <a:t>“hello” + (4 + 2) = 		“hello6”</a:t>
+            </a:r>
+          </a:p>
+          <a:p>
+            <a:r>
+              <a:rPr lang="en-US" dirty="0">
+                <a:latin typeface="Courier New" panose="02070309020205020404" pitchFamily="49" charset="0"/>
+                <a:cs typeface="Courier New" panose="02070309020205020404" pitchFamily="49" charset="0"/>
+              </a:rPr>
+              <a:t>“hello” + 4 * 2 = 		“hello8”</a:t>
             </a:r>
           </a:p>
         </p:txBody>
@@ -9771,7 +9617,7 @@
     </p:spTree>
     <p:extLst>
       <p:ext uri="{BB962C8B-B14F-4D97-AF65-F5344CB8AC3E}">
-        <p14:creationId xmlns:p14="http://schemas.microsoft.com/office/powerpoint/2010/main" val="3456595835"/>
+        <p14:creationId xmlns:p14="http://schemas.microsoft.com/office/powerpoint/2010/main" val="3638002106"/>
       </p:ext>
     </p:extLst>
   </p:cSld>
@@ -9810,14 +9656,12 @@
         </p:nvSpPr>
         <p:spPr/>
         <p:txBody>
-          <a:bodyPr>
-            <a:normAutofit/>
-          </a:bodyPr>
-          <a:lstStyle/>
-          <a:p>
-            <a:r>
-              <a:rPr lang="en-US" sz="3600" dirty="0"/>
-              <a:t>Intro to String Concatenation : Expressions with Strings</a:t>
+          <a:bodyPr/>
+          <a:lstStyle/>
+          <a:p>
+            <a:r>
+              <a:rPr lang="en-US" dirty="0"/>
+              <a:t>Examples:</a:t>
             </a:r>
           </a:p>
         </p:txBody>
@@ -9832,60 +9676,29 @@
             <p:ph idx="1"/>
           </p:nvPr>
         </p:nvSpPr>
-        <p:spPr/>
-        <p:txBody>
-          <a:bodyPr>
-            <a:normAutofit lnSpcReduction="10000"/>
-          </a:bodyPr>
-          <a:lstStyle/>
-          <a:p>
-            <a:pPr marL="0" indent="0">
-              <a:buNone/>
-            </a:pPr>
-            <a:r>
-              <a:rPr lang="en-US" b="1" dirty="0"/>
-              <a:t>Converts other types to </a:t>
-            </a:r>
-            <a:r>
-              <a:rPr lang="en-US" b="1" dirty="0">
-                <a:latin typeface="Courier New" panose="02070309020205020404" pitchFamily="49" charset="0"/>
-                <a:cs typeface="Courier New" panose="02070309020205020404" pitchFamily="49" charset="0"/>
-              </a:rPr>
-              <a:t>String</a:t>
-            </a:r>
-          </a:p>
-          <a:p>
-            <a:pPr marL="0" indent="0">
-              <a:buNone/>
-            </a:pPr>
-            <a:r>
-              <a:rPr lang="en-US" b="1" dirty="0"/>
-              <a:t>Obeys Order of Operations</a:t>
-            </a:r>
-          </a:p>
-          <a:p>
-            <a:pPr marL="0" indent="0">
-              <a:buNone/>
-            </a:pPr>
-            <a:endParaRPr lang="en-US" dirty="0"/>
-          </a:p>
-          <a:p>
-            <a:pPr marL="0" indent="0">
-              <a:buNone/>
-            </a:pPr>
-            <a:r>
-              <a:rPr lang="en-US" b="1" dirty="0"/>
-              <a:t>Examples</a:t>
-            </a:r>
-          </a:p>
+        <p:spPr>
+          <a:xfrm>
+            <a:off x="838200" y="2057399"/>
+            <a:ext cx="10767646" cy="4119563"/>
+          </a:xfrm>
+        </p:spPr>
+        <p:txBody>
+          <a:bodyPr/>
+          <a:lstStyle/>
           <a:p>
             <a:r>
               <a:rPr lang="en-US" dirty="0">
                 <a:latin typeface="Courier New" panose="02070309020205020404" pitchFamily="49" charset="0"/>
                 <a:cs typeface="Courier New" panose="02070309020205020404" pitchFamily="49" charset="0"/>
               </a:rPr>
-              <a:t>“hello” + 4 =			“hello4”</a:t>
-            </a:r>
+              <a:t>1 + 2 + 3 + “chocolate” = ??? </a:t>
+            </a:r>
+          </a:p>
+          <a:p>
+            <a:endParaRPr lang="en-US" dirty="0">
+              <a:latin typeface="Courier New" panose="02070309020205020404" pitchFamily="49" charset="0"/>
+              <a:cs typeface="Courier New" panose="02070309020205020404" pitchFamily="49" charset="0"/>
+            </a:endParaRPr>
           </a:p>
           <a:p>
             <a:r>
@@ -9893,8 +9706,14 @@
                 <a:latin typeface="Courier New" panose="02070309020205020404" pitchFamily="49" charset="0"/>
                 <a:cs typeface="Courier New" panose="02070309020205020404" pitchFamily="49" charset="0"/>
               </a:rPr>
-              <a:t>“hello” + 4 + 2 = 		“hello42”</a:t>
-            </a:r>
+              <a:t>“chocolate” + 1 + 2 + 3 = ???</a:t>
+            </a:r>
+          </a:p>
+          <a:p>
+            <a:endParaRPr lang="en-US" dirty="0">
+              <a:latin typeface="Courier New" panose="02070309020205020404" pitchFamily="49" charset="0"/>
+              <a:cs typeface="Courier New" panose="02070309020205020404" pitchFamily="49" charset="0"/>
+            </a:endParaRPr>
           </a:p>
           <a:p>
             <a:r>
@@ -9902,8 +9721,14 @@
                 <a:latin typeface="Courier New" panose="02070309020205020404" pitchFamily="49" charset="0"/>
                 <a:cs typeface="Courier New" panose="02070309020205020404" pitchFamily="49" charset="0"/>
               </a:rPr>
-              <a:t>4 + 2 + “hello” = 		“6hello”</a:t>
-            </a:r>
+              <a:t>“chocolate” + (1 + 2) + 3 = ???</a:t>
+            </a:r>
+          </a:p>
+          <a:p>
+            <a:endParaRPr lang="en-US" dirty="0">
+              <a:latin typeface="Courier New" panose="02070309020205020404" pitchFamily="49" charset="0"/>
+              <a:cs typeface="Courier New" panose="02070309020205020404" pitchFamily="49" charset="0"/>
+            </a:endParaRPr>
           </a:p>
           <a:p>
             <a:r>
@@ -9911,16 +9736,7 @@
                 <a:latin typeface="Courier New" panose="02070309020205020404" pitchFamily="49" charset="0"/>
                 <a:cs typeface="Courier New" panose="02070309020205020404" pitchFamily="49" charset="0"/>
               </a:rPr>
-              <a:t>“hello” + (4 + 2) = 		“hello6”</a:t>
-            </a:r>
-          </a:p>
-          <a:p>
-            <a:r>
-              <a:rPr lang="en-US" dirty="0">
-                <a:latin typeface="Courier New" panose="02070309020205020404" pitchFamily="49" charset="0"/>
-                <a:cs typeface="Courier New" panose="02070309020205020404" pitchFamily="49" charset="0"/>
-              </a:rPr>
-              <a:t>“hello” + 4 * 2 = 		“hello8”</a:t>
+              <a:t>“chocolate” + (1 + 2) / 3 = ???</a:t>
             </a:r>
           </a:p>
         </p:txBody>
@@ -9928,7 +9744,7 @@
     </p:spTree>
     <p:extLst>
       <p:ext uri="{BB962C8B-B14F-4D97-AF65-F5344CB8AC3E}">
-        <p14:creationId xmlns:p14="http://schemas.microsoft.com/office/powerpoint/2010/main" val="3638002106"/>
+        <p14:creationId xmlns:p14="http://schemas.microsoft.com/office/powerpoint/2010/main" val="3062717345"/>
       </p:ext>
     </p:extLst>
   </p:cSld>
@@ -9972,7 +9788,7 @@
           <a:p>
             <a:r>
               <a:rPr lang="en-US" dirty="0"/>
-              <a:t>Examples:</a:t>
+              <a:t>Examples</a:t>
             </a:r>
           </a:p>
         </p:txBody>
@@ -9987,67 +9803,99 @@
             <p:ph idx="1"/>
           </p:nvPr>
         </p:nvSpPr>
-        <p:spPr>
-          <a:xfrm>
-            <a:off x="838200" y="2057399"/>
-            <a:ext cx="10767646" cy="4119563"/>
-          </a:xfrm>
-        </p:spPr>
-        <p:txBody>
-          <a:bodyPr/>
-          <a:lstStyle/>
-          <a:p>
-            <a:r>
-              <a:rPr lang="en-US" dirty="0">
-                <a:latin typeface="Courier New" panose="02070309020205020404" pitchFamily="49" charset="0"/>
-                <a:cs typeface="Courier New" panose="02070309020205020404" pitchFamily="49" charset="0"/>
-              </a:rPr>
-              <a:t>1 + 2 + 3 + “chocolate” = ??? </a:t>
-            </a:r>
-          </a:p>
-          <a:p>
-            <a:endParaRPr lang="en-US" dirty="0">
+        <p:spPr/>
+        <p:txBody>
+          <a:bodyPr>
+            <a:normAutofit/>
+          </a:bodyPr>
+          <a:lstStyle/>
+          <a:p>
+            <a:pPr marL="0" indent="0">
+              <a:buNone/>
+            </a:pPr>
+            <a:r>
+              <a:rPr lang="en-US" sz="2400" dirty="0" err="1">
+                <a:latin typeface="Courier New" panose="02070309020205020404" pitchFamily="49" charset="0"/>
+                <a:cs typeface="Courier New" panose="02070309020205020404" pitchFamily="49" charset="0"/>
+              </a:rPr>
+              <a:t>System.out.println</a:t>
+            </a:r>
+            <a:r>
+              <a:rPr lang="en-US" sz="2400" dirty="0">
+                <a:latin typeface="Courier New" panose="02070309020205020404" pitchFamily="49" charset="0"/>
+                <a:cs typeface="Courier New" panose="02070309020205020404" pitchFamily="49" charset="0"/>
+              </a:rPr>
+              <a:t>(“</a:t>
+            </a:r>
+            <a:r>
+              <a:rPr lang="en-US" sz="2400" dirty="0" err="1">
+                <a:latin typeface="Courier New" panose="02070309020205020404" pitchFamily="49" charset="0"/>
+                <a:cs typeface="Courier New" panose="02070309020205020404" pitchFamily="49" charset="0"/>
+              </a:rPr>
+              <a:t>Spongebob</a:t>
+            </a:r>
+            <a:r>
+              <a:rPr lang="en-US" sz="2400" dirty="0">
+                <a:latin typeface="Courier New" panose="02070309020205020404" pitchFamily="49" charset="0"/>
+                <a:cs typeface="Courier New" panose="02070309020205020404" pitchFamily="49" charset="0"/>
+              </a:rPr>
+              <a:t> thinks “ + “the best time to wear a sweater” + “ is all the time!”);</a:t>
+            </a:r>
+          </a:p>
+          <a:p>
+            <a:pPr marL="0" indent="0">
+              <a:buNone/>
+            </a:pPr>
+            <a:endParaRPr lang="en-US" sz="2400" dirty="0">
               <a:latin typeface="Courier New" panose="02070309020205020404" pitchFamily="49" charset="0"/>
               <a:cs typeface="Courier New" panose="02070309020205020404" pitchFamily="49" charset="0"/>
             </a:endParaRPr>
           </a:p>
           <a:p>
-            <a:r>
-              <a:rPr lang="en-US" dirty="0">
-                <a:latin typeface="Courier New" panose="02070309020205020404" pitchFamily="49" charset="0"/>
-                <a:cs typeface="Courier New" panose="02070309020205020404" pitchFamily="49" charset="0"/>
-              </a:rPr>
-              <a:t>“chocolate” + 1 + 2 + 3 = ???</a:t>
-            </a:r>
-          </a:p>
-          <a:p>
-            <a:endParaRPr lang="en-US" dirty="0">
+            <a:pPr marL="0" indent="0">
+              <a:buNone/>
+            </a:pPr>
+            <a:r>
+              <a:rPr lang="en-US" sz="2400" dirty="0" err="1">
+                <a:latin typeface="Courier New" panose="02070309020205020404" pitchFamily="49" charset="0"/>
+                <a:cs typeface="Courier New" panose="02070309020205020404" pitchFamily="49" charset="0"/>
+              </a:rPr>
+              <a:t>System.out.println</a:t>
+            </a:r>
+            <a:r>
+              <a:rPr lang="en-US" sz="2400" dirty="0">
+                <a:latin typeface="Courier New" panose="02070309020205020404" pitchFamily="49" charset="0"/>
+                <a:cs typeface="Courier New" panose="02070309020205020404" pitchFamily="49" charset="0"/>
+              </a:rPr>
+              <a:t>(“Here we combine “ + 1 + “ integer” + “ with strings!”);</a:t>
+            </a:r>
+          </a:p>
+          <a:p>
+            <a:pPr marL="0" indent="0">
+              <a:buNone/>
+            </a:pPr>
+            <a:endParaRPr lang="en-US" sz="2400" dirty="0">
               <a:latin typeface="Courier New" panose="02070309020205020404" pitchFamily="49" charset="0"/>
               <a:cs typeface="Courier New" panose="02070309020205020404" pitchFamily="49" charset="0"/>
             </a:endParaRPr>
           </a:p>
           <a:p>
-            <a:r>
-              <a:rPr lang="en-US" dirty="0">
-                <a:latin typeface="Courier New" panose="02070309020205020404" pitchFamily="49" charset="0"/>
-                <a:cs typeface="Courier New" panose="02070309020205020404" pitchFamily="49" charset="0"/>
-              </a:rPr>
-              <a:t>“chocolate” + (1 + 2) + 3 = ???</a:t>
-            </a:r>
-          </a:p>
-          <a:p>
-            <a:endParaRPr lang="en-US" dirty="0">
-              <a:latin typeface="Courier New" panose="02070309020205020404" pitchFamily="49" charset="0"/>
-              <a:cs typeface="Courier New" panose="02070309020205020404" pitchFamily="49" charset="0"/>
-            </a:endParaRPr>
-          </a:p>
-          <a:p>
-            <a:r>
-              <a:rPr lang="en-US" dirty="0">
-                <a:latin typeface="Courier New" panose="02070309020205020404" pitchFamily="49" charset="0"/>
-                <a:cs typeface="Courier New" panose="02070309020205020404" pitchFamily="49" charset="0"/>
-              </a:rPr>
-              <a:t>“chocolate” + (1 + 2) / 3 = ???</a:t>
+            <a:pPr marL="0" indent="0">
+              <a:buNone/>
+            </a:pPr>
+            <a:r>
+              <a:rPr lang="en-US" sz="2400" dirty="0" err="1">
+                <a:latin typeface="Courier New" panose="02070309020205020404" pitchFamily="49" charset="0"/>
+                <a:cs typeface="Courier New" panose="02070309020205020404" pitchFamily="49" charset="0"/>
+              </a:rPr>
+              <a:t>System.out.println</a:t>
+            </a:r>
+            <a:r>
+              <a:rPr lang="en-US" sz="2400" dirty="0">
+                <a:latin typeface="Courier New" panose="02070309020205020404" pitchFamily="49" charset="0"/>
+                <a:cs typeface="Courier New" panose="02070309020205020404" pitchFamily="49" charset="0"/>
+              </a:rPr>
+              <a:t>(42 + “ is the answer to” + “everything!” + 1 + 1);</a:t>
             </a:r>
           </a:p>
         </p:txBody>
@@ -10055,7 +9903,7 @@
     </p:spTree>
     <p:extLst>
       <p:ext uri="{BB962C8B-B14F-4D97-AF65-F5344CB8AC3E}">
-        <p14:creationId xmlns:p14="http://schemas.microsoft.com/office/powerpoint/2010/main" val="3062717345"/>
+        <p14:creationId xmlns:p14="http://schemas.microsoft.com/office/powerpoint/2010/main" val="75163485"/>
       </p:ext>
     </p:extLst>
   </p:cSld>
@@ -10099,7 +9947,7 @@
           <a:p>
             <a:r>
               <a:rPr lang="en-US" dirty="0"/>
-              <a:t>Examples</a:t>
+              <a:t>Introduction to Increment</a:t>
             </a:r>
           </a:p>
         </p:txBody>
@@ -10116,48 +9964,66 @@
         </p:nvSpPr>
         <p:spPr/>
         <p:txBody>
-          <a:bodyPr>
-            <a:normAutofit/>
-          </a:bodyPr>
-          <a:lstStyle/>
-          <a:p>
-            <a:pPr marL="0" indent="0">
-              <a:buNone/>
-            </a:pPr>
-            <a:r>
-              <a:rPr lang="en-US" sz="2400" dirty="0" err="1">
-                <a:latin typeface="Courier New" panose="02070309020205020404" pitchFamily="49" charset="0"/>
-                <a:cs typeface="Courier New" panose="02070309020205020404" pitchFamily="49" charset="0"/>
-              </a:rPr>
-              <a:t>System.out.println</a:t>
-            </a:r>
-            <a:r>
-              <a:rPr lang="en-US" sz="2400" dirty="0">
-                <a:latin typeface="Courier New" panose="02070309020205020404" pitchFamily="49" charset="0"/>
-                <a:cs typeface="Courier New" panose="02070309020205020404" pitchFamily="49" charset="0"/>
-              </a:rPr>
-              <a:t>(“</a:t>
-            </a:r>
-            <a:r>
-              <a:rPr lang="en-US" sz="2400" dirty="0" err="1">
-                <a:latin typeface="Courier New" panose="02070309020205020404" pitchFamily="49" charset="0"/>
-                <a:cs typeface="Courier New" panose="02070309020205020404" pitchFamily="49" charset="0"/>
-              </a:rPr>
-              <a:t>Spongebob</a:t>
-            </a:r>
-            <a:r>
-              <a:rPr lang="en-US" sz="2400" dirty="0">
-                <a:latin typeface="Courier New" panose="02070309020205020404" pitchFamily="49" charset="0"/>
-                <a:cs typeface="Courier New" panose="02070309020205020404" pitchFamily="49" charset="0"/>
-              </a:rPr>
-              <a:t> thinks “ + “the best time to wear a sweater” + “ is all the time!”);</a:t>
-            </a:r>
-          </a:p>
-          <a:p>
-            <a:pPr marL="0" indent="0">
-              <a:buNone/>
-            </a:pPr>
-            <a:endParaRPr lang="en-US" sz="2400" dirty="0">
+          <a:bodyPr/>
+          <a:lstStyle/>
+          <a:p>
+            <a:pPr marL="0" indent="0">
+              <a:buNone/>
+            </a:pPr>
+            <a:r>
+              <a:rPr lang="en-US" dirty="0"/>
+              <a:t>In Java, there are ways to increase/decrease a variable without writing the whole equation!</a:t>
+            </a:r>
+          </a:p>
+          <a:p>
+            <a:pPr marL="0" indent="0">
+              <a:buNone/>
+            </a:pPr>
+            <a:endParaRPr lang="en-US" dirty="0"/>
+          </a:p>
+          <a:p>
+            <a:pPr marL="0" indent="0">
+              <a:buNone/>
+            </a:pPr>
+            <a:r>
+              <a:rPr lang="en-US" dirty="0">
+                <a:latin typeface="Courier New" panose="02070309020205020404" pitchFamily="49" charset="0"/>
+                <a:cs typeface="Courier New" panose="02070309020205020404" pitchFamily="49" charset="0"/>
+              </a:rPr>
+              <a:t>x = x + 7 ; </a:t>
+            </a:r>
+            <a:r>
+              <a:rPr lang="en-US" dirty="0">
+                <a:latin typeface="+mj-lt"/>
+                <a:cs typeface="Courier New" panose="02070309020205020404" pitchFamily="49" charset="0"/>
+              </a:rPr>
+              <a:t>OR</a:t>
+            </a:r>
+            <a:r>
+              <a:rPr lang="en-US" dirty="0">
+                <a:latin typeface="Courier New" panose="02070309020205020404" pitchFamily="49" charset="0"/>
+                <a:cs typeface="Courier New" panose="02070309020205020404" pitchFamily="49" charset="0"/>
+              </a:rPr>
+              <a:t> x += 7;</a:t>
+            </a:r>
+          </a:p>
+          <a:p>
+            <a:pPr marL="0" indent="0">
+              <a:buNone/>
+            </a:pPr>
+            <a:r>
+              <a:rPr lang="en-US" dirty="0">
+                <a:latin typeface="Courier New" panose="02070309020205020404" pitchFamily="49" charset="0"/>
+                <a:cs typeface="Courier New" panose="02070309020205020404" pitchFamily="49" charset="0"/>
+              </a:rPr>
+              <a:t>y = y / 3 ; OR y /= 3;</a:t>
+            </a:r>
+          </a:p>
+          <a:p>
+            <a:pPr marL="0" indent="0">
+              <a:buNone/>
+            </a:pPr>
+            <a:endParaRPr lang="en-US" dirty="0">
               <a:latin typeface="Courier New" panose="02070309020205020404" pitchFamily="49" charset="0"/>
               <a:cs typeface="Courier New" panose="02070309020205020404" pitchFamily="49" charset="0"/>
             </a:endParaRPr>
@@ -10167,46 +10033,23 @@
               <a:buNone/>
             </a:pPr>
             <a:r>
-              <a:rPr lang="en-US" sz="2400" dirty="0" err="1">
-                <a:latin typeface="Courier New" panose="02070309020205020404" pitchFamily="49" charset="0"/>
-                <a:cs typeface="Courier New" panose="02070309020205020404" pitchFamily="49" charset="0"/>
-              </a:rPr>
-              <a:t>System.out.println</a:t>
-            </a:r>
-            <a:r>
-              <a:rPr lang="en-US" sz="2400" dirty="0">
-                <a:latin typeface="Courier New" panose="02070309020205020404" pitchFamily="49" charset="0"/>
-                <a:cs typeface="Courier New" panose="02070309020205020404" pitchFamily="49" charset="0"/>
-              </a:rPr>
-              <a:t>(“Here we combine “ + 1 + “ integer” + “ with strings!”);</a:t>
-            </a:r>
-          </a:p>
-          <a:p>
-            <a:pPr marL="0" indent="0">
-              <a:buNone/>
-            </a:pPr>
-            <a:endParaRPr lang="en-US" sz="2400" dirty="0">
-              <a:latin typeface="Courier New" panose="02070309020205020404" pitchFamily="49" charset="0"/>
-              <a:cs typeface="Courier New" panose="02070309020205020404" pitchFamily="49" charset="0"/>
-            </a:endParaRPr>
-          </a:p>
-          <a:p>
-            <a:pPr marL="0" indent="0">
-              <a:buNone/>
-            </a:pPr>
-            <a:r>
-              <a:rPr lang="en-US" sz="2400" dirty="0" err="1">
-                <a:latin typeface="Courier New" panose="02070309020205020404" pitchFamily="49" charset="0"/>
-                <a:cs typeface="Courier New" panose="02070309020205020404" pitchFamily="49" charset="0"/>
-              </a:rPr>
-              <a:t>System.out.println</a:t>
-            </a:r>
-            <a:r>
-              <a:rPr lang="en-US" sz="2400" dirty="0">
-                <a:latin typeface="Courier New" panose="02070309020205020404" pitchFamily="49" charset="0"/>
-                <a:cs typeface="Courier New" panose="02070309020205020404" pitchFamily="49" charset="0"/>
-              </a:rPr>
-              <a:t>(42 + “ is the answer to” + “everything!” + 1 + 1);</a:t>
+              <a:rPr lang="en-US" dirty="0">
+                <a:latin typeface="Courier New" panose="02070309020205020404" pitchFamily="49" charset="0"/>
+                <a:cs typeface="Courier New" panose="02070309020205020404" pitchFamily="49" charset="0"/>
+              </a:rPr>
+              <a:t>x++; OR ++x</a:t>
+            </a:r>
+          </a:p>
+          <a:p>
+            <a:pPr marL="0" indent="0">
+              <a:buNone/>
+            </a:pPr>
+            <a:r>
+              <a:rPr lang="en-US" dirty="0">
+                <a:latin typeface="Courier New" panose="02070309020205020404" pitchFamily="49" charset="0"/>
+                <a:cs typeface="Courier New" panose="02070309020205020404" pitchFamily="49" charset="0"/>
+              </a:rPr>
+              <a:t>y++; OR ++y</a:t>
             </a:r>
           </a:p>
         </p:txBody>
@@ -10214,7 +10057,7 @@
     </p:spTree>
     <p:extLst>
       <p:ext uri="{BB962C8B-B14F-4D97-AF65-F5344CB8AC3E}">
-        <p14:creationId xmlns:p14="http://schemas.microsoft.com/office/powerpoint/2010/main" val="75163485"/>
+        <p14:creationId xmlns:p14="http://schemas.microsoft.com/office/powerpoint/2010/main" val="3542187605"/>
       </p:ext>
     </p:extLst>
   </p:cSld>
@@ -10248,127 +10091,31 @@
             <a:spLocks noGrp="1"/>
           </p:cNvSpPr>
           <p:nvPr>
-            <p:ph type="title"/>
-          </p:nvPr>
-        </p:nvSpPr>
-        <p:spPr/>
-        <p:txBody>
-          <a:bodyPr/>
-          <a:lstStyle/>
-          <a:p>
-            <a:r>
-              <a:rPr lang="en-US" dirty="0"/>
-              <a:t>Introduction to Increment</a:t>
-            </a:r>
-          </a:p>
-        </p:txBody>
-      </p:sp>
-      <p:sp>
-        <p:nvSpPr>
-          <p:cNvPr id="3" name="Content Placeholder 2"/>
-          <p:cNvSpPr>
-            <a:spLocks noGrp="1"/>
-          </p:cNvSpPr>
-          <p:nvPr>
-            <p:ph idx="1"/>
-          </p:nvPr>
-        </p:nvSpPr>
-        <p:spPr/>
-        <p:txBody>
-          <a:bodyPr/>
-          <a:lstStyle/>
-          <a:p>
-            <a:pPr marL="0" indent="0">
-              <a:buNone/>
-            </a:pPr>
-            <a:r>
-              <a:rPr lang="en-US" dirty="0"/>
-              <a:t>In Java, there are ways to increase/decrease a variable without writing the whole equation!</a:t>
-            </a:r>
-          </a:p>
-          <a:p>
-            <a:pPr marL="0" indent="0">
-              <a:buNone/>
-            </a:pPr>
+            <p:ph type="ctrTitle"/>
+          </p:nvPr>
+        </p:nvSpPr>
+        <p:spPr>
+          <a:xfrm>
+            <a:off x="1524000" y="1494904"/>
+            <a:ext cx="9144000" cy="2387600"/>
+          </a:xfrm>
+        </p:spPr>
+        <p:txBody>
+          <a:bodyPr/>
+          <a:lstStyle/>
+          <a:p>
+            <a:r>
+              <a:rPr lang="en-US" dirty="0" err="1"/>
+              <a:t>GrudgeBall</a:t>
+            </a:r>
             <a:endParaRPr lang="en-US" dirty="0"/>
-          </a:p>
-          <a:p>
-            <a:pPr marL="0" indent="0">
-              <a:buNone/>
-            </a:pPr>
-            <a:r>
-              <a:rPr lang="en-US" dirty="0">
-                <a:latin typeface="Courier New" panose="02070309020205020404" pitchFamily="49" charset="0"/>
-                <a:cs typeface="Courier New" panose="02070309020205020404" pitchFamily="49" charset="0"/>
-              </a:rPr>
-              <a:t>x = x + 7 ; </a:t>
-            </a:r>
-            <a:r>
-              <a:rPr lang="en-US" dirty="0">
-                <a:latin typeface="+mj-lt"/>
-                <a:cs typeface="Courier New" panose="02070309020205020404" pitchFamily="49" charset="0"/>
-              </a:rPr>
-              <a:t>OR</a:t>
-            </a:r>
-            <a:r>
-              <a:rPr lang="en-US" dirty="0">
-                <a:latin typeface="Courier New" panose="02070309020205020404" pitchFamily="49" charset="0"/>
-                <a:cs typeface="Courier New" panose="02070309020205020404" pitchFamily="49" charset="0"/>
-              </a:rPr>
-              <a:t> x += 7;</a:t>
-            </a:r>
-          </a:p>
-          <a:p>
-            <a:pPr marL="0" indent="0">
-              <a:buNone/>
-            </a:pPr>
-            <a:r>
-              <a:rPr lang="en-US" dirty="0">
-                <a:latin typeface="Courier New" panose="02070309020205020404" pitchFamily="49" charset="0"/>
-                <a:cs typeface="Courier New" panose="02070309020205020404" pitchFamily="49" charset="0"/>
-              </a:rPr>
-              <a:t>y = y / 3 ; OR y /= 3;</a:t>
-            </a:r>
-          </a:p>
-          <a:p>
-            <a:pPr marL="0" indent="0">
-              <a:buNone/>
-            </a:pPr>
-            <a:endParaRPr lang="en-US" dirty="0">
-              <a:latin typeface="Courier New" panose="02070309020205020404" pitchFamily="49" charset="0"/>
-              <a:cs typeface="Courier New" panose="02070309020205020404" pitchFamily="49" charset="0"/>
-            </a:endParaRPr>
-          </a:p>
-          <a:p>
-            <a:pPr marL="0" indent="0">
-              <a:buNone/>
-            </a:pPr>
-            <a:r>
-              <a:rPr lang="en-US" dirty="0">
-                <a:latin typeface="Courier New" panose="02070309020205020404" pitchFamily="49" charset="0"/>
-                <a:cs typeface="Courier New" panose="02070309020205020404" pitchFamily="49" charset="0"/>
-              </a:rPr>
-              <a:t>x++; OR ++x</a:t>
-            </a:r>
-          </a:p>
-          <a:p>
-            <a:pPr marL="0" indent="0">
-              <a:buNone/>
-            </a:pPr>
-            <a:r>
-              <a:rPr lang="en-US" dirty="0">
-                <a:latin typeface="Courier New" panose="02070309020205020404" pitchFamily="49" charset="0"/>
-                <a:cs typeface="Courier New" panose="02070309020205020404" pitchFamily="49" charset="0"/>
-              </a:rPr>
-              <a:t>y++; OR ++y</a:t>
-            </a:r>
           </a:p>
         </p:txBody>
       </p:sp>
     </p:spTree>
     <p:extLst>
       <p:ext uri="{BB962C8B-B14F-4D97-AF65-F5344CB8AC3E}">
-        <p14:creationId xmlns:p14="http://schemas.microsoft.com/office/powerpoint/2010/main" val="3542187605"/>
+        <p14:creationId xmlns:p14="http://schemas.microsoft.com/office/powerpoint/2010/main" val="497483419"/>
       </p:ext>
     </p:extLst>
   </p:cSld>
@@ -10402,31 +10149,75 @@
             <a:spLocks noGrp="1"/>
           </p:cNvSpPr>
           <p:nvPr>
-            <p:ph type="ctrTitle"/>
-          </p:nvPr>
-        </p:nvSpPr>
-        <p:spPr>
-          <a:xfrm>
-            <a:off x="1524000" y="1494904"/>
-            <a:ext cx="9144000" cy="2387600"/>
-          </a:xfrm>
-        </p:spPr>
-        <p:txBody>
-          <a:bodyPr/>
-          <a:lstStyle/>
-          <a:p>
-            <a:r>
-              <a:rPr lang="en-US" dirty="0" err="1"/>
-              <a:t>GrudgeBall</a:t>
-            </a:r>
+            <p:ph type="title"/>
+          </p:nvPr>
+        </p:nvSpPr>
+        <p:spPr/>
+        <p:txBody>
+          <a:bodyPr>
+            <a:normAutofit/>
+          </a:bodyPr>
+          <a:lstStyle/>
+          <a:p>
+            <a:r>
+              <a:rPr lang="en-US" dirty="0"/>
+              <a:t>Homework</a:t>
+            </a:r>
+          </a:p>
+        </p:txBody>
+      </p:sp>
+      <p:sp>
+        <p:nvSpPr>
+          <p:cNvPr id="3" name="Content Placeholder 2"/>
+          <p:cNvSpPr>
+            <a:spLocks noGrp="1"/>
+          </p:cNvSpPr>
+          <p:nvPr>
+            <p:ph idx="1"/>
+          </p:nvPr>
+        </p:nvSpPr>
+        <p:spPr/>
+        <p:txBody>
+          <a:bodyPr/>
+          <a:lstStyle/>
+          <a:p>
+            <a:pPr marL="0" indent="0">
+              <a:buNone/>
+            </a:pPr>
+            <a:r>
+              <a:rPr lang="en-US" dirty="0"/>
+              <a:t>Read HW rest of 2.2</a:t>
+            </a:r>
+          </a:p>
+          <a:p>
+            <a:pPr marL="0" indent="0">
+              <a:buNone/>
+            </a:pPr>
             <a:endParaRPr lang="en-US" dirty="0"/>
+          </a:p>
+          <a:p>
+            <a:pPr marL="0" indent="0">
+              <a:buNone/>
+            </a:pPr>
+            <a:r>
+              <a:rPr lang="en-US" dirty="0"/>
+              <a:t>Complete chapter 2 self-check questions 4 (4</a:t>
+            </a:r>
+            <a:r>
+              <a:rPr lang="en-US" baseline="30000" dirty="0"/>
+              <a:t>th</a:t>
+            </a:r>
+            <a:r>
+              <a:rPr lang="en-US" dirty="0"/>
+              <a:t> edition: 5). </a:t>
+            </a:r>
           </a:p>
         </p:txBody>
       </p:sp>
     </p:spTree>
     <p:extLst>
       <p:ext uri="{BB962C8B-B14F-4D97-AF65-F5344CB8AC3E}">
-        <p14:creationId xmlns:p14="http://schemas.microsoft.com/office/powerpoint/2010/main" val="497483419"/>
+        <p14:creationId xmlns:p14="http://schemas.microsoft.com/office/powerpoint/2010/main" val="418678724"/>
       </p:ext>
     </p:extLst>
   </p:cSld>
@@ -10460,67 +10251,39 @@
             <a:spLocks noGrp="1"/>
           </p:cNvSpPr>
           <p:nvPr>
-            <p:ph type="title"/>
-          </p:nvPr>
-        </p:nvSpPr>
-        <p:spPr/>
-        <p:txBody>
-          <a:bodyPr>
-            <a:normAutofit/>
-          </a:bodyPr>
-          <a:lstStyle/>
-          <a:p>
-            <a:r>
-              <a:rPr lang="en-US" dirty="0"/>
-              <a:t>Homework</a:t>
-            </a:r>
-          </a:p>
-        </p:txBody>
-      </p:sp>
-      <p:sp>
-        <p:nvSpPr>
-          <p:cNvPr id="3" name="Content Placeholder 2"/>
-          <p:cNvSpPr>
-            <a:spLocks noGrp="1"/>
-          </p:cNvSpPr>
-          <p:nvPr>
-            <p:ph idx="1"/>
-          </p:nvPr>
-        </p:nvSpPr>
-        <p:spPr/>
-        <p:txBody>
-          <a:bodyPr/>
-          <a:lstStyle/>
-          <a:p>
-            <a:pPr marL="0" indent="0">
-              <a:buNone/>
-            </a:pPr>
-            <a:r>
-              <a:rPr lang="en-US" dirty="0"/>
-              <a:t>Read HW rest of 2.2</a:t>
-            </a:r>
-          </a:p>
-          <a:p>
-            <a:pPr marL="0" indent="0">
-              <a:buNone/>
-            </a:pPr>
-            <a:endParaRPr lang="en-US" dirty="0"/>
-          </a:p>
-          <a:p>
-            <a:pPr marL="0" indent="0">
-              <a:buNone/>
-            </a:pPr>
-            <a:r>
-              <a:rPr lang="en-US" dirty="0"/>
-              <a:t>Complete chapter 2 self-check questions 4 (4</a:t>
-            </a:r>
-            <a:r>
-              <a:rPr lang="en-US" baseline="30000" dirty="0"/>
-              <a:t>th</a:t>
-            </a:r>
-            <a:r>
-              <a:rPr lang="en-US" dirty="0"/>
-              <a:t> edition: 5). </a:t>
+            <p:ph type="ctrTitle"/>
+          </p:nvPr>
+        </p:nvSpPr>
+        <p:spPr/>
+        <p:txBody>
+          <a:bodyPr/>
+          <a:lstStyle/>
+          <a:p>
+            <a:r>
+              <a:rPr lang="en-US" dirty="0"/>
+              <a:t>Mixing Types &amp; Casting</a:t>
+            </a:r>
+          </a:p>
+        </p:txBody>
+      </p:sp>
+      <p:sp>
+        <p:nvSpPr>
+          <p:cNvPr id="3" name="Subtitle 2"/>
+          <p:cNvSpPr>
+            <a:spLocks noGrp="1"/>
+          </p:cNvSpPr>
+          <p:nvPr>
+            <p:ph type="subTitle" idx="1"/>
+          </p:nvPr>
+        </p:nvSpPr>
+        <p:spPr/>
+        <p:txBody>
+          <a:bodyPr/>
+          <a:lstStyle/>
+          <a:p>
+            <a:r>
+              <a:rPr lang="en-US" dirty="0"/>
+              <a:t>[ 2.04 ] [ Today’s Date ] [ Instructor Name ]</a:t>
             </a:r>
           </a:p>
         </p:txBody>
@@ -10528,7 +10291,7 @@
     </p:spTree>
     <p:extLst>
       <p:ext uri="{BB962C8B-B14F-4D97-AF65-F5344CB8AC3E}">
-        <p14:creationId xmlns:p14="http://schemas.microsoft.com/office/powerpoint/2010/main" val="418678724"/>
+        <p14:creationId xmlns:p14="http://schemas.microsoft.com/office/powerpoint/2010/main" val="2577468848"/>
       </p:ext>
     </p:extLst>
   </p:cSld>
@@ -10562,80 +10325,6 @@
             <a:spLocks noGrp="1"/>
           </p:cNvSpPr>
           <p:nvPr>
-            <p:ph type="ctrTitle"/>
-          </p:nvPr>
-        </p:nvSpPr>
-        <p:spPr/>
-        <p:txBody>
-          <a:bodyPr/>
-          <a:lstStyle/>
-          <a:p>
-            <a:r>
-              <a:rPr lang="en-US" dirty="0"/>
-              <a:t>Mixing Types &amp; Casting</a:t>
-            </a:r>
-          </a:p>
-        </p:txBody>
-      </p:sp>
-      <p:sp>
-        <p:nvSpPr>
-          <p:cNvPr id="3" name="Subtitle 2"/>
-          <p:cNvSpPr>
-            <a:spLocks noGrp="1"/>
-          </p:cNvSpPr>
-          <p:nvPr>
-            <p:ph type="subTitle" idx="1"/>
-          </p:nvPr>
-        </p:nvSpPr>
-        <p:spPr/>
-        <p:txBody>
-          <a:bodyPr/>
-          <a:lstStyle/>
-          <a:p>
-            <a:r>
-              <a:rPr lang="en-US" dirty="0"/>
-              <a:t>[ 2.04 ] [ Today’s Date ] [ Instructor Name ]</a:t>
-            </a:r>
-          </a:p>
-        </p:txBody>
-      </p:sp>
-    </p:spTree>
-    <p:extLst>
-      <p:ext uri="{BB962C8B-B14F-4D97-AF65-F5344CB8AC3E}">
-        <p14:creationId xmlns:p14="http://schemas.microsoft.com/office/powerpoint/2010/main" val="2577468848"/>
-      </p:ext>
-    </p:extLst>
-  </p:cSld>
-  <p:clrMapOvr>
-    <a:masterClrMapping/>
-  </p:clrMapOvr>
-</p:sld>
-</file>
-
-<file path=ppt/slides/slide39.xml><?xml version="1.0" encoding="utf-8"?>
-<p:sld xmlns:a="http://schemas.openxmlformats.org/drawingml/2006/main" xmlns:r="http://schemas.openxmlformats.org/officeDocument/2006/relationships" xmlns:p="http://schemas.openxmlformats.org/presentationml/2006/main">
-  <p:cSld>
-    <p:spTree>
-      <p:nvGrpSpPr>
-        <p:cNvPr id="1" name=""/>
-        <p:cNvGrpSpPr/>
-        <p:nvPr/>
-      </p:nvGrpSpPr>
-      <p:grpSpPr>
-        <a:xfrm>
-          <a:off x="0" y="0"/>
-          <a:ext cx="0" cy="0"/>
-          <a:chOff x="0" y="0"/>
-          <a:chExt cx="0" cy="0"/>
-        </a:xfrm>
-      </p:grpSpPr>
-      <p:sp>
-        <p:nvSpPr>
-          <p:cNvPr id="2" name="Title 1"/>
-          <p:cNvSpPr>
-            <a:spLocks noGrp="1"/>
-          </p:cNvSpPr>
-          <p:nvPr>
             <p:ph type="title"/>
           </p:nvPr>
         </p:nvSpPr>
@@ -10725,403 +10414,7 @@
 </p:sld>
 </file>
 
-<file path=ppt/slides/slide4.xml><?xml version="1.0" encoding="utf-8"?>
-<p:sld xmlns:a="http://schemas.openxmlformats.org/drawingml/2006/main" xmlns:r="http://schemas.openxmlformats.org/officeDocument/2006/relationships" xmlns:p="http://schemas.openxmlformats.org/presentationml/2006/main">
-  <p:cSld>
-    <p:spTree>
-      <p:nvGrpSpPr>
-        <p:cNvPr id="1" name=""/>
-        <p:cNvGrpSpPr/>
-        <p:nvPr/>
-      </p:nvGrpSpPr>
-      <p:grpSpPr>
-        <a:xfrm>
-          <a:off x="0" y="0"/>
-          <a:ext cx="0" cy="0"/>
-          <a:chOff x="0" y="0"/>
-          <a:chExt cx="0" cy="0"/>
-        </a:xfrm>
-      </p:grpSpPr>
-      <p:sp>
-        <p:nvSpPr>
-          <p:cNvPr id="2" name="TextBox 1"/>
-          <p:cNvSpPr txBox="1"/>
-          <p:nvPr/>
-        </p:nvSpPr>
-        <p:spPr>
-          <a:xfrm>
-            <a:off x="970671" y="309488"/>
-            <a:ext cx="9929193" cy="6463308"/>
-          </a:xfrm>
-          <a:prstGeom prst="rect">
-            <a:avLst/>
-          </a:prstGeom>
-          <a:noFill/>
-        </p:spPr>
-        <p:txBody>
-          <a:bodyPr wrap="none" rtlCol="0">
-            <a:spAutoFit/>
-          </a:bodyPr>
-          <a:lstStyle/>
-          <a:p>
-            <a:pPr marL="342900" indent="-342900">
-              <a:buAutoNum type="arabicPeriod"/>
-            </a:pPr>
-            <a:r>
-              <a:rPr lang="en-US" sz="3000" dirty="0"/>
-              <a:t>Consider the following complete program:  </a:t>
-            </a:r>
-          </a:p>
-          <a:p>
-            <a:endParaRPr lang="en-US" dirty="0">
-              <a:latin typeface="Courier New" panose="02070309020205020404" pitchFamily="49" charset="0"/>
-              <a:cs typeface="Courier New" panose="02070309020205020404" pitchFamily="49" charset="0"/>
-            </a:endParaRPr>
-          </a:p>
-          <a:p>
-            <a:r>
-              <a:rPr lang="en-US" dirty="0">
-                <a:latin typeface="Courier New" panose="02070309020205020404" pitchFamily="49" charset="0"/>
-                <a:cs typeface="Courier New" panose="02070309020205020404" pitchFamily="49" charset="0"/>
-              </a:rPr>
-              <a:t>public class </a:t>
-            </a:r>
-            <a:r>
-              <a:rPr lang="en-US" dirty="0" err="1">
-                <a:latin typeface="Courier New" panose="02070309020205020404" pitchFamily="49" charset="0"/>
-                <a:cs typeface="Courier New" panose="02070309020205020404" pitchFamily="49" charset="0"/>
-              </a:rPr>
-              <a:t>MyStars</a:t>
-            </a:r>
-            <a:r>
-              <a:rPr lang="en-US" dirty="0">
-                <a:latin typeface="Courier New" panose="02070309020205020404" pitchFamily="49" charset="0"/>
-                <a:cs typeface="Courier New" panose="02070309020205020404" pitchFamily="49" charset="0"/>
-              </a:rPr>
-              <a:t> {  </a:t>
-            </a:r>
-          </a:p>
-          <a:p>
-            <a:r>
-              <a:rPr lang="en-US" dirty="0">
-                <a:latin typeface="Courier New" panose="02070309020205020404" pitchFamily="49" charset="0"/>
-                <a:cs typeface="Courier New" panose="02070309020205020404" pitchFamily="49" charset="0"/>
-              </a:rPr>
-              <a:t>     public static void </a:t>
-            </a:r>
-            <a:r>
-              <a:rPr lang="en-US" dirty="0" err="1">
-                <a:latin typeface="Courier New" panose="02070309020205020404" pitchFamily="49" charset="0"/>
-                <a:cs typeface="Courier New" panose="02070309020205020404" pitchFamily="49" charset="0"/>
-              </a:rPr>
-              <a:t>printStar</a:t>
-            </a:r>
-            <a:r>
-              <a:rPr lang="en-US" dirty="0">
-                <a:latin typeface="Courier New" panose="02070309020205020404" pitchFamily="49" charset="0"/>
-                <a:cs typeface="Courier New" panose="02070309020205020404" pitchFamily="49" charset="0"/>
-              </a:rPr>
-              <a:t>() {   </a:t>
-            </a:r>
-          </a:p>
-          <a:p>
-            <a:r>
-              <a:rPr lang="en-US" dirty="0">
-                <a:latin typeface="Courier New" panose="02070309020205020404" pitchFamily="49" charset="0"/>
-                <a:cs typeface="Courier New" panose="02070309020205020404" pitchFamily="49" charset="0"/>
-              </a:rPr>
-              <a:t>          </a:t>
-            </a:r>
-            <a:r>
-              <a:rPr lang="en-US" dirty="0" err="1">
-                <a:latin typeface="Courier New" panose="02070309020205020404" pitchFamily="49" charset="0"/>
-                <a:cs typeface="Courier New" panose="02070309020205020404" pitchFamily="49" charset="0"/>
-              </a:rPr>
-              <a:t>System.out.println</a:t>
-            </a:r>
-            <a:r>
-              <a:rPr lang="en-US" dirty="0">
-                <a:latin typeface="Courier New" panose="02070309020205020404" pitchFamily="49" charset="0"/>
-                <a:cs typeface="Courier New" panose="02070309020205020404" pitchFamily="49" charset="0"/>
-              </a:rPr>
-              <a:t>(" * ");  </a:t>
-            </a:r>
-          </a:p>
-          <a:p>
-            <a:r>
-              <a:rPr lang="en-US" dirty="0">
-                <a:latin typeface="Courier New" panose="02070309020205020404" pitchFamily="49" charset="0"/>
-                <a:cs typeface="Courier New" panose="02070309020205020404" pitchFamily="49" charset="0"/>
-              </a:rPr>
-              <a:t>     }  </a:t>
-            </a:r>
-          </a:p>
-          <a:p>
-            <a:r>
-              <a:rPr lang="en-US" dirty="0">
-                <a:latin typeface="Courier New" panose="02070309020205020404" pitchFamily="49" charset="0"/>
-                <a:cs typeface="Courier New" panose="02070309020205020404" pitchFamily="49" charset="0"/>
-              </a:rPr>
-              <a:t>     public static void twice() {   </a:t>
-            </a:r>
-          </a:p>
-          <a:p>
-            <a:r>
-              <a:rPr lang="en-US" dirty="0">
-                <a:latin typeface="Courier New" panose="02070309020205020404" pitchFamily="49" charset="0"/>
-                <a:cs typeface="Courier New" panose="02070309020205020404" pitchFamily="49" charset="0"/>
-              </a:rPr>
-              <a:t>          </a:t>
-            </a:r>
-            <a:r>
-              <a:rPr lang="en-US" dirty="0" err="1">
-                <a:latin typeface="Courier New" panose="02070309020205020404" pitchFamily="49" charset="0"/>
-                <a:cs typeface="Courier New" panose="02070309020205020404" pitchFamily="49" charset="0"/>
-              </a:rPr>
-              <a:t>printStar</a:t>
-            </a:r>
-            <a:r>
-              <a:rPr lang="en-US" dirty="0">
-                <a:latin typeface="Courier New" panose="02070309020205020404" pitchFamily="49" charset="0"/>
-                <a:cs typeface="Courier New" panose="02070309020205020404" pitchFamily="49" charset="0"/>
-              </a:rPr>
-              <a:t>();   </a:t>
-            </a:r>
-          </a:p>
-          <a:p>
-            <a:r>
-              <a:rPr lang="en-US" dirty="0">
-                <a:latin typeface="Courier New" panose="02070309020205020404" pitchFamily="49" charset="0"/>
-                <a:cs typeface="Courier New" panose="02070309020205020404" pitchFamily="49" charset="0"/>
-              </a:rPr>
-              <a:t>          </a:t>
-            </a:r>
-            <a:r>
-              <a:rPr lang="en-US" dirty="0" err="1">
-                <a:latin typeface="Courier New" panose="02070309020205020404" pitchFamily="49" charset="0"/>
-                <a:cs typeface="Courier New" panose="02070309020205020404" pitchFamily="49" charset="0"/>
-              </a:rPr>
-              <a:t>printStar</a:t>
-            </a:r>
-            <a:r>
-              <a:rPr lang="en-US" dirty="0">
-                <a:latin typeface="Courier New" panose="02070309020205020404" pitchFamily="49" charset="0"/>
-                <a:cs typeface="Courier New" panose="02070309020205020404" pitchFamily="49" charset="0"/>
-              </a:rPr>
-              <a:t>();  </a:t>
-            </a:r>
-          </a:p>
-          <a:p>
-            <a:r>
-              <a:rPr lang="en-US" dirty="0">
-                <a:latin typeface="Courier New" panose="02070309020205020404" pitchFamily="49" charset="0"/>
-                <a:cs typeface="Courier New" panose="02070309020205020404" pitchFamily="49" charset="0"/>
-              </a:rPr>
-              <a:t>     }  </a:t>
-            </a:r>
-          </a:p>
-          <a:p>
-            <a:r>
-              <a:rPr lang="en-US" dirty="0">
-                <a:latin typeface="Courier New" panose="02070309020205020404" pitchFamily="49" charset="0"/>
-                <a:cs typeface="Courier New" panose="02070309020205020404" pitchFamily="49" charset="0"/>
-              </a:rPr>
-              <a:t>     public static void many() {   </a:t>
-            </a:r>
-          </a:p>
-          <a:p>
-            <a:r>
-              <a:rPr lang="en-US" dirty="0">
-                <a:latin typeface="Courier New" panose="02070309020205020404" pitchFamily="49" charset="0"/>
-                <a:cs typeface="Courier New" panose="02070309020205020404" pitchFamily="49" charset="0"/>
-              </a:rPr>
-              <a:t>          twice();   </a:t>
-            </a:r>
-          </a:p>
-          <a:p>
-            <a:r>
-              <a:rPr lang="en-US" dirty="0">
-                <a:latin typeface="Courier New" panose="02070309020205020404" pitchFamily="49" charset="0"/>
-                <a:cs typeface="Courier New" panose="02070309020205020404" pitchFamily="49" charset="0"/>
-              </a:rPr>
-              <a:t>          </a:t>
-            </a:r>
-            <a:r>
-              <a:rPr lang="en-US" dirty="0" err="1">
-                <a:latin typeface="Courier New" panose="02070309020205020404" pitchFamily="49" charset="0"/>
-                <a:cs typeface="Courier New" panose="02070309020205020404" pitchFamily="49" charset="0"/>
-              </a:rPr>
-              <a:t>printStar</a:t>
-            </a:r>
-            <a:r>
-              <a:rPr lang="en-US" dirty="0">
-                <a:latin typeface="Courier New" panose="02070309020205020404" pitchFamily="49" charset="0"/>
-                <a:cs typeface="Courier New" panose="02070309020205020404" pitchFamily="49" charset="0"/>
-              </a:rPr>
-              <a:t>();   </a:t>
-            </a:r>
-          </a:p>
-          <a:p>
-            <a:r>
-              <a:rPr lang="en-US" dirty="0">
-                <a:latin typeface="Courier New" panose="02070309020205020404" pitchFamily="49" charset="0"/>
-                <a:cs typeface="Courier New" panose="02070309020205020404" pitchFamily="49" charset="0"/>
-              </a:rPr>
-              <a:t>          twice();  </a:t>
-            </a:r>
-          </a:p>
-          <a:p>
-            <a:r>
-              <a:rPr lang="en-US" dirty="0">
-                <a:latin typeface="Courier New" panose="02070309020205020404" pitchFamily="49" charset="0"/>
-                <a:cs typeface="Courier New" panose="02070309020205020404" pitchFamily="49" charset="0"/>
-              </a:rPr>
-              <a:t>     }</a:t>
-            </a:r>
-          </a:p>
-          <a:p>
-            <a:r>
-              <a:rPr lang="en-US" dirty="0">
-                <a:latin typeface="Courier New" panose="02070309020205020404" pitchFamily="49" charset="0"/>
-                <a:cs typeface="Courier New" panose="02070309020205020404" pitchFamily="49" charset="0"/>
-              </a:rPr>
-              <a:t>     public static void main(String[] </a:t>
-            </a:r>
-            <a:r>
-              <a:rPr lang="en-US" dirty="0" err="1">
-                <a:latin typeface="Courier New" panose="02070309020205020404" pitchFamily="49" charset="0"/>
-                <a:cs typeface="Courier New" panose="02070309020205020404" pitchFamily="49" charset="0"/>
-              </a:rPr>
-              <a:t>args</a:t>
-            </a:r>
-            <a:r>
-              <a:rPr lang="en-US" dirty="0">
-                <a:latin typeface="Courier New" panose="02070309020205020404" pitchFamily="49" charset="0"/>
-                <a:cs typeface="Courier New" panose="02070309020205020404" pitchFamily="49" charset="0"/>
-              </a:rPr>
-              <a:t>) {   </a:t>
-            </a:r>
-          </a:p>
-          <a:p>
-            <a:r>
-              <a:rPr lang="en-US" dirty="0">
-                <a:latin typeface="Courier New" panose="02070309020205020404" pitchFamily="49" charset="0"/>
-                <a:cs typeface="Courier New" panose="02070309020205020404" pitchFamily="49" charset="0"/>
-              </a:rPr>
-              <a:t>          twice();   </a:t>
-            </a:r>
-          </a:p>
-          <a:p>
-            <a:r>
-              <a:rPr lang="en-US" dirty="0">
-                <a:latin typeface="Courier New" panose="02070309020205020404" pitchFamily="49" charset="0"/>
-                <a:cs typeface="Courier New" panose="02070309020205020404" pitchFamily="49" charset="0"/>
-              </a:rPr>
-              <a:t>          many();  </a:t>
-            </a:r>
-          </a:p>
-          <a:p>
-            <a:r>
-              <a:rPr lang="en-US" dirty="0">
-                <a:latin typeface="Courier New" panose="02070309020205020404" pitchFamily="49" charset="0"/>
-                <a:cs typeface="Courier New" panose="02070309020205020404" pitchFamily="49" charset="0"/>
-              </a:rPr>
-              <a:t>     } </a:t>
-            </a:r>
-          </a:p>
-          <a:p>
-            <a:r>
-              <a:rPr lang="en-US" dirty="0">
-                <a:latin typeface="Courier New" panose="02070309020205020404" pitchFamily="49" charset="0"/>
-                <a:cs typeface="Courier New" panose="02070309020205020404" pitchFamily="49" charset="0"/>
-              </a:rPr>
-              <a:t>}  </a:t>
-            </a:r>
-          </a:p>
-          <a:p>
-            <a:r>
-              <a:rPr lang="en-US" sz="2400" dirty="0"/>
-              <a:t>How many stars  *  are printed to the console when this program is executed? </a:t>
-            </a:r>
-          </a:p>
-          <a:p>
-            <a:endParaRPr lang="en-US" dirty="0"/>
-          </a:p>
-        </p:txBody>
-      </p:sp>
-      <p:sp>
-        <p:nvSpPr>
-          <p:cNvPr id="3" name="TextBox 2"/>
-          <p:cNvSpPr txBox="1"/>
-          <p:nvPr/>
-        </p:nvSpPr>
-        <p:spPr>
-          <a:xfrm>
-            <a:off x="9312812" y="2433146"/>
-            <a:ext cx="853119" cy="2215991"/>
-          </a:xfrm>
-          <a:prstGeom prst="rect">
-            <a:avLst/>
-          </a:prstGeom>
-          <a:noFill/>
-        </p:spPr>
-        <p:txBody>
-          <a:bodyPr wrap="none" rtlCol="0">
-            <a:spAutoFit/>
-          </a:bodyPr>
-          <a:lstStyle/>
-          <a:p>
-            <a:pPr marL="342900" indent="-342900">
-              <a:buAutoNum type="alphaUcParenBoth"/>
-            </a:pPr>
-            <a:r>
-              <a:rPr lang="pt-BR" sz="2400" dirty="0"/>
-              <a:t>2 </a:t>
-            </a:r>
-          </a:p>
-          <a:p>
-            <a:r>
-              <a:rPr lang="pt-BR" sz="2400" dirty="0"/>
-              <a:t>(B) 4 </a:t>
-            </a:r>
-          </a:p>
-          <a:p>
-            <a:r>
-              <a:rPr lang="pt-BR" sz="2400" dirty="0"/>
-              <a:t>(C) 5 </a:t>
-            </a:r>
-          </a:p>
-          <a:p>
-            <a:r>
-              <a:rPr lang="pt-BR" sz="2400" dirty="0"/>
-              <a:t>(D) 7 </a:t>
-            </a:r>
-          </a:p>
-          <a:p>
-            <a:r>
-              <a:rPr lang="pt-BR" sz="2400" dirty="0"/>
-              <a:t>(E) 9 </a:t>
-            </a:r>
-          </a:p>
-          <a:p>
-            <a:endParaRPr lang="en-US" dirty="0"/>
-          </a:p>
-        </p:txBody>
-      </p:sp>
-    </p:spTree>
-    <p:extLst>
-      <p:ext uri="{BB962C8B-B14F-4D97-AF65-F5344CB8AC3E}">
-        <p14:creationId xmlns:p14="http://schemas.microsoft.com/office/powerpoint/2010/main" val="3926858225"/>
-      </p:ext>
-    </p:extLst>
-  </p:cSld>
-  <p:clrMapOvr>
-    <a:masterClrMapping/>
-  </p:clrMapOvr>
-</p:sld>
-</file>
-
-<file path=ppt/slides/slide40.xml><?xml version="1.0" encoding="utf-8"?>
+<file path=ppt/slides/slide39.xml><?xml version="1.0" encoding="utf-8"?>
 <p:sld xmlns:a="http://schemas.openxmlformats.org/drawingml/2006/main" xmlns:r="http://schemas.openxmlformats.org/officeDocument/2006/relationships" xmlns:p="http://schemas.openxmlformats.org/presentationml/2006/main">
   <p:cSld>
     <p:spTree>
@@ -11320,6 +10613,502 @@
 </p:sld>
 </file>
 
+<file path=ppt/slides/slide4.xml><?xml version="1.0" encoding="utf-8"?>
+<p:sld xmlns:a="http://schemas.openxmlformats.org/drawingml/2006/main" xmlns:r="http://schemas.openxmlformats.org/officeDocument/2006/relationships" xmlns:p="http://schemas.openxmlformats.org/presentationml/2006/main">
+  <p:cSld>
+    <p:spTree>
+      <p:nvGrpSpPr>
+        <p:cNvPr id="1" name=""/>
+        <p:cNvGrpSpPr/>
+        <p:nvPr/>
+      </p:nvGrpSpPr>
+      <p:grpSpPr>
+        <a:xfrm>
+          <a:off x="0" y="0"/>
+          <a:ext cx="0" cy="0"/>
+          <a:chOff x="0" y="0"/>
+          <a:chExt cx="0" cy="0"/>
+        </a:xfrm>
+      </p:grpSpPr>
+      <p:sp>
+        <p:nvSpPr>
+          <p:cNvPr id="2" name="TextBox 1"/>
+          <p:cNvSpPr txBox="1"/>
+          <p:nvPr/>
+        </p:nvSpPr>
+        <p:spPr>
+          <a:xfrm>
+            <a:off x="970671" y="309488"/>
+            <a:ext cx="9929193" cy="6463308"/>
+          </a:xfrm>
+          <a:prstGeom prst="rect">
+            <a:avLst/>
+          </a:prstGeom>
+          <a:noFill/>
+        </p:spPr>
+        <p:txBody>
+          <a:bodyPr wrap="none" rtlCol="0">
+            <a:spAutoFit/>
+          </a:bodyPr>
+          <a:lstStyle/>
+          <a:p>
+            <a:pPr marL="342900" indent="-342900">
+              <a:buAutoNum type="arabicPeriod"/>
+            </a:pPr>
+            <a:r>
+              <a:rPr lang="en-US" sz="3000" dirty="0"/>
+              <a:t>Consider the following complete program:  </a:t>
+            </a:r>
+          </a:p>
+          <a:p>
+            <a:endParaRPr lang="en-US" dirty="0">
+              <a:latin typeface="Courier New" panose="02070309020205020404" pitchFamily="49" charset="0"/>
+              <a:cs typeface="Courier New" panose="02070309020205020404" pitchFamily="49" charset="0"/>
+            </a:endParaRPr>
+          </a:p>
+          <a:p>
+            <a:r>
+              <a:rPr lang="en-US" dirty="0">
+                <a:latin typeface="Courier New" panose="02070309020205020404" pitchFamily="49" charset="0"/>
+                <a:cs typeface="Courier New" panose="02070309020205020404" pitchFamily="49" charset="0"/>
+              </a:rPr>
+              <a:t>public class </a:t>
+            </a:r>
+            <a:r>
+              <a:rPr lang="en-US" dirty="0" err="1">
+                <a:latin typeface="Courier New" panose="02070309020205020404" pitchFamily="49" charset="0"/>
+                <a:cs typeface="Courier New" panose="02070309020205020404" pitchFamily="49" charset="0"/>
+              </a:rPr>
+              <a:t>MyStars</a:t>
+            </a:r>
+            <a:r>
+              <a:rPr lang="en-US" dirty="0">
+                <a:latin typeface="Courier New" panose="02070309020205020404" pitchFamily="49" charset="0"/>
+                <a:cs typeface="Courier New" panose="02070309020205020404" pitchFamily="49" charset="0"/>
+              </a:rPr>
+              <a:t> {  </a:t>
+            </a:r>
+          </a:p>
+          <a:p>
+            <a:r>
+              <a:rPr lang="en-US" dirty="0">
+                <a:latin typeface="Courier New" panose="02070309020205020404" pitchFamily="49" charset="0"/>
+                <a:cs typeface="Courier New" panose="02070309020205020404" pitchFamily="49" charset="0"/>
+              </a:rPr>
+              <a:t>     public static void </a:t>
+            </a:r>
+            <a:r>
+              <a:rPr lang="en-US" dirty="0" err="1">
+                <a:latin typeface="Courier New" panose="02070309020205020404" pitchFamily="49" charset="0"/>
+                <a:cs typeface="Courier New" panose="02070309020205020404" pitchFamily="49" charset="0"/>
+              </a:rPr>
+              <a:t>printStar</a:t>
+            </a:r>
+            <a:r>
+              <a:rPr lang="en-US" dirty="0">
+                <a:latin typeface="Courier New" panose="02070309020205020404" pitchFamily="49" charset="0"/>
+                <a:cs typeface="Courier New" panose="02070309020205020404" pitchFamily="49" charset="0"/>
+              </a:rPr>
+              <a:t>() {   </a:t>
+            </a:r>
+          </a:p>
+          <a:p>
+            <a:r>
+              <a:rPr lang="en-US" dirty="0">
+                <a:latin typeface="Courier New" panose="02070309020205020404" pitchFamily="49" charset="0"/>
+                <a:cs typeface="Courier New" panose="02070309020205020404" pitchFamily="49" charset="0"/>
+              </a:rPr>
+              <a:t>          </a:t>
+            </a:r>
+            <a:r>
+              <a:rPr lang="en-US" dirty="0" err="1">
+                <a:latin typeface="Courier New" panose="02070309020205020404" pitchFamily="49" charset="0"/>
+                <a:cs typeface="Courier New" panose="02070309020205020404" pitchFamily="49" charset="0"/>
+              </a:rPr>
+              <a:t>System.out.println</a:t>
+            </a:r>
+            <a:r>
+              <a:rPr lang="en-US" dirty="0">
+                <a:latin typeface="Courier New" panose="02070309020205020404" pitchFamily="49" charset="0"/>
+                <a:cs typeface="Courier New" panose="02070309020205020404" pitchFamily="49" charset="0"/>
+              </a:rPr>
+              <a:t>(" * ");  </a:t>
+            </a:r>
+          </a:p>
+          <a:p>
+            <a:r>
+              <a:rPr lang="en-US" dirty="0">
+                <a:latin typeface="Courier New" panose="02070309020205020404" pitchFamily="49" charset="0"/>
+                <a:cs typeface="Courier New" panose="02070309020205020404" pitchFamily="49" charset="0"/>
+              </a:rPr>
+              <a:t>     }  </a:t>
+            </a:r>
+          </a:p>
+          <a:p>
+            <a:r>
+              <a:rPr lang="en-US" dirty="0">
+                <a:latin typeface="Courier New" panose="02070309020205020404" pitchFamily="49" charset="0"/>
+                <a:cs typeface="Courier New" panose="02070309020205020404" pitchFamily="49" charset="0"/>
+              </a:rPr>
+              <a:t>     public static void twice() {   </a:t>
+            </a:r>
+          </a:p>
+          <a:p>
+            <a:r>
+              <a:rPr lang="en-US" dirty="0">
+                <a:latin typeface="Courier New" panose="02070309020205020404" pitchFamily="49" charset="0"/>
+                <a:cs typeface="Courier New" panose="02070309020205020404" pitchFamily="49" charset="0"/>
+              </a:rPr>
+              <a:t>          </a:t>
+            </a:r>
+            <a:r>
+              <a:rPr lang="en-US" dirty="0" err="1">
+                <a:latin typeface="Courier New" panose="02070309020205020404" pitchFamily="49" charset="0"/>
+                <a:cs typeface="Courier New" panose="02070309020205020404" pitchFamily="49" charset="0"/>
+              </a:rPr>
+              <a:t>printStar</a:t>
+            </a:r>
+            <a:r>
+              <a:rPr lang="en-US" dirty="0">
+                <a:latin typeface="Courier New" panose="02070309020205020404" pitchFamily="49" charset="0"/>
+                <a:cs typeface="Courier New" panose="02070309020205020404" pitchFamily="49" charset="0"/>
+              </a:rPr>
+              <a:t>();   </a:t>
+            </a:r>
+          </a:p>
+          <a:p>
+            <a:r>
+              <a:rPr lang="en-US" dirty="0">
+                <a:latin typeface="Courier New" panose="02070309020205020404" pitchFamily="49" charset="0"/>
+                <a:cs typeface="Courier New" panose="02070309020205020404" pitchFamily="49" charset="0"/>
+              </a:rPr>
+              <a:t>          </a:t>
+            </a:r>
+            <a:r>
+              <a:rPr lang="en-US" dirty="0" err="1">
+                <a:latin typeface="Courier New" panose="02070309020205020404" pitchFamily="49" charset="0"/>
+                <a:cs typeface="Courier New" panose="02070309020205020404" pitchFamily="49" charset="0"/>
+              </a:rPr>
+              <a:t>printStar</a:t>
+            </a:r>
+            <a:r>
+              <a:rPr lang="en-US" dirty="0">
+                <a:latin typeface="Courier New" panose="02070309020205020404" pitchFamily="49" charset="0"/>
+                <a:cs typeface="Courier New" panose="02070309020205020404" pitchFamily="49" charset="0"/>
+              </a:rPr>
+              <a:t>();  </a:t>
+            </a:r>
+          </a:p>
+          <a:p>
+            <a:r>
+              <a:rPr lang="en-US" dirty="0">
+                <a:latin typeface="Courier New" panose="02070309020205020404" pitchFamily="49" charset="0"/>
+                <a:cs typeface="Courier New" panose="02070309020205020404" pitchFamily="49" charset="0"/>
+              </a:rPr>
+              <a:t>     }  </a:t>
+            </a:r>
+          </a:p>
+          <a:p>
+            <a:r>
+              <a:rPr lang="en-US" dirty="0">
+                <a:latin typeface="Courier New" panose="02070309020205020404" pitchFamily="49" charset="0"/>
+                <a:cs typeface="Courier New" panose="02070309020205020404" pitchFamily="49" charset="0"/>
+              </a:rPr>
+              <a:t>     public static void many() {   </a:t>
+            </a:r>
+          </a:p>
+          <a:p>
+            <a:r>
+              <a:rPr lang="en-US" dirty="0">
+                <a:latin typeface="Courier New" panose="02070309020205020404" pitchFamily="49" charset="0"/>
+                <a:cs typeface="Courier New" panose="02070309020205020404" pitchFamily="49" charset="0"/>
+              </a:rPr>
+              <a:t>          twice();   </a:t>
+            </a:r>
+          </a:p>
+          <a:p>
+            <a:r>
+              <a:rPr lang="en-US" dirty="0">
+                <a:latin typeface="Courier New" panose="02070309020205020404" pitchFamily="49" charset="0"/>
+                <a:cs typeface="Courier New" panose="02070309020205020404" pitchFamily="49" charset="0"/>
+              </a:rPr>
+              <a:t>          </a:t>
+            </a:r>
+            <a:r>
+              <a:rPr lang="en-US" dirty="0" err="1">
+                <a:latin typeface="Courier New" panose="02070309020205020404" pitchFamily="49" charset="0"/>
+                <a:cs typeface="Courier New" panose="02070309020205020404" pitchFamily="49" charset="0"/>
+              </a:rPr>
+              <a:t>printStar</a:t>
+            </a:r>
+            <a:r>
+              <a:rPr lang="en-US" dirty="0">
+                <a:latin typeface="Courier New" panose="02070309020205020404" pitchFamily="49" charset="0"/>
+                <a:cs typeface="Courier New" panose="02070309020205020404" pitchFamily="49" charset="0"/>
+              </a:rPr>
+              <a:t>();   </a:t>
+            </a:r>
+          </a:p>
+          <a:p>
+            <a:r>
+              <a:rPr lang="en-US" dirty="0">
+                <a:latin typeface="Courier New" panose="02070309020205020404" pitchFamily="49" charset="0"/>
+                <a:cs typeface="Courier New" panose="02070309020205020404" pitchFamily="49" charset="0"/>
+              </a:rPr>
+              <a:t>          twice();  </a:t>
+            </a:r>
+          </a:p>
+          <a:p>
+            <a:r>
+              <a:rPr lang="en-US" dirty="0">
+                <a:latin typeface="Courier New" panose="02070309020205020404" pitchFamily="49" charset="0"/>
+                <a:cs typeface="Courier New" panose="02070309020205020404" pitchFamily="49" charset="0"/>
+              </a:rPr>
+              <a:t>     }</a:t>
+            </a:r>
+          </a:p>
+          <a:p>
+            <a:r>
+              <a:rPr lang="en-US" dirty="0">
+                <a:latin typeface="Courier New" panose="02070309020205020404" pitchFamily="49" charset="0"/>
+                <a:cs typeface="Courier New" panose="02070309020205020404" pitchFamily="49" charset="0"/>
+              </a:rPr>
+              <a:t>     public static void main(String[] </a:t>
+            </a:r>
+            <a:r>
+              <a:rPr lang="en-US" dirty="0" err="1">
+                <a:latin typeface="Courier New" panose="02070309020205020404" pitchFamily="49" charset="0"/>
+                <a:cs typeface="Courier New" panose="02070309020205020404" pitchFamily="49" charset="0"/>
+              </a:rPr>
+              <a:t>args</a:t>
+            </a:r>
+            <a:r>
+              <a:rPr lang="en-US" dirty="0">
+                <a:latin typeface="Courier New" panose="02070309020205020404" pitchFamily="49" charset="0"/>
+                <a:cs typeface="Courier New" panose="02070309020205020404" pitchFamily="49" charset="0"/>
+              </a:rPr>
+              <a:t>) {   </a:t>
+            </a:r>
+          </a:p>
+          <a:p>
+            <a:r>
+              <a:rPr lang="en-US" dirty="0">
+                <a:latin typeface="Courier New" panose="02070309020205020404" pitchFamily="49" charset="0"/>
+                <a:cs typeface="Courier New" panose="02070309020205020404" pitchFamily="49" charset="0"/>
+              </a:rPr>
+              <a:t>          twice();   </a:t>
+            </a:r>
+          </a:p>
+          <a:p>
+            <a:r>
+              <a:rPr lang="en-US" dirty="0">
+                <a:latin typeface="Courier New" panose="02070309020205020404" pitchFamily="49" charset="0"/>
+                <a:cs typeface="Courier New" panose="02070309020205020404" pitchFamily="49" charset="0"/>
+              </a:rPr>
+              <a:t>          many();  </a:t>
+            </a:r>
+          </a:p>
+          <a:p>
+            <a:r>
+              <a:rPr lang="en-US" dirty="0">
+                <a:latin typeface="Courier New" panose="02070309020205020404" pitchFamily="49" charset="0"/>
+                <a:cs typeface="Courier New" panose="02070309020205020404" pitchFamily="49" charset="0"/>
+              </a:rPr>
+              <a:t>     } </a:t>
+            </a:r>
+          </a:p>
+          <a:p>
+            <a:r>
+              <a:rPr lang="en-US" dirty="0">
+                <a:latin typeface="Courier New" panose="02070309020205020404" pitchFamily="49" charset="0"/>
+                <a:cs typeface="Courier New" panose="02070309020205020404" pitchFamily="49" charset="0"/>
+              </a:rPr>
+              <a:t>}  </a:t>
+            </a:r>
+          </a:p>
+          <a:p>
+            <a:r>
+              <a:rPr lang="en-US" sz="2400" dirty="0"/>
+              <a:t>How many stars  *  are printed to the console when this program is executed? </a:t>
+            </a:r>
+          </a:p>
+          <a:p>
+            <a:endParaRPr lang="en-US" dirty="0"/>
+          </a:p>
+        </p:txBody>
+      </p:sp>
+      <p:sp>
+        <p:nvSpPr>
+          <p:cNvPr id="3" name="TextBox 2"/>
+          <p:cNvSpPr txBox="1"/>
+          <p:nvPr/>
+        </p:nvSpPr>
+        <p:spPr>
+          <a:xfrm>
+            <a:off x="9312812" y="2433146"/>
+            <a:ext cx="853119" cy="2215991"/>
+          </a:xfrm>
+          <a:prstGeom prst="rect">
+            <a:avLst/>
+          </a:prstGeom>
+          <a:noFill/>
+        </p:spPr>
+        <p:txBody>
+          <a:bodyPr wrap="none" rtlCol="0">
+            <a:spAutoFit/>
+          </a:bodyPr>
+          <a:lstStyle/>
+          <a:p>
+            <a:pPr marL="342900" indent="-342900">
+              <a:buAutoNum type="alphaUcParenBoth"/>
+            </a:pPr>
+            <a:r>
+              <a:rPr lang="pt-BR" sz="2400" dirty="0"/>
+              <a:t>2 </a:t>
+            </a:r>
+          </a:p>
+          <a:p>
+            <a:r>
+              <a:rPr lang="pt-BR" sz="2400" dirty="0"/>
+              <a:t>(B) 4 </a:t>
+            </a:r>
+          </a:p>
+          <a:p>
+            <a:r>
+              <a:rPr lang="pt-BR" sz="2400" dirty="0"/>
+              <a:t>(C) 5 </a:t>
+            </a:r>
+          </a:p>
+          <a:p>
+            <a:r>
+              <a:rPr lang="pt-BR" sz="2400" dirty="0"/>
+              <a:t>(D) 7 </a:t>
+            </a:r>
+          </a:p>
+          <a:p>
+            <a:r>
+              <a:rPr lang="pt-BR" sz="2400" dirty="0"/>
+              <a:t>(E) 9 </a:t>
+            </a:r>
+          </a:p>
+          <a:p>
+            <a:endParaRPr lang="en-US" dirty="0"/>
+          </a:p>
+        </p:txBody>
+      </p:sp>
+    </p:spTree>
+    <p:extLst>
+      <p:ext uri="{BB962C8B-B14F-4D97-AF65-F5344CB8AC3E}">
+        <p14:creationId xmlns:p14="http://schemas.microsoft.com/office/powerpoint/2010/main" val="3926858225"/>
+      </p:ext>
+    </p:extLst>
+  </p:cSld>
+  <p:clrMapOvr>
+    <a:masterClrMapping/>
+  </p:clrMapOvr>
+</p:sld>
+</file>
+
+<file path=ppt/slides/slide40.xml><?xml version="1.0" encoding="utf-8"?>
+<p:sld xmlns:a="http://schemas.openxmlformats.org/drawingml/2006/main" xmlns:r="http://schemas.openxmlformats.org/officeDocument/2006/relationships" xmlns:p="http://schemas.openxmlformats.org/presentationml/2006/main">
+  <p:cSld>
+    <p:spTree>
+      <p:nvGrpSpPr>
+        <p:cNvPr id="1" name=""/>
+        <p:cNvGrpSpPr/>
+        <p:nvPr/>
+      </p:nvGrpSpPr>
+      <p:grpSpPr>
+        <a:xfrm>
+          <a:off x="0" y="0"/>
+          <a:ext cx="0" cy="0"/>
+          <a:chOff x="0" y="0"/>
+          <a:chExt cx="0" cy="0"/>
+        </a:xfrm>
+      </p:grpSpPr>
+      <p:sp>
+        <p:nvSpPr>
+          <p:cNvPr id="2" name="Title 1"/>
+          <p:cNvSpPr>
+            <a:spLocks noGrp="1"/>
+          </p:cNvSpPr>
+          <p:nvPr>
+            <p:ph type="ctrTitle"/>
+          </p:nvPr>
+        </p:nvSpPr>
+        <p:spPr>
+          <a:xfrm>
+            <a:off x="1538068" y="1713207"/>
+            <a:ext cx="9643908" cy="2387600"/>
+          </a:xfrm>
+        </p:spPr>
+        <p:txBody>
+          <a:bodyPr>
+            <a:normAutofit/>
+          </a:bodyPr>
+          <a:lstStyle/>
+          <a:p>
+            <a:r>
+              <a:rPr lang="en-US" sz="4000" dirty="0"/>
+              <a:t>If you combine an</a:t>
+            </a:r>
+            <a:r>
+              <a:rPr lang="en-US" sz="4000" b="1" dirty="0"/>
+              <a:t> </a:t>
+            </a:r>
+            <a:r>
+              <a:rPr lang="en-US" sz="4000" b="1" dirty="0" err="1">
+                <a:latin typeface="Courier New" panose="02070309020205020404" pitchFamily="49" charset="0"/>
+                <a:cs typeface="Courier New" panose="02070309020205020404" pitchFamily="49" charset="0"/>
+              </a:rPr>
+              <a:t>int</a:t>
+            </a:r>
+            <a:r>
+              <a:rPr lang="en-US" sz="4000" b="1" dirty="0"/>
+              <a:t> </a:t>
+            </a:r>
+            <a:r>
+              <a:rPr lang="en-US" sz="4000" dirty="0"/>
+              <a:t>and a </a:t>
+            </a:r>
+            <a:r>
+              <a:rPr lang="en-US" sz="4000" b="1" dirty="0">
+                <a:latin typeface="Courier New" panose="02070309020205020404" pitchFamily="49" charset="0"/>
+                <a:cs typeface="Courier New" panose="02070309020205020404" pitchFamily="49" charset="0"/>
+              </a:rPr>
+              <a:t>double</a:t>
+            </a:r>
+            <a:r>
+              <a:rPr lang="en-US" sz="4000" dirty="0"/>
+              <a:t> with an operator </a:t>
+            </a:r>
+            <a:r>
+              <a:rPr lang="en-US" sz="4000" dirty="0">
+                <a:latin typeface="Courier New" panose="02070309020205020404" pitchFamily="49" charset="0"/>
+                <a:cs typeface="Courier New" panose="02070309020205020404" pitchFamily="49" charset="0"/>
+              </a:rPr>
+              <a:t>(+ - * / % </a:t>
+            </a:r>
+            <a:r>
+              <a:rPr lang="en-US" sz="4000" dirty="0"/>
+              <a:t>) the result is …?</a:t>
+            </a:r>
+          </a:p>
+        </p:txBody>
+      </p:sp>
+    </p:spTree>
+    <p:extLst>
+      <p:ext uri="{BB962C8B-B14F-4D97-AF65-F5344CB8AC3E}">
+        <p14:creationId xmlns:p14="http://schemas.microsoft.com/office/powerpoint/2010/main" val="518566035"/>
+      </p:ext>
+    </p:extLst>
+  </p:cSld>
+  <p:clrMapOvr>
+    <a:masterClrMapping/>
+  </p:clrMapOvr>
+</p:sld>
+</file>
+
 <file path=ppt/slides/slide41.xml><?xml version="1.0" encoding="utf-8"?>
 <p:sld xmlns:a="http://schemas.openxmlformats.org/drawingml/2006/main" xmlns:r="http://schemas.openxmlformats.org/officeDocument/2006/relationships" xmlns:p="http://schemas.openxmlformats.org/presentationml/2006/main">
   <p:cSld>
@@ -11350,7 +11139,7 @@
         <p:spPr>
           <a:xfrm>
             <a:off x="1538068" y="1713207"/>
-            <a:ext cx="9643908" cy="2387600"/>
+            <a:ext cx="9144000" cy="2387600"/>
           </a:xfrm>
         </p:spPr>
         <p:txBody>
@@ -11387,22 +11176,22 @@
                 <a:latin typeface="Courier New" panose="02070309020205020404" pitchFamily="49" charset="0"/>
                 <a:cs typeface="Courier New" panose="02070309020205020404" pitchFamily="49" charset="0"/>
               </a:rPr>
-              <a:t>double</a:t>
+              <a:t>String</a:t>
             </a:r>
             <a:r>
               <a:rPr lang="en-US" sz="4000" dirty="0"/>
-              <a:t> with an operator </a:t>
+              <a:t> with a ‘</a:t>
             </a:r>
             <a:r>
               <a:rPr lang="en-US" sz="4000" dirty="0">
                 <a:latin typeface="Courier New" panose="02070309020205020404" pitchFamily="49" charset="0"/>
                 <a:cs typeface="Courier New" panose="02070309020205020404" pitchFamily="49" charset="0"/>
               </a:rPr>
-              <a:t>(+ - * / % </a:t>
+              <a:t>+</a:t>
             </a:r>
             <a:r>
               <a:rPr lang="en-US" sz="4000" dirty="0"/>
-              <a:t>) the result is …?</a:t>
+              <a:t>’ the result is …?</a:t>
             </a:r>
           </a:p>
         </p:txBody>
@@ -11410,7 +11199,7 @@
     </p:spTree>
     <p:extLst>
       <p:ext uri="{BB962C8B-B14F-4D97-AF65-F5344CB8AC3E}">
-        <p14:creationId xmlns:p14="http://schemas.microsoft.com/office/powerpoint/2010/main" val="518566035"/>
+        <p14:creationId xmlns:p14="http://schemas.microsoft.com/office/powerpoint/2010/main" val="1546240158"/>
       </p:ext>
     </p:extLst>
   </p:cSld>
@@ -11468,106 +11257,6 @@
               <a:t> </a:t>
             </a:r>
             <a:r>
-              <a:rPr lang="en-US" sz="4000" b="1" dirty="0" err="1">
-                <a:latin typeface="Courier New" panose="02070309020205020404" pitchFamily="49" charset="0"/>
-                <a:cs typeface="Courier New" panose="02070309020205020404" pitchFamily="49" charset="0"/>
-              </a:rPr>
-              <a:t>int</a:t>
-            </a:r>
-            <a:r>
-              <a:rPr lang="en-US" sz="4000" b="1" dirty="0"/>
-              <a:t> </a:t>
-            </a:r>
-            <a:r>
-              <a:rPr lang="en-US" sz="4000" dirty="0"/>
-              <a:t>and a </a:t>
-            </a:r>
-            <a:r>
-              <a:rPr lang="en-US" sz="4000" b="1" dirty="0">
-                <a:latin typeface="Courier New" panose="02070309020205020404" pitchFamily="49" charset="0"/>
-                <a:cs typeface="Courier New" panose="02070309020205020404" pitchFamily="49" charset="0"/>
-              </a:rPr>
-              <a:t>String</a:t>
-            </a:r>
-            <a:r>
-              <a:rPr lang="en-US" sz="4000" dirty="0"/>
-              <a:t> with a ‘</a:t>
-            </a:r>
-            <a:r>
-              <a:rPr lang="en-US" sz="4000" dirty="0">
-                <a:latin typeface="Courier New" panose="02070309020205020404" pitchFamily="49" charset="0"/>
-                <a:cs typeface="Courier New" panose="02070309020205020404" pitchFamily="49" charset="0"/>
-              </a:rPr>
-              <a:t>+</a:t>
-            </a:r>
-            <a:r>
-              <a:rPr lang="en-US" sz="4000" dirty="0"/>
-              <a:t>’ the result is …?</a:t>
-            </a:r>
-          </a:p>
-        </p:txBody>
-      </p:sp>
-    </p:spTree>
-    <p:extLst>
-      <p:ext uri="{BB962C8B-B14F-4D97-AF65-F5344CB8AC3E}">
-        <p14:creationId xmlns:p14="http://schemas.microsoft.com/office/powerpoint/2010/main" val="1546240158"/>
-      </p:ext>
-    </p:extLst>
-  </p:cSld>
-  <p:clrMapOvr>
-    <a:masterClrMapping/>
-  </p:clrMapOvr>
-</p:sld>
-</file>
-
-<file path=ppt/slides/slide43.xml><?xml version="1.0" encoding="utf-8"?>
-<p:sld xmlns:a="http://schemas.openxmlformats.org/drawingml/2006/main" xmlns:r="http://schemas.openxmlformats.org/officeDocument/2006/relationships" xmlns:p="http://schemas.openxmlformats.org/presentationml/2006/main">
-  <p:cSld>
-    <p:spTree>
-      <p:nvGrpSpPr>
-        <p:cNvPr id="1" name=""/>
-        <p:cNvGrpSpPr/>
-        <p:nvPr/>
-      </p:nvGrpSpPr>
-      <p:grpSpPr>
-        <a:xfrm>
-          <a:off x="0" y="0"/>
-          <a:ext cx="0" cy="0"/>
-          <a:chOff x="0" y="0"/>
-          <a:chExt cx="0" cy="0"/>
-        </a:xfrm>
-      </p:grpSpPr>
-      <p:sp>
-        <p:nvSpPr>
-          <p:cNvPr id="2" name="Title 1"/>
-          <p:cNvSpPr>
-            <a:spLocks noGrp="1"/>
-          </p:cNvSpPr>
-          <p:nvPr>
-            <p:ph type="ctrTitle"/>
-          </p:nvPr>
-        </p:nvSpPr>
-        <p:spPr>
-          <a:xfrm>
-            <a:off x="1538068" y="1713207"/>
-            <a:ext cx="9144000" cy="2387600"/>
-          </a:xfrm>
-        </p:spPr>
-        <p:txBody>
-          <a:bodyPr>
-            <a:normAutofit/>
-          </a:bodyPr>
-          <a:lstStyle/>
-          <a:p>
-            <a:r>
-              <a:rPr lang="en-US" sz="4000" dirty="0"/>
-              <a:t>If you combine an</a:t>
-            </a:r>
-            <a:r>
-              <a:rPr lang="en-US" sz="4000" b="1" dirty="0"/>
-              <a:t> </a:t>
-            </a:r>
-            <a:r>
               <a:rPr lang="en-US" sz="4000" b="1" dirty="0">
                 <a:latin typeface="Courier New" panose="02070309020205020404" pitchFamily="49" charset="0"/>
                 <a:cs typeface="Courier New" panose="02070309020205020404" pitchFamily="49" charset="0"/>
@@ -11620,7 +11309,7 @@
 </p:sld>
 </file>
 
-<file path=ppt/slides/slide44.xml><?xml version="1.0" encoding="utf-8"?>
+<file path=ppt/slides/slide43.xml><?xml version="1.0" encoding="utf-8"?>
 <p:sld xmlns:a="http://schemas.openxmlformats.org/drawingml/2006/main" xmlns:r="http://schemas.openxmlformats.org/officeDocument/2006/relationships" xmlns:p="http://schemas.openxmlformats.org/presentationml/2006/main">
   <p:cSld>
     <p:spTree>
@@ -11794,6 +11483,63 @@
 </p:sld>
 </file>
 
+<file path=ppt/slides/slide44.xml><?xml version="1.0" encoding="utf-8"?>
+<p:sld xmlns:a="http://schemas.openxmlformats.org/drawingml/2006/main" xmlns:r="http://schemas.openxmlformats.org/officeDocument/2006/relationships" xmlns:p="http://schemas.openxmlformats.org/presentationml/2006/main">
+  <p:cSld>
+    <p:spTree>
+      <p:nvGrpSpPr>
+        <p:cNvPr id="1" name=""/>
+        <p:cNvGrpSpPr/>
+        <p:nvPr/>
+      </p:nvGrpSpPr>
+      <p:grpSpPr>
+        <a:xfrm>
+          <a:off x="0" y="0"/>
+          <a:ext cx="0" cy="0"/>
+          <a:chOff x="0" y="0"/>
+          <a:chExt cx="0" cy="0"/>
+        </a:xfrm>
+      </p:grpSpPr>
+      <p:sp>
+        <p:nvSpPr>
+          <p:cNvPr id="4" name="Title 3"/>
+          <p:cNvSpPr>
+            <a:spLocks noGrp="1"/>
+          </p:cNvSpPr>
+          <p:nvPr>
+            <p:ph type="ctrTitle"/>
+          </p:nvPr>
+        </p:nvSpPr>
+        <p:spPr>
+          <a:xfrm>
+            <a:off x="1524000" y="1316088"/>
+            <a:ext cx="9144000" cy="2387600"/>
+          </a:xfrm>
+        </p:spPr>
+        <p:txBody>
+          <a:bodyPr/>
+          <a:lstStyle/>
+          <a:p>
+            <a:r>
+              <a:rPr lang="en-US" dirty="0"/>
+              <a:t>Worksheet</a:t>
+            </a:r>
+          </a:p>
+        </p:txBody>
+      </p:sp>
+    </p:spTree>
+    <p:extLst>
+      <p:ext uri="{BB962C8B-B14F-4D97-AF65-F5344CB8AC3E}">
+        <p14:creationId xmlns:p14="http://schemas.microsoft.com/office/powerpoint/2010/main" val="111912410"/>
+      </p:ext>
+    </p:extLst>
+  </p:cSld>
+  <p:clrMapOvr>
+    <a:masterClrMapping/>
+  </p:clrMapOvr>
+</p:sld>
+</file>
+
 <file path=ppt/slides/slide45.xml><?xml version="1.0" encoding="utf-8"?>
 <p:sld xmlns:a="http://schemas.openxmlformats.org/drawingml/2006/main" xmlns:r="http://schemas.openxmlformats.org/officeDocument/2006/relationships" xmlns:p="http://schemas.openxmlformats.org/presentationml/2006/main">
   <p:cSld>
@@ -11813,35 +11559,166 @@
       </p:grpSpPr>
       <p:sp>
         <p:nvSpPr>
-          <p:cNvPr id="4" name="Title 3"/>
-          <p:cNvSpPr>
-            <a:spLocks noGrp="1"/>
-          </p:cNvSpPr>
-          <p:nvPr>
-            <p:ph type="ctrTitle"/>
-          </p:nvPr>
-        </p:nvSpPr>
-        <p:spPr>
-          <a:xfrm>
-            <a:off x="1524000" y="1316088"/>
-            <a:ext cx="9144000" cy="2387600"/>
-          </a:xfrm>
-        </p:spPr>
-        <p:txBody>
-          <a:bodyPr/>
-          <a:lstStyle/>
-          <a:p>
-            <a:r>
-              <a:rPr lang="en-US" dirty="0"/>
-              <a:t>Worksheet</a:t>
-            </a:r>
+          <p:cNvPr id="2" name="Title 1"/>
+          <p:cNvSpPr>
+            <a:spLocks noGrp="1"/>
+          </p:cNvSpPr>
+          <p:nvPr>
+            <p:ph type="title"/>
+          </p:nvPr>
+        </p:nvSpPr>
+        <p:spPr/>
+        <p:txBody>
+          <a:bodyPr/>
+          <a:lstStyle/>
+          <a:p>
+            <a:r>
+              <a:rPr lang="en-US" dirty="0"/>
+              <a:t>Introduction to Casting</a:t>
+            </a:r>
+          </a:p>
+        </p:txBody>
+      </p:sp>
+      <p:sp>
+        <p:nvSpPr>
+          <p:cNvPr id="3" name="Content Placeholder 2"/>
+          <p:cNvSpPr>
+            <a:spLocks noGrp="1"/>
+          </p:cNvSpPr>
+          <p:nvPr>
+            <p:ph idx="1"/>
+          </p:nvPr>
+        </p:nvSpPr>
+        <p:spPr/>
+        <p:txBody>
+          <a:bodyPr>
+            <a:normAutofit/>
+          </a:bodyPr>
+          <a:lstStyle/>
+          <a:p>
+            <a:pPr marL="0" indent="0">
+              <a:buNone/>
+            </a:pPr>
+            <a:endParaRPr lang="en-US" dirty="0"/>
+          </a:p>
+          <a:p>
+            <a:pPr marL="0" indent="0">
+              <a:buNone/>
+            </a:pPr>
+            <a:r>
+              <a:rPr lang="en-US" dirty="0">
+                <a:latin typeface="Courier New" panose="02070309020205020404" pitchFamily="49" charset="0"/>
+                <a:cs typeface="Courier New" panose="02070309020205020404" pitchFamily="49" charset="0"/>
+              </a:rPr>
+              <a:t>(</a:t>
+            </a:r>
+            <a:r>
+              <a:rPr lang="en-US" dirty="0" err="1">
+                <a:latin typeface="Courier New" panose="02070309020205020404" pitchFamily="49" charset="0"/>
+                <a:cs typeface="Courier New" panose="02070309020205020404" pitchFamily="49" charset="0"/>
+              </a:rPr>
+              <a:t>int</a:t>
+            </a:r>
+            <a:r>
+              <a:rPr lang="en-US" dirty="0">
+                <a:latin typeface="Courier New" panose="02070309020205020404" pitchFamily="49" charset="0"/>
+                <a:cs typeface="Courier New" panose="02070309020205020404" pitchFamily="49" charset="0"/>
+              </a:rPr>
+              <a:t>) 4.29 		⇒ 	4</a:t>
+            </a:r>
+          </a:p>
+          <a:p>
+            <a:pPr marL="0" indent="0">
+              <a:buNone/>
+            </a:pPr>
+            <a:r>
+              <a:rPr lang="en-US" dirty="0">
+                <a:latin typeface="Courier New" panose="02070309020205020404" pitchFamily="49" charset="0"/>
+                <a:cs typeface="Courier New" panose="02070309020205020404" pitchFamily="49" charset="0"/>
+              </a:rPr>
+              <a:t>(double) 1 		⇒ 	1.0</a:t>
+            </a:r>
+          </a:p>
+          <a:p>
+            <a:pPr marL="0" indent="0">
+              <a:buNone/>
+            </a:pPr>
+            <a:endParaRPr lang="en-US" dirty="0"/>
+          </a:p>
+          <a:p>
+            <a:pPr marL="0" indent="0">
+              <a:buNone/>
+            </a:pPr>
+            <a:r>
+              <a:rPr lang="en-US" sz="2400" i="1" dirty="0"/>
+              <a:t>Note: </a:t>
+            </a:r>
+            <a:r>
+              <a:rPr lang="en-US" sz="2400" dirty="0">
+                <a:latin typeface="Courier New" panose="02070309020205020404" pitchFamily="49" charset="0"/>
+                <a:cs typeface="Courier New" panose="02070309020205020404" pitchFamily="49" charset="0"/>
+              </a:rPr>
+              <a:t>String</a:t>
+            </a:r>
+            <a:r>
+              <a:rPr lang="en-US" sz="2400" i="1" dirty="0"/>
+              <a:t> is not a primitive type and cannot be cast.  Java will convert </a:t>
+            </a:r>
+            <a:r>
+              <a:rPr lang="en-US" sz="2400" dirty="0" err="1">
+                <a:latin typeface="Courier New" panose="02070309020205020404" pitchFamily="49" charset="0"/>
+                <a:cs typeface="Courier New" panose="02070309020205020404" pitchFamily="49" charset="0"/>
+              </a:rPr>
+              <a:t>int</a:t>
+            </a:r>
+            <a:r>
+              <a:rPr lang="en-US" sz="2400" i="1" dirty="0"/>
+              <a:t> </a:t>
+            </a:r>
+            <a:r>
+              <a:rPr lang="en-US" sz="2400" i="1"/>
+              <a:t>and </a:t>
+            </a:r>
+            <a:r>
+              <a:rPr lang="en-US" sz="2400">
+                <a:latin typeface="Courier New" panose="02070309020205020404" pitchFamily="49" charset="0"/>
+                <a:cs typeface="Courier New" panose="02070309020205020404" pitchFamily="49" charset="0"/>
+              </a:rPr>
+              <a:t>double</a:t>
+            </a:r>
+            <a:r>
+              <a:rPr lang="en-US" sz="2400" i="1"/>
+              <a:t> to </a:t>
+            </a:r>
+            <a:r>
+              <a:rPr lang="en-US" sz="2400" i="1" dirty="0"/>
+              <a:t>strings when concatenated with a string.</a:t>
+            </a:r>
+          </a:p>
+          <a:p>
+            <a:pPr marL="0" indent="0">
+              <a:buNone/>
+            </a:pPr>
+            <a:r>
+              <a:rPr lang="en-US" sz="2400" dirty="0">
+                <a:latin typeface="Courier New" panose="02070309020205020404" pitchFamily="49" charset="0"/>
+                <a:cs typeface="Courier New" panose="02070309020205020404" pitchFamily="49" charset="0"/>
+              </a:rPr>
+              <a:t>	“” + 4.892		⇒ 	“4.892”</a:t>
+            </a:r>
+          </a:p>
+          <a:p>
+            <a:pPr marL="0" indent="0">
+              <a:buNone/>
+            </a:pPr>
+            <a:endParaRPr lang="en-US" sz="2400" i="1" dirty="0"/>
           </a:p>
         </p:txBody>
       </p:sp>
     </p:spTree>
     <p:extLst>
       <p:ext uri="{BB962C8B-B14F-4D97-AF65-F5344CB8AC3E}">
-        <p14:creationId xmlns:p14="http://schemas.microsoft.com/office/powerpoint/2010/main" val="111912410"/>
+        <p14:creationId xmlns:p14="http://schemas.microsoft.com/office/powerpoint/2010/main" val="2483869884"/>
       </p:ext>
     </p:extLst>
   </p:cSld>
@@ -11870,166 +11747,35 @@
       </p:grpSpPr>
       <p:sp>
         <p:nvSpPr>
-          <p:cNvPr id="2" name="Title 1"/>
-          <p:cNvSpPr>
-            <a:spLocks noGrp="1"/>
-          </p:cNvSpPr>
-          <p:nvPr>
-            <p:ph type="title"/>
-          </p:nvPr>
-        </p:nvSpPr>
-        <p:spPr/>
-        <p:txBody>
-          <a:bodyPr/>
-          <a:lstStyle/>
-          <a:p>
-            <a:r>
-              <a:rPr lang="en-US" dirty="0"/>
-              <a:t>Introduction to Casting</a:t>
-            </a:r>
-          </a:p>
-        </p:txBody>
-      </p:sp>
-      <p:sp>
-        <p:nvSpPr>
-          <p:cNvPr id="3" name="Content Placeholder 2"/>
-          <p:cNvSpPr>
-            <a:spLocks noGrp="1"/>
-          </p:cNvSpPr>
-          <p:nvPr>
-            <p:ph idx="1"/>
-          </p:nvPr>
-        </p:nvSpPr>
-        <p:spPr/>
-        <p:txBody>
-          <a:bodyPr>
-            <a:normAutofit/>
-          </a:bodyPr>
-          <a:lstStyle/>
-          <a:p>
-            <a:pPr marL="0" indent="0">
-              <a:buNone/>
-            </a:pPr>
-            <a:endParaRPr lang="en-US" dirty="0"/>
-          </a:p>
-          <a:p>
-            <a:pPr marL="0" indent="0">
-              <a:buNone/>
-            </a:pPr>
-            <a:r>
-              <a:rPr lang="en-US" dirty="0">
-                <a:latin typeface="Courier New" panose="02070309020205020404" pitchFamily="49" charset="0"/>
-                <a:cs typeface="Courier New" panose="02070309020205020404" pitchFamily="49" charset="0"/>
-              </a:rPr>
-              <a:t>(</a:t>
-            </a:r>
-            <a:r>
-              <a:rPr lang="en-US" dirty="0" err="1">
-                <a:latin typeface="Courier New" panose="02070309020205020404" pitchFamily="49" charset="0"/>
-                <a:cs typeface="Courier New" panose="02070309020205020404" pitchFamily="49" charset="0"/>
-              </a:rPr>
-              <a:t>int</a:t>
-            </a:r>
-            <a:r>
-              <a:rPr lang="en-US" dirty="0">
-                <a:latin typeface="Courier New" panose="02070309020205020404" pitchFamily="49" charset="0"/>
-                <a:cs typeface="Courier New" panose="02070309020205020404" pitchFamily="49" charset="0"/>
-              </a:rPr>
-              <a:t>) 4.29 		⇒ 	4</a:t>
-            </a:r>
-          </a:p>
-          <a:p>
-            <a:pPr marL="0" indent="0">
-              <a:buNone/>
-            </a:pPr>
-            <a:r>
-              <a:rPr lang="en-US" dirty="0">
-                <a:latin typeface="Courier New" panose="02070309020205020404" pitchFamily="49" charset="0"/>
-                <a:cs typeface="Courier New" panose="02070309020205020404" pitchFamily="49" charset="0"/>
-              </a:rPr>
-              <a:t>(double) 1 		⇒ 	1.0</a:t>
-            </a:r>
-          </a:p>
-          <a:p>
-            <a:pPr marL="0" indent="0">
-              <a:buNone/>
-            </a:pPr>
-            <a:endParaRPr lang="en-US" dirty="0"/>
-          </a:p>
-          <a:p>
-            <a:pPr marL="0" indent="0">
-              <a:buNone/>
-            </a:pPr>
-            <a:r>
-              <a:rPr lang="en-US" sz="2400" i="1" dirty="0"/>
-              <a:t>Note: </a:t>
-            </a:r>
-            <a:r>
-              <a:rPr lang="en-US" sz="2400" dirty="0">
-                <a:latin typeface="Courier New" panose="02070309020205020404" pitchFamily="49" charset="0"/>
-                <a:cs typeface="Courier New" panose="02070309020205020404" pitchFamily="49" charset="0"/>
-              </a:rPr>
-              <a:t>String</a:t>
-            </a:r>
-            <a:r>
-              <a:rPr lang="en-US" sz="2400" i="1" dirty="0"/>
-              <a:t> is not a primitive type and cannot be cast.  Java will convert </a:t>
-            </a:r>
-            <a:r>
-              <a:rPr lang="en-US" sz="2400" dirty="0" err="1">
-                <a:latin typeface="Courier New" panose="02070309020205020404" pitchFamily="49" charset="0"/>
-                <a:cs typeface="Courier New" panose="02070309020205020404" pitchFamily="49" charset="0"/>
-              </a:rPr>
-              <a:t>int</a:t>
-            </a:r>
-            <a:r>
-              <a:rPr lang="en-US" sz="2400" i="1" dirty="0"/>
-              <a:t> </a:t>
-            </a:r>
-            <a:r>
-              <a:rPr lang="en-US" sz="2400" i="1"/>
-              <a:t>and </a:t>
-            </a:r>
-            <a:r>
-              <a:rPr lang="en-US" sz="2400">
-                <a:latin typeface="Courier New" panose="02070309020205020404" pitchFamily="49" charset="0"/>
-                <a:cs typeface="Courier New" panose="02070309020205020404" pitchFamily="49" charset="0"/>
-              </a:rPr>
-              <a:t>double</a:t>
-            </a:r>
-            <a:r>
-              <a:rPr lang="en-US" sz="2400" i="1"/>
-              <a:t> to </a:t>
-            </a:r>
-            <a:r>
-              <a:rPr lang="en-US" sz="2400" i="1" dirty="0"/>
-              <a:t>strings when concatenated with a string.</a:t>
-            </a:r>
-          </a:p>
-          <a:p>
-            <a:pPr marL="0" indent="0">
-              <a:buNone/>
-            </a:pPr>
-            <a:r>
-              <a:rPr lang="en-US" sz="2400" dirty="0">
-                <a:latin typeface="Courier New" panose="02070309020205020404" pitchFamily="49" charset="0"/>
-                <a:cs typeface="Courier New" panose="02070309020205020404" pitchFamily="49" charset="0"/>
-              </a:rPr>
-              <a:t>	“” + 4.892		⇒ 	“4.892”</a:t>
-            </a:r>
-          </a:p>
-          <a:p>
-            <a:pPr marL="0" indent="0">
-              <a:buNone/>
-            </a:pPr>
-            <a:endParaRPr lang="en-US" sz="2400" i="1" dirty="0"/>
+          <p:cNvPr id="4" name="Title 3"/>
+          <p:cNvSpPr>
+            <a:spLocks noGrp="1"/>
+          </p:cNvSpPr>
+          <p:nvPr>
+            <p:ph type="ctrTitle"/>
+          </p:nvPr>
+        </p:nvSpPr>
+        <p:spPr>
+          <a:xfrm>
+            <a:off x="1524000" y="1316088"/>
+            <a:ext cx="9144000" cy="2387600"/>
+          </a:xfrm>
+        </p:spPr>
+        <p:txBody>
+          <a:bodyPr/>
+          <a:lstStyle/>
+          <a:p>
+            <a:r>
+              <a:rPr lang="en-US" dirty="0"/>
+              <a:t>Worksheet</a:t>
+            </a:r>
           </a:p>
         </p:txBody>
       </p:sp>
     </p:spTree>
     <p:extLst>
       <p:ext uri="{BB962C8B-B14F-4D97-AF65-F5344CB8AC3E}">
-        <p14:creationId xmlns:p14="http://schemas.microsoft.com/office/powerpoint/2010/main" val="2483869884"/>
+        <p14:creationId xmlns:p14="http://schemas.microsoft.com/office/powerpoint/2010/main" val="3459541895"/>
       </p:ext>
     </p:extLst>
   </p:cSld>
@@ -12058,27 +11804,64 @@
       </p:grpSpPr>
       <p:sp>
         <p:nvSpPr>
-          <p:cNvPr id="4" name="Title 3"/>
-          <p:cNvSpPr>
-            <a:spLocks noGrp="1"/>
-          </p:cNvSpPr>
-          <p:nvPr>
-            <p:ph type="ctrTitle"/>
-          </p:nvPr>
-        </p:nvSpPr>
-        <p:spPr>
-          <a:xfrm>
-            <a:off x="1524000" y="1316088"/>
-            <a:ext cx="9144000" cy="2387600"/>
-          </a:xfrm>
-        </p:spPr>
-        <p:txBody>
-          <a:bodyPr/>
-          <a:lstStyle/>
-          <a:p>
-            <a:r>
-              <a:rPr lang="en-US" dirty="0"/>
-              <a:t>Worksheet</a:t>
+          <p:cNvPr id="2" name="Title 1"/>
+          <p:cNvSpPr>
+            <a:spLocks noGrp="1"/>
+          </p:cNvSpPr>
+          <p:nvPr>
+            <p:ph type="title"/>
+          </p:nvPr>
+        </p:nvSpPr>
+        <p:spPr/>
+        <p:txBody>
+          <a:bodyPr>
+            <a:normAutofit/>
+          </a:bodyPr>
+          <a:lstStyle/>
+          <a:p>
+            <a:r>
+              <a:rPr lang="en-US" dirty="0"/>
+              <a:t>Homework</a:t>
+            </a:r>
+          </a:p>
+        </p:txBody>
+      </p:sp>
+      <p:sp>
+        <p:nvSpPr>
+          <p:cNvPr id="3" name="Content Placeholder 2"/>
+          <p:cNvSpPr>
+            <a:spLocks noGrp="1"/>
+          </p:cNvSpPr>
+          <p:nvPr>
+            <p:ph idx="1"/>
+          </p:nvPr>
+        </p:nvSpPr>
+        <p:spPr/>
+        <p:txBody>
+          <a:bodyPr/>
+          <a:lstStyle/>
+          <a:p>
+            <a:pPr marL="0" indent="0">
+              <a:buNone/>
+            </a:pPr>
+            <a:r>
+              <a:rPr lang="en-US" dirty="0"/>
+              <a:t>Read HW 2.3 up to “Nested Loops”</a:t>
+            </a:r>
+          </a:p>
+          <a:p>
+            <a:pPr marL="0" indent="0">
+              <a:buNone/>
+            </a:pPr>
+            <a:endParaRPr lang="en-US" dirty="0"/>
+          </a:p>
+          <a:p>
+            <a:pPr marL="0" indent="0">
+              <a:buNone/>
+            </a:pPr>
+            <a:r>
+              <a:rPr lang="en-US" dirty="0"/>
+              <a:t>Finish the worksheet if you don’t finish in class.</a:t>
             </a:r>
           </a:p>
         </p:txBody>
@@ -12086,7 +11869,7 @@
     </p:spTree>
     <p:extLst>
       <p:ext uri="{BB962C8B-B14F-4D97-AF65-F5344CB8AC3E}">
-        <p14:creationId xmlns:p14="http://schemas.microsoft.com/office/powerpoint/2010/main" val="3459541895"/>
+        <p14:creationId xmlns:p14="http://schemas.microsoft.com/office/powerpoint/2010/main" val="865706776"/>
       </p:ext>
     </p:extLst>
   </p:cSld>
@@ -12120,59 +11903,39 @@
             <a:spLocks noGrp="1"/>
           </p:cNvSpPr>
           <p:nvPr>
-            <p:ph type="title"/>
-          </p:nvPr>
-        </p:nvSpPr>
-        <p:spPr/>
-        <p:txBody>
-          <a:bodyPr>
-            <a:normAutofit/>
-          </a:bodyPr>
-          <a:lstStyle/>
-          <a:p>
-            <a:r>
-              <a:rPr lang="en-US" dirty="0"/>
-              <a:t>Homework</a:t>
-            </a:r>
-          </a:p>
-        </p:txBody>
-      </p:sp>
-      <p:sp>
-        <p:nvSpPr>
-          <p:cNvPr id="3" name="Content Placeholder 2"/>
-          <p:cNvSpPr>
-            <a:spLocks noGrp="1"/>
-          </p:cNvSpPr>
-          <p:nvPr>
-            <p:ph idx="1"/>
-          </p:nvPr>
-        </p:nvSpPr>
-        <p:spPr/>
-        <p:txBody>
-          <a:bodyPr/>
-          <a:lstStyle/>
-          <a:p>
-            <a:pPr marL="0" indent="0">
-              <a:buNone/>
-            </a:pPr>
-            <a:r>
-              <a:rPr lang="en-US" dirty="0"/>
-              <a:t>Read HW 2.3 up to “Nested Loops”</a:t>
-            </a:r>
-          </a:p>
-          <a:p>
-            <a:pPr marL="0" indent="0">
-              <a:buNone/>
-            </a:pPr>
-            <a:endParaRPr lang="en-US" dirty="0"/>
-          </a:p>
-          <a:p>
-            <a:pPr marL="0" indent="0">
-              <a:buNone/>
-            </a:pPr>
-            <a:r>
-              <a:rPr lang="en-US" dirty="0"/>
-              <a:t>Finish the worksheet if you don’t finish in class.</a:t>
+            <p:ph type="ctrTitle"/>
+          </p:nvPr>
+        </p:nvSpPr>
+        <p:spPr/>
+        <p:txBody>
+          <a:bodyPr/>
+          <a:lstStyle/>
+          <a:p>
+            <a:r>
+              <a:rPr lang="en-US" dirty="0"/>
+              <a:t>for Loops</a:t>
+            </a:r>
+          </a:p>
+        </p:txBody>
+      </p:sp>
+      <p:sp>
+        <p:nvSpPr>
+          <p:cNvPr id="3" name="Subtitle 2"/>
+          <p:cNvSpPr>
+            <a:spLocks noGrp="1"/>
+          </p:cNvSpPr>
+          <p:nvPr>
+            <p:ph type="subTitle" idx="1"/>
+          </p:nvPr>
+        </p:nvSpPr>
+        <p:spPr/>
+        <p:txBody>
+          <a:bodyPr/>
+          <a:lstStyle/>
+          <a:p>
+            <a:r>
+              <a:rPr lang="en-US" dirty="0"/>
+              <a:t>[ 2.05 ] [ Today’s Date ] [ Instructor Name ]</a:t>
             </a:r>
           </a:p>
         </p:txBody>
@@ -12180,7 +11943,7 @@
     </p:spTree>
     <p:extLst>
       <p:ext uri="{BB962C8B-B14F-4D97-AF65-F5344CB8AC3E}">
-        <p14:creationId xmlns:p14="http://schemas.microsoft.com/office/powerpoint/2010/main" val="865706776"/>
+        <p14:creationId xmlns:p14="http://schemas.microsoft.com/office/powerpoint/2010/main" val="129967463"/>
       </p:ext>
     </p:extLst>
   </p:cSld>
@@ -12214,39 +11977,293 @@
             <a:spLocks noGrp="1"/>
           </p:cNvSpPr>
           <p:nvPr>
-            <p:ph type="ctrTitle"/>
-          </p:nvPr>
-        </p:nvSpPr>
-        <p:spPr/>
-        <p:txBody>
-          <a:bodyPr/>
-          <a:lstStyle/>
-          <a:p>
-            <a:r>
-              <a:rPr lang="en-US" dirty="0"/>
-              <a:t>for Loops</a:t>
-            </a:r>
-          </a:p>
-        </p:txBody>
-      </p:sp>
-      <p:sp>
-        <p:nvSpPr>
-          <p:cNvPr id="3" name="Subtitle 2"/>
-          <p:cNvSpPr>
-            <a:spLocks noGrp="1"/>
-          </p:cNvSpPr>
-          <p:nvPr>
-            <p:ph type="subTitle" idx="1"/>
-          </p:nvPr>
-        </p:nvSpPr>
-        <p:spPr/>
-        <p:txBody>
-          <a:bodyPr/>
-          <a:lstStyle/>
-          <a:p>
-            <a:r>
-              <a:rPr lang="en-US" dirty="0"/>
-              <a:t>[ 2.05 ] [ Today’s Date ] [ Instructor Name ]</a:t>
+            <p:ph type="title"/>
+          </p:nvPr>
+        </p:nvSpPr>
+        <p:spPr/>
+        <p:txBody>
+          <a:bodyPr/>
+          <a:lstStyle/>
+          <a:p>
+            <a:r>
+              <a:rPr lang="en-US" dirty="0"/>
+              <a:t>Build a </a:t>
+            </a:r>
+            <a:r>
+              <a:rPr lang="en-US" dirty="0">
+                <a:latin typeface="Courier New" panose="02070309020205020404" pitchFamily="49" charset="0"/>
+                <a:cs typeface="Courier New" panose="02070309020205020404" pitchFamily="49" charset="0"/>
+              </a:rPr>
+              <a:t>for</a:t>
+            </a:r>
+            <a:r>
+              <a:rPr lang="en-US" dirty="0"/>
+              <a:t> Loop (worksheet)</a:t>
+            </a:r>
+          </a:p>
+        </p:txBody>
+      </p:sp>
+      <p:sp>
+        <p:nvSpPr>
+          <p:cNvPr id="3" name="Content Placeholder 2"/>
+          <p:cNvSpPr>
+            <a:spLocks noGrp="1"/>
+          </p:cNvSpPr>
+          <p:nvPr>
+            <p:ph idx="1"/>
+          </p:nvPr>
+        </p:nvSpPr>
+        <p:spPr/>
+        <p:txBody>
+          <a:bodyPr/>
+          <a:lstStyle/>
+          <a:p>
+            <a:pPr marL="0" indent="0">
+              <a:buNone/>
+            </a:pPr>
+            <a:r>
+              <a:rPr lang="en-US" dirty="0">
+                <a:latin typeface="Courier New" panose="02070309020205020404" pitchFamily="49" charset="0"/>
+                <a:cs typeface="Courier New" panose="02070309020205020404" pitchFamily="49" charset="0"/>
+              </a:rPr>
+              <a:t>for (</a:t>
+            </a:r>
+            <a:r>
+              <a:rPr lang="en-US" dirty="0" err="1">
+                <a:latin typeface="Courier New" panose="02070309020205020404" pitchFamily="49" charset="0"/>
+                <a:cs typeface="Courier New" panose="02070309020205020404" pitchFamily="49" charset="0"/>
+              </a:rPr>
+              <a:t>int</a:t>
+            </a:r>
+            <a:r>
+              <a:rPr lang="en-US" dirty="0">
+                <a:latin typeface="Courier New" panose="02070309020205020404" pitchFamily="49" charset="0"/>
+                <a:cs typeface="Courier New" panose="02070309020205020404" pitchFamily="49" charset="0"/>
+              </a:rPr>
+              <a:t> </a:t>
+            </a:r>
+            <a:r>
+              <a:rPr lang="en-US" dirty="0" err="1">
+                <a:latin typeface="Courier New" panose="02070309020205020404" pitchFamily="49" charset="0"/>
+                <a:cs typeface="Courier New" panose="02070309020205020404" pitchFamily="49" charset="0"/>
+              </a:rPr>
+              <a:t>i</a:t>
+            </a:r>
+            <a:r>
+              <a:rPr lang="en-US" dirty="0">
+                <a:latin typeface="Courier New" panose="02070309020205020404" pitchFamily="49" charset="0"/>
+                <a:cs typeface="Courier New" panose="02070309020205020404" pitchFamily="49" charset="0"/>
+              </a:rPr>
+              <a:t> = 0; </a:t>
+            </a:r>
+            <a:r>
+              <a:rPr lang="en-US" dirty="0" err="1">
+                <a:latin typeface="Courier New" panose="02070309020205020404" pitchFamily="49" charset="0"/>
+                <a:cs typeface="Courier New" panose="02070309020205020404" pitchFamily="49" charset="0"/>
+              </a:rPr>
+              <a:t>i</a:t>
+            </a:r>
+            <a:r>
+              <a:rPr lang="en-US" dirty="0">
+                <a:latin typeface="Courier New" panose="02070309020205020404" pitchFamily="49" charset="0"/>
+                <a:cs typeface="Courier New" panose="02070309020205020404" pitchFamily="49" charset="0"/>
+              </a:rPr>
+              <a:t> &lt; 5; </a:t>
+            </a:r>
+            <a:r>
+              <a:rPr lang="en-US" dirty="0" err="1">
+                <a:latin typeface="Courier New" panose="02070309020205020404" pitchFamily="49" charset="0"/>
+                <a:cs typeface="Courier New" panose="02070309020205020404" pitchFamily="49" charset="0"/>
+              </a:rPr>
+              <a:t>i</a:t>
+            </a:r>
+            <a:r>
+              <a:rPr lang="en-US" dirty="0">
+                <a:latin typeface="Courier New" panose="02070309020205020404" pitchFamily="49" charset="0"/>
+                <a:cs typeface="Courier New" panose="02070309020205020404" pitchFamily="49" charset="0"/>
+              </a:rPr>
+              <a:t>++){</a:t>
+            </a:r>
+          </a:p>
+          <a:p>
+            <a:pPr marL="0" indent="0">
+              <a:buNone/>
+            </a:pPr>
+            <a:r>
+              <a:rPr lang="en-US" dirty="0">
+                <a:latin typeface="Courier New" panose="02070309020205020404" pitchFamily="49" charset="0"/>
+                <a:cs typeface="Courier New" panose="02070309020205020404" pitchFamily="49" charset="0"/>
+              </a:rPr>
+              <a:t>	</a:t>
+            </a:r>
+            <a:r>
+              <a:rPr lang="en-US" dirty="0" err="1">
+                <a:latin typeface="Courier New" panose="02070309020205020404" pitchFamily="49" charset="0"/>
+                <a:cs typeface="Courier New" panose="02070309020205020404" pitchFamily="49" charset="0"/>
+              </a:rPr>
+              <a:t>System.out.println</a:t>
+            </a:r>
+            <a:r>
+              <a:rPr lang="en-US" dirty="0">
+                <a:latin typeface="Courier New" panose="02070309020205020404" pitchFamily="49" charset="0"/>
+                <a:cs typeface="Courier New" panose="02070309020205020404" pitchFamily="49" charset="0"/>
+              </a:rPr>
+              <a:t>(“Bother”);</a:t>
+            </a:r>
+          </a:p>
+          <a:p>
+            <a:pPr marL="0" indent="0">
+              <a:buNone/>
+            </a:pPr>
+            <a:r>
+              <a:rPr lang="en-US" dirty="0">
+                <a:latin typeface="Courier New" panose="02070309020205020404" pitchFamily="49" charset="0"/>
+                <a:cs typeface="Courier New" panose="02070309020205020404" pitchFamily="49" charset="0"/>
+              </a:rPr>
+              <a:t>}</a:t>
+            </a:r>
+          </a:p>
+          <a:p>
+            <a:pPr marL="0" indent="0">
+              <a:buNone/>
+            </a:pPr>
+            <a:endParaRPr lang="en-US" dirty="0">
+              <a:latin typeface="Courier New" panose="02070309020205020404" pitchFamily="49" charset="0"/>
+              <a:cs typeface="Courier New" panose="02070309020205020404" pitchFamily="49" charset="0"/>
+            </a:endParaRPr>
+          </a:p>
+          <a:p>
+            <a:pPr marL="0" indent="0">
+              <a:buNone/>
+            </a:pPr>
+            <a:r>
+              <a:rPr lang="en-US" dirty="0">
+                <a:latin typeface="Courier New" panose="02070309020205020404" pitchFamily="49" charset="0"/>
+                <a:cs typeface="Courier New" panose="02070309020205020404" pitchFamily="49" charset="0"/>
+              </a:rPr>
+              <a:t>for (</a:t>
+            </a:r>
+            <a:r>
+              <a:rPr lang="en-US" dirty="0" err="1">
+                <a:latin typeface="Courier New" panose="02070309020205020404" pitchFamily="49" charset="0"/>
+                <a:cs typeface="Courier New" panose="02070309020205020404" pitchFamily="49" charset="0"/>
+              </a:rPr>
+              <a:t>int</a:t>
+            </a:r>
+            <a:r>
+              <a:rPr lang="en-US" dirty="0">
+                <a:latin typeface="Courier New" panose="02070309020205020404" pitchFamily="49" charset="0"/>
+                <a:cs typeface="Courier New" panose="02070309020205020404" pitchFamily="49" charset="0"/>
+              </a:rPr>
+              <a:t> </a:t>
+            </a:r>
+            <a:r>
+              <a:rPr lang="en-US" dirty="0" err="1">
+                <a:latin typeface="Courier New" panose="02070309020205020404" pitchFamily="49" charset="0"/>
+                <a:cs typeface="Courier New" panose="02070309020205020404" pitchFamily="49" charset="0"/>
+              </a:rPr>
+              <a:t>i</a:t>
+            </a:r>
+            <a:r>
+              <a:rPr lang="en-US" dirty="0">
+                <a:latin typeface="Courier New" panose="02070309020205020404" pitchFamily="49" charset="0"/>
+                <a:cs typeface="Courier New" panose="02070309020205020404" pitchFamily="49" charset="0"/>
+              </a:rPr>
+              <a:t> = 0; </a:t>
+            </a:r>
+            <a:r>
+              <a:rPr lang="en-US" dirty="0" err="1">
+                <a:latin typeface="Courier New" panose="02070309020205020404" pitchFamily="49" charset="0"/>
+                <a:cs typeface="Courier New" panose="02070309020205020404" pitchFamily="49" charset="0"/>
+              </a:rPr>
+              <a:t>i</a:t>
+            </a:r>
+            <a:r>
+              <a:rPr lang="en-US" dirty="0">
+                <a:latin typeface="Courier New" panose="02070309020205020404" pitchFamily="49" charset="0"/>
+                <a:cs typeface="Courier New" panose="02070309020205020404" pitchFamily="49" charset="0"/>
+              </a:rPr>
+              <a:t> &lt; 5; </a:t>
+            </a:r>
+            <a:r>
+              <a:rPr lang="en-US" dirty="0" err="1">
+                <a:latin typeface="Courier New" panose="02070309020205020404" pitchFamily="49" charset="0"/>
+                <a:cs typeface="Courier New" panose="02070309020205020404" pitchFamily="49" charset="0"/>
+              </a:rPr>
+              <a:t>i</a:t>
+            </a:r>
+            <a:r>
+              <a:rPr lang="en-US" dirty="0">
+                <a:latin typeface="Courier New" panose="02070309020205020404" pitchFamily="49" charset="0"/>
+                <a:cs typeface="Courier New" panose="02070309020205020404" pitchFamily="49" charset="0"/>
+              </a:rPr>
+              <a:t>++){</a:t>
+            </a:r>
+          </a:p>
+          <a:p>
+            <a:pPr marL="0" indent="0">
+              <a:buNone/>
+            </a:pPr>
+            <a:r>
+              <a:rPr lang="en-US" dirty="0">
+                <a:latin typeface="Courier New" panose="02070309020205020404" pitchFamily="49" charset="0"/>
+                <a:cs typeface="Courier New" panose="02070309020205020404" pitchFamily="49" charset="0"/>
+              </a:rPr>
+              <a:t>	</a:t>
+            </a:r>
+            <a:r>
+              <a:rPr lang="en-US" dirty="0" err="1">
+                <a:latin typeface="Courier New" panose="02070309020205020404" pitchFamily="49" charset="0"/>
+                <a:cs typeface="Courier New" panose="02070309020205020404" pitchFamily="49" charset="0"/>
+              </a:rPr>
+              <a:t>System.out.println</a:t>
+            </a:r>
+            <a:r>
+              <a:rPr lang="en-US" dirty="0">
+                <a:latin typeface="Courier New" panose="02070309020205020404" pitchFamily="49" charset="0"/>
+                <a:cs typeface="Courier New" panose="02070309020205020404" pitchFamily="49" charset="0"/>
+              </a:rPr>
+              <a:t>(</a:t>
+            </a:r>
+            <a:r>
+              <a:rPr lang="en-US" dirty="0" err="1">
+                <a:latin typeface="Courier New" panose="02070309020205020404" pitchFamily="49" charset="0"/>
+                <a:cs typeface="Courier New" panose="02070309020205020404" pitchFamily="49" charset="0"/>
+              </a:rPr>
+              <a:t>i</a:t>
+            </a:r>
+            <a:r>
+              <a:rPr lang="en-US" dirty="0">
+                <a:latin typeface="Courier New" panose="02070309020205020404" pitchFamily="49" charset="0"/>
+                <a:cs typeface="Courier New" panose="02070309020205020404" pitchFamily="49" charset="0"/>
+              </a:rPr>
+              <a:t>);  //vs (“</a:t>
+            </a:r>
+            <a:r>
+              <a:rPr lang="en-US" dirty="0" err="1">
+                <a:latin typeface="Courier New" panose="02070309020205020404" pitchFamily="49" charset="0"/>
+                <a:cs typeface="Courier New" panose="02070309020205020404" pitchFamily="49" charset="0"/>
+              </a:rPr>
+              <a:t>i</a:t>
+            </a:r>
+            <a:r>
+              <a:rPr lang="en-US" dirty="0">
+                <a:latin typeface="Courier New" panose="02070309020205020404" pitchFamily="49" charset="0"/>
+                <a:cs typeface="Courier New" panose="02070309020205020404" pitchFamily="49" charset="0"/>
+              </a:rPr>
+              <a:t>”)</a:t>
+            </a:r>
+          </a:p>
+          <a:p>
+            <a:pPr marL="0" indent="0">
+              <a:buNone/>
+            </a:pPr>
+            <a:r>
+              <a:rPr lang="en-US" dirty="0">
+                <a:latin typeface="Courier New" panose="02070309020205020404" pitchFamily="49" charset="0"/>
+                <a:cs typeface="Courier New" panose="02070309020205020404" pitchFamily="49" charset="0"/>
+              </a:rPr>
+              <a:t>}</a:t>
             </a:r>
           </a:p>
         </p:txBody>
@@ -12254,7 +12271,7 @@
     </p:spTree>
     <p:extLst>
       <p:ext uri="{BB962C8B-B14F-4D97-AF65-F5344CB8AC3E}">
-        <p14:creationId xmlns:p14="http://schemas.microsoft.com/office/powerpoint/2010/main" val="129967463"/>
+        <p14:creationId xmlns:p14="http://schemas.microsoft.com/office/powerpoint/2010/main" val="4288803835"/>
       </p:ext>
     </p:extLst>
   </p:cSld>
@@ -12487,36 +12504,37 @@
           <a:p>
             <a:r>
               <a:rPr lang="en-US" dirty="0"/>
-              <a:t>Build a </a:t>
-            </a:r>
+              <a:t>Example Code:</a:t>
+            </a:r>
+          </a:p>
+        </p:txBody>
+      </p:sp>
+      <p:sp>
+        <p:nvSpPr>
+          <p:cNvPr id="3" name="Content Placeholder 2"/>
+          <p:cNvSpPr>
+            <a:spLocks noGrp="1"/>
+          </p:cNvSpPr>
+          <p:nvPr>
+            <p:ph idx="1"/>
+          </p:nvPr>
+        </p:nvSpPr>
+        <p:spPr/>
+        <p:txBody>
+          <a:bodyPr/>
+          <a:lstStyle/>
+          <a:p>
+            <a:pPr marL="0" indent="0">
+              <a:buNone/>
+            </a:pPr>
             <a:r>
               <a:rPr lang="en-US" dirty="0">
                 <a:latin typeface="Courier New" panose="02070309020205020404" pitchFamily="49" charset="0"/>
                 <a:cs typeface="Courier New" panose="02070309020205020404" pitchFamily="49" charset="0"/>
               </a:rPr>
-              <a:t>for</a:t>
-            </a:r>
-            <a:r>
-              <a:rPr lang="en-US" dirty="0"/>
-              <a:t> Loop (worksheet)</a:t>
-            </a:r>
-          </a:p>
-        </p:txBody>
-      </p:sp>
-      <p:sp>
-        <p:nvSpPr>
-          <p:cNvPr id="3" name="Content Placeholder 2"/>
-          <p:cNvSpPr>
-            <a:spLocks noGrp="1"/>
-          </p:cNvSpPr>
-          <p:nvPr>
-            <p:ph idx="1"/>
-          </p:nvPr>
-        </p:nvSpPr>
-        <p:spPr/>
-        <p:txBody>
-          <a:bodyPr/>
-          <a:lstStyle/>
+              <a:t>public class Count1000 {</a:t>
+            </a:r>
+          </a:p>
           <a:p>
             <a:pPr marL="0" indent="0">
               <a:buNone/>
@@ -12526,13 +12544,39 @@
                 <a:latin typeface="Courier New" panose="02070309020205020404" pitchFamily="49" charset="0"/>
                 <a:cs typeface="Courier New" panose="02070309020205020404" pitchFamily="49" charset="0"/>
               </a:rPr>
-              <a:t>for (</a:t>
+              <a:t>	public static void main(String[] </a:t>
             </a:r>
             <a:r>
               <a:rPr lang="en-US" dirty="0" err="1">
                 <a:latin typeface="Courier New" panose="02070309020205020404" pitchFamily="49" charset="0"/>
                 <a:cs typeface="Courier New" panose="02070309020205020404" pitchFamily="49" charset="0"/>
               </a:rPr>
+              <a:t>args</a:t>
+            </a:r>
+            <a:r>
+              <a:rPr lang="en-US" dirty="0">
+                <a:latin typeface="Courier New" panose="02070309020205020404" pitchFamily="49" charset="0"/>
+                <a:cs typeface="Courier New" panose="02070309020205020404" pitchFamily="49" charset="0"/>
+              </a:rPr>
+              <a:t>) {</a:t>
+            </a:r>
+          </a:p>
+          <a:p>
+            <a:pPr marL="0" indent="0">
+              <a:buNone/>
+            </a:pPr>
+            <a:r>
+              <a:rPr lang="en-US" dirty="0">
+                <a:latin typeface="Courier New" panose="02070309020205020404" pitchFamily="49" charset="0"/>
+                <a:cs typeface="Courier New" panose="02070309020205020404" pitchFamily="49" charset="0"/>
+              </a:rPr>
+              <a:t>		for(</a:t>
+            </a:r>
+            <a:r>
+              <a:rPr lang="en-US" dirty="0" err="1">
+                <a:latin typeface="Courier New" panose="02070309020205020404" pitchFamily="49" charset="0"/>
+                <a:cs typeface="Courier New" panose="02070309020205020404" pitchFamily="49" charset="0"/>
+              </a:rPr>
               <a:t>int</a:t>
             </a:r>
             <a:r>
@@ -12554,7 +12598,28 @@
                 <a:latin typeface="Courier New" panose="02070309020205020404" pitchFamily="49" charset="0"/>
                 <a:cs typeface="Courier New" panose="02070309020205020404" pitchFamily="49" charset="0"/>
               </a:rPr>
-              <a:t> = 0; </a:t>
+              <a:t> = 1; </a:t>
+            </a:r>
+            <a:r>
+              <a:rPr lang="en-US" err="1">
+                <a:latin typeface="Courier New" panose="02070309020205020404" pitchFamily="49" charset="0"/>
+                <a:cs typeface="Courier New" panose="02070309020205020404" pitchFamily="49" charset="0"/>
+              </a:rPr>
+              <a:t>i</a:t>
+            </a:r>
+            <a:r>
+              <a:rPr lang="en-US">
+                <a:latin typeface="Courier New" panose="02070309020205020404" pitchFamily="49" charset="0"/>
+                <a:cs typeface="Courier New" panose="02070309020205020404" pitchFamily="49" charset="0"/>
+              </a:rPr>
+              <a:t> &lt;= </a:t>
+            </a:r>
+            <a:r>
+              <a:rPr lang="en-US" dirty="0">
+                <a:latin typeface="Courier New" panose="02070309020205020404" pitchFamily="49" charset="0"/>
+                <a:cs typeface="Courier New" panose="02070309020205020404" pitchFamily="49" charset="0"/>
+              </a:rPr>
+              <a:t>1000; </a:t>
             </a:r>
             <a:r>
               <a:rPr lang="en-US" dirty="0" err="1">
@@ -12568,13 +12633,39 @@
                 <a:latin typeface="Courier New" panose="02070309020205020404" pitchFamily="49" charset="0"/>
                 <a:cs typeface="Courier New" panose="02070309020205020404" pitchFamily="49" charset="0"/>
               </a:rPr>
-              <a:t> &lt; 5; </a:t>
+              <a:t>++) {</a:t>
+            </a:r>
+          </a:p>
+          <a:p>
+            <a:pPr marL="0" indent="0">
+              <a:buNone/>
+            </a:pPr>
+            <a:r>
+              <a:rPr lang="en-US" dirty="0">
+                <a:latin typeface="Courier New" panose="02070309020205020404" pitchFamily="49" charset="0"/>
+                <a:cs typeface="Courier New" panose="02070309020205020404" pitchFamily="49" charset="0"/>
+              </a:rPr>
+              <a:t>			</a:t>
             </a:r>
             <a:r>
               <a:rPr lang="en-US" dirty="0" err="1">
                 <a:latin typeface="Courier New" panose="02070309020205020404" pitchFamily="49" charset="0"/>
                 <a:cs typeface="Courier New" panose="02070309020205020404" pitchFamily="49" charset="0"/>
               </a:rPr>
+              <a:t>System.out.println</a:t>
+            </a:r>
+            <a:r>
+              <a:rPr lang="en-US" dirty="0">
+                <a:latin typeface="Courier New" panose="02070309020205020404" pitchFamily="49" charset="0"/>
+                <a:cs typeface="Courier New" panose="02070309020205020404" pitchFamily="49" charset="0"/>
+              </a:rPr>
+              <a:t>(</a:t>
+            </a:r>
+            <a:r>
+              <a:rPr lang="en-US" dirty="0" err="1">
+                <a:latin typeface="Courier New" panose="02070309020205020404" pitchFamily="49" charset="0"/>
+                <a:cs typeface="Courier New" panose="02070309020205020404" pitchFamily="49" charset="0"/>
+              </a:rPr>
               <a:t>i</a:t>
             </a:r>
             <a:r>
@@ -12582,7 +12673,7 @@
                 <a:latin typeface="Courier New" panose="02070309020205020404" pitchFamily="49" charset="0"/>
                 <a:cs typeface="Courier New" panose="02070309020205020404" pitchFamily="49" charset="0"/>
               </a:rPr>
-              <a:t>++){</a:t>
+              <a:t>);</a:t>
             </a:r>
           </a:p>
           <a:p>
@@ -12594,164 +12685,19 @@
                 <a:latin typeface="Courier New" panose="02070309020205020404" pitchFamily="49" charset="0"/>
                 <a:cs typeface="Courier New" panose="02070309020205020404" pitchFamily="49" charset="0"/>
               </a:rPr>
-              <a:t>	</a:t>
-            </a:r>
-            <a:r>
-              <a:rPr lang="en-US" dirty="0" err="1">
-                <a:latin typeface="Courier New" panose="02070309020205020404" pitchFamily="49" charset="0"/>
-                <a:cs typeface="Courier New" panose="02070309020205020404" pitchFamily="49" charset="0"/>
-              </a:rPr>
-              <a:t>System.out.println</a:t>
-            </a:r>
+              <a:t>		}</a:t>
+            </a:r>
+          </a:p>
+          <a:p>
+            <a:pPr marL="0" indent="0">
+              <a:buNone/>
+            </a:pPr>
             <a:r>
               <a:rPr lang="en-US" dirty="0">
                 <a:latin typeface="Courier New" panose="02070309020205020404" pitchFamily="49" charset="0"/>
                 <a:cs typeface="Courier New" panose="02070309020205020404" pitchFamily="49" charset="0"/>
               </a:rPr>
-              <a:t>(“Bother”);</a:t>
-            </a:r>
-          </a:p>
-          <a:p>
-            <a:pPr marL="0" indent="0">
-              <a:buNone/>
-            </a:pPr>
-            <a:r>
-              <a:rPr lang="en-US" dirty="0">
-                <a:latin typeface="Courier New" panose="02070309020205020404" pitchFamily="49" charset="0"/>
-                <a:cs typeface="Courier New" panose="02070309020205020404" pitchFamily="49" charset="0"/>
-              </a:rPr>
-              <a:t>}</a:t>
-            </a:r>
-          </a:p>
-          <a:p>
-            <a:pPr marL="0" indent="0">
-              <a:buNone/>
-            </a:pPr>
-            <a:endParaRPr lang="en-US" dirty="0">
-              <a:latin typeface="Courier New" panose="02070309020205020404" pitchFamily="49" charset="0"/>
-              <a:cs typeface="Courier New" panose="02070309020205020404" pitchFamily="49" charset="0"/>
-            </a:endParaRPr>
-          </a:p>
-          <a:p>
-            <a:pPr marL="0" indent="0">
-              <a:buNone/>
-            </a:pPr>
-            <a:r>
-              <a:rPr lang="en-US" dirty="0">
-                <a:latin typeface="Courier New" panose="02070309020205020404" pitchFamily="49" charset="0"/>
-                <a:cs typeface="Courier New" panose="02070309020205020404" pitchFamily="49" charset="0"/>
-              </a:rPr>
-              <a:t>for (</a:t>
-            </a:r>
-            <a:r>
-              <a:rPr lang="en-US" dirty="0" err="1">
-                <a:latin typeface="Courier New" panose="02070309020205020404" pitchFamily="49" charset="0"/>
-                <a:cs typeface="Courier New" panose="02070309020205020404" pitchFamily="49" charset="0"/>
-              </a:rPr>
-              <a:t>int</a:t>
-            </a:r>
-            <a:r>
-              <a:rPr lang="en-US" dirty="0">
-                <a:latin typeface="Courier New" panose="02070309020205020404" pitchFamily="49" charset="0"/>
-                <a:cs typeface="Courier New" panose="02070309020205020404" pitchFamily="49" charset="0"/>
-              </a:rPr>
-              <a:t> </a:t>
-            </a:r>
-            <a:r>
-              <a:rPr lang="en-US" dirty="0" err="1">
-                <a:latin typeface="Courier New" panose="02070309020205020404" pitchFamily="49" charset="0"/>
-                <a:cs typeface="Courier New" panose="02070309020205020404" pitchFamily="49" charset="0"/>
-              </a:rPr>
-              <a:t>i</a:t>
-            </a:r>
-            <a:r>
-              <a:rPr lang="en-US" dirty="0">
-                <a:latin typeface="Courier New" panose="02070309020205020404" pitchFamily="49" charset="0"/>
-                <a:cs typeface="Courier New" panose="02070309020205020404" pitchFamily="49" charset="0"/>
-              </a:rPr>
-              <a:t> = 0; </a:t>
-            </a:r>
-            <a:r>
-              <a:rPr lang="en-US" dirty="0" err="1">
-                <a:latin typeface="Courier New" panose="02070309020205020404" pitchFamily="49" charset="0"/>
-                <a:cs typeface="Courier New" panose="02070309020205020404" pitchFamily="49" charset="0"/>
-              </a:rPr>
-              <a:t>i</a:t>
-            </a:r>
-            <a:r>
-              <a:rPr lang="en-US" dirty="0">
-                <a:latin typeface="Courier New" panose="02070309020205020404" pitchFamily="49" charset="0"/>
-                <a:cs typeface="Courier New" panose="02070309020205020404" pitchFamily="49" charset="0"/>
-              </a:rPr>
-              <a:t> &lt; 5; </a:t>
-            </a:r>
-            <a:r>
-              <a:rPr lang="en-US" dirty="0" err="1">
-                <a:latin typeface="Courier New" panose="02070309020205020404" pitchFamily="49" charset="0"/>
-                <a:cs typeface="Courier New" panose="02070309020205020404" pitchFamily="49" charset="0"/>
-              </a:rPr>
-              <a:t>i</a:t>
-            </a:r>
-            <a:r>
-              <a:rPr lang="en-US" dirty="0">
-                <a:latin typeface="Courier New" panose="02070309020205020404" pitchFamily="49" charset="0"/>
-                <a:cs typeface="Courier New" panose="02070309020205020404" pitchFamily="49" charset="0"/>
-              </a:rPr>
-              <a:t>++){</a:t>
-            </a:r>
-          </a:p>
-          <a:p>
-            <a:pPr marL="0" indent="0">
-              <a:buNone/>
-            </a:pPr>
-            <a:r>
-              <a:rPr lang="en-US" dirty="0">
-                <a:latin typeface="Courier New" panose="02070309020205020404" pitchFamily="49" charset="0"/>
-                <a:cs typeface="Courier New" panose="02070309020205020404" pitchFamily="49" charset="0"/>
-              </a:rPr>
-              <a:t>	</a:t>
-            </a:r>
-            <a:r>
-              <a:rPr lang="en-US" dirty="0" err="1">
-                <a:latin typeface="Courier New" panose="02070309020205020404" pitchFamily="49" charset="0"/>
-                <a:cs typeface="Courier New" panose="02070309020205020404" pitchFamily="49" charset="0"/>
-              </a:rPr>
-              <a:t>System.out.println</a:t>
-            </a:r>
-            <a:r>
-              <a:rPr lang="en-US" dirty="0">
-                <a:latin typeface="Courier New" panose="02070309020205020404" pitchFamily="49" charset="0"/>
-                <a:cs typeface="Courier New" panose="02070309020205020404" pitchFamily="49" charset="0"/>
-              </a:rPr>
-              <a:t>(</a:t>
-            </a:r>
-            <a:r>
-              <a:rPr lang="en-US" dirty="0" err="1">
-                <a:latin typeface="Courier New" panose="02070309020205020404" pitchFamily="49" charset="0"/>
-                <a:cs typeface="Courier New" panose="02070309020205020404" pitchFamily="49" charset="0"/>
-              </a:rPr>
-              <a:t>i</a:t>
-            </a:r>
-            <a:r>
-              <a:rPr lang="en-US" dirty="0">
-                <a:latin typeface="Courier New" panose="02070309020205020404" pitchFamily="49" charset="0"/>
-                <a:cs typeface="Courier New" panose="02070309020205020404" pitchFamily="49" charset="0"/>
-              </a:rPr>
-              <a:t>);  //vs (“</a:t>
-            </a:r>
-            <a:r>
-              <a:rPr lang="en-US" dirty="0" err="1">
-                <a:latin typeface="Courier New" panose="02070309020205020404" pitchFamily="49" charset="0"/>
-                <a:cs typeface="Courier New" panose="02070309020205020404" pitchFamily="49" charset="0"/>
-              </a:rPr>
-              <a:t>i</a:t>
-            </a:r>
-            <a:r>
-              <a:rPr lang="en-US" dirty="0">
-                <a:latin typeface="Courier New" panose="02070309020205020404" pitchFamily="49" charset="0"/>
-                <a:cs typeface="Courier New" panose="02070309020205020404" pitchFamily="49" charset="0"/>
-              </a:rPr>
-              <a:t>”)</a:t>
+              <a:t>	}</a:t>
             </a:r>
           </a:p>
           <a:p>
@@ -12771,7 +12717,7 @@
     </p:spTree>
     <p:extLst>
       <p:ext uri="{BB962C8B-B14F-4D97-AF65-F5344CB8AC3E}">
-        <p14:creationId xmlns:p14="http://schemas.microsoft.com/office/powerpoint/2010/main" val="4288803835"/>
+        <p14:creationId xmlns:p14="http://schemas.microsoft.com/office/powerpoint/2010/main" val="275531343"/>
       </p:ext>
     </p:extLst>
   </p:cSld>
@@ -12810,12 +12756,14 @@
         </p:nvSpPr>
         <p:spPr/>
         <p:txBody>
-          <a:bodyPr/>
-          <a:lstStyle/>
-          <a:p>
-            <a:r>
-              <a:rPr lang="en-US" dirty="0"/>
-              <a:t>Example Code:</a:t>
+          <a:bodyPr>
+            <a:normAutofit/>
+          </a:bodyPr>
+          <a:lstStyle/>
+          <a:p>
+            <a:r>
+              <a:rPr lang="en-US" dirty="0"/>
+              <a:t>Homework</a:t>
             </a:r>
           </a:p>
         </p:txBody>
@@ -12839,188 +12787,31 @@
               <a:buNone/>
             </a:pPr>
             <a:r>
-              <a:rPr lang="en-US" dirty="0">
-                <a:latin typeface="Courier New" panose="02070309020205020404" pitchFamily="49" charset="0"/>
-                <a:cs typeface="Courier New" panose="02070309020205020404" pitchFamily="49" charset="0"/>
-              </a:rPr>
-              <a:t>public class Count1000 {</a:t>
-            </a:r>
-          </a:p>
-          <a:p>
-            <a:pPr marL="0" indent="0">
-              <a:buNone/>
-            </a:pPr>
-            <a:r>
-              <a:rPr lang="en-US" dirty="0">
-                <a:latin typeface="Courier New" panose="02070309020205020404" pitchFamily="49" charset="0"/>
-                <a:cs typeface="Courier New" panose="02070309020205020404" pitchFamily="49" charset="0"/>
-              </a:rPr>
-              <a:t>	public static void main(String[] </a:t>
-            </a:r>
-            <a:r>
-              <a:rPr lang="en-US" dirty="0" err="1">
-                <a:latin typeface="Courier New" panose="02070309020205020404" pitchFamily="49" charset="0"/>
-                <a:cs typeface="Courier New" panose="02070309020205020404" pitchFamily="49" charset="0"/>
-              </a:rPr>
-              <a:t>args</a:t>
-            </a:r>
-            <a:r>
-              <a:rPr lang="en-US" dirty="0">
-                <a:latin typeface="Courier New" panose="02070309020205020404" pitchFamily="49" charset="0"/>
-                <a:cs typeface="Courier New" panose="02070309020205020404" pitchFamily="49" charset="0"/>
-              </a:rPr>
-              <a:t>) {</a:t>
-            </a:r>
-          </a:p>
-          <a:p>
-            <a:pPr marL="0" indent="0">
-              <a:buNone/>
-            </a:pPr>
-            <a:r>
-              <a:rPr lang="en-US" dirty="0">
-                <a:latin typeface="Courier New" panose="02070309020205020404" pitchFamily="49" charset="0"/>
-                <a:cs typeface="Courier New" panose="02070309020205020404" pitchFamily="49" charset="0"/>
-              </a:rPr>
-              <a:t>		for(</a:t>
-            </a:r>
-            <a:r>
-              <a:rPr lang="en-US" dirty="0" err="1">
-                <a:latin typeface="Courier New" panose="02070309020205020404" pitchFamily="49" charset="0"/>
-                <a:cs typeface="Courier New" panose="02070309020205020404" pitchFamily="49" charset="0"/>
-              </a:rPr>
-              <a:t>int</a:t>
-            </a:r>
-            <a:r>
-              <a:rPr lang="en-US" dirty="0">
-                <a:latin typeface="Courier New" panose="02070309020205020404" pitchFamily="49" charset="0"/>
-                <a:cs typeface="Courier New" panose="02070309020205020404" pitchFamily="49" charset="0"/>
-              </a:rPr>
-              <a:t> </a:t>
-            </a:r>
-            <a:r>
-              <a:rPr lang="en-US" dirty="0" err="1">
-                <a:latin typeface="Courier New" panose="02070309020205020404" pitchFamily="49" charset="0"/>
-                <a:cs typeface="Courier New" panose="02070309020205020404" pitchFamily="49" charset="0"/>
-              </a:rPr>
-              <a:t>i</a:t>
-            </a:r>
-            <a:r>
-              <a:rPr lang="en-US" dirty="0">
-                <a:latin typeface="Courier New" panose="02070309020205020404" pitchFamily="49" charset="0"/>
-                <a:cs typeface="Courier New" panose="02070309020205020404" pitchFamily="49" charset="0"/>
-              </a:rPr>
-              <a:t> = 1; </a:t>
-            </a:r>
-            <a:r>
-              <a:rPr lang="en-US" err="1">
-                <a:latin typeface="Courier New" panose="02070309020205020404" pitchFamily="49" charset="0"/>
-                <a:cs typeface="Courier New" panose="02070309020205020404" pitchFamily="49" charset="0"/>
-              </a:rPr>
-              <a:t>i</a:t>
-            </a:r>
-            <a:r>
-              <a:rPr lang="en-US">
-                <a:latin typeface="Courier New" panose="02070309020205020404" pitchFamily="49" charset="0"/>
-                <a:cs typeface="Courier New" panose="02070309020205020404" pitchFamily="49" charset="0"/>
-              </a:rPr>
-              <a:t> &lt;= </a:t>
-            </a:r>
-            <a:r>
-              <a:rPr lang="en-US" dirty="0">
-                <a:latin typeface="Courier New" panose="02070309020205020404" pitchFamily="49" charset="0"/>
-                <a:cs typeface="Courier New" panose="02070309020205020404" pitchFamily="49" charset="0"/>
-              </a:rPr>
-              <a:t>1000; </a:t>
-            </a:r>
-            <a:r>
-              <a:rPr lang="en-US" dirty="0" err="1">
-                <a:latin typeface="Courier New" panose="02070309020205020404" pitchFamily="49" charset="0"/>
-                <a:cs typeface="Courier New" panose="02070309020205020404" pitchFamily="49" charset="0"/>
-              </a:rPr>
-              <a:t>i</a:t>
-            </a:r>
-            <a:r>
-              <a:rPr lang="en-US" dirty="0">
-                <a:latin typeface="Courier New" panose="02070309020205020404" pitchFamily="49" charset="0"/>
-                <a:cs typeface="Courier New" panose="02070309020205020404" pitchFamily="49" charset="0"/>
-              </a:rPr>
-              <a:t>++) {</a:t>
-            </a:r>
-          </a:p>
-          <a:p>
-            <a:pPr marL="0" indent="0">
-              <a:buNone/>
-            </a:pPr>
-            <a:r>
-              <a:rPr lang="en-US" dirty="0">
-                <a:latin typeface="Courier New" panose="02070309020205020404" pitchFamily="49" charset="0"/>
-                <a:cs typeface="Courier New" panose="02070309020205020404" pitchFamily="49" charset="0"/>
-              </a:rPr>
-              <a:t>			</a:t>
-            </a:r>
-            <a:r>
-              <a:rPr lang="en-US" dirty="0" err="1">
-                <a:latin typeface="Courier New" panose="02070309020205020404" pitchFamily="49" charset="0"/>
-                <a:cs typeface="Courier New" panose="02070309020205020404" pitchFamily="49" charset="0"/>
-              </a:rPr>
-              <a:t>System.out.println</a:t>
-            </a:r>
-            <a:r>
-              <a:rPr lang="en-US" dirty="0">
-                <a:latin typeface="Courier New" panose="02070309020205020404" pitchFamily="49" charset="0"/>
-                <a:cs typeface="Courier New" panose="02070309020205020404" pitchFamily="49" charset="0"/>
-              </a:rPr>
-              <a:t>(</a:t>
-            </a:r>
-            <a:r>
-              <a:rPr lang="en-US" dirty="0" err="1">
-                <a:latin typeface="Courier New" panose="02070309020205020404" pitchFamily="49" charset="0"/>
-                <a:cs typeface="Courier New" panose="02070309020205020404" pitchFamily="49" charset="0"/>
-              </a:rPr>
-              <a:t>i</a:t>
-            </a:r>
-            <a:r>
-              <a:rPr lang="en-US" dirty="0">
-                <a:latin typeface="Courier New" panose="02070309020205020404" pitchFamily="49" charset="0"/>
-                <a:cs typeface="Courier New" panose="02070309020205020404" pitchFamily="49" charset="0"/>
-              </a:rPr>
-              <a:t>);</a:t>
-            </a:r>
-          </a:p>
-          <a:p>
-            <a:pPr marL="0" indent="0">
-              <a:buNone/>
-            </a:pPr>
-            <a:r>
-              <a:rPr lang="en-US" dirty="0">
-                <a:latin typeface="Courier New" panose="02070309020205020404" pitchFamily="49" charset="0"/>
-                <a:cs typeface="Courier New" panose="02070309020205020404" pitchFamily="49" charset="0"/>
-              </a:rPr>
-              <a:t>		}</a:t>
-            </a:r>
-          </a:p>
-          <a:p>
-            <a:pPr marL="0" indent="0">
-              <a:buNone/>
-            </a:pPr>
-            <a:r>
-              <a:rPr lang="en-US" dirty="0">
-                <a:latin typeface="Courier New" panose="02070309020205020404" pitchFamily="49" charset="0"/>
-                <a:cs typeface="Courier New" panose="02070309020205020404" pitchFamily="49" charset="0"/>
-              </a:rPr>
-              <a:t>	}</a:t>
-            </a:r>
-          </a:p>
-          <a:p>
-            <a:pPr marL="0" indent="0">
-              <a:buNone/>
-            </a:pPr>
-            <a:r>
-              <a:rPr lang="en-US" dirty="0">
-                <a:latin typeface="Courier New" panose="02070309020205020404" pitchFamily="49" charset="0"/>
-                <a:cs typeface="Courier New" panose="02070309020205020404" pitchFamily="49" charset="0"/>
-              </a:rPr>
-              <a:t>}</a:t>
+              <a:rPr lang="en-US" dirty="0"/>
+              <a:t>Read HW 2.3 “Nested Loops”</a:t>
+            </a:r>
+          </a:p>
+          <a:p>
+            <a:pPr marL="0" indent="0">
+              <a:buNone/>
+            </a:pPr>
+            <a:endParaRPr lang="en-US" dirty="0"/>
+          </a:p>
+          <a:p>
+            <a:pPr marL="0" indent="0">
+              <a:buNone/>
+            </a:pPr>
+            <a:r>
+              <a:rPr lang="en-US" dirty="0"/>
+              <a:t>Complete chapter 2 self-check questions 19-21 (4</a:t>
+            </a:r>
+            <a:r>
+              <a:rPr lang="en-US" baseline="30000" dirty="0"/>
+              <a:t>th</a:t>
+            </a:r>
+            <a:r>
+              <a:rPr lang="en-US" dirty="0"/>
+              <a:t> edition: 22-24). </a:t>
             </a:r>
           </a:p>
         </p:txBody>
@@ -13028,7 +12819,7 @@
     </p:spTree>
     <p:extLst>
       <p:ext uri="{BB962C8B-B14F-4D97-AF65-F5344CB8AC3E}">
-        <p14:creationId xmlns:p14="http://schemas.microsoft.com/office/powerpoint/2010/main" val="275531343"/>
+        <p14:creationId xmlns:p14="http://schemas.microsoft.com/office/powerpoint/2010/main" val="1404431495"/>
       </p:ext>
     </p:extLst>
   </p:cSld>
@@ -13067,14 +12858,12 @@
         </p:nvSpPr>
         <p:spPr/>
         <p:txBody>
-          <a:bodyPr>
-            <a:normAutofit/>
-          </a:bodyPr>
-          <a:lstStyle/>
-          <a:p>
-            <a:r>
-              <a:rPr lang="en-US" sz="5000" dirty="0"/>
-              <a:t>Practice-It</a:t>
+          <a:bodyPr/>
+          <a:lstStyle/>
+          <a:p>
+            <a:r>
+              <a:rPr lang="en-US" dirty="0"/>
+              <a:t>Nested for Loops</a:t>
             </a:r>
           </a:p>
         </p:txBody>
@@ -13096,28 +12885,15 @@
           <a:p>
             <a:r>
               <a:rPr lang="en-US" dirty="0"/>
-              <a:t>Count2, </a:t>
-            </a:r>
-            <a:r>
-              <a:rPr lang="en-US" dirty="0" err="1"/>
-              <a:t>fingerTrap</a:t>
-            </a:r>
-            <a:r>
-              <a:rPr lang="en-US" dirty="0"/>
-              <a:t>, </a:t>
-            </a:r>
-            <a:r>
-              <a:rPr lang="en-US" dirty="0" err="1"/>
-              <a:t>howManyLines</a:t>
-            </a:r>
-            <a:endParaRPr lang="en-US" dirty="0"/>
+              <a:t>[ 2.06 ] [ Today’s Date ] [ Instructor Name ]</a:t>
+            </a:r>
           </a:p>
         </p:txBody>
       </p:sp>
     </p:spTree>
     <p:extLst>
       <p:ext uri="{BB962C8B-B14F-4D97-AF65-F5344CB8AC3E}">
-        <p14:creationId xmlns:p14="http://schemas.microsoft.com/office/powerpoint/2010/main" val="123155053"/>
+        <p14:creationId xmlns:p14="http://schemas.microsoft.com/office/powerpoint/2010/main" val="2172282920"/>
       </p:ext>
     </p:extLst>
   </p:cSld>
@@ -13154,6 +12930,34 @@
             <p:ph type="title"/>
           </p:nvPr>
         </p:nvSpPr>
+        <p:spPr>
+          <a:xfrm>
+            <a:off x="838200" y="2057399"/>
+            <a:ext cx="10515600" cy="1157288"/>
+          </a:xfrm>
+        </p:spPr>
+        <p:txBody>
+          <a:bodyPr/>
+          <a:lstStyle/>
+          <a:p>
+            <a:pPr algn="ctr"/>
+            <a:r>
+              <a:rPr lang="en-US" dirty="0"/>
+              <a:t>The Challenge:</a:t>
+            </a:r>
+          </a:p>
+        </p:txBody>
+      </p:sp>
+      <p:sp>
+        <p:nvSpPr>
+          <p:cNvPr id="3" name="Content Placeholder 2"/>
+          <p:cNvSpPr>
+            <a:spLocks noGrp="1"/>
+          </p:cNvSpPr>
+          <p:nvPr>
+            <p:ph idx="1"/>
+          </p:nvPr>
+        </p:nvSpPr>
         <p:spPr/>
         <p:txBody>
           <a:bodyPr>
@@ -13161,57 +12965,30 @@
           </a:bodyPr>
           <a:lstStyle/>
           <a:p>
-            <a:r>
-              <a:rPr lang="en-US" dirty="0"/>
-              <a:t>Homework</a:t>
-            </a:r>
-          </a:p>
-        </p:txBody>
-      </p:sp>
-      <p:sp>
-        <p:nvSpPr>
-          <p:cNvPr id="3" name="Content Placeholder 2"/>
-          <p:cNvSpPr>
-            <a:spLocks noGrp="1"/>
-          </p:cNvSpPr>
-          <p:nvPr>
-            <p:ph idx="1"/>
-          </p:nvPr>
-        </p:nvSpPr>
-        <p:spPr/>
-        <p:txBody>
-          <a:bodyPr/>
-          <a:lstStyle/>
-          <a:p>
-            <a:pPr marL="0" indent="0">
-              <a:buNone/>
-            </a:pPr>
-            <a:r>
-              <a:rPr lang="en-US" dirty="0"/>
-              <a:t>Read HW 2.3 “Nested Loops”</a:t>
-            </a:r>
-          </a:p>
-          <a:p>
-            <a:pPr marL="0" indent="0">
-              <a:buNone/>
-            </a:pPr>
-            <a:endParaRPr lang="en-US" dirty="0"/>
-          </a:p>
-          <a:p>
-            <a:pPr marL="0" indent="0">
-              <a:buNone/>
-            </a:pPr>
-            <a:r>
-              <a:rPr lang="en-US" dirty="0"/>
-              <a:t>Complete chapter 2 self-check questions 19-21 (4</a:t>
-            </a:r>
-            <a:r>
-              <a:rPr lang="en-US" baseline="30000" dirty="0"/>
-              <a:t>th</a:t>
-            </a:r>
-            <a:r>
-              <a:rPr lang="en-US" dirty="0"/>
-              <a:t> edition: 22-24). </a:t>
+            <a:pPr marL="0" indent="0" algn="ctr">
+              <a:buNone/>
+            </a:pPr>
+            <a:endParaRPr lang="en-US" sz="2400" dirty="0"/>
+          </a:p>
+          <a:p>
+            <a:pPr marL="0" indent="0" algn="ctr">
+              <a:buNone/>
+            </a:pPr>
+            <a:endParaRPr lang="en-US" sz="2400" dirty="0"/>
+          </a:p>
+          <a:p>
+            <a:pPr marL="0" indent="0" algn="ctr">
+              <a:buNone/>
+            </a:pPr>
+            <a:endParaRPr lang="en-US" sz="2400" dirty="0"/>
+          </a:p>
+          <a:p>
+            <a:pPr marL="0" indent="0" algn="ctr">
+              <a:buNone/>
+            </a:pPr>
+            <a:r>
+              <a:rPr lang="en-US" sz="2400" dirty="0"/>
+              <a:t>Rewrite the code from yesterday (count to 1000 if you don’t remember) in 11 lines. You cannot use a loop that executes more than 10 times.</a:t>
             </a:r>
           </a:p>
         </p:txBody>
@@ -13219,7 +12996,7 @@
     </p:spTree>
     <p:extLst>
       <p:ext uri="{BB962C8B-B14F-4D97-AF65-F5344CB8AC3E}">
-        <p14:creationId xmlns:p14="http://schemas.microsoft.com/office/powerpoint/2010/main" val="1404431495"/>
+        <p14:creationId xmlns:p14="http://schemas.microsoft.com/office/powerpoint/2010/main" val="4189109445"/>
       </p:ext>
     </p:extLst>
   </p:cSld>
@@ -13253,39 +13030,177 @@
             <a:spLocks noGrp="1"/>
           </p:cNvSpPr>
           <p:nvPr>
-            <p:ph type="ctrTitle"/>
-          </p:nvPr>
-        </p:nvSpPr>
-        <p:spPr/>
-        <p:txBody>
-          <a:bodyPr/>
-          <a:lstStyle/>
-          <a:p>
-            <a:r>
-              <a:rPr lang="en-US" dirty="0"/>
-              <a:t>Nested for Loops</a:t>
-            </a:r>
-          </a:p>
-        </p:txBody>
-      </p:sp>
-      <p:sp>
-        <p:nvSpPr>
-          <p:cNvPr id="3" name="Subtitle 2"/>
-          <p:cNvSpPr>
-            <a:spLocks noGrp="1"/>
-          </p:cNvSpPr>
-          <p:nvPr>
-            <p:ph type="subTitle" idx="1"/>
-          </p:nvPr>
-        </p:nvSpPr>
-        <p:spPr/>
-        <p:txBody>
-          <a:bodyPr/>
-          <a:lstStyle/>
-          <a:p>
-            <a:r>
-              <a:rPr lang="en-US" dirty="0"/>
-              <a:t>[ 2.06 ] [ Today’s Date ] [ Instructor Name ]</a:t>
+            <p:ph type="title"/>
+          </p:nvPr>
+        </p:nvSpPr>
+        <p:spPr/>
+        <p:txBody>
+          <a:bodyPr/>
+          <a:lstStyle/>
+          <a:p>
+            <a:r>
+              <a:rPr lang="en-US" dirty="0"/>
+              <a:t>Single Loop</a:t>
+            </a:r>
+          </a:p>
+        </p:txBody>
+      </p:sp>
+      <p:sp>
+        <p:nvSpPr>
+          <p:cNvPr id="3" name="Content Placeholder 2"/>
+          <p:cNvSpPr>
+            <a:spLocks noGrp="1"/>
+          </p:cNvSpPr>
+          <p:nvPr>
+            <p:ph idx="1"/>
+          </p:nvPr>
+        </p:nvSpPr>
+        <p:spPr/>
+        <p:txBody>
+          <a:bodyPr/>
+          <a:lstStyle/>
+          <a:p>
+            <a:pPr marL="0" indent="0">
+              <a:buNone/>
+            </a:pPr>
+            <a:endParaRPr lang="en-US" dirty="0">
+              <a:latin typeface="Courier New" panose="02070309020205020404" pitchFamily="49" charset="0"/>
+              <a:cs typeface="Courier New" panose="02070309020205020404" pitchFamily="49" charset="0"/>
+            </a:endParaRPr>
+          </a:p>
+          <a:p>
+            <a:pPr marL="0" indent="0">
+              <a:buNone/>
+            </a:pPr>
+            <a:r>
+              <a:rPr lang="en-US" dirty="0">
+                <a:latin typeface="Courier New" panose="02070309020205020404" pitchFamily="49" charset="0"/>
+                <a:cs typeface="Courier New" panose="02070309020205020404" pitchFamily="49" charset="0"/>
+              </a:rPr>
+              <a:t>for (</a:t>
+            </a:r>
+            <a:r>
+              <a:rPr lang="en-US" dirty="0" err="1">
+                <a:latin typeface="Courier New" panose="02070309020205020404" pitchFamily="49" charset="0"/>
+                <a:cs typeface="Courier New" panose="02070309020205020404" pitchFamily="49" charset="0"/>
+              </a:rPr>
+              <a:t>int</a:t>
+            </a:r>
+            <a:r>
+              <a:rPr lang="en-US" dirty="0">
+                <a:latin typeface="Courier New" panose="02070309020205020404" pitchFamily="49" charset="0"/>
+                <a:cs typeface="Courier New" panose="02070309020205020404" pitchFamily="49" charset="0"/>
+              </a:rPr>
+              <a:t> </a:t>
+            </a:r>
+            <a:r>
+              <a:rPr lang="en-US" dirty="0" err="1">
+                <a:latin typeface="Courier New" panose="02070309020205020404" pitchFamily="49" charset="0"/>
+                <a:cs typeface="Courier New" panose="02070309020205020404" pitchFamily="49" charset="0"/>
+              </a:rPr>
+              <a:t>i</a:t>
+            </a:r>
+            <a:r>
+              <a:rPr lang="en-US" dirty="0">
+                <a:latin typeface="Courier New" panose="02070309020205020404" pitchFamily="49" charset="0"/>
+                <a:cs typeface="Courier New" panose="02070309020205020404" pitchFamily="49" charset="0"/>
+              </a:rPr>
+              <a:t> = 1; </a:t>
+            </a:r>
+            <a:r>
+              <a:rPr lang="en-US" dirty="0" err="1">
+                <a:latin typeface="Courier New" panose="02070309020205020404" pitchFamily="49" charset="0"/>
+                <a:cs typeface="Courier New" panose="02070309020205020404" pitchFamily="49" charset="0"/>
+              </a:rPr>
+              <a:t>i</a:t>
+            </a:r>
+            <a:r>
+              <a:rPr lang="en-US" dirty="0">
+                <a:latin typeface="Courier New" panose="02070309020205020404" pitchFamily="49" charset="0"/>
+                <a:cs typeface="Courier New" panose="02070309020205020404" pitchFamily="49" charset="0"/>
+              </a:rPr>
+              <a:t> &lt;= 3; </a:t>
+            </a:r>
+            <a:r>
+              <a:rPr lang="en-US" dirty="0" err="1">
+                <a:latin typeface="Courier New" panose="02070309020205020404" pitchFamily="49" charset="0"/>
+                <a:cs typeface="Courier New" panose="02070309020205020404" pitchFamily="49" charset="0"/>
+              </a:rPr>
+              <a:t>i</a:t>
+            </a:r>
+            <a:r>
+              <a:rPr lang="en-US" dirty="0">
+                <a:latin typeface="Courier New" panose="02070309020205020404" pitchFamily="49" charset="0"/>
+                <a:cs typeface="Courier New" panose="02070309020205020404" pitchFamily="49" charset="0"/>
+              </a:rPr>
+              <a:t>++) {</a:t>
+            </a:r>
+          </a:p>
+          <a:p>
+            <a:pPr marL="0" indent="0">
+              <a:buNone/>
+            </a:pPr>
+            <a:br>
+              <a:rPr lang="en-US" dirty="0">
+                <a:latin typeface="Courier New" panose="02070309020205020404" pitchFamily="49" charset="0"/>
+                <a:cs typeface="Courier New" panose="02070309020205020404" pitchFamily="49" charset="0"/>
+              </a:rPr>
+            </a:br>
+            <a:r>
+              <a:rPr lang="en-US" dirty="0">
+                <a:latin typeface="Courier New" panose="02070309020205020404" pitchFamily="49" charset="0"/>
+                <a:cs typeface="Courier New" panose="02070309020205020404" pitchFamily="49" charset="0"/>
+              </a:rPr>
+              <a:t>	</a:t>
+            </a:r>
+            <a:r>
+              <a:rPr lang="en-US" dirty="0" err="1">
+                <a:latin typeface="Courier New" panose="02070309020205020404" pitchFamily="49" charset="0"/>
+                <a:cs typeface="Courier New" panose="02070309020205020404" pitchFamily="49" charset="0"/>
+              </a:rPr>
+              <a:t>System.out.println</a:t>
+            </a:r>
+            <a:r>
+              <a:rPr lang="en-US" dirty="0">
+                <a:latin typeface="Courier New" panose="02070309020205020404" pitchFamily="49" charset="0"/>
+                <a:cs typeface="Courier New" panose="02070309020205020404" pitchFamily="49" charset="0"/>
+              </a:rPr>
+              <a:t>(“</a:t>
+            </a:r>
+            <a:r>
+              <a:rPr lang="en-US" dirty="0" err="1">
+                <a:latin typeface="Courier New" panose="02070309020205020404" pitchFamily="49" charset="0"/>
+                <a:cs typeface="Courier New" panose="02070309020205020404" pitchFamily="49" charset="0"/>
+              </a:rPr>
+              <a:t>Calacas</a:t>
+            </a:r>
+            <a:r>
+              <a:rPr lang="en-US" dirty="0">
+                <a:latin typeface="Courier New" panose="02070309020205020404" pitchFamily="49" charset="0"/>
+                <a:cs typeface="Courier New" panose="02070309020205020404" pitchFamily="49" charset="0"/>
+              </a:rPr>
+              <a:t> y Calaveras!”)</a:t>
+            </a:r>
+          </a:p>
+          <a:p>
+            <a:pPr marL="0" indent="0">
+              <a:buNone/>
+            </a:pPr>
+            <a:endParaRPr lang="en-US" dirty="0">
+              <a:latin typeface="Courier New" panose="02070309020205020404" pitchFamily="49" charset="0"/>
+              <a:cs typeface="Courier New" panose="02070309020205020404" pitchFamily="49" charset="0"/>
+            </a:endParaRPr>
+          </a:p>
+          <a:p>
+            <a:pPr marL="0" indent="0">
+              <a:buNone/>
+            </a:pPr>
+            <a:r>
+              <a:rPr lang="en-US" dirty="0">
+                <a:latin typeface="Courier New" panose="02070309020205020404" pitchFamily="49" charset="0"/>
+                <a:cs typeface="Courier New" panose="02070309020205020404" pitchFamily="49" charset="0"/>
+              </a:rPr>
+              <a:t>}</a:t>
             </a:r>
           </a:p>
         </p:txBody>
@@ -13293,7 +13208,7 @@
     </p:spTree>
     <p:extLst>
       <p:ext uri="{BB962C8B-B14F-4D97-AF65-F5344CB8AC3E}">
-        <p14:creationId xmlns:p14="http://schemas.microsoft.com/office/powerpoint/2010/main" val="2172282920"/>
+        <p14:creationId xmlns:p14="http://schemas.microsoft.com/office/powerpoint/2010/main" val="2561454960"/>
       </p:ext>
     </p:extLst>
   </p:cSld>
@@ -13330,20 +13245,14 @@
             <p:ph type="title"/>
           </p:nvPr>
         </p:nvSpPr>
-        <p:spPr>
-          <a:xfrm>
-            <a:off x="838200" y="2057399"/>
-            <a:ext cx="10515600" cy="1157288"/>
-          </a:xfrm>
-        </p:spPr>
-        <p:txBody>
-          <a:bodyPr/>
-          <a:lstStyle/>
-          <a:p>
-            <a:pPr algn="ctr"/>
-            <a:r>
-              <a:rPr lang="en-US" dirty="0"/>
-              <a:t>The Challenge:</a:t>
+        <p:spPr/>
+        <p:txBody>
+          <a:bodyPr/>
+          <a:lstStyle/>
+          <a:p>
+            <a:r>
+              <a:rPr lang="en-US" dirty="0"/>
+              <a:t>Nested Loop</a:t>
             </a:r>
           </a:p>
         </p:txBody>
@@ -13360,43 +13269,228 @@
         </p:nvSpPr>
         <p:spPr/>
         <p:txBody>
-          <a:bodyPr>
-            <a:normAutofit/>
-          </a:bodyPr>
-          <a:lstStyle/>
-          <a:p>
-            <a:pPr marL="0" indent="0" algn="ctr">
-              <a:buNone/>
-            </a:pPr>
-            <a:endParaRPr lang="en-US" sz="2400" dirty="0"/>
-          </a:p>
-          <a:p>
-            <a:pPr marL="0" indent="0" algn="ctr">
-              <a:buNone/>
-            </a:pPr>
-            <a:endParaRPr lang="en-US" sz="2400" dirty="0"/>
-          </a:p>
-          <a:p>
-            <a:pPr marL="0" indent="0" algn="ctr">
-              <a:buNone/>
-            </a:pPr>
-            <a:endParaRPr lang="en-US" sz="2400" dirty="0"/>
-          </a:p>
-          <a:p>
-            <a:pPr marL="0" indent="0" algn="ctr">
-              <a:buNone/>
-            </a:pPr>
-            <a:r>
-              <a:rPr lang="en-US" sz="2400" dirty="0"/>
-              <a:t>Rewrite the code from yesterday (count to 1000 if you don’t remember) in 11 lines. You cannot use a loop that executes more than 10 times.</a:t>
-            </a:r>
+          <a:bodyPr/>
+          <a:lstStyle/>
+          <a:p>
+            <a:pPr marL="0" indent="0">
+              <a:buNone/>
+            </a:pPr>
+            <a:r>
+              <a:rPr lang="en-US" sz="2400" dirty="0">
+                <a:latin typeface="Courier New" panose="02070309020205020404" pitchFamily="49" charset="0"/>
+                <a:cs typeface="Courier New" panose="02070309020205020404" pitchFamily="49" charset="0"/>
+              </a:rPr>
+              <a:t>for (</a:t>
+            </a:r>
+            <a:r>
+              <a:rPr lang="en-US" sz="2400" dirty="0" err="1">
+                <a:latin typeface="Courier New" panose="02070309020205020404" pitchFamily="49" charset="0"/>
+                <a:cs typeface="Courier New" panose="02070309020205020404" pitchFamily="49" charset="0"/>
+              </a:rPr>
+              <a:t>int</a:t>
+            </a:r>
+            <a:r>
+              <a:rPr lang="en-US" sz="2400" dirty="0">
+                <a:latin typeface="Courier New" panose="02070309020205020404" pitchFamily="49" charset="0"/>
+                <a:cs typeface="Courier New" panose="02070309020205020404" pitchFamily="49" charset="0"/>
+              </a:rPr>
+              <a:t> </a:t>
+            </a:r>
+            <a:r>
+              <a:rPr lang="en-US" sz="2400" dirty="0" err="1">
+                <a:latin typeface="Courier New" panose="02070309020205020404" pitchFamily="49" charset="0"/>
+                <a:cs typeface="Courier New" panose="02070309020205020404" pitchFamily="49" charset="0"/>
+              </a:rPr>
+              <a:t>i</a:t>
+            </a:r>
+            <a:r>
+              <a:rPr lang="en-US" sz="2400" dirty="0">
+                <a:latin typeface="Courier New" panose="02070309020205020404" pitchFamily="49" charset="0"/>
+                <a:cs typeface="Courier New" panose="02070309020205020404" pitchFamily="49" charset="0"/>
+              </a:rPr>
+              <a:t> = 1; </a:t>
+            </a:r>
+            <a:r>
+              <a:rPr lang="en-US" sz="2400" dirty="0" err="1">
+                <a:latin typeface="Courier New" panose="02070309020205020404" pitchFamily="49" charset="0"/>
+                <a:cs typeface="Courier New" panose="02070309020205020404" pitchFamily="49" charset="0"/>
+              </a:rPr>
+              <a:t>i</a:t>
+            </a:r>
+            <a:r>
+              <a:rPr lang="en-US" sz="2400" dirty="0">
+                <a:latin typeface="Courier New" panose="02070309020205020404" pitchFamily="49" charset="0"/>
+                <a:cs typeface="Courier New" panose="02070309020205020404" pitchFamily="49" charset="0"/>
+              </a:rPr>
+              <a:t> &lt;= 3; </a:t>
+            </a:r>
+            <a:r>
+              <a:rPr lang="en-US" sz="2400" dirty="0" err="1">
+                <a:latin typeface="Courier New" panose="02070309020205020404" pitchFamily="49" charset="0"/>
+                <a:cs typeface="Courier New" panose="02070309020205020404" pitchFamily="49" charset="0"/>
+              </a:rPr>
+              <a:t>i</a:t>
+            </a:r>
+            <a:r>
+              <a:rPr lang="en-US" sz="2400" dirty="0">
+                <a:latin typeface="Courier New" panose="02070309020205020404" pitchFamily="49" charset="0"/>
+                <a:cs typeface="Courier New" panose="02070309020205020404" pitchFamily="49" charset="0"/>
+              </a:rPr>
+              <a:t>++) {</a:t>
+            </a:r>
+          </a:p>
+          <a:p>
+            <a:pPr marL="0" indent="0">
+              <a:buNone/>
+            </a:pPr>
+            <a:endParaRPr lang="en-US" sz="2400" dirty="0">
+              <a:latin typeface="Courier New" panose="02070309020205020404" pitchFamily="49" charset="0"/>
+              <a:cs typeface="Courier New" panose="02070309020205020404" pitchFamily="49" charset="0"/>
+            </a:endParaRPr>
+          </a:p>
+          <a:p>
+            <a:pPr marL="0" indent="0">
+              <a:buNone/>
+            </a:pPr>
+            <a:r>
+              <a:rPr lang="en-US" sz="2400" dirty="0">
+                <a:latin typeface="Courier New" panose="02070309020205020404" pitchFamily="49" charset="0"/>
+                <a:cs typeface="Courier New" panose="02070309020205020404" pitchFamily="49" charset="0"/>
+              </a:rPr>
+              <a:t>	for (</a:t>
+            </a:r>
+            <a:r>
+              <a:rPr lang="en-US" sz="2400" dirty="0" err="1">
+                <a:latin typeface="Courier New" panose="02070309020205020404" pitchFamily="49" charset="0"/>
+                <a:cs typeface="Courier New" panose="02070309020205020404" pitchFamily="49" charset="0"/>
+              </a:rPr>
+              <a:t>int</a:t>
+            </a:r>
+            <a:r>
+              <a:rPr lang="en-US" sz="2400" dirty="0">
+                <a:latin typeface="Courier New" panose="02070309020205020404" pitchFamily="49" charset="0"/>
+                <a:cs typeface="Courier New" panose="02070309020205020404" pitchFamily="49" charset="0"/>
+              </a:rPr>
+              <a:t> j = 1; j &lt;= 3; </a:t>
+            </a:r>
+            <a:r>
+              <a:rPr lang="en-US" sz="2400" dirty="0" err="1">
+                <a:latin typeface="Courier New" panose="02070309020205020404" pitchFamily="49" charset="0"/>
+                <a:cs typeface="Courier New" panose="02070309020205020404" pitchFamily="49" charset="0"/>
+              </a:rPr>
+              <a:t>j++</a:t>
+            </a:r>
+            <a:r>
+              <a:rPr lang="en-US" sz="2400" dirty="0">
+                <a:latin typeface="Courier New" panose="02070309020205020404" pitchFamily="49" charset="0"/>
+                <a:cs typeface="Courier New" panose="02070309020205020404" pitchFamily="49" charset="0"/>
+              </a:rPr>
+              <a:t>) {</a:t>
+            </a:r>
+          </a:p>
+          <a:p>
+            <a:pPr marL="0" indent="0">
+              <a:buNone/>
+            </a:pPr>
+            <a:br>
+              <a:rPr lang="en-US" sz="2400" dirty="0">
+                <a:latin typeface="Courier New" panose="02070309020205020404" pitchFamily="49" charset="0"/>
+                <a:cs typeface="Courier New" panose="02070309020205020404" pitchFamily="49" charset="0"/>
+              </a:rPr>
+            </a:br>
+            <a:r>
+              <a:rPr lang="en-US" sz="2400" dirty="0">
+                <a:latin typeface="Courier New" panose="02070309020205020404" pitchFamily="49" charset="0"/>
+                <a:cs typeface="Courier New" panose="02070309020205020404" pitchFamily="49" charset="0"/>
+              </a:rPr>
+              <a:t>		</a:t>
+            </a:r>
+            <a:r>
+              <a:rPr lang="en-US" sz="2400" dirty="0" err="1">
+                <a:latin typeface="Courier New" panose="02070309020205020404" pitchFamily="49" charset="0"/>
+                <a:cs typeface="Courier New" panose="02070309020205020404" pitchFamily="49" charset="0"/>
+              </a:rPr>
+              <a:t>System.out.println</a:t>
+            </a:r>
+            <a:r>
+              <a:rPr lang="en-US" sz="2400" dirty="0">
+                <a:latin typeface="Courier New" panose="02070309020205020404" pitchFamily="49" charset="0"/>
+                <a:cs typeface="Courier New" panose="02070309020205020404" pitchFamily="49" charset="0"/>
+              </a:rPr>
+              <a:t>(“</a:t>
+            </a:r>
+            <a:r>
+              <a:rPr lang="en-US" sz="2400" dirty="0" err="1">
+                <a:latin typeface="Courier New" panose="02070309020205020404" pitchFamily="49" charset="0"/>
+                <a:cs typeface="Courier New" panose="02070309020205020404" pitchFamily="49" charset="0"/>
+              </a:rPr>
+              <a:t>Calacas</a:t>
+            </a:r>
+            <a:r>
+              <a:rPr lang="en-US" sz="2400" dirty="0">
+                <a:latin typeface="Courier New" panose="02070309020205020404" pitchFamily="49" charset="0"/>
+                <a:cs typeface="Courier New" panose="02070309020205020404" pitchFamily="49" charset="0"/>
+              </a:rPr>
+              <a:t> y Calaveras!”);</a:t>
+            </a:r>
+          </a:p>
+          <a:p>
+            <a:pPr marL="0" indent="0">
+              <a:buNone/>
+            </a:pPr>
+            <a:r>
+              <a:rPr lang="en-US" sz="2400" dirty="0">
+                <a:latin typeface="Courier New" panose="02070309020205020404" pitchFamily="49" charset="0"/>
+                <a:cs typeface="Courier New" panose="02070309020205020404" pitchFamily="49" charset="0"/>
+              </a:rPr>
+              <a:t>	</a:t>
+            </a:r>
+          </a:p>
+          <a:p>
+            <a:pPr marL="0" indent="0">
+              <a:buNone/>
+            </a:pPr>
+            <a:r>
+              <a:rPr lang="en-US" sz="2400" dirty="0">
+                <a:latin typeface="Courier New" panose="02070309020205020404" pitchFamily="49" charset="0"/>
+                <a:cs typeface="Courier New" panose="02070309020205020404" pitchFamily="49" charset="0"/>
+              </a:rPr>
+              <a:t>	}</a:t>
+            </a:r>
+          </a:p>
+          <a:p>
+            <a:pPr marL="0" indent="0">
+              <a:buNone/>
+            </a:pPr>
+            <a:endParaRPr lang="en-US" sz="2400" dirty="0">
+              <a:latin typeface="Courier New" panose="02070309020205020404" pitchFamily="49" charset="0"/>
+              <a:cs typeface="Courier New" panose="02070309020205020404" pitchFamily="49" charset="0"/>
+            </a:endParaRPr>
+          </a:p>
+          <a:p>
+            <a:pPr marL="0" indent="0">
+              <a:buNone/>
+            </a:pPr>
+            <a:r>
+              <a:rPr lang="en-US" sz="2400" dirty="0">
+                <a:latin typeface="Courier New" panose="02070309020205020404" pitchFamily="49" charset="0"/>
+                <a:cs typeface="Courier New" panose="02070309020205020404" pitchFamily="49" charset="0"/>
+              </a:rPr>
+              <a:t>}</a:t>
+            </a:r>
+          </a:p>
+          <a:p>
+            <a:pPr marL="0" indent="0">
+              <a:buNone/>
+            </a:pPr>
+            <a:endParaRPr lang="en-US" dirty="0"/>
           </a:p>
         </p:txBody>
       </p:sp>
     </p:spTree>
     <p:extLst>
       <p:ext uri="{BB962C8B-B14F-4D97-AF65-F5344CB8AC3E}">
-        <p14:creationId xmlns:p14="http://schemas.microsoft.com/office/powerpoint/2010/main" val="4189109445"/>
+        <p14:creationId xmlns:p14="http://schemas.microsoft.com/office/powerpoint/2010/main" val="2382473146"/>
       </p:ext>
     </p:extLst>
   </p:cSld>
@@ -13440,7 +13534,7 @@
           <a:p>
             <a:r>
               <a:rPr lang="en-US" dirty="0"/>
-              <a:t>Single Loop</a:t>
+              <a:t>Code from yesterday:</a:t>
             </a:r>
           </a:p>
         </p:txBody>
@@ -13463,27 +13557,56 @@
             <a:pPr marL="0" indent="0">
               <a:buNone/>
             </a:pPr>
-            <a:endParaRPr lang="en-US" dirty="0">
-              <a:latin typeface="Courier New" panose="02070309020205020404" pitchFamily="49" charset="0"/>
-              <a:cs typeface="Courier New" panose="02070309020205020404" pitchFamily="49" charset="0"/>
-            </a:endParaRPr>
-          </a:p>
-          <a:p>
-            <a:pPr marL="0" indent="0">
-              <a:buNone/>
-            </a:pPr>
             <a:r>
               <a:rPr lang="en-US" dirty="0">
                 <a:latin typeface="Courier New" panose="02070309020205020404" pitchFamily="49" charset="0"/>
                 <a:cs typeface="Courier New" panose="02070309020205020404" pitchFamily="49" charset="0"/>
               </a:rPr>
-              <a:t>for (</a:t>
+              <a:t>public class Count1000 {</a:t>
+            </a:r>
+          </a:p>
+          <a:p>
+            <a:pPr marL="0" indent="0">
+              <a:buNone/>
+            </a:pPr>
+            <a:r>
+              <a:rPr lang="en-US" dirty="0">
+                <a:latin typeface="Courier New" panose="02070309020205020404" pitchFamily="49" charset="0"/>
+                <a:cs typeface="Courier New" panose="02070309020205020404" pitchFamily="49" charset="0"/>
+              </a:rPr>
+              <a:t>	public static void main(String[] </a:t>
             </a:r>
             <a:r>
               <a:rPr lang="en-US" dirty="0" err="1">
                 <a:latin typeface="Courier New" panose="02070309020205020404" pitchFamily="49" charset="0"/>
                 <a:cs typeface="Courier New" panose="02070309020205020404" pitchFamily="49" charset="0"/>
               </a:rPr>
+              <a:t>args</a:t>
+            </a:r>
+            <a:r>
+              <a:rPr lang="en-US" dirty="0">
+                <a:latin typeface="Courier New" panose="02070309020205020404" pitchFamily="49" charset="0"/>
+                <a:cs typeface="Courier New" panose="02070309020205020404" pitchFamily="49" charset="0"/>
+              </a:rPr>
+              <a:t>) {</a:t>
+            </a:r>
+          </a:p>
+          <a:p>
+            <a:pPr marL="0" indent="0">
+              <a:buNone/>
+            </a:pPr>
+            <a:r>
+              <a:rPr lang="en-US" dirty="0">
+                <a:latin typeface="Courier New" panose="02070309020205020404" pitchFamily="49" charset="0"/>
+                <a:cs typeface="Courier New" panose="02070309020205020404" pitchFamily="49" charset="0"/>
+              </a:rPr>
+              <a:t>		for(</a:t>
+            </a:r>
+            <a:r>
+              <a:rPr lang="en-US" dirty="0" err="1">
+                <a:latin typeface="Courier New" panose="02070309020205020404" pitchFamily="49" charset="0"/>
+                <a:cs typeface="Courier New" panose="02070309020205020404" pitchFamily="49" charset="0"/>
+              </a:rPr>
               <a:t>int</a:t>
             </a:r>
             <a:r>
@@ -13519,7 +13642,7 @@
                 <a:latin typeface="Courier New" panose="02070309020205020404" pitchFamily="49" charset="0"/>
                 <a:cs typeface="Courier New" panose="02070309020205020404" pitchFamily="49" charset="0"/>
               </a:rPr>
-              <a:t> &lt;= 3; </a:t>
+              <a:t> &lt; 1000; </a:t>
             </a:r>
             <a:r>
               <a:rPr lang="en-US" dirty="0" err="1">
@@ -13540,56 +13663,53 @@
             <a:pPr marL="0" indent="0">
               <a:buNone/>
             </a:pPr>
-            <a:br>
+            <a:r>
               <a:rPr lang="en-US" dirty="0">
                 <a:latin typeface="Courier New" panose="02070309020205020404" pitchFamily="49" charset="0"/>
                 <a:cs typeface="Courier New" panose="02070309020205020404" pitchFamily="49" charset="0"/>
               </a:rPr>
-            </a:br>
+              <a:t>			</a:t>
+            </a:r>
+            <a:r>
+              <a:rPr lang="en-US" dirty="0" err="1">
+                <a:latin typeface="Courier New" panose="02070309020205020404" pitchFamily="49" charset="0"/>
+                <a:cs typeface="Courier New" panose="02070309020205020404" pitchFamily="49" charset="0"/>
+              </a:rPr>
+              <a:t>System.out.println</a:t>
+            </a:r>
             <a:r>
               <a:rPr lang="en-US" dirty="0">
                 <a:latin typeface="Courier New" panose="02070309020205020404" pitchFamily="49" charset="0"/>
                 <a:cs typeface="Courier New" panose="02070309020205020404" pitchFamily="49" charset="0"/>
               </a:rPr>
-              <a:t>	</a:t>
+              <a:t>(</a:t>
             </a:r>
             <a:r>
               <a:rPr lang="en-US" dirty="0" err="1">
                 <a:latin typeface="Courier New" panose="02070309020205020404" pitchFamily="49" charset="0"/>
                 <a:cs typeface="Courier New" panose="02070309020205020404" pitchFamily="49" charset="0"/>
               </a:rPr>
-              <a:t>System.out.println</a:t>
+              <a:t>i</a:t>
             </a:r>
             <a:r>
               <a:rPr lang="en-US" dirty="0">
                 <a:latin typeface="Courier New" panose="02070309020205020404" pitchFamily="49" charset="0"/>
                 <a:cs typeface="Courier New" panose="02070309020205020404" pitchFamily="49" charset="0"/>
               </a:rPr>
-              <a:t>(“</a:t>
-            </a:r>
-            <a:r>
-              <a:rPr lang="en-US" dirty="0" err="1">
-                <a:latin typeface="Courier New" panose="02070309020205020404" pitchFamily="49" charset="0"/>
-                <a:cs typeface="Courier New" panose="02070309020205020404" pitchFamily="49" charset="0"/>
-              </a:rPr>
-              <a:t>Calacas</a:t>
-            </a:r>
+              <a:t>);</a:t>
+            </a:r>
+          </a:p>
+          <a:p>
+            <a:pPr marL="0" indent="0">
+              <a:buNone/>
+            </a:pPr>
             <a:r>
               <a:rPr lang="en-US" dirty="0">
                 <a:latin typeface="Courier New" panose="02070309020205020404" pitchFamily="49" charset="0"/>
                 <a:cs typeface="Courier New" panose="02070309020205020404" pitchFamily="49" charset="0"/>
               </a:rPr>
-              <a:t> y Calaveras!”)</a:t>
-            </a:r>
-          </a:p>
-          <a:p>
-            <a:pPr marL="0" indent="0">
-              <a:buNone/>
-            </a:pPr>
-            <a:endParaRPr lang="en-US" dirty="0">
-              <a:latin typeface="Courier New" panose="02070309020205020404" pitchFamily="49" charset="0"/>
-              <a:cs typeface="Courier New" panose="02070309020205020404" pitchFamily="49" charset="0"/>
-            </a:endParaRPr>
+              <a:t>		}</a:t>
+            </a:r>
           </a:p>
           <a:p>
             <a:pPr marL="0" indent="0">
@@ -13600,15 +13720,30 @@
                 <a:latin typeface="Courier New" panose="02070309020205020404" pitchFamily="49" charset="0"/>
                 <a:cs typeface="Courier New" panose="02070309020205020404" pitchFamily="49" charset="0"/>
               </a:rPr>
+              <a:t>	}</a:t>
+            </a:r>
+          </a:p>
+          <a:p>
+            <a:pPr marL="0" indent="0">
+              <a:buNone/>
+            </a:pPr>
+            <a:r>
+              <a:rPr lang="en-US" dirty="0">
+                <a:latin typeface="Courier New" panose="02070309020205020404" pitchFamily="49" charset="0"/>
+                <a:cs typeface="Courier New" panose="02070309020205020404" pitchFamily="49" charset="0"/>
+              </a:rPr>
               <a:t>}</a:t>
             </a:r>
+          </a:p>
+          <a:p>
+            <a:endParaRPr lang="en-US" dirty="0"/>
           </a:p>
         </p:txBody>
       </p:sp>
     </p:spTree>
     <p:extLst>
       <p:ext uri="{BB962C8B-B14F-4D97-AF65-F5344CB8AC3E}">
-        <p14:creationId xmlns:p14="http://schemas.microsoft.com/office/powerpoint/2010/main" val="2561454960"/>
+        <p14:creationId xmlns:p14="http://schemas.microsoft.com/office/powerpoint/2010/main" val="1909414872"/>
       </p:ext>
     </p:extLst>
   </p:cSld>
@@ -13647,12 +13782,14 @@
         </p:nvSpPr>
         <p:spPr/>
         <p:txBody>
-          <a:bodyPr/>
-          <a:lstStyle/>
-          <a:p>
-            <a:r>
-              <a:rPr lang="en-US" dirty="0"/>
-              <a:t>Nested Loop</a:t>
+          <a:bodyPr>
+            <a:normAutofit/>
+          </a:bodyPr>
+          <a:lstStyle/>
+          <a:p>
+            <a:r>
+              <a:rPr lang="en-US" dirty="0"/>
+              <a:t>Homework</a:t>
             </a:r>
           </a:p>
         </p:txBody>
@@ -13676,207 +13813,8 @@
               <a:buNone/>
             </a:pPr>
             <a:r>
-              <a:rPr lang="en-US" sz="2400" dirty="0">
-                <a:latin typeface="Courier New" panose="02070309020205020404" pitchFamily="49" charset="0"/>
-                <a:cs typeface="Courier New" panose="02070309020205020404" pitchFamily="49" charset="0"/>
-              </a:rPr>
-              <a:t>for (</a:t>
-            </a:r>
-            <a:r>
-              <a:rPr lang="en-US" sz="2400" dirty="0" err="1">
-                <a:latin typeface="Courier New" panose="02070309020205020404" pitchFamily="49" charset="0"/>
-                <a:cs typeface="Courier New" panose="02070309020205020404" pitchFamily="49" charset="0"/>
-              </a:rPr>
-              <a:t>int</a:t>
-            </a:r>
-            <a:r>
-              <a:rPr lang="en-US" sz="2400" dirty="0">
-                <a:latin typeface="Courier New" panose="02070309020205020404" pitchFamily="49" charset="0"/>
-                <a:cs typeface="Courier New" panose="02070309020205020404" pitchFamily="49" charset="0"/>
-              </a:rPr>
-              <a:t> </a:t>
-            </a:r>
-            <a:r>
-              <a:rPr lang="en-US" sz="2400" dirty="0" err="1">
-                <a:latin typeface="Courier New" panose="02070309020205020404" pitchFamily="49" charset="0"/>
-                <a:cs typeface="Courier New" panose="02070309020205020404" pitchFamily="49" charset="0"/>
-              </a:rPr>
-              <a:t>i</a:t>
-            </a:r>
-            <a:r>
-              <a:rPr lang="en-US" sz="2400" dirty="0">
-                <a:latin typeface="Courier New" panose="02070309020205020404" pitchFamily="49" charset="0"/>
-                <a:cs typeface="Courier New" panose="02070309020205020404" pitchFamily="49" charset="0"/>
-              </a:rPr>
-              <a:t> = 1; </a:t>
-            </a:r>
-            <a:r>
-              <a:rPr lang="en-US" sz="2400" dirty="0" err="1">
-                <a:latin typeface="Courier New" panose="02070309020205020404" pitchFamily="49" charset="0"/>
-                <a:cs typeface="Courier New" panose="02070309020205020404" pitchFamily="49" charset="0"/>
-              </a:rPr>
-              <a:t>i</a:t>
-            </a:r>
-            <a:r>
-              <a:rPr lang="en-US" sz="2400" dirty="0">
-                <a:latin typeface="Courier New" panose="02070309020205020404" pitchFamily="49" charset="0"/>
-                <a:cs typeface="Courier New" panose="02070309020205020404" pitchFamily="49" charset="0"/>
-              </a:rPr>
-              <a:t> &lt;= 3; </a:t>
-            </a:r>
-            <a:r>
-              <a:rPr lang="en-US" sz="2400" dirty="0" err="1">
-                <a:latin typeface="Courier New" panose="02070309020205020404" pitchFamily="49" charset="0"/>
-                <a:cs typeface="Courier New" panose="02070309020205020404" pitchFamily="49" charset="0"/>
-              </a:rPr>
-              <a:t>i</a:t>
-            </a:r>
-            <a:r>
-              <a:rPr lang="en-US" sz="2400" dirty="0">
-                <a:latin typeface="Courier New" panose="02070309020205020404" pitchFamily="49" charset="0"/>
-                <a:cs typeface="Courier New" panose="02070309020205020404" pitchFamily="49" charset="0"/>
-              </a:rPr>
-              <a:t>++) {</a:t>
-            </a:r>
-          </a:p>
-          <a:p>
-            <a:pPr marL="0" indent="0">
-              <a:buNone/>
-            </a:pPr>
-            <a:endParaRPr lang="en-US" sz="2400" dirty="0">
-              <a:latin typeface="Courier New" panose="02070309020205020404" pitchFamily="49" charset="0"/>
-              <a:cs typeface="Courier New" panose="02070309020205020404" pitchFamily="49" charset="0"/>
-            </a:endParaRPr>
-          </a:p>
-          <a:p>
-            <a:pPr marL="0" indent="0">
-              <a:buNone/>
-            </a:pPr>
-            <a:r>
-              <a:rPr lang="en-US" sz="2400" dirty="0">
-                <a:latin typeface="Courier New" panose="02070309020205020404" pitchFamily="49" charset="0"/>
-                <a:cs typeface="Courier New" panose="02070309020205020404" pitchFamily="49" charset="0"/>
-              </a:rPr>
-              <a:t>	for (</a:t>
-            </a:r>
-            <a:r>
-              <a:rPr lang="en-US" sz="2400" dirty="0" err="1">
-                <a:latin typeface="Courier New" panose="02070309020205020404" pitchFamily="49" charset="0"/>
-                <a:cs typeface="Courier New" panose="02070309020205020404" pitchFamily="49" charset="0"/>
-              </a:rPr>
-              <a:t>int</a:t>
-            </a:r>
-            <a:r>
-              <a:rPr lang="en-US" sz="2400" dirty="0">
-                <a:latin typeface="Courier New" panose="02070309020205020404" pitchFamily="49" charset="0"/>
-                <a:cs typeface="Courier New" panose="02070309020205020404" pitchFamily="49" charset="0"/>
-              </a:rPr>
-              <a:t> j = 1; j &lt;= 3; </a:t>
-            </a:r>
-            <a:r>
-              <a:rPr lang="en-US" sz="2400" dirty="0" err="1">
-                <a:latin typeface="Courier New" panose="02070309020205020404" pitchFamily="49" charset="0"/>
-                <a:cs typeface="Courier New" panose="02070309020205020404" pitchFamily="49" charset="0"/>
-              </a:rPr>
-              <a:t>j++</a:t>
-            </a:r>
-            <a:r>
-              <a:rPr lang="en-US" sz="2400" dirty="0">
-                <a:latin typeface="Courier New" panose="02070309020205020404" pitchFamily="49" charset="0"/>
-                <a:cs typeface="Courier New" panose="02070309020205020404" pitchFamily="49" charset="0"/>
-              </a:rPr>
-              <a:t>) {</a:t>
-            </a:r>
-          </a:p>
-          <a:p>
-            <a:pPr marL="0" indent="0">
-              <a:buNone/>
-            </a:pPr>
-            <a:br>
-              <a:rPr lang="en-US" sz="2400" dirty="0">
-                <a:latin typeface="Courier New" panose="02070309020205020404" pitchFamily="49" charset="0"/>
-                <a:cs typeface="Courier New" panose="02070309020205020404" pitchFamily="49" charset="0"/>
-              </a:rPr>
-            </a:br>
-            <a:r>
-              <a:rPr lang="en-US" sz="2400" dirty="0">
-                <a:latin typeface="Courier New" panose="02070309020205020404" pitchFamily="49" charset="0"/>
-                <a:cs typeface="Courier New" panose="02070309020205020404" pitchFamily="49" charset="0"/>
-              </a:rPr>
-              <a:t>		</a:t>
-            </a:r>
-            <a:r>
-              <a:rPr lang="en-US" sz="2400" dirty="0" err="1">
-                <a:latin typeface="Courier New" panose="02070309020205020404" pitchFamily="49" charset="0"/>
-                <a:cs typeface="Courier New" panose="02070309020205020404" pitchFamily="49" charset="0"/>
-              </a:rPr>
-              <a:t>System.out.println</a:t>
-            </a:r>
-            <a:r>
-              <a:rPr lang="en-US" sz="2400" dirty="0">
-                <a:latin typeface="Courier New" panose="02070309020205020404" pitchFamily="49" charset="0"/>
-                <a:cs typeface="Courier New" panose="02070309020205020404" pitchFamily="49" charset="0"/>
-              </a:rPr>
-              <a:t>(“</a:t>
-            </a:r>
-            <a:r>
-              <a:rPr lang="en-US" sz="2400" dirty="0" err="1">
-                <a:latin typeface="Courier New" panose="02070309020205020404" pitchFamily="49" charset="0"/>
-                <a:cs typeface="Courier New" panose="02070309020205020404" pitchFamily="49" charset="0"/>
-              </a:rPr>
-              <a:t>Calacas</a:t>
-            </a:r>
-            <a:r>
-              <a:rPr lang="en-US" sz="2400" dirty="0">
-                <a:latin typeface="Courier New" panose="02070309020205020404" pitchFamily="49" charset="0"/>
-                <a:cs typeface="Courier New" panose="02070309020205020404" pitchFamily="49" charset="0"/>
-              </a:rPr>
-              <a:t> y Calaveras!”);</a:t>
-            </a:r>
-          </a:p>
-          <a:p>
-            <a:pPr marL="0" indent="0">
-              <a:buNone/>
-            </a:pPr>
-            <a:r>
-              <a:rPr lang="en-US" sz="2400" dirty="0">
-                <a:latin typeface="Courier New" panose="02070309020205020404" pitchFamily="49" charset="0"/>
-                <a:cs typeface="Courier New" panose="02070309020205020404" pitchFamily="49" charset="0"/>
-              </a:rPr>
-              <a:t>	</a:t>
-            </a:r>
-          </a:p>
-          <a:p>
-            <a:pPr marL="0" indent="0">
-              <a:buNone/>
-            </a:pPr>
-            <a:r>
-              <a:rPr lang="en-US" sz="2400" dirty="0">
-                <a:latin typeface="Courier New" panose="02070309020205020404" pitchFamily="49" charset="0"/>
-                <a:cs typeface="Courier New" panose="02070309020205020404" pitchFamily="49" charset="0"/>
-              </a:rPr>
-              <a:t>	}</a:t>
-            </a:r>
-          </a:p>
-          <a:p>
-            <a:pPr marL="0" indent="0">
-              <a:buNone/>
-            </a:pPr>
-            <a:endParaRPr lang="en-US" sz="2400" dirty="0">
-              <a:latin typeface="Courier New" panose="02070309020205020404" pitchFamily="49" charset="0"/>
-              <a:cs typeface="Courier New" panose="02070309020205020404" pitchFamily="49" charset="0"/>
-            </a:endParaRPr>
-          </a:p>
-          <a:p>
-            <a:pPr marL="0" indent="0">
-              <a:buNone/>
-            </a:pPr>
-            <a:r>
-              <a:rPr lang="en-US" sz="2400" dirty="0">
-                <a:latin typeface="Courier New" panose="02070309020205020404" pitchFamily="49" charset="0"/>
-                <a:cs typeface="Courier New" panose="02070309020205020404" pitchFamily="49" charset="0"/>
-              </a:rPr>
-              <a:t>}</a:t>
+              <a:rPr lang="en-US" dirty="0"/>
+              <a:t>Read HW 2.4 “Scope” and “Pseudocode”</a:t>
             </a:r>
           </a:p>
           <a:p>
@@ -13884,13 +13822,45 @@
               <a:buNone/>
             </a:pPr>
             <a:endParaRPr lang="en-US" dirty="0"/>
+          </a:p>
+          <a:p>
+            <a:pPr marL="0" indent="0">
+              <a:buNone/>
+            </a:pPr>
+            <a:r>
+              <a:rPr lang="en-US" dirty="0"/>
+              <a:t>Complete chapter 2 self-check questions 26, 27 (4</a:t>
+            </a:r>
+            <a:r>
+              <a:rPr lang="en-US" baseline="30000" dirty="0"/>
+              <a:t>th</a:t>
+            </a:r>
+            <a:r>
+              <a:rPr lang="en-US" dirty="0"/>
+              <a:t> edition: 29, 30)</a:t>
+            </a:r>
+          </a:p>
+          <a:p>
+            <a:pPr marL="0" indent="0">
+              <a:buNone/>
+            </a:pPr>
+            <a:endParaRPr lang="en-US" dirty="0"/>
+          </a:p>
+          <a:p>
+            <a:pPr marL="0" indent="0">
+              <a:buNone/>
+            </a:pPr>
+            <a:r>
+              <a:rPr lang="en-US" dirty="0"/>
+              <a:t>and exercise 4. </a:t>
+            </a:r>
           </a:p>
         </p:txBody>
       </p:sp>
     </p:spTree>
     <p:extLst>
       <p:ext uri="{BB962C8B-B14F-4D97-AF65-F5344CB8AC3E}">
-        <p14:creationId xmlns:p14="http://schemas.microsoft.com/office/powerpoint/2010/main" val="2382473146"/>
+        <p14:creationId xmlns:p14="http://schemas.microsoft.com/office/powerpoint/2010/main" val="3513839083"/>
       </p:ext>
     </p:extLst>
   </p:cSld>
@@ -13924,226 +13894,47 @@
             <a:spLocks noGrp="1"/>
           </p:cNvSpPr>
           <p:nvPr>
-            <p:ph type="title"/>
-          </p:nvPr>
-        </p:nvSpPr>
-        <p:spPr/>
-        <p:txBody>
-          <a:bodyPr/>
-          <a:lstStyle/>
-          <a:p>
-            <a:r>
-              <a:rPr lang="en-US" dirty="0"/>
-              <a:t>Code from yesterday:</a:t>
-            </a:r>
-          </a:p>
-        </p:txBody>
-      </p:sp>
-      <p:sp>
-        <p:nvSpPr>
-          <p:cNvPr id="3" name="Content Placeholder 2"/>
-          <p:cNvSpPr>
-            <a:spLocks noGrp="1"/>
-          </p:cNvSpPr>
-          <p:nvPr>
-            <p:ph idx="1"/>
-          </p:nvPr>
-        </p:nvSpPr>
-        <p:spPr/>
-        <p:txBody>
-          <a:bodyPr/>
-          <a:lstStyle/>
-          <a:p>
-            <a:pPr marL="0" indent="0">
-              <a:buNone/>
-            </a:pPr>
-            <a:r>
-              <a:rPr lang="en-US" dirty="0">
-                <a:latin typeface="Courier New" panose="02070309020205020404" pitchFamily="49" charset="0"/>
-                <a:cs typeface="Courier New" panose="02070309020205020404" pitchFamily="49" charset="0"/>
-              </a:rPr>
-              <a:t>public class Count1000 {</a:t>
-            </a:r>
-          </a:p>
-          <a:p>
-            <a:pPr marL="0" indent="0">
-              <a:buNone/>
-            </a:pPr>
-            <a:r>
-              <a:rPr lang="en-US" dirty="0">
-                <a:latin typeface="Courier New" panose="02070309020205020404" pitchFamily="49" charset="0"/>
-                <a:cs typeface="Courier New" panose="02070309020205020404" pitchFamily="49" charset="0"/>
-              </a:rPr>
-              <a:t>	public static void main(String[] </a:t>
-            </a:r>
-            <a:r>
-              <a:rPr lang="en-US" dirty="0" err="1">
-                <a:latin typeface="Courier New" panose="02070309020205020404" pitchFamily="49" charset="0"/>
-                <a:cs typeface="Courier New" panose="02070309020205020404" pitchFamily="49" charset="0"/>
-              </a:rPr>
-              <a:t>args</a:t>
-            </a:r>
-            <a:r>
-              <a:rPr lang="en-US" dirty="0">
-                <a:latin typeface="Courier New" panose="02070309020205020404" pitchFamily="49" charset="0"/>
-                <a:cs typeface="Courier New" panose="02070309020205020404" pitchFamily="49" charset="0"/>
-              </a:rPr>
-              <a:t>) {</a:t>
-            </a:r>
-          </a:p>
-          <a:p>
-            <a:pPr marL="0" indent="0">
-              <a:buNone/>
-            </a:pPr>
-            <a:r>
-              <a:rPr lang="en-US" dirty="0">
-                <a:latin typeface="Courier New" panose="02070309020205020404" pitchFamily="49" charset="0"/>
-                <a:cs typeface="Courier New" panose="02070309020205020404" pitchFamily="49" charset="0"/>
-              </a:rPr>
-              <a:t>		for(</a:t>
-            </a:r>
-            <a:r>
-              <a:rPr lang="en-US" dirty="0" err="1">
-                <a:latin typeface="Courier New" panose="02070309020205020404" pitchFamily="49" charset="0"/>
-                <a:cs typeface="Courier New" panose="02070309020205020404" pitchFamily="49" charset="0"/>
-              </a:rPr>
-              <a:t>int</a:t>
-            </a:r>
-            <a:r>
-              <a:rPr lang="en-US" dirty="0">
-                <a:latin typeface="Courier New" panose="02070309020205020404" pitchFamily="49" charset="0"/>
-                <a:cs typeface="Courier New" panose="02070309020205020404" pitchFamily="49" charset="0"/>
-              </a:rPr>
-              <a:t> </a:t>
-            </a:r>
-            <a:r>
-              <a:rPr lang="en-US" dirty="0" err="1">
-                <a:latin typeface="Courier New" panose="02070309020205020404" pitchFamily="49" charset="0"/>
-                <a:cs typeface="Courier New" panose="02070309020205020404" pitchFamily="49" charset="0"/>
-              </a:rPr>
-              <a:t>i</a:t>
-            </a:r>
-            <a:r>
-              <a:rPr lang="en-US" dirty="0">
-                <a:latin typeface="Courier New" panose="02070309020205020404" pitchFamily="49" charset="0"/>
-                <a:cs typeface="Courier New" panose="02070309020205020404" pitchFamily="49" charset="0"/>
-              </a:rPr>
-              <a:t> = 1; </a:t>
-            </a:r>
-            <a:r>
-              <a:rPr lang="en-US" dirty="0" err="1">
-                <a:latin typeface="Courier New" panose="02070309020205020404" pitchFamily="49" charset="0"/>
-                <a:cs typeface="Courier New" panose="02070309020205020404" pitchFamily="49" charset="0"/>
-              </a:rPr>
-              <a:t>i</a:t>
-            </a:r>
-            <a:r>
-              <a:rPr lang="en-US" dirty="0">
-                <a:latin typeface="Courier New" panose="02070309020205020404" pitchFamily="49" charset="0"/>
-                <a:cs typeface="Courier New" panose="02070309020205020404" pitchFamily="49" charset="0"/>
-              </a:rPr>
-              <a:t> &lt; 1000; </a:t>
-            </a:r>
-            <a:r>
-              <a:rPr lang="en-US" dirty="0" err="1">
-                <a:latin typeface="Courier New" panose="02070309020205020404" pitchFamily="49" charset="0"/>
-                <a:cs typeface="Courier New" panose="02070309020205020404" pitchFamily="49" charset="0"/>
-              </a:rPr>
-              <a:t>i</a:t>
-            </a:r>
-            <a:r>
-              <a:rPr lang="en-US" dirty="0">
-                <a:latin typeface="Courier New" panose="02070309020205020404" pitchFamily="49" charset="0"/>
-                <a:cs typeface="Courier New" panose="02070309020205020404" pitchFamily="49" charset="0"/>
-              </a:rPr>
-              <a:t>++) {</a:t>
-            </a:r>
-          </a:p>
-          <a:p>
-            <a:pPr marL="0" indent="0">
-              <a:buNone/>
-            </a:pPr>
-            <a:r>
-              <a:rPr lang="en-US" dirty="0">
-                <a:latin typeface="Courier New" panose="02070309020205020404" pitchFamily="49" charset="0"/>
-                <a:cs typeface="Courier New" panose="02070309020205020404" pitchFamily="49" charset="0"/>
-              </a:rPr>
-              <a:t>			</a:t>
-            </a:r>
-            <a:r>
-              <a:rPr lang="en-US" dirty="0" err="1">
-                <a:latin typeface="Courier New" panose="02070309020205020404" pitchFamily="49" charset="0"/>
-                <a:cs typeface="Courier New" panose="02070309020205020404" pitchFamily="49" charset="0"/>
-              </a:rPr>
-              <a:t>System.out.println</a:t>
-            </a:r>
-            <a:r>
-              <a:rPr lang="en-US" dirty="0">
-                <a:latin typeface="Courier New" panose="02070309020205020404" pitchFamily="49" charset="0"/>
-                <a:cs typeface="Courier New" panose="02070309020205020404" pitchFamily="49" charset="0"/>
-              </a:rPr>
-              <a:t>(</a:t>
-            </a:r>
-            <a:r>
-              <a:rPr lang="en-US" dirty="0" err="1">
-                <a:latin typeface="Courier New" panose="02070309020205020404" pitchFamily="49" charset="0"/>
-                <a:cs typeface="Courier New" panose="02070309020205020404" pitchFamily="49" charset="0"/>
-              </a:rPr>
-              <a:t>i</a:t>
-            </a:r>
-            <a:r>
-              <a:rPr lang="en-US" dirty="0">
-                <a:latin typeface="Courier New" panose="02070309020205020404" pitchFamily="49" charset="0"/>
-                <a:cs typeface="Courier New" panose="02070309020205020404" pitchFamily="49" charset="0"/>
-              </a:rPr>
-              <a:t>);</a:t>
-            </a:r>
-          </a:p>
-          <a:p>
-            <a:pPr marL="0" indent="0">
-              <a:buNone/>
-            </a:pPr>
-            <a:r>
-              <a:rPr lang="en-US" dirty="0">
-                <a:latin typeface="Courier New" panose="02070309020205020404" pitchFamily="49" charset="0"/>
-                <a:cs typeface="Courier New" panose="02070309020205020404" pitchFamily="49" charset="0"/>
-              </a:rPr>
-              <a:t>		}</a:t>
-            </a:r>
-          </a:p>
-          <a:p>
-            <a:pPr marL="0" indent="0">
-              <a:buNone/>
-            </a:pPr>
-            <a:r>
-              <a:rPr lang="en-US" dirty="0">
-                <a:latin typeface="Courier New" panose="02070309020205020404" pitchFamily="49" charset="0"/>
-                <a:cs typeface="Courier New" panose="02070309020205020404" pitchFamily="49" charset="0"/>
-              </a:rPr>
-              <a:t>	}</a:t>
-            </a:r>
-          </a:p>
-          <a:p>
-            <a:pPr marL="0" indent="0">
-              <a:buNone/>
-            </a:pPr>
-            <a:r>
-              <a:rPr lang="en-US" dirty="0">
-                <a:latin typeface="Courier New" panose="02070309020205020404" pitchFamily="49" charset="0"/>
-                <a:cs typeface="Courier New" panose="02070309020205020404" pitchFamily="49" charset="0"/>
-              </a:rPr>
-              <a:t>}</a:t>
-            </a:r>
-          </a:p>
-          <a:p>
-            <a:endParaRPr lang="en-US" dirty="0"/>
+            <p:ph type="ctrTitle"/>
+          </p:nvPr>
+        </p:nvSpPr>
+        <p:spPr/>
+        <p:txBody>
+          <a:bodyPr/>
+          <a:lstStyle/>
+          <a:p>
+            <a:r>
+              <a:rPr lang="en-US" dirty="0"/>
+              <a:t>Scope and Pseudocode</a:t>
+            </a:r>
+          </a:p>
+        </p:txBody>
+      </p:sp>
+      <p:sp>
+        <p:nvSpPr>
+          <p:cNvPr id="3" name="Subtitle 2"/>
+          <p:cNvSpPr>
+            <a:spLocks noGrp="1"/>
+          </p:cNvSpPr>
+          <p:nvPr>
+            <p:ph type="subTitle" idx="1"/>
+          </p:nvPr>
+        </p:nvSpPr>
+        <p:spPr/>
+        <p:txBody>
+          <a:bodyPr/>
+          <a:lstStyle/>
+          <a:p>
+            <a:r>
+              <a:rPr lang="en-US" dirty="0"/>
+              <a:t>[ 2.07 ] [ Today’s Date ] [ Instructor Name ]</a:t>
+            </a:r>
           </a:p>
         </p:txBody>
       </p:sp>
     </p:spTree>
     <p:extLst>
       <p:ext uri="{BB962C8B-B14F-4D97-AF65-F5344CB8AC3E}">
-        <p14:creationId xmlns:p14="http://schemas.microsoft.com/office/powerpoint/2010/main" val="1909414872"/>
+        <p14:creationId xmlns:p14="http://schemas.microsoft.com/office/powerpoint/2010/main" val="1371718037"/>
       </p:ext>
     </p:extLst>
   </p:cSld>
@@ -14172,7 +13963,7 @@
       </p:grpSpPr>
       <p:sp>
         <p:nvSpPr>
-          <p:cNvPr id="4" name="Title 3"/>
+          <p:cNvPr id="2" name="Title 1"/>
           <p:cNvSpPr>
             <a:spLocks noGrp="1"/>
           </p:cNvSpPr>
@@ -14180,7 +13971,12 @@
             <p:ph type="ctrTitle"/>
           </p:nvPr>
         </p:nvSpPr>
-        <p:spPr/>
+        <p:spPr>
+          <a:xfrm>
+            <a:off x="1524000" y="1385831"/>
+            <a:ext cx="9144000" cy="2387600"/>
+          </a:xfrm>
+        </p:spPr>
         <p:txBody>
           <a:bodyPr>
             <a:normAutofit/>
@@ -14189,44 +13985,15 @@
           <a:p>
             <a:r>
               <a:rPr lang="en-US" sz="5000" dirty="0"/>
-              <a:t>Practice-It</a:t>
-            </a:r>
-          </a:p>
-        </p:txBody>
-      </p:sp>
-      <p:sp>
-        <p:nvSpPr>
-          <p:cNvPr id="5" name="Subtitle 4"/>
-          <p:cNvSpPr>
-            <a:spLocks noGrp="1"/>
-          </p:cNvSpPr>
-          <p:nvPr>
-            <p:ph type="subTitle" idx="1"/>
-          </p:nvPr>
-        </p:nvSpPr>
-        <p:spPr/>
-        <p:txBody>
-          <a:bodyPr/>
-          <a:lstStyle/>
-          <a:p>
-            <a:r>
-              <a:rPr lang="en-US" dirty="0"/>
-              <a:t>starExclamation1, 2, 3</a:t>
-            </a:r>
-          </a:p>
-          <a:p>
-            <a:r>
-              <a:rPr lang="en-US" dirty="0" err="1"/>
-              <a:t>starTriangle</a:t>
-            </a:r>
-            <a:endParaRPr lang="en-US" dirty="0"/>
+              <a:t>Worksheet</a:t>
+            </a:r>
           </a:p>
         </p:txBody>
       </p:sp>
     </p:spTree>
     <p:extLst>
       <p:ext uri="{BB962C8B-B14F-4D97-AF65-F5344CB8AC3E}">
-        <p14:creationId xmlns:p14="http://schemas.microsoft.com/office/powerpoint/2010/main" val="2045344561"/>
+        <p14:creationId xmlns:p14="http://schemas.microsoft.com/office/powerpoint/2010/main" val="752878623"/>
       </p:ext>
     </p:extLst>
   </p:cSld>
@@ -14463,7 +14230,7 @@
             </a:pPr>
             <a:r>
               <a:rPr lang="en-US" dirty="0"/>
-              <a:t>Read HW 2.4 “Scope” and “Pseudocode”</a:t>
+              <a:t>Read HW 2.4 “Class Constants”</a:t>
             </a:r>
           </a:p>
           <a:p>
@@ -14478,7 +14245,7 @@
             </a:pPr>
             <a:r>
               <a:rPr lang="en-US" dirty="0"/>
-              <a:t>Complete chapter 2 self-check questions 26, 27 (4</a:t>
+              <a:t>Complete chapter 2 self-check questions 31-33 (4</a:t>
             </a:r>
             <a:r>
               <a:rPr lang="en-US" baseline="30000" dirty="0"/>
@@ -14486,30 +14253,20 @@
             </a:r>
             <a:r>
               <a:rPr lang="en-US" dirty="0"/>
-              <a:t> edition: 29, 30)</a:t>
-            </a:r>
-          </a:p>
-          <a:p>
-            <a:pPr marL="0" indent="0">
-              <a:buNone/>
-            </a:pPr>
+              <a:t> edition: </a:t>
+            </a:r>
+            <a:r>
+              <a:rPr lang="en-US"/>
+              <a:t>34-36)</a:t>
+            </a:r>
             <a:endParaRPr lang="en-US" dirty="0"/>
-          </a:p>
-          <a:p>
-            <a:pPr marL="0" indent="0">
-              <a:buNone/>
-            </a:pPr>
-            <a:r>
-              <a:rPr lang="en-US" dirty="0"/>
-              <a:t>and exercise 4. </a:t>
-            </a:r>
           </a:p>
         </p:txBody>
       </p:sp>
     </p:spTree>
     <p:extLst>
       <p:ext uri="{BB962C8B-B14F-4D97-AF65-F5344CB8AC3E}">
-        <p14:creationId xmlns:p14="http://schemas.microsoft.com/office/powerpoint/2010/main" val="3513839083"/>
+        <p14:creationId xmlns:p14="http://schemas.microsoft.com/office/powerpoint/2010/main" val="2004732127"/>
       </p:ext>
     </p:extLst>
   </p:cSld>
@@ -14546,36 +14303,21 @@
             <p:ph type="ctrTitle"/>
           </p:nvPr>
         </p:nvSpPr>
-        <p:spPr/>
-        <p:txBody>
-          <a:bodyPr/>
-          <a:lstStyle/>
-          <a:p>
-            <a:r>
-              <a:rPr lang="en-US" dirty="0"/>
-              <a:t>Scope and Pseudocode</a:t>
-            </a:r>
-          </a:p>
-        </p:txBody>
-      </p:sp>
-      <p:sp>
-        <p:nvSpPr>
-          <p:cNvPr id="3" name="Subtitle 2"/>
-          <p:cNvSpPr>
-            <a:spLocks noGrp="1"/>
-          </p:cNvSpPr>
-          <p:nvPr>
-            <p:ph type="subTitle" idx="1"/>
-          </p:nvPr>
-        </p:nvSpPr>
-        <p:spPr/>
-        <p:txBody>
-          <a:bodyPr/>
-          <a:lstStyle/>
-          <a:p>
-            <a:r>
-              <a:rPr lang="en-US" dirty="0"/>
-              <a:t>[ 2.07 ] [ Today’s Date ] [ Instructor Name ]</a:t>
+        <p:spPr>
+          <a:xfrm>
+            <a:off x="1524000" y="1385831"/>
+            <a:ext cx="9144000" cy="2387600"/>
+          </a:xfrm>
+        </p:spPr>
+        <p:txBody>
+          <a:bodyPr>
+            <a:normAutofit/>
+          </a:bodyPr>
+          <a:lstStyle/>
+          <a:p>
+            <a:r>
+              <a:rPr lang="en-US" sz="5000" dirty="0"/>
+              <a:t>Programming Project 1</a:t>
             </a:r>
           </a:p>
         </p:txBody>
@@ -14583,7 +14325,7 @@
     </p:spTree>
     <p:extLst>
       <p:ext uri="{BB962C8B-B14F-4D97-AF65-F5344CB8AC3E}">
-        <p14:creationId xmlns:p14="http://schemas.microsoft.com/office/powerpoint/2010/main" val="1371718037"/>
+        <p14:creationId xmlns:p14="http://schemas.microsoft.com/office/powerpoint/2010/main" val="3273659807"/>
       </p:ext>
     </p:extLst>
   </p:cSld>
@@ -14617,15 +14359,10 @@
             <a:spLocks noGrp="1"/>
           </p:cNvSpPr>
           <p:nvPr>
-            <p:ph type="ctrTitle"/>
-          </p:nvPr>
-        </p:nvSpPr>
-        <p:spPr>
-          <a:xfrm>
-            <a:off x="1524000" y="1385831"/>
-            <a:ext cx="9144000" cy="2387600"/>
-          </a:xfrm>
-        </p:spPr>
+            <p:ph type="title"/>
+          </p:nvPr>
+        </p:nvSpPr>
+        <p:spPr/>
         <p:txBody>
           <a:bodyPr>
             <a:normAutofit/>
@@ -14633,8 +14370,70 @@
           <a:lstStyle/>
           <a:p>
             <a:r>
-              <a:rPr lang="en-US" sz="5000" dirty="0"/>
-              <a:t>Worksheet</a:t>
+              <a:rPr lang="en-US" dirty="0"/>
+              <a:t>Homework</a:t>
+            </a:r>
+          </a:p>
+        </p:txBody>
+      </p:sp>
+      <p:sp>
+        <p:nvSpPr>
+          <p:cNvPr id="3" name="Content Placeholder 2"/>
+          <p:cNvSpPr>
+            <a:spLocks noGrp="1"/>
+          </p:cNvSpPr>
+          <p:nvPr>
+            <p:ph idx="1"/>
+          </p:nvPr>
+        </p:nvSpPr>
+        <p:spPr/>
+        <p:txBody>
+          <a:bodyPr/>
+          <a:lstStyle/>
+          <a:p>
+            <a:pPr marL="0" indent="0">
+              <a:buNone/>
+            </a:pPr>
+            <a:r>
+              <a:rPr lang="en-US" dirty="0"/>
+              <a:t>Read HW 2.4 “Pseudocode” if you haven’t already.</a:t>
+            </a:r>
+          </a:p>
+          <a:p>
+            <a:pPr marL="0" indent="0">
+              <a:buNone/>
+            </a:pPr>
+            <a:endParaRPr lang="en-US" dirty="0"/>
+          </a:p>
+          <a:p>
+            <a:pPr marL="0" indent="0">
+              <a:buNone/>
+            </a:pPr>
+            <a:r>
+              <a:rPr lang="en-US" dirty="0"/>
+              <a:t>Complete chapter 2 self-check questions 31-33.</a:t>
+            </a:r>
+          </a:p>
+          <a:p>
+            <a:pPr marL="0" indent="0">
+              <a:buNone/>
+            </a:pPr>
+            <a:endParaRPr lang="en-US" dirty="0"/>
+          </a:p>
+          <a:p>
+            <a:pPr marL="0" indent="0">
+              <a:buNone/>
+            </a:pPr>
+            <a:r>
+              <a:rPr lang="en-US" dirty="0"/>
+              <a:t>Note check for completion, adding daily summaries if needed.</a:t>
+            </a:r>
+          </a:p>
+          <a:p>
+            <a:pPr lvl="1"/>
+            <a:r>
+              <a:rPr lang="en-US" dirty="0"/>
+              <a:t>Students may use their book to supplement their notes. </a:t>
             </a:r>
           </a:p>
         </p:txBody>
@@ -14642,7 +14441,7 @@
     </p:spTree>
     <p:extLst>
       <p:ext uri="{BB962C8B-B14F-4D97-AF65-F5344CB8AC3E}">
-        <p14:creationId xmlns:p14="http://schemas.microsoft.com/office/powerpoint/2010/main" val="752878623"/>
+        <p14:creationId xmlns:p14="http://schemas.microsoft.com/office/powerpoint/2010/main" val="3228716705"/>
       </p:ext>
     </p:extLst>
   </p:cSld>
@@ -14676,80 +14475,47 @@
             <a:spLocks noGrp="1"/>
           </p:cNvSpPr>
           <p:nvPr>
-            <p:ph type="title"/>
-          </p:nvPr>
-        </p:nvSpPr>
-        <p:spPr/>
-        <p:txBody>
-          <a:bodyPr>
-            <a:normAutofit/>
-          </a:bodyPr>
-          <a:lstStyle/>
-          <a:p>
-            <a:r>
-              <a:rPr lang="en-US" dirty="0"/>
-              <a:t>Homework</a:t>
-            </a:r>
-          </a:p>
-        </p:txBody>
-      </p:sp>
-      <p:sp>
-        <p:nvSpPr>
-          <p:cNvPr id="3" name="Content Placeholder 2"/>
-          <p:cNvSpPr>
-            <a:spLocks noGrp="1"/>
-          </p:cNvSpPr>
-          <p:nvPr>
-            <p:ph idx="1"/>
-          </p:nvPr>
-        </p:nvSpPr>
-        <p:spPr/>
-        <p:txBody>
-          <a:bodyPr/>
-          <a:lstStyle/>
-          <a:p>
-            <a:pPr marL="0" indent="0">
-              <a:buNone/>
-            </a:pPr>
-            <a:r>
-              <a:rPr lang="en-US" dirty="0"/>
-              <a:t>Read HW 2.4 “Class Constants”</a:t>
-            </a:r>
-          </a:p>
-          <a:p>
-            <a:pPr marL="0" indent="0">
-              <a:buNone/>
-            </a:pPr>
-            <a:endParaRPr lang="en-US" dirty="0"/>
-          </a:p>
-          <a:p>
-            <a:pPr marL="0" indent="0">
-              <a:buNone/>
-            </a:pPr>
-            <a:r>
-              <a:rPr lang="en-US" dirty="0"/>
-              <a:t>Complete chapter 2 self-check questions 31-33 (4</a:t>
-            </a:r>
-            <a:r>
-              <a:rPr lang="en-US" baseline="30000" dirty="0"/>
-              <a:t>th</a:t>
-            </a:r>
-            <a:r>
-              <a:rPr lang="en-US" dirty="0"/>
-              <a:t> edition: </a:t>
-            </a:r>
-            <a:r>
-              <a:rPr lang="en-US"/>
-              <a:t>34-36)</a:t>
-            </a:r>
-            <a:endParaRPr lang="en-US" dirty="0"/>
+            <p:ph type="ctrTitle"/>
+          </p:nvPr>
+        </p:nvSpPr>
+        <p:spPr/>
+        <p:txBody>
+          <a:bodyPr/>
+          <a:lstStyle/>
+          <a:p>
+            <a:r>
+              <a:rPr lang="en-US" dirty="0"/>
+              <a:t>Programming Project</a:t>
+            </a:r>
+          </a:p>
+        </p:txBody>
+      </p:sp>
+      <p:sp>
+        <p:nvSpPr>
+          <p:cNvPr id="3" name="Subtitle 2"/>
+          <p:cNvSpPr>
+            <a:spLocks noGrp="1"/>
+          </p:cNvSpPr>
+          <p:nvPr>
+            <p:ph type="subTitle" idx="1"/>
+          </p:nvPr>
+        </p:nvSpPr>
+        <p:spPr/>
+        <p:txBody>
+          <a:bodyPr/>
+          <a:lstStyle/>
+          <a:p>
+            <a:r>
+              <a:rPr lang="en-US" dirty="0"/>
+              <a:t>[ 2.09 ] [ Today’s Date ] [ Instructor Name ]</a:t>
+            </a:r>
           </a:p>
         </p:txBody>
       </p:sp>
     </p:spTree>
     <p:extLst>
       <p:ext uri="{BB962C8B-B14F-4D97-AF65-F5344CB8AC3E}">
-        <p14:creationId xmlns:p14="http://schemas.microsoft.com/office/powerpoint/2010/main" val="2004732127"/>
+        <p14:creationId xmlns:p14="http://schemas.microsoft.com/office/powerpoint/2010/main" val="816088269"/>
       </p:ext>
     </p:extLst>
   </p:cSld>
@@ -14783,32 +14549,350 @@
             <a:spLocks noGrp="1"/>
           </p:cNvSpPr>
           <p:nvPr>
-            <p:ph type="ctrTitle"/>
-          </p:nvPr>
+            <p:ph type="title"/>
+          </p:nvPr>
+        </p:nvSpPr>
+        <p:spPr/>
+        <p:txBody>
+          <a:bodyPr/>
+          <a:lstStyle/>
+          <a:p>
+            <a:r>
+              <a:rPr lang="en-US" dirty="0"/>
+              <a:t>Programming Project</a:t>
+            </a:r>
+          </a:p>
+        </p:txBody>
+      </p:sp>
+      <p:sp>
+        <p:nvSpPr>
+          <p:cNvPr id="3" name="Content Placeholder 2"/>
+          <p:cNvSpPr>
+            <a:spLocks noGrp="1"/>
+          </p:cNvSpPr>
+          <p:nvPr>
+            <p:ph idx="1"/>
+          </p:nvPr>
+        </p:nvSpPr>
+        <p:spPr/>
+        <p:txBody>
+          <a:bodyPr>
+            <a:normAutofit fontScale="92500" lnSpcReduction="10000"/>
+          </a:bodyPr>
+          <a:lstStyle/>
+          <a:p>
+            <a:pPr marL="0" indent="0">
+              <a:buNone/>
+            </a:pPr>
+            <a:r>
+              <a:rPr lang="en-US" sz="2600" dirty="0"/>
+              <a:t>Write a program that produces the following output using nested for loops:</a:t>
+            </a:r>
+          </a:p>
+          <a:p>
+            <a:pPr marL="0" indent="0" algn="ctr">
+              <a:lnSpc>
+                <a:spcPct val="100000"/>
+              </a:lnSpc>
+              <a:spcBef>
+                <a:spcPts val="0"/>
+              </a:spcBef>
+              <a:buNone/>
+            </a:pPr>
+            <a:endParaRPr lang="en-US" sz="1600" dirty="0">
+              <a:latin typeface="Courier New" panose="02070309020205020404" pitchFamily="49" charset="0"/>
+              <a:cs typeface="Courier New" panose="02070309020205020404" pitchFamily="49" charset="0"/>
+            </a:endParaRPr>
+          </a:p>
+          <a:p>
+            <a:pPr marL="0" indent="0" algn="ctr">
+              <a:lnSpc>
+                <a:spcPct val="100000"/>
+              </a:lnSpc>
+              <a:spcBef>
+                <a:spcPts val="0"/>
+              </a:spcBef>
+              <a:buNone/>
+            </a:pPr>
+            <a:endParaRPr lang="en-US" sz="1600" dirty="0">
+              <a:latin typeface="Courier New" panose="02070309020205020404" pitchFamily="49" charset="0"/>
+              <a:cs typeface="Courier New" panose="02070309020205020404" pitchFamily="49" charset="0"/>
+            </a:endParaRPr>
+          </a:p>
+          <a:p>
+            <a:pPr marL="0" indent="0" algn="ctr">
+              <a:lnSpc>
+                <a:spcPct val="100000"/>
+              </a:lnSpc>
+              <a:spcBef>
+                <a:spcPts val="0"/>
+              </a:spcBef>
+              <a:buNone/>
+            </a:pPr>
+            <a:r>
+              <a:rPr lang="en-US" sz="1600" dirty="0">
+                <a:latin typeface="Courier New" panose="02070309020205020404" pitchFamily="49" charset="0"/>
+                <a:cs typeface="Courier New" panose="02070309020205020404" pitchFamily="49" charset="0"/>
+              </a:rPr>
+              <a:t>|””””””””’|</a:t>
+            </a:r>
+          </a:p>
+          <a:p>
+            <a:pPr marL="0" indent="0" algn="ctr">
+              <a:lnSpc>
+                <a:spcPct val="100000"/>
+              </a:lnSpc>
+              <a:spcBef>
+                <a:spcPts val="0"/>
+              </a:spcBef>
+              <a:buNone/>
+            </a:pPr>
+            <a:r>
+              <a:rPr lang="en-US" sz="1600" dirty="0">
+                <a:latin typeface="Courier New" panose="02070309020205020404" pitchFamily="49" charset="0"/>
+                <a:cs typeface="Courier New" panose="02070309020205020404" pitchFamily="49" charset="0"/>
+              </a:rPr>
+              <a:t>\: : : : : : :/</a:t>
+            </a:r>
+          </a:p>
+          <a:p>
+            <a:pPr marL="0" indent="0" algn="ctr">
+              <a:lnSpc>
+                <a:spcPct val="100000"/>
+              </a:lnSpc>
+              <a:spcBef>
+                <a:spcPts val="0"/>
+              </a:spcBef>
+              <a:buNone/>
+            </a:pPr>
+            <a:r>
+              <a:rPr lang="en-US" sz="1600" dirty="0">
+                <a:latin typeface="Courier New" panose="02070309020205020404" pitchFamily="49" charset="0"/>
+                <a:cs typeface="Courier New" panose="02070309020205020404" pitchFamily="49" charset="0"/>
+              </a:rPr>
+              <a:t>\: : : : :/</a:t>
+            </a:r>
+          </a:p>
+          <a:p>
+            <a:pPr marL="0" indent="0" algn="ctr">
+              <a:lnSpc>
+                <a:spcPct val="100000"/>
+              </a:lnSpc>
+              <a:spcBef>
+                <a:spcPts val="0"/>
+              </a:spcBef>
+              <a:buNone/>
+            </a:pPr>
+            <a:r>
+              <a:rPr lang="en-US" sz="1600" dirty="0">
+                <a:latin typeface="Courier New" panose="02070309020205020404" pitchFamily="49" charset="0"/>
+                <a:cs typeface="Courier New" panose="02070309020205020404" pitchFamily="49" charset="0"/>
+              </a:rPr>
+              <a:t>\: : :/</a:t>
+            </a:r>
+          </a:p>
+          <a:p>
+            <a:pPr marL="0" indent="0" algn="ctr">
+              <a:lnSpc>
+                <a:spcPct val="100000"/>
+              </a:lnSpc>
+              <a:spcBef>
+                <a:spcPts val="0"/>
+              </a:spcBef>
+              <a:buNone/>
+            </a:pPr>
+            <a:r>
+              <a:rPr lang="en-US" sz="1600" dirty="0">
+                <a:latin typeface="Courier New" panose="02070309020205020404" pitchFamily="49" charset="0"/>
+                <a:cs typeface="Courier New" panose="02070309020205020404" pitchFamily="49" charset="0"/>
+              </a:rPr>
+              <a:t>\:/</a:t>
+            </a:r>
+          </a:p>
+          <a:p>
+            <a:pPr marL="0" indent="0" algn="ctr">
+              <a:lnSpc>
+                <a:spcPct val="100000"/>
+              </a:lnSpc>
+              <a:spcBef>
+                <a:spcPts val="0"/>
+              </a:spcBef>
+              <a:buNone/>
+            </a:pPr>
+            <a:r>
+              <a:rPr lang="en-US" sz="1600" dirty="0">
+                <a:latin typeface="Courier New" panose="02070309020205020404" pitchFamily="49" charset="0"/>
+                <a:cs typeface="Courier New" panose="02070309020205020404" pitchFamily="49" charset="0"/>
+              </a:rPr>
+              <a:t>/:\</a:t>
+            </a:r>
+          </a:p>
+          <a:p>
+            <a:pPr marL="0" indent="0" algn="ctr">
+              <a:lnSpc>
+                <a:spcPct val="100000"/>
+              </a:lnSpc>
+              <a:spcBef>
+                <a:spcPts val="0"/>
+              </a:spcBef>
+              <a:buNone/>
+            </a:pPr>
+            <a:r>
+              <a:rPr lang="en-US" sz="1600" dirty="0">
+                <a:latin typeface="Courier New" panose="02070309020205020404" pitchFamily="49" charset="0"/>
+                <a:cs typeface="Courier New" panose="02070309020205020404" pitchFamily="49" charset="0"/>
+              </a:rPr>
+              <a:t>/: : :\</a:t>
+            </a:r>
+          </a:p>
+          <a:p>
+            <a:pPr marL="0" indent="0" algn="ctr">
+              <a:lnSpc>
+                <a:spcPct val="100000"/>
+              </a:lnSpc>
+              <a:spcBef>
+                <a:spcPts val="0"/>
+              </a:spcBef>
+              <a:buNone/>
+            </a:pPr>
+            <a:r>
+              <a:rPr lang="en-US" sz="1600" dirty="0">
+                <a:latin typeface="Courier New" panose="02070309020205020404" pitchFamily="49" charset="0"/>
+                <a:cs typeface="Courier New" panose="02070309020205020404" pitchFamily="49" charset="0"/>
+              </a:rPr>
+              <a:t>/: : : : :\</a:t>
+            </a:r>
+          </a:p>
+          <a:p>
+            <a:pPr marL="0" indent="0" algn="ctr">
+              <a:lnSpc>
+                <a:spcPct val="100000"/>
+              </a:lnSpc>
+              <a:spcBef>
+                <a:spcPts val="0"/>
+              </a:spcBef>
+              <a:buNone/>
+            </a:pPr>
+            <a:r>
+              <a:rPr lang="en-US" sz="1600" dirty="0">
+                <a:latin typeface="Courier New" panose="02070309020205020404" pitchFamily="49" charset="0"/>
+                <a:cs typeface="Courier New" panose="02070309020205020404" pitchFamily="49" charset="0"/>
+              </a:rPr>
+              <a:t>/: : : : : : :\</a:t>
+            </a:r>
+          </a:p>
+          <a:p>
+            <a:pPr marL="0" indent="0" algn="ctr">
+              <a:lnSpc>
+                <a:spcPct val="100000"/>
+              </a:lnSpc>
+              <a:spcBef>
+                <a:spcPts val="0"/>
+              </a:spcBef>
+              <a:buNone/>
+            </a:pPr>
+            <a:r>
+              <a:rPr lang="en-US" sz="1600" dirty="0">
+                <a:latin typeface="Courier New" panose="02070309020205020404" pitchFamily="49" charset="0"/>
+                <a:cs typeface="Courier New" panose="02070309020205020404" pitchFamily="49" charset="0"/>
+              </a:rPr>
+              <a:t>|””””””””’| </a:t>
+            </a:r>
+          </a:p>
+          <a:p>
+            <a:pPr marL="0" indent="0" algn="ctr">
+              <a:lnSpc>
+                <a:spcPct val="100000"/>
+              </a:lnSpc>
+              <a:spcBef>
+                <a:spcPts val="0"/>
+              </a:spcBef>
+              <a:buNone/>
+            </a:pPr>
+            <a:endParaRPr lang="en-US" sz="1600" dirty="0">
+              <a:latin typeface="Courier New" panose="02070309020205020404" pitchFamily="49" charset="0"/>
+              <a:cs typeface="Courier New" panose="02070309020205020404" pitchFamily="49" charset="0"/>
+            </a:endParaRPr>
+          </a:p>
+          <a:p>
+            <a:pPr marL="0" indent="0">
+              <a:lnSpc>
+                <a:spcPct val="100000"/>
+              </a:lnSpc>
+              <a:spcBef>
+                <a:spcPts val="0"/>
+              </a:spcBef>
+              <a:buNone/>
+            </a:pPr>
+            <a:endParaRPr lang="en-US" sz="1600" dirty="0">
+              <a:latin typeface="Courier New" panose="02070309020205020404" pitchFamily="49" charset="0"/>
+              <a:cs typeface="Courier New" panose="02070309020205020404" pitchFamily="49" charset="0"/>
+            </a:endParaRPr>
+          </a:p>
+          <a:p>
+            <a:pPr marL="0" indent="0">
+              <a:lnSpc>
+                <a:spcPct val="100000"/>
+              </a:lnSpc>
+              <a:spcBef>
+                <a:spcPts val="0"/>
+              </a:spcBef>
+              <a:buNone/>
+            </a:pPr>
+            <a:r>
+              <a:rPr lang="en-US" sz="2600" dirty="0">
+                <a:cs typeface="Courier New" panose="02070309020205020404" pitchFamily="49" charset="0"/>
+              </a:rPr>
+              <a:t>TIPS: Start with a structure diagram. Isolate repeated tasks into methods. Include comments in with your code so others can easily understand your code.</a:t>
+            </a:r>
+          </a:p>
+        </p:txBody>
+      </p:sp>
+      <p:sp>
+        <p:nvSpPr>
+          <p:cNvPr id="4" name="Rectangle 3"/>
+          <p:cNvSpPr/>
+          <p:nvPr/>
         </p:nvSpPr>
         <p:spPr>
           <a:xfrm>
-            <a:off x="1524000" y="1385831"/>
-            <a:ext cx="9144000" cy="2387600"/>
+            <a:off x="4734732" y="2533973"/>
+            <a:ext cx="2766448" cy="2541722"/>
           </a:xfrm>
+          <a:prstGeom prst="rect">
+            <a:avLst/>
+          </a:prstGeom>
+          <a:noFill/>
         </p:spPr>
-        <p:txBody>
-          <a:bodyPr>
-            <a:normAutofit/>
-          </a:bodyPr>
-          <a:lstStyle/>
-          <a:p>
-            <a:r>
-              <a:rPr lang="en-US" sz="5000" dirty="0"/>
-              <a:t>Programming Project 1</a:t>
-            </a:r>
+        <p:style>
+          <a:lnRef idx="2">
+            <a:schemeClr val="accent1">
+              <a:shade val="50000"/>
+            </a:schemeClr>
+          </a:lnRef>
+          <a:fillRef idx="1">
+            <a:schemeClr val="accent1"/>
+          </a:fillRef>
+          <a:effectRef idx="0">
+            <a:schemeClr val="accent1"/>
+          </a:effectRef>
+          <a:fontRef idx="minor">
+            <a:schemeClr val="lt1"/>
+          </a:fontRef>
+        </p:style>
+        <p:txBody>
+          <a:bodyPr rtlCol="0" anchor="ctr"/>
+          <a:lstStyle/>
+          <a:p>
+            <a:pPr algn="ctr"/>
+            <a:endParaRPr lang="en-US"/>
           </a:p>
         </p:txBody>
       </p:sp>
     </p:spTree>
     <p:extLst>
       <p:ext uri="{BB962C8B-B14F-4D97-AF65-F5344CB8AC3E}">
-        <p14:creationId xmlns:p14="http://schemas.microsoft.com/office/powerpoint/2010/main" val="3273659807"/>
+        <p14:creationId xmlns:p14="http://schemas.microsoft.com/office/powerpoint/2010/main" val="2007074326"/>
       </p:ext>
     </p:extLst>
   </p:cSld>
@@ -14879,44 +14963,7 @@
             </a:pPr>
             <a:r>
               <a:rPr lang="en-US" dirty="0"/>
-              <a:t>Read HW 2.4 “Pseudocode” if you haven’t already.</a:t>
-            </a:r>
-          </a:p>
-          <a:p>
-            <a:pPr marL="0" indent="0">
-              <a:buNone/>
-            </a:pPr>
-            <a:endParaRPr lang="en-US" dirty="0"/>
-          </a:p>
-          <a:p>
-            <a:pPr marL="0" indent="0">
-              <a:buNone/>
-            </a:pPr>
-            <a:r>
-              <a:rPr lang="en-US" dirty="0"/>
-              <a:t>Complete chapter 2 self-check questions 31-33.</a:t>
-            </a:r>
-          </a:p>
-          <a:p>
-            <a:pPr marL="0" indent="0">
-              <a:buNone/>
-            </a:pPr>
-            <a:endParaRPr lang="en-US" dirty="0"/>
-          </a:p>
-          <a:p>
-            <a:pPr marL="0" indent="0">
-              <a:buNone/>
-            </a:pPr>
-            <a:r>
-              <a:rPr lang="en-US" dirty="0"/>
-              <a:t>Note check for completion, adding daily summaries if needed.</a:t>
-            </a:r>
-          </a:p>
-          <a:p>
-            <a:pPr lvl="1"/>
-            <a:r>
-              <a:rPr lang="en-US" dirty="0"/>
-              <a:t>Students may use their book to supplement their notes. </a:t>
+              <a:t>Outline Chapter 2, omitting HW 2.5</a:t>
             </a:r>
           </a:p>
         </p:txBody>
@@ -14924,7 +14971,7 @@
     </p:spTree>
     <p:extLst>
       <p:ext uri="{BB962C8B-B14F-4D97-AF65-F5344CB8AC3E}">
-        <p14:creationId xmlns:p14="http://schemas.microsoft.com/office/powerpoint/2010/main" val="3228716705"/>
+        <p14:creationId xmlns:p14="http://schemas.microsoft.com/office/powerpoint/2010/main" val="3860406451"/>
       </p:ext>
     </p:extLst>
   </p:cSld>
@@ -14998,7 +15045,7 @@
     </p:spTree>
     <p:extLst>
       <p:ext uri="{BB962C8B-B14F-4D97-AF65-F5344CB8AC3E}">
-        <p14:creationId xmlns:p14="http://schemas.microsoft.com/office/powerpoint/2010/main" val="816088269"/>
+        <p14:creationId xmlns:p14="http://schemas.microsoft.com/office/powerpoint/2010/main" val="2596130600"/>
       </p:ext>
     </p:extLst>
   </p:cSld>
@@ -15375,7 +15422,7 @@
     </p:spTree>
     <p:extLst>
       <p:ext uri="{BB962C8B-B14F-4D97-AF65-F5344CB8AC3E}">
-        <p14:creationId xmlns:p14="http://schemas.microsoft.com/office/powerpoint/2010/main" val="2007074326"/>
+        <p14:creationId xmlns:p14="http://schemas.microsoft.com/office/powerpoint/2010/main" val="1740164949"/>
       </p:ext>
     </p:extLst>
   </p:cSld>
@@ -15414,14 +15461,12 @@
         </p:nvSpPr>
         <p:spPr/>
         <p:txBody>
-          <a:bodyPr>
-            <a:normAutofit/>
-          </a:bodyPr>
-          <a:lstStyle/>
-          <a:p>
-            <a:r>
-              <a:rPr lang="en-US" dirty="0"/>
-              <a:t>Homework</a:t>
+          <a:bodyPr/>
+          <a:lstStyle/>
+          <a:p>
+            <a:r>
+              <a:rPr lang="en-US" dirty="0"/>
+              <a:t>Slide for finished code:</a:t>
             </a:r>
           </a:p>
         </p:txBody>
@@ -15441,20 +15486,14 @@
           <a:bodyPr/>
           <a:lstStyle/>
           <a:p>
-            <a:pPr marL="0" indent="0">
-              <a:buNone/>
-            </a:pPr>
-            <a:r>
-              <a:rPr lang="en-US" dirty="0"/>
-              <a:t>Outline Chapter 2, omitting HW 2.5</a:t>
-            </a:r>
+            <a:endParaRPr lang="en-US"/>
           </a:p>
         </p:txBody>
       </p:sp>
     </p:spTree>
     <p:extLst>
       <p:ext uri="{BB962C8B-B14F-4D97-AF65-F5344CB8AC3E}">
-        <p14:creationId xmlns:p14="http://schemas.microsoft.com/office/powerpoint/2010/main" val="3860406451"/>
+        <p14:creationId xmlns:p14="http://schemas.microsoft.com/office/powerpoint/2010/main" val="2612696784"/>
       </p:ext>
     </p:extLst>
   </p:cSld>
@@ -15488,47 +15527,111 @@
             <a:spLocks noGrp="1"/>
           </p:cNvSpPr>
           <p:nvPr>
-            <p:ph type="ctrTitle"/>
-          </p:nvPr>
-        </p:nvSpPr>
-        <p:spPr/>
-        <p:txBody>
-          <a:bodyPr/>
-          <a:lstStyle/>
-          <a:p>
-            <a:r>
-              <a:rPr lang="en-US" dirty="0"/>
-              <a:t>Programming Project</a:t>
-            </a:r>
-          </a:p>
-        </p:txBody>
-      </p:sp>
-      <p:sp>
-        <p:nvSpPr>
-          <p:cNvPr id="3" name="Subtitle 2"/>
-          <p:cNvSpPr>
-            <a:spLocks noGrp="1"/>
-          </p:cNvSpPr>
-          <p:nvPr>
-            <p:ph type="subTitle" idx="1"/>
-          </p:nvPr>
-        </p:nvSpPr>
-        <p:spPr/>
-        <p:txBody>
-          <a:bodyPr/>
-          <a:lstStyle/>
-          <a:p>
-            <a:r>
-              <a:rPr lang="en-US" dirty="0"/>
-              <a:t>[ 2.09 ] [ Today’s Date ] [ Instructor Name ]</a:t>
-            </a:r>
+            <p:ph type="title"/>
+          </p:nvPr>
+        </p:nvSpPr>
+        <p:spPr/>
+        <p:txBody>
+          <a:bodyPr/>
+          <a:lstStyle/>
+          <a:p>
+            <a:r>
+              <a:rPr lang="en-US" dirty="0"/>
+              <a:t>Class Constants</a:t>
+            </a:r>
+          </a:p>
+        </p:txBody>
+      </p:sp>
+      <p:sp>
+        <p:nvSpPr>
+          <p:cNvPr id="3" name="Content Placeholder 2"/>
+          <p:cNvSpPr>
+            <a:spLocks noGrp="1"/>
+          </p:cNvSpPr>
+          <p:nvPr>
+            <p:ph idx="1"/>
+          </p:nvPr>
+        </p:nvSpPr>
+        <p:spPr/>
+        <p:txBody>
+          <a:bodyPr/>
+          <a:lstStyle/>
+          <a:p>
+            <a:pPr marL="0" indent="0">
+              <a:buNone/>
+            </a:pPr>
+            <a:endParaRPr lang="en-US" dirty="0"/>
+          </a:p>
+          <a:p>
+            <a:pPr marL="0" indent="0">
+              <a:buNone/>
+            </a:pPr>
+            <a:r>
+              <a:rPr lang="en-US" dirty="0">
+                <a:latin typeface="Courier New" panose="02070309020205020404" pitchFamily="49" charset="0"/>
+                <a:cs typeface="Courier New" panose="02070309020205020404" pitchFamily="49" charset="0"/>
+              </a:rPr>
+              <a:t>public static final </a:t>
+            </a:r>
+            <a:r>
+              <a:rPr lang="en-US" dirty="0" err="1">
+                <a:latin typeface="Courier New" panose="02070309020205020404" pitchFamily="49" charset="0"/>
+                <a:cs typeface="Courier New" panose="02070309020205020404" pitchFamily="49" charset="0"/>
+              </a:rPr>
+              <a:t>int</a:t>
+            </a:r>
+            <a:r>
+              <a:rPr lang="en-US" dirty="0">
+                <a:latin typeface="Courier New" panose="02070309020205020404" pitchFamily="49" charset="0"/>
+                <a:cs typeface="Courier New" panose="02070309020205020404" pitchFamily="49" charset="0"/>
+              </a:rPr>
+              <a:t> NAME = 1;</a:t>
+            </a:r>
+          </a:p>
+          <a:p>
+            <a:pPr marL="0" indent="0">
+              <a:buNone/>
+            </a:pPr>
+            <a:endParaRPr lang="en-US" dirty="0">
+              <a:latin typeface="Courier New" panose="02070309020205020404" pitchFamily="49" charset="0"/>
+              <a:cs typeface="Courier New" panose="02070309020205020404" pitchFamily="49" charset="0"/>
+            </a:endParaRPr>
+          </a:p>
+          <a:p>
+            <a:pPr marL="0" indent="0">
+              <a:buNone/>
+            </a:pPr>
+            <a:r>
+              <a:rPr lang="en-US" dirty="0">
+                <a:latin typeface="Courier New" panose="02070309020205020404" pitchFamily="49" charset="0"/>
+                <a:cs typeface="Courier New" panose="02070309020205020404" pitchFamily="49" charset="0"/>
+              </a:rPr>
+              <a:t>public static void main(String[...</a:t>
+            </a:r>
+          </a:p>
+          <a:p>
+            <a:pPr marL="0" indent="0">
+              <a:buNone/>
+            </a:pPr>
+            <a:endParaRPr lang="en-US" dirty="0">
+              <a:latin typeface="Courier New" panose="02070309020205020404" pitchFamily="49" charset="0"/>
+              <a:cs typeface="Courier New" panose="02070309020205020404" pitchFamily="49" charset="0"/>
+            </a:endParaRPr>
+          </a:p>
+          <a:p>
+            <a:pPr marL="0" indent="0">
+              <a:buNone/>
+            </a:pPr>
+            <a:endParaRPr lang="en-US" dirty="0">
+              <a:cs typeface="Courier New" panose="02070309020205020404" pitchFamily="49" charset="0"/>
+            </a:endParaRPr>
           </a:p>
         </p:txBody>
       </p:sp>
     </p:spTree>
     <p:extLst>
       <p:ext uri="{BB962C8B-B14F-4D97-AF65-F5344CB8AC3E}">
-        <p14:creationId xmlns:p14="http://schemas.microsoft.com/office/powerpoint/2010/main" val="2596130600"/>
+        <p14:creationId xmlns:p14="http://schemas.microsoft.com/office/powerpoint/2010/main" val="985446204"/>
       </p:ext>
     </p:extLst>
   </p:cSld>
@@ -15727,12 +15830,14 @@
         </p:nvSpPr>
         <p:spPr/>
         <p:txBody>
-          <a:bodyPr/>
-          <a:lstStyle/>
-          <a:p>
-            <a:r>
-              <a:rPr lang="en-US" dirty="0"/>
-              <a:t>Programming Project</a:t>
+          <a:bodyPr>
+            <a:normAutofit/>
+          </a:bodyPr>
+          <a:lstStyle/>
+          <a:p>
+            <a:r>
+              <a:rPr lang="en-US" dirty="0"/>
+              <a:t>Homework</a:t>
             </a:r>
           </a:p>
         </p:txBody>
@@ -15749,323 +15854,23 @@
         </p:nvSpPr>
         <p:spPr/>
         <p:txBody>
-          <a:bodyPr>
-            <a:normAutofit fontScale="92500" lnSpcReduction="10000"/>
-          </a:bodyPr>
-          <a:lstStyle/>
-          <a:p>
-            <a:pPr marL="0" indent="0">
-              <a:buNone/>
-            </a:pPr>
-            <a:r>
-              <a:rPr lang="en-US" sz="2600" dirty="0"/>
-              <a:t>Write a program that produces the following output using nested for loops:</a:t>
-            </a:r>
-          </a:p>
-          <a:p>
-            <a:pPr marL="0" indent="0" algn="ctr">
-              <a:lnSpc>
-                <a:spcPct val="100000"/>
-              </a:lnSpc>
-              <a:spcBef>
-                <a:spcPts val="0"/>
-              </a:spcBef>
-              <a:buNone/>
-            </a:pPr>
-            <a:endParaRPr lang="en-US" sz="1600" dirty="0">
-              <a:latin typeface="Courier New" panose="02070309020205020404" pitchFamily="49" charset="0"/>
-              <a:cs typeface="Courier New" panose="02070309020205020404" pitchFamily="49" charset="0"/>
-            </a:endParaRPr>
-          </a:p>
-          <a:p>
-            <a:pPr marL="0" indent="0" algn="ctr">
-              <a:lnSpc>
-                <a:spcPct val="100000"/>
-              </a:lnSpc>
-              <a:spcBef>
-                <a:spcPts val="0"/>
-              </a:spcBef>
-              <a:buNone/>
-            </a:pPr>
-            <a:endParaRPr lang="en-US" sz="1600" dirty="0">
-              <a:latin typeface="Courier New" panose="02070309020205020404" pitchFamily="49" charset="0"/>
-              <a:cs typeface="Courier New" panose="02070309020205020404" pitchFamily="49" charset="0"/>
-            </a:endParaRPr>
-          </a:p>
-          <a:p>
-            <a:pPr marL="0" indent="0" algn="ctr">
-              <a:lnSpc>
-                <a:spcPct val="100000"/>
-              </a:lnSpc>
-              <a:spcBef>
-                <a:spcPts val="0"/>
-              </a:spcBef>
-              <a:buNone/>
-            </a:pPr>
-            <a:r>
-              <a:rPr lang="en-US" sz="1600" dirty="0">
-                <a:latin typeface="Courier New" panose="02070309020205020404" pitchFamily="49" charset="0"/>
-                <a:cs typeface="Courier New" panose="02070309020205020404" pitchFamily="49" charset="0"/>
-              </a:rPr>
-              <a:t>|””””””””’|</a:t>
-            </a:r>
-          </a:p>
-          <a:p>
-            <a:pPr marL="0" indent="0" algn="ctr">
-              <a:lnSpc>
-                <a:spcPct val="100000"/>
-              </a:lnSpc>
-              <a:spcBef>
-                <a:spcPts val="0"/>
-              </a:spcBef>
-              <a:buNone/>
-            </a:pPr>
-            <a:r>
-              <a:rPr lang="en-US" sz="1600" dirty="0">
-                <a:latin typeface="Courier New" panose="02070309020205020404" pitchFamily="49" charset="0"/>
-                <a:cs typeface="Courier New" panose="02070309020205020404" pitchFamily="49" charset="0"/>
-              </a:rPr>
-              <a:t>\: : : : : : :/</a:t>
-            </a:r>
-          </a:p>
-          <a:p>
-            <a:pPr marL="0" indent="0" algn="ctr">
-              <a:lnSpc>
-                <a:spcPct val="100000"/>
-              </a:lnSpc>
-              <a:spcBef>
-                <a:spcPts val="0"/>
-              </a:spcBef>
-              <a:buNone/>
-            </a:pPr>
-            <a:r>
-              <a:rPr lang="en-US" sz="1600" dirty="0">
-                <a:latin typeface="Courier New" panose="02070309020205020404" pitchFamily="49" charset="0"/>
-                <a:cs typeface="Courier New" panose="02070309020205020404" pitchFamily="49" charset="0"/>
-              </a:rPr>
-              <a:t>\: : : : :/</a:t>
-            </a:r>
-          </a:p>
-          <a:p>
-            <a:pPr marL="0" indent="0" algn="ctr">
-              <a:lnSpc>
-                <a:spcPct val="100000"/>
-              </a:lnSpc>
-              <a:spcBef>
-                <a:spcPts val="0"/>
-              </a:spcBef>
-              <a:buNone/>
-            </a:pPr>
-            <a:r>
-              <a:rPr lang="en-US" sz="1600" dirty="0">
-                <a:latin typeface="Courier New" panose="02070309020205020404" pitchFamily="49" charset="0"/>
-                <a:cs typeface="Courier New" panose="02070309020205020404" pitchFamily="49" charset="0"/>
-              </a:rPr>
-              <a:t>\: : :/</a:t>
-            </a:r>
-          </a:p>
-          <a:p>
-            <a:pPr marL="0" indent="0" algn="ctr">
-              <a:lnSpc>
-                <a:spcPct val="100000"/>
-              </a:lnSpc>
-              <a:spcBef>
-                <a:spcPts val="0"/>
-              </a:spcBef>
-              <a:buNone/>
-            </a:pPr>
-            <a:r>
-              <a:rPr lang="en-US" sz="1600" dirty="0">
-                <a:latin typeface="Courier New" panose="02070309020205020404" pitchFamily="49" charset="0"/>
-                <a:cs typeface="Courier New" panose="02070309020205020404" pitchFamily="49" charset="0"/>
-              </a:rPr>
-              <a:t>\:/</a:t>
-            </a:r>
-          </a:p>
-          <a:p>
-            <a:pPr marL="0" indent="0" algn="ctr">
-              <a:lnSpc>
-                <a:spcPct val="100000"/>
-              </a:lnSpc>
-              <a:spcBef>
-                <a:spcPts val="0"/>
-              </a:spcBef>
-              <a:buNone/>
-            </a:pPr>
-            <a:r>
-              <a:rPr lang="en-US" sz="1600" dirty="0">
-                <a:latin typeface="Courier New" panose="02070309020205020404" pitchFamily="49" charset="0"/>
-                <a:cs typeface="Courier New" panose="02070309020205020404" pitchFamily="49" charset="0"/>
-              </a:rPr>
-              <a:t>/:\</a:t>
-            </a:r>
-          </a:p>
-          <a:p>
-            <a:pPr marL="0" indent="0" algn="ctr">
-              <a:lnSpc>
-                <a:spcPct val="100000"/>
-              </a:lnSpc>
-              <a:spcBef>
-                <a:spcPts val="0"/>
-              </a:spcBef>
-              <a:buNone/>
-            </a:pPr>
-            <a:r>
-              <a:rPr lang="en-US" sz="1600" dirty="0">
-                <a:latin typeface="Courier New" panose="02070309020205020404" pitchFamily="49" charset="0"/>
-                <a:cs typeface="Courier New" panose="02070309020205020404" pitchFamily="49" charset="0"/>
-              </a:rPr>
-              <a:t>/: : :\</a:t>
-            </a:r>
-          </a:p>
-          <a:p>
-            <a:pPr marL="0" indent="0" algn="ctr">
-              <a:lnSpc>
-                <a:spcPct val="100000"/>
-              </a:lnSpc>
-              <a:spcBef>
-                <a:spcPts val="0"/>
-              </a:spcBef>
-              <a:buNone/>
-            </a:pPr>
-            <a:r>
-              <a:rPr lang="en-US" sz="1600" dirty="0">
-                <a:latin typeface="Courier New" panose="02070309020205020404" pitchFamily="49" charset="0"/>
-                <a:cs typeface="Courier New" panose="02070309020205020404" pitchFamily="49" charset="0"/>
-              </a:rPr>
-              <a:t>/: : : : :\</a:t>
-            </a:r>
-          </a:p>
-          <a:p>
-            <a:pPr marL="0" indent="0" algn="ctr">
-              <a:lnSpc>
-                <a:spcPct val="100000"/>
-              </a:lnSpc>
-              <a:spcBef>
-                <a:spcPts val="0"/>
-              </a:spcBef>
-              <a:buNone/>
-            </a:pPr>
-            <a:r>
-              <a:rPr lang="en-US" sz="1600" dirty="0">
-                <a:latin typeface="Courier New" panose="02070309020205020404" pitchFamily="49" charset="0"/>
-                <a:cs typeface="Courier New" panose="02070309020205020404" pitchFamily="49" charset="0"/>
-              </a:rPr>
-              <a:t>/: : : : : : :\</a:t>
-            </a:r>
-          </a:p>
-          <a:p>
-            <a:pPr marL="0" indent="0" algn="ctr">
-              <a:lnSpc>
-                <a:spcPct val="100000"/>
-              </a:lnSpc>
-              <a:spcBef>
-                <a:spcPts val="0"/>
-              </a:spcBef>
-              <a:buNone/>
-            </a:pPr>
-            <a:r>
-              <a:rPr lang="en-US" sz="1600" dirty="0">
-                <a:latin typeface="Courier New" panose="02070309020205020404" pitchFamily="49" charset="0"/>
-                <a:cs typeface="Courier New" panose="02070309020205020404" pitchFamily="49" charset="0"/>
-              </a:rPr>
-              <a:t>|””””””””’| </a:t>
-            </a:r>
-          </a:p>
-          <a:p>
-            <a:pPr marL="0" indent="0" algn="ctr">
-              <a:lnSpc>
-                <a:spcPct val="100000"/>
-              </a:lnSpc>
-              <a:spcBef>
-                <a:spcPts val="0"/>
-              </a:spcBef>
-              <a:buNone/>
-            </a:pPr>
-            <a:endParaRPr lang="en-US" sz="1600" dirty="0">
-              <a:latin typeface="Courier New" panose="02070309020205020404" pitchFamily="49" charset="0"/>
-              <a:cs typeface="Courier New" panose="02070309020205020404" pitchFamily="49" charset="0"/>
-            </a:endParaRPr>
-          </a:p>
-          <a:p>
-            <a:pPr marL="0" indent="0">
-              <a:lnSpc>
-                <a:spcPct val="100000"/>
-              </a:lnSpc>
-              <a:spcBef>
-                <a:spcPts val="0"/>
-              </a:spcBef>
-              <a:buNone/>
-            </a:pPr>
-            <a:endParaRPr lang="en-US" sz="1600" dirty="0">
-              <a:latin typeface="Courier New" panose="02070309020205020404" pitchFamily="49" charset="0"/>
-              <a:cs typeface="Courier New" panose="02070309020205020404" pitchFamily="49" charset="0"/>
-            </a:endParaRPr>
-          </a:p>
-          <a:p>
-            <a:pPr marL="0" indent="0">
-              <a:lnSpc>
-                <a:spcPct val="100000"/>
-              </a:lnSpc>
-              <a:spcBef>
-                <a:spcPts val="0"/>
-              </a:spcBef>
-              <a:buNone/>
-            </a:pPr>
-            <a:r>
-              <a:rPr lang="en-US" sz="2600" dirty="0">
-                <a:cs typeface="Courier New" panose="02070309020205020404" pitchFamily="49" charset="0"/>
-              </a:rPr>
-              <a:t>TIPS: Start with a structure diagram. Isolate repeated tasks into methods. Include comments in with your code so others can easily understand your code.</a:t>
-            </a:r>
-          </a:p>
-        </p:txBody>
-      </p:sp>
-      <p:sp>
-        <p:nvSpPr>
-          <p:cNvPr id="4" name="Rectangle 3"/>
-          <p:cNvSpPr/>
-          <p:nvPr/>
-        </p:nvSpPr>
-        <p:spPr>
-          <a:xfrm>
-            <a:off x="4734732" y="2533973"/>
-            <a:ext cx="2766448" cy="2541722"/>
-          </a:xfrm>
-          <a:prstGeom prst="rect">
-            <a:avLst/>
-          </a:prstGeom>
-          <a:noFill/>
-        </p:spPr>
-        <p:style>
-          <a:lnRef idx="2">
-            <a:schemeClr val="accent1">
-              <a:shade val="50000"/>
-            </a:schemeClr>
-          </a:lnRef>
-          <a:fillRef idx="1">
-            <a:schemeClr val="accent1"/>
-          </a:fillRef>
-          <a:effectRef idx="0">
-            <a:schemeClr val="accent1"/>
-          </a:effectRef>
-          <a:fontRef idx="minor">
-            <a:schemeClr val="lt1"/>
-          </a:fontRef>
-        </p:style>
-        <p:txBody>
-          <a:bodyPr rtlCol="0" anchor="ctr"/>
-          <a:lstStyle/>
-          <a:p>
-            <a:pPr algn="ctr"/>
-            <a:endParaRPr lang="en-US"/>
+          <a:bodyPr/>
+          <a:lstStyle/>
+          <a:p>
+            <a:pPr marL="0" indent="0">
+              <a:buNone/>
+            </a:pPr>
+            <a:r>
+              <a:rPr lang="en-US" dirty="0"/>
+              <a:t>Complete practice questions with class constants.</a:t>
+            </a:r>
           </a:p>
         </p:txBody>
       </p:sp>
     </p:spTree>
     <p:extLst>
       <p:ext uri="{BB962C8B-B14F-4D97-AF65-F5344CB8AC3E}">
-        <p14:creationId xmlns:p14="http://schemas.microsoft.com/office/powerpoint/2010/main" val="1740164949"/>
+        <p14:creationId xmlns:p14="http://schemas.microsoft.com/office/powerpoint/2010/main" val="4079995640"/>
       </p:ext>
     </p:extLst>
   </p:cSld>
@@ -16099,44 +15904,47 @@
             <a:spLocks noGrp="1"/>
           </p:cNvSpPr>
           <p:nvPr>
-            <p:ph type="title"/>
-          </p:nvPr>
-        </p:nvSpPr>
-        <p:spPr/>
-        <p:txBody>
-          <a:bodyPr/>
-          <a:lstStyle/>
-          <a:p>
-            <a:r>
-              <a:rPr lang="en-US" dirty="0"/>
-              <a:t>Slide for finished code:</a:t>
-            </a:r>
-          </a:p>
-        </p:txBody>
-      </p:sp>
-      <p:sp>
-        <p:nvSpPr>
-          <p:cNvPr id="3" name="Content Placeholder 2"/>
-          <p:cNvSpPr>
-            <a:spLocks noGrp="1"/>
-          </p:cNvSpPr>
-          <p:nvPr>
-            <p:ph idx="1"/>
-          </p:nvPr>
-        </p:nvSpPr>
-        <p:spPr/>
-        <p:txBody>
-          <a:bodyPr/>
-          <a:lstStyle/>
-          <a:p>
-            <a:endParaRPr lang="en-US"/>
+            <p:ph type="ctrTitle"/>
+          </p:nvPr>
+        </p:nvSpPr>
+        <p:spPr/>
+        <p:txBody>
+          <a:bodyPr/>
+          <a:lstStyle/>
+          <a:p>
+            <a:r>
+              <a:rPr lang="en-US" dirty="0"/>
+              <a:t>Finding and Fixing Errors</a:t>
+            </a:r>
+          </a:p>
+        </p:txBody>
+      </p:sp>
+      <p:sp>
+        <p:nvSpPr>
+          <p:cNvPr id="3" name="Subtitle 2"/>
+          <p:cNvSpPr>
+            <a:spLocks noGrp="1"/>
+          </p:cNvSpPr>
+          <p:nvPr>
+            <p:ph type="subTitle" idx="1"/>
+          </p:nvPr>
+        </p:nvSpPr>
+        <p:spPr/>
+        <p:txBody>
+          <a:bodyPr/>
+          <a:lstStyle/>
+          <a:p>
+            <a:r>
+              <a:rPr lang="en-US" dirty="0"/>
+              <a:t>[ 2.10 ] [ Today’s Date ] [ Instructor Name ]</a:t>
+            </a:r>
           </a:p>
         </p:txBody>
       </p:sp>
     </p:spTree>
     <p:extLst>
       <p:ext uri="{BB962C8B-B14F-4D97-AF65-F5344CB8AC3E}">
-        <p14:creationId xmlns:p14="http://schemas.microsoft.com/office/powerpoint/2010/main" val="2612696784"/>
+        <p14:creationId xmlns:p14="http://schemas.microsoft.com/office/powerpoint/2010/main" val="960272638"/>
       </p:ext>
     </p:extLst>
   </p:cSld>
@@ -16180,7 +15988,7 @@
           <a:p>
             <a:r>
               <a:rPr lang="en-US" dirty="0"/>
-              <a:t>Class Constants</a:t>
+              <a:t>Today’s plan:</a:t>
             </a:r>
           </a:p>
         </p:txBody>
@@ -16203,6 +16011,12 @@
             <a:pPr marL="0" indent="0">
               <a:buNone/>
             </a:pPr>
+            <a:r>
+              <a:rPr lang="en-US" dirty="0"/>
+              <a:t>Error check and resubmit all chapter 2 assignments</a:t>
+            </a:r>
+          </a:p>
+          <a:p>
             <a:endParaRPr lang="en-US" dirty="0"/>
           </a:p>
           <a:p>
@@ -16210,71 +16024,43 @@
               <a:buNone/>
             </a:pPr>
             <a:r>
-              <a:rPr lang="en-US" dirty="0">
-                <a:latin typeface="Courier New" panose="02070309020205020404" pitchFamily="49" charset="0"/>
-                <a:cs typeface="Courier New" panose="02070309020205020404" pitchFamily="49" charset="0"/>
-              </a:rPr>
-              <a:t>public static final </a:t>
-            </a:r>
-            <a:r>
-              <a:rPr lang="en-US" dirty="0" err="1">
-                <a:latin typeface="Courier New" panose="02070309020205020404" pitchFamily="49" charset="0"/>
-                <a:cs typeface="Courier New" panose="02070309020205020404" pitchFamily="49" charset="0"/>
-              </a:rPr>
-              <a:t>int</a:t>
-            </a:r>
-            <a:r>
-              <a:rPr lang="en-US" dirty="0">
-                <a:latin typeface="Courier New" panose="02070309020205020404" pitchFamily="49" charset="0"/>
-                <a:cs typeface="Courier New" panose="02070309020205020404" pitchFamily="49" charset="0"/>
-              </a:rPr>
-              <a:t> NAME = 1;</a:t>
-            </a:r>
-          </a:p>
-          <a:p>
-            <a:pPr marL="0" indent="0">
-              <a:buNone/>
-            </a:pPr>
-            <a:endParaRPr lang="en-US" dirty="0">
-              <a:latin typeface="Courier New" panose="02070309020205020404" pitchFamily="49" charset="0"/>
-              <a:cs typeface="Courier New" panose="02070309020205020404" pitchFamily="49" charset="0"/>
-            </a:endParaRPr>
-          </a:p>
-          <a:p>
-            <a:pPr marL="0" indent="0">
-              <a:buNone/>
-            </a:pPr>
-            <a:r>
-              <a:rPr lang="en-US" dirty="0">
-                <a:latin typeface="Courier New" panose="02070309020205020404" pitchFamily="49" charset="0"/>
-                <a:cs typeface="Courier New" panose="02070309020205020404" pitchFamily="49" charset="0"/>
-              </a:rPr>
-              <a:t>public static void main(String[...</a:t>
-            </a:r>
-          </a:p>
-          <a:p>
-            <a:pPr marL="0" indent="0">
-              <a:buNone/>
-            </a:pPr>
-            <a:endParaRPr lang="en-US" dirty="0">
-              <a:latin typeface="Courier New" panose="02070309020205020404" pitchFamily="49" charset="0"/>
-              <a:cs typeface="Courier New" panose="02070309020205020404" pitchFamily="49" charset="0"/>
-            </a:endParaRPr>
-          </a:p>
-          <a:p>
-            <a:pPr marL="0" indent="0">
-              <a:buNone/>
-            </a:pPr>
-            <a:endParaRPr lang="en-US" dirty="0">
-              <a:cs typeface="Courier New" panose="02070309020205020404" pitchFamily="49" charset="0"/>
-            </a:endParaRPr>
+              <a:rPr lang="en-US" dirty="0"/>
+              <a:t>Study for the test by:</a:t>
+            </a:r>
+          </a:p>
+          <a:p>
+            <a:pPr lvl="1"/>
+            <a:r>
+              <a:rPr lang="en-US" dirty="0"/>
+              <a:t>Reviewing all of the blue, self-check pages at the end of Chapter 2</a:t>
+            </a:r>
+          </a:p>
+          <a:p>
+            <a:pPr lvl="1"/>
+            <a:r>
+              <a:rPr lang="en-US" dirty="0"/>
+              <a:t>Re-reading sections as needed to complete the self-check problems</a:t>
+            </a:r>
+          </a:p>
+          <a:p>
+            <a:pPr lvl="1"/>
+            <a:endParaRPr lang="en-US" dirty="0"/>
+          </a:p>
+          <a:p>
+            <a:pPr marL="0" indent="0">
+              <a:buNone/>
+            </a:pPr>
+            <a:r>
+              <a:rPr lang="en-US" dirty="0"/>
+              <a:t>Submit 5 questions for review in class tomorrow</a:t>
+            </a:r>
           </a:p>
         </p:txBody>
       </p:sp>
     </p:spTree>
     <p:extLst>
       <p:ext uri="{BB962C8B-B14F-4D97-AF65-F5344CB8AC3E}">
-        <p14:creationId xmlns:p14="http://schemas.microsoft.com/office/powerpoint/2010/main" val="985446204"/>
+        <p14:creationId xmlns:p14="http://schemas.microsoft.com/office/powerpoint/2010/main" val="3889261873"/>
       </p:ext>
     </p:extLst>
   </p:cSld>
@@ -16313,14 +16099,12 @@
         </p:nvSpPr>
         <p:spPr/>
         <p:txBody>
-          <a:bodyPr>
-            <a:normAutofit/>
-          </a:bodyPr>
-          <a:lstStyle/>
-          <a:p>
-            <a:r>
-              <a:rPr lang="en-US" dirty="0"/>
-              <a:t>Homework</a:t>
+          <a:bodyPr/>
+          <a:lstStyle/>
+          <a:p>
+            <a:r>
+              <a:rPr lang="en-US" dirty="0"/>
+              <a:t>Homework Regrade/Resubmit</a:t>
             </a:r>
           </a:p>
         </p:txBody>
@@ -16345,7 +16129,34 @@
             </a:pPr>
             <a:r>
               <a:rPr lang="en-US" dirty="0"/>
-              <a:t>Complete practice questions with class constants.</a:t>
+              <a:t>You all have the opportunity to get full credit  on your homework grades by correcting them now, in class</a:t>
+            </a:r>
+          </a:p>
+          <a:p>
+            <a:endParaRPr lang="en-US" dirty="0"/>
+          </a:p>
+          <a:p>
+            <a:pPr marL="0" indent="0">
+              <a:buNone/>
+            </a:pPr>
+            <a:r>
+              <a:rPr lang="en-US" dirty="0"/>
+              <a:t>Use your error checking algorithm, and if you need help just ask!</a:t>
+            </a:r>
+          </a:p>
+          <a:p>
+            <a:pPr marL="0" indent="0">
+              <a:buNone/>
+            </a:pPr>
+            <a:endParaRPr lang="en-US" dirty="0"/>
+          </a:p>
+          <a:p>
+            <a:pPr marL="0" indent="0">
+              <a:buNone/>
+            </a:pPr>
+            <a:r>
+              <a:rPr lang="en-US" dirty="0"/>
+              <a:t>Make sure to check for issues with scope!</a:t>
             </a:r>
           </a:p>
         </p:txBody>
@@ -16353,7 +16164,7 @@
     </p:spTree>
     <p:extLst>
       <p:ext uri="{BB962C8B-B14F-4D97-AF65-F5344CB8AC3E}">
-        <p14:creationId xmlns:p14="http://schemas.microsoft.com/office/powerpoint/2010/main" val="4079995640"/>
+        <p14:creationId xmlns:p14="http://schemas.microsoft.com/office/powerpoint/2010/main" val="2135506189"/>
       </p:ext>
     </p:extLst>
   </p:cSld>
@@ -16387,47 +16198,74 @@
             <a:spLocks noGrp="1"/>
           </p:cNvSpPr>
           <p:nvPr>
-            <p:ph type="ctrTitle"/>
-          </p:nvPr>
-        </p:nvSpPr>
-        <p:spPr/>
-        <p:txBody>
-          <a:bodyPr/>
-          <a:lstStyle/>
-          <a:p>
-            <a:r>
-              <a:rPr lang="en-US" dirty="0"/>
-              <a:t>Finding and Fixing Errors</a:t>
-            </a:r>
-          </a:p>
-        </p:txBody>
-      </p:sp>
-      <p:sp>
-        <p:nvSpPr>
-          <p:cNvPr id="3" name="Subtitle 2"/>
-          <p:cNvSpPr>
-            <a:spLocks noGrp="1"/>
-          </p:cNvSpPr>
-          <p:nvPr>
-            <p:ph type="subTitle" idx="1"/>
-          </p:nvPr>
-        </p:nvSpPr>
-        <p:spPr/>
-        <p:txBody>
-          <a:bodyPr/>
-          <a:lstStyle/>
-          <a:p>
-            <a:r>
-              <a:rPr lang="en-US" dirty="0"/>
-              <a:t>[ 2.10 ] [ Today’s Date ] [ Instructor Name ]</a:t>
-            </a:r>
+            <p:ph type="title"/>
+          </p:nvPr>
+        </p:nvSpPr>
+        <p:spPr/>
+        <p:txBody>
+          <a:bodyPr/>
+          <a:lstStyle/>
+          <a:p>
+            <a:r>
+              <a:rPr lang="en-US" dirty="0"/>
+              <a:t>If you finish early:</a:t>
+            </a:r>
+          </a:p>
+        </p:txBody>
+      </p:sp>
+      <p:sp>
+        <p:nvSpPr>
+          <p:cNvPr id="3" name="Content Placeholder 2"/>
+          <p:cNvSpPr>
+            <a:spLocks noGrp="1"/>
+          </p:cNvSpPr>
+          <p:nvPr>
+            <p:ph idx="1"/>
+          </p:nvPr>
+        </p:nvSpPr>
+        <p:spPr/>
+        <p:txBody>
+          <a:bodyPr/>
+          <a:lstStyle/>
+          <a:p>
+            <a:pPr marL="0" indent="0">
+              <a:buNone/>
+            </a:pPr>
+            <a:r>
+              <a:rPr lang="en-US" dirty="0"/>
+              <a:t>Some useful review includes working on :</a:t>
+            </a:r>
+          </a:p>
+          <a:p>
+            <a:pPr marL="0" indent="0">
+              <a:buNone/>
+            </a:pPr>
+            <a:endParaRPr lang="en-US" dirty="0"/>
+          </a:p>
+          <a:p>
+            <a:r>
+              <a:rPr lang="en-US" dirty="0"/>
+              <a:t>Programming Project 2</a:t>
+            </a:r>
+          </a:p>
+          <a:p>
+            <a:r>
+              <a:rPr lang="en-US" dirty="0"/>
+              <a:t>Programming Project 3</a:t>
+            </a:r>
+          </a:p>
+          <a:p>
+            <a:endParaRPr lang="en-US" dirty="0"/>
+          </a:p>
+          <a:p>
+            <a:endParaRPr lang="en-US" dirty="0"/>
           </a:p>
         </p:txBody>
       </p:sp>
     </p:spTree>
     <p:extLst>
       <p:ext uri="{BB962C8B-B14F-4D97-AF65-F5344CB8AC3E}">
-        <p14:creationId xmlns:p14="http://schemas.microsoft.com/office/powerpoint/2010/main" val="960272638"/>
+        <p14:creationId xmlns:p14="http://schemas.microsoft.com/office/powerpoint/2010/main" val="196217508"/>
       </p:ext>
     </p:extLst>
   </p:cSld>
@@ -16471,7 +16309,7 @@
           <a:p>
             <a:r>
               <a:rPr lang="en-US" dirty="0"/>
-              <a:t>Today’s plan:</a:t>
+              <a:t>Homework</a:t>
             </a:r>
           </a:p>
         </p:txBody>
@@ -16491,51 +16329,18 @@
           <a:bodyPr/>
           <a:lstStyle/>
           <a:p>
-            <a:pPr marL="0" indent="0">
-              <a:buNone/>
-            </a:pPr>
-            <a:r>
-              <a:rPr lang="en-US" dirty="0"/>
-              <a:t>Error check and resubmit all chapter 2 assignments</a:t>
+            <a:r>
+              <a:rPr lang="en-US" dirty="0"/>
+              <a:t>Begin reviewing chapter two for the Unit Test</a:t>
             </a:r>
           </a:p>
           <a:p>
             <a:endParaRPr lang="en-US" dirty="0"/>
           </a:p>
           <a:p>
-            <a:pPr marL="0" indent="0">
-              <a:buNone/>
-            </a:pPr>
-            <a:r>
-              <a:rPr lang="en-US" dirty="0"/>
-              <a:t>Study for the test by:</a:t>
-            </a:r>
-          </a:p>
-          <a:p>
-            <a:pPr lvl="1"/>
-            <a:r>
-              <a:rPr lang="en-US" dirty="0"/>
-              <a:t>Reviewing all of the blue, self-check pages at the end of Chapter 2</a:t>
-            </a:r>
-          </a:p>
-          <a:p>
-            <a:pPr lvl="1"/>
-            <a:r>
-              <a:rPr lang="en-US" dirty="0"/>
-              <a:t>Re-reading sections as needed to complete the self-check problems</a:t>
-            </a:r>
-          </a:p>
-          <a:p>
-            <a:pPr lvl="1"/>
-            <a:endParaRPr lang="en-US" dirty="0"/>
-          </a:p>
-          <a:p>
-            <a:pPr marL="0" indent="0">
-              <a:buNone/>
-            </a:pPr>
-            <a:r>
-              <a:rPr lang="en-US" dirty="0"/>
-              <a:t>Submit 5 questions for review in class tomorrow</a:t>
+            <a:r>
+              <a:rPr lang="en-US" dirty="0"/>
+              <a:t>Submit 5 questions you have for review tomorrow</a:t>
             </a:r>
           </a:p>
         </p:txBody>
@@ -16543,7 +16348,7 @@
     </p:spTree>
     <p:extLst>
       <p:ext uri="{BB962C8B-B14F-4D97-AF65-F5344CB8AC3E}">
-        <p14:creationId xmlns:p14="http://schemas.microsoft.com/office/powerpoint/2010/main" val="3889261873"/>
+        <p14:creationId xmlns:p14="http://schemas.microsoft.com/office/powerpoint/2010/main" val="4040128174"/>
       </p:ext>
     </p:extLst>
   </p:cSld>
@@ -16577,69 +16382,39 @@
             <a:spLocks noGrp="1"/>
           </p:cNvSpPr>
           <p:nvPr>
-            <p:ph type="title"/>
-          </p:nvPr>
-        </p:nvSpPr>
-        <p:spPr/>
-        <p:txBody>
-          <a:bodyPr/>
-          <a:lstStyle/>
-          <a:p>
-            <a:r>
-              <a:rPr lang="en-US" dirty="0"/>
-              <a:t>Homework Regrade/Resubmit</a:t>
-            </a:r>
-          </a:p>
-        </p:txBody>
-      </p:sp>
-      <p:sp>
-        <p:nvSpPr>
-          <p:cNvPr id="3" name="Content Placeholder 2"/>
-          <p:cNvSpPr>
-            <a:spLocks noGrp="1"/>
-          </p:cNvSpPr>
-          <p:nvPr>
-            <p:ph idx="1"/>
-          </p:nvPr>
-        </p:nvSpPr>
-        <p:spPr/>
-        <p:txBody>
-          <a:bodyPr/>
-          <a:lstStyle/>
-          <a:p>
-            <a:pPr marL="0" indent="0">
-              <a:buNone/>
-            </a:pPr>
-            <a:r>
-              <a:rPr lang="en-US" dirty="0"/>
-              <a:t>You all have the opportunity to get full credit  on your homework grades by correcting them now, in class</a:t>
-            </a:r>
-          </a:p>
-          <a:p>
-            <a:endParaRPr lang="en-US" dirty="0"/>
-          </a:p>
-          <a:p>
-            <a:pPr marL="0" indent="0">
-              <a:buNone/>
-            </a:pPr>
-            <a:r>
-              <a:rPr lang="en-US" dirty="0"/>
-              <a:t>Use your error checking algorithm, and if you need help just ask!</a:t>
-            </a:r>
-          </a:p>
-          <a:p>
-            <a:pPr marL="0" indent="0">
-              <a:buNone/>
-            </a:pPr>
-            <a:endParaRPr lang="en-US" dirty="0"/>
-          </a:p>
-          <a:p>
-            <a:pPr marL="0" indent="0">
-              <a:buNone/>
-            </a:pPr>
-            <a:r>
-              <a:rPr lang="en-US" dirty="0"/>
-              <a:t>Make sure to check for issues with scope!</a:t>
+            <p:ph type="ctrTitle"/>
+          </p:nvPr>
+        </p:nvSpPr>
+        <p:spPr/>
+        <p:txBody>
+          <a:bodyPr/>
+          <a:lstStyle/>
+          <a:p>
+            <a:r>
+              <a:rPr lang="en-US" dirty="0"/>
+              <a:t>Review</a:t>
+            </a:r>
+          </a:p>
+        </p:txBody>
+      </p:sp>
+      <p:sp>
+        <p:nvSpPr>
+          <p:cNvPr id="3" name="Subtitle 2"/>
+          <p:cNvSpPr>
+            <a:spLocks noGrp="1"/>
+          </p:cNvSpPr>
+          <p:nvPr>
+            <p:ph type="subTitle" idx="1"/>
+          </p:nvPr>
+        </p:nvSpPr>
+        <p:spPr/>
+        <p:txBody>
+          <a:bodyPr/>
+          <a:lstStyle/>
+          <a:p>
+            <a:r>
+              <a:rPr lang="en-US" dirty="0"/>
+              <a:t>[ 2.11 ] [ Today’s Date ] [ Instructor Name ]</a:t>
             </a:r>
           </a:p>
         </p:txBody>
@@ -16647,7 +16422,7 @@
     </p:spTree>
     <p:extLst>
       <p:ext uri="{BB962C8B-B14F-4D97-AF65-F5344CB8AC3E}">
-        <p14:creationId xmlns:p14="http://schemas.microsoft.com/office/powerpoint/2010/main" val="2135506189"/>
+        <p14:creationId xmlns:p14="http://schemas.microsoft.com/office/powerpoint/2010/main" val="3882292036"/>
       </p:ext>
     </p:extLst>
   </p:cSld>
@@ -16676,79 +16451,37 @@
       </p:grpSpPr>
       <p:sp>
         <p:nvSpPr>
-          <p:cNvPr id="2" name="Title 1"/>
-          <p:cNvSpPr>
-            <a:spLocks noGrp="1"/>
-          </p:cNvSpPr>
-          <p:nvPr>
-            <p:ph type="title"/>
-          </p:nvPr>
-        </p:nvSpPr>
-        <p:spPr/>
-        <p:txBody>
-          <a:bodyPr/>
-          <a:lstStyle/>
-          <a:p>
-            <a:r>
-              <a:rPr lang="en-US" dirty="0"/>
-              <a:t>If you finish early:</a:t>
-            </a:r>
-          </a:p>
-        </p:txBody>
-      </p:sp>
-      <p:sp>
-        <p:nvSpPr>
-          <p:cNvPr id="3" name="Content Placeholder 2"/>
-          <p:cNvSpPr>
-            <a:spLocks noGrp="1"/>
-          </p:cNvSpPr>
-          <p:nvPr>
-            <p:ph idx="1"/>
-          </p:nvPr>
-        </p:nvSpPr>
-        <p:spPr/>
-        <p:txBody>
-          <a:bodyPr/>
-          <a:lstStyle/>
-          <a:p>
-            <a:pPr marL="0" indent="0">
-              <a:buNone/>
-            </a:pPr>
-            <a:r>
-              <a:rPr lang="en-US" dirty="0"/>
-              <a:t>Some useful review includes working on :</a:t>
-            </a:r>
-          </a:p>
-          <a:p>
-            <a:pPr marL="0" indent="0">
-              <a:buNone/>
-            </a:pPr>
-            <a:endParaRPr lang="en-US" dirty="0"/>
-          </a:p>
-          <a:p>
-            <a:r>
-              <a:rPr lang="en-US" dirty="0"/>
-              <a:t>Programming Project 2</a:t>
-            </a:r>
-          </a:p>
-          <a:p>
-            <a:r>
-              <a:rPr lang="en-US" dirty="0"/>
-              <a:t>Programming Project 3</a:t>
-            </a:r>
-          </a:p>
-          <a:p>
-            <a:endParaRPr lang="en-US" dirty="0"/>
-          </a:p>
-          <a:p>
-            <a:endParaRPr lang="en-US" dirty="0"/>
+          <p:cNvPr id="4" name="Title 3"/>
+          <p:cNvSpPr>
+            <a:spLocks noGrp="1"/>
+          </p:cNvSpPr>
+          <p:nvPr>
+            <p:ph type="ctrTitle"/>
+          </p:nvPr>
+        </p:nvSpPr>
+        <p:spPr>
+          <a:xfrm>
+            <a:off x="1524000" y="1374151"/>
+            <a:ext cx="9144000" cy="2387600"/>
+          </a:xfrm>
+        </p:spPr>
+        <p:txBody>
+          <a:bodyPr>
+            <a:normAutofit/>
+          </a:bodyPr>
+          <a:lstStyle/>
+          <a:p>
+            <a:r>
+              <a:rPr lang="en-US" sz="5000" dirty="0"/>
+              <a:t>What’s on the test?</a:t>
+            </a:r>
           </a:p>
         </p:txBody>
       </p:sp>
     </p:spTree>
     <p:extLst>
       <p:ext uri="{BB962C8B-B14F-4D97-AF65-F5344CB8AC3E}">
-        <p14:creationId xmlns:p14="http://schemas.microsoft.com/office/powerpoint/2010/main" val="196217508"/>
+        <p14:creationId xmlns:p14="http://schemas.microsoft.com/office/powerpoint/2010/main" val="2658648405"/>
       </p:ext>
     </p:extLst>
   </p:cSld>
@@ -16792,7 +16525,7 @@
           <a:p>
             <a:r>
               <a:rPr lang="en-US" dirty="0"/>
-              <a:t>Homework</a:t>
+              <a:t>Review Questions</a:t>
             </a:r>
           </a:p>
         </p:txBody>
@@ -16814,7 +16547,7 @@
           <a:p>
             <a:r>
               <a:rPr lang="en-US" dirty="0"/>
-              <a:t>Begin reviewing chapter two for the Unit Test</a:t>
+              <a:t>Use submitted review questions to review for the test</a:t>
             </a:r>
           </a:p>
           <a:p>
@@ -16823,7 +16556,16 @@
           <a:p>
             <a:r>
               <a:rPr lang="en-US" dirty="0"/>
-              <a:t>Submit 5 questions you have for review tomorrow</a:t>
+              <a:t>Assemble the questions into categories to go over</a:t>
+            </a:r>
+          </a:p>
+          <a:p>
+            <a:endParaRPr lang="en-US" dirty="0"/>
+          </a:p>
+          <a:p>
+            <a:r>
+              <a:rPr lang="en-US" dirty="0"/>
+              <a:t>Answer individual questions, or make slides for topics you think students need to go over</a:t>
             </a:r>
           </a:p>
         </p:txBody>
@@ -16831,7 +16573,7 @@
     </p:spTree>
     <p:extLst>
       <p:ext uri="{BB962C8B-B14F-4D97-AF65-F5344CB8AC3E}">
-        <p14:creationId xmlns:p14="http://schemas.microsoft.com/office/powerpoint/2010/main" val="4040128174"/>
+        <p14:creationId xmlns:p14="http://schemas.microsoft.com/office/powerpoint/2010/main" val="2220848634"/>
       </p:ext>
     </p:extLst>
   </p:cSld>
@@ -16865,39 +16607,57 @@
             <a:spLocks noGrp="1"/>
           </p:cNvSpPr>
           <p:nvPr>
-            <p:ph type="ctrTitle"/>
-          </p:nvPr>
-        </p:nvSpPr>
-        <p:spPr/>
-        <p:txBody>
-          <a:bodyPr/>
-          <a:lstStyle/>
-          <a:p>
-            <a:r>
-              <a:rPr lang="en-US" dirty="0"/>
-              <a:t>Review</a:t>
-            </a:r>
-          </a:p>
-        </p:txBody>
-      </p:sp>
-      <p:sp>
-        <p:nvSpPr>
-          <p:cNvPr id="3" name="Subtitle 2"/>
-          <p:cNvSpPr>
-            <a:spLocks noGrp="1"/>
-          </p:cNvSpPr>
-          <p:nvPr>
-            <p:ph type="subTitle" idx="1"/>
-          </p:nvPr>
-        </p:nvSpPr>
-        <p:spPr/>
-        <p:txBody>
-          <a:bodyPr/>
-          <a:lstStyle/>
-          <a:p>
-            <a:r>
-              <a:rPr lang="en-US" dirty="0"/>
-              <a:t>[ 2.11 ] [ Today’s Date ] [ Instructor Name ]</a:t>
+            <p:ph type="title"/>
+          </p:nvPr>
+        </p:nvSpPr>
+        <p:spPr/>
+        <p:txBody>
+          <a:bodyPr/>
+          <a:lstStyle/>
+          <a:p>
+            <a:r>
+              <a:rPr lang="en-US" dirty="0"/>
+              <a:t>Review Topics</a:t>
+            </a:r>
+          </a:p>
+        </p:txBody>
+      </p:sp>
+      <p:sp>
+        <p:nvSpPr>
+          <p:cNvPr id="3" name="Content Placeholder 2"/>
+          <p:cNvSpPr>
+            <a:spLocks noGrp="1"/>
+          </p:cNvSpPr>
+          <p:nvPr>
+            <p:ph idx="1"/>
+          </p:nvPr>
+        </p:nvSpPr>
+        <p:spPr/>
+        <p:txBody>
+          <a:bodyPr/>
+          <a:lstStyle/>
+          <a:p>
+            <a:pPr marL="0" indent="0">
+              <a:buNone/>
+            </a:pPr>
+            <a:r>
+              <a:rPr lang="en-US" dirty="0"/>
+              <a:t>Make a list of review topics that you feel you need to go over for the test tomorrow</a:t>
+            </a:r>
+          </a:p>
+          <a:p>
+            <a:pPr marL="0" indent="0">
+              <a:buNone/>
+            </a:pPr>
+            <a:endParaRPr lang="en-US" dirty="0"/>
+          </a:p>
+          <a:p>
+            <a:pPr marL="0" indent="0">
+              <a:buNone/>
+            </a:pPr>
+            <a:r>
+              <a:rPr lang="en-US" dirty="0"/>
+              <a:t>For each topic, follow up by reviewing the textbook and self-check problems</a:t>
             </a:r>
           </a:p>
         </p:txBody>
@@ -16905,7 +16665,7 @@
     </p:spTree>
     <p:extLst>
       <p:ext uri="{BB962C8B-B14F-4D97-AF65-F5344CB8AC3E}">
-        <p14:creationId xmlns:p14="http://schemas.microsoft.com/office/powerpoint/2010/main" val="3882292036"/>
+        <p14:creationId xmlns:p14="http://schemas.microsoft.com/office/powerpoint/2010/main" val="5537454"/>
       </p:ext>
     </p:extLst>
   </p:cSld>
@@ -17191,249 +16951,6 @@
 </file>
 
 <file path=ppt/slides/slide80.xml><?xml version="1.0" encoding="utf-8"?>
-<p:sld xmlns:a="http://schemas.openxmlformats.org/drawingml/2006/main" xmlns:r="http://schemas.openxmlformats.org/officeDocument/2006/relationships" xmlns:p="http://schemas.openxmlformats.org/presentationml/2006/main">
-  <p:cSld>
-    <p:spTree>
-      <p:nvGrpSpPr>
-        <p:cNvPr id="1" name=""/>
-        <p:cNvGrpSpPr/>
-        <p:nvPr/>
-      </p:nvGrpSpPr>
-      <p:grpSpPr>
-        <a:xfrm>
-          <a:off x="0" y="0"/>
-          <a:ext cx="0" cy="0"/>
-          <a:chOff x="0" y="0"/>
-          <a:chExt cx="0" cy="0"/>
-        </a:xfrm>
-      </p:grpSpPr>
-      <p:sp>
-        <p:nvSpPr>
-          <p:cNvPr id="4" name="Title 3"/>
-          <p:cNvSpPr>
-            <a:spLocks noGrp="1"/>
-          </p:cNvSpPr>
-          <p:nvPr>
-            <p:ph type="ctrTitle"/>
-          </p:nvPr>
-        </p:nvSpPr>
-        <p:spPr>
-          <a:xfrm>
-            <a:off x="1524000" y="1374151"/>
-            <a:ext cx="9144000" cy="2387600"/>
-          </a:xfrm>
-        </p:spPr>
-        <p:txBody>
-          <a:bodyPr>
-            <a:normAutofit/>
-          </a:bodyPr>
-          <a:lstStyle/>
-          <a:p>
-            <a:r>
-              <a:rPr lang="en-US" sz="5000" dirty="0"/>
-              <a:t>What’s on the test?</a:t>
-            </a:r>
-          </a:p>
-        </p:txBody>
-      </p:sp>
-    </p:spTree>
-    <p:extLst>
-      <p:ext uri="{BB962C8B-B14F-4D97-AF65-F5344CB8AC3E}">
-        <p14:creationId xmlns:p14="http://schemas.microsoft.com/office/powerpoint/2010/main" val="2658648405"/>
-      </p:ext>
-    </p:extLst>
-  </p:cSld>
-  <p:clrMapOvr>
-    <a:masterClrMapping/>
-  </p:clrMapOvr>
-</p:sld>
-</file>
-
-<file path=ppt/slides/slide81.xml><?xml version="1.0" encoding="utf-8"?>
-<p:sld xmlns:a="http://schemas.openxmlformats.org/drawingml/2006/main" xmlns:r="http://schemas.openxmlformats.org/officeDocument/2006/relationships" xmlns:p="http://schemas.openxmlformats.org/presentationml/2006/main">
-  <p:cSld>
-    <p:spTree>
-      <p:nvGrpSpPr>
-        <p:cNvPr id="1" name=""/>
-        <p:cNvGrpSpPr/>
-        <p:nvPr/>
-      </p:nvGrpSpPr>
-      <p:grpSpPr>
-        <a:xfrm>
-          <a:off x="0" y="0"/>
-          <a:ext cx="0" cy="0"/>
-          <a:chOff x="0" y="0"/>
-          <a:chExt cx="0" cy="0"/>
-        </a:xfrm>
-      </p:grpSpPr>
-      <p:sp>
-        <p:nvSpPr>
-          <p:cNvPr id="2" name="Title 1"/>
-          <p:cNvSpPr>
-            <a:spLocks noGrp="1"/>
-          </p:cNvSpPr>
-          <p:nvPr>
-            <p:ph type="title"/>
-          </p:nvPr>
-        </p:nvSpPr>
-        <p:spPr/>
-        <p:txBody>
-          <a:bodyPr/>
-          <a:lstStyle/>
-          <a:p>
-            <a:r>
-              <a:rPr lang="en-US" dirty="0"/>
-              <a:t>Review Questions</a:t>
-            </a:r>
-          </a:p>
-        </p:txBody>
-      </p:sp>
-      <p:sp>
-        <p:nvSpPr>
-          <p:cNvPr id="3" name="Content Placeholder 2"/>
-          <p:cNvSpPr>
-            <a:spLocks noGrp="1"/>
-          </p:cNvSpPr>
-          <p:nvPr>
-            <p:ph idx="1"/>
-          </p:nvPr>
-        </p:nvSpPr>
-        <p:spPr/>
-        <p:txBody>
-          <a:bodyPr/>
-          <a:lstStyle/>
-          <a:p>
-            <a:r>
-              <a:rPr lang="en-US" dirty="0"/>
-              <a:t>Use submitted review questions to review for the test</a:t>
-            </a:r>
-          </a:p>
-          <a:p>
-            <a:endParaRPr lang="en-US" dirty="0"/>
-          </a:p>
-          <a:p>
-            <a:r>
-              <a:rPr lang="en-US" dirty="0"/>
-              <a:t>Assemble the questions into categories to go over</a:t>
-            </a:r>
-          </a:p>
-          <a:p>
-            <a:endParaRPr lang="en-US" dirty="0"/>
-          </a:p>
-          <a:p>
-            <a:r>
-              <a:rPr lang="en-US" dirty="0"/>
-              <a:t>Answer individual questions, or make slides for topics you think students need to go over</a:t>
-            </a:r>
-          </a:p>
-        </p:txBody>
-      </p:sp>
-    </p:spTree>
-    <p:extLst>
-      <p:ext uri="{BB962C8B-B14F-4D97-AF65-F5344CB8AC3E}">
-        <p14:creationId xmlns:p14="http://schemas.microsoft.com/office/powerpoint/2010/main" val="2220848634"/>
-      </p:ext>
-    </p:extLst>
-  </p:cSld>
-  <p:clrMapOvr>
-    <a:masterClrMapping/>
-  </p:clrMapOvr>
-</p:sld>
-</file>
-
-<file path=ppt/slides/slide82.xml><?xml version="1.0" encoding="utf-8"?>
-<p:sld xmlns:a="http://schemas.openxmlformats.org/drawingml/2006/main" xmlns:r="http://schemas.openxmlformats.org/officeDocument/2006/relationships" xmlns:p="http://schemas.openxmlformats.org/presentationml/2006/main">
-  <p:cSld>
-    <p:spTree>
-      <p:nvGrpSpPr>
-        <p:cNvPr id="1" name=""/>
-        <p:cNvGrpSpPr/>
-        <p:nvPr/>
-      </p:nvGrpSpPr>
-      <p:grpSpPr>
-        <a:xfrm>
-          <a:off x="0" y="0"/>
-          <a:ext cx="0" cy="0"/>
-          <a:chOff x="0" y="0"/>
-          <a:chExt cx="0" cy="0"/>
-        </a:xfrm>
-      </p:grpSpPr>
-      <p:sp>
-        <p:nvSpPr>
-          <p:cNvPr id="2" name="Title 1"/>
-          <p:cNvSpPr>
-            <a:spLocks noGrp="1"/>
-          </p:cNvSpPr>
-          <p:nvPr>
-            <p:ph type="title"/>
-          </p:nvPr>
-        </p:nvSpPr>
-        <p:spPr/>
-        <p:txBody>
-          <a:bodyPr/>
-          <a:lstStyle/>
-          <a:p>
-            <a:r>
-              <a:rPr lang="en-US" dirty="0"/>
-              <a:t>Review Topics</a:t>
-            </a:r>
-          </a:p>
-        </p:txBody>
-      </p:sp>
-      <p:sp>
-        <p:nvSpPr>
-          <p:cNvPr id="3" name="Content Placeholder 2"/>
-          <p:cNvSpPr>
-            <a:spLocks noGrp="1"/>
-          </p:cNvSpPr>
-          <p:nvPr>
-            <p:ph idx="1"/>
-          </p:nvPr>
-        </p:nvSpPr>
-        <p:spPr/>
-        <p:txBody>
-          <a:bodyPr/>
-          <a:lstStyle/>
-          <a:p>
-            <a:pPr marL="0" indent="0">
-              <a:buNone/>
-            </a:pPr>
-            <a:r>
-              <a:rPr lang="en-US" dirty="0"/>
-              <a:t>Make a list of review topics that you feel you need to go over for the test tomorrow</a:t>
-            </a:r>
-          </a:p>
-          <a:p>
-            <a:pPr marL="0" indent="0">
-              <a:buNone/>
-            </a:pPr>
-            <a:endParaRPr lang="en-US" dirty="0"/>
-          </a:p>
-          <a:p>
-            <a:pPr marL="0" indent="0">
-              <a:buNone/>
-            </a:pPr>
-            <a:r>
-              <a:rPr lang="en-US" dirty="0"/>
-              <a:t>For each topic, follow up by reviewing the textbook, self-check problems, and the appropriate Practice-It problems</a:t>
-            </a:r>
-          </a:p>
-        </p:txBody>
-      </p:sp>
-    </p:spTree>
-    <p:extLst>
-      <p:ext uri="{BB962C8B-B14F-4D97-AF65-F5344CB8AC3E}">
-        <p14:creationId xmlns:p14="http://schemas.microsoft.com/office/powerpoint/2010/main" val="5537454"/>
-      </p:ext>
-    </p:extLst>
-  </p:cSld>
-  <p:clrMapOvr>
-    <a:masterClrMapping/>
-  </p:clrMapOvr>
-</p:sld>
-</file>
-
-<file path=ppt/slides/slide83.xml><?xml version="1.0" encoding="utf-8"?>
 <p:sld xmlns:a="http://schemas.openxmlformats.org/drawingml/2006/main" xmlns:r="http://schemas.openxmlformats.org/officeDocument/2006/relationships" xmlns:p="http://schemas.openxmlformats.org/presentationml/2006/main">
   <p:cSld>
     <p:spTree>
@@ -18201,6 +17718,15 @@
 </file>
 
 <file path=customXml/item1.xml><?xml version="1.0" encoding="utf-8"?>
+<?mso-contentType ?>
+<FormTemplates xmlns="http://schemas.microsoft.com/sharepoint/v3/contenttype/forms">
+  <Display>DocumentLibraryForm</Display>
+  <Edit>DocumentLibraryForm</Edit>
+  <New>DocumentLibraryForm</New>
+</FormTemplates>
+</file>
+
+<file path=customXml/item2.xml><?xml version="1.0" encoding="utf-8"?>
 <ct:contentTypeSchema xmlns:ct="http://schemas.microsoft.com/office/2006/metadata/contentType" xmlns:ma="http://schemas.microsoft.com/office/2006/metadata/properties/metaAttributes" ct:_="" ma:_="" ma:contentTypeName="Document" ma:contentTypeID="0x010100BABADD3A0624AA4E97287821B8F4D7D6" ma:contentTypeVersion="3" ma:contentTypeDescription="Create a new document." ma:contentTypeScope="" ma:versionID="d1f55a70bd1930e0ae5c5588ea58d234">
   <xsd:schema xmlns:xsd="http://www.w3.org/2001/XMLSchema" xmlns:xs="http://www.w3.org/2001/XMLSchema" xmlns:p="http://schemas.microsoft.com/office/2006/metadata/properties" xmlns:ns2="5edd459b-714d-42ed-b78f-512da7d1c14e" targetNamespace="http://schemas.microsoft.com/office/2006/metadata/properties" ma:root="true" ma:fieldsID="5a6a6e2895642296b7d1775ae73bc200" ns2:_="">
     <xsd:import namespace="5edd459b-714d-42ed-b78f-512da7d1c14e"/>
@@ -18354,22 +17880,21 @@
 </ct:contentTypeSchema>
 </file>
 
-<file path=customXml/item2.xml><?xml version="1.0" encoding="utf-8"?>
+<file path=customXml/item3.xml><?xml version="1.0" encoding="utf-8"?>
 <p:properties xmlns:p="http://schemas.microsoft.com/office/2006/metadata/properties" xmlns:xsi="http://www.w3.org/2001/XMLSchema-instance" xmlns:pc="http://schemas.microsoft.com/office/infopath/2007/PartnerControls">
   <documentManagement/>
 </p:properties>
 </file>
 
-<file path=customXml/item3.xml><?xml version="1.0" encoding="utf-8"?>
-<?mso-contentType ?>
-<FormTemplates xmlns="http://schemas.microsoft.com/sharepoint/v3/contenttype/forms">
-  <Display>DocumentLibraryForm</Display>
-  <Edit>DocumentLibraryForm</Edit>
-  <New>DocumentLibraryForm</New>
-</FormTemplates>
+<file path=customXml/itemProps1.xml><?xml version="1.0" encoding="utf-8"?>
+<ds:datastoreItem xmlns:ds="http://schemas.openxmlformats.org/officeDocument/2006/customXml" ds:itemID="{D3F258A9-62F9-4AA7-BEBE-DE1957F67E4B}">
+  <ds:schemaRefs>
+    <ds:schemaRef ds:uri="http://schemas.microsoft.com/sharepoint/v3/contenttype/forms"/>
+  </ds:schemaRefs>
+</ds:datastoreItem>
 </file>
 
-<file path=customXml/itemProps1.xml><?xml version="1.0" encoding="utf-8"?>
+<file path=customXml/itemProps2.xml><?xml version="1.0" encoding="utf-8"?>
 <ds:datastoreItem xmlns:ds="http://schemas.openxmlformats.org/officeDocument/2006/customXml" ds:itemID="{9B436524-1E59-45A9-9022-9518E43CCB5C}">
   <ds:schemaRefs>
     <ds:schemaRef ds:uri="http://schemas.microsoft.com/office/2006/metadata/contentType"/>
@@ -18387,7 +17912,7 @@
 </ds:datastoreItem>
 </file>
 
-<file path=customXml/itemProps2.xml><?xml version="1.0" encoding="utf-8"?>
+<file path=customXml/itemProps3.xml><?xml version="1.0" encoding="utf-8"?>
 <ds:datastoreItem xmlns:ds="http://schemas.openxmlformats.org/officeDocument/2006/customXml" ds:itemID="{137ABD09-FFEE-4830-B492-D9820D9FDFA2}">
   <ds:schemaRefs>
     <ds:schemaRef ds:uri="http://schemas.microsoft.com/office/infopath/2007/PartnerControls"/>
@@ -18401,12 +17926,4 @@
     <ds:schemaRef ds:uri="http://www.w3.org/XML/1998/namespace"/>
   </ds:schemaRefs>
 </ds:datastoreItem>
-</file>
-
-<file path=customXml/itemProps3.xml><?xml version="1.0" encoding="utf-8"?>
-<ds:datastoreItem xmlns:ds="http://schemas.openxmlformats.org/officeDocument/2006/customXml" ds:itemID="{D3F258A9-62F9-4AA7-BEBE-DE1957F67E4B}">
-  <ds:schemaRefs>
-    <ds:schemaRef ds:uri="http://schemas.microsoft.com/sharepoint/v3/contenttype/forms"/>
-  </ds:schemaRefs>
-</ds:datastoreItem>
 </file>
--- a/curriculum/Unit2/Unit2.pptx
+++ b/curriculum/Unit2/Unit2.pptx
@@ -5,7 +5,7 @@
     <p:sldMasterId id="2147483648" r:id="rId4"/>
   </p:sldMasterIdLst>
   <p:notesMasterIdLst>
-    <p:notesMasterId r:id="rId85"/>
+    <p:notesMasterId r:id="rId88"/>
   </p:notesMasterIdLst>
   <p:sldIdLst>
     <p:sldId id="318" r:id="rId5"/>
@@ -36,58 +36,61 @@
     <p:sldId id="334" r:id="rId30"/>
     <p:sldId id="335" r:id="rId31"/>
     <p:sldId id="328" r:id="rId32"/>
-    <p:sldId id="330" r:id="rId33"/>
-    <p:sldId id="301" r:id="rId34"/>
-    <p:sldId id="302" r:id="rId35"/>
-    <p:sldId id="303" r:id="rId36"/>
-    <p:sldId id="304" r:id="rId37"/>
-    <p:sldId id="305" r:id="rId38"/>
-    <p:sldId id="306" r:id="rId39"/>
-    <p:sldId id="336" r:id="rId40"/>
-    <p:sldId id="290" r:id="rId41"/>
-    <p:sldId id="291" r:id="rId42"/>
-    <p:sldId id="292" r:id="rId43"/>
-    <p:sldId id="293" r:id="rId44"/>
-    <p:sldId id="294" r:id="rId45"/>
-    <p:sldId id="295" r:id="rId46"/>
-    <p:sldId id="296" r:id="rId47"/>
-    <p:sldId id="297" r:id="rId48"/>
-    <p:sldId id="298" r:id="rId49"/>
-    <p:sldId id="299" r:id="rId50"/>
-    <p:sldId id="300" r:id="rId51"/>
-    <p:sldId id="285" r:id="rId52"/>
-    <p:sldId id="286" r:id="rId53"/>
-    <p:sldId id="287" r:id="rId54"/>
-    <p:sldId id="289" r:id="rId55"/>
-    <p:sldId id="278" r:id="rId56"/>
-    <p:sldId id="279" r:id="rId57"/>
-    <p:sldId id="280" r:id="rId58"/>
-    <p:sldId id="281" r:id="rId59"/>
-    <p:sldId id="282" r:id="rId60"/>
-    <p:sldId id="284" r:id="rId61"/>
-    <p:sldId id="274" r:id="rId62"/>
-    <p:sldId id="275" r:id="rId63"/>
-    <p:sldId id="337" r:id="rId64"/>
-    <p:sldId id="276" r:id="rId65"/>
-    <p:sldId id="277" r:id="rId66"/>
-    <p:sldId id="271" r:id="rId67"/>
-    <p:sldId id="272" r:id="rId68"/>
-    <p:sldId id="273" r:id="rId69"/>
-    <p:sldId id="266" r:id="rId70"/>
-    <p:sldId id="267" r:id="rId71"/>
-    <p:sldId id="268" r:id="rId72"/>
-    <p:sldId id="269" r:id="rId73"/>
-    <p:sldId id="270" r:id="rId74"/>
-    <p:sldId id="261" r:id="rId75"/>
-    <p:sldId id="262" r:id="rId76"/>
-    <p:sldId id="263" r:id="rId77"/>
-    <p:sldId id="264" r:id="rId78"/>
-    <p:sldId id="265" r:id="rId79"/>
-    <p:sldId id="256" r:id="rId80"/>
-    <p:sldId id="257" r:id="rId81"/>
-    <p:sldId id="258" r:id="rId82"/>
-    <p:sldId id="259" r:id="rId83"/>
-    <p:sldId id="260" r:id="rId84"/>
+    <p:sldId id="329" r:id="rId33"/>
+    <p:sldId id="330" r:id="rId34"/>
+    <p:sldId id="301" r:id="rId35"/>
+    <p:sldId id="302" r:id="rId36"/>
+    <p:sldId id="303" r:id="rId37"/>
+    <p:sldId id="304" r:id="rId38"/>
+    <p:sldId id="305" r:id="rId39"/>
+    <p:sldId id="306" r:id="rId40"/>
+    <p:sldId id="336" r:id="rId41"/>
+    <p:sldId id="290" r:id="rId42"/>
+    <p:sldId id="291" r:id="rId43"/>
+    <p:sldId id="292" r:id="rId44"/>
+    <p:sldId id="293" r:id="rId45"/>
+    <p:sldId id="294" r:id="rId46"/>
+    <p:sldId id="295" r:id="rId47"/>
+    <p:sldId id="296" r:id="rId48"/>
+    <p:sldId id="297" r:id="rId49"/>
+    <p:sldId id="298" r:id="rId50"/>
+    <p:sldId id="299" r:id="rId51"/>
+    <p:sldId id="300" r:id="rId52"/>
+    <p:sldId id="285" r:id="rId53"/>
+    <p:sldId id="286" r:id="rId54"/>
+    <p:sldId id="287" r:id="rId55"/>
+    <p:sldId id="288" r:id="rId56"/>
+    <p:sldId id="289" r:id="rId57"/>
+    <p:sldId id="278" r:id="rId58"/>
+    <p:sldId id="279" r:id="rId59"/>
+    <p:sldId id="280" r:id="rId60"/>
+    <p:sldId id="281" r:id="rId61"/>
+    <p:sldId id="282" r:id="rId62"/>
+    <p:sldId id="283" r:id="rId63"/>
+    <p:sldId id="284" r:id="rId64"/>
+    <p:sldId id="274" r:id="rId65"/>
+    <p:sldId id="275" r:id="rId66"/>
+    <p:sldId id="337" r:id="rId67"/>
+    <p:sldId id="276" r:id="rId68"/>
+    <p:sldId id="277" r:id="rId69"/>
+    <p:sldId id="271" r:id="rId70"/>
+    <p:sldId id="272" r:id="rId71"/>
+    <p:sldId id="273" r:id="rId72"/>
+    <p:sldId id="266" r:id="rId73"/>
+    <p:sldId id="267" r:id="rId74"/>
+    <p:sldId id="268" r:id="rId75"/>
+    <p:sldId id="269" r:id="rId76"/>
+    <p:sldId id="270" r:id="rId77"/>
+    <p:sldId id="261" r:id="rId78"/>
+    <p:sldId id="262" r:id="rId79"/>
+    <p:sldId id="263" r:id="rId80"/>
+    <p:sldId id="264" r:id="rId81"/>
+    <p:sldId id="265" r:id="rId82"/>
+    <p:sldId id="256" r:id="rId83"/>
+    <p:sldId id="257" r:id="rId84"/>
+    <p:sldId id="258" r:id="rId85"/>
+    <p:sldId id="259" r:id="rId86"/>
+    <p:sldId id="260" r:id="rId87"/>
   </p:sldIdLst>
   <p:sldSz cx="12192000" cy="6858000"/>
   <p:notesSz cx="6858000" cy="9144000"/>
@@ -287,7 +290,7 @@
           <a:p>
             <a:fld id="{01EE7243-FE3C-4092-BCD1-A3CEC92C371A}" type="datetimeFigureOut">
               <a:rPr lang="en-US" smtClean="0"/>
-              <a:t>2/18/2020</a:t>
+              <a:t>1/9/2020</a:t>
             </a:fld>
             <a:endParaRPr lang="en-US"/>
           </a:p>
@@ -682,6 +685,28 @@
           <a:bodyPr/>
           <a:lstStyle/>
           <a:p>
+            <a:r>
+              <a:rPr lang="en-US" dirty="0"/>
+              <a:t>If you think you’re class gets incrementing and concatenation</a:t>
+            </a:r>
+            <a:r>
+              <a:rPr lang="en-US" baseline="0" dirty="0"/>
+              <a:t>, I would recommend skipping </a:t>
+            </a:r>
+            <a:r>
+              <a:rPr lang="en-US" baseline="0" dirty="0" err="1"/>
+              <a:t>GrudgeBall</a:t>
+            </a:r>
+            <a:r>
+              <a:rPr lang="en-US" baseline="0" dirty="0"/>
+              <a:t> to review previous content or start on 2.4 (there’s essentially no homework for today). If you’re class doesn’t get it and you feel like a 30 minute activity is too much, do some practice questions on the board and review previous topics.</a:t>
+            </a:r>
+          </a:p>
+          <a:p>
+            <a:r>
+              <a:rPr lang="en-US" baseline="0" dirty="0"/>
+              <a:t>Practice-It self check 2.2, 2.3, and 2.4 are all good for expressions.</a:t>
+            </a:r>
             <a:endParaRPr lang="en-US" dirty="0"/>
           </a:p>
         </p:txBody>
@@ -703,7 +728,7 @@
           <a:p>
             <a:fld id="{C56969A0-B3EA-45A4-A390-44554200A62E}" type="slidenum">
               <a:rPr lang="en-US" smtClean="0"/>
-              <a:t>37</a:t>
+              <a:t>36</a:t>
             </a:fld>
             <a:endParaRPr lang="en-US"/>
           </a:p>
@@ -712,7 +737,7 @@
     </p:spTree>
     <p:extLst>
       <p:ext uri="{BB962C8B-B14F-4D97-AF65-F5344CB8AC3E}">
-        <p14:creationId xmlns:p14="http://schemas.microsoft.com/office/powerpoint/2010/main" val="2723762761"/>
+        <p14:creationId xmlns:p14="http://schemas.microsoft.com/office/powerpoint/2010/main" val="239085459"/>
       </p:ext>
     </p:extLst>
   </p:cSld>
@@ -766,14 +791,6 @@
           <a:bodyPr/>
           <a:lstStyle/>
           <a:p>
-            <a:r>
-              <a:rPr lang="en-US" dirty="0"/>
-              <a:t>FYI:</a:t>
-            </a:r>
-            <a:r>
-              <a:rPr lang="en-US" baseline="0" dirty="0"/>
-              <a:t> This is the high school from Teen Wolf a popular teen show about werewolves (hence the name).</a:t>
-            </a:r>
             <a:endParaRPr lang="en-US" dirty="0"/>
           </a:p>
         </p:txBody>
@@ -795,7 +812,7 @@
           <a:p>
             <a:fld id="{C56969A0-B3EA-45A4-A390-44554200A62E}" type="slidenum">
               <a:rPr lang="en-US" smtClean="0"/>
-              <a:t>43</a:t>
+              <a:t>38</a:t>
             </a:fld>
             <a:endParaRPr lang="en-US"/>
           </a:p>
@@ -804,7 +821,7 @@
     </p:spTree>
     <p:extLst>
       <p:ext uri="{BB962C8B-B14F-4D97-AF65-F5344CB8AC3E}">
-        <p14:creationId xmlns:p14="http://schemas.microsoft.com/office/powerpoint/2010/main" val="2249690212"/>
+        <p14:creationId xmlns:p14="http://schemas.microsoft.com/office/powerpoint/2010/main" val="2723762761"/>
       </p:ext>
     </p:extLst>
   </p:cSld>
@@ -860,15 +877,11 @@
           <a:p>
             <a:r>
               <a:rPr lang="en-US" dirty="0"/>
-              <a:t>This</a:t>
+              <a:t>FYI:</a:t>
             </a:r>
             <a:r>
               <a:rPr lang="en-US" baseline="0" dirty="0"/>
-              <a:t> unit is mostly done either on practice it or the board. Feel free to edit </a:t>
-            </a:r>
-            <a:r>
-              <a:rPr lang="en-US" baseline="0"/>
-              <a:t>this slide deck as you see fit!</a:t>
+              <a:t> This is the high school from Teen Wolf a popular teen show about werewolves (hence the name).</a:t>
             </a:r>
             <a:endParaRPr lang="en-US" dirty="0"/>
           </a:p>
@@ -891,7 +904,7 @@
           <a:p>
             <a:fld id="{C56969A0-B3EA-45A4-A390-44554200A62E}" type="slidenum">
               <a:rPr lang="en-US" smtClean="0"/>
-              <a:t>48</a:t>
+              <a:t>44</a:t>
             </a:fld>
             <a:endParaRPr lang="en-US"/>
           </a:p>
@@ -900,7 +913,7 @@
     </p:spTree>
     <p:extLst>
       <p:ext uri="{BB962C8B-B14F-4D97-AF65-F5344CB8AC3E}">
-        <p14:creationId xmlns:p14="http://schemas.microsoft.com/office/powerpoint/2010/main" val="1775871340"/>
+        <p14:creationId xmlns:p14="http://schemas.microsoft.com/office/powerpoint/2010/main" val="2249690212"/>
       </p:ext>
     </p:extLst>
   </p:cSld>
@@ -956,17 +969,15 @@
           <a:p>
             <a:r>
               <a:rPr lang="en-US" dirty="0"/>
-              <a:t>Add your own for</a:t>
+              <a:t>This</a:t>
             </a:r>
             <a:r>
               <a:rPr lang="en-US" baseline="0" dirty="0"/>
-              <a:t> loop up on the board, have the class follow along. Example above.</a:t>
-            </a:r>
-          </a:p>
-          <a:p>
-            <a:r>
-              <a:rPr lang="en-US" baseline="0" dirty="0"/>
-              <a:t>You can tweak each of these for loops and ask your class what would be said.</a:t>
+              <a:t> unit is mostly done either on practice it or the board. Feel free to edit </a:t>
+            </a:r>
+            <a:r>
+              <a:rPr lang="en-US" baseline="0"/>
+              <a:t>this slide deck as you see fit!</a:t>
             </a:r>
             <a:endParaRPr lang="en-US" dirty="0"/>
           </a:p>
@@ -998,7 +1009,7 @@
     </p:spTree>
     <p:extLst>
       <p:ext uri="{BB962C8B-B14F-4D97-AF65-F5344CB8AC3E}">
-        <p14:creationId xmlns:p14="http://schemas.microsoft.com/office/powerpoint/2010/main" val="4201018680"/>
+        <p14:creationId xmlns:p14="http://schemas.microsoft.com/office/powerpoint/2010/main" val="1775871340"/>
       </p:ext>
     </p:extLst>
   </p:cSld>
@@ -1054,8 +1065,19 @@
           <a:p>
             <a:r>
               <a:rPr lang="en-US" dirty="0"/>
-              <a:t>Don’t show your class this slide until after they finish.</a:t>
-            </a:r>
+              <a:t>Add your own for</a:t>
+            </a:r>
+            <a:r>
+              <a:rPr lang="en-US" baseline="0" dirty="0"/>
+              <a:t> loop up on the board, have the class follow along. Example above.</a:t>
+            </a:r>
+          </a:p>
+          <a:p>
+            <a:r>
+              <a:rPr lang="en-US" baseline="0" dirty="0"/>
+              <a:t>You can tweak each of these for loops and ask your class what would be said.</a:t>
+            </a:r>
+            <a:endParaRPr lang="en-US" dirty="0"/>
           </a:p>
         </p:txBody>
       </p:sp>
@@ -1085,7 +1107,7 @@
     </p:spTree>
     <p:extLst>
       <p:ext uri="{BB962C8B-B14F-4D97-AF65-F5344CB8AC3E}">
-        <p14:creationId xmlns:p14="http://schemas.microsoft.com/office/powerpoint/2010/main" val="1430313054"/>
+        <p14:creationId xmlns:p14="http://schemas.microsoft.com/office/powerpoint/2010/main" val="4201018680"/>
       </p:ext>
     </p:extLst>
   </p:cSld>
@@ -1141,17 +1163,8 @@
           <a:p>
             <a:r>
               <a:rPr lang="en-US" dirty="0"/>
-              <a:t>This</a:t>
-            </a:r>
-            <a:r>
-              <a:rPr lang="en-US" baseline="0" dirty="0"/>
-              <a:t> unit is mostly done either on practice it or the board. Feel free to edit </a:t>
-            </a:r>
-            <a:r>
-              <a:rPr lang="en-US" baseline="0"/>
-              <a:t>this slide deck as you see fit!</a:t>
-            </a:r>
-            <a:endParaRPr lang="en-US" dirty="0"/>
+              <a:t>Don’t show your class this slide until after they finish.</a:t>
+            </a:r>
           </a:p>
         </p:txBody>
       </p:sp>
@@ -1172,7 +1185,7 @@
           <a:p>
             <a:fld id="{C56969A0-B3EA-45A4-A390-44554200A62E}" type="slidenum">
               <a:rPr lang="en-US" smtClean="0"/>
-              <a:t>52</a:t>
+              <a:t>51</a:t>
             </a:fld>
             <a:endParaRPr lang="en-US"/>
           </a:p>
@@ -1181,7 +1194,7 @@
     </p:spTree>
     <p:extLst>
       <p:ext uri="{BB962C8B-B14F-4D97-AF65-F5344CB8AC3E}">
-        <p14:creationId xmlns:p14="http://schemas.microsoft.com/office/powerpoint/2010/main" val="3457626382"/>
+        <p14:creationId xmlns:p14="http://schemas.microsoft.com/office/powerpoint/2010/main" val="1430313054"/>
       </p:ext>
     </p:extLst>
   </p:cSld>
@@ -1268,7 +1281,7 @@
           <a:p>
             <a:fld id="{C56969A0-B3EA-45A4-A390-44554200A62E}" type="slidenum">
               <a:rPr lang="en-US" smtClean="0"/>
-              <a:t>58</a:t>
+              <a:t>54</a:t>
             </a:fld>
             <a:endParaRPr lang="en-US"/>
           </a:p>
@@ -1277,7 +1290,7 @@
     </p:spTree>
     <p:extLst>
       <p:ext uri="{BB962C8B-B14F-4D97-AF65-F5344CB8AC3E}">
-        <p14:creationId xmlns:p14="http://schemas.microsoft.com/office/powerpoint/2010/main" val="1825897824"/>
+        <p14:creationId xmlns:p14="http://schemas.microsoft.com/office/powerpoint/2010/main" val="3457626382"/>
       </p:ext>
     </p:extLst>
   </p:cSld>
@@ -1333,15 +1346,11 @@
           <a:p>
             <a:r>
               <a:rPr lang="en-US" dirty="0"/>
-              <a:t>This</a:t>
+              <a:t>Practice It, alternatively</a:t>
             </a:r>
             <a:r>
               <a:rPr lang="en-US" baseline="0" dirty="0"/>
-              <a:t> unit is mostly done either on practice it or the board. Feel free to edit </a:t>
-            </a:r>
-            <a:r>
-              <a:rPr lang="en-US" baseline="0"/>
-              <a:t>this slide deck as you see fit!</a:t>
+              <a:t> you can work on the challenge introduced at the start. The alternative would generally be done on the board as it’s easier to talk the class through the loop step by step.</a:t>
             </a:r>
             <a:endParaRPr lang="en-US" dirty="0"/>
           </a:p>
@@ -1364,7 +1373,7 @@
           <a:p>
             <a:fld id="{C56969A0-B3EA-45A4-A390-44554200A62E}" type="slidenum">
               <a:rPr lang="en-US" smtClean="0"/>
-              <a:t>63</a:t>
+              <a:t>59</a:t>
             </a:fld>
             <a:endParaRPr lang="en-US"/>
           </a:p>
@@ -1373,7 +1382,7 @@
     </p:spTree>
     <p:extLst>
       <p:ext uri="{BB962C8B-B14F-4D97-AF65-F5344CB8AC3E}">
-        <p14:creationId xmlns:p14="http://schemas.microsoft.com/office/powerpoint/2010/main" val="2228105771"/>
+        <p14:creationId xmlns:p14="http://schemas.microsoft.com/office/powerpoint/2010/main" val="3898233131"/>
       </p:ext>
     </p:extLst>
   </p:cSld>
@@ -1460,7 +1469,7 @@
           <a:p>
             <a:fld id="{C56969A0-B3EA-45A4-A390-44554200A62E}" type="slidenum">
               <a:rPr lang="en-US" smtClean="0"/>
-              <a:t>66</a:t>
+              <a:t>61</a:t>
             </a:fld>
             <a:endParaRPr lang="en-US"/>
           </a:p>
@@ -1469,7 +1478,7 @@
     </p:spTree>
     <p:extLst>
       <p:ext uri="{BB962C8B-B14F-4D97-AF65-F5344CB8AC3E}">
-        <p14:creationId xmlns:p14="http://schemas.microsoft.com/office/powerpoint/2010/main" val="3215377394"/>
+        <p14:creationId xmlns:p14="http://schemas.microsoft.com/office/powerpoint/2010/main" val="1825897824"/>
       </p:ext>
     </p:extLst>
   </p:cSld>
@@ -1556,7 +1565,7 @@
           <a:p>
             <a:fld id="{C56969A0-B3EA-45A4-A390-44554200A62E}" type="slidenum">
               <a:rPr lang="en-US" smtClean="0"/>
-              <a:t>71</a:t>
+              <a:t>66</a:t>
             </a:fld>
             <a:endParaRPr lang="en-US"/>
           </a:p>
@@ -1565,7 +1574,7 @@
     </p:spTree>
     <p:extLst>
       <p:ext uri="{BB962C8B-B14F-4D97-AF65-F5344CB8AC3E}">
-        <p14:creationId xmlns:p14="http://schemas.microsoft.com/office/powerpoint/2010/main" val="2352727907"/>
+        <p14:creationId xmlns:p14="http://schemas.microsoft.com/office/powerpoint/2010/main" val="2228105771"/>
       </p:ext>
     </p:extLst>
   </p:cSld>
@@ -1650,6 +1659,198 @@
     <p:extLst>
       <p:ext uri="{BB962C8B-B14F-4D97-AF65-F5344CB8AC3E}">
         <p14:creationId xmlns:p14="http://schemas.microsoft.com/office/powerpoint/2010/main" val="1421016923"/>
+      </p:ext>
+    </p:extLst>
+  </p:cSld>
+  <p:clrMapOvr>
+    <a:masterClrMapping/>
+  </p:clrMapOvr>
+</p:notes>
+</file>
+
+<file path=ppt/notesSlides/notesSlide20.xml><?xml version="1.0" encoding="utf-8"?>
+<p:notes xmlns:a="http://schemas.openxmlformats.org/drawingml/2006/main" xmlns:r="http://schemas.openxmlformats.org/officeDocument/2006/relationships" xmlns:p="http://schemas.openxmlformats.org/presentationml/2006/main">
+  <p:cSld>
+    <p:spTree>
+      <p:nvGrpSpPr>
+        <p:cNvPr id="1" name=""/>
+        <p:cNvGrpSpPr/>
+        <p:nvPr/>
+      </p:nvGrpSpPr>
+      <p:grpSpPr>
+        <a:xfrm>
+          <a:off x="0" y="0"/>
+          <a:ext cx="0" cy="0"/>
+          <a:chOff x="0" y="0"/>
+          <a:chExt cx="0" cy="0"/>
+        </a:xfrm>
+      </p:grpSpPr>
+      <p:sp>
+        <p:nvSpPr>
+          <p:cNvPr id="2" name="Slide Image Placeholder 1"/>
+          <p:cNvSpPr>
+            <a:spLocks noGrp="1" noRot="1" noChangeAspect="1"/>
+          </p:cNvSpPr>
+          <p:nvPr>
+            <p:ph type="sldImg"/>
+          </p:nvPr>
+        </p:nvSpPr>
+        <p:spPr/>
+      </p:sp>
+      <p:sp>
+        <p:nvSpPr>
+          <p:cNvPr id="3" name="Notes Placeholder 2"/>
+          <p:cNvSpPr>
+            <a:spLocks noGrp="1"/>
+          </p:cNvSpPr>
+          <p:nvPr>
+            <p:ph type="body" idx="1"/>
+          </p:nvPr>
+        </p:nvSpPr>
+        <p:spPr/>
+        <p:txBody>
+          <a:bodyPr/>
+          <a:lstStyle/>
+          <a:p>
+            <a:r>
+              <a:rPr lang="en-US" dirty="0"/>
+              <a:t>This</a:t>
+            </a:r>
+            <a:r>
+              <a:rPr lang="en-US" baseline="0" dirty="0"/>
+              <a:t> unit is mostly done either on practice it or the board. Feel free to edit </a:t>
+            </a:r>
+            <a:r>
+              <a:rPr lang="en-US" baseline="0"/>
+              <a:t>this slide deck as you see fit!</a:t>
+            </a:r>
+            <a:endParaRPr lang="en-US" dirty="0"/>
+          </a:p>
+        </p:txBody>
+      </p:sp>
+      <p:sp>
+        <p:nvSpPr>
+          <p:cNvPr id="4" name="Slide Number Placeholder 3"/>
+          <p:cNvSpPr>
+            <a:spLocks noGrp="1"/>
+          </p:cNvSpPr>
+          <p:nvPr>
+            <p:ph type="sldNum" sz="quarter" idx="10"/>
+          </p:nvPr>
+        </p:nvSpPr>
+        <p:spPr/>
+        <p:txBody>
+          <a:bodyPr/>
+          <a:lstStyle/>
+          <a:p>
+            <a:fld id="{C56969A0-B3EA-45A4-A390-44554200A62E}" type="slidenum">
+              <a:rPr lang="en-US" smtClean="0"/>
+              <a:t>69</a:t>
+            </a:fld>
+            <a:endParaRPr lang="en-US"/>
+          </a:p>
+        </p:txBody>
+      </p:sp>
+    </p:spTree>
+    <p:extLst>
+      <p:ext uri="{BB962C8B-B14F-4D97-AF65-F5344CB8AC3E}">
+        <p14:creationId xmlns:p14="http://schemas.microsoft.com/office/powerpoint/2010/main" val="3215377394"/>
+      </p:ext>
+    </p:extLst>
+  </p:cSld>
+  <p:clrMapOvr>
+    <a:masterClrMapping/>
+  </p:clrMapOvr>
+</p:notes>
+</file>
+
+<file path=ppt/notesSlides/notesSlide21.xml><?xml version="1.0" encoding="utf-8"?>
+<p:notes xmlns:a="http://schemas.openxmlformats.org/drawingml/2006/main" xmlns:r="http://schemas.openxmlformats.org/officeDocument/2006/relationships" xmlns:p="http://schemas.openxmlformats.org/presentationml/2006/main">
+  <p:cSld>
+    <p:spTree>
+      <p:nvGrpSpPr>
+        <p:cNvPr id="1" name=""/>
+        <p:cNvGrpSpPr/>
+        <p:nvPr/>
+      </p:nvGrpSpPr>
+      <p:grpSpPr>
+        <a:xfrm>
+          <a:off x="0" y="0"/>
+          <a:ext cx="0" cy="0"/>
+          <a:chOff x="0" y="0"/>
+          <a:chExt cx="0" cy="0"/>
+        </a:xfrm>
+      </p:grpSpPr>
+      <p:sp>
+        <p:nvSpPr>
+          <p:cNvPr id="2" name="Slide Image Placeholder 1"/>
+          <p:cNvSpPr>
+            <a:spLocks noGrp="1" noRot="1" noChangeAspect="1"/>
+          </p:cNvSpPr>
+          <p:nvPr>
+            <p:ph type="sldImg"/>
+          </p:nvPr>
+        </p:nvSpPr>
+        <p:spPr/>
+      </p:sp>
+      <p:sp>
+        <p:nvSpPr>
+          <p:cNvPr id="3" name="Notes Placeholder 2"/>
+          <p:cNvSpPr>
+            <a:spLocks noGrp="1"/>
+          </p:cNvSpPr>
+          <p:nvPr>
+            <p:ph type="body" idx="1"/>
+          </p:nvPr>
+        </p:nvSpPr>
+        <p:spPr/>
+        <p:txBody>
+          <a:bodyPr/>
+          <a:lstStyle/>
+          <a:p>
+            <a:r>
+              <a:rPr lang="en-US" dirty="0"/>
+              <a:t>This</a:t>
+            </a:r>
+            <a:r>
+              <a:rPr lang="en-US" baseline="0" dirty="0"/>
+              <a:t> unit is mostly done either on practice it or the board. Feel free to edit </a:t>
+            </a:r>
+            <a:r>
+              <a:rPr lang="en-US" baseline="0"/>
+              <a:t>this slide deck as you see fit!</a:t>
+            </a:r>
+            <a:endParaRPr lang="en-US" dirty="0"/>
+          </a:p>
+        </p:txBody>
+      </p:sp>
+      <p:sp>
+        <p:nvSpPr>
+          <p:cNvPr id="4" name="Slide Number Placeholder 3"/>
+          <p:cNvSpPr>
+            <a:spLocks noGrp="1"/>
+          </p:cNvSpPr>
+          <p:nvPr>
+            <p:ph type="sldNum" sz="quarter" idx="10"/>
+          </p:nvPr>
+        </p:nvSpPr>
+        <p:spPr/>
+        <p:txBody>
+          <a:bodyPr/>
+          <a:lstStyle/>
+          <a:p>
+            <a:fld id="{C56969A0-B3EA-45A4-A390-44554200A62E}" type="slidenum">
+              <a:rPr lang="en-US" smtClean="0"/>
+              <a:t>74</a:t>
+            </a:fld>
+            <a:endParaRPr lang="en-US"/>
+          </a:p>
+        </p:txBody>
+      </p:sp>
+    </p:spTree>
+    <p:extLst>
+      <p:ext uri="{BB962C8B-B14F-4D97-AF65-F5344CB8AC3E}">
+        <p14:creationId xmlns:p14="http://schemas.microsoft.com/office/powerpoint/2010/main" val="2352727907"/>
       </p:ext>
     </p:extLst>
   </p:cSld>
@@ -2067,7 +2268,10 @@
           <a:bodyPr/>
           <a:lstStyle/>
           <a:p>
-            <a:endParaRPr lang="en-US" dirty="0"/>
+            <a:r>
+              <a:rPr lang="en-US" dirty="0"/>
+              <a:t>Collect all of this work.</a:t>
+            </a:r>
           </a:p>
         </p:txBody>
       </p:sp>
@@ -2088,7 +2292,7 @@
           <a:p>
             <a:fld id="{C56969A0-B3EA-45A4-A390-44554200A62E}" type="slidenum">
               <a:rPr lang="en-US" smtClean="0"/>
-              <a:t>30</a:t>
+              <a:t>29</a:t>
             </a:fld>
             <a:endParaRPr lang="en-US"/>
           </a:p>
@@ -2097,7 +2301,7 @@
     </p:spTree>
     <p:extLst>
       <p:ext uri="{BB962C8B-B14F-4D97-AF65-F5344CB8AC3E}">
-        <p14:creationId xmlns:p14="http://schemas.microsoft.com/office/powerpoint/2010/main" val="2618100131"/>
+        <p14:creationId xmlns:p14="http://schemas.microsoft.com/office/powerpoint/2010/main" val="1655144284"/>
       </p:ext>
     </p:extLst>
   </p:cSld>
@@ -2172,7 +2376,7 @@
           <a:p>
             <a:fld id="{C56969A0-B3EA-45A4-A390-44554200A62E}" type="slidenum">
               <a:rPr lang="en-US" smtClean="0"/>
-              <a:t>34</a:t>
+              <a:t>31</a:t>
             </a:fld>
             <a:endParaRPr lang="en-US"/>
           </a:p>
@@ -2181,7 +2385,7 @@
     </p:spTree>
     <p:extLst>
       <p:ext uri="{BB962C8B-B14F-4D97-AF65-F5344CB8AC3E}">
-        <p14:creationId xmlns:p14="http://schemas.microsoft.com/office/powerpoint/2010/main" val="3387428070"/>
+        <p14:creationId xmlns:p14="http://schemas.microsoft.com/office/powerpoint/2010/main" val="2618100131"/>
       </p:ext>
     </p:extLst>
   </p:cSld>
@@ -2235,28 +2439,6 @@
           <a:bodyPr/>
           <a:lstStyle/>
           <a:p>
-            <a:r>
-              <a:rPr lang="en-US" dirty="0"/>
-              <a:t>If you think you’re class gets incrementing and concatenation</a:t>
-            </a:r>
-            <a:r>
-              <a:rPr lang="en-US" baseline="0" dirty="0"/>
-              <a:t>, I would recommend skipping </a:t>
-            </a:r>
-            <a:r>
-              <a:rPr lang="en-US" baseline="0" dirty="0" err="1"/>
-              <a:t>GrudgeBall</a:t>
-            </a:r>
-            <a:r>
-              <a:rPr lang="en-US" baseline="0" dirty="0"/>
-              <a:t> to review previous content or start on 2.4 (there’s essentially no homework for today). If you’re class doesn’t get it and you feel like a 30 minute activity is too much, do some practice questions on the board and review previous topics.</a:t>
-            </a:r>
-          </a:p>
-          <a:p>
-            <a:r>
-              <a:rPr lang="en-US" baseline="0" dirty="0"/>
-              <a:t>Practice-It self check 2.2, 2.3, and 2.4 are all good for expressions.</a:t>
-            </a:r>
             <a:endParaRPr lang="en-US" dirty="0"/>
           </a:p>
         </p:txBody>
@@ -2287,7 +2469,7 @@
     </p:spTree>
     <p:extLst>
       <p:ext uri="{BB962C8B-B14F-4D97-AF65-F5344CB8AC3E}">
-        <p14:creationId xmlns:p14="http://schemas.microsoft.com/office/powerpoint/2010/main" val="239085459"/>
+        <p14:creationId xmlns:p14="http://schemas.microsoft.com/office/powerpoint/2010/main" val="3387428070"/>
       </p:ext>
     </p:extLst>
   </p:cSld>
@@ -2426,7 +2608,7 @@
           <a:p>
             <a:fld id="{04E6A347-E849-4263-9BF9-31A91B9AAA7C}" type="datetimeFigureOut">
               <a:rPr lang="en-US" smtClean="0"/>
-              <a:t>2/18/2020</a:t>
+              <a:t>1/9/2020</a:t>
             </a:fld>
             <a:endParaRPr lang="en-US"/>
           </a:p>
@@ -2594,7 +2776,7 @@
           <a:p>
             <a:fld id="{04E6A347-E849-4263-9BF9-31A91B9AAA7C}" type="datetimeFigureOut">
               <a:rPr lang="en-US" smtClean="0"/>
-              <a:t>2/18/2020</a:t>
+              <a:t>1/9/2020</a:t>
             </a:fld>
             <a:endParaRPr lang="en-US"/>
           </a:p>
@@ -2772,7 +2954,7 @@
           <a:p>
             <a:fld id="{04E6A347-E849-4263-9BF9-31A91B9AAA7C}" type="datetimeFigureOut">
               <a:rPr lang="en-US" smtClean="0"/>
-              <a:t>2/18/2020</a:t>
+              <a:t>1/9/2020</a:t>
             </a:fld>
             <a:endParaRPr lang="en-US"/>
           </a:p>
@@ -2940,7 +3122,7 @@
           <a:p>
             <a:fld id="{04E6A347-E849-4263-9BF9-31A91B9AAA7C}" type="datetimeFigureOut">
               <a:rPr lang="en-US" smtClean="0"/>
-              <a:t>2/18/2020</a:t>
+              <a:t>1/9/2020</a:t>
             </a:fld>
             <a:endParaRPr lang="en-US"/>
           </a:p>
@@ -3185,7 +3367,7 @@
           <a:p>
             <a:fld id="{04E6A347-E849-4263-9BF9-31A91B9AAA7C}" type="datetimeFigureOut">
               <a:rPr lang="en-US" smtClean="0"/>
-              <a:t>2/18/2020</a:t>
+              <a:t>1/9/2020</a:t>
             </a:fld>
             <a:endParaRPr lang="en-US"/>
           </a:p>
@@ -3414,7 +3596,7 @@
           <a:p>
             <a:fld id="{04E6A347-E849-4263-9BF9-31A91B9AAA7C}" type="datetimeFigureOut">
               <a:rPr lang="en-US" smtClean="0"/>
-              <a:t>2/18/2020</a:t>
+              <a:t>1/9/2020</a:t>
             </a:fld>
             <a:endParaRPr lang="en-US"/>
           </a:p>
@@ -3778,7 +3960,7 @@
           <a:p>
             <a:fld id="{04E6A347-E849-4263-9BF9-31A91B9AAA7C}" type="datetimeFigureOut">
               <a:rPr lang="en-US" smtClean="0"/>
-              <a:t>2/18/2020</a:t>
+              <a:t>1/9/2020</a:t>
             </a:fld>
             <a:endParaRPr lang="en-US"/>
           </a:p>
@@ -3895,7 +4077,7 @@
           <a:p>
             <a:fld id="{04E6A347-E849-4263-9BF9-31A91B9AAA7C}" type="datetimeFigureOut">
               <a:rPr lang="en-US" smtClean="0"/>
-              <a:t>2/18/2020</a:t>
+              <a:t>1/9/2020</a:t>
             </a:fld>
             <a:endParaRPr lang="en-US"/>
           </a:p>
@@ -3990,7 +4172,7 @@
           <a:p>
             <a:fld id="{04E6A347-E849-4263-9BF9-31A91B9AAA7C}" type="datetimeFigureOut">
               <a:rPr lang="en-US" smtClean="0"/>
-              <a:t>2/18/2020</a:t>
+              <a:t>1/9/2020</a:t>
             </a:fld>
             <a:endParaRPr lang="en-US"/>
           </a:p>
@@ -4265,7 +4447,7 @@
           <a:p>
             <a:fld id="{04E6A347-E849-4263-9BF9-31A91B9AAA7C}" type="datetimeFigureOut">
               <a:rPr lang="en-US" smtClean="0"/>
-              <a:t>2/18/2020</a:t>
+              <a:t>1/9/2020</a:t>
             </a:fld>
             <a:endParaRPr lang="en-US"/>
           </a:p>
@@ -4517,7 +4699,7 @@
           <a:p>
             <a:fld id="{04E6A347-E849-4263-9BF9-31A91B9AAA7C}" type="datetimeFigureOut">
               <a:rPr lang="en-US" smtClean="0"/>
-              <a:t>2/18/2020</a:t>
+              <a:t>1/9/2020</a:t>
             </a:fld>
             <a:endParaRPr lang="en-US"/>
           </a:p>
@@ -4728,7 +4910,7 @@
           <a:p>
             <a:fld id="{04E6A347-E849-4263-9BF9-31A91B9AAA7C}" type="datetimeFigureOut">
               <a:rPr lang="en-US" smtClean="0"/>
-              <a:t>2/18/2020</a:t>
+              <a:t>1/9/2020</a:t>
             </a:fld>
             <a:endParaRPr lang="en-US"/>
           </a:p>
@@ -9253,14 +9435,12 @@
         </p:nvSpPr>
         <p:spPr/>
         <p:txBody>
-          <a:bodyPr>
-            <a:normAutofit/>
-          </a:bodyPr>
-          <a:lstStyle/>
-          <a:p>
-            <a:r>
-              <a:rPr lang="en-US" dirty="0"/>
-              <a:t>Homework</a:t>
+          <a:bodyPr/>
+          <a:lstStyle/>
+          <a:p>
+            <a:r>
+              <a:rPr lang="en-US" dirty="0"/>
+              <a:t>Practice-It</a:t>
             </a:r>
           </a:p>
         </p:txBody>
@@ -9285,7 +9465,7 @@
             </a:pPr>
             <a:r>
               <a:rPr lang="en-US" dirty="0"/>
-              <a:t>Read the rest of 2.2</a:t>
+              <a:t>Complete the following self-check questions:</a:t>
             </a:r>
           </a:p>
           <a:p>
@@ -9295,37 +9475,57 @@
             <a:endParaRPr lang="en-US" dirty="0"/>
           </a:p>
           <a:p>
-            <a:pPr marL="0" indent="0">
-              <a:buNone/>
-            </a:pPr>
-            <a:r>
-              <a:rPr lang="en-US" dirty="0"/>
-              <a:t>Complete chapter 2 self-check questions 5, 6, 9, 12 – 15 </a:t>
-            </a:r>
-          </a:p>
-          <a:p>
-            <a:pPr marL="0" indent="0">
-              <a:buNone/>
-            </a:pPr>
-            <a:r>
-              <a:rPr lang="en-US" dirty="0"/>
-              <a:t>(4</a:t>
-            </a:r>
-            <a:r>
-              <a:rPr lang="en-US" baseline="30000" dirty="0"/>
-              <a:t>th</a:t>
-            </a:r>
-            <a:r>
-              <a:rPr lang="en-US" dirty="0"/>
-              <a:t> edition: 6, 5, 10, 14-17). </a:t>
-            </a:r>
+            <a:pPr marL="514350" indent="-514350">
+              <a:buAutoNum type="alphaLcPeriod"/>
+            </a:pPr>
+            <a:r>
+              <a:rPr lang="en-US" dirty="0" err="1"/>
+              <a:t>studentVariables</a:t>
+            </a:r>
+            <a:endParaRPr lang="en-US" dirty="0"/>
+          </a:p>
+          <a:p>
+            <a:pPr marL="514350" indent="-514350">
+              <a:buAutoNum type="alphaLcPeriod"/>
+            </a:pPr>
+            <a:r>
+              <a:rPr lang="en-US" dirty="0"/>
+              <a:t>Values of A, B, C</a:t>
+            </a:r>
+          </a:p>
+          <a:p>
+            <a:pPr marL="514350" indent="-514350">
+              <a:buAutoNum type="alphaLcPeriod"/>
+            </a:pPr>
+            <a:endParaRPr lang="en-US" dirty="0"/>
+          </a:p>
+          <a:p>
+            <a:pPr marL="0" indent="0">
+              <a:buNone/>
+            </a:pPr>
+            <a:r>
+              <a:rPr lang="en-US" dirty="0"/>
+              <a:t>Complete the Practice-It exercise “displacement”.</a:t>
+            </a:r>
+          </a:p>
+          <a:p>
+            <a:pPr marL="0" indent="0">
+              <a:buNone/>
+            </a:pPr>
+            <a:endParaRPr lang="en-US" dirty="0"/>
+          </a:p>
+          <a:p>
+            <a:pPr marL="0" indent="0">
+              <a:buNone/>
+            </a:pPr>
+            <a:endParaRPr lang="en-US" dirty="0"/>
           </a:p>
         </p:txBody>
       </p:sp>
     </p:spTree>
     <p:extLst>
       <p:ext uri="{BB962C8B-B14F-4D97-AF65-F5344CB8AC3E}">
-        <p14:creationId xmlns:p14="http://schemas.microsoft.com/office/powerpoint/2010/main" val="1832084249"/>
+        <p14:creationId xmlns:p14="http://schemas.microsoft.com/office/powerpoint/2010/main" val="1400030666"/>
       </p:ext>
     </p:extLst>
   </p:cSld>
@@ -9418,7 +9618,7 @@
             <a:spLocks noGrp="1"/>
           </p:cNvSpPr>
           <p:nvPr>
-            <p:ph type="ctrTitle"/>
+            <p:ph type="title"/>
           </p:nvPr>
         </p:nvSpPr>
         <p:spPr/>
@@ -9429,30 +9629,65 @@
           <a:lstStyle/>
           <a:p>
             <a:r>
-              <a:rPr lang="en-US" sz="4800" dirty="0"/>
-              <a:t>String Concatenation and Increment</a:t>
-            </a:r>
-          </a:p>
-        </p:txBody>
-      </p:sp>
-      <p:sp>
-        <p:nvSpPr>
-          <p:cNvPr id="3" name="Subtitle 2"/>
-          <p:cNvSpPr>
-            <a:spLocks noGrp="1"/>
-          </p:cNvSpPr>
-          <p:nvPr>
-            <p:ph type="subTitle" idx="1"/>
-          </p:nvPr>
-        </p:nvSpPr>
-        <p:spPr/>
-        <p:txBody>
-          <a:bodyPr/>
-          <a:lstStyle/>
-          <a:p>
-            <a:r>
-              <a:rPr lang="en-US" dirty="0"/>
-              <a:t>[ 2.03] [ Today’s Date ] [ Instructor Name ]</a:t>
+              <a:rPr lang="en-US" dirty="0"/>
+              <a:t>Homework</a:t>
+            </a:r>
+          </a:p>
+        </p:txBody>
+      </p:sp>
+      <p:sp>
+        <p:nvSpPr>
+          <p:cNvPr id="3" name="Content Placeholder 2"/>
+          <p:cNvSpPr>
+            <a:spLocks noGrp="1"/>
+          </p:cNvSpPr>
+          <p:nvPr>
+            <p:ph idx="1"/>
+          </p:nvPr>
+        </p:nvSpPr>
+        <p:spPr/>
+        <p:txBody>
+          <a:bodyPr/>
+          <a:lstStyle/>
+          <a:p>
+            <a:pPr marL="0" indent="0">
+              <a:buNone/>
+            </a:pPr>
+            <a:r>
+              <a:rPr lang="en-US" dirty="0"/>
+              <a:t>Read the rest of 2.2</a:t>
+            </a:r>
+          </a:p>
+          <a:p>
+            <a:pPr marL="0" indent="0">
+              <a:buNone/>
+            </a:pPr>
+            <a:endParaRPr lang="en-US" dirty="0"/>
+          </a:p>
+          <a:p>
+            <a:pPr marL="0" indent="0">
+              <a:buNone/>
+            </a:pPr>
+            <a:r>
+              <a:rPr lang="en-US" dirty="0"/>
+              <a:t>Complete chapter 2 self-check questions 5, 6, 9, 12 – 15 </a:t>
+            </a:r>
+          </a:p>
+          <a:p>
+            <a:pPr marL="0" indent="0">
+              <a:buNone/>
+            </a:pPr>
+            <a:r>
+              <a:rPr lang="en-US" dirty="0"/>
+              <a:t>(4</a:t>
+            </a:r>
+            <a:r>
+              <a:rPr lang="en-US" baseline="30000" dirty="0"/>
+              <a:t>th</a:t>
+            </a:r>
+            <a:r>
+              <a:rPr lang="en-US" dirty="0"/>
+              <a:t> edition: 6, 5, 10, 14-17). </a:t>
             </a:r>
           </a:p>
         </p:txBody>
@@ -9460,7 +9695,7 @@
     </p:spTree>
     <p:extLst>
       <p:ext uri="{BB962C8B-B14F-4D97-AF65-F5344CB8AC3E}">
-        <p14:creationId xmlns:p14="http://schemas.microsoft.com/office/powerpoint/2010/main" val="3456595835"/>
+        <p14:creationId xmlns:p14="http://schemas.microsoft.com/office/powerpoint/2010/main" val="1832084249"/>
       </p:ext>
     </p:extLst>
   </p:cSld>
@@ -9494,7 +9729,7 @@
             <a:spLocks noGrp="1"/>
           </p:cNvSpPr>
           <p:nvPr>
-            <p:ph type="title"/>
+            <p:ph type="ctrTitle"/>
           </p:nvPr>
         </p:nvSpPr>
         <p:spPr/>
@@ -9505,111 +9740,30 @@
           <a:lstStyle/>
           <a:p>
             <a:r>
-              <a:rPr lang="en-US" sz="3600" dirty="0"/>
-              <a:t>Intro to String Concatenation : Expressions with Strings</a:t>
-            </a:r>
-          </a:p>
-        </p:txBody>
-      </p:sp>
-      <p:sp>
-        <p:nvSpPr>
-          <p:cNvPr id="3" name="Content Placeholder 2"/>
-          <p:cNvSpPr>
-            <a:spLocks noGrp="1"/>
-          </p:cNvSpPr>
-          <p:nvPr>
-            <p:ph idx="1"/>
-          </p:nvPr>
-        </p:nvSpPr>
-        <p:spPr/>
-        <p:txBody>
-          <a:bodyPr>
-            <a:normAutofit lnSpcReduction="10000"/>
-          </a:bodyPr>
-          <a:lstStyle/>
-          <a:p>
-            <a:pPr marL="0" indent="0">
-              <a:buNone/>
-            </a:pPr>
-            <a:r>
-              <a:rPr lang="en-US" b="1" dirty="0"/>
-              <a:t>Converts other types to </a:t>
-            </a:r>
-            <a:r>
-              <a:rPr lang="en-US" b="1" dirty="0">
-                <a:latin typeface="Courier New" panose="02070309020205020404" pitchFamily="49" charset="0"/>
-                <a:cs typeface="Courier New" panose="02070309020205020404" pitchFamily="49" charset="0"/>
-              </a:rPr>
-              <a:t>String</a:t>
-            </a:r>
-          </a:p>
-          <a:p>
-            <a:pPr marL="0" indent="0">
-              <a:buNone/>
-            </a:pPr>
-            <a:r>
-              <a:rPr lang="en-US" b="1" dirty="0"/>
-              <a:t>Obeys Order of Operations</a:t>
-            </a:r>
-          </a:p>
-          <a:p>
-            <a:pPr marL="0" indent="0">
-              <a:buNone/>
-            </a:pPr>
-            <a:endParaRPr lang="en-US" dirty="0"/>
-          </a:p>
-          <a:p>
-            <a:pPr marL="0" indent="0">
-              <a:buNone/>
-            </a:pPr>
-            <a:r>
-              <a:rPr lang="en-US" b="1" dirty="0"/>
-              <a:t>Examples</a:t>
-            </a:r>
-          </a:p>
-          <a:p>
-            <a:r>
-              <a:rPr lang="en-US" dirty="0">
-                <a:latin typeface="Courier New" panose="02070309020205020404" pitchFamily="49" charset="0"/>
-                <a:cs typeface="Courier New" panose="02070309020205020404" pitchFamily="49" charset="0"/>
-              </a:rPr>
-              <a:t>“hello” + 4 =			“hello4”</a:t>
-            </a:r>
-          </a:p>
-          <a:p>
-            <a:r>
-              <a:rPr lang="en-US" dirty="0">
-                <a:latin typeface="Courier New" panose="02070309020205020404" pitchFamily="49" charset="0"/>
-                <a:cs typeface="Courier New" panose="02070309020205020404" pitchFamily="49" charset="0"/>
-              </a:rPr>
-              <a:t>“hello” + 4 + 2 = 		“hello42”</a:t>
-            </a:r>
-          </a:p>
-          <a:p>
-            <a:r>
-              <a:rPr lang="en-US" dirty="0">
-                <a:latin typeface="Courier New" panose="02070309020205020404" pitchFamily="49" charset="0"/>
-                <a:cs typeface="Courier New" panose="02070309020205020404" pitchFamily="49" charset="0"/>
-              </a:rPr>
-              <a:t>4 + 2 + “hello” = 		“6hello”</a:t>
-            </a:r>
-          </a:p>
-          <a:p>
-            <a:r>
-              <a:rPr lang="en-US" dirty="0">
-                <a:latin typeface="Courier New" panose="02070309020205020404" pitchFamily="49" charset="0"/>
-                <a:cs typeface="Courier New" panose="02070309020205020404" pitchFamily="49" charset="0"/>
-              </a:rPr>
-              <a:t>“hello” + (4 + 2) = 		“hello6”</a:t>
-            </a:r>
-          </a:p>
-          <a:p>
-            <a:r>
-              <a:rPr lang="en-US" dirty="0">
-                <a:latin typeface="Courier New" panose="02070309020205020404" pitchFamily="49" charset="0"/>
-                <a:cs typeface="Courier New" panose="02070309020205020404" pitchFamily="49" charset="0"/>
-              </a:rPr>
-              <a:t>“hello” + 4 * 2 = 		“hello8”</a:t>
+              <a:rPr lang="en-US" sz="4800" dirty="0"/>
+              <a:t>String Concatenation and Increment</a:t>
+            </a:r>
+          </a:p>
+        </p:txBody>
+      </p:sp>
+      <p:sp>
+        <p:nvSpPr>
+          <p:cNvPr id="3" name="Subtitle 2"/>
+          <p:cNvSpPr>
+            <a:spLocks noGrp="1"/>
+          </p:cNvSpPr>
+          <p:nvPr>
+            <p:ph type="subTitle" idx="1"/>
+          </p:nvPr>
+        </p:nvSpPr>
+        <p:spPr/>
+        <p:txBody>
+          <a:bodyPr/>
+          <a:lstStyle/>
+          <a:p>
+            <a:r>
+              <a:rPr lang="en-US" dirty="0"/>
+              <a:t>[ 2.03] [ Today’s Date ] [ Instructor Name ]</a:t>
             </a:r>
           </a:p>
         </p:txBody>
@@ -9617,7 +9771,7 @@
     </p:spTree>
     <p:extLst>
       <p:ext uri="{BB962C8B-B14F-4D97-AF65-F5344CB8AC3E}">
-        <p14:creationId xmlns:p14="http://schemas.microsoft.com/office/powerpoint/2010/main" val="3638002106"/>
+        <p14:creationId xmlns:p14="http://schemas.microsoft.com/office/powerpoint/2010/main" val="3456595835"/>
       </p:ext>
     </p:extLst>
   </p:cSld>
@@ -9656,12 +9810,14 @@
         </p:nvSpPr>
         <p:spPr/>
         <p:txBody>
-          <a:bodyPr/>
-          <a:lstStyle/>
-          <a:p>
-            <a:r>
-              <a:rPr lang="en-US" dirty="0"/>
-              <a:t>Examples:</a:t>
+          <a:bodyPr>
+            <a:normAutofit/>
+          </a:bodyPr>
+          <a:lstStyle/>
+          <a:p>
+            <a:r>
+              <a:rPr lang="en-US" sz="3600" dirty="0"/>
+              <a:t>Intro to String Concatenation : Expressions with Strings</a:t>
             </a:r>
           </a:p>
         </p:txBody>
@@ -9676,29 +9832,60 @@
             <p:ph idx="1"/>
           </p:nvPr>
         </p:nvSpPr>
-        <p:spPr>
-          <a:xfrm>
-            <a:off x="838200" y="2057399"/>
-            <a:ext cx="10767646" cy="4119563"/>
-          </a:xfrm>
-        </p:spPr>
-        <p:txBody>
-          <a:bodyPr/>
-          <a:lstStyle/>
+        <p:spPr/>
+        <p:txBody>
+          <a:bodyPr>
+            <a:normAutofit lnSpcReduction="10000"/>
+          </a:bodyPr>
+          <a:lstStyle/>
+          <a:p>
+            <a:pPr marL="0" indent="0">
+              <a:buNone/>
+            </a:pPr>
+            <a:r>
+              <a:rPr lang="en-US" b="1" dirty="0"/>
+              <a:t>Converts other types to </a:t>
+            </a:r>
+            <a:r>
+              <a:rPr lang="en-US" b="1" dirty="0">
+                <a:latin typeface="Courier New" panose="02070309020205020404" pitchFamily="49" charset="0"/>
+                <a:cs typeface="Courier New" panose="02070309020205020404" pitchFamily="49" charset="0"/>
+              </a:rPr>
+              <a:t>String</a:t>
+            </a:r>
+          </a:p>
+          <a:p>
+            <a:pPr marL="0" indent="0">
+              <a:buNone/>
+            </a:pPr>
+            <a:r>
+              <a:rPr lang="en-US" b="1" dirty="0"/>
+              <a:t>Obeys Order of Operations</a:t>
+            </a:r>
+          </a:p>
+          <a:p>
+            <a:pPr marL="0" indent="0">
+              <a:buNone/>
+            </a:pPr>
+            <a:endParaRPr lang="en-US" dirty="0"/>
+          </a:p>
+          <a:p>
+            <a:pPr marL="0" indent="0">
+              <a:buNone/>
+            </a:pPr>
+            <a:r>
+              <a:rPr lang="en-US" b="1" dirty="0"/>
+              <a:t>Examples</a:t>
+            </a:r>
+          </a:p>
           <a:p>
             <a:r>
               <a:rPr lang="en-US" dirty="0">
                 <a:latin typeface="Courier New" panose="02070309020205020404" pitchFamily="49" charset="0"/>
                 <a:cs typeface="Courier New" panose="02070309020205020404" pitchFamily="49" charset="0"/>
               </a:rPr>
-              <a:t>1 + 2 + 3 + “chocolate” = ??? </a:t>
-            </a:r>
-          </a:p>
-          <a:p>
-            <a:endParaRPr lang="en-US" dirty="0">
-              <a:latin typeface="Courier New" panose="02070309020205020404" pitchFamily="49" charset="0"/>
-              <a:cs typeface="Courier New" panose="02070309020205020404" pitchFamily="49" charset="0"/>
-            </a:endParaRPr>
+              <a:t>“hello” + 4 =			“hello4”</a:t>
+            </a:r>
           </a:p>
           <a:p>
             <a:r>
@@ -9706,14 +9893,8 @@
                 <a:latin typeface="Courier New" panose="02070309020205020404" pitchFamily="49" charset="0"/>
                 <a:cs typeface="Courier New" panose="02070309020205020404" pitchFamily="49" charset="0"/>
               </a:rPr>
-              <a:t>“chocolate” + 1 + 2 + 3 = ???</a:t>
-            </a:r>
-          </a:p>
-          <a:p>
-            <a:endParaRPr lang="en-US" dirty="0">
-              <a:latin typeface="Courier New" panose="02070309020205020404" pitchFamily="49" charset="0"/>
-              <a:cs typeface="Courier New" panose="02070309020205020404" pitchFamily="49" charset="0"/>
-            </a:endParaRPr>
+              <a:t>“hello” + 4 + 2 = 		“hello42”</a:t>
+            </a:r>
           </a:p>
           <a:p>
             <a:r>
@@ -9721,14 +9902,8 @@
                 <a:latin typeface="Courier New" panose="02070309020205020404" pitchFamily="49" charset="0"/>
                 <a:cs typeface="Courier New" panose="02070309020205020404" pitchFamily="49" charset="0"/>
               </a:rPr>
-              <a:t>“chocolate” + (1 + 2) + 3 = ???</a:t>
-            </a:r>
-          </a:p>
-          <a:p>
-            <a:endParaRPr lang="en-US" dirty="0">
-              <a:latin typeface="Courier New" panose="02070309020205020404" pitchFamily="49" charset="0"/>
-              <a:cs typeface="Courier New" panose="02070309020205020404" pitchFamily="49" charset="0"/>
-            </a:endParaRPr>
+              <a:t>4 + 2 + “hello” = 		“6hello”</a:t>
+            </a:r>
           </a:p>
           <a:p>
             <a:r>
@@ -9736,7 +9911,16 @@
                 <a:latin typeface="Courier New" panose="02070309020205020404" pitchFamily="49" charset="0"/>
                 <a:cs typeface="Courier New" panose="02070309020205020404" pitchFamily="49" charset="0"/>
               </a:rPr>
-              <a:t>“chocolate” + (1 + 2) / 3 = ???</a:t>
+              <a:t>“hello” + (4 + 2) = 		“hello6”</a:t>
+            </a:r>
+          </a:p>
+          <a:p>
+            <a:r>
+              <a:rPr lang="en-US" dirty="0">
+                <a:latin typeface="Courier New" panose="02070309020205020404" pitchFamily="49" charset="0"/>
+                <a:cs typeface="Courier New" panose="02070309020205020404" pitchFamily="49" charset="0"/>
+              </a:rPr>
+              <a:t>“hello” + 4 * 2 = 		“hello8”</a:t>
             </a:r>
           </a:p>
         </p:txBody>
@@ -9744,7 +9928,7 @@
     </p:spTree>
     <p:extLst>
       <p:ext uri="{BB962C8B-B14F-4D97-AF65-F5344CB8AC3E}">
-        <p14:creationId xmlns:p14="http://schemas.microsoft.com/office/powerpoint/2010/main" val="3062717345"/>
+        <p14:creationId xmlns:p14="http://schemas.microsoft.com/office/powerpoint/2010/main" val="3638002106"/>
       </p:ext>
     </p:extLst>
   </p:cSld>
@@ -9788,7 +9972,7 @@
           <a:p>
             <a:r>
               <a:rPr lang="en-US" dirty="0"/>
-              <a:t>Examples</a:t>
+              <a:t>Examples:</a:t>
             </a:r>
           </a:p>
         </p:txBody>
@@ -9803,99 +9987,67 @@
             <p:ph idx="1"/>
           </p:nvPr>
         </p:nvSpPr>
-        <p:spPr/>
-        <p:txBody>
-          <a:bodyPr>
-            <a:normAutofit/>
-          </a:bodyPr>
-          <a:lstStyle/>
-          <a:p>
-            <a:pPr marL="0" indent="0">
-              <a:buNone/>
-            </a:pPr>
-            <a:r>
-              <a:rPr lang="en-US" sz="2400" dirty="0" err="1">
-                <a:latin typeface="Courier New" panose="02070309020205020404" pitchFamily="49" charset="0"/>
-                <a:cs typeface="Courier New" panose="02070309020205020404" pitchFamily="49" charset="0"/>
-              </a:rPr>
-              <a:t>System.out.println</a:t>
-            </a:r>
-            <a:r>
-              <a:rPr lang="en-US" sz="2400" dirty="0">
-                <a:latin typeface="Courier New" panose="02070309020205020404" pitchFamily="49" charset="0"/>
-                <a:cs typeface="Courier New" panose="02070309020205020404" pitchFamily="49" charset="0"/>
-              </a:rPr>
-              <a:t>(“</a:t>
-            </a:r>
-            <a:r>
-              <a:rPr lang="en-US" sz="2400" dirty="0" err="1">
-                <a:latin typeface="Courier New" panose="02070309020205020404" pitchFamily="49" charset="0"/>
-                <a:cs typeface="Courier New" panose="02070309020205020404" pitchFamily="49" charset="0"/>
-              </a:rPr>
-              <a:t>Spongebob</a:t>
-            </a:r>
-            <a:r>
-              <a:rPr lang="en-US" sz="2400" dirty="0">
-                <a:latin typeface="Courier New" panose="02070309020205020404" pitchFamily="49" charset="0"/>
-                <a:cs typeface="Courier New" panose="02070309020205020404" pitchFamily="49" charset="0"/>
-              </a:rPr>
-              <a:t> thinks “ + “the best time to wear a sweater” + “ is all the time!”);</a:t>
-            </a:r>
-          </a:p>
-          <a:p>
-            <a:pPr marL="0" indent="0">
-              <a:buNone/>
-            </a:pPr>
-            <a:endParaRPr lang="en-US" sz="2400" dirty="0">
+        <p:spPr>
+          <a:xfrm>
+            <a:off x="838200" y="2057399"/>
+            <a:ext cx="10767646" cy="4119563"/>
+          </a:xfrm>
+        </p:spPr>
+        <p:txBody>
+          <a:bodyPr/>
+          <a:lstStyle/>
+          <a:p>
+            <a:r>
+              <a:rPr lang="en-US" dirty="0">
+                <a:latin typeface="Courier New" panose="02070309020205020404" pitchFamily="49" charset="0"/>
+                <a:cs typeface="Courier New" panose="02070309020205020404" pitchFamily="49" charset="0"/>
+              </a:rPr>
+              <a:t>1 + 2 + 3 + “chocolate” = ??? </a:t>
+            </a:r>
+          </a:p>
+          <a:p>
+            <a:endParaRPr lang="en-US" dirty="0">
               <a:latin typeface="Courier New" panose="02070309020205020404" pitchFamily="49" charset="0"/>
               <a:cs typeface="Courier New" panose="02070309020205020404" pitchFamily="49" charset="0"/>
             </a:endParaRPr>
           </a:p>
           <a:p>
-            <a:pPr marL="0" indent="0">
-              <a:buNone/>
-            </a:pPr>
-            <a:r>
-              <a:rPr lang="en-US" sz="2400" dirty="0" err="1">
-                <a:latin typeface="Courier New" panose="02070309020205020404" pitchFamily="49" charset="0"/>
-                <a:cs typeface="Courier New" panose="02070309020205020404" pitchFamily="49" charset="0"/>
-              </a:rPr>
-              <a:t>System.out.println</a:t>
-            </a:r>
-            <a:r>
-              <a:rPr lang="en-US" sz="2400" dirty="0">
-                <a:latin typeface="Courier New" panose="02070309020205020404" pitchFamily="49" charset="0"/>
-                <a:cs typeface="Courier New" panose="02070309020205020404" pitchFamily="49" charset="0"/>
-              </a:rPr>
-              <a:t>(“Here we combine “ + 1 + “ integer” + “ with strings!”);</a:t>
-            </a:r>
-          </a:p>
-          <a:p>
-            <a:pPr marL="0" indent="0">
-              <a:buNone/>
-            </a:pPr>
-            <a:endParaRPr lang="en-US" sz="2400" dirty="0">
+            <a:r>
+              <a:rPr lang="en-US" dirty="0">
+                <a:latin typeface="Courier New" panose="02070309020205020404" pitchFamily="49" charset="0"/>
+                <a:cs typeface="Courier New" panose="02070309020205020404" pitchFamily="49" charset="0"/>
+              </a:rPr>
+              <a:t>“chocolate” + 1 + 2 + 3 = ???</a:t>
+            </a:r>
+          </a:p>
+          <a:p>
+            <a:endParaRPr lang="en-US" dirty="0">
               <a:latin typeface="Courier New" panose="02070309020205020404" pitchFamily="49" charset="0"/>
               <a:cs typeface="Courier New" panose="02070309020205020404" pitchFamily="49" charset="0"/>
             </a:endParaRPr>
           </a:p>
           <a:p>
-            <a:pPr marL="0" indent="0">
-              <a:buNone/>
-            </a:pPr>
-            <a:r>
-              <a:rPr lang="en-US" sz="2400" dirty="0" err="1">
-                <a:latin typeface="Courier New" panose="02070309020205020404" pitchFamily="49" charset="0"/>
-                <a:cs typeface="Courier New" panose="02070309020205020404" pitchFamily="49" charset="0"/>
-              </a:rPr>
-              <a:t>System.out.println</a:t>
-            </a:r>
-            <a:r>
-              <a:rPr lang="en-US" sz="2400" dirty="0">
-                <a:latin typeface="Courier New" panose="02070309020205020404" pitchFamily="49" charset="0"/>
-                <a:cs typeface="Courier New" panose="02070309020205020404" pitchFamily="49" charset="0"/>
-              </a:rPr>
-              <a:t>(42 + “ is the answer to” + “everything!” + 1 + 1);</a:t>
+            <a:r>
+              <a:rPr lang="en-US" dirty="0">
+                <a:latin typeface="Courier New" panose="02070309020205020404" pitchFamily="49" charset="0"/>
+                <a:cs typeface="Courier New" panose="02070309020205020404" pitchFamily="49" charset="0"/>
+              </a:rPr>
+              <a:t>“chocolate” + (1 + 2) + 3 = ???</a:t>
+            </a:r>
+          </a:p>
+          <a:p>
+            <a:endParaRPr lang="en-US" dirty="0">
+              <a:latin typeface="Courier New" panose="02070309020205020404" pitchFamily="49" charset="0"/>
+              <a:cs typeface="Courier New" panose="02070309020205020404" pitchFamily="49" charset="0"/>
+            </a:endParaRPr>
+          </a:p>
+          <a:p>
+            <a:r>
+              <a:rPr lang="en-US" dirty="0">
+                <a:latin typeface="Courier New" panose="02070309020205020404" pitchFamily="49" charset="0"/>
+                <a:cs typeface="Courier New" panose="02070309020205020404" pitchFamily="49" charset="0"/>
+              </a:rPr>
+              <a:t>“chocolate” + (1 + 2) / 3 = ???</a:t>
             </a:r>
           </a:p>
         </p:txBody>
@@ -9903,7 +10055,7 @@
     </p:spTree>
     <p:extLst>
       <p:ext uri="{BB962C8B-B14F-4D97-AF65-F5344CB8AC3E}">
-        <p14:creationId xmlns:p14="http://schemas.microsoft.com/office/powerpoint/2010/main" val="75163485"/>
+        <p14:creationId xmlns:p14="http://schemas.microsoft.com/office/powerpoint/2010/main" val="3062717345"/>
       </p:ext>
     </p:extLst>
   </p:cSld>
@@ -9947,7 +10099,7 @@
           <a:p>
             <a:r>
               <a:rPr lang="en-US" dirty="0"/>
-              <a:t>Introduction to Increment</a:t>
+              <a:t>Examples</a:t>
             </a:r>
           </a:p>
         </p:txBody>
@@ -9964,66 +10116,48 @@
         </p:nvSpPr>
         <p:spPr/>
         <p:txBody>
-          <a:bodyPr/>
-          <a:lstStyle/>
-          <a:p>
-            <a:pPr marL="0" indent="0">
-              <a:buNone/>
-            </a:pPr>
-            <a:r>
-              <a:rPr lang="en-US" dirty="0"/>
-              <a:t>In Java, there are ways to increase/decrease a variable without writing the whole equation!</a:t>
-            </a:r>
-          </a:p>
-          <a:p>
-            <a:pPr marL="0" indent="0">
-              <a:buNone/>
-            </a:pPr>
-            <a:endParaRPr lang="en-US" dirty="0"/>
-          </a:p>
-          <a:p>
-            <a:pPr marL="0" indent="0">
-              <a:buNone/>
-            </a:pPr>
-            <a:r>
-              <a:rPr lang="en-US" dirty="0">
-                <a:latin typeface="Courier New" panose="02070309020205020404" pitchFamily="49" charset="0"/>
-                <a:cs typeface="Courier New" panose="02070309020205020404" pitchFamily="49" charset="0"/>
-              </a:rPr>
-              <a:t>x = x + 7 ; </a:t>
-            </a:r>
-            <a:r>
-              <a:rPr lang="en-US" dirty="0">
-                <a:latin typeface="+mj-lt"/>
-                <a:cs typeface="Courier New" panose="02070309020205020404" pitchFamily="49" charset="0"/>
-              </a:rPr>
-              <a:t>OR</a:t>
-            </a:r>
-            <a:r>
-              <a:rPr lang="en-US" dirty="0">
-                <a:latin typeface="Courier New" panose="02070309020205020404" pitchFamily="49" charset="0"/>
-                <a:cs typeface="Courier New" panose="02070309020205020404" pitchFamily="49" charset="0"/>
-              </a:rPr>
-              <a:t> x += 7;</a:t>
-            </a:r>
-          </a:p>
-          <a:p>
-            <a:pPr marL="0" indent="0">
-              <a:buNone/>
-            </a:pPr>
-            <a:r>
-              <a:rPr lang="en-US" dirty="0">
-                <a:latin typeface="Courier New" panose="02070309020205020404" pitchFamily="49" charset="0"/>
-                <a:cs typeface="Courier New" panose="02070309020205020404" pitchFamily="49" charset="0"/>
-              </a:rPr>
-              <a:t>y = y / 3 ; OR y /= 3;</a:t>
-            </a:r>
-          </a:p>
-          <a:p>
-            <a:pPr marL="0" indent="0">
-              <a:buNone/>
-            </a:pPr>
-            <a:endParaRPr lang="en-US" dirty="0">
+          <a:bodyPr>
+            <a:normAutofit/>
+          </a:bodyPr>
+          <a:lstStyle/>
+          <a:p>
+            <a:pPr marL="0" indent="0">
+              <a:buNone/>
+            </a:pPr>
+            <a:r>
+              <a:rPr lang="en-US" sz="2400" dirty="0" err="1">
+                <a:latin typeface="Courier New" panose="02070309020205020404" pitchFamily="49" charset="0"/>
+                <a:cs typeface="Courier New" panose="02070309020205020404" pitchFamily="49" charset="0"/>
+              </a:rPr>
+              <a:t>System.out.println</a:t>
+            </a:r>
+            <a:r>
+              <a:rPr lang="en-US" sz="2400" dirty="0">
+                <a:latin typeface="Courier New" panose="02070309020205020404" pitchFamily="49" charset="0"/>
+                <a:cs typeface="Courier New" panose="02070309020205020404" pitchFamily="49" charset="0"/>
+              </a:rPr>
+              <a:t>(“</a:t>
+            </a:r>
+            <a:r>
+              <a:rPr lang="en-US" sz="2400" dirty="0" err="1">
+                <a:latin typeface="Courier New" panose="02070309020205020404" pitchFamily="49" charset="0"/>
+                <a:cs typeface="Courier New" panose="02070309020205020404" pitchFamily="49" charset="0"/>
+              </a:rPr>
+              <a:t>Spongebob</a:t>
+            </a:r>
+            <a:r>
+              <a:rPr lang="en-US" sz="2400" dirty="0">
+                <a:latin typeface="Courier New" panose="02070309020205020404" pitchFamily="49" charset="0"/>
+                <a:cs typeface="Courier New" panose="02070309020205020404" pitchFamily="49" charset="0"/>
+              </a:rPr>
+              <a:t> thinks “ + “the best time to wear a sweater” + “ is all the time!”);</a:t>
+            </a:r>
+          </a:p>
+          <a:p>
+            <a:pPr marL="0" indent="0">
+              <a:buNone/>
+            </a:pPr>
+            <a:endParaRPr lang="en-US" sz="2400" dirty="0">
               <a:latin typeface="Courier New" panose="02070309020205020404" pitchFamily="49" charset="0"/>
               <a:cs typeface="Courier New" panose="02070309020205020404" pitchFamily="49" charset="0"/>
             </a:endParaRPr>
@@ -10033,23 +10167,46 @@
               <a:buNone/>
             </a:pPr>
             <a:r>
-              <a:rPr lang="en-US" dirty="0">
-                <a:latin typeface="Courier New" panose="02070309020205020404" pitchFamily="49" charset="0"/>
-                <a:cs typeface="Courier New" panose="02070309020205020404" pitchFamily="49" charset="0"/>
-              </a:rPr>
-              <a:t>x++; OR ++x</a:t>
-            </a:r>
-          </a:p>
-          <a:p>
-            <a:pPr marL="0" indent="0">
-              <a:buNone/>
-            </a:pPr>
-            <a:r>
-              <a:rPr lang="en-US" dirty="0">
-                <a:latin typeface="Courier New" panose="02070309020205020404" pitchFamily="49" charset="0"/>
-                <a:cs typeface="Courier New" panose="02070309020205020404" pitchFamily="49" charset="0"/>
-              </a:rPr>
-              <a:t>y++; OR ++y</a:t>
+              <a:rPr lang="en-US" sz="2400" dirty="0" err="1">
+                <a:latin typeface="Courier New" panose="02070309020205020404" pitchFamily="49" charset="0"/>
+                <a:cs typeface="Courier New" panose="02070309020205020404" pitchFamily="49" charset="0"/>
+              </a:rPr>
+              <a:t>System.out.println</a:t>
+            </a:r>
+            <a:r>
+              <a:rPr lang="en-US" sz="2400" dirty="0">
+                <a:latin typeface="Courier New" panose="02070309020205020404" pitchFamily="49" charset="0"/>
+                <a:cs typeface="Courier New" panose="02070309020205020404" pitchFamily="49" charset="0"/>
+              </a:rPr>
+              <a:t>(“Here we combine “ + 1 + “ integer” + “ with strings!”);</a:t>
+            </a:r>
+          </a:p>
+          <a:p>
+            <a:pPr marL="0" indent="0">
+              <a:buNone/>
+            </a:pPr>
+            <a:endParaRPr lang="en-US" sz="2400" dirty="0">
+              <a:latin typeface="Courier New" panose="02070309020205020404" pitchFamily="49" charset="0"/>
+              <a:cs typeface="Courier New" panose="02070309020205020404" pitchFamily="49" charset="0"/>
+            </a:endParaRPr>
+          </a:p>
+          <a:p>
+            <a:pPr marL="0" indent="0">
+              <a:buNone/>
+            </a:pPr>
+            <a:r>
+              <a:rPr lang="en-US" sz="2400" dirty="0" err="1">
+                <a:latin typeface="Courier New" panose="02070309020205020404" pitchFamily="49" charset="0"/>
+                <a:cs typeface="Courier New" panose="02070309020205020404" pitchFamily="49" charset="0"/>
+              </a:rPr>
+              <a:t>System.out.println</a:t>
+            </a:r>
+            <a:r>
+              <a:rPr lang="en-US" sz="2400" dirty="0">
+                <a:latin typeface="Courier New" panose="02070309020205020404" pitchFamily="49" charset="0"/>
+                <a:cs typeface="Courier New" panose="02070309020205020404" pitchFamily="49" charset="0"/>
+              </a:rPr>
+              <a:t>(42 + “ is the answer to” + “everything!” + 1 + 1);</a:t>
             </a:r>
           </a:p>
         </p:txBody>
@@ -10057,7 +10214,7 @@
     </p:spTree>
     <p:extLst>
       <p:ext uri="{BB962C8B-B14F-4D97-AF65-F5344CB8AC3E}">
-        <p14:creationId xmlns:p14="http://schemas.microsoft.com/office/powerpoint/2010/main" val="3542187605"/>
+        <p14:creationId xmlns:p14="http://schemas.microsoft.com/office/powerpoint/2010/main" val="75163485"/>
       </p:ext>
     </p:extLst>
   </p:cSld>
@@ -10091,31 +10248,127 @@
             <a:spLocks noGrp="1"/>
           </p:cNvSpPr>
           <p:nvPr>
-            <p:ph type="ctrTitle"/>
-          </p:nvPr>
-        </p:nvSpPr>
-        <p:spPr>
-          <a:xfrm>
-            <a:off x="1524000" y="1494904"/>
-            <a:ext cx="9144000" cy="2387600"/>
-          </a:xfrm>
-        </p:spPr>
-        <p:txBody>
-          <a:bodyPr/>
-          <a:lstStyle/>
-          <a:p>
-            <a:r>
-              <a:rPr lang="en-US" dirty="0" err="1"/>
-              <a:t>GrudgeBall</a:t>
-            </a:r>
+            <p:ph type="title"/>
+          </p:nvPr>
+        </p:nvSpPr>
+        <p:spPr/>
+        <p:txBody>
+          <a:bodyPr/>
+          <a:lstStyle/>
+          <a:p>
+            <a:r>
+              <a:rPr lang="en-US" dirty="0"/>
+              <a:t>Introduction to Increment</a:t>
+            </a:r>
+          </a:p>
+        </p:txBody>
+      </p:sp>
+      <p:sp>
+        <p:nvSpPr>
+          <p:cNvPr id="3" name="Content Placeholder 2"/>
+          <p:cNvSpPr>
+            <a:spLocks noGrp="1"/>
+          </p:cNvSpPr>
+          <p:nvPr>
+            <p:ph idx="1"/>
+          </p:nvPr>
+        </p:nvSpPr>
+        <p:spPr/>
+        <p:txBody>
+          <a:bodyPr/>
+          <a:lstStyle/>
+          <a:p>
+            <a:pPr marL="0" indent="0">
+              <a:buNone/>
+            </a:pPr>
+            <a:r>
+              <a:rPr lang="en-US" dirty="0"/>
+              <a:t>In Java, there are ways to increase/decrease a variable without writing the whole equation!</a:t>
+            </a:r>
+          </a:p>
+          <a:p>
+            <a:pPr marL="0" indent="0">
+              <a:buNone/>
+            </a:pPr>
             <a:endParaRPr lang="en-US" dirty="0"/>
+          </a:p>
+          <a:p>
+            <a:pPr marL="0" indent="0">
+              <a:buNone/>
+            </a:pPr>
+            <a:r>
+              <a:rPr lang="en-US" dirty="0">
+                <a:latin typeface="Courier New" panose="02070309020205020404" pitchFamily="49" charset="0"/>
+                <a:cs typeface="Courier New" panose="02070309020205020404" pitchFamily="49" charset="0"/>
+              </a:rPr>
+              <a:t>x = x + 7 ; </a:t>
+            </a:r>
+            <a:r>
+              <a:rPr lang="en-US" dirty="0">
+                <a:latin typeface="+mj-lt"/>
+                <a:cs typeface="Courier New" panose="02070309020205020404" pitchFamily="49" charset="0"/>
+              </a:rPr>
+              <a:t>OR</a:t>
+            </a:r>
+            <a:r>
+              <a:rPr lang="en-US" dirty="0">
+                <a:latin typeface="Courier New" panose="02070309020205020404" pitchFamily="49" charset="0"/>
+                <a:cs typeface="Courier New" panose="02070309020205020404" pitchFamily="49" charset="0"/>
+              </a:rPr>
+              <a:t> x += 7;</a:t>
+            </a:r>
+          </a:p>
+          <a:p>
+            <a:pPr marL="0" indent="0">
+              <a:buNone/>
+            </a:pPr>
+            <a:r>
+              <a:rPr lang="en-US" dirty="0">
+                <a:latin typeface="Courier New" panose="02070309020205020404" pitchFamily="49" charset="0"/>
+                <a:cs typeface="Courier New" panose="02070309020205020404" pitchFamily="49" charset="0"/>
+              </a:rPr>
+              <a:t>y = y / 3 ; OR y /= 3;</a:t>
+            </a:r>
+          </a:p>
+          <a:p>
+            <a:pPr marL="0" indent="0">
+              <a:buNone/>
+            </a:pPr>
+            <a:endParaRPr lang="en-US" dirty="0">
+              <a:latin typeface="Courier New" panose="02070309020205020404" pitchFamily="49" charset="0"/>
+              <a:cs typeface="Courier New" panose="02070309020205020404" pitchFamily="49" charset="0"/>
+            </a:endParaRPr>
+          </a:p>
+          <a:p>
+            <a:pPr marL="0" indent="0">
+              <a:buNone/>
+            </a:pPr>
+            <a:r>
+              <a:rPr lang="en-US" dirty="0">
+                <a:latin typeface="Courier New" panose="02070309020205020404" pitchFamily="49" charset="0"/>
+                <a:cs typeface="Courier New" panose="02070309020205020404" pitchFamily="49" charset="0"/>
+              </a:rPr>
+              <a:t>x++; OR ++x</a:t>
+            </a:r>
+          </a:p>
+          <a:p>
+            <a:pPr marL="0" indent="0">
+              <a:buNone/>
+            </a:pPr>
+            <a:r>
+              <a:rPr lang="en-US" dirty="0">
+                <a:latin typeface="Courier New" panose="02070309020205020404" pitchFamily="49" charset="0"/>
+                <a:cs typeface="Courier New" panose="02070309020205020404" pitchFamily="49" charset="0"/>
+              </a:rPr>
+              <a:t>y++; OR ++y</a:t>
+            </a:r>
           </a:p>
         </p:txBody>
       </p:sp>
     </p:spTree>
     <p:extLst>
       <p:ext uri="{BB962C8B-B14F-4D97-AF65-F5344CB8AC3E}">
-        <p14:creationId xmlns:p14="http://schemas.microsoft.com/office/powerpoint/2010/main" val="497483419"/>
+        <p14:creationId xmlns:p14="http://schemas.microsoft.com/office/powerpoint/2010/main" val="3542187605"/>
       </p:ext>
     </p:extLst>
   </p:cSld>
@@ -10149,75 +10402,31 @@
             <a:spLocks noGrp="1"/>
           </p:cNvSpPr>
           <p:nvPr>
-            <p:ph type="title"/>
-          </p:nvPr>
-        </p:nvSpPr>
-        <p:spPr/>
-        <p:txBody>
-          <a:bodyPr>
-            <a:normAutofit/>
-          </a:bodyPr>
-          <a:lstStyle/>
-          <a:p>
-            <a:r>
-              <a:rPr lang="en-US" dirty="0"/>
-              <a:t>Homework</a:t>
-            </a:r>
-          </a:p>
-        </p:txBody>
-      </p:sp>
-      <p:sp>
-        <p:nvSpPr>
-          <p:cNvPr id="3" name="Content Placeholder 2"/>
-          <p:cNvSpPr>
-            <a:spLocks noGrp="1"/>
-          </p:cNvSpPr>
-          <p:nvPr>
-            <p:ph idx="1"/>
-          </p:nvPr>
-        </p:nvSpPr>
-        <p:spPr/>
-        <p:txBody>
-          <a:bodyPr/>
-          <a:lstStyle/>
-          <a:p>
-            <a:pPr marL="0" indent="0">
-              <a:buNone/>
-            </a:pPr>
-            <a:r>
-              <a:rPr lang="en-US" dirty="0"/>
-              <a:t>Read HW rest of 2.2</a:t>
-            </a:r>
-          </a:p>
-          <a:p>
-            <a:pPr marL="0" indent="0">
-              <a:buNone/>
-            </a:pPr>
+            <p:ph type="ctrTitle"/>
+          </p:nvPr>
+        </p:nvSpPr>
+        <p:spPr>
+          <a:xfrm>
+            <a:off x="1524000" y="1494904"/>
+            <a:ext cx="9144000" cy="2387600"/>
+          </a:xfrm>
+        </p:spPr>
+        <p:txBody>
+          <a:bodyPr/>
+          <a:lstStyle/>
+          <a:p>
+            <a:r>
+              <a:rPr lang="en-US" dirty="0" err="1"/>
+              <a:t>GrudgeBall</a:t>
+            </a:r>
             <a:endParaRPr lang="en-US" dirty="0"/>
-          </a:p>
-          <a:p>
-            <a:pPr marL="0" indent="0">
-              <a:buNone/>
-            </a:pPr>
-            <a:r>
-              <a:rPr lang="en-US" dirty="0"/>
-              <a:t>Complete chapter 2 self-check questions 4 (4</a:t>
-            </a:r>
-            <a:r>
-              <a:rPr lang="en-US" baseline="30000" dirty="0"/>
-              <a:t>th</a:t>
-            </a:r>
-            <a:r>
-              <a:rPr lang="en-US" dirty="0"/>
-              <a:t> edition: 5). </a:t>
-            </a:r>
           </a:p>
         </p:txBody>
       </p:sp>
     </p:spTree>
     <p:extLst>
       <p:ext uri="{BB962C8B-B14F-4D97-AF65-F5344CB8AC3E}">
-        <p14:creationId xmlns:p14="http://schemas.microsoft.com/office/powerpoint/2010/main" val="418678724"/>
+        <p14:creationId xmlns:p14="http://schemas.microsoft.com/office/powerpoint/2010/main" val="497483419"/>
       </p:ext>
     </p:extLst>
   </p:cSld>
@@ -10251,39 +10460,67 @@
             <a:spLocks noGrp="1"/>
           </p:cNvSpPr>
           <p:nvPr>
-            <p:ph type="ctrTitle"/>
-          </p:nvPr>
-        </p:nvSpPr>
-        <p:spPr/>
-        <p:txBody>
-          <a:bodyPr/>
-          <a:lstStyle/>
-          <a:p>
-            <a:r>
-              <a:rPr lang="en-US" dirty="0"/>
-              <a:t>Mixing Types &amp; Casting</a:t>
-            </a:r>
-          </a:p>
-        </p:txBody>
-      </p:sp>
-      <p:sp>
-        <p:nvSpPr>
-          <p:cNvPr id="3" name="Subtitle 2"/>
-          <p:cNvSpPr>
-            <a:spLocks noGrp="1"/>
-          </p:cNvSpPr>
-          <p:nvPr>
-            <p:ph type="subTitle" idx="1"/>
-          </p:nvPr>
-        </p:nvSpPr>
-        <p:spPr/>
-        <p:txBody>
-          <a:bodyPr/>
-          <a:lstStyle/>
-          <a:p>
-            <a:r>
-              <a:rPr lang="en-US" dirty="0"/>
-              <a:t>[ 2.04 ] [ Today’s Date ] [ Instructor Name ]</a:t>
+            <p:ph type="title"/>
+          </p:nvPr>
+        </p:nvSpPr>
+        <p:spPr/>
+        <p:txBody>
+          <a:bodyPr>
+            <a:normAutofit/>
+          </a:bodyPr>
+          <a:lstStyle/>
+          <a:p>
+            <a:r>
+              <a:rPr lang="en-US" dirty="0"/>
+              <a:t>Homework</a:t>
+            </a:r>
+          </a:p>
+        </p:txBody>
+      </p:sp>
+      <p:sp>
+        <p:nvSpPr>
+          <p:cNvPr id="3" name="Content Placeholder 2"/>
+          <p:cNvSpPr>
+            <a:spLocks noGrp="1"/>
+          </p:cNvSpPr>
+          <p:nvPr>
+            <p:ph idx="1"/>
+          </p:nvPr>
+        </p:nvSpPr>
+        <p:spPr/>
+        <p:txBody>
+          <a:bodyPr/>
+          <a:lstStyle/>
+          <a:p>
+            <a:pPr marL="0" indent="0">
+              <a:buNone/>
+            </a:pPr>
+            <a:r>
+              <a:rPr lang="en-US" dirty="0"/>
+              <a:t>Read HW rest of 2.2</a:t>
+            </a:r>
+          </a:p>
+          <a:p>
+            <a:pPr marL="0" indent="0">
+              <a:buNone/>
+            </a:pPr>
+            <a:endParaRPr lang="en-US" dirty="0"/>
+          </a:p>
+          <a:p>
+            <a:pPr marL="0" indent="0">
+              <a:buNone/>
+            </a:pPr>
+            <a:r>
+              <a:rPr lang="en-US" dirty="0"/>
+              <a:t>Complete chapter 2 self-check questions 4 (4</a:t>
+            </a:r>
+            <a:r>
+              <a:rPr lang="en-US" baseline="30000" dirty="0"/>
+              <a:t>th</a:t>
+            </a:r>
+            <a:r>
+              <a:rPr lang="en-US" dirty="0"/>
+              <a:t> edition: 5). </a:t>
             </a:r>
           </a:p>
         </p:txBody>
@@ -10291,7 +10528,7 @@
     </p:spTree>
     <p:extLst>
       <p:ext uri="{BB962C8B-B14F-4D97-AF65-F5344CB8AC3E}">
-        <p14:creationId xmlns:p14="http://schemas.microsoft.com/office/powerpoint/2010/main" val="2577468848"/>
+        <p14:creationId xmlns:p14="http://schemas.microsoft.com/office/powerpoint/2010/main" val="418678724"/>
       </p:ext>
     </p:extLst>
   </p:cSld>
@@ -10325,6 +10562,80 @@
             <a:spLocks noGrp="1"/>
           </p:cNvSpPr>
           <p:nvPr>
+            <p:ph type="ctrTitle"/>
+          </p:nvPr>
+        </p:nvSpPr>
+        <p:spPr/>
+        <p:txBody>
+          <a:bodyPr/>
+          <a:lstStyle/>
+          <a:p>
+            <a:r>
+              <a:rPr lang="en-US" dirty="0"/>
+              <a:t>Mixing Types &amp; Casting</a:t>
+            </a:r>
+          </a:p>
+        </p:txBody>
+      </p:sp>
+      <p:sp>
+        <p:nvSpPr>
+          <p:cNvPr id="3" name="Subtitle 2"/>
+          <p:cNvSpPr>
+            <a:spLocks noGrp="1"/>
+          </p:cNvSpPr>
+          <p:nvPr>
+            <p:ph type="subTitle" idx="1"/>
+          </p:nvPr>
+        </p:nvSpPr>
+        <p:spPr/>
+        <p:txBody>
+          <a:bodyPr/>
+          <a:lstStyle/>
+          <a:p>
+            <a:r>
+              <a:rPr lang="en-US" dirty="0"/>
+              <a:t>[ 2.04 ] [ Today’s Date ] [ Instructor Name ]</a:t>
+            </a:r>
+          </a:p>
+        </p:txBody>
+      </p:sp>
+    </p:spTree>
+    <p:extLst>
+      <p:ext uri="{BB962C8B-B14F-4D97-AF65-F5344CB8AC3E}">
+        <p14:creationId xmlns:p14="http://schemas.microsoft.com/office/powerpoint/2010/main" val="2577468848"/>
+      </p:ext>
+    </p:extLst>
+  </p:cSld>
+  <p:clrMapOvr>
+    <a:masterClrMapping/>
+  </p:clrMapOvr>
+</p:sld>
+</file>
+
+<file path=ppt/slides/slide39.xml><?xml version="1.0" encoding="utf-8"?>
+<p:sld xmlns:a="http://schemas.openxmlformats.org/drawingml/2006/main" xmlns:r="http://schemas.openxmlformats.org/officeDocument/2006/relationships" xmlns:p="http://schemas.openxmlformats.org/presentationml/2006/main">
+  <p:cSld>
+    <p:spTree>
+      <p:nvGrpSpPr>
+        <p:cNvPr id="1" name=""/>
+        <p:cNvGrpSpPr/>
+        <p:nvPr/>
+      </p:nvGrpSpPr>
+      <p:grpSpPr>
+        <a:xfrm>
+          <a:off x="0" y="0"/>
+          <a:ext cx="0" cy="0"/>
+          <a:chOff x="0" y="0"/>
+          <a:chExt cx="0" cy="0"/>
+        </a:xfrm>
+      </p:grpSpPr>
+      <p:sp>
+        <p:nvSpPr>
+          <p:cNvPr id="2" name="Title 1"/>
+          <p:cNvSpPr>
+            <a:spLocks noGrp="1"/>
+          </p:cNvSpPr>
+          <p:nvPr>
             <p:ph type="title"/>
           </p:nvPr>
         </p:nvSpPr>
@@ -10414,7 +10725,403 @@
 </p:sld>
 </file>
 
-<file path=ppt/slides/slide39.xml><?xml version="1.0" encoding="utf-8"?>
+<file path=ppt/slides/slide4.xml><?xml version="1.0" encoding="utf-8"?>
+<p:sld xmlns:a="http://schemas.openxmlformats.org/drawingml/2006/main" xmlns:r="http://schemas.openxmlformats.org/officeDocument/2006/relationships" xmlns:p="http://schemas.openxmlformats.org/presentationml/2006/main">
+  <p:cSld>
+    <p:spTree>
+      <p:nvGrpSpPr>
+        <p:cNvPr id="1" name=""/>
+        <p:cNvGrpSpPr/>
+        <p:nvPr/>
+      </p:nvGrpSpPr>
+      <p:grpSpPr>
+        <a:xfrm>
+          <a:off x="0" y="0"/>
+          <a:ext cx="0" cy="0"/>
+          <a:chOff x="0" y="0"/>
+          <a:chExt cx="0" cy="0"/>
+        </a:xfrm>
+      </p:grpSpPr>
+      <p:sp>
+        <p:nvSpPr>
+          <p:cNvPr id="2" name="TextBox 1"/>
+          <p:cNvSpPr txBox="1"/>
+          <p:nvPr/>
+        </p:nvSpPr>
+        <p:spPr>
+          <a:xfrm>
+            <a:off x="970671" y="309488"/>
+            <a:ext cx="9929193" cy="6463308"/>
+          </a:xfrm>
+          <a:prstGeom prst="rect">
+            <a:avLst/>
+          </a:prstGeom>
+          <a:noFill/>
+        </p:spPr>
+        <p:txBody>
+          <a:bodyPr wrap="none" rtlCol="0">
+            <a:spAutoFit/>
+          </a:bodyPr>
+          <a:lstStyle/>
+          <a:p>
+            <a:pPr marL="342900" indent="-342900">
+              <a:buAutoNum type="arabicPeriod"/>
+            </a:pPr>
+            <a:r>
+              <a:rPr lang="en-US" sz="3000" dirty="0"/>
+              <a:t>Consider the following complete program:  </a:t>
+            </a:r>
+          </a:p>
+          <a:p>
+            <a:endParaRPr lang="en-US" dirty="0">
+              <a:latin typeface="Courier New" panose="02070309020205020404" pitchFamily="49" charset="0"/>
+              <a:cs typeface="Courier New" panose="02070309020205020404" pitchFamily="49" charset="0"/>
+            </a:endParaRPr>
+          </a:p>
+          <a:p>
+            <a:r>
+              <a:rPr lang="en-US" dirty="0">
+                <a:latin typeface="Courier New" panose="02070309020205020404" pitchFamily="49" charset="0"/>
+                <a:cs typeface="Courier New" panose="02070309020205020404" pitchFamily="49" charset="0"/>
+              </a:rPr>
+              <a:t>public class </a:t>
+            </a:r>
+            <a:r>
+              <a:rPr lang="en-US" dirty="0" err="1">
+                <a:latin typeface="Courier New" panose="02070309020205020404" pitchFamily="49" charset="0"/>
+                <a:cs typeface="Courier New" panose="02070309020205020404" pitchFamily="49" charset="0"/>
+              </a:rPr>
+              <a:t>MyStars</a:t>
+            </a:r>
+            <a:r>
+              <a:rPr lang="en-US" dirty="0">
+                <a:latin typeface="Courier New" panose="02070309020205020404" pitchFamily="49" charset="0"/>
+                <a:cs typeface="Courier New" panose="02070309020205020404" pitchFamily="49" charset="0"/>
+              </a:rPr>
+              <a:t> {  </a:t>
+            </a:r>
+          </a:p>
+          <a:p>
+            <a:r>
+              <a:rPr lang="en-US" dirty="0">
+                <a:latin typeface="Courier New" panose="02070309020205020404" pitchFamily="49" charset="0"/>
+                <a:cs typeface="Courier New" panose="02070309020205020404" pitchFamily="49" charset="0"/>
+              </a:rPr>
+              <a:t>     public static void </a:t>
+            </a:r>
+            <a:r>
+              <a:rPr lang="en-US" dirty="0" err="1">
+                <a:latin typeface="Courier New" panose="02070309020205020404" pitchFamily="49" charset="0"/>
+                <a:cs typeface="Courier New" panose="02070309020205020404" pitchFamily="49" charset="0"/>
+              </a:rPr>
+              <a:t>printStar</a:t>
+            </a:r>
+            <a:r>
+              <a:rPr lang="en-US" dirty="0">
+                <a:latin typeface="Courier New" panose="02070309020205020404" pitchFamily="49" charset="0"/>
+                <a:cs typeface="Courier New" panose="02070309020205020404" pitchFamily="49" charset="0"/>
+              </a:rPr>
+              <a:t>() {   </a:t>
+            </a:r>
+          </a:p>
+          <a:p>
+            <a:r>
+              <a:rPr lang="en-US" dirty="0">
+                <a:latin typeface="Courier New" panose="02070309020205020404" pitchFamily="49" charset="0"/>
+                <a:cs typeface="Courier New" panose="02070309020205020404" pitchFamily="49" charset="0"/>
+              </a:rPr>
+              <a:t>          </a:t>
+            </a:r>
+            <a:r>
+              <a:rPr lang="en-US" dirty="0" err="1">
+                <a:latin typeface="Courier New" panose="02070309020205020404" pitchFamily="49" charset="0"/>
+                <a:cs typeface="Courier New" panose="02070309020205020404" pitchFamily="49" charset="0"/>
+              </a:rPr>
+              <a:t>System.out.println</a:t>
+            </a:r>
+            <a:r>
+              <a:rPr lang="en-US" dirty="0">
+                <a:latin typeface="Courier New" panose="02070309020205020404" pitchFamily="49" charset="0"/>
+                <a:cs typeface="Courier New" panose="02070309020205020404" pitchFamily="49" charset="0"/>
+              </a:rPr>
+              <a:t>(" * ");  </a:t>
+            </a:r>
+          </a:p>
+          <a:p>
+            <a:r>
+              <a:rPr lang="en-US" dirty="0">
+                <a:latin typeface="Courier New" panose="02070309020205020404" pitchFamily="49" charset="0"/>
+                <a:cs typeface="Courier New" panose="02070309020205020404" pitchFamily="49" charset="0"/>
+              </a:rPr>
+              <a:t>     }  </a:t>
+            </a:r>
+          </a:p>
+          <a:p>
+            <a:r>
+              <a:rPr lang="en-US" dirty="0">
+                <a:latin typeface="Courier New" panose="02070309020205020404" pitchFamily="49" charset="0"/>
+                <a:cs typeface="Courier New" panose="02070309020205020404" pitchFamily="49" charset="0"/>
+              </a:rPr>
+              <a:t>     public static void twice() {   </a:t>
+            </a:r>
+          </a:p>
+          <a:p>
+            <a:r>
+              <a:rPr lang="en-US" dirty="0">
+                <a:latin typeface="Courier New" panose="02070309020205020404" pitchFamily="49" charset="0"/>
+                <a:cs typeface="Courier New" panose="02070309020205020404" pitchFamily="49" charset="0"/>
+              </a:rPr>
+              <a:t>          </a:t>
+            </a:r>
+            <a:r>
+              <a:rPr lang="en-US" dirty="0" err="1">
+                <a:latin typeface="Courier New" panose="02070309020205020404" pitchFamily="49" charset="0"/>
+                <a:cs typeface="Courier New" panose="02070309020205020404" pitchFamily="49" charset="0"/>
+              </a:rPr>
+              <a:t>printStar</a:t>
+            </a:r>
+            <a:r>
+              <a:rPr lang="en-US" dirty="0">
+                <a:latin typeface="Courier New" panose="02070309020205020404" pitchFamily="49" charset="0"/>
+                <a:cs typeface="Courier New" panose="02070309020205020404" pitchFamily="49" charset="0"/>
+              </a:rPr>
+              <a:t>();   </a:t>
+            </a:r>
+          </a:p>
+          <a:p>
+            <a:r>
+              <a:rPr lang="en-US" dirty="0">
+                <a:latin typeface="Courier New" panose="02070309020205020404" pitchFamily="49" charset="0"/>
+                <a:cs typeface="Courier New" panose="02070309020205020404" pitchFamily="49" charset="0"/>
+              </a:rPr>
+              <a:t>          </a:t>
+            </a:r>
+            <a:r>
+              <a:rPr lang="en-US" dirty="0" err="1">
+                <a:latin typeface="Courier New" panose="02070309020205020404" pitchFamily="49" charset="0"/>
+                <a:cs typeface="Courier New" panose="02070309020205020404" pitchFamily="49" charset="0"/>
+              </a:rPr>
+              <a:t>printStar</a:t>
+            </a:r>
+            <a:r>
+              <a:rPr lang="en-US" dirty="0">
+                <a:latin typeface="Courier New" panose="02070309020205020404" pitchFamily="49" charset="0"/>
+                <a:cs typeface="Courier New" panose="02070309020205020404" pitchFamily="49" charset="0"/>
+              </a:rPr>
+              <a:t>();  </a:t>
+            </a:r>
+          </a:p>
+          <a:p>
+            <a:r>
+              <a:rPr lang="en-US" dirty="0">
+                <a:latin typeface="Courier New" panose="02070309020205020404" pitchFamily="49" charset="0"/>
+                <a:cs typeface="Courier New" panose="02070309020205020404" pitchFamily="49" charset="0"/>
+              </a:rPr>
+              <a:t>     }  </a:t>
+            </a:r>
+          </a:p>
+          <a:p>
+            <a:r>
+              <a:rPr lang="en-US" dirty="0">
+                <a:latin typeface="Courier New" panose="02070309020205020404" pitchFamily="49" charset="0"/>
+                <a:cs typeface="Courier New" panose="02070309020205020404" pitchFamily="49" charset="0"/>
+              </a:rPr>
+              <a:t>     public static void many() {   </a:t>
+            </a:r>
+          </a:p>
+          <a:p>
+            <a:r>
+              <a:rPr lang="en-US" dirty="0">
+                <a:latin typeface="Courier New" panose="02070309020205020404" pitchFamily="49" charset="0"/>
+                <a:cs typeface="Courier New" panose="02070309020205020404" pitchFamily="49" charset="0"/>
+              </a:rPr>
+              <a:t>          twice();   </a:t>
+            </a:r>
+          </a:p>
+          <a:p>
+            <a:r>
+              <a:rPr lang="en-US" dirty="0">
+                <a:latin typeface="Courier New" panose="02070309020205020404" pitchFamily="49" charset="0"/>
+                <a:cs typeface="Courier New" panose="02070309020205020404" pitchFamily="49" charset="0"/>
+              </a:rPr>
+              <a:t>          </a:t>
+            </a:r>
+            <a:r>
+              <a:rPr lang="en-US" dirty="0" err="1">
+                <a:latin typeface="Courier New" panose="02070309020205020404" pitchFamily="49" charset="0"/>
+                <a:cs typeface="Courier New" panose="02070309020205020404" pitchFamily="49" charset="0"/>
+              </a:rPr>
+              <a:t>printStar</a:t>
+            </a:r>
+            <a:r>
+              <a:rPr lang="en-US" dirty="0">
+                <a:latin typeface="Courier New" panose="02070309020205020404" pitchFamily="49" charset="0"/>
+                <a:cs typeface="Courier New" panose="02070309020205020404" pitchFamily="49" charset="0"/>
+              </a:rPr>
+              <a:t>();   </a:t>
+            </a:r>
+          </a:p>
+          <a:p>
+            <a:r>
+              <a:rPr lang="en-US" dirty="0">
+                <a:latin typeface="Courier New" panose="02070309020205020404" pitchFamily="49" charset="0"/>
+                <a:cs typeface="Courier New" panose="02070309020205020404" pitchFamily="49" charset="0"/>
+              </a:rPr>
+              <a:t>          twice();  </a:t>
+            </a:r>
+          </a:p>
+          <a:p>
+            <a:r>
+              <a:rPr lang="en-US" dirty="0">
+                <a:latin typeface="Courier New" panose="02070309020205020404" pitchFamily="49" charset="0"/>
+                <a:cs typeface="Courier New" panose="02070309020205020404" pitchFamily="49" charset="0"/>
+              </a:rPr>
+              <a:t>     }</a:t>
+            </a:r>
+          </a:p>
+          <a:p>
+            <a:r>
+              <a:rPr lang="en-US" dirty="0">
+                <a:latin typeface="Courier New" panose="02070309020205020404" pitchFamily="49" charset="0"/>
+                <a:cs typeface="Courier New" panose="02070309020205020404" pitchFamily="49" charset="0"/>
+              </a:rPr>
+              <a:t>     public static void main(String[] </a:t>
+            </a:r>
+            <a:r>
+              <a:rPr lang="en-US" dirty="0" err="1">
+                <a:latin typeface="Courier New" panose="02070309020205020404" pitchFamily="49" charset="0"/>
+                <a:cs typeface="Courier New" panose="02070309020205020404" pitchFamily="49" charset="0"/>
+              </a:rPr>
+              <a:t>args</a:t>
+            </a:r>
+            <a:r>
+              <a:rPr lang="en-US" dirty="0">
+                <a:latin typeface="Courier New" panose="02070309020205020404" pitchFamily="49" charset="0"/>
+                <a:cs typeface="Courier New" panose="02070309020205020404" pitchFamily="49" charset="0"/>
+              </a:rPr>
+              <a:t>) {   </a:t>
+            </a:r>
+          </a:p>
+          <a:p>
+            <a:r>
+              <a:rPr lang="en-US" dirty="0">
+                <a:latin typeface="Courier New" panose="02070309020205020404" pitchFamily="49" charset="0"/>
+                <a:cs typeface="Courier New" panose="02070309020205020404" pitchFamily="49" charset="0"/>
+              </a:rPr>
+              <a:t>          twice();   </a:t>
+            </a:r>
+          </a:p>
+          <a:p>
+            <a:r>
+              <a:rPr lang="en-US" dirty="0">
+                <a:latin typeface="Courier New" panose="02070309020205020404" pitchFamily="49" charset="0"/>
+                <a:cs typeface="Courier New" panose="02070309020205020404" pitchFamily="49" charset="0"/>
+              </a:rPr>
+              <a:t>          many();  </a:t>
+            </a:r>
+          </a:p>
+          <a:p>
+            <a:r>
+              <a:rPr lang="en-US" dirty="0">
+                <a:latin typeface="Courier New" panose="02070309020205020404" pitchFamily="49" charset="0"/>
+                <a:cs typeface="Courier New" panose="02070309020205020404" pitchFamily="49" charset="0"/>
+              </a:rPr>
+              <a:t>     } </a:t>
+            </a:r>
+          </a:p>
+          <a:p>
+            <a:r>
+              <a:rPr lang="en-US" dirty="0">
+                <a:latin typeface="Courier New" panose="02070309020205020404" pitchFamily="49" charset="0"/>
+                <a:cs typeface="Courier New" panose="02070309020205020404" pitchFamily="49" charset="0"/>
+              </a:rPr>
+              <a:t>}  </a:t>
+            </a:r>
+          </a:p>
+          <a:p>
+            <a:r>
+              <a:rPr lang="en-US" sz="2400" dirty="0"/>
+              <a:t>How many stars  *  are printed to the console when this program is executed? </a:t>
+            </a:r>
+          </a:p>
+          <a:p>
+            <a:endParaRPr lang="en-US" dirty="0"/>
+          </a:p>
+        </p:txBody>
+      </p:sp>
+      <p:sp>
+        <p:nvSpPr>
+          <p:cNvPr id="3" name="TextBox 2"/>
+          <p:cNvSpPr txBox="1"/>
+          <p:nvPr/>
+        </p:nvSpPr>
+        <p:spPr>
+          <a:xfrm>
+            <a:off x="9312812" y="2433146"/>
+            <a:ext cx="853119" cy="2215991"/>
+          </a:xfrm>
+          <a:prstGeom prst="rect">
+            <a:avLst/>
+          </a:prstGeom>
+          <a:noFill/>
+        </p:spPr>
+        <p:txBody>
+          <a:bodyPr wrap="none" rtlCol="0">
+            <a:spAutoFit/>
+          </a:bodyPr>
+          <a:lstStyle/>
+          <a:p>
+            <a:pPr marL="342900" indent="-342900">
+              <a:buAutoNum type="alphaUcParenBoth"/>
+            </a:pPr>
+            <a:r>
+              <a:rPr lang="pt-BR" sz="2400" dirty="0"/>
+              <a:t>2 </a:t>
+            </a:r>
+          </a:p>
+          <a:p>
+            <a:r>
+              <a:rPr lang="pt-BR" sz="2400" dirty="0"/>
+              <a:t>(B) 4 </a:t>
+            </a:r>
+          </a:p>
+          <a:p>
+            <a:r>
+              <a:rPr lang="pt-BR" sz="2400" dirty="0"/>
+              <a:t>(C) 5 </a:t>
+            </a:r>
+          </a:p>
+          <a:p>
+            <a:r>
+              <a:rPr lang="pt-BR" sz="2400" dirty="0"/>
+              <a:t>(D) 7 </a:t>
+            </a:r>
+          </a:p>
+          <a:p>
+            <a:r>
+              <a:rPr lang="pt-BR" sz="2400" dirty="0"/>
+              <a:t>(E) 9 </a:t>
+            </a:r>
+          </a:p>
+          <a:p>
+            <a:endParaRPr lang="en-US" dirty="0"/>
+          </a:p>
+        </p:txBody>
+      </p:sp>
+    </p:spTree>
+    <p:extLst>
+      <p:ext uri="{BB962C8B-B14F-4D97-AF65-F5344CB8AC3E}">
+        <p14:creationId xmlns:p14="http://schemas.microsoft.com/office/powerpoint/2010/main" val="3926858225"/>
+      </p:ext>
+    </p:extLst>
+  </p:cSld>
+  <p:clrMapOvr>
+    <a:masterClrMapping/>
+  </p:clrMapOvr>
+</p:sld>
+</file>
+
+<file path=ppt/slides/slide40.xml><?xml version="1.0" encoding="utf-8"?>
 <p:sld xmlns:a="http://schemas.openxmlformats.org/drawingml/2006/main" xmlns:r="http://schemas.openxmlformats.org/officeDocument/2006/relationships" xmlns:p="http://schemas.openxmlformats.org/presentationml/2006/main">
   <p:cSld>
     <p:spTree>
@@ -10613,502 +11320,6 @@
 </p:sld>
 </file>
 
-<file path=ppt/slides/slide4.xml><?xml version="1.0" encoding="utf-8"?>
-<p:sld xmlns:a="http://schemas.openxmlformats.org/drawingml/2006/main" xmlns:r="http://schemas.openxmlformats.org/officeDocument/2006/relationships" xmlns:p="http://schemas.openxmlformats.org/presentationml/2006/main">
-  <p:cSld>
-    <p:spTree>
-      <p:nvGrpSpPr>
-        <p:cNvPr id="1" name=""/>
-        <p:cNvGrpSpPr/>
-        <p:nvPr/>
-      </p:nvGrpSpPr>
-      <p:grpSpPr>
-        <a:xfrm>
-          <a:off x="0" y="0"/>
-          <a:ext cx="0" cy="0"/>
-          <a:chOff x="0" y="0"/>
-          <a:chExt cx="0" cy="0"/>
-        </a:xfrm>
-      </p:grpSpPr>
-      <p:sp>
-        <p:nvSpPr>
-          <p:cNvPr id="2" name="TextBox 1"/>
-          <p:cNvSpPr txBox="1"/>
-          <p:nvPr/>
-        </p:nvSpPr>
-        <p:spPr>
-          <a:xfrm>
-            <a:off x="970671" y="309488"/>
-            <a:ext cx="9929193" cy="6463308"/>
-          </a:xfrm>
-          <a:prstGeom prst="rect">
-            <a:avLst/>
-          </a:prstGeom>
-          <a:noFill/>
-        </p:spPr>
-        <p:txBody>
-          <a:bodyPr wrap="none" rtlCol="0">
-            <a:spAutoFit/>
-          </a:bodyPr>
-          <a:lstStyle/>
-          <a:p>
-            <a:pPr marL="342900" indent="-342900">
-              <a:buAutoNum type="arabicPeriod"/>
-            </a:pPr>
-            <a:r>
-              <a:rPr lang="en-US" sz="3000" dirty="0"/>
-              <a:t>Consider the following complete program:  </a:t>
-            </a:r>
-          </a:p>
-          <a:p>
-            <a:endParaRPr lang="en-US" dirty="0">
-              <a:latin typeface="Courier New" panose="02070309020205020404" pitchFamily="49" charset="0"/>
-              <a:cs typeface="Courier New" panose="02070309020205020404" pitchFamily="49" charset="0"/>
-            </a:endParaRPr>
-          </a:p>
-          <a:p>
-            <a:r>
-              <a:rPr lang="en-US" dirty="0">
-                <a:latin typeface="Courier New" panose="02070309020205020404" pitchFamily="49" charset="0"/>
-                <a:cs typeface="Courier New" panose="02070309020205020404" pitchFamily="49" charset="0"/>
-              </a:rPr>
-              <a:t>public class </a:t>
-            </a:r>
-            <a:r>
-              <a:rPr lang="en-US" dirty="0" err="1">
-                <a:latin typeface="Courier New" panose="02070309020205020404" pitchFamily="49" charset="0"/>
-                <a:cs typeface="Courier New" panose="02070309020205020404" pitchFamily="49" charset="0"/>
-              </a:rPr>
-              <a:t>MyStars</a:t>
-            </a:r>
-            <a:r>
-              <a:rPr lang="en-US" dirty="0">
-                <a:latin typeface="Courier New" panose="02070309020205020404" pitchFamily="49" charset="0"/>
-                <a:cs typeface="Courier New" panose="02070309020205020404" pitchFamily="49" charset="0"/>
-              </a:rPr>
-              <a:t> {  </a:t>
-            </a:r>
-          </a:p>
-          <a:p>
-            <a:r>
-              <a:rPr lang="en-US" dirty="0">
-                <a:latin typeface="Courier New" panose="02070309020205020404" pitchFamily="49" charset="0"/>
-                <a:cs typeface="Courier New" panose="02070309020205020404" pitchFamily="49" charset="0"/>
-              </a:rPr>
-              <a:t>     public static void </a:t>
-            </a:r>
-            <a:r>
-              <a:rPr lang="en-US" dirty="0" err="1">
-                <a:latin typeface="Courier New" panose="02070309020205020404" pitchFamily="49" charset="0"/>
-                <a:cs typeface="Courier New" panose="02070309020205020404" pitchFamily="49" charset="0"/>
-              </a:rPr>
-              <a:t>printStar</a:t>
-            </a:r>
-            <a:r>
-              <a:rPr lang="en-US" dirty="0">
-                <a:latin typeface="Courier New" panose="02070309020205020404" pitchFamily="49" charset="0"/>
-                <a:cs typeface="Courier New" panose="02070309020205020404" pitchFamily="49" charset="0"/>
-              </a:rPr>
-              <a:t>() {   </a:t>
-            </a:r>
-          </a:p>
-          <a:p>
-            <a:r>
-              <a:rPr lang="en-US" dirty="0">
-                <a:latin typeface="Courier New" panose="02070309020205020404" pitchFamily="49" charset="0"/>
-                <a:cs typeface="Courier New" panose="02070309020205020404" pitchFamily="49" charset="0"/>
-              </a:rPr>
-              <a:t>          </a:t>
-            </a:r>
-            <a:r>
-              <a:rPr lang="en-US" dirty="0" err="1">
-                <a:latin typeface="Courier New" panose="02070309020205020404" pitchFamily="49" charset="0"/>
-                <a:cs typeface="Courier New" panose="02070309020205020404" pitchFamily="49" charset="0"/>
-              </a:rPr>
-              <a:t>System.out.println</a:t>
-            </a:r>
-            <a:r>
-              <a:rPr lang="en-US" dirty="0">
-                <a:latin typeface="Courier New" panose="02070309020205020404" pitchFamily="49" charset="0"/>
-                <a:cs typeface="Courier New" panose="02070309020205020404" pitchFamily="49" charset="0"/>
-              </a:rPr>
-              <a:t>(" * ");  </a:t>
-            </a:r>
-          </a:p>
-          <a:p>
-            <a:r>
-              <a:rPr lang="en-US" dirty="0">
-                <a:latin typeface="Courier New" panose="02070309020205020404" pitchFamily="49" charset="0"/>
-                <a:cs typeface="Courier New" panose="02070309020205020404" pitchFamily="49" charset="0"/>
-              </a:rPr>
-              <a:t>     }  </a:t>
-            </a:r>
-          </a:p>
-          <a:p>
-            <a:r>
-              <a:rPr lang="en-US" dirty="0">
-                <a:latin typeface="Courier New" panose="02070309020205020404" pitchFamily="49" charset="0"/>
-                <a:cs typeface="Courier New" panose="02070309020205020404" pitchFamily="49" charset="0"/>
-              </a:rPr>
-              <a:t>     public static void twice() {   </a:t>
-            </a:r>
-          </a:p>
-          <a:p>
-            <a:r>
-              <a:rPr lang="en-US" dirty="0">
-                <a:latin typeface="Courier New" panose="02070309020205020404" pitchFamily="49" charset="0"/>
-                <a:cs typeface="Courier New" panose="02070309020205020404" pitchFamily="49" charset="0"/>
-              </a:rPr>
-              <a:t>          </a:t>
-            </a:r>
-            <a:r>
-              <a:rPr lang="en-US" dirty="0" err="1">
-                <a:latin typeface="Courier New" panose="02070309020205020404" pitchFamily="49" charset="0"/>
-                <a:cs typeface="Courier New" panose="02070309020205020404" pitchFamily="49" charset="0"/>
-              </a:rPr>
-              <a:t>printStar</a:t>
-            </a:r>
-            <a:r>
-              <a:rPr lang="en-US" dirty="0">
-                <a:latin typeface="Courier New" panose="02070309020205020404" pitchFamily="49" charset="0"/>
-                <a:cs typeface="Courier New" panose="02070309020205020404" pitchFamily="49" charset="0"/>
-              </a:rPr>
-              <a:t>();   </a:t>
-            </a:r>
-          </a:p>
-          <a:p>
-            <a:r>
-              <a:rPr lang="en-US" dirty="0">
-                <a:latin typeface="Courier New" panose="02070309020205020404" pitchFamily="49" charset="0"/>
-                <a:cs typeface="Courier New" panose="02070309020205020404" pitchFamily="49" charset="0"/>
-              </a:rPr>
-              <a:t>          </a:t>
-            </a:r>
-            <a:r>
-              <a:rPr lang="en-US" dirty="0" err="1">
-                <a:latin typeface="Courier New" panose="02070309020205020404" pitchFamily="49" charset="0"/>
-                <a:cs typeface="Courier New" panose="02070309020205020404" pitchFamily="49" charset="0"/>
-              </a:rPr>
-              <a:t>printStar</a:t>
-            </a:r>
-            <a:r>
-              <a:rPr lang="en-US" dirty="0">
-                <a:latin typeface="Courier New" panose="02070309020205020404" pitchFamily="49" charset="0"/>
-                <a:cs typeface="Courier New" panose="02070309020205020404" pitchFamily="49" charset="0"/>
-              </a:rPr>
-              <a:t>();  </a:t>
-            </a:r>
-          </a:p>
-          <a:p>
-            <a:r>
-              <a:rPr lang="en-US" dirty="0">
-                <a:latin typeface="Courier New" panose="02070309020205020404" pitchFamily="49" charset="0"/>
-                <a:cs typeface="Courier New" panose="02070309020205020404" pitchFamily="49" charset="0"/>
-              </a:rPr>
-              <a:t>     }  </a:t>
-            </a:r>
-          </a:p>
-          <a:p>
-            <a:r>
-              <a:rPr lang="en-US" dirty="0">
-                <a:latin typeface="Courier New" panose="02070309020205020404" pitchFamily="49" charset="0"/>
-                <a:cs typeface="Courier New" panose="02070309020205020404" pitchFamily="49" charset="0"/>
-              </a:rPr>
-              <a:t>     public static void many() {   </a:t>
-            </a:r>
-          </a:p>
-          <a:p>
-            <a:r>
-              <a:rPr lang="en-US" dirty="0">
-                <a:latin typeface="Courier New" panose="02070309020205020404" pitchFamily="49" charset="0"/>
-                <a:cs typeface="Courier New" panose="02070309020205020404" pitchFamily="49" charset="0"/>
-              </a:rPr>
-              <a:t>          twice();   </a:t>
-            </a:r>
-          </a:p>
-          <a:p>
-            <a:r>
-              <a:rPr lang="en-US" dirty="0">
-                <a:latin typeface="Courier New" panose="02070309020205020404" pitchFamily="49" charset="0"/>
-                <a:cs typeface="Courier New" panose="02070309020205020404" pitchFamily="49" charset="0"/>
-              </a:rPr>
-              <a:t>          </a:t>
-            </a:r>
-            <a:r>
-              <a:rPr lang="en-US" dirty="0" err="1">
-                <a:latin typeface="Courier New" panose="02070309020205020404" pitchFamily="49" charset="0"/>
-                <a:cs typeface="Courier New" panose="02070309020205020404" pitchFamily="49" charset="0"/>
-              </a:rPr>
-              <a:t>printStar</a:t>
-            </a:r>
-            <a:r>
-              <a:rPr lang="en-US" dirty="0">
-                <a:latin typeface="Courier New" panose="02070309020205020404" pitchFamily="49" charset="0"/>
-                <a:cs typeface="Courier New" panose="02070309020205020404" pitchFamily="49" charset="0"/>
-              </a:rPr>
-              <a:t>();   </a:t>
-            </a:r>
-          </a:p>
-          <a:p>
-            <a:r>
-              <a:rPr lang="en-US" dirty="0">
-                <a:latin typeface="Courier New" panose="02070309020205020404" pitchFamily="49" charset="0"/>
-                <a:cs typeface="Courier New" panose="02070309020205020404" pitchFamily="49" charset="0"/>
-              </a:rPr>
-              <a:t>          twice();  </a:t>
-            </a:r>
-          </a:p>
-          <a:p>
-            <a:r>
-              <a:rPr lang="en-US" dirty="0">
-                <a:latin typeface="Courier New" panose="02070309020205020404" pitchFamily="49" charset="0"/>
-                <a:cs typeface="Courier New" panose="02070309020205020404" pitchFamily="49" charset="0"/>
-              </a:rPr>
-              <a:t>     }</a:t>
-            </a:r>
-          </a:p>
-          <a:p>
-            <a:r>
-              <a:rPr lang="en-US" dirty="0">
-                <a:latin typeface="Courier New" panose="02070309020205020404" pitchFamily="49" charset="0"/>
-                <a:cs typeface="Courier New" panose="02070309020205020404" pitchFamily="49" charset="0"/>
-              </a:rPr>
-              <a:t>     public static void main(String[] </a:t>
-            </a:r>
-            <a:r>
-              <a:rPr lang="en-US" dirty="0" err="1">
-                <a:latin typeface="Courier New" panose="02070309020205020404" pitchFamily="49" charset="0"/>
-                <a:cs typeface="Courier New" panose="02070309020205020404" pitchFamily="49" charset="0"/>
-              </a:rPr>
-              <a:t>args</a:t>
-            </a:r>
-            <a:r>
-              <a:rPr lang="en-US" dirty="0">
-                <a:latin typeface="Courier New" panose="02070309020205020404" pitchFamily="49" charset="0"/>
-                <a:cs typeface="Courier New" panose="02070309020205020404" pitchFamily="49" charset="0"/>
-              </a:rPr>
-              <a:t>) {   </a:t>
-            </a:r>
-          </a:p>
-          <a:p>
-            <a:r>
-              <a:rPr lang="en-US" dirty="0">
-                <a:latin typeface="Courier New" panose="02070309020205020404" pitchFamily="49" charset="0"/>
-                <a:cs typeface="Courier New" panose="02070309020205020404" pitchFamily="49" charset="0"/>
-              </a:rPr>
-              <a:t>          twice();   </a:t>
-            </a:r>
-          </a:p>
-          <a:p>
-            <a:r>
-              <a:rPr lang="en-US" dirty="0">
-                <a:latin typeface="Courier New" panose="02070309020205020404" pitchFamily="49" charset="0"/>
-                <a:cs typeface="Courier New" panose="02070309020205020404" pitchFamily="49" charset="0"/>
-              </a:rPr>
-              <a:t>          many();  </a:t>
-            </a:r>
-          </a:p>
-          <a:p>
-            <a:r>
-              <a:rPr lang="en-US" dirty="0">
-                <a:latin typeface="Courier New" panose="02070309020205020404" pitchFamily="49" charset="0"/>
-                <a:cs typeface="Courier New" panose="02070309020205020404" pitchFamily="49" charset="0"/>
-              </a:rPr>
-              <a:t>     } </a:t>
-            </a:r>
-          </a:p>
-          <a:p>
-            <a:r>
-              <a:rPr lang="en-US" dirty="0">
-                <a:latin typeface="Courier New" panose="02070309020205020404" pitchFamily="49" charset="0"/>
-                <a:cs typeface="Courier New" panose="02070309020205020404" pitchFamily="49" charset="0"/>
-              </a:rPr>
-              <a:t>}  </a:t>
-            </a:r>
-          </a:p>
-          <a:p>
-            <a:r>
-              <a:rPr lang="en-US" sz="2400" dirty="0"/>
-              <a:t>How many stars  *  are printed to the console when this program is executed? </a:t>
-            </a:r>
-          </a:p>
-          <a:p>
-            <a:endParaRPr lang="en-US" dirty="0"/>
-          </a:p>
-        </p:txBody>
-      </p:sp>
-      <p:sp>
-        <p:nvSpPr>
-          <p:cNvPr id="3" name="TextBox 2"/>
-          <p:cNvSpPr txBox="1"/>
-          <p:nvPr/>
-        </p:nvSpPr>
-        <p:spPr>
-          <a:xfrm>
-            <a:off x="9312812" y="2433146"/>
-            <a:ext cx="853119" cy="2215991"/>
-          </a:xfrm>
-          <a:prstGeom prst="rect">
-            <a:avLst/>
-          </a:prstGeom>
-          <a:noFill/>
-        </p:spPr>
-        <p:txBody>
-          <a:bodyPr wrap="none" rtlCol="0">
-            <a:spAutoFit/>
-          </a:bodyPr>
-          <a:lstStyle/>
-          <a:p>
-            <a:pPr marL="342900" indent="-342900">
-              <a:buAutoNum type="alphaUcParenBoth"/>
-            </a:pPr>
-            <a:r>
-              <a:rPr lang="pt-BR" sz="2400" dirty="0"/>
-              <a:t>2 </a:t>
-            </a:r>
-          </a:p>
-          <a:p>
-            <a:r>
-              <a:rPr lang="pt-BR" sz="2400" dirty="0"/>
-              <a:t>(B) 4 </a:t>
-            </a:r>
-          </a:p>
-          <a:p>
-            <a:r>
-              <a:rPr lang="pt-BR" sz="2400" dirty="0"/>
-              <a:t>(C) 5 </a:t>
-            </a:r>
-          </a:p>
-          <a:p>
-            <a:r>
-              <a:rPr lang="pt-BR" sz="2400" dirty="0"/>
-              <a:t>(D) 7 </a:t>
-            </a:r>
-          </a:p>
-          <a:p>
-            <a:r>
-              <a:rPr lang="pt-BR" sz="2400" dirty="0"/>
-              <a:t>(E) 9 </a:t>
-            </a:r>
-          </a:p>
-          <a:p>
-            <a:endParaRPr lang="en-US" dirty="0"/>
-          </a:p>
-        </p:txBody>
-      </p:sp>
-    </p:spTree>
-    <p:extLst>
-      <p:ext uri="{BB962C8B-B14F-4D97-AF65-F5344CB8AC3E}">
-        <p14:creationId xmlns:p14="http://schemas.microsoft.com/office/powerpoint/2010/main" val="3926858225"/>
-      </p:ext>
-    </p:extLst>
-  </p:cSld>
-  <p:clrMapOvr>
-    <a:masterClrMapping/>
-  </p:clrMapOvr>
-</p:sld>
-</file>
-
-<file path=ppt/slides/slide40.xml><?xml version="1.0" encoding="utf-8"?>
-<p:sld xmlns:a="http://schemas.openxmlformats.org/drawingml/2006/main" xmlns:r="http://schemas.openxmlformats.org/officeDocument/2006/relationships" xmlns:p="http://schemas.openxmlformats.org/presentationml/2006/main">
-  <p:cSld>
-    <p:spTree>
-      <p:nvGrpSpPr>
-        <p:cNvPr id="1" name=""/>
-        <p:cNvGrpSpPr/>
-        <p:nvPr/>
-      </p:nvGrpSpPr>
-      <p:grpSpPr>
-        <a:xfrm>
-          <a:off x="0" y="0"/>
-          <a:ext cx="0" cy="0"/>
-          <a:chOff x="0" y="0"/>
-          <a:chExt cx="0" cy="0"/>
-        </a:xfrm>
-      </p:grpSpPr>
-      <p:sp>
-        <p:nvSpPr>
-          <p:cNvPr id="2" name="Title 1"/>
-          <p:cNvSpPr>
-            <a:spLocks noGrp="1"/>
-          </p:cNvSpPr>
-          <p:nvPr>
-            <p:ph type="ctrTitle"/>
-          </p:nvPr>
-        </p:nvSpPr>
-        <p:spPr>
-          <a:xfrm>
-            <a:off x="1538068" y="1713207"/>
-            <a:ext cx="9643908" cy="2387600"/>
-          </a:xfrm>
-        </p:spPr>
-        <p:txBody>
-          <a:bodyPr>
-            <a:normAutofit/>
-          </a:bodyPr>
-          <a:lstStyle/>
-          <a:p>
-            <a:r>
-              <a:rPr lang="en-US" sz="4000" dirty="0"/>
-              <a:t>If you combine an</a:t>
-            </a:r>
-            <a:r>
-              <a:rPr lang="en-US" sz="4000" b="1" dirty="0"/>
-              <a:t> </a:t>
-            </a:r>
-            <a:r>
-              <a:rPr lang="en-US" sz="4000" b="1" dirty="0" err="1">
-                <a:latin typeface="Courier New" panose="02070309020205020404" pitchFamily="49" charset="0"/>
-                <a:cs typeface="Courier New" panose="02070309020205020404" pitchFamily="49" charset="0"/>
-              </a:rPr>
-              <a:t>int</a:t>
-            </a:r>
-            <a:r>
-              <a:rPr lang="en-US" sz="4000" b="1" dirty="0"/>
-              <a:t> </a:t>
-            </a:r>
-            <a:r>
-              <a:rPr lang="en-US" sz="4000" dirty="0"/>
-              <a:t>and a </a:t>
-            </a:r>
-            <a:r>
-              <a:rPr lang="en-US" sz="4000" b="1" dirty="0">
-                <a:latin typeface="Courier New" panose="02070309020205020404" pitchFamily="49" charset="0"/>
-                <a:cs typeface="Courier New" panose="02070309020205020404" pitchFamily="49" charset="0"/>
-              </a:rPr>
-              <a:t>double</a:t>
-            </a:r>
-            <a:r>
-              <a:rPr lang="en-US" sz="4000" dirty="0"/>
-              <a:t> with an operator </a:t>
-            </a:r>
-            <a:r>
-              <a:rPr lang="en-US" sz="4000" dirty="0">
-                <a:latin typeface="Courier New" panose="02070309020205020404" pitchFamily="49" charset="0"/>
-                <a:cs typeface="Courier New" panose="02070309020205020404" pitchFamily="49" charset="0"/>
-              </a:rPr>
-              <a:t>(+ - * / % </a:t>
-            </a:r>
-            <a:r>
-              <a:rPr lang="en-US" sz="4000" dirty="0"/>
-              <a:t>) the result is …?</a:t>
-            </a:r>
-          </a:p>
-        </p:txBody>
-      </p:sp>
-    </p:spTree>
-    <p:extLst>
-      <p:ext uri="{BB962C8B-B14F-4D97-AF65-F5344CB8AC3E}">
-        <p14:creationId xmlns:p14="http://schemas.microsoft.com/office/powerpoint/2010/main" val="518566035"/>
-      </p:ext>
-    </p:extLst>
-  </p:cSld>
-  <p:clrMapOvr>
-    <a:masterClrMapping/>
-  </p:clrMapOvr>
-</p:sld>
-</file>
-
 <file path=ppt/slides/slide41.xml><?xml version="1.0" encoding="utf-8"?>
 <p:sld xmlns:a="http://schemas.openxmlformats.org/drawingml/2006/main" xmlns:r="http://schemas.openxmlformats.org/officeDocument/2006/relationships" xmlns:p="http://schemas.openxmlformats.org/presentationml/2006/main">
   <p:cSld>
@@ -11139,7 +11350,7 @@
         <p:spPr>
           <a:xfrm>
             <a:off x="1538068" y="1713207"/>
-            <a:ext cx="9144000" cy="2387600"/>
+            <a:ext cx="9643908" cy="2387600"/>
           </a:xfrm>
         </p:spPr>
         <p:txBody>
@@ -11176,22 +11387,22 @@
                 <a:latin typeface="Courier New" panose="02070309020205020404" pitchFamily="49" charset="0"/>
                 <a:cs typeface="Courier New" panose="02070309020205020404" pitchFamily="49" charset="0"/>
               </a:rPr>
-              <a:t>String</a:t>
+              <a:t>double</a:t>
             </a:r>
             <a:r>
               <a:rPr lang="en-US" sz="4000" dirty="0"/>
-              <a:t> with a ‘</a:t>
+              <a:t> with an operator </a:t>
             </a:r>
             <a:r>
               <a:rPr lang="en-US" sz="4000" dirty="0">
                 <a:latin typeface="Courier New" panose="02070309020205020404" pitchFamily="49" charset="0"/>
                 <a:cs typeface="Courier New" panose="02070309020205020404" pitchFamily="49" charset="0"/>
               </a:rPr>
-              <a:t>+</a:t>
+              <a:t>(+ - * / % </a:t>
             </a:r>
             <a:r>
               <a:rPr lang="en-US" sz="4000" dirty="0"/>
-              <a:t>’ the result is …?</a:t>
+              <a:t>) the result is …?</a:t>
             </a:r>
           </a:p>
         </p:txBody>
@@ -11199,7 +11410,7 @@
     </p:spTree>
     <p:extLst>
       <p:ext uri="{BB962C8B-B14F-4D97-AF65-F5344CB8AC3E}">
-        <p14:creationId xmlns:p14="http://schemas.microsoft.com/office/powerpoint/2010/main" val="1546240158"/>
+        <p14:creationId xmlns:p14="http://schemas.microsoft.com/office/powerpoint/2010/main" val="518566035"/>
       </p:ext>
     </p:extLst>
   </p:cSld>
@@ -11257,6 +11468,106 @@
               <a:t> </a:t>
             </a:r>
             <a:r>
+              <a:rPr lang="en-US" sz="4000" b="1" dirty="0" err="1">
+                <a:latin typeface="Courier New" panose="02070309020205020404" pitchFamily="49" charset="0"/>
+                <a:cs typeface="Courier New" panose="02070309020205020404" pitchFamily="49" charset="0"/>
+              </a:rPr>
+              <a:t>int</a:t>
+            </a:r>
+            <a:r>
+              <a:rPr lang="en-US" sz="4000" b="1" dirty="0"/>
+              <a:t> </a:t>
+            </a:r>
+            <a:r>
+              <a:rPr lang="en-US" sz="4000" dirty="0"/>
+              <a:t>and a </a:t>
+            </a:r>
+            <a:r>
+              <a:rPr lang="en-US" sz="4000" b="1" dirty="0">
+                <a:latin typeface="Courier New" panose="02070309020205020404" pitchFamily="49" charset="0"/>
+                <a:cs typeface="Courier New" panose="02070309020205020404" pitchFamily="49" charset="0"/>
+              </a:rPr>
+              <a:t>String</a:t>
+            </a:r>
+            <a:r>
+              <a:rPr lang="en-US" sz="4000" dirty="0"/>
+              <a:t> with a ‘</a:t>
+            </a:r>
+            <a:r>
+              <a:rPr lang="en-US" sz="4000" dirty="0">
+                <a:latin typeface="Courier New" panose="02070309020205020404" pitchFamily="49" charset="0"/>
+                <a:cs typeface="Courier New" panose="02070309020205020404" pitchFamily="49" charset="0"/>
+              </a:rPr>
+              <a:t>+</a:t>
+            </a:r>
+            <a:r>
+              <a:rPr lang="en-US" sz="4000" dirty="0"/>
+              <a:t>’ the result is …?</a:t>
+            </a:r>
+          </a:p>
+        </p:txBody>
+      </p:sp>
+    </p:spTree>
+    <p:extLst>
+      <p:ext uri="{BB962C8B-B14F-4D97-AF65-F5344CB8AC3E}">
+        <p14:creationId xmlns:p14="http://schemas.microsoft.com/office/powerpoint/2010/main" val="1546240158"/>
+      </p:ext>
+    </p:extLst>
+  </p:cSld>
+  <p:clrMapOvr>
+    <a:masterClrMapping/>
+  </p:clrMapOvr>
+</p:sld>
+</file>
+
+<file path=ppt/slides/slide43.xml><?xml version="1.0" encoding="utf-8"?>
+<p:sld xmlns:a="http://schemas.openxmlformats.org/drawingml/2006/main" xmlns:r="http://schemas.openxmlformats.org/officeDocument/2006/relationships" xmlns:p="http://schemas.openxmlformats.org/presentationml/2006/main">
+  <p:cSld>
+    <p:spTree>
+      <p:nvGrpSpPr>
+        <p:cNvPr id="1" name=""/>
+        <p:cNvGrpSpPr/>
+        <p:nvPr/>
+      </p:nvGrpSpPr>
+      <p:grpSpPr>
+        <a:xfrm>
+          <a:off x="0" y="0"/>
+          <a:ext cx="0" cy="0"/>
+          <a:chOff x="0" y="0"/>
+          <a:chExt cx="0" cy="0"/>
+        </a:xfrm>
+      </p:grpSpPr>
+      <p:sp>
+        <p:nvSpPr>
+          <p:cNvPr id="2" name="Title 1"/>
+          <p:cNvSpPr>
+            <a:spLocks noGrp="1"/>
+          </p:cNvSpPr>
+          <p:nvPr>
+            <p:ph type="ctrTitle"/>
+          </p:nvPr>
+        </p:nvSpPr>
+        <p:spPr>
+          <a:xfrm>
+            <a:off x="1538068" y="1713207"/>
+            <a:ext cx="9144000" cy="2387600"/>
+          </a:xfrm>
+        </p:spPr>
+        <p:txBody>
+          <a:bodyPr>
+            <a:normAutofit/>
+          </a:bodyPr>
+          <a:lstStyle/>
+          <a:p>
+            <a:r>
+              <a:rPr lang="en-US" sz="4000" dirty="0"/>
+              <a:t>If you combine an</a:t>
+            </a:r>
+            <a:r>
+              <a:rPr lang="en-US" sz="4000" b="1" dirty="0"/>
+              <a:t> </a:t>
+            </a:r>
+            <a:r>
               <a:rPr lang="en-US" sz="4000" b="1" dirty="0">
                 <a:latin typeface="Courier New" panose="02070309020205020404" pitchFamily="49" charset="0"/>
                 <a:cs typeface="Courier New" panose="02070309020205020404" pitchFamily="49" charset="0"/>
@@ -11309,7 +11620,7 @@
 </p:sld>
 </file>
 
-<file path=ppt/slides/slide43.xml><?xml version="1.0" encoding="utf-8"?>
+<file path=ppt/slides/slide44.xml><?xml version="1.0" encoding="utf-8"?>
 <p:sld xmlns:a="http://schemas.openxmlformats.org/drawingml/2006/main" xmlns:r="http://schemas.openxmlformats.org/officeDocument/2006/relationships" xmlns:p="http://schemas.openxmlformats.org/presentationml/2006/main">
   <p:cSld>
     <p:spTree>
@@ -11483,63 +11794,6 @@
 </p:sld>
 </file>
 
-<file path=ppt/slides/slide44.xml><?xml version="1.0" encoding="utf-8"?>
-<p:sld xmlns:a="http://schemas.openxmlformats.org/drawingml/2006/main" xmlns:r="http://schemas.openxmlformats.org/officeDocument/2006/relationships" xmlns:p="http://schemas.openxmlformats.org/presentationml/2006/main">
-  <p:cSld>
-    <p:spTree>
-      <p:nvGrpSpPr>
-        <p:cNvPr id="1" name=""/>
-        <p:cNvGrpSpPr/>
-        <p:nvPr/>
-      </p:nvGrpSpPr>
-      <p:grpSpPr>
-        <a:xfrm>
-          <a:off x="0" y="0"/>
-          <a:ext cx="0" cy="0"/>
-          <a:chOff x="0" y="0"/>
-          <a:chExt cx="0" cy="0"/>
-        </a:xfrm>
-      </p:grpSpPr>
-      <p:sp>
-        <p:nvSpPr>
-          <p:cNvPr id="4" name="Title 3"/>
-          <p:cNvSpPr>
-            <a:spLocks noGrp="1"/>
-          </p:cNvSpPr>
-          <p:nvPr>
-            <p:ph type="ctrTitle"/>
-          </p:nvPr>
-        </p:nvSpPr>
-        <p:spPr>
-          <a:xfrm>
-            <a:off x="1524000" y="1316088"/>
-            <a:ext cx="9144000" cy="2387600"/>
-          </a:xfrm>
-        </p:spPr>
-        <p:txBody>
-          <a:bodyPr/>
-          <a:lstStyle/>
-          <a:p>
-            <a:r>
-              <a:rPr lang="en-US" dirty="0"/>
-              <a:t>Worksheet</a:t>
-            </a:r>
-          </a:p>
-        </p:txBody>
-      </p:sp>
-    </p:spTree>
-    <p:extLst>
-      <p:ext uri="{BB962C8B-B14F-4D97-AF65-F5344CB8AC3E}">
-        <p14:creationId xmlns:p14="http://schemas.microsoft.com/office/powerpoint/2010/main" val="111912410"/>
-      </p:ext>
-    </p:extLst>
-  </p:cSld>
-  <p:clrMapOvr>
-    <a:masterClrMapping/>
-  </p:clrMapOvr>
-</p:sld>
-</file>
-
 <file path=ppt/slides/slide45.xml><?xml version="1.0" encoding="utf-8"?>
 <p:sld xmlns:a="http://schemas.openxmlformats.org/drawingml/2006/main" xmlns:r="http://schemas.openxmlformats.org/officeDocument/2006/relationships" xmlns:p="http://schemas.openxmlformats.org/presentationml/2006/main">
   <p:cSld>
@@ -11559,166 +11813,35 @@
       </p:grpSpPr>
       <p:sp>
         <p:nvSpPr>
-          <p:cNvPr id="2" name="Title 1"/>
-          <p:cNvSpPr>
-            <a:spLocks noGrp="1"/>
-          </p:cNvSpPr>
-          <p:nvPr>
-            <p:ph type="title"/>
-          </p:nvPr>
-        </p:nvSpPr>
-        <p:spPr/>
-        <p:txBody>
-          <a:bodyPr/>
-          <a:lstStyle/>
-          <a:p>
-            <a:r>
-              <a:rPr lang="en-US" dirty="0"/>
-              <a:t>Introduction to Casting</a:t>
-            </a:r>
-          </a:p>
-        </p:txBody>
-      </p:sp>
-      <p:sp>
-        <p:nvSpPr>
-          <p:cNvPr id="3" name="Content Placeholder 2"/>
-          <p:cNvSpPr>
-            <a:spLocks noGrp="1"/>
-          </p:cNvSpPr>
-          <p:nvPr>
-            <p:ph idx="1"/>
-          </p:nvPr>
-        </p:nvSpPr>
-        <p:spPr/>
-        <p:txBody>
-          <a:bodyPr>
-            <a:normAutofit/>
-          </a:bodyPr>
-          <a:lstStyle/>
-          <a:p>
-            <a:pPr marL="0" indent="0">
-              <a:buNone/>
-            </a:pPr>
-            <a:endParaRPr lang="en-US" dirty="0"/>
-          </a:p>
-          <a:p>
-            <a:pPr marL="0" indent="0">
-              <a:buNone/>
-            </a:pPr>
-            <a:r>
-              <a:rPr lang="en-US" dirty="0">
-                <a:latin typeface="Courier New" panose="02070309020205020404" pitchFamily="49" charset="0"/>
-                <a:cs typeface="Courier New" panose="02070309020205020404" pitchFamily="49" charset="0"/>
-              </a:rPr>
-              <a:t>(</a:t>
-            </a:r>
-            <a:r>
-              <a:rPr lang="en-US" dirty="0" err="1">
-                <a:latin typeface="Courier New" panose="02070309020205020404" pitchFamily="49" charset="0"/>
-                <a:cs typeface="Courier New" panose="02070309020205020404" pitchFamily="49" charset="0"/>
-              </a:rPr>
-              <a:t>int</a:t>
-            </a:r>
-            <a:r>
-              <a:rPr lang="en-US" dirty="0">
-                <a:latin typeface="Courier New" panose="02070309020205020404" pitchFamily="49" charset="0"/>
-                <a:cs typeface="Courier New" panose="02070309020205020404" pitchFamily="49" charset="0"/>
-              </a:rPr>
-              <a:t>) 4.29 		⇒ 	4</a:t>
-            </a:r>
-          </a:p>
-          <a:p>
-            <a:pPr marL="0" indent="0">
-              <a:buNone/>
-            </a:pPr>
-            <a:r>
-              <a:rPr lang="en-US" dirty="0">
-                <a:latin typeface="Courier New" panose="02070309020205020404" pitchFamily="49" charset="0"/>
-                <a:cs typeface="Courier New" panose="02070309020205020404" pitchFamily="49" charset="0"/>
-              </a:rPr>
-              <a:t>(double) 1 		⇒ 	1.0</a:t>
-            </a:r>
-          </a:p>
-          <a:p>
-            <a:pPr marL="0" indent="0">
-              <a:buNone/>
-            </a:pPr>
-            <a:endParaRPr lang="en-US" dirty="0"/>
-          </a:p>
-          <a:p>
-            <a:pPr marL="0" indent="0">
-              <a:buNone/>
-            </a:pPr>
-            <a:r>
-              <a:rPr lang="en-US" sz="2400" i="1" dirty="0"/>
-              <a:t>Note: </a:t>
-            </a:r>
-            <a:r>
-              <a:rPr lang="en-US" sz="2400" dirty="0">
-                <a:latin typeface="Courier New" panose="02070309020205020404" pitchFamily="49" charset="0"/>
-                <a:cs typeface="Courier New" panose="02070309020205020404" pitchFamily="49" charset="0"/>
-              </a:rPr>
-              <a:t>String</a:t>
-            </a:r>
-            <a:r>
-              <a:rPr lang="en-US" sz="2400" i="1" dirty="0"/>
-              <a:t> is not a primitive type and cannot be cast.  Java will convert </a:t>
-            </a:r>
-            <a:r>
-              <a:rPr lang="en-US" sz="2400" dirty="0" err="1">
-                <a:latin typeface="Courier New" panose="02070309020205020404" pitchFamily="49" charset="0"/>
-                <a:cs typeface="Courier New" panose="02070309020205020404" pitchFamily="49" charset="0"/>
-              </a:rPr>
-              <a:t>int</a:t>
-            </a:r>
-            <a:r>
-              <a:rPr lang="en-US" sz="2400" i="1" dirty="0"/>
-              <a:t> </a:t>
-            </a:r>
-            <a:r>
-              <a:rPr lang="en-US" sz="2400" i="1"/>
-              <a:t>and </a:t>
-            </a:r>
-            <a:r>
-              <a:rPr lang="en-US" sz="2400">
-                <a:latin typeface="Courier New" panose="02070309020205020404" pitchFamily="49" charset="0"/>
-                <a:cs typeface="Courier New" panose="02070309020205020404" pitchFamily="49" charset="0"/>
-              </a:rPr>
-              <a:t>double</a:t>
-            </a:r>
-            <a:r>
-              <a:rPr lang="en-US" sz="2400" i="1"/>
-              <a:t> to </a:t>
-            </a:r>
-            <a:r>
-              <a:rPr lang="en-US" sz="2400" i="1" dirty="0"/>
-              <a:t>strings when concatenated with a string.</a:t>
-            </a:r>
-          </a:p>
-          <a:p>
-            <a:pPr marL="0" indent="0">
-              <a:buNone/>
-            </a:pPr>
-            <a:r>
-              <a:rPr lang="en-US" sz="2400" dirty="0">
-                <a:latin typeface="Courier New" panose="02070309020205020404" pitchFamily="49" charset="0"/>
-                <a:cs typeface="Courier New" panose="02070309020205020404" pitchFamily="49" charset="0"/>
-              </a:rPr>
-              <a:t>	“” + 4.892		⇒ 	“4.892”</a:t>
-            </a:r>
-          </a:p>
-          <a:p>
-            <a:pPr marL="0" indent="0">
-              <a:buNone/>
-            </a:pPr>
-            <a:endParaRPr lang="en-US" sz="2400" i="1" dirty="0"/>
+          <p:cNvPr id="4" name="Title 3"/>
+          <p:cNvSpPr>
+            <a:spLocks noGrp="1"/>
+          </p:cNvSpPr>
+          <p:nvPr>
+            <p:ph type="ctrTitle"/>
+          </p:nvPr>
+        </p:nvSpPr>
+        <p:spPr>
+          <a:xfrm>
+            <a:off x="1524000" y="1316088"/>
+            <a:ext cx="9144000" cy="2387600"/>
+          </a:xfrm>
+        </p:spPr>
+        <p:txBody>
+          <a:bodyPr/>
+          <a:lstStyle/>
+          <a:p>
+            <a:r>
+              <a:rPr lang="en-US" dirty="0"/>
+              <a:t>Worksheet</a:t>
+            </a:r>
           </a:p>
         </p:txBody>
       </p:sp>
     </p:spTree>
     <p:extLst>
       <p:ext uri="{BB962C8B-B14F-4D97-AF65-F5344CB8AC3E}">
-        <p14:creationId xmlns:p14="http://schemas.microsoft.com/office/powerpoint/2010/main" val="2483869884"/>
+        <p14:creationId xmlns:p14="http://schemas.microsoft.com/office/powerpoint/2010/main" val="111912410"/>
       </p:ext>
     </p:extLst>
   </p:cSld>
@@ -11747,35 +11870,166 @@
       </p:grpSpPr>
       <p:sp>
         <p:nvSpPr>
-          <p:cNvPr id="4" name="Title 3"/>
-          <p:cNvSpPr>
-            <a:spLocks noGrp="1"/>
-          </p:cNvSpPr>
-          <p:nvPr>
-            <p:ph type="ctrTitle"/>
-          </p:nvPr>
-        </p:nvSpPr>
-        <p:spPr>
-          <a:xfrm>
-            <a:off x="1524000" y="1316088"/>
-            <a:ext cx="9144000" cy="2387600"/>
-          </a:xfrm>
-        </p:spPr>
-        <p:txBody>
-          <a:bodyPr/>
-          <a:lstStyle/>
-          <a:p>
-            <a:r>
-              <a:rPr lang="en-US" dirty="0"/>
-              <a:t>Worksheet</a:t>
-            </a:r>
+          <p:cNvPr id="2" name="Title 1"/>
+          <p:cNvSpPr>
+            <a:spLocks noGrp="1"/>
+          </p:cNvSpPr>
+          <p:nvPr>
+            <p:ph type="title"/>
+          </p:nvPr>
+        </p:nvSpPr>
+        <p:spPr/>
+        <p:txBody>
+          <a:bodyPr/>
+          <a:lstStyle/>
+          <a:p>
+            <a:r>
+              <a:rPr lang="en-US" dirty="0"/>
+              <a:t>Introduction to Casting</a:t>
+            </a:r>
+          </a:p>
+        </p:txBody>
+      </p:sp>
+      <p:sp>
+        <p:nvSpPr>
+          <p:cNvPr id="3" name="Content Placeholder 2"/>
+          <p:cNvSpPr>
+            <a:spLocks noGrp="1"/>
+          </p:cNvSpPr>
+          <p:nvPr>
+            <p:ph idx="1"/>
+          </p:nvPr>
+        </p:nvSpPr>
+        <p:spPr/>
+        <p:txBody>
+          <a:bodyPr>
+            <a:normAutofit/>
+          </a:bodyPr>
+          <a:lstStyle/>
+          <a:p>
+            <a:pPr marL="0" indent="0">
+              <a:buNone/>
+            </a:pPr>
+            <a:endParaRPr lang="en-US" dirty="0"/>
+          </a:p>
+          <a:p>
+            <a:pPr marL="0" indent="0">
+              <a:buNone/>
+            </a:pPr>
+            <a:r>
+              <a:rPr lang="en-US" dirty="0">
+                <a:latin typeface="Courier New" panose="02070309020205020404" pitchFamily="49" charset="0"/>
+                <a:cs typeface="Courier New" panose="02070309020205020404" pitchFamily="49" charset="0"/>
+              </a:rPr>
+              <a:t>(</a:t>
+            </a:r>
+            <a:r>
+              <a:rPr lang="en-US" dirty="0" err="1">
+                <a:latin typeface="Courier New" panose="02070309020205020404" pitchFamily="49" charset="0"/>
+                <a:cs typeface="Courier New" panose="02070309020205020404" pitchFamily="49" charset="0"/>
+              </a:rPr>
+              <a:t>int</a:t>
+            </a:r>
+            <a:r>
+              <a:rPr lang="en-US" dirty="0">
+                <a:latin typeface="Courier New" panose="02070309020205020404" pitchFamily="49" charset="0"/>
+                <a:cs typeface="Courier New" panose="02070309020205020404" pitchFamily="49" charset="0"/>
+              </a:rPr>
+              <a:t>) 4.29 		⇒ 	4</a:t>
+            </a:r>
+          </a:p>
+          <a:p>
+            <a:pPr marL="0" indent="0">
+              <a:buNone/>
+            </a:pPr>
+            <a:r>
+              <a:rPr lang="en-US" dirty="0">
+                <a:latin typeface="Courier New" panose="02070309020205020404" pitchFamily="49" charset="0"/>
+                <a:cs typeface="Courier New" panose="02070309020205020404" pitchFamily="49" charset="0"/>
+              </a:rPr>
+              <a:t>(double) 1 		⇒ 	1.0</a:t>
+            </a:r>
+          </a:p>
+          <a:p>
+            <a:pPr marL="0" indent="0">
+              <a:buNone/>
+            </a:pPr>
+            <a:endParaRPr lang="en-US" dirty="0"/>
+          </a:p>
+          <a:p>
+            <a:pPr marL="0" indent="0">
+              <a:buNone/>
+            </a:pPr>
+            <a:r>
+              <a:rPr lang="en-US" sz="2400" i="1" dirty="0"/>
+              <a:t>Note: </a:t>
+            </a:r>
+            <a:r>
+              <a:rPr lang="en-US" sz="2400" dirty="0">
+                <a:latin typeface="Courier New" panose="02070309020205020404" pitchFamily="49" charset="0"/>
+                <a:cs typeface="Courier New" panose="02070309020205020404" pitchFamily="49" charset="0"/>
+              </a:rPr>
+              <a:t>String</a:t>
+            </a:r>
+            <a:r>
+              <a:rPr lang="en-US" sz="2400" i="1" dirty="0"/>
+              <a:t> is not a primitive type and cannot be cast.  Java will convert </a:t>
+            </a:r>
+            <a:r>
+              <a:rPr lang="en-US" sz="2400" dirty="0" err="1">
+                <a:latin typeface="Courier New" panose="02070309020205020404" pitchFamily="49" charset="0"/>
+                <a:cs typeface="Courier New" panose="02070309020205020404" pitchFamily="49" charset="0"/>
+              </a:rPr>
+              <a:t>int</a:t>
+            </a:r>
+            <a:r>
+              <a:rPr lang="en-US" sz="2400" i="1" dirty="0"/>
+              <a:t> </a:t>
+            </a:r>
+            <a:r>
+              <a:rPr lang="en-US" sz="2400" i="1"/>
+              <a:t>and </a:t>
+            </a:r>
+            <a:r>
+              <a:rPr lang="en-US" sz="2400">
+                <a:latin typeface="Courier New" panose="02070309020205020404" pitchFamily="49" charset="0"/>
+                <a:cs typeface="Courier New" panose="02070309020205020404" pitchFamily="49" charset="0"/>
+              </a:rPr>
+              <a:t>double</a:t>
+            </a:r>
+            <a:r>
+              <a:rPr lang="en-US" sz="2400" i="1"/>
+              <a:t> to </a:t>
+            </a:r>
+            <a:r>
+              <a:rPr lang="en-US" sz="2400" i="1" dirty="0"/>
+              <a:t>strings when concatenated with a string.</a:t>
+            </a:r>
+          </a:p>
+          <a:p>
+            <a:pPr marL="0" indent="0">
+              <a:buNone/>
+            </a:pPr>
+            <a:r>
+              <a:rPr lang="en-US" sz="2400" dirty="0">
+                <a:latin typeface="Courier New" panose="02070309020205020404" pitchFamily="49" charset="0"/>
+                <a:cs typeface="Courier New" panose="02070309020205020404" pitchFamily="49" charset="0"/>
+              </a:rPr>
+              <a:t>	“” + 4.892		⇒ 	“4.892”</a:t>
+            </a:r>
+          </a:p>
+          <a:p>
+            <a:pPr marL="0" indent="0">
+              <a:buNone/>
+            </a:pPr>
+            <a:endParaRPr lang="en-US" sz="2400" i="1" dirty="0"/>
           </a:p>
         </p:txBody>
       </p:sp>
     </p:spTree>
     <p:extLst>
       <p:ext uri="{BB962C8B-B14F-4D97-AF65-F5344CB8AC3E}">
-        <p14:creationId xmlns:p14="http://schemas.microsoft.com/office/powerpoint/2010/main" val="3459541895"/>
+        <p14:creationId xmlns:p14="http://schemas.microsoft.com/office/powerpoint/2010/main" val="2483869884"/>
       </p:ext>
     </p:extLst>
   </p:cSld>
@@ -11804,64 +12058,27 @@
       </p:grpSpPr>
       <p:sp>
         <p:nvSpPr>
-          <p:cNvPr id="2" name="Title 1"/>
-          <p:cNvSpPr>
-            <a:spLocks noGrp="1"/>
-          </p:cNvSpPr>
-          <p:nvPr>
-            <p:ph type="title"/>
-          </p:nvPr>
-        </p:nvSpPr>
-        <p:spPr/>
-        <p:txBody>
-          <a:bodyPr>
-            <a:normAutofit/>
-          </a:bodyPr>
-          <a:lstStyle/>
-          <a:p>
-            <a:r>
-              <a:rPr lang="en-US" dirty="0"/>
-              <a:t>Homework</a:t>
-            </a:r>
-          </a:p>
-        </p:txBody>
-      </p:sp>
-      <p:sp>
-        <p:nvSpPr>
-          <p:cNvPr id="3" name="Content Placeholder 2"/>
-          <p:cNvSpPr>
-            <a:spLocks noGrp="1"/>
-          </p:cNvSpPr>
-          <p:nvPr>
-            <p:ph idx="1"/>
-          </p:nvPr>
-        </p:nvSpPr>
-        <p:spPr/>
-        <p:txBody>
-          <a:bodyPr/>
-          <a:lstStyle/>
-          <a:p>
-            <a:pPr marL="0" indent="0">
-              <a:buNone/>
-            </a:pPr>
-            <a:r>
-              <a:rPr lang="en-US" dirty="0"/>
-              <a:t>Read HW 2.3 up to “Nested Loops”</a:t>
-            </a:r>
-          </a:p>
-          <a:p>
-            <a:pPr marL="0" indent="0">
-              <a:buNone/>
-            </a:pPr>
-            <a:endParaRPr lang="en-US" dirty="0"/>
-          </a:p>
-          <a:p>
-            <a:pPr marL="0" indent="0">
-              <a:buNone/>
-            </a:pPr>
-            <a:r>
-              <a:rPr lang="en-US" dirty="0"/>
-              <a:t>Finish the worksheet if you don’t finish in class.</a:t>
+          <p:cNvPr id="4" name="Title 3"/>
+          <p:cNvSpPr>
+            <a:spLocks noGrp="1"/>
+          </p:cNvSpPr>
+          <p:nvPr>
+            <p:ph type="ctrTitle"/>
+          </p:nvPr>
+        </p:nvSpPr>
+        <p:spPr>
+          <a:xfrm>
+            <a:off x="1524000" y="1316088"/>
+            <a:ext cx="9144000" cy="2387600"/>
+          </a:xfrm>
+        </p:spPr>
+        <p:txBody>
+          <a:bodyPr/>
+          <a:lstStyle/>
+          <a:p>
+            <a:r>
+              <a:rPr lang="en-US" dirty="0"/>
+              <a:t>Worksheet</a:t>
             </a:r>
           </a:p>
         </p:txBody>
@@ -11869,7 +12086,7 @@
     </p:spTree>
     <p:extLst>
       <p:ext uri="{BB962C8B-B14F-4D97-AF65-F5344CB8AC3E}">
-        <p14:creationId xmlns:p14="http://schemas.microsoft.com/office/powerpoint/2010/main" val="865706776"/>
+        <p14:creationId xmlns:p14="http://schemas.microsoft.com/office/powerpoint/2010/main" val="3459541895"/>
       </p:ext>
     </p:extLst>
   </p:cSld>
@@ -11903,39 +12120,59 @@
             <a:spLocks noGrp="1"/>
           </p:cNvSpPr>
           <p:nvPr>
-            <p:ph type="ctrTitle"/>
-          </p:nvPr>
-        </p:nvSpPr>
-        <p:spPr/>
-        <p:txBody>
-          <a:bodyPr/>
-          <a:lstStyle/>
-          <a:p>
-            <a:r>
-              <a:rPr lang="en-US" dirty="0"/>
-              <a:t>for Loops</a:t>
-            </a:r>
-          </a:p>
-        </p:txBody>
-      </p:sp>
-      <p:sp>
-        <p:nvSpPr>
-          <p:cNvPr id="3" name="Subtitle 2"/>
-          <p:cNvSpPr>
-            <a:spLocks noGrp="1"/>
-          </p:cNvSpPr>
-          <p:nvPr>
-            <p:ph type="subTitle" idx="1"/>
-          </p:nvPr>
-        </p:nvSpPr>
-        <p:spPr/>
-        <p:txBody>
-          <a:bodyPr/>
-          <a:lstStyle/>
-          <a:p>
-            <a:r>
-              <a:rPr lang="en-US" dirty="0"/>
-              <a:t>[ 2.05 ] [ Today’s Date ] [ Instructor Name ]</a:t>
+            <p:ph type="title"/>
+          </p:nvPr>
+        </p:nvSpPr>
+        <p:spPr/>
+        <p:txBody>
+          <a:bodyPr>
+            <a:normAutofit/>
+          </a:bodyPr>
+          <a:lstStyle/>
+          <a:p>
+            <a:r>
+              <a:rPr lang="en-US" dirty="0"/>
+              <a:t>Homework</a:t>
+            </a:r>
+          </a:p>
+        </p:txBody>
+      </p:sp>
+      <p:sp>
+        <p:nvSpPr>
+          <p:cNvPr id="3" name="Content Placeholder 2"/>
+          <p:cNvSpPr>
+            <a:spLocks noGrp="1"/>
+          </p:cNvSpPr>
+          <p:nvPr>
+            <p:ph idx="1"/>
+          </p:nvPr>
+        </p:nvSpPr>
+        <p:spPr/>
+        <p:txBody>
+          <a:bodyPr/>
+          <a:lstStyle/>
+          <a:p>
+            <a:pPr marL="0" indent="0">
+              <a:buNone/>
+            </a:pPr>
+            <a:r>
+              <a:rPr lang="en-US" dirty="0"/>
+              <a:t>Read HW 2.3 up to “Nested Loops”</a:t>
+            </a:r>
+          </a:p>
+          <a:p>
+            <a:pPr marL="0" indent="0">
+              <a:buNone/>
+            </a:pPr>
+            <a:endParaRPr lang="en-US" dirty="0"/>
+          </a:p>
+          <a:p>
+            <a:pPr marL="0" indent="0">
+              <a:buNone/>
+            </a:pPr>
+            <a:r>
+              <a:rPr lang="en-US" dirty="0"/>
+              <a:t>Finish the worksheet if you don’t finish in class.</a:t>
             </a:r>
           </a:p>
         </p:txBody>
@@ -11943,7 +12180,7 @@
     </p:spTree>
     <p:extLst>
       <p:ext uri="{BB962C8B-B14F-4D97-AF65-F5344CB8AC3E}">
-        <p14:creationId xmlns:p14="http://schemas.microsoft.com/office/powerpoint/2010/main" val="129967463"/>
+        <p14:creationId xmlns:p14="http://schemas.microsoft.com/office/powerpoint/2010/main" val="865706776"/>
       </p:ext>
     </p:extLst>
   </p:cSld>
@@ -11977,293 +12214,39 @@
             <a:spLocks noGrp="1"/>
           </p:cNvSpPr>
           <p:nvPr>
-            <p:ph type="title"/>
-          </p:nvPr>
-        </p:nvSpPr>
-        <p:spPr/>
-        <p:txBody>
-          <a:bodyPr/>
-          <a:lstStyle/>
-          <a:p>
-            <a:r>
-              <a:rPr lang="en-US" dirty="0"/>
-              <a:t>Build a </a:t>
-            </a:r>
-            <a:r>
-              <a:rPr lang="en-US" dirty="0">
-                <a:latin typeface="Courier New" panose="02070309020205020404" pitchFamily="49" charset="0"/>
-                <a:cs typeface="Courier New" panose="02070309020205020404" pitchFamily="49" charset="0"/>
-              </a:rPr>
-              <a:t>for</a:t>
-            </a:r>
-            <a:r>
-              <a:rPr lang="en-US" dirty="0"/>
-              <a:t> Loop (worksheet)</a:t>
-            </a:r>
-          </a:p>
-        </p:txBody>
-      </p:sp>
-      <p:sp>
-        <p:nvSpPr>
-          <p:cNvPr id="3" name="Content Placeholder 2"/>
-          <p:cNvSpPr>
-            <a:spLocks noGrp="1"/>
-          </p:cNvSpPr>
-          <p:nvPr>
-            <p:ph idx="1"/>
-          </p:nvPr>
-        </p:nvSpPr>
-        <p:spPr/>
-        <p:txBody>
-          <a:bodyPr/>
-          <a:lstStyle/>
-          <a:p>
-            <a:pPr marL="0" indent="0">
-              <a:buNone/>
-            </a:pPr>
-            <a:r>
-              <a:rPr lang="en-US" dirty="0">
-                <a:latin typeface="Courier New" panose="02070309020205020404" pitchFamily="49" charset="0"/>
-                <a:cs typeface="Courier New" panose="02070309020205020404" pitchFamily="49" charset="0"/>
-              </a:rPr>
-              <a:t>for (</a:t>
-            </a:r>
-            <a:r>
-              <a:rPr lang="en-US" dirty="0" err="1">
-                <a:latin typeface="Courier New" panose="02070309020205020404" pitchFamily="49" charset="0"/>
-                <a:cs typeface="Courier New" panose="02070309020205020404" pitchFamily="49" charset="0"/>
-              </a:rPr>
-              <a:t>int</a:t>
-            </a:r>
-            <a:r>
-              <a:rPr lang="en-US" dirty="0">
-                <a:latin typeface="Courier New" panose="02070309020205020404" pitchFamily="49" charset="0"/>
-                <a:cs typeface="Courier New" panose="02070309020205020404" pitchFamily="49" charset="0"/>
-              </a:rPr>
-              <a:t> </a:t>
-            </a:r>
-            <a:r>
-              <a:rPr lang="en-US" dirty="0" err="1">
-                <a:latin typeface="Courier New" panose="02070309020205020404" pitchFamily="49" charset="0"/>
-                <a:cs typeface="Courier New" panose="02070309020205020404" pitchFamily="49" charset="0"/>
-              </a:rPr>
-              <a:t>i</a:t>
-            </a:r>
-            <a:r>
-              <a:rPr lang="en-US" dirty="0">
-                <a:latin typeface="Courier New" panose="02070309020205020404" pitchFamily="49" charset="0"/>
-                <a:cs typeface="Courier New" panose="02070309020205020404" pitchFamily="49" charset="0"/>
-              </a:rPr>
-              <a:t> = 0; </a:t>
-            </a:r>
-            <a:r>
-              <a:rPr lang="en-US" dirty="0" err="1">
-                <a:latin typeface="Courier New" panose="02070309020205020404" pitchFamily="49" charset="0"/>
-                <a:cs typeface="Courier New" panose="02070309020205020404" pitchFamily="49" charset="0"/>
-              </a:rPr>
-              <a:t>i</a:t>
-            </a:r>
-            <a:r>
-              <a:rPr lang="en-US" dirty="0">
-                <a:latin typeface="Courier New" panose="02070309020205020404" pitchFamily="49" charset="0"/>
-                <a:cs typeface="Courier New" panose="02070309020205020404" pitchFamily="49" charset="0"/>
-              </a:rPr>
-              <a:t> &lt; 5; </a:t>
-            </a:r>
-            <a:r>
-              <a:rPr lang="en-US" dirty="0" err="1">
-                <a:latin typeface="Courier New" panose="02070309020205020404" pitchFamily="49" charset="0"/>
-                <a:cs typeface="Courier New" panose="02070309020205020404" pitchFamily="49" charset="0"/>
-              </a:rPr>
-              <a:t>i</a:t>
-            </a:r>
-            <a:r>
-              <a:rPr lang="en-US" dirty="0">
-                <a:latin typeface="Courier New" panose="02070309020205020404" pitchFamily="49" charset="0"/>
-                <a:cs typeface="Courier New" panose="02070309020205020404" pitchFamily="49" charset="0"/>
-              </a:rPr>
-              <a:t>++){</a:t>
-            </a:r>
-          </a:p>
-          <a:p>
-            <a:pPr marL="0" indent="0">
-              <a:buNone/>
-            </a:pPr>
-            <a:r>
-              <a:rPr lang="en-US" dirty="0">
-                <a:latin typeface="Courier New" panose="02070309020205020404" pitchFamily="49" charset="0"/>
-                <a:cs typeface="Courier New" panose="02070309020205020404" pitchFamily="49" charset="0"/>
-              </a:rPr>
-              <a:t>	</a:t>
-            </a:r>
-            <a:r>
-              <a:rPr lang="en-US" dirty="0" err="1">
-                <a:latin typeface="Courier New" panose="02070309020205020404" pitchFamily="49" charset="0"/>
-                <a:cs typeface="Courier New" panose="02070309020205020404" pitchFamily="49" charset="0"/>
-              </a:rPr>
-              <a:t>System.out.println</a:t>
-            </a:r>
-            <a:r>
-              <a:rPr lang="en-US" dirty="0">
-                <a:latin typeface="Courier New" panose="02070309020205020404" pitchFamily="49" charset="0"/>
-                <a:cs typeface="Courier New" panose="02070309020205020404" pitchFamily="49" charset="0"/>
-              </a:rPr>
-              <a:t>(“Bother”);</a:t>
-            </a:r>
-          </a:p>
-          <a:p>
-            <a:pPr marL="0" indent="0">
-              <a:buNone/>
-            </a:pPr>
-            <a:r>
-              <a:rPr lang="en-US" dirty="0">
-                <a:latin typeface="Courier New" panose="02070309020205020404" pitchFamily="49" charset="0"/>
-                <a:cs typeface="Courier New" panose="02070309020205020404" pitchFamily="49" charset="0"/>
-              </a:rPr>
-              <a:t>}</a:t>
-            </a:r>
-          </a:p>
-          <a:p>
-            <a:pPr marL="0" indent="0">
-              <a:buNone/>
-            </a:pPr>
-            <a:endParaRPr lang="en-US" dirty="0">
-              <a:latin typeface="Courier New" panose="02070309020205020404" pitchFamily="49" charset="0"/>
-              <a:cs typeface="Courier New" panose="02070309020205020404" pitchFamily="49" charset="0"/>
-            </a:endParaRPr>
-          </a:p>
-          <a:p>
-            <a:pPr marL="0" indent="0">
-              <a:buNone/>
-            </a:pPr>
-            <a:r>
-              <a:rPr lang="en-US" dirty="0">
-                <a:latin typeface="Courier New" panose="02070309020205020404" pitchFamily="49" charset="0"/>
-                <a:cs typeface="Courier New" panose="02070309020205020404" pitchFamily="49" charset="0"/>
-              </a:rPr>
-              <a:t>for (</a:t>
-            </a:r>
-            <a:r>
-              <a:rPr lang="en-US" dirty="0" err="1">
-                <a:latin typeface="Courier New" panose="02070309020205020404" pitchFamily="49" charset="0"/>
-                <a:cs typeface="Courier New" panose="02070309020205020404" pitchFamily="49" charset="0"/>
-              </a:rPr>
-              <a:t>int</a:t>
-            </a:r>
-            <a:r>
-              <a:rPr lang="en-US" dirty="0">
-                <a:latin typeface="Courier New" panose="02070309020205020404" pitchFamily="49" charset="0"/>
-                <a:cs typeface="Courier New" panose="02070309020205020404" pitchFamily="49" charset="0"/>
-              </a:rPr>
-              <a:t> </a:t>
-            </a:r>
-            <a:r>
-              <a:rPr lang="en-US" dirty="0" err="1">
-                <a:latin typeface="Courier New" panose="02070309020205020404" pitchFamily="49" charset="0"/>
-                <a:cs typeface="Courier New" panose="02070309020205020404" pitchFamily="49" charset="0"/>
-              </a:rPr>
-              <a:t>i</a:t>
-            </a:r>
-            <a:r>
-              <a:rPr lang="en-US" dirty="0">
-                <a:latin typeface="Courier New" panose="02070309020205020404" pitchFamily="49" charset="0"/>
-                <a:cs typeface="Courier New" panose="02070309020205020404" pitchFamily="49" charset="0"/>
-              </a:rPr>
-              <a:t> = 0; </a:t>
-            </a:r>
-            <a:r>
-              <a:rPr lang="en-US" dirty="0" err="1">
-                <a:latin typeface="Courier New" panose="02070309020205020404" pitchFamily="49" charset="0"/>
-                <a:cs typeface="Courier New" panose="02070309020205020404" pitchFamily="49" charset="0"/>
-              </a:rPr>
-              <a:t>i</a:t>
-            </a:r>
-            <a:r>
-              <a:rPr lang="en-US" dirty="0">
-                <a:latin typeface="Courier New" panose="02070309020205020404" pitchFamily="49" charset="0"/>
-                <a:cs typeface="Courier New" panose="02070309020205020404" pitchFamily="49" charset="0"/>
-              </a:rPr>
-              <a:t> &lt; 5; </a:t>
-            </a:r>
-            <a:r>
-              <a:rPr lang="en-US" dirty="0" err="1">
-                <a:latin typeface="Courier New" panose="02070309020205020404" pitchFamily="49" charset="0"/>
-                <a:cs typeface="Courier New" panose="02070309020205020404" pitchFamily="49" charset="0"/>
-              </a:rPr>
-              <a:t>i</a:t>
-            </a:r>
-            <a:r>
-              <a:rPr lang="en-US" dirty="0">
-                <a:latin typeface="Courier New" panose="02070309020205020404" pitchFamily="49" charset="0"/>
-                <a:cs typeface="Courier New" panose="02070309020205020404" pitchFamily="49" charset="0"/>
-              </a:rPr>
-              <a:t>++){</a:t>
-            </a:r>
-          </a:p>
-          <a:p>
-            <a:pPr marL="0" indent="0">
-              <a:buNone/>
-            </a:pPr>
-            <a:r>
-              <a:rPr lang="en-US" dirty="0">
-                <a:latin typeface="Courier New" panose="02070309020205020404" pitchFamily="49" charset="0"/>
-                <a:cs typeface="Courier New" panose="02070309020205020404" pitchFamily="49" charset="0"/>
-              </a:rPr>
-              <a:t>	</a:t>
-            </a:r>
-            <a:r>
-              <a:rPr lang="en-US" dirty="0" err="1">
-                <a:latin typeface="Courier New" panose="02070309020205020404" pitchFamily="49" charset="0"/>
-                <a:cs typeface="Courier New" panose="02070309020205020404" pitchFamily="49" charset="0"/>
-              </a:rPr>
-              <a:t>System.out.println</a:t>
-            </a:r>
-            <a:r>
-              <a:rPr lang="en-US" dirty="0">
-                <a:latin typeface="Courier New" panose="02070309020205020404" pitchFamily="49" charset="0"/>
-                <a:cs typeface="Courier New" panose="02070309020205020404" pitchFamily="49" charset="0"/>
-              </a:rPr>
-              <a:t>(</a:t>
-            </a:r>
-            <a:r>
-              <a:rPr lang="en-US" dirty="0" err="1">
-                <a:latin typeface="Courier New" panose="02070309020205020404" pitchFamily="49" charset="0"/>
-                <a:cs typeface="Courier New" panose="02070309020205020404" pitchFamily="49" charset="0"/>
-              </a:rPr>
-              <a:t>i</a:t>
-            </a:r>
-            <a:r>
-              <a:rPr lang="en-US" dirty="0">
-                <a:latin typeface="Courier New" panose="02070309020205020404" pitchFamily="49" charset="0"/>
-                <a:cs typeface="Courier New" panose="02070309020205020404" pitchFamily="49" charset="0"/>
-              </a:rPr>
-              <a:t>);  //vs (“</a:t>
-            </a:r>
-            <a:r>
-              <a:rPr lang="en-US" dirty="0" err="1">
-                <a:latin typeface="Courier New" panose="02070309020205020404" pitchFamily="49" charset="0"/>
-                <a:cs typeface="Courier New" panose="02070309020205020404" pitchFamily="49" charset="0"/>
-              </a:rPr>
-              <a:t>i</a:t>
-            </a:r>
-            <a:r>
-              <a:rPr lang="en-US" dirty="0">
-                <a:latin typeface="Courier New" panose="02070309020205020404" pitchFamily="49" charset="0"/>
-                <a:cs typeface="Courier New" panose="02070309020205020404" pitchFamily="49" charset="0"/>
-              </a:rPr>
-              <a:t>”)</a:t>
-            </a:r>
-          </a:p>
-          <a:p>
-            <a:pPr marL="0" indent="0">
-              <a:buNone/>
-            </a:pPr>
-            <a:r>
-              <a:rPr lang="en-US" dirty="0">
-                <a:latin typeface="Courier New" panose="02070309020205020404" pitchFamily="49" charset="0"/>
-                <a:cs typeface="Courier New" panose="02070309020205020404" pitchFamily="49" charset="0"/>
-              </a:rPr>
-              <a:t>}</a:t>
+            <p:ph type="ctrTitle"/>
+          </p:nvPr>
+        </p:nvSpPr>
+        <p:spPr/>
+        <p:txBody>
+          <a:bodyPr/>
+          <a:lstStyle/>
+          <a:p>
+            <a:r>
+              <a:rPr lang="en-US" dirty="0"/>
+              <a:t>for Loops</a:t>
+            </a:r>
+          </a:p>
+        </p:txBody>
+      </p:sp>
+      <p:sp>
+        <p:nvSpPr>
+          <p:cNvPr id="3" name="Subtitle 2"/>
+          <p:cNvSpPr>
+            <a:spLocks noGrp="1"/>
+          </p:cNvSpPr>
+          <p:nvPr>
+            <p:ph type="subTitle" idx="1"/>
+          </p:nvPr>
+        </p:nvSpPr>
+        <p:spPr/>
+        <p:txBody>
+          <a:bodyPr/>
+          <a:lstStyle/>
+          <a:p>
+            <a:r>
+              <a:rPr lang="en-US" dirty="0"/>
+              <a:t>[ 2.05 ] [ Today’s Date ] [ Instructor Name ]</a:t>
             </a:r>
           </a:p>
         </p:txBody>
@@ -12271,7 +12254,7 @@
     </p:spTree>
     <p:extLst>
       <p:ext uri="{BB962C8B-B14F-4D97-AF65-F5344CB8AC3E}">
-        <p14:creationId xmlns:p14="http://schemas.microsoft.com/office/powerpoint/2010/main" val="4288803835"/>
+        <p14:creationId xmlns:p14="http://schemas.microsoft.com/office/powerpoint/2010/main" val="129967463"/>
       </p:ext>
     </p:extLst>
   </p:cSld>
@@ -12504,7 +12487,18 @@
           <a:p>
             <a:r>
               <a:rPr lang="en-US" dirty="0"/>
-              <a:t>Example Code:</a:t>
+              <a:t>Build a </a:t>
+            </a:r>
+            <a:r>
+              <a:rPr lang="en-US" dirty="0">
+                <a:latin typeface="Courier New" panose="02070309020205020404" pitchFamily="49" charset="0"/>
+                <a:cs typeface="Courier New" panose="02070309020205020404" pitchFamily="49" charset="0"/>
+              </a:rPr>
+              <a:t>for</a:t>
+            </a:r>
+            <a:r>
+              <a:rPr lang="en-US" dirty="0"/>
+              <a:t> Loop (worksheet)</a:t>
             </a:r>
           </a:p>
         </p:txBody>
@@ -12532,51 +12526,128 @@
                 <a:latin typeface="Courier New" panose="02070309020205020404" pitchFamily="49" charset="0"/>
                 <a:cs typeface="Courier New" panose="02070309020205020404" pitchFamily="49" charset="0"/>
               </a:rPr>
-              <a:t>public class Count1000 {</a:t>
-            </a:r>
-          </a:p>
-          <a:p>
-            <a:pPr marL="0" indent="0">
-              <a:buNone/>
-            </a:pPr>
+              <a:t>for (</a:t>
+            </a:r>
+            <a:r>
+              <a:rPr lang="en-US" dirty="0" err="1">
+                <a:latin typeface="Courier New" panose="02070309020205020404" pitchFamily="49" charset="0"/>
+                <a:cs typeface="Courier New" panose="02070309020205020404" pitchFamily="49" charset="0"/>
+              </a:rPr>
+              <a:t>int</a:t>
+            </a:r>
             <a:r>
               <a:rPr lang="en-US" dirty="0">
                 <a:latin typeface="Courier New" panose="02070309020205020404" pitchFamily="49" charset="0"/>
                 <a:cs typeface="Courier New" panose="02070309020205020404" pitchFamily="49" charset="0"/>
               </a:rPr>
-              <a:t>	public static void main(String[] </a:t>
+              <a:t> </a:t>
             </a:r>
             <a:r>
               <a:rPr lang="en-US" dirty="0" err="1">
                 <a:latin typeface="Courier New" panose="02070309020205020404" pitchFamily="49" charset="0"/>
                 <a:cs typeface="Courier New" panose="02070309020205020404" pitchFamily="49" charset="0"/>
               </a:rPr>
-              <a:t>args</a:t>
+              <a:t>i</a:t>
             </a:r>
             <a:r>
               <a:rPr lang="en-US" dirty="0">
                 <a:latin typeface="Courier New" panose="02070309020205020404" pitchFamily="49" charset="0"/>
                 <a:cs typeface="Courier New" panose="02070309020205020404" pitchFamily="49" charset="0"/>
               </a:rPr>
-              <a:t>) {</a:t>
-            </a:r>
-          </a:p>
-          <a:p>
-            <a:pPr marL="0" indent="0">
-              <a:buNone/>
-            </a:pPr>
+              <a:t> = 0; </a:t>
+            </a:r>
+            <a:r>
+              <a:rPr lang="en-US" dirty="0" err="1">
+                <a:latin typeface="Courier New" panose="02070309020205020404" pitchFamily="49" charset="0"/>
+                <a:cs typeface="Courier New" panose="02070309020205020404" pitchFamily="49" charset="0"/>
+              </a:rPr>
+              <a:t>i</a:t>
+            </a:r>
             <a:r>
               <a:rPr lang="en-US" dirty="0">
                 <a:latin typeface="Courier New" panose="02070309020205020404" pitchFamily="49" charset="0"/>
                 <a:cs typeface="Courier New" panose="02070309020205020404" pitchFamily="49" charset="0"/>
               </a:rPr>
-              <a:t>		for(</a:t>
+              <a:t> &lt; 5; </a:t>
             </a:r>
             <a:r>
               <a:rPr lang="en-US" dirty="0" err="1">
                 <a:latin typeface="Courier New" panose="02070309020205020404" pitchFamily="49" charset="0"/>
                 <a:cs typeface="Courier New" panose="02070309020205020404" pitchFamily="49" charset="0"/>
               </a:rPr>
+              <a:t>i</a:t>
+            </a:r>
+            <a:r>
+              <a:rPr lang="en-US" dirty="0">
+                <a:latin typeface="Courier New" panose="02070309020205020404" pitchFamily="49" charset="0"/>
+                <a:cs typeface="Courier New" panose="02070309020205020404" pitchFamily="49" charset="0"/>
+              </a:rPr>
+              <a:t>++){</a:t>
+            </a:r>
+          </a:p>
+          <a:p>
+            <a:pPr marL="0" indent="0">
+              <a:buNone/>
+            </a:pPr>
+            <a:r>
+              <a:rPr lang="en-US" dirty="0">
+                <a:latin typeface="Courier New" panose="02070309020205020404" pitchFamily="49" charset="0"/>
+                <a:cs typeface="Courier New" panose="02070309020205020404" pitchFamily="49" charset="0"/>
+              </a:rPr>
+              <a:t>	</a:t>
+            </a:r>
+            <a:r>
+              <a:rPr lang="en-US" dirty="0" err="1">
+                <a:latin typeface="Courier New" panose="02070309020205020404" pitchFamily="49" charset="0"/>
+                <a:cs typeface="Courier New" panose="02070309020205020404" pitchFamily="49" charset="0"/>
+              </a:rPr>
+              <a:t>System.out.println</a:t>
+            </a:r>
+            <a:r>
+              <a:rPr lang="en-US" dirty="0">
+                <a:latin typeface="Courier New" panose="02070309020205020404" pitchFamily="49" charset="0"/>
+                <a:cs typeface="Courier New" panose="02070309020205020404" pitchFamily="49" charset="0"/>
+              </a:rPr>
+              <a:t>(“Bother”);</a:t>
+            </a:r>
+          </a:p>
+          <a:p>
+            <a:pPr marL="0" indent="0">
+              <a:buNone/>
+            </a:pPr>
+            <a:r>
+              <a:rPr lang="en-US" dirty="0">
+                <a:latin typeface="Courier New" panose="02070309020205020404" pitchFamily="49" charset="0"/>
+                <a:cs typeface="Courier New" panose="02070309020205020404" pitchFamily="49" charset="0"/>
+              </a:rPr>
+              <a:t>}</a:t>
+            </a:r>
+          </a:p>
+          <a:p>
+            <a:pPr marL="0" indent="0">
+              <a:buNone/>
+            </a:pPr>
+            <a:endParaRPr lang="en-US" dirty="0">
+              <a:latin typeface="Courier New" panose="02070309020205020404" pitchFamily="49" charset="0"/>
+              <a:cs typeface="Courier New" panose="02070309020205020404" pitchFamily="49" charset="0"/>
+            </a:endParaRPr>
+          </a:p>
+          <a:p>
+            <a:pPr marL="0" indent="0">
+              <a:buNone/>
+            </a:pPr>
+            <a:r>
+              <a:rPr lang="en-US" dirty="0">
+                <a:latin typeface="Courier New" panose="02070309020205020404" pitchFamily="49" charset="0"/>
+                <a:cs typeface="Courier New" panose="02070309020205020404" pitchFamily="49" charset="0"/>
+              </a:rPr>
+              <a:t>for (</a:t>
+            </a:r>
+            <a:r>
+              <a:rPr lang="en-US" dirty="0" err="1">
+                <a:latin typeface="Courier New" panose="02070309020205020404" pitchFamily="49" charset="0"/>
+                <a:cs typeface="Courier New" panose="02070309020205020404" pitchFamily="49" charset="0"/>
+              </a:rPr>
               <a:t>int</a:t>
             </a:r>
             <a:r>
@@ -12598,28 +12669,21 @@
                 <a:latin typeface="Courier New" panose="02070309020205020404" pitchFamily="49" charset="0"/>
                 <a:cs typeface="Courier New" panose="02070309020205020404" pitchFamily="49" charset="0"/>
               </a:rPr>
-              <a:t> = 1; </a:t>
-            </a:r>
-            <a:r>
-              <a:rPr lang="en-US" err="1">
+              <a:t> = 0; </a:t>
+            </a:r>
+            <a:r>
+              <a:rPr lang="en-US" dirty="0" err="1">
                 <a:latin typeface="Courier New" panose="02070309020205020404" pitchFamily="49" charset="0"/>
                 <a:cs typeface="Courier New" panose="02070309020205020404" pitchFamily="49" charset="0"/>
               </a:rPr>
               <a:t>i</a:t>
             </a:r>
             <a:r>
-              <a:rPr lang="en-US">
-                <a:latin typeface="Courier New" panose="02070309020205020404" pitchFamily="49" charset="0"/>
-                <a:cs typeface="Courier New" panose="02070309020205020404" pitchFamily="49" charset="0"/>
-              </a:rPr>
-              <a:t> &lt;= </a:t>
-            </a:r>
-            <a:r>
               <a:rPr lang="en-US" dirty="0">
                 <a:latin typeface="Courier New" panose="02070309020205020404" pitchFamily="49" charset="0"/>
                 <a:cs typeface="Courier New" panose="02070309020205020404" pitchFamily="49" charset="0"/>
               </a:rPr>
-              <a:t>1000; </a:t>
+              <a:t> &lt; 5; </a:t>
             </a:r>
             <a:r>
               <a:rPr lang="en-US" dirty="0" err="1">
@@ -12633,7 +12697,7 @@
                 <a:latin typeface="Courier New" panose="02070309020205020404" pitchFamily="49" charset="0"/>
                 <a:cs typeface="Courier New" panose="02070309020205020404" pitchFamily="49" charset="0"/>
               </a:rPr>
-              <a:t>++) {</a:t>
+              <a:t>++){</a:t>
             </a:r>
           </a:p>
           <a:p>
@@ -12645,7 +12709,7 @@
                 <a:latin typeface="Courier New" panose="02070309020205020404" pitchFamily="49" charset="0"/>
                 <a:cs typeface="Courier New" panose="02070309020205020404" pitchFamily="49" charset="0"/>
               </a:rPr>
-              <a:t>			</a:t>
+              <a:t>	</a:t>
             </a:r>
             <a:r>
               <a:rPr lang="en-US" dirty="0" err="1">
@@ -12673,31 +12737,21 @@
                 <a:latin typeface="Courier New" panose="02070309020205020404" pitchFamily="49" charset="0"/>
                 <a:cs typeface="Courier New" panose="02070309020205020404" pitchFamily="49" charset="0"/>
               </a:rPr>
-              <a:t>);</a:t>
-            </a:r>
-          </a:p>
-          <a:p>
-            <a:pPr marL="0" indent="0">
-              <a:buNone/>
-            </a:pPr>
+              <a:t>);  //vs (“</a:t>
+            </a:r>
+            <a:r>
+              <a:rPr lang="en-US" dirty="0" err="1">
+                <a:latin typeface="Courier New" panose="02070309020205020404" pitchFamily="49" charset="0"/>
+                <a:cs typeface="Courier New" panose="02070309020205020404" pitchFamily="49" charset="0"/>
+              </a:rPr>
+              <a:t>i</a:t>
+            </a:r>
             <a:r>
               <a:rPr lang="en-US" dirty="0">
                 <a:latin typeface="Courier New" panose="02070309020205020404" pitchFamily="49" charset="0"/>
                 <a:cs typeface="Courier New" panose="02070309020205020404" pitchFamily="49" charset="0"/>
               </a:rPr>
-              <a:t>		}</a:t>
-            </a:r>
-          </a:p>
-          <a:p>
-            <a:pPr marL="0" indent="0">
-              <a:buNone/>
-            </a:pPr>
-            <a:r>
-              <a:rPr lang="en-US" dirty="0">
-                <a:latin typeface="Courier New" panose="02070309020205020404" pitchFamily="49" charset="0"/>
-                <a:cs typeface="Courier New" panose="02070309020205020404" pitchFamily="49" charset="0"/>
-              </a:rPr>
-              <a:t>	}</a:t>
+              <a:t>”)</a:t>
             </a:r>
           </a:p>
           <a:p>
@@ -12717,7 +12771,7 @@
     </p:spTree>
     <p:extLst>
       <p:ext uri="{BB962C8B-B14F-4D97-AF65-F5344CB8AC3E}">
-        <p14:creationId xmlns:p14="http://schemas.microsoft.com/office/powerpoint/2010/main" val="275531343"/>
+        <p14:creationId xmlns:p14="http://schemas.microsoft.com/office/powerpoint/2010/main" val="4288803835"/>
       </p:ext>
     </p:extLst>
   </p:cSld>
@@ -12756,14 +12810,12 @@
         </p:nvSpPr>
         <p:spPr/>
         <p:txBody>
-          <a:bodyPr>
-            <a:normAutofit/>
-          </a:bodyPr>
-          <a:lstStyle/>
-          <a:p>
-            <a:r>
-              <a:rPr lang="en-US" dirty="0"/>
-              <a:t>Homework</a:t>
+          <a:bodyPr/>
+          <a:lstStyle/>
+          <a:p>
+            <a:r>
+              <a:rPr lang="en-US" dirty="0"/>
+              <a:t>Example Code:</a:t>
             </a:r>
           </a:p>
         </p:txBody>
@@ -12787,31 +12839,188 @@
               <a:buNone/>
             </a:pPr>
             <a:r>
-              <a:rPr lang="en-US" dirty="0"/>
-              <a:t>Read HW 2.3 “Nested Loops”</a:t>
-            </a:r>
-          </a:p>
-          <a:p>
-            <a:pPr marL="0" indent="0">
-              <a:buNone/>
-            </a:pPr>
-            <a:endParaRPr lang="en-US" dirty="0"/>
-          </a:p>
-          <a:p>
-            <a:pPr marL="0" indent="0">
-              <a:buNone/>
-            </a:pPr>
-            <a:r>
-              <a:rPr lang="en-US" dirty="0"/>
-              <a:t>Complete chapter 2 self-check questions 19-21 (4</a:t>
-            </a:r>
-            <a:r>
-              <a:rPr lang="en-US" baseline="30000" dirty="0"/>
-              <a:t>th</a:t>
-            </a:r>
-            <a:r>
-              <a:rPr lang="en-US" dirty="0"/>
-              <a:t> edition: 22-24). </a:t>
+              <a:rPr lang="en-US" dirty="0">
+                <a:latin typeface="Courier New" panose="02070309020205020404" pitchFamily="49" charset="0"/>
+                <a:cs typeface="Courier New" panose="02070309020205020404" pitchFamily="49" charset="0"/>
+              </a:rPr>
+              <a:t>public class Count1000 {</a:t>
+            </a:r>
+          </a:p>
+          <a:p>
+            <a:pPr marL="0" indent="0">
+              <a:buNone/>
+            </a:pPr>
+            <a:r>
+              <a:rPr lang="en-US" dirty="0">
+                <a:latin typeface="Courier New" panose="02070309020205020404" pitchFamily="49" charset="0"/>
+                <a:cs typeface="Courier New" panose="02070309020205020404" pitchFamily="49" charset="0"/>
+              </a:rPr>
+              <a:t>	public static void main(String[] </a:t>
+            </a:r>
+            <a:r>
+              <a:rPr lang="en-US" dirty="0" err="1">
+                <a:latin typeface="Courier New" panose="02070309020205020404" pitchFamily="49" charset="0"/>
+                <a:cs typeface="Courier New" panose="02070309020205020404" pitchFamily="49" charset="0"/>
+              </a:rPr>
+              <a:t>args</a:t>
+            </a:r>
+            <a:r>
+              <a:rPr lang="en-US" dirty="0">
+                <a:latin typeface="Courier New" panose="02070309020205020404" pitchFamily="49" charset="0"/>
+                <a:cs typeface="Courier New" panose="02070309020205020404" pitchFamily="49" charset="0"/>
+              </a:rPr>
+              <a:t>) {</a:t>
+            </a:r>
+          </a:p>
+          <a:p>
+            <a:pPr marL="0" indent="0">
+              <a:buNone/>
+            </a:pPr>
+            <a:r>
+              <a:rPr lang="en-US" dirty="0">
+                <a:latin typeface="Courier New" panose="02070309020205020404" pitchFamily="49" charset="0"/>
+                <a:cs typeface="Courier New" panose="02070309020205020404" pitchFamily="49" charset="0"/>
+              </a:rPr>
+              <a:t>		for(</a:t>
+            </a:r>
+            <a:r>
+              <a:rPr lang="en-US" dirty="0" err="1">
+                <a:latin typeface="Courier New" panose="02070309020205020404" pitchFamily="49" charset="0"/>
+                <a:cs typeface="Courier New" panose="02070309020205020404" pitchFamily="49" charset="0"/>
+              </a:rPr>
+              <a:t>int</a:t>
+            </a:r>
+            <a:r>
+              <a:rPr lang="en-US" dirty="0">
+                <a:latin typeface="Courier New" panose="02070309020205020404" pitchFamily="49" charset="0"/>
+                <a:cs typeface="Courier New" panose="02070309020205020404" pitchFamily="49" charset="0"/>
+              </a:rPr>
+              <a:t> </a:t>
+            </a:r>
+            <a:r>
+              <a:rPr lang="en-US" dirty="0" err="1">
+                <a:latin typeface="Courier New" panose="02070309020205020404" pitchFamily="49" charset="0"/>
+                <a:cs typeface="Courier New" panose="02070309020205020404" pitchFamily="49" charset="0"/>
+              </a:rPr>
+              <a:t>i</a:t>
+            </a:r>
+            <a:r>
+              <a:rPr lang="en-US" dirty="0">
+                <a:latin typeface="Courier New" panose="02070309020205020404" pitchFamily="49" charset="0"/>
+                <a:cs typeface="Courier New" panose="02070309020205020404" pitchFamily="49" charset="0"/>
+              </a:rPr>
+              <a:t> = 1; </a:t>
+            </a:r>
+            <a:r>
+              <a:rPr lang="en-US" err="1">
+                <a:latin typeface="Courier New" panose="02070309020205020404" pitchFamily="49" charset="0"/>
+                <a:cs typeface="Courier New" panose="02070309020205020404" pitchFamily="49" charset="0"/>
+              </a:rPr>
+              <a:t>i</a:t>
+            </a:r>
+            <a:r>
+              <a:rPr lang="en-US">
+                <a:latin typeface="Courier New" panose="02070309020205020404" pitchFamily="49" charset="0"/>
+                <a:cs typeface="Courier New" panose="02070309020205020404" pitchFamily="49" charset="0"/>
+              </a:rPr>
+              <a:t> &lt;= </a:t>
+            </a:r>
+            <a:r>
+              <a:rPr lang="en-US" dirty="0">
+                <a:latin typeface="Courier New" panose="02070309020205020404" pitchFamily="49" charset="0"/>
+                <a:cs typeface="Courier New" panose="02070309020205020404" pitchFamily="49" charset="0"/>
+              </a:rPr>
+              <a:t>1000; </a:t>
+            </a:r>
+            <a:r>
+              <a:rPr lang="en-US" dirty="0" err="1">
+                <a:latin typeface="Courier New" panose="02070309020205020404" pitchFamily="49" charset="0"/>
+                <a:cs typeface="Courier New" panose="02070309020205020404" pitchFamily="49" charset="0"/>
+              </a:rPr>
+              <a:t>i</a:t>
+            </a:r>
+            <a:r>
+              <a:rPr lang="en-US" dirty="0">
+                <a:latin typeface="Courier New" panose="02070309020205020404" pitchFamily="49" charset="0"/>
+                <a:cs typeface="Courier New" panose="02070309020205020404" pitchFamily="49" charset="0"/>
+              </a:rPr>
+              <a:t>++) {</a:t>
+            </a:r>
+          </a:p>
+          <a:p>
+            <a:pPr marL="0" indent="0">
+              <a:buNone/>
+            </a:pPr>
+            <a:r>
+              <a:rPr lang="en-US" dirty="0">
+                <a:latin typeface="Courier New" panose="02070309020205020404" pitchFamily="49" charset="0"/>
+                <a:cs typeface="Courier New" panose="02070309020205020404" pitchFamily="49" charset="0"/>
+              </a:rPr>
+              <a:t>			</a:t>
+            </a:r>
+            <a:r>
+              <a:rPr lang="en-US" dirty="0" err="1">
+                <a:latin typeface="Courier New" panose="02070309020205020404" pitchFamily="49" charset="0"/>
+                <a:cs typeface="Courier New" panose="02070309020205020404" pitchFamily="49" charset="0"/>
+              </a:rPr>
+              <a:t>System.out.println</a:t>
+            </a:r>
+            <a:r>
+              <a:rPr lang="en-US" dirty="0">
+                <a:latin typeface="Courier New" panose="02070309020205020404" pitchFamily="49" charset="0"/>
+                <a:cs typeface="Courier New" panose="02070309020205020404" pitchFamily="49" charset="0"/>
+              </a:rPr>
+              <a:t>(</a:t>
+            </a:r>
+            <a:r>
+              <a:rPr lang="en-US" dirty="0" err="1">
+                <a:latin typeface="Courier New" panose="02070309020205020404" pitchFamily="49" charset="0"/>
+                <a:cs typeface="Courier New" panose="02070309020205020404" pitchFamily="49" charset="0"/>
+              </a:rPr>
+              <a:t>i</a:t>
+            </a:r>
+            <a:r>
+              <a:rPr lang="en-US" dirty="0">
+                <a:latin typeface="Courier New" panose="02070309020205020404" pitchFamily="49" charset="0"/>
+                <a:cs typeface="Courier New" panose="02070309020205020404" pitchFamily="49" charset="0"/>
+              </a:rPr>
+              <a:t>);</a:t>
+            </a:r>
+          </a:p>
+          <a:p>
+            <a:pPr marL="0" indent="0">
+              <a:buNone/>
+            </a:pPr>
+            <a:r>
+              <a:rPr lang="en-US" dirty="0">
+                <a:latin typeface="Courier New" panose="02070309020205020404" pitchFamily="49" charset="0"/>
+                <a:cs typeface="Courier New" panose="02070309020205020404" pitchFamily="49" charset="0"/>
+              </a:rPr>
+              <a:t>		}</a:t>
+            </a:r>
+          </a:p>
+          <a:p>
+            <a:pPr marL="0" indent="0">
+              <a:buNone/>
+            </a:pPr>
+            <a:r>
+              <a:rPr lang="en-US" dirty="0">
+                <a:latin typeface="Courier New" panose="02070309020205020404" pitchFamily="49" charset="0"/>
+                <a:cs typeface="Courier New" panose="02070309020205020404" pitchFamily="49" charset="0"/>
+              </a:rPr>
+              <a:t>	}</a:t>
+            </a:r>
+          </a:p>
+          <a:p>
+            <a:pPr marL="0" indent="0">
+              <a:buNone/>
+            </a:pPr>
+            <a:r>
+              <a:rPr lang="en-US" dirty="0">
+                <a:latin typeface="Courier New" panose="02070309020205020404" pitchFamily="49" charset="0"/>
+                <a:cs typeface="Courier New" panose="02070309020205020404" pitchFamily="49" charset="0"/>
+              </a:rPr>
+              <a:t>}</a:t>
             </a:r>
           </a:p>
         </p:txBody>
@@ -12819,7 +13028,7 @@
     </p:spTree>
     <p:extLst>
       <p:ext uri="{BB962C8B-B14F-4D97-AF65-F5344CB8AC3E}">
-        <p14:creationId xmlns:p14="http://schemas.microsoft.com/office/powerpoint/2010/main" val="1404431495"/>
+        <p14:creationId xmlns:p14="http://schemas.microsoft.com/office/powerpoint/2010/main" val="275531343"/>
       </p:ext>
     </p:extLst>
   </p:cSld>
@@ -12858,12 +13067,14 @@
         </p:nvSpPr>
         <p:spPr/>
         <p:txBody>
-          <a:bodyPr/>
-          <a:lstStyle/>
-          <a:p>
-            <a:r>
-              <a:rPr lang="en-US" dirty="0"/>
-              <a:t>Nested for Loops</a:t>
+          <a:bodyPr>
+            <a:normAutofit/>
+          </a:bodyPr>
+          <a:lstStyle/>
+          <a:p>
+            <a:r>
+              <a:rPr lang="en-US" sz="5000" dirty="0"/>
+              <a:t>Practice-It</a:t>
             </a:r>
           </a:p>
         </p:txBody>
@@ -12885,15 +13096,28 @@
           <a:p>
             <a:r>
               <a:rPr lang="en-US" dirty="0"/>
-              <a:t>[ 2.06 ] [ Today’s Date ] [ Instructor Name ]</a:t>
-            </a:r>
+              <a:t>Count2, </a:t>
+            </a:r>
+            <a:r>
+              <a:rPr lang="en-US" dirty="0" err="1"/>
+              <a:t>fingerTrap</a:t>
+            </a:r>
+            <a:r>
+              <a:rPr lang="en-US" dirty="0"/>
+              <a:t>, </a:t>
+            </a:r>
+            <a:r>
+              <a:rPr lang="en-US" dirty="0" err="1"/>
+              <a:t>howManyLines</a:t>
+            </a:r>
+            <a:endParaRPr lang="en-US" dirty="0"/>
           </a:p>
         </p:txBody>
       </p:sp>
     </p:spTree>
     <p:extLst>
       <p:ext uri="{BB962C8B-B14F-4D97-AF65-F5344CB8AC3E}">
-        <p14:creationId xmlns:p14="http://schemas.microsoft.com/office/powerpoint/2010/main" val="2172282920"/>
+        <p14:creationId xmlns:p14="http://schemas.microsoft.com/office/powerpoint/2010/main" val="123155053"/>
       </p:ext>
     </p:extLst>
   </p:cSld>
@@ -12930,34 +13154,6 @@
             <p:ph type="title"/>
           </p:nvPr>
         </p:nvSpPr>
-        <p:spPr>
-          <a:xfrm>
-            <a:off x="838200" y="2057399"/>
-            <a:ext cx="10515600" cy="1157288"/>
-          </a:xfrm>
-        </p:spPr>
-        <p:txBody>
-          <a:bodyPr/>
-          <a:lstStyle/>
-          <a:p>
-            <a:pPr algn="ctr"/>
-            <a:r>
-              <a:rPr lang="en-US" dirty="0"/>
-              <a:t>The Challenge:</a:t>
-            </a:r>
-          </a:p>
-        </p:txBody>
-      </p:sp>
-      <p:sp>
-        <p:nvSpPr>
-          <p:cNvPr id="3" name="Content Placeholder 2"/>
-          <p:cNvSpPr>
-            <a:spLocks noGrp="1"/>
-          </p:cNvSpPr>
-          <p:nvPr>
-            <p:ph idx="1"/>
-          </p:nvPr>
-        </p:nvSpPr>
         <p:spPr/>
         <p:txBody>
           <a:bodyPr>
@@ -12965,30 +13161,57 @@
           </a:bodyPr>
           <a:lstStyle/>
           <a:p>
-            <a:pPr marL="0" indent="0" algn="ctr">
-              <a:buNone/>
-            </a:pPr>
-            <a:endParaRPr lang="en-US" sz="2400" dirty="0"/>
-          </a:p>
-          <a:p>
-            <a:pPr marL="0" indent="0" algn="ctr">
-              <a:buNone/>
-            </a:pPr>
-            <a:endParaRPr lang="en-US" sz="2400" dirty="0"/>
-          </a:p>
-          <a:p>
-            <a:pPr marL="0" indent="0" algn="ctr">
-              <a:buNone/>
-            </a:pPr>
-            <a:endParaRPr lang="en-US" sz="2400" dirty="0"/>
-          </a:p>
-          <a:p>
-            <a:pPr marL="0" indent="0" algn="ctr">
-              <a:buNone/>
-            </a:pPr>
-            <a:r>
-              <a:rPr lang="en-US" sz="2400" dirty="0"/>
-              <a:t>Rewrite the code from yesterday (count to 1000 if you don’t remember) in 11 lines. You cannot use a loop that executes more than 10 times.</a:t>
+            <a:r>
+              <a:rPr lang="en-US" dirty="0"/>
+              <a:t>Homework</a:t>
+            </a:r>
+          </a:p>
+        </p:txBody>
+      </p:sp>
+      <p:sp>
+        <p:nvSpPr>
+          <p:cNvPr id="3" name="Content Placeholder 2"/>
+          <p:cNvSpPr>
+            <a:spLocks noGrp="1"/>
+          </p:cNvSpPr>
+          <p:nvPr>
+            <p:ph idx="1"/>
+          </p:nvPr>
+        </p:nvSpPr>
+        <p:spPr/>
+        <p:txBody>
+          <a:bodyPr/>
+          <a:lstStyle/>
+          <a:p>
+            <a:pPr marL="0" indent="0">
+              <a:buNone/>
+            </a:pPr>
+            <a:r>
+              <a:rPr lang="en-US" dirty="0"/>
+              <a:t>Read HW 2.3 “Nested Loops”</a:t>
+            </a:r>
+          </a:p>
+          <a:p>
+            <a:pPr marL="0" indent="0">
+              <a:buNone/>
+            </a:pPr>
+            <a:endParaRPr lang="en-US" dirty="0"/>
+          </a:p>
+          <a:p>
+            <a:pPr marL="0" indent="0">
+              <a:buNone/>
+            </a:pPr>
+            <a:r>
+              <a:rPr lang="en-US" dirty="0"/>
+              <a:t>Complete chapter 2 self-check questions 19-21 (4</a:t>
+            </a:r>
+            <a:r>
+              <a:rPr lang="en-US" baseline="30000" dirty="0"/>
+              <a:t>th</a:t>
+            </a:r>
+            <a:r>
+              <a:rPr lang="en-US" dirty="0"/>
+              <a:t> edition: 22-24). </a:t>
             </a:r>
           </a:p>
         </p:txBody>
@@ -12996,7 +13219,7 @@
     </p:spTree>
     <p:extLst>
       <p:ext uri="{BB962C8B-B14F-4D97-AF65-F5344CB8AC3E}">
-        <p14:creationId xmlns:p14="http://schemas.microsoft.com/office/powerpoint/2010/main" val="4189109445"/>
+        <p14:creationId xmlns:p14="http://schemas.microsoft.com/office/powerpoint/2010/main" val="1404431495"/>
       </p:ext>
     </p:extLst>
   </p:cSld>
@@ -13030,177 +13253,39 @@
             <a:spLocks noGrp="1"/>
           </p:cNvSpPr>
           <p:nvPr>
-            <p:ph type="title"/>
-          </p:nvPr>
-        </p:nvSpPr>
-        <p:spPr/>
-        <p:txBody>
-          <a:bodyPr/>
-          <a:lstStyle/>
-          <a:p>
-            <a:r>
-              <a:rPr lang="en-US" dirty="0"/>
-              <a:t>Single Loop</a:t>
-            </a:r>
-          </a:p>
-        </p:txBody>
-      </p:sp>
-      <p:sp>
-        <p:nvSpPr>
-          <p:cNvPr id="3" name="Content Placeholder 2"/>
-          <p:cNvSpPr>
-            <a:spLocks noGrp="1"/>
-          </p:cNvSpPr>
-          <p:nvPr>
-            <p:ph idx="1"/>
-          </p:nvPr>
-        </p:nvSpPr>
-        <p:spPr/>
-        <p:txBody>
-          <a:bodyPr/>
-          <a:lstStyle/>
-          <a:p>
-            <a:pPr marL="0" indent="0">
-              <a:buNone/>
-            </a:pPr>
-            <a:endParaRPr lang="en-US" dirty="0">
-              <a:latin typeface="Courier New" panose="02070309020205020404" pitchFamily="49" charset="0"/>
-              <a:cs typeface="Courier New" panose="02070309020205020404" pitchFamily="49" charset="0"/>
-            </a:endParaRPr>
-          </a:p>
-          <a:p>
-            <a:pPr marL="0" indent="0">
-              <a:buNone/>
-            </a:pPr>
-            <a:r>
-              <a:rPr lang="en-US" dirty="0">
-                <a:latin typeface="Courier New" panose="02070309020205020404" pitchFamily="49" charset="0"/>
-                <a:cs typeface="Courier New" panose="02070309020205020404" pitchFamily="49" charset="0"/>
-              </a:rPr>
-              <a:t>for (</a:t>
-            </a:r>
-            <a:r>
-              <a:rPr lang="en-US" dirty="0" err="1">
-                <a:latin typeface="Courier New" panose="02070309020205020404" pitchFamily="49" charset="0"/>
-                <a:cs typeface="Courier New" panose="02070309020205020404" pitchFamily="49" charset="0"/>
-              </a:rPr>
-              <a:t>int</a:t>
-            </a:r>
-            <a:r>
-              <a:rPr lang="en-US" dirty="0">
-                <a:latin typeface="Courier New" panose="02070309020205020404" pitchFamily="49" charset="0"/>
-                <a:cs typeface="Courier New" panose="02070309020205020404" pitchFamily="49" charset="0"/>
-              </a:rPr>
-              <a:t> </a:t>
-            </a:r>
-            <a:r>
-              <a:rPr lang="en-US" dirty="0" err="1">
-                <a:latin typeface="Courier New" panose="02070309020205020404" pitchFamily="49" charset="0"/>
-                <a:cs typeface="Courier New" panose="02070309020205020404" pitchFamily="49" charset="0"/>
-              </a:rPr>
-              <a:t>i</a:t>
-            </a:r>
-            <a:r>
-              <a:rPr lang="en-US" dirty="0">
-                <a:latin typeface="Courier New" panose="02070309020205020404" pitchFamily="49" charset="0"/>
-                <a:cs typeface="Courier New" panose="02070309020205020404" pitchFamily="49" charset="0"/>
-              </a:rPr>
-              <a:t> = 1; </a:t>
-            </a:r>
-            <a:r>
-              <a:rPr lang="en-US" dirty="0" err="1">
-                <a:latin typeface="Courier New" panose="02070309020205020404" pitchFamily="49" charset="0"/>
-                <a:cs typeface="Courier New" panose="02070309020205020404" pitchFamily="49" charset="0"/>
-              </a:rPr>
-              <a:t>i</a:t>
-            </a:r>
-            <a:r>
-              <a:rPr lang="en-US" dirty="0">
-                <a:latin typeface="Courier New" panose="02070309020205020404" pitchFamily="49" charset="0"/>
-                <a:cs typeface="Courier New" panose="02070309020205020404" pitchFamily="49" charset="0"/>
-              </a:rPr>
-              <a:t> &lt;= 3; </a:t>
-            </a:r>
-            <a:r>
-              <a:rPr lang="en-US" dirty="0" err="1">
-                <a:latin typeface="Courier New" panose="02070309020205020404" pitchFamily="49" charset="0"/>
-                <a:cs typeface="Courier New" panose="02070309020205020404" pitchFamily="49" charset="0"/>
-              </a:rPr>
-              <a:t>i</a:t>
-            </a:r>
-            <a:r>
-              <a:rPr lang="en-US" dirty="0">
-                <a:latin typeface="Courier New" panose="02070309020205020404" pitchFamily="49" charset="0"/>
-                <a:cs typeface="Courier New" panose="02070309020205020404" pitchFamily="49" charset="0"/>
-              </a:rPr>
-              <a:t>++) {</a:t>
-            </a:r>
-          </a:p>
-          <a:p>
-            <a:pPr marL="0" indent="0">
-              <a:buNone/>
-            </a:pPr>
-            <a:br>
-              <a:rPr lang="en-US" dirty="0">
-                <a:latin typeface="Courier New" panose="02070309020205020404" pitchFamily="49" charset="0"/>
-                <a:cs typeface="Courier New" panose="02070309020205020404" pitchFamily="49" charset="0"/>
-              </a:rPr>
-            </a:br>
-            <a:r>
-              <a:rPr lang="en-US" dirty="0">
-                <a:latin typeface="Courier New" panose="02070309020205020404" pitchFamily="49" charset="0"/>
-                <a:cs typeface="Courier New" panose="02070309020205020404" pitchFamily="49" charset="0"/>
-              </a:rPr>
-              <a:t>	</a:t>
-            </a:r>
-            <a:r>
-              <a:rPr lang="en-US" dirty="0" err="1">
-                <a:latin typeface="Courier New" panose="02070309020205020404" pitchFamily="49" charset="0"/>
-                <a:cs typeface="Courier New" panose="02070309020205020404" pitchFamily="49" charset="0"/>
-              </a:rPr>
-              <a:t>System.out.println</a:t>
-            </a:r>
-            <a:r>
-              <a:rPr lang="en-US" dirty="0">
-                <a:latin typeface="Courier New" panose="02070309020205020404" pitchFamily="49" charset="0"/>
-                <a:cs typeface="Courier New" panose="02070309020205020404" pitchFamily="49" charset="0"/>
-              </a:rPr>
-              <a:t>(“</a:t>
-            </a:r>
-            <a:r>
-              <a:rPr lang="en-US" dirty="0" err="1">
-                <a:latin typeface="Courier New" panose="02070309020205020404" pitchFamily="49" charset="0"/>
-                <a:cs typeface="Courier New" panose="02070309020205020404" pitchFamily="49" charset="0"/>
-              </a:rPr>
-              <a:t>Calacas</a:t>
-            </a:r>
-            <a:r>
-              <a:rPr lang="en-US" dirty="0">
-                <a:latin typeface="Courier New" panose="02070309020205020404" pitchFamily="49" charset="0"/>
-                <a:cs typeface="Courier New" panose="02070309020205020404" pitchFamily="49" charset="0"/>
-              </a:rPr>
-              <a:t> y Calaveras!”)</a:t>
-            </a:r>
-          </a:p>
-          <a:p>
-            <a:pPr marL="0" indent="0">
-              <a:buNone/>
-            </a:pPr>
-            <a:endParaRPr lang="en-US" dirty="0">
-              <a:latin typeface="Courier New" panose="02070309020205020404" pitchFamily="49" charset="0"/>
-              <a:cs typeface="Courier New" panose="02070309020205020404" pitchFamily="49" charset="0"/>
-            </a:endParaRPr>
-          </a:p>
-          <a:p>
-            <a:pPr marL="0" indent="0">
-              <a:buNone/>
-            </a:pPr>
-            <a:r>
-              <a:rPr lang="en-US" dirty="0">
-                <a:latin typeface="Courier New" panose="02070309020205020404" pitchFamily="49" charset="0"/>
-                <a:cs typeface="Courier New" panose="02070309020205020404" pitchFamily="49" charset="0"/>
-              </a:rPr>
-              <a:t>}</a:t>
+            <p:ph type="ctrTitle"/>
+          </p:nvPr>
+        </p:nvSpPr>
+        <p:spPr/>
+        <p:txBody>
+          <a:bodyPr/>
+          <a:lstStyle/>
+          <a:p>
+            <a:r>
+              <a:rPr lang="en-US" dirty="0"/>
+              <a:t>Nested for Loops</a:t>
+            </a:r>
+          </a:p>
+        </p:txBody>
+      </p:sp>
+      <p:sp>
+        <p:nvSpPr>
+          <p:cNvPr id="3" name="Subtitle 2"/>
+          <p:cNvSpPr>
+            <a:spLocks noGrp="1"/>
+          </p:cNvSpPr>
+          <p:nvPr>
+            <p:ph type="subTitle" idx="1"/>
+          </p:nvPr>
+        </p:nvSpPr>
+        <p:spPr/>
+        <p:txBody>
+          <a:bodyPr/>
+          <a:lstStyle/>
+          <a:p>
+            <a:r>
+              <a:rPr lang="en-US" dirty="0"/>
+              <a:t>[ 2.06 ] [ Today’s Date ] [ Instructor Name ]</a:t>
             </a:r>
           </a:p>
         </p:txBody>
@@ -13208,7 +13293,7 @@
     </p:spTree>
     <p:extLst>
       <p:ext uri="{BB962C8B-B14F-4D97-AF65-F5344CB8AC3E}">
-        <p14:creationId xmlns:p14="http://schemas.microsoft.com/office/powerpoint/2010/main" val="2561454960"/>
+        <p14:creationId xmlns:p14="http://schemas.microsoft.com/office/powerpoint/2010/main" val="2172282920"/>
       </p:ext>
     </p:extLst>
   </p:cSld>
@@ -13245,14 +13330,20 @@
             <p:ph type="title"/>
           </p:nvPr>
         </p:nvSpPr>
-        <p:spPr/>
-        <p:txBody>
-          <a:bodyPr/>
-          <a:lstStyle/>
-          <a:p>
-            <a:r>
-              <a:rPr lang="en-US" dirty="0"/>
-              <a:t>Nested Loop</a:t>
+        <p:spPr>
+          <a:xfrm>
+            <a:off x="838200" y="2057399"/>
+            <a:ext cx="10515600" cy="1157288"/>
+          </a:xfrm>
+        </p:spPr>
+        <p:txBody>
+          <a:bodyPr/>
+          <a:lstStyle/>
+          <a:p>
+            <a:pPr algn="ctr"/>
+            <a:r>
+              <a:rPr lang="en-US" dirty="0"/>
+              <a:t>The Challenge:</a:t>
             </a:r>
           </a:p>
         </p:txBody>
@@ -13269,228 +13360,43 @@
         </p:nvSpPr>
         <p:spPr/>
         <p:txBody>
-          <a:bodyPr/>
-          <a:lstStyle/>
-          <a:p>
-            <a:pPr marL="0" indent="0">
-              <a:buNone/>
-            </a:pPr>
-            <a:r>
-              <a:rPr lang="en-US" sz="2400" dirty="0">
-                <a:latin typeface="Courier New" panose="02070309020205020404" pitchFamily="49" charset="0"/>
-                <a:cs typeface="Courier New" panose="02070309020205020404" pitchFamily="49" charset="0"/>
-              </a:rPr>
-              <a:t>for (</a:t>
-            </a:r>
-            <a:r>
-              <a:rPr lang="en-US" sz="2400" dirty="0" err="1">
-                <a:latin typeface="Courier New" panose="02070309020205020404" pitchFamily="49" charset="0"/>
-                <a:cs typeface="Courier New" panose="02070309020205020404" pitchFamily="49" charset="0"/>
-              </a:rPr>
-              <a:t>int</a:t>
-            </a:r>
-            <a:r>
-              <a:rPr lang="en-US" sz="2400" dirty="0">
-                <a:latin typeface="Courier New" panose="02070309020205020404" pitchFamily="49" charset="0"/>
-                <a:cs typeface="Courier New" panose="02070309020205020404" pitchFamily="49" charset="0"/>
-              </a:rPr>
-              <a:t> </a:t>
-            </a:r>
-            <a:r>
-              <a:rPr lang="en-US" sz="2400" dirty="0" err="1">
-                <a:latin typeface="Courier New" panose="02070309020205020404" pitchFamily="49" charset="0"/>
-                <a:cs typeface="Courier New" panose="02070309020205020404" pitchFamily="49" charset="0"/>
-              </a:rPr>
-              <a:t>i</a:t>
-            </a:r>
-            <a:r>
-              <a:rPr lang="en-US" sz="2400" dirty="0">
-                <a:latin typeface="Courier New" panose="02070309020205020404" pitchFamily="49" charset="0"/>
-                <a:cs typeface="Courier New" panose="02070309020205020404" pitchFamily="49" charset="0"/>
-              </a:rPr>
-              <a:t> = 1; </a:t>
-            </a:r>
-            <a:r>
-              <a:rPr lang="en-US" sz="2400" dirty="0" err="1">
-                <a:latin typeface="Courier New" panose="02070309020205020404" pitchFamily="49" charset="0"/>
-                <a:cs typeface="Courier New" panose="02070309020205020404" pitchFamily="49" charset="0"/>
-              </a:rPr>
-              <a:t>i</a:t>
-            </a:r>
-            <a:r>
-              <a:rPr lang="en-US" sz="2400" dirty="0">
-                <a:latin typeface="Courier New" panose="02070309020205020404" pitchFamily="49" charset="0"/>
-                <a:cs typeface="Courier New" panose="02070309020205020404" pitchFamily="49" charset="0"/>
-              </a:rPr>
-              <a:t> &lt;= 3; </a:t>
-            </a:r>
-            <a:r>
-              <a:rPr lang="en-US" sz="2400" dirty="0" err="1">
-                <a:latin typeface="Courier New" panose="02070309020205020404" pitchFamily="49" charset="0"/>
-                <a:cs typeface="Courier New" panose="02070309020205020404" pitchFamily="49" charset="0"/>
-              </a:rPr>
-              <a:t>i</a:t>
-            </a:r>
-            <a:r>
-              <a:rPr lang="en-US" sz="2400" dirty="0">
-                <a:latin typeface="Courier New" panose="02070309020205020404" pitchFamily="49" charset="0"/>
-                <a:cs typeface="Courier New" panose="02070309020205020404" pitchFamily="49" charset="0"/>
-              </a:rPr>
-              <a:t>++) {</a:t>
-            </a:r>
-          </a:p>
-          <a:p>
-            <a:pPr marL="0" indent="0">
-              <a:buNone/>
-            </a:pPr>
-            <a:endParaRPr lang="en-US" sz="2400" dirty="0">
-              <a:latin typeface="Courier New" panose="02070309020205020404" pitchFamily="49" charset="0"/>
-              <a:cs typeface="Courier New" panose="02070309020205020404" pitchFamily="49" charset="0"/>
-            </a:endParaRPr>
-          </a:p>
-          <a:p>
-            <a:pPr marL="0" indent="0">
-              <a:buNone/>
-            </a:pPr>
-            <a:r>
-              <a:rPr lang="en-US" sz="2400" dirty="0">
-                <a:latin typeface="Courier New" panose="02070309020205020404" pitchFamily="49" charset="0"/>
-                <a:cs typeface="Courier New" panose="02070309020205020404" pitchFamily="49" charset="0"/>
-              </a:rPr>
-              <a:t>	for (</a:t>
-            </a:r>
-            <a:r>
-              <a:rPr lang="en-US" sz="2400" dirty="0" err="1">
-                <a:latin typeface="Courier New" panose="02070309020205020404" pitchFamily="49" charset="0"/>
-                <a:cs typeface="Courier New" panose="02070309020205020404" pitchFamily="49" charset="0"/>
-              </a:rPr>
-              <a:t>int</a:t>
-            </a:r>
-            <a:r>
-              <a:rPr lang="en-US" sz="2400" dirty="0">
-                <a:latin typeface="Courier New" panose="02070309020205020404" pitchFamily="49" charset="0"/>
-                <a:cs typeface="Courier New" panose="02070309020205020404" pitchFamily="49" charset="0"/>
-              </a:rPr>
-              <a:t> j = 1; j &lt;= 3; </a:t>
-            </a:r>
-            <a:r>
-              <a:rPr lang="en-US" sz="2400" dirty="0" err="1">
-                <a:latin typeface="Courier New" panose="02070309020205020404" pitchFamily="49" charset="0"/>
-                <a:cs typeface="Courier New" panose="02070309020205020404" pitchFamily="49" charset="0"/>
-              </a:rPr>
-              <a:t>j++</a:t>
-            </a:r>
-            <a:r>
-              <a:rPr lang="en-US" sz="2400" dirty="0">
-                <a:latin typeface="Courier New" panose="02070309020205020404" pitchFamily="49" charset="0"/>
-                <a:cs typeface="Courier New" panose="02070309020205020404" pitchFamily="49" charset="0"/>
-              </a:rPr>
-              <a:t>) {</a:t>
-            </a:r>
-          </a:p>
-          <a:p>
-            <a:pPr marL="0" indent="0">
-              <a:buNone/>
-            </a:pPr>
-            <a:br>
-              <a:rPr lang="en-US" sz="2400" dirty="0">
-                <a:latin typeface="Courier New" panose="02070309020205020404" pitchFamily="49" charset="0"/>
-                <a:cs typeface="Courier New" panose="02070309020205020404" pitchFamily="49" charset="0"/>
-              </a:rPr>
-            </a:br>
-            <a:r>
-              <a:rPr lang="en-US" sz="2400" dirty="0">
-                <a:latin typeface="Courier New" panose="02070309020205020404" pitchFamily="49" charset="0"/>
-                <a:cs typeface="Courier New" panose="02070309020205020404" pitchFamily="49" charset="0"/>
-              </a:rPr>
-              <a:t>		</a:t>
-            </a:r>
-            <a:r>
-              <a:rPr lang="en-US" sz="2400" dirty="0" err="1">
-                <a:latin typeface="Courier New" panose="02070309020205020404" pitchFamily="49" charset="0"/>
-                <a:cs typeface="Courier New" panose="02070309020205020404" pitchFamily="49" charset="0"/>
-              </a:rPr>
-              <a:t>System.out.println</a:t>
-            </a:r>
-            <a:r>
-              <a:rPr lang="en-US" sz="2400" dirty="0">
-                <a:latin typeface="Courier New" panose="02070309020205020404" pitchFamily="49" charset="0"/>
-                <a:cs typeface="Courier New" panose="02070309020205020404" pitchFamily="49" charset="0"/>
-              </a:rPr>
-              <a:t>(“</a:t>
-            </a:r>
-            <a:r>
-              <a:rPr lang="en-US" sz="2400" dirty="0" err="1">
-                <a:latin typeface="Courier New" panose="02070309020205020404" pitchFamily="49" charset="0"/>
-                <a:cs typeface="Courier New" panose="02070309020205020404" pitchFamily="49" charset="0"/>
-              </a:rPr>
-              <a:t>Calacas</a:t>
-            </a:r>
-            <a:r>
-              <a:rPr lang="en-US" sz="2400" dirty="0">
-                <a:latin typeface="Courier New" panose="02070309020205020404" pitchFamily="49" charset="0"/>
-                <a:cs typeface="Courier New" panose="02070309020205020404" pitchFamily="49" charset="0"/>
-              </a:rPr>
-              <a:t> y Calaveras!”);</a:t>
-            </a:r>
-          </a:p>
-          <a:p>
-            <a:pPr marL="0" indent="0">
-              <a:buNone/>
-            </a:pPr>
-            <a:r>
-              <a:rPr lang="en-US" sz="2400" dirty="0">
-                <a:latin typeface="Courier New" panose="02070309020205020404" pitchFamily="49" charset="0"/>
-                <a:cs typeface="Courier New" panose="02070309020205020404" pitchFamily="49" charset="0"/>
-              </a:rPr>
-              <a:t>	</a:t>
-            </a:r>
-          </a:p>
-          <a:p>
-            <a:pPr marL="0" indent="0">
-              <a:buNone/>
-            </a:pPr>
-            <a:r>
-              <a:rPr lang="en-US" sz="2400" dirty="0">
-                <a:latin typeface="Courier New" panose="02070309020205020404" pitchFamily="49" charset="0"/>
-                <a:cs typeface="Courier New" panose="02070309020205020404" pitchFamily="49" charset="0"/>
-              </a:rPr>
-              <a:t>	}</a:t>
-            </a:r>
-          </a:p>
-          <a:p>
-            <a:pPr marL="0" indent="0">
-              <a:buNone/>
-            </a:pPr>
-            <a:endParaRPr lang="en-US" sz="2400" dirty="0">
-              <a:latin typeface="Courier New" panose="02070309020205020404" pitchFamily="49" charset="0"/>
-              <a:cs typeface="Courier New" panose="02070309020205020404" pitchFamily="49" charset="0"/>
-            </a:endParaRPr>
-          </a:p>
-          <a:p>
-            <a:pPr marL="0" indent="0">
-              <a:buNone/>
-            </a:pPr>
-            <a:r>
-              <a:rPr lang="en-US" sz="2400" dirty="0">
-                <a:latin typeface="Courier New" panose="02070309020205020404" pitchFamily="49" charset="0"/>
-                <a:cs typeface="Courier New" panose="02070309020205020404" pitchFamily="49" charset="0"/>
-              </a:rPr>
-              <a:t>}</a:t>
-            </a:r>
-          </a:p>
-          <a:p>
-            <a:pPr marL="0" indent="0">
-              <a:buNone/>
-            </a:pPr>
-            <a:endParaRPr lang="en-US" dirty="0"/>
+          <a:bodyPr>
+            <a:normAutofit/>
+          </a:bodyPr>
+          <a:lstStyle/>
+          <a:p>
+            <a:pPr marL="0" indent="0" algn="ctr">
+              <a:buNone/>
+            </a:pPr>
+            <a:endParaRPr lang="en-US" sz="2400" dirty="0"/>
+          </a:p>
+          <a:p>
+            <a:pPr marL="0" indent="0" algn="ctr">
+              <a:buNone/>
+            </a:pPr>
+            <a:endParaRPr lang="en-US" sz="2400" dirty="0"/>
+          </a:p>
+          <a:p>
+            <a:pPr marL="0" indent="0" algn="ctr">
+              <a:buNone/>
+            </a:pPr>
+            <a:endParaRPr lang="en-US" sz="2400" dirty="0"/>
+          </a:p>
+          <a:p>
+            <a:pPr marL="0" indent="0" algn="ctr">
+              <a:buNone/>
+            </a:pPr>
+            <a:r>
+              <a:rPr lang="en-US" sz="2400" dirty="0"/>
+              <a:t>Rewrite the code from yesterday (count to 1000 if you don’t remember) in 11 lines. You cannot use a loop that executes more than 10 times.</a:t>
+            </a:r>
           </a:p>
         </p:txBody>
       </p:sp>
     </p:spTree>
     <p:extLst>
       <p:ext uri="{BB962C8B-B14F-4D97-AF65-F5344CB8AC3E}">
-        <p14:creationId xmlns:p14="http://schemas.microsoft.com/office/powerpoint/2010/main" val="2382473146"/>
+        <p14:creationId xmlns:p14="http://schemas.microsoft.com/office/powerpoint/2010/main" val="4189109445"/>
       </p:ext>
     </p:extLst>
   </p:cSld>
@@ -13534,7 +13440,7 @@
           <a:p>
             <a:r>
               <a:rPr lang="en-US" dirty="0"/>
-              <a:t>Code from yesterday:</a:t>
+              <a:t>Single Loop</a:t>
             </a:r>
           </a:p>
         </p:txBody>
@@ -13557,193 +13463,152 @@
             <a:pPr marL="0" indent="0">
               <a:buNone/>
             </a:pPr>
+            <a:endParaRPr lang="en-US" dirty="0">
+              <a:latin typeface="Courier New" panose="02070309020205020404" pitchFamily="49" charset="0"/>
+              <a:cs typeface="Courier New" panose="02070309020205020404" pitchFamily="49" charset="0"/>
+            </a:endParaRPr>
+          </a:p>
+          <a:p>
+            <a:pPr marL="0" indent="0">
+              <a:buNone/>
+            </a:pPr>
             <a:r>
               <a:rPr lang="en-US" dirty="0">
                 <a:latin typeface="Courier New" panose="02070309020205020404" pitchFamily="49" charset="0"/>
                 <a:cs typeface="Courier New" panose="02070309020205020404" pitchFamily="49" charset="0"/>
               </a:rPr>
-              <a:t>public class Count1000 {</a:t>
-            </a:r>
-          </a:p>
-          <a:p>
-            <a:pPr marL="0" indent="0">
-              <a:buNone/>
-            </a:pPr>
+              <a:t>for (</a:t>
+            </a:r>
+            <a:r>
+              <a:rPr lang="en-US" dirty="0" err="1">
+                <a:latin typeface="Courier New" panose="02070309020205020404" pitchFamily="49" charset="0"/>
+                <a:cs typeface="Courier New" panose="02070309020205020404" pitchFamily="49" charset="0"/>
+              </a:rPr>
+              <a:t>int</a:t>
+            </a:r>
             <a:r>
               <a:rPr lang="en-US" dirty="0">
                 <a:latin typeface="Courier New" panose="02070309020205020404" pitchFamily="49" charset="0"/>
                 <a:cs typeface="Courier New" panose="02070309020205020404" pitchFamily="49" charset="0"/>
               </a:rPr>
-              <a:t>	public static void main(String[] </a:t>
+              <a:t> </a:t>
             </a:r>
             <a:r>
               <a:rPr lang="en-US" dirty="0" err="1">
                 <a:latin typeface="Courier New" panose="02070309020205020404" pitchFamily="49" charset="0"/>
                 <a:cs typeface="Courier New" panose="02070309020205020404" pitchFamily="49" charset="0"/>
               </a:rPr>
-              <a:t>args</a:t>
+              <a:t>i</a:t>
             </a:r>
             <a:r>
               <a:rPr lang="en-US" dirty="0">
                 <a:latin typeface="Courier New" panose="02070309020205020404" pitchFamily="49" charset="0"/>
                 <a:cs typeface="Courier New" panose="02070309020205020404" pitchFamily="49" charset="0"/>
               </a:rPr>
-              <a:t>) {</a:t>
-            </a:r>
-          </a:p>
-          <a:p>
-            <a:pPr marL="0" indent="0">
-              <a:buNone/>
-            </a:pPr>
+              <a:t> = 1; </a:t>
+            </a:r>
+            <a:r>
+              <a:rPr lang="en-US" dirty="0" err="1">
+                <a:latin typeface="Courier New" panose="02070309020205020404" pitchFamily="49" charset="0"/>
+                <a:cs typeface="Courier New" panose="02070309020205020404" pitchFamily="49" charset="0"/>
+              </a:rPr>
+              <a:t>i</a:t>
+            </a:r>
             <a:r>
               <a:rPr lang="en-US" dirty="0">
                 <a:latin typeface="Courier New" panose="02070309020205020404" pitchFamily="49" charset="0"/>
                 <a:cs typeface="Courier New" panose="02070309020205020404" pitchFamily="49" charset="0"/>
               </a:rPr>
-              <a:t>		for(</a:t>
+              <a:t> &lt;= 3; </a:t>
             </a:r>
             <a:r>
               <a:rPr lang="en-US" dirty="0" err="1">
                 <a:latin typeface="Courier New" panose="02070309020205020404" pitchFamily="49" charset="0"/>
                 <a:cs typeface="Courier New" panose="02070309020205020404" pitchFamily="49" charset="0"/>
               </a:rPr>
-              <a:t>int</a:t>
+              <a:t>i</a:t>
             </a:r>
             <a:r>
               <a:rPr lang="en-US" dirty="0">
                 <a:latin typeface="Courier New" panose="02070309020205020404" pitchFamily="49" charset="0"/>
                 <a:cs typeface="Courier New" panose="02070309020205020404" pitchFamily="49" charset="0"/>
               </a:rPr>
-              <a:t> </a:t>
+              <a:t>++) {</a:t>
+            </a:r>
+          </a:p>
+          <a:p>
+            <a:pPr marL="0" indent="0">
+              <a:buNone/>
+            </a:pPr>
+            <a:br>
+              <a:rPr lang="en-US" dirty="0">
+                <a:latin typeface="Courier New" panose="02070309020205020404" pitchFamily="49" charset="0"/>
+                <a:cs typeface="Courier New" panose="02070309020205020404" pitchFamily="49" charset="0"/>
+              </a:rPr>
+            </a:br>
+            <a:r>
+              <a:rPr lang="en-US" dirty="0">
+                <a:latin typeface="Courier New" panose="02070309020205020404" pitchFamily="49" charset="0"/>
+                <a:cs typeface="Courier New" panose="02070309020205020404" pitchFamily="49" charset="0"/>
+              </a:rPr>
+              <a:t>	</a:t>
             </a:r>
             <a:r>
               <a:rPr lang="en-US" dirty="0" err="1">
                 <a:latin typeface="Courier New" panose="02070309020205020404" pitchFamily="49" charset="0"/>
                 <a:cs typeface="Courier New" panose="02070309020205020404" pitchFamily="49" charset="0"/>
               </a:rPr>
-              <a:t>i</a:t>
+              <a:t>System.out.println</a:t>
             </a:r>
             <a:r>
               <a:rPr lang="en-US" dirty="0">
                 <a:latin typeface="Courier New" panose="02070309020205020404" pitchFamily="49" charset="0"/>
                 <a:cs typeface="Courier New" panose="02070309020205020404" pitchFamily="49" charset="0"/>
               </a:rPr>
-              <a:t> = 1; </a:t>
+              <a:t>(“</a:t>
             </a:r>
             <a:r>
               <a:rPr lang="en-US" dirty="0" err="1">
                 <a:latin typeface="Courier New" panose="02070309020205020404" pitchFamily="49" charset="0"/>
                 <a:cs typeface="Courier New" panose="02070309020205020404" pitchFamily="49" charset="0"/>
               </a:rPr>
-              <a:t>i</a:t>
+              <a:t>Calacas</a:t>
             </a:r>
             <a:r>
               <a:rPr lang="en-US" dirty="0">
                 <a:latin typeface="Courier New" panose="02070309020205020404" pitchFamily="49" charset="0"/>
                 <a:cs typeface="Courier New" panose="02070309020205020404" pitchFamily="49" charset="0"/>
               </a:rPr>
-              <a:t> &lt; 1000; </a:t>
-            </a:r>
-            <a:r>
-              <a:rPr lang="en-US" dirty="0" err="1">
-                <a:latin typeface="Courier New" panose="02070309020205020404" pitchFamily="49" charset="0"/>
-                <a:cs typeface="Courier New" panose="02070309020205020404" pitchFamily="49" charset="0"/>
-              </a:rPr>
-              <a:t>i</a:t>
-            </a:r>
+              <a:t> y Calaveras!”)</a:t>
+            </a:r>
+          </a:p>
+          <a:p>
+            <a:pPr marL="0" indent="0">
+              <a:buNone/>
+            </a:pPr>
+            <a:endParaRPr lang="en-US" dirty="0">
+              <a:latin typeface="Courier New" panose="02070309020205020404" pitchFamily="49" charset="0"/>
+              <a:cs typeface="Courier New" panose="02070309020205020404" pitchFamily="49" charset="0"/>
+            </a:endParaRPr>
+          </a:p>
+          <a:p>
+            <a:pPr marL="0" indent="0">
+              <a:buNone/>
+            </a:pPr>
             <a:r>
               <a:rPr lang="en-US" dirty="0">
                 <a:latin typeface="Courier New" panose="02070309020205020404" pitchFamily="49" charset="0"/>
                 <a:cs typeface="Courier New" panose="02070309020205020404" pitchFamily="49" charset="0"/>
               </a:rPr>
-              <a:t>++) {</a:t>
-            </a:r>
-          </a:p>
-          <a:p>
-            <a:pPr marL="0" indent="0">
-              <a:buNone/>
-            </a:pPr>
-            <a:r>
-              <a:rPr lang="en-US" dirty="0">
-                <a:latin typeface="Courier New" panose="02070309020205020404" pitchFamily="49" charset="0"/>
-                <a:cs typeface="Courier New" panose="02070309020205020404" pitchFamily="49" charset="0"/>
-              </a:rPr>
-              <a:t>			</a:t>
-            </a:r>
-            <a:r>
-              <a:rPr lang="en-US" dirty="0" err="1">
-                <a:latin typeface="Courier New" panose="02070309020205020404" pitchFamily="49" charset="0"/>
-                <a:cs typeface="Courier New" panose="02070309020205020404" pitchFamily="49" charset="0"/>
-              </a:rPr>
-              <a:t>System.out.println</a:t>
-            </a:r>
-            <a:r>
-              <a:rPr lang="en-US" dirty="0">
-                <a:latin typeface="Courier New" panose="02070309020205020404" pitchFamily="49" charset="0"/>
-                <a:cs typeface="Courier New" panose="02070309020205020404" pitchFamily="49" charset="0"/>
-              </a:rPr>
-              <a:t>(</a:t>
-            </a:r>
-            <a:r>
-              <a:rPr lang="en-US" dirty="0" err="1">
-                <a:latin typeface="Courier New" panose="02070309020205020404" pitchFamily="49" charset="0"/>
-                <a:cs typeface="Courier New" panose="02070309020205020404" pitchFamily="49" charset="0"/>
-              </a:rPr>
-              <a:t>i</a:t>
-            </a:r>
-            <a:r>
-              <a:rPr lang="en-US" dirty="0">
-                <a:latin typeface="Courier New" panose="02070309020205020404" pitchFamily="49" charset="0"/>
-                <a:cs typeface="Courier New" panose="02070309020205020404" pitchFamily="49" charset="0"/>
-              </a:rPr>
-              <a:t>);</a:t>
-            </a:r>
-          </a:p>
-          <a:p>
-            <a:pPr marL="0" indent="0">
-              <a:buNone/>
-            </a:pPr>
-            <a:r>
-              <a:rPr lang="en-US" dirty="0">
-                <a:latin typeface="Courier New" panose="02070309020205020404" pitchFamily="49" charset="0"/>
-                <a:cs typeface="Courier New" panose="02070309020205020404" pitchFamily="49" charset="0"/>
-              </a:rPr>
-              <a:t>		}</a:t>
-            </a:r>
-          </a:p>
-          <a:p>
-            <a:pPr marL="0" indent="0">
-              <a:buNone/>
-            </a:pPr>
-            <a:r>
-              <a:rPr lang="en-US" dirty="0">
-                <a:latin typeface="Courier New" panose="02070309020205020404" pitchFamily="49" charset="0"/>
-                <a:cs typeface="Courier New" panose="02070309020205020404" pitchFamily="49" charset="0"/>
-              </a:rPr>
-              <a:t>	}</a:t>
-            </a:r>
-          </a:p>
-          <a:p>
-            <a:pPr marL="0" indent="0">
-              <a:buNone/>
-            </a:pPr>
-            <a:r>
-              <a:rPr lang="en-US" dirty="0">
-                <a:latin typeface="Courier New" panose="02070309020205020404" pitchFamily="49" charset="0"/>
-                <a:cs typeface="Courier New" panose="02070309020205020404" pitchFamily="49" charset="0"/>
-              </a:rPr>
               <a:t>}</a:t>
             </a:r>
-          </a:p>
-          <a:p>
-            <a:endParaRPr lang="en-US" dirty="0"/>
           </a:p>
         </p:txBody>
       </p:sp>
     </p:spTree>
     <p:extLst>
       <p:ext uri="{BB962C8B-B14F-4D97-AF65-F5344CB8AC3E}">
-        <p14:creationId xmlns:p14="http://schemas.microsoft.com/office/powerpoint/2010/main" val="1909414872"/>
+        <p14:creationId xmlns:p14="http://schemas.microsoft.com/office/powerpoint/2010/main" val="2561454960"/>
       </p:ext>
     </p:extLst>
   </p:cSld>
@@ -13782,14 +13647,12 @@
         </p:nvSpPr>
         <p:spPr/>
         <p:txBody>
-          <a:bodyPr>
-            <a:normAutofit/>
-          </a:bodyPr>
-          <a:lstStyle/>
-          <a:p>
-            <a:r>
-              <a:rPr lang="en-US" dirty="0"/>
-              <a:t>Homework</a:t>
+          <a:bodyPr/>
+          <a:lstStyle/>
+          <a:p>
+            <a:r>
+              <a:rPr lang="en-US" dirty="0"/>
+              <a:t>Nested Loop</a:t>
             </a:r>
           </a:p>
         </p:txBody>
@@ -13813,8 +13676,207 @@
               <a:buNone/>
             </a:pPr>
             <a:r>
-              <a:rPr lang="en-US" dirty="0"/>
-              <a:t>Read HW 2.4 “Scope” and “Pseudocode”</a:t>
+              <a:rPr lang="en-US" sz="2400" dirty="0">
+                <a:latin typeface="Courier New" panose="02070309020205020404" pitchFamily="49" charset="0"/>
+                <a:cs typeface="Courier New" panose="02070309020205020404" pitchFamily="49" charset="0"/>
+              </a:rPr>
+              <a:t>for (</a:t>
+            </a:r>
+            <a:r>
+              <a:rPr lang="en-US" sz="2400" dirty="0" err="1">
+                <a:latin typeface="Courier New" panose="02070309020205020404" pitchFamily="49" charset="0"/>
+                <a:cs typeface="Courier New" panose="02070309020205020404" pitchFamily="49" charset="0"/>
+              </a:rPr>
+              <a:t>int</a:t>
+            </a:r>
+            <a:r>
+              <a:rPr lang="en-US" sz="2400" dirty="0">
+                <a:latin typeface="Courier New" panose="02070309020205020404" pitchFamily="49" charset="0"/>
+                <a:cs typeface="Courier New" panose="02070309020205020404" pitchFamily="49" charset="0"/>
+              </a:rPr>
+              <a:t> </a:t>
+            </a:r>
+            <a:r>
+              <a:rPr lang="en-US" sz="2400" dirty="0" err="1">
+                <a:latin typeface="Courier New" panose="02070309020205020404" pitchFamily="49" charset="0"/>
+                <a:cs typeface="Courier New" panose="02070309020205020404" pitchFamily="49" charset="0"/>
+              </a:rPr>
+              <a:t>i</a:t>
+            </a:r>
+            <a:r>
+              <a:rPr lang="en-US" sz="2400" dirty="0">
+                <a:latin typeface="Courier New" panose="02070309020205020404" pitchFamily="49" charset="0"/>
+                <a:cs typeface="Courier New" panose="02070309020205020404" pitchFamily="49" charset="0"/>
+              </a:rPr>
+              <a:t> = 1; </a:t>
+            </a:r>
+            <a:r>
+              <a:rPr lang="en-US" sz="2400" dirty="0" err="1">
+                <a:latin typeface="Courier New" panose="02070309020205020404" pitchFamily="49" charset="0"/>
+                <a:cs typeface="Courier New" panose="02070309020205020404" pitchFamily="49" charset="0"/>
+              </a:rPr>
+              <a:t>i</a:t>
+            </a:r>
+            <a:r>
+              <a:rPr lang="en-US" sz="2400" dirty="0">
+                <a:latin typeface="Courier New" panose="02070309020205020404" pitchFamily="49" charset="0"/>
+                <a:cs typeface="Courier New" panose="02070309020205020404" pitchFamily="49" charset="0"/>
+              </a:rPr>
+              <a:t> &lt;= 3; </a:t>
+            </a:r>
+            <a:r>
+              <a:rPr lang="en-US" sz="2400" dirty="0" err="1">
+                <a:latin typeface="Courier New" panose="02070309020205020404" pitchFamily="49" charset="0"/>
+                <a:cs typeface="Courier New" panose="02070309020205020404" pitchFamily="49" charset="0"/>
+              </a:rPr>
+              <a:t>i</a:t>
+            </a:r>
+            <a:r>
+              <a:rPr lang="en-US" sz="2400" dirty="0">
+                <a:latin typeface="Courier New" panose="02070309020205020404" pitchFamily="49" charset="0"/>
+                <a:cs typeface="Courier New" panose="02070309020205020404" pitchFamily="49" charset="0"/>
+              </a:rPr>
+              <a:t>++) {</a:t>
+            </a:r>
+          </a:p>
+          <a:p>
+            <a:pPr marL="0" indent="0">
+              <a:buNone/>
+            </a:pPr>
+            <a:endParaRPr lang="en-US" sz="2400" dirty="0">
+              <a:latin typeface="Courier New" panose="02070309020205020404" pitchFamily="49" charset="0"/>
+              <a:cs typeface="Courier New" panose="02070309020205020404" pitchFamily="49" charset="0"/>
+            </a:endParaRPr>
+          </a:p>
+          <a:p>
+            <a:pPr marL="0" indent="0">
+              <a:buNone/>
+            </a:pPr>
+            <a:r>
+              <a:rPr lang="en-US" sz="2400" dirty="0">
+                <a:latin typeface="Courier New" panose="02070309020205020404" pitchFamily="49" charset="0"/>
+                <a:cs typeface="Courier New" panose="02070309020205020404" pitchFamily="49" charset="0"/>
+              </a:rPr>
+              <a:t>	for (</a:t>
+            </a:r>
+            <a:r>
+              <a:rPr lang="en-US" sz="2400" dirty="0" err="1">
+                <a:latin typeface="Courier New" panose="02070309020205020404" pitchFamily="49" charset="0"/>
+                <a:cs typeface="Courier New" panose="02070309020205020404" pitchFamily="49" charset="0"/>
+              </a:rPr>
+              <a:t>int</a:t>
+            </a:r>
+            <a:r>
+              <a:rPr lang="en-US" sz="2400" dirty="0">
+                <a:latin typeface="Courier New" panose="02070309020205020404" pitchFamily="49" charset="0"/>
+                <a:cs typeface="Courier New" panose="02070309020205020404" pitchFamily="49" charset="0"/>
+              </a:rPr>
+              <a:t> j = 1; j &lt;= 3; </a:t>
+            </a:r>
+            <a:r>
+              <a:rPr lang="en-US" sz="2400" dirty="0" err="1">
+                <a:latin typeface="Courier New" panose="02070309020205020404" pitchFamily="49" charset="0"/>
+                <a:cs typeface="Courier New" panose="02070309020205020404" pitchFamily="49" charset="0"/>
+              </a:rPr>
+              <a:t>j++</a:t>
+            </a:r>
+            <a:r>
+              <a:rPr lang="en-US" sz="2400" dirty="0">
+                <a:latin typeface="Courier New" panose="02070309020205020404" pitchFamily="49" charset="0"/>
+                <a:cs typeface="Courier New" panose="02070309020205020404" pitchFamily="49" charset="0"/>
+              </a:rPr>
+              <a:t>) {</a:t>
+            </a:r>
+          </a:p>
+          <a:p>
+            <a:pPr marL="0" indent="0">
+              <a:buNone/>
+            </a:pPr>
+            <a:br>
+              <a:rPr lang="en-US" sz="2400" dirty="0">
+                <a:latin typeface="Courier New" panose="02070309020205020404" pitchFamily="49" charset="0"/>
+                <a:cs typeface="Courier New" panose="02070309020205020404" pitchFamily="49" charset="0"/>
+              </a:rPr>
+            </a:br>
+            <a:r>
+              <a:rPr lang="en-US" sz="2400" dirty="0">
+                <a:latin typeface="Courier New" panose="02070309020205020404" pitchFamily="49" charset="0"/>
+                <a:cs typeface="Courier New" panose="02070309020205020404" pitchFamily="49" charset="0"/>
+              </a:rPr>
+              <a:t>		</a:t>
+            </a:r>
+            <a:r>
+              <a:rPr lang="en-US" sz="2400" dirty="0" err="1">
+                <a:latin typeface="Courier New" panose="02070309020205020404" pitchFamily="49" charset="0"/>
+                <a:cs typeface="Courier New" panose="02070309020205020404" pitchFamily="49" charset="0"/>
+              </a:rPr>
+              <a:t>System.out.println</a:t>
+            </a:r>
+            <a:r>
+              <a:rPr lang="en-US" sz="2400" dirty="0">
+                <a:latin typeface="Courier New" panose="02070309020205020404" pitchFamily="49" charset="0"/>
+                <a:cs typeface="Courier New" panose="02070309020205020404" pitchFamily="49" charset="0"/>
+              </a:rPr>
+              <a:t>(“</a:t>
+            </a:r>
+            <a:r>
+              <a:rPr lang="en-US" sz="2400" dirty="0" err="1">
+                <a:latin typeface="Courier New" panose="02070309020205020404" pitchFamily="49" charset="0"/>
+                <a:cs typeface="Courier New" panose="02070309020205020404" pitchFamily="49" charset="0"/>
+              </a:rPr>
+              <a:t>Calacas</a:t>
+            </a:r>
+            <a:r>
+              <a:rPr lang="en-US" sz="2400" dirty="0">
+                <a:latin typeface="Courier New" panose="02070309020205020404" pitchFamily="49" charset="0"/>
+                <a:cs typeface="Courier New" panose="02070309020205020404" pitchFamily="49" charset="0"/>
+              </a:rPr>
+              <a:t> y Calaveras!”);</a:t>
+            </a:r>
+          </a:p>
+          <a:p>
+            <a:pPr marL="0" indent="0">
+              <a:buNone/>
+            </a:pPr>
+            <a:r>
+              <a:rPr lang="en-US" sz="2400" dirty="0">
+                <a:latin typeface="Courier New" panose="02070309020205020404" pitchFamily="49" charset="0"/>
+                <a:cs typeface="Courier New" panose="02070309020205020404" pitchFamily="49" charset="0"/>
+              </a:rPr>
+              <a:t>	</a:t>
+            </a:r>
+          </a:p>
+          <a:p>
+            <a:pPr marL="0" indent="0">
+              <a:buNone/>
+            </a:pPr>
+            <a:r>
+              <a:rPr lang="en-US" sz="2400" dirty="0">
+                <a:latin typeface="Courier New" panose="02070309020205020404" pitchFamily="49" charset="0"/>
+                <a:cs typeface="Courier New" panose="02070309020205020404" pitchFamily="49" charset="0"/>
+              </a:rPr>
+              <a:t>	}</a:t>
+            </a:r>
+          </a:p>
+          <a:p>
+            <a:pPr marL="0" indent="0">
+              <a:buNone/>
+            </a:pPr>
+            <a:endParaRPr lang="en-US" sz="2400" dirty="0">
+              <a:latin typeface="Courier New" panose="02070309020205020404" pitchFamily="49" charset="0"/>
+              <a:cs typeface="Courier New" panose="02070309020205020404" pitchFamily="49" charset="0"/>
+            </a:endParaRPr>
+          </a:p>
+          <a:p>
+            <a:pPr marL="0" indent="0">
+              <a:buNone/>
+            </a:pPr>
+            <a:r>
+              <a:rPr lang="en-US" sz="2400" dirty="0">
+                <a:latin typeface="Courier New" panose="02070309020205020404" pitchFamily="49" charset="0"/>
+                <a:cs typeface="Courier New" panose="02070309020205020404" pitchFamily="49" charset="0"/>
+              </a:rPr>
+              <a:t>}</a:t>
             </a:r>
           </a:p>
           <a:p>
@@ -13822,45 +13884,13 @@
               <a:buNone/>
             </a:pPr>
             <a:endParaRPr lang="en-US" dirty="0"/>
-          </a:p>
-          <a:p>
-            <a:pPr marL="0" indent="0">
-              <a:buNone/>
-            </a:pPr>
-            <a:r>
-              <a:rPr lang="en-US" dirty="0"/>
-              <a:t>Complete chapter 2 self-check questions 26, 27 (4</a:t>
-            </a:r>
-            <a:r>
-              <a:rPr lang="en-US" baseline="30000" dirty="0"/>
-              <a:t>th</a:t>
-            </a:r>
-            <a:r>
-              <a:rPr lang="en-US" dirty="0"/>
-              <a:t> edition: 29, 30)</a:t>
-            </a:r>
-          </a:p>
-          <a:p>
-            <a:pPr marL="0" indent="0">
-              <a:buNone/>
-            </a:pPr>
-            <a:endParaRPr lang="en-US" dirty="0"/>
-          </a:p>
-          <a:p>
-            <a:pPr marL="0" indent="0">
-              <a:buNone/>
-            </a:pPr>
-            <a:r>
-              <a:rPr lang="en-US" dirty="0"/>
-              <a:t>and exercise 4. </a:t>
-            </a:r>
           </a:p>
         </p:txBody>
       </p:sp>
     </p:spTree>
     <p:extLst>
       <p:ext uri="{BB962C8B-B14F-4D97-AF65-F5344CB8AC3E}">
-        <p14:creationId xmlns:p14="http://schemas.microsoft.com/office/powerpoint/2010/main" val="3513839083"/>
+        <p14:creationId xmlns:p14="http://schemas.microsoft.com/office/powerpoint/2010/main" val="2382473146"/>
       </p:ext>
     </p:extLst>
   </p:cSld>
@@ -13894,47 +13924,226 @@
             <a:spLocks noGrp="1"/>
           </p:cNvSpPr>
           <p:nvPr>
-            <p:ph type="ctrTitle"/>
-          </p:nvPr>
-        </p:nvSpPr>
-        <p:spPr/>
-        <p:txBody>
-          <a:bodyPr/>
-          <a:lstStyle/>
-          <a:p>
-            <a:r>
-              <a:rPr lang="en-US" dirty="0"/>
-              <a:t>Scope and Pseudocode</a:t>
-            </a:r>
-          </a:p>
-        </p:txBody>
-      </p:sp>
-      <p:sp>
-        <p:nvSpPr>
-          <p:cNvPr id="3" name="Subtitle 2"/>
-          <p:cNvSpPr>
-            <a:spLocks noGrp="1"/>
-          </p:cNvSpPr>
-          <p:nvPr>
-            <p:ph type="subTitle" idx="1"/>
-          </p:nvPr>
-        </p:nvSpPr>
-        <p:spPr/>
-        <p:txBody>
-          <a:bodyPr/>
-          <a:lstStyle/>
-          <a:p>
-            <a:r>
-              <a:rPr lang="en-US" dirty="0"/>
-              <a:t>[ 2.07 ] [ Today’s Date ] [ Instructor Name ]</a:t>
-            </a:r>
+            <p:ph type="title"/>
+          </p:nvPr>
+        </p:nvSpPr>
+        <p:spPr/>
+        <p:txBody>
+          <a:bodyPr/>
+          <a:lstStyle/>
+          <a:p>
+            <a:r>
+              <a:rPr lang="en-US" dirty="0"/>
+              <a:t>Code from yesterday:</a:t>
+            </a:r>
+          </a:p>
+        </p:txBody>
+      </p:sp>
+      <p:sp>
+        <p:nvSpPr>
+          <p:cNvPr id="3" name="Content Placeholder 2"/>
+          <p:cNvSpPr>
+            <a:spLocks noGrp="1"/>
+          </p:cNvSpPr>
+          <p:nvPr>
+            <p:ph idx="1"/>
+          </p:nvPr>
+        </p:nvSpPr>
+        <p:spPr/>
+        <p:txBody>
+          <a:bodyPr/>
+          <a:lstStyle/>
+          <a:p>
+            <a:pPr marL="0" indent="0">
+              <a:buNone/>
+            </a:pPr>
+            <a:r>
+              <a:rPr lang="en-US" dirty="0">
+                <a:latin typeface="Courier New" panose="02070309020205020404" pitchFamily="49" charset="0"/>
+                <a:cs typeface="Courier New" panose="02070309020205020404" pitchFamily="49" charset="0"/>
+              </a:rPr>
+              <a:t>public class Count1000 {</a:t>
+            </a:r>
+          </a:p>
+          <a:p>
+            <a:pPr marL="0" indent="0">
+              <a:buNone/>
+            </a:pPr>
+            <a:r>
+              <a:rPr lang="en-US" dirty="0">
+                <a:latin typeface="Courier New" panose="02070309020205020404" pitchFamily="49" charset="0"/>
+                <a:cs typeface="Courier New" panose="02070309020205020404" pitchFamily="49" charset="0"/>
+              </a:rPr>
+              <a:t>	public static void main(String[] </a:t>
+            </a:r>
+            <a:r>
+              <a:rPr lang="en-US" dirty="0" err="1">
+                <a:latin typeface="Courier New" panose="02070309020205020404" pitchFamily="49" charset="0"/>
+                <a:cs typeface="Courier New" panose="02070309020205020404" pitchFamily="49" charset="0"/>
+              </a:rPr>
+              <a:t>args</a:t>
+            </a:r>
+            <a:r>
+              <a:rPr lang="en-US" dirty="0">
+                <a:latin typeface="Courier New" panose="02070309020205020404" pitchFamily="49" charset="0"/>
+                <a:cs typeface="Courier New" panose="02070309020205020404" pitchFamily="49" charset="0"/>
+              </a:rPr>
+              <a:t>) {</a:t>
+            </a:r>
+          </a:p>
+          <a:p>
+            <a:pPr marL="0" indent="0">
+              <a:buNone/>
+            </a:pPr>
+            <a:r>
+              <a:rPr lang="en-US" dirty="0">
+                <a:latin typeface="Courier New" panose="02070309020205020404" pitchFamily="49" charset="0"/>
+                <a:cs typeface="Courier New" panose="02070309020205020404" pitchFamily="49" charset="0"/>
+              </a:rPr>
+              <a:t>		for(</a:t>
+            </a:r>
+            <a:r>
+              <a:rPr lang="en-US" dirty="0" err="1">
+                <a:latin typeface="Courier New" panose="02070309020205020404" pitchFamily="49" charset="0"/>
+                <a:cs typeface="Courier New" panose="02070309020205020404" pitchFamily="49" charset="0"/>
+              </a:rPr>
+              <a:t>int</a:t>
+            </a:r>
+            <a:r>
+              <a:rPr lang="en-US" dirty="0">
+                <a:latin typeface="Courier New" panose="02070309020205020404" pitchFamily="49" charset="0"/>
+                <a:cs typeface="Courier New" panose="02070309020205020404" pitchFamily="49" charset="0"/>
+              </a:rPr>
+              <a:t> </a:t>
+            </a:r>
+            <a:r>
+              <a:rPr lang="en-US" dirty="0" err="1">
+                <a:latin typeface="Courier New" panose="02070309020205020404" pitchFamily="49" charset="0"/>
+                <a:cs typeface="Courier New" panose="02070309020205020404" pitchFamily="49" charset="0"/>
+              </a:rPr>
+              <a:t>i</a:t>
+            </a:r>
+            <a:r>
+              <a:rPr lang="en-US" dirty="0">
+                <a:latin typeface="Courier New" panose="02070309020205020404" pitchFamily="49" charset="0"/>
+                <a:cs typeface="Courier New" panose="02070309020205020404" pitchFamily="49" charset="0"/>
+              </a:rPr>
+              <a:t> = 1; </a:t>
+            </a:r>
+            <a:r>
+              <a:rPr lang="en-US" dirty="0" err="1">
+                <a:latin typeface="Courier New" panose="02070309020205020404" pitchFamily="49" charset="0"/>
+                <a:cs typeface="Courier New" panose="02070309020205020404" pitchFamily="49" charset="0"/>
+              </a:rPr>
+              <a:t>i</a:t>
+            </a:r>
+            <a:r>
+              <a:rPr lang="en-US" dirty="0">
+                <a:latin typeface="Courier New" panose="02070309020205020404" pitchFamily="49" charset="0"/>
+                <a:cs typeface="Courier New" panose="02070309020205020404" pitchFamily="49" charset="0"/>
+              </a:rPr>
+              <a:t> &lt; 1000; </a:t>
+            </a:r>
+            <a:r>
+              <a:rPr lang="en-US" dirty="0" err="1">
+                <a:latin typeface="Courier New" panose="02070309020205020404" pitchFamily="49" charset="0"/>
+                <a:cs typeface="Courier New" panose="02070309020205020404" pitchFamily="49" charset="0"/>
+              </a:rPr>
+              <a:t>i</a:t>
+            </a:r>
+            <a:r>
+              <a:rPr lang="en-US" dirty="0">
+                <a:latin typeface="Courier New" panose="02070309020205020404" pitchFamily="49" charset="0"/>
+                <a:cs typeface="Courier New" panose="02070309020205020404" pitchFamily="49" charset="0"/>
+              </a:rPr>
+              <a:t>++) {</a:t>
+            </a:r>
+          </a:p>
+          <a:p>
+            <a:pPr marL="0" indent="0">
+              <a:buNone/>
+            </a:pPr>
+            <a:r>
+              <a:rPr lang="en-US" dirty="0">
+                <a:latin typeface="Courier New" panose="02070309020205020404" pitchFamily="49" charset="0"/>
+                <a:cs typeface="Courier New" panose="02070309020205020404" pitchFamily="49" charset="0"/>
+              </a:rPr>
+              <a:t>			</a:t>
+            </a:r>
+            <a:r>
+              <a:rPr lang="en-US" dirty="0" err="1">
+                <a:latin typeface="Courier New" panose="02070309020205020404" pitchFamily="49" charset="0"/>
+                <a:cs typeface="Courier New" panose="02070309020205020404" pitchFamily="49" charset="0"/>
+              </a:rPr>
+              <a:t>System.out.println</a:t>
+            </a:r>
+            <a:r>
+              <a:rPr lang="en-US" dirty="0">
+                <a:latin typeface="Courier New" panose="02070309020205020404" pitchFamily="49" charset="0"/>
+                <a:cs typeface="Courier New" panose="02070309020205020404" pitchFamily="49" charset="0"/>
+              </a:rPr>
+              <a:t>(</a:t>
+            </a:r>
+            <a:r>
+              <a:rPr lang="en-US" dirty="0" err="1">
+                <a:latin typeface="Courier New" panose="02070309020205020404" pitchFamily="49" charset="0"/>
+                <a:cs typeface="Courier New" panose="02070309020205020404" pitchFamily="49" charset="0"/>
+              </a:rPr>
+              <a:t>i</a:t>
+            </a:r>
+            <a:r>
+              <a:rPr lang="en-US" dirty="0">
+                <a:latin typeface="Courier New" panose="02070309020205020404" pitchFamily="49" charset="0"/>
+                <a:cs typeface="Courier New" panose="02070309020205020404" pitchFamily="49" charset="0"/>
+              </a:rPr>
+              <a:t>);</a:t>
+            </a:r>
+          </a:p>
+          <a:p>
+            <a:pPr marL="0" indent="0">
+              <a:buNone/>
+            </a:pPr>
+            <a:r>
+              <a:rPr lang="en-US" dirty="0">
+                <a:latin typeface="Courier New" panose="02070309020205020404" pitchFamily="49" charset="0"/>
+                <a:cs typeface="Courier New" panose="02070309020205020404" pitchFamily="49" charset="0"/>
+              </a:rPr>
+              <a:t>		}</a:t>
+            </a:r>
+          </a:p>
+          <a:p>
+            <a:pPr marL="0" indent="0">
+              <a:buNone/>
+            </a:pPr>
+            <a:r>
+              <a:rPr lang="en-US" dirty="0">
+                <a:latin typeface="Courier New" panose="02070309020205020404" pitchFamily="49" charset="0"/>
+                <a:cs typeface="Courier New" panose="02070309020205020404" pitchFamily="49" charset="0"/>
+              </a:rPr>
+              <a:t>	}</a:t>
+            </a:r>
+          </a:p>
+          <a:p>
+            <a:pPr marL="0" indent="0">
+              <a:buNone/>
+            </a:pPr>
+            <a:r>
+              <a:rPr lang="en-US" dirty="0">
+                <a:latin typeface="Courier New" panose="02070309020205020404" pitchFamily="49" charset="0"/>
+                <a:cs typeface="Courier New" panose="02070309020205020404" pitchFamily="49" charset="0"/>
+              </a:rPr>
+              <a:t>}</a:t>
+            </a:r>
+          </a:p>
+          <a:p>
+            <a:endParaRPr lang="en-US" dirty="0"/>
           </a:p>
         </p:txBody>
       </p:sp>
     </p:spTree>
     <p:extLst>
       <p:ext uri="{BB962C8B-B14F-4D97-AF65-F5344CB8AC3E}">
-        <p14:creationId xmlns:p14="http://schemas.microsoft.com/office/powerpoint/2010/main" val="1371718037"/>
+        <p14:creationId xmlns:p14="http://schemas.microsoft.com/office/powerpoint/2010/main" val="1909414872"/>
       </p:ext>
     </p:extLst>
   </p:cSld>
@@ -13963,7 +14172,7 @@
       </p:grpSpPr>
       <p:sp>
         <p:nvSpPr>
-          <p:cNvPr id="2" name="Title 1"/>
+          <p:cNvPr id="4" name="Title 3"/>
           <p:cNvSpPr>
             <a:spLocks noGrp="1"/>
           </p:cNvSpPr>
@@ -13971,12 +14180,7 @@
             <p:ph type="ctrTitle"/>
           </p:nvPr>
         </p:nvSpPr>
-        <p:spPr>
-          <a:xfrm>
-            <a:off x="1524000" y="1385831"/>
-            <a:ext cx="9144000" cy="2387600"/>
-          </a:xfrm>
-        </p:spPr>
+        <p:spPr/>
         <p:txBody>
           <a:bodyPr>
             <a:normAutofit/>
@@ -13985,15 +14189,44 @@
           <a:p>
             <a:r>
               <a:rPr lang="en-US" sz="5000" dirty="0"/>
-              <a:t>Worksheet</a:t>
-            </a:r>
+              <a:t>Practice-It</a:t>
+            </a:r>
+          </a:p>
+        </p:txBody>
+      </p:sp>
+      <p:sp>
+        <p:nvSpPr>
+          <p:cNvPr id="5" name="Subtitle 4"/>
+          <p:cNvSpPr>
+            <a:spLocks noGrp="1"/>
+          </p:cNvSpPr>
+          <p:nvPr>
+            <p:ph type="subTitle" idx="1"/>
+          </p:nvPr>
+        </p:nvSpPr>
+        <p:spPr/>
+        <p:txBody>
+          <a:bodyPr/>
+          <a:lstStyle/>
+          <a:p>
+            <a:r>
+              <a:rPr lang="en-US" dirty="0"/>
+              <a:t>starExclamation1, 2, 3</a:t>
+            </a:r>
+          </a:p>
+          <a:p>
+            <a:r>
+              <a:rPr lang="en-US" dirty="0" err="1"/>
+              <a:t>starTriangle</a:t>
+            </a:r>
+            <a:endParaRPr lang="en-US" dirty="0"/>
           </a:p>
         </p:txBody>
       </p:sp>
     </p:spTree>
     <p:extLst>
       <p:ext uri="{BB962C8B-B14F-4D97-AF65-F5344CB8AC3E}">
-        <p14:creationId xmlns:p14="http://schemas.microsoft.com/office/powerpoint/2010/main" val="752878623"/>
+        <p14:creationId xmlns:p14="http://schemas.microsoft.com/office/powerpoint/2010/main" val="2045344561"/>
       </p:ext>
     </p:extLst>
   </p:cSld>
@@ -14230,7 +14463,7 @@
             </a:pPr>
             <a:r>
               <a:rPr lang="en-US" dirty="0"/>
-              <a:t>Read HW 2.4 “Class Constants”</a:t>
+              <a:t>Read HW 2.4 “Scope” and “Pseudocode”</a:t>
             </a:r>
           </a:p>
           <a:p>
@@ -14245,7 +14478,7 @@
             </a:pPr>
             <a:r>
               <a:rPr lang="en-US" dirty="0"/>
-              <a:t>Complete chapter 2 self-check questions 31-33 (4</a:t>
+              <a:t>Complete chapter 2 self-check questions 26, 27 (4</a:t>
             </a:r>
             <a:r>
               <a:rPr lang="en-US" baseline="30000" dirty="0"/>
@@ -14253,20 +14486,30 @@
             </a:r>
             <a:r>
               <a:rPr lang="en-US" dirty="0"/>
-              <a:t> edition: </a:t>
-            </a:r>
-            <a:r>
-              <a:rPr lang="en-US"/>
-              <a:t>34-36)</a:t>
-            </a:r>
+              <a:t> edition: 29, 30)</a:t>
+            </a:r>
+          </a:p>
+          <a:p>
+            <a:pPr marL="0" indent="0">
+              <a:buNone/>
+            </a:pPr>
             <a:endParaRPr lang="en-US" dirty="0"/>
+          </a:p>
+          <a:p>
+            <a:pPr marL="0" indent="0">
+              <a:buNone/>
+            </a:pPr>
+            <a:r>
+              <a:rPr lang="en-US" dirty="0"/>
+              <a:t>and exercise 4. </a:t>
+            </a:r>
           </a:p>
         </p:txBody>
       </p:sp>
     </p:spTree>
     <p:extLst>
       <p:ext uri="{BB962C8B-B14F-4D97-AF65-F5344CB8AC3E}">
-        <p14:creationId xmlns:p14="http://schemas.microsoft.com/office/powerpoint/2010/main" val="2004732127"/>
+        <p14:creationId xmlns:p14="http://schemas.microsoft.com/office/powerpoint/2010/main" val="3513839083"/>
       </p:ext>
     </p:extLst>
   </p:cSld>
@@ -14303,21 +14546,36 @@
             <p:ph type="ctrTitle"/>
           </p:nvPr>
         </p:nvSpPr>
-        <p:spPr>
-          <a:xfrm>
-            <a:off x="1524000" y="1385831"/>
-            <a:ext cx="9144000" cy="2387600"/>
-          </a:xfrm>
-        </p:spPr>
-        <p:txBody>
-          <a:bodyPr>
-            <a:normAutofit/>
-          </a:bodyPr>
-          <a:lstStyle/>
-          <a:p>
-            <a:r>
-              <a:rPr lang="en-US" sz="5000" dirty="0"/>
-              <a:t>Programming Project 1</a:t>
+        <p:spPr/>
+        <p:txBody>
+          <a:bodyPr/>
+          <a:lstStyle/>
+          <a:p>
+            <a:r>
+              <a:rPr lang="en-US" dirty="0"/>
+              <a:t>Scope and Pseudocode</a:t>
+            </a:r>
+          </a:p>
+        </p:txBody>
+      </p:sp>
+      <p:sp>
+        <p:nvSpPr>
+          <p:cNvPr id="3" name="Subtitle 2"/>
+          <p:cNvSpPr>
+            <a:spLocks noGrp="1"/>
+          </p:cNvSpPr>
+          <p:nvPr>
+            <p:ph type="subTitle" idx="1"/>
+          </p:nvPr>
+        </p:nvSpPr>
+        <p:spPr/>
+        <p:txBody>
+          <a:bodyPr/>
+          <a:lstStyle/>
+          <a:p>
+            <a:r>
+              <a:rPr lang="en-US" dirty="0"/>
+              <a:t>[ 2.07 ] [ Today’s Date ] [ Instructor Name ]</a:t>
             </a:r>
           </a:p>
         </p:txBody>
@@ -14325,7 +14583,7 @@
     </p:spTree>
     <p:extLst>
       <p:ext uri="{BB962C8B-B14F-4D97-AF65-F5344CB8AC3E}">
-        <p14:creationId xmlns:p14="http://schemas.microsoft.com/office/powerpoint/2010/main" val="3273659807"/>
+        <p14:creationId xmlns:p14="http://schemas.microsoft.com/office/powerpoint/2010/main" val="1371718037"/>
       </p:ext>
     </p:extLst>
   </p:cSld>
@@ -14359,10 +14617,15 @@
             <a:spLocks noGrp="1"/>
           </p:cNvSpPr>
           <p:nvPr>
-            <p:ph type="title"/>
-          </p:nvPr>
-        </p:nvSpPr>
-        <p:spPr/>
+            <p:ph type="ctrTitle"/>
+          </p:nvPr>
+        </p:nvSpPr>
+        <p:spPr>
+          <a:xfrm>
+            <a:off x="1524000" y="1385831"/>
+            <a:ext cx="9144000" cy="2387600"/>
+          </a:xfrm>
+        </p:spPr>
         <p:txBody>
           <a:bodyPr>
             <a:normAutofit/>
@@ -14370,70 +14633,8 @@
           <a:lstStyle/>
           <a:p>
             <a:r>
-              <a:rPr lang="en-US" dirty="0"/>
-              <a:t>Homework</a:t>
-            </a:r>
-          </a:p>
-        </p:txBody>
-      </p:sp>
-      <p:sp>
-        <p:nvSpPr>
-          <p:cNvPr id="3" name="Content Placeholder 2"/>
-          <p:cNvSpPr>
-            <a:spLocks noGrp="1"/>
-          </p:cNvSpPr>
-          <p:nvPr>
-            <p:ph idx="1"/>
-          </p:nvPr>
-        </p:nvSpPr>
-        <p:spPr/>
-        <p:txBody>
-          <a:bodyPr/>
-          <a:lstStyle/>
-          <a:p>
-            <a:pPr marL="0" indent="0">
-              <a:buNone/>
-            </a:pPr>
-            <a:r>
-              <a:rPr lang="en-US" dirty="0"/>
-              <a:t>Read HW 2.4 “Pseudocode” if you haven’t already.</a:t>
-            </a:r>
-          </a:p>
-          <a:p>
-            <a:pPr marL="0" indent="0">
-              <a:buNone/>
-            </a:pPr>
-            <a:endParaRPr lang="en-US" dirty="0"/>
-          </a:p>
-          <a:p>
-            <a:pPr marL="0" indent="0">
-              <a:buNone/>
-            </a:pPr>
-            <a:r>
-              <a:rPr lang="en-US" dirty="0"/>
-              <a:t>Complete chapter 2 self-check questions 31-33.</a:t>
-            </a:r>
-          </a:p>
-          <a:p>
-            <a:pPr marL="0" indent="0">
-              <a:buNone/>
-            </a:pPr>
-            <a:endParaRPr lang="en-US" dirty="0"/>
-          </a:p>
-          <a:p>
-            <a:pPr marL="0" indent="0">
-              <a:buNone/>
-            </a:pPr>
-            <a:r>
-              <a:rPr lang="en-US" dirty="0"/>
-              <a:t>Note check for completion, adding daily summaries if needed.</a:t>
-            </a:r>
-          </a:p>
-          <a:p>
-            <a:pPr lvl="1"/>
-            <a:r>
-              <a:rPr lang="en-US" dirty="0"/>
-              <a:t>Students may use their book to supplement their notes. </a:t>
+              <a:rPr lang="en-US" sz="5000" dirty="0"/>
+              <a:t>Worksheet</a:t>
             </a:r>
           </a:p>
         </p:txBody>
@@ -14441,7 +14642,7 @@
     </p:spTree>
     <p:extLst>
       <p:ext uri="{BB962C8B-B14F-4D97-AF65-F5344CB8AC3E}">
-        <p14:creationId xmlns:p14="http://schemas.microsoft.com/office/powerpoint/2010/main" val="3228716705"/>
+        <p14:creationId xmlns:p14="http://schemas.microsoft.com/office/powerpoint/2010/main" val="752878623"/>
       </p:ext>
     </p:extLst>
   </p:cSld>
@@ -14475,47 +14676,80 @@
             <a:spLocks noGrp="1"/>
           </p:cNvSpPr>
           <p:nvPr>
-            <p:ph type="ctrTitle"/>
-          </p:nvPr>
-        </p:nvSpPr>
-        <p:spPr/>
-        <p:txBody>
-          <a:bodyPr/>
-          <a:lstStyle/>
-          <a:p>
-            <a:r>
-              <a:rPr lang="en-US" dirty="0"/>
-              <a:t>Programming Project</a:t>
-            </a:r>
-          </a:p>
-        </p:txBody>
-      </p:sp>
-      <p:sp>
-        <p:nvSpPr>
-          <p:cNvPr id="3" name="Subtitle 2"/>
-          <p:cNvSpPr>
-            <a:spLocks noGrp="1"/>
-          </p:cNvSpPr>
-          <p:nvPr>
-            <p:ph type="subTitle" idx="1"/>
-          </p:nvPr>
-        </p:nvSpPr>
-        <p:spPr/>
-        <p:txBody>
-          <a:bodyPr/>
-          <a:lstStyle/>
-          <a:p>
-            <a:r>
-              <a:rPr lang="en-US" dirty="0"/>
-              <a:t>[ 2.09 ] [ Today’s Date ] [ Instructor Name ]</a:t>
-            </a:r>
+            <p:ph type="title"/>
+          </p:nvPr>
+        </p:nvSpPr>
+        <p:spPr/>
+        <p:txBody>
+          <a:bodyPr>
+            <a:normAutofit/>
+          </a:bodyPr>
+          <a:lstStyle/>
+          <a:p>
+            <a:r>
+              <a:rPr lang="en-US" dirty="0"/>
+              <a:t>Homework</a:t>
+            </a:r>
+          </a:p>
+        </p:txBody>
+      </p:sp>
+      <p:sp>
+        <p:nvSpPr>
+          <p:cNvPr id="3" name="Content Placeholder 2"/>
+          <p:cNvSpPr>
+            <a:spLocks noGrp="1"/>
+          </p:cNvSpPr>
+          <p:nvPr>
+            <p:ph idx="1"/>
+          </p:nvPr>
+        </p:nvSpPr>
+        <p:spPr/>
+        <p:txBody>
+          <a:bodyPr/>
+          <a:lstStyle/>
+          <a:p>
+            <a:pPr marL="0" indent="0">
+              <a:buNone/>
+            </a:pPr>
+            <a:r>
+              <a:rPr lang="en-US" dirty="0"/>
+              <a:t>Read HW 2.4 “Class Constants”</a:t>
+            </a:r>
+          </a:p>
+          <a:p>
+            <a:pPr marL="0" indent="0">
+              <a:buNone/>
+            </a:pPr>
+            <a:endParaRPr lang="en-US" dirty="0"/>
+          </a:p>
+          <a:p>
+            <a:pPr marL="0" indent="0">
+              <a:buNone/>
+            </a:pPr>
+            <a:r>
+              <a:rPr lang="en-US" dirty="0"/>
+              <a:t>Complete chapter 2 self-check questions 31-33 (4</a:t>
+            </a:r>
+            <a:r>
+              <a:rPr lang="en-US" baseline="30000" dirty="0"/>
+              <a:t>th</a:t>
+            </a:r>
+            <a:r>
+              <a:rPr lang="en-US" dirty="0"/>
+              <a:t> edition: </a:t>
+            </a:r>
+            <a:r>
+              <a:rPr lang="en-US"/>
+              <a:t>34-36)</a:t>
+            </a:r>
+            <a:endParaRPr lang="en-US" dirty="0"/>
           </a:p>
         </p:txBody>
       </p:sp>
     </p:spTree>
     <p:extLst>
       <p:ext uri="{BB962C8B-B14F-4D97-AF65-F5344CB8AC3E}">
-        <p14:creationId xmlns:p14="http://schemas.microsoft.com/office/powerpoint/2010/main" val="816088269"/>
+        <p14:creationId xmlns:p14="http://schemas.microsoft.com/office/powerpoint/2010/main" val="2004732127"/>
       </p:ext>
     </p:extLst>
   </p:cSld>
@@ -14549,6 +14783,255 @@
             <a:spLocks noGrp="1"/>
           </p:cNvSpPr>
           <p:nvPr>
+            <p:ph type="ctrTitle"/>
+          </p:nvPr>
+        </p:nvSpPr>
+        <p:spPr>
+          <a:xfrm>
+            <a:off x="1524000" y="1385831"/>
+            <a:ext cx="9144000" cy="2387600"/>
+          </a:xfrm>
+        </p:spPr>
+        <p:txBody>
+          <a:bodyPr>
+            <a:normAutofit/>
+          </a:bodyPr>
+          <a:lstStyle/>
+          <a:p>
+            <a:r>
+              <a:rPr lang="en-US" sz="5000" dirty="0"/>
+              <a:t>Programming Project 1</a:t>
+            </a:r>
+          </a:p>
+        </p:txBody>
+      </p:sp>
+    </p:spTree>
+    <p:extLst>
+      <p:ext uri="{BB962C8B-B14F-4D97-AF65-F5344CB8AC3E}">
+        <p14:creationId xmlns:p14="http://schemas.microsoft.com/office/powerpoint/2010/main" val="3273659807"/>
+      </p:ext>
+    </p:extLst>
+  </p:cSld>
+  <p:clrMapOvr>
+    <a:masterClrMapping/>
+  </p:clrMapOvr>
+</p:sld>
+</file>
+
+<file path=ppt/slides/slide65.xml><?xml version="1.0" encoding="utf-8"?>
+<p:sld xmlns:a="http://schemas.openxmlformats.org/drawingml/2006/main" xmlns:r="http://schemas.openxmlformats.org/officeDocument/2006/relationships" xmlns:p="http://schemas.openxmlformats.org/presentationml/2006/main">
+  <p:cSld>
+    <p:spTree>
+      <p:nvGrpSpPr>
+        <p:cNvPr id="1" name=""/>
+        <p:cNvGrpSpPr/>
+        <p:nvPr/>
+      </p:nvGrpSpPr>
+      <p:grpSpPr>
+        <a:xfrm>
+          <a:off x="0" y="0"/>
+          <a:ext cx="0" cy="0"/>
+          <a:chOff x="0" y="0"/>
+          <a:chExt cx="0" cy="0"/>
+        </a:xfrm>
+      </p:grpSpPr>
+      <p:sp>
+        <p:nvSpPr>
+          <p:cNvPr id="2" name="Title 1"/>
+          <p:cNvSpPr>
+            <a:spLocks noGrp="1"/>
+          </p:cNvSpPr>
+          <p:nvPr>
+            <p:ph type="title"/>
+          </p:nvPr>
+        </p:nvSpPr>
+        <p:spPr/>
+        <p:txBody>
+          <a:bodyPr>
+            <a:normAutofit/>
+          </a:bodyPr>
+          <a:lstStyle/>
+          <a:p>
+            <a:r>
+              <a:rPr lang="en-US" dirty="0"/>
+              <a:t>Homework</a:t>
+            </a:r>
+          </a:p>
+        </p:txBody>
+      </p:sp>
+      <p:sp>
+        <p:nvSpPr>
+          <p:cNvPr id="3" name="Content Placeholder 2"/>
+          <p:cNvSpPr>
+            <a:spLocks noGrp="1"/>
+          </p:cNvSpPr>
+          <p:nvPr>
+            <p:ph idx="1"/>
+          </p:nvPr>
+        </p:nvSpPr>
+        <p:spPr/>
+        <p:txBody>
+          <a:bodyPr/>
+          <a:lstStyle/>
+          <a:p>
+            <a:pPr marL="0" indent="0">
+              <a:buNone/>
+            </a:pPr>
+            <a:r>
+              <a:rPr lang="en-US" dirty="0"/>
+              <a:t>Read HW 2.4 “Pseudocode” if you haven’t already.</a:t>
+            </a:r>
+          </a:p>
+          <a:p>
+            <a:pPr marL="0" indent="0">
+              <a:buNone/>
+            </a:pPr>
+            <a:endParaRPr lang="en-US" dirty="0"/>
+          </a:p>
+          <a:p>
+            <a:pPr marL="0" indent="0">
+              <a:buNone/>
+            </a:pPr>
+            <a:r>
+              <a:rPr lang="en-US" dirty="0"/>
+              <a:t>Complete chapter 2 self-check questions 31-33.</a:t>
+            </a:r>
+          </a:p>
+          <a:p>
+            <a:pPr marL="0" indent="0">
+              <a:buNone/>
+            </a:pPr>
+            <a:endParaRPr lang="en-US" dirty="0"/>
+          </a:p>
+          <a:p>
+            <a:pPr marL="0" indent="0">
+              <a:buNone/>
+            </a:pPr>
+            <a:r>
+              <a:rPr lang="en-US" dirty="0"/>
+              <a:t>Note check for completion, adding daily summaries if needed.</a:t>
+            </a:r>
+          </a:p>
+          <a:p>
+            <a:pPr lvl="1"/>
+            <a:r>
+              <a:rPr lang="en-US" dirty="0"/>
+              <a:t>Students may use their book to supplement their notes. </a:t>
+            </a:r>
+          </a:p>
+        </p:txBody>
+      </p:sp>
+    </p:spTree>
+    <p:extLst>
+      <p:ext uri="{BB962C8B-B14F-4D97-AF65-F5344CB8AC3E}">
+        <p14:creationId xmlns:p14="http://schemas.microsoft.com/office/powerpoint/2010/main" val="3228716705"/>
+      </p:ext>
+    </p:extLst>
+  </p:cSld>
+  <p:clrMapOvr>
+    <a:masterClrMapping/>
+  </p:clrMapOvr>
+</p:sld>
+</file>
+
+<file path=ppt/slides/slide66.xml><?xml version="1.0" encoding="utf-8"?>
+<p:sld xmlns:a="http://schemas.openxmlformats.org/drawingml/2006/main" xmlns:r="http://schemas.openxmlformats.org/officeDocument/2006/relationships" xmlns:p="http://schemas.openxmlformats.org/presentationml/2006/main">
+  <p:cSld>
+    <p:spTree>
+      <p:nvGrpSpPr>
+        <p:cNvPr id="1" name=""/>
+        <p:cNvGrpSpPr/>
+        <p:nvPr/>
+      </p:nvGrpSpPr>
+      <p:grpSpPr>
+        <a:xfrm>
+          <a:off x="0" y="0"/>
+          <a:ext cx="0" cy="0"/>
+          <a:chOff x="0" y="0"/>
+          <a:chExt cx="0" cy="0"/>
+        </a:xfrm>
+      </p:grpSpPr>
+      <p:sp>
+        <p:nvSpPr>
+          <p:cNvPr id="2" name="Title 1"/>
+          <p:cNvSpPr>
+            <a:spLocks noGrp="1"/>
+          </p:cNvSpPr>
+          <p:nvPr>
+            <p:ph type="ctrTitle"/>
+          </p:nvPr>
+        </p:nvSpPr>
+        <p:spPr/>
+        <p:txBody>
+          <a:bodyPr/>
+          <a:lstStyle/>
+          <a:p>
+            <a:r>
+              <a:rPr lang="en-US" dirty="0"/>
+              <a:t>Programming Project</a:t>
+            </a:r>
+          </a:p>
+        </p:txBody>
+      </p:sp>
+      <p:sp>
+        <p:nvSpPr>
+          <p:cNvPr id="3" name="Subtitle 2"/>
+          <p:cNvSpPr>
+            <a:spLocks noGrp="1"/>
+          </p:cNvSpPr>
+          <p:nvPr>
+            <p:ph type="subTitle" idx="1"/>
+          </p:nvPr>
+        </p:nvSpPr>
+        <p:spPr/>
+        <p:txBody>
+          <a:bodyPr/>
+          <a:lstStyle/>
+          <a:p>
+            <a:r>
+              <a:rPr lang="en-US" dirty="0"/>
+              <a:t>[ 2.09 ] [ Today’s Date ] [ Instructor Name ]</a:t>
+            </a:r>
+          </a:p>
+        </p:txBody>
+      </p:sp>
+    </p:spTree>
+    <p:extLst>
+      <p:ext uri="{BB962C8B-B14F-4D97-AF65-F5344CB8AC3E}">
+        <p14:creationId xmlns:p14="http://schemas.microsoft.com/office/powerpoint/2010/main" val="816088269"/>
+      </p:ext>
+    </p:extLst>
+  </p:cSld>
+  <p:clrMapOvr>
+    <a:masterClrMapping/>
+  </p:clrMapOvr>
+</p:sld>
+</file>
+
+<file path=ppt/slides/slide67.xml><?xml version="1.0" encoding="utf-8"?>
+<p:sld xmlns:a="http://schemas.openxmlformats.org/drawingml/2006/main" xmlns:r="http://schemas.openxmlformats.org/officeDocument/2006/relationships" xmlns:p="http://schemas.openxmlformats.org/presentationml/2006/main">
+  <p:cSld>
+    <p:spTree>
+      <p:nvGrpSpPr>
+        <p:cNvPr id="1" name=""/>
+        <p:cNvGrpSpPr/>
+        <p:nvPr/>
+      </p:nvGrpSpPr>
+      <p:grpSpPr>
+        <a:xfrm>
+          <a:off x="0" y="0"/>
+          <a:ext cx="0" cy="0"/>
+          <a:chOff x="0" y="0"/>
+          <a:chExt cx="0" cy="0"/>
+        </a:xfrm>
+      </p:grpSpPr>
+      <p:sp>
+        <p:nvSpPr>
+          <p:cNvPr id="2" name="Title 1"/>
+          <p:cNvSpPr>
+            <a:spLocks noGrp="1"/>
+          </p:cNvSpPr>
+          <p:nvPr>
             <p:ph type="title"/>
           </p:nvPr>
         </p:nvSpPr>
@@ -14902,536 +15385,6 @@
 </p:sld>
 </file>
 
-<file path=ppt/slides/slide65.xml><?xml version="1.0" encoding="utf-8"?>
-<p:sld xmlns:a="http://schemas.openxmlformats.org/drawingml/2006/main" xmlns:r="http://schemas.openxmlformats.org/officeDocument/2006/relationships" xmlns:p="http://schemas.openxmlformats.org/presentationml/2006/main">
-  <p:cSld>
-    <p:spTree>
-      <p:nvGrpSpPr>
-        <p:cNvPr id="1" name=""/>
-        <p:cNvGrpSpPr/>
-        <p:nvPr/>
-      </p:nvGrpSpPr>
-      <p:grpSpPr>
-        <a:xfrm>
-          <a:off x="0" y="0"/>
-          <a:ext cx="0" cy="0"/>
-          <a:chOff x="0" y="0"/>
-          <a:chExt cx="0" cy="0"/>
-        </a:xfrm>
-      </p:grpSpPr>
-      <p:sp>
-        <p:nvSpPr>
-          <p:cNvPr id="2" name="Title 1"/>
-          <p:cNvSpPr>
-            <a:spLocks noGrp="1"/>
-          </p:cNvSpPr>
-          <p:nvPr>
-            <p:ph type="title"/>
-          </p:nvPr>
-        </p:nvSpPr>
-        <p:spPr/>
-        <p:txBody>
-          <a:bodyPr>
-            <a:normAutofit/>
-          </a:bodyPr>
-          <a:lstStyle/>
-          <a:p>
-            <a:r>
-              <a:rPr lang="en-US" dirty="0"/>
-              <a:t>Homework</a:t>
-            </a:r>
-          </a:p>
-        </p:txBody>
-      </p:sp>
-      <p:sp>
-        <p:nvSpPr>
-          <p:cNvPr id="3" name="Content Placeholder 2"/>
-          <p:cNvSpPr>
-            <a:spLocks noGrp="1"/>
-          </p:cNvSpPr>
-          <p:nvPr>
-            <p:ph idx="1"/>
-          </p:nvPr>
-        </p:nvSpPr>
-        <p:spPr/>
-        <p:txBody>
-          <a:bodyPr/>
-          <a:lstStyle/>
-          <a:p>
-            <a:pPr marL="0" indent="0">
-              <a:buNone/>
-            </a:pPr>
-            <a:r>
-              <a:rPr lang="en-US" dirty="0"/>
-              <a:t>Outline Chapter 2, omitting HW 2.5</a:t>
-            </a:r>
-          </a:p>
-        </p:txBody>
-      </p:sp>
-    </p:spTree>
-    <p:extLst>
-      <p:ext uri="{BB962C8B-B14F-4D97-AF65-F5344CB8AC3E}">
-        <p14:creationId xmlns:p14="http://schemas.microsoft.com/office/powerpoint/2010/main" val="3860406451"/>
-      </p:ext>
-    </p:extLst>
-  </p:cSld>
-  <p:clrMapOvr>
-    <a:masterClrMapping/>
-  </p:clrMapOvr>
-</p:sld>
-</file>
-
-<file path=ppt/slides/slide66.xml><?xml version="1.0" encoding="utf-8"?>
-<p:sld xmlns:a="http://schemas.openxmlformats.org/drawingml/2006/main" xmlns:r="http://schemas.openxmlformats.org/officeDocument/2006/relationships" xmlns:p="http://schemas.openxmlformats.org/presentationml/2006/main">
-  <p:cSld>
-    <p:spTree>
-      <p:nvGrpSpPr>
-        <p:cNvPr id="1" name=""/>
-        <p:cNvGrpSpPr/>
-        <p:nvPr/>
-      </p:nvGrpSpPr>
-      <p:grpSpPr>
-        <a:xfrm>
-          <a:off x="0" y="0"/>
-          <a:ext cx="0" cy="0"/>
-          <a:chOff x="0" y="0"/>
-          <a:chExt cx="0" cy="0"/>
-        </a:xfrm>
-      </p:grpSpPr>
-      <p:sp>
-        <p:nvSpPr>
-          <p:cNvPr id="2" name="Title 1"/>
-          <p:cNvSpPr>
-            <a:spLocks noGrp="1"/>
-          </p:cNvSpPr>
-          <p:nvPr>
-            <p:ph type="ctrTitle"/>
-          </p:nvPr>
-        </p:nvSpPr>
-        <p:spPr/>
-        <p:txBody>
-          <a:bodyPr/>
-          <a:lstStyle/>
-          <a:p>
-            <a:r>
-              <a:rPr lang="en-US" dirty="0"/>
-              <a:t>Programming Project</a:t>
-            </a:r>
-          </a:p>
-        </p:txBody>
-      </p:sp>
-      <p:sp>
-        <p:nvSpPr>
-          <p:cNvPr id="3" name="Subtitle 2"/>
-          <p:cNvSpPr>
-            <a:spLocks noGrp="1"/>
-          </p:cNvSpPr>
-          <p:nvPr>
-            <p:ph type="subTitle" idx="1"/>
-          </p:nvPr>
-        </p:nvSpPr>
-        <p:spPr/>
-        <p:txBody>
-          <a:bodyPr/>
-          <a:lstStyle/>
-          <a:p>
-            <a:r>
-              <a:rPr lang="en-US" dirty="0"/>
-              <a:t>[ 2.09 ] [ Today’s Date ] [ Instructor Name ]</a:t>
-            </a:r>
-          </a:p>
-        </p:txBody>
-      </p:sp>
-    </p:spTree>
-    <p:extLst>
-      <p:ext uri="{BB962C8B-B14F-4D97-AF65-F5344CB8AC3E}">
-        <p14:creationId xmlns:p14="http://schemas.microsoft.com/office/powerpoint/2010/main" val="2596130600"/>
-      </p:ext>
-    </p:extLst>
-  </p:cSld>
-  <p:clrMapOvr>
-    <a:masterClrMapping/>
-  </p:clrMapOvr>
-</p:sld>
-</file>
-
-<file path=ppt/slides/slide67.xml><?xml version="1.0" encoding="utf-8"?>
-<p:sld xmlns:a="http://schemas.openxmlformats.org/drawingml/2006/main" xmlns:r="http://schemas.openxmlformats.org/officeDocument/2006/relationships" xmlns:p="http://schemas.openxmlformats.org/presentationml/2006/main">
-  <p:cSld>
-    <p:spTree>
-      <p:nvGrpSpPr>
-        <p:cNvPr id="1" name=""/>
-        <p:cNvGrpSpPr/>
-        <p:nvPr/>
-      </p:nvGrpSpPr>
-      <p:grpSpPr>
-        <a:xfrm>
-          <a:off x="0" y="0"/>
-          <a:ext cx="0" cy="0"/>
-          <a:chOff x="0" y="0"/>
-          <a:chExt cx="0" cy="0"/>
-        </a:xfrm>
-      </p:grpSpPr>
-      <p:sp>
-        <p:nvSpPr>
-          <p:cNvPr id="2" name="Title 1"/>
-          <p:cNvSpPr>
-            <a:spLocks noGrp="1"/>
-          </p:cNvSpPr>
-          <p:nvPr>
-            <p:ph type="title"/>
-          </p:nvPr>
-        </p:nvSpPr>
-        <p:spPr/>
-        <p:txBody>
-          <a:bodyPr/>
-          <a:lstStyle/>
-          <a:p>
-            <a:r>
-              <a:rPr lang="en-US" dirty="0"/>
-              <a:t>Programming Project</a:t>
-            </a:r>
-          </a:p>
-        </p:txBody>
-      </p:sp>
-      <p:sp>
-        <p:nvSpPr>
-          <p:cNvPr id="3" name="Content Placeholder 2"/>
-          <p:cNvSpPr>
-            <a:spLocks noGrp="1"/>
-          </p:cNvSpPr>
-          <p:nvPr>
-            <p:ph idx="1"/>
-          </p:nvPr>
-        </p:nvSpPr>
-        <p:spPr/>
-        <p:txBody>
-          <a:bodyPr>
-            <a:normAutofit fontScale="92500" lnSpcReduction="10000"/>
-          </a:bodyPr>
-          <a:lstStyle/>
-          <a:p>
-            <a:pPr marL="0" indent="0">
-              <a:buNone/>
-            </a:pPr>
-            <a:r>
-              <a:rPr lang="en-US" sz="2600" dirty="0"/>
-              <a:t>Write a program that produces the following output using nested for loops:</a:t>
-            </a:r>
-          </a:p>
-          <a:p>
-            <a:pPr marL="0" indent="0" algn="ctr">
-              <a:lnSpc>
-                <a:spcPct val="100000"/>
-              </a:lnSpc>
-              <a:spcBef>
-                <a:spcPts val="0"/>
-              </a:spcBef>
-              <a:buNone/>
-            </a:pPr>
-            <a:endParaRPr lang="en-US" sz="1600" dirty="0">
-              <a:latin typeface="Courier New" panose="02070309020205020404" pitchFamily="49" charset="0"/>
-              <a:cs typeface="Courier New" panose="02070309020205020404" pitchFamily="49" charset="0"/>
-            </a:endParaRPr>
-          </a:p>
-          <a:p>
-            <a:pPr marL="0" indent="0" algn="ctr">
-              <a:lnSpc>
-                <a:spcPct val="100000"/>
-              </a:lnSpc>
-              <a:spcBef>
-                <a:spcPts val="0"/>
-              </a:spcBef>
-              <a:buNone/>
-            </a:pPr>
-            <a:endParaRPr lang="en-US" sz="1600" dirty="0">
-              <a:latin typeface="Courier New" panose="02070309020205020404" pitchFamily="49" charset="0"/>
-              <a:cs typeface="Courier New" panose="02070309020205020404" pitchFamily="49" charset="0"/>
-            </a:endParaRPr>
-          </a:p>
-          <a:p>
-            <a:pPr marL="0" indent="0" algn="ctr">
-              <a:lnSpc>
-                <a:spcPct val="100000"/>
-              </a:lnSpc>
-              <a:spcBef>
-                <a:spcPts val="0"/>
-              </a:spcBef>
-              <a:buNone/>
-            </a:pPr>
-            <a:r>
-              <a:rPr lang="en-US" sz="1600" dirty="0">
-                <a:latin typeface="Courier New" panose="02070309020205020404" pitchFamily="49" charset="0"/>
-                <a:cs typeface="Courier New" panose="02070309020205020404" pitchFamily="49" charset="0"/>
-              </a:rPr>
-              <a:t>|””””””””’|</a:t>
-            </a:r>
-          </a:p>
-          <a:p>
-            <a:pPr marL="0" indent="0" algn="ctr">
-              <a:lnSpc>
-                <a:spcPct val="100000"/>
-              </a:lnSpc>
-              <a:spcBef>
-                <a:spcPts val="0"/>
-              </a:spcBef>
-              <a:buNone/>
-            </a:pPr>
-            <a:r>
-              <a:rPr lang="en-US" sz="1600" dirty="0">
-                <a:latin typeface="Courier New" panose="02070309020205020404" pitchFamily="49" charset="0"/>
-                <a:cs typeface="Courier New" panose="02070309020205020404" pitchFamily="49" charset="0"/>
-              </a:rPr>
-              <a:t>\: : : : : : :/</a:t>
-            </a:r>
-          </a:p>
-          <a:p>
-            <a:pPr marL="0" indent="0" algn="ctr">
-              <a:lnSpc>
-                <a:spcPct val="100000"/>
-              </a:lnSpc>
-              <a:spcBef>
-                <a:spcPts val="0"/>
-              </a:spcBef>
-              <a:buNone/>
-            </a:pPr>
-            <a:r>
-              <a:rPr lang="en-US" sz="1600" dirty="0">
-                <a:latin typeface="Courier New" panose="02070309020205020404" pitchFamily="49" charset="0"/>
-                <a:cs typeface="Courier New" panose="02070309020205020404" pitchFamily="49" charset="0"/>
-              </a:rPr>
-              <a:t>\: : : : :/</a:t>
-            </a:r>
-          </a:p>
-          <a:p>
-            <a:pPr marL="0" indent="0" algn="ctr">
-              <a:lnSpc>
-                <a:spcPct val="100000"/>
-              </a:lnSpc>
-              <a:spcBef>
-                <a:spcPts val="0"/>
-              </a:spcBef>
-              <a:buNone/>
-            </a:pPr>
-            <a:r>
-              <a:rPr lang="en-US" sz="1600" dirty="0">
-                <a:latin typeface="Courier New" panose="02070309020205020404" pitchFamily="49" charset="0"/>
-                <a:cs typeface="Courier New" panose="02070309020205020404" pitchFamily="49" charset="0"/>
-              </a:rPr>
-              <a:t>\: : :/</a:t>
-            </a:r>
-          </a:p>
-          <a:p>
-            <a:pPr marL="0" indent="0" algn="ctr">
-              <a:lnSpc>
-                <a:spcPct val="100000"/>
-              </a:lnSpc>
-              <a:spcBef>
-                <a:spcPts val="0"/>
-              </a:spcBef>
-              <a:buNone/>
-            </a:pPr>
-            <a:r>
-              <a:rPr lang="en-US" sz="1600" dirty="0">
-                <a:latin typeface="Courier New" panose="02070309020205020404" pitchFamily="49" charset="0"/>
-                <a:cs typeface="Courier New" panose="02070309020205020404" pitchFamily="49" charset="0"/>
-              </a:rPr>
-              <a:t>\:/</a:t>
-            </a:r>
-          </a:p>
-          <a:p>
-            <a:pPr marL="0" indent="0" algn="ctr">
-              <a:lnSpc>
-                <a:spcPct val="100000"/>
-              </a:lnSpc>
-              <a:spcBef>
-                <a:spcPts val="0"/>
-              </a:spcBef>
-              <a:buNone/>
-            </a:pPr>
-            <a:r>
-              <a:rPr lang="en-US" sz="1600" dirty="0">
-                <a:latin typeface="Courier New" panose="02070309020205020404" pitchFamily="49" charset="0"/>
-                <a:cs typeface="Courier New" panose="02070309020205020404" pitchFamily="49" charset="0"/>
-              </a:rPr>
-              <a:t>/:\</a:t>
-            </a:r>
-          </a:p>
-          <a:p>
-            <a:pPr marL="0" indent="0" algn="ctr">
-              <a:lnSpc>
-                <a:spcPct val="100000"/>
-              </a:lnSpc>
-              <a:spcBef>
-                <a:spcPts val="0"/>
-              </a:spcBef>
-              <a:buNone/>
-            </a:pPr>
-            <a:r>
-              <a:rPr lang="en-US" sz="1600" dirty="0">
-                <a:latin typeface="Courier New" panose="02070309020205020404" pitchFamily="49" charset="0"/>
-                <a:cs typeface="Courier New" panose="02070309020205020404" pitchFamily="49" charset="0"/>
-              </a:rPr>
-              <a:t>/: : :\</a:t>
-            </a:r>
-          </a:p>
-          <a:p>
-            <a:pPr marL="0" indent="0" algn="ctr">
-              <a:lnSpc>
-                <a:spcPct val="100000"/>
-              </a:lnSpc>
-              <a:spcBef>
-                <a:spcPts val="0"/>
-              </a:spcBef>
-              <a:buNone/>
-            </a:pPr>
-            <a:r>
-              <a:rPr lang="en-US" sz="1600" dirty="0">
-                <a:latin typeface="Courier New" panose="02070309020205020404" pitchFamily="49" charset="0"/>
-                <a:cs typeface="Courier New" panose="02070309020205020404" pitchFamily="49" charset="0"/>
-              </a:rPr>
-              <a:t>/: : : : :\</a:t>
-            </a:r>
-          </a:p>
-          <a:p>
-            <a:pPr marL="0" indent="0" algn="ctr">
-              <a:lnSpc>
-                <a:spcPct val="100000"/>
-              </a:lnSpc>
-              <a:spcBef>
-                <a:spcPts val="0"/>
-              </a:spcBef>
-              <a:buNone/>
-            </a:pPr>
-            <a:r>
-              <a:rPr lang="en-US" sz="1600" dirty="0">
-                <a:latin typeface="Courier New" panose="02070309020205020404" pitchFamily="49" charset="0"/>
-                <a:cs typeface="Courier New" panose="02070309020205020404" pitchFamily="49" charset="0"/>
-              </a:rPr>
-              <a:t>/: : : : : : :\</a:t>
-            </a:r>
-          </a:p>
-          <a:p>
-            <a:pPr marL="0" indent="0" algn="ctr">
-              <a:lnSpc>
-                <a:spcPct val="100000"/>
-              </a:lnSpc>
-              <a:spcBef>
-                <a:spcPts val="0"/>
-              </a:spcBef>
-              <a:buNone/>
-            </a:pPr>
-            <a:r>
-              <a:rPr lang="en-US" sz="1600" dirty="0">
-                <a:latin typeface="Courier New" panose="02070309020205020404" pitchFamily="49" charset="0"/>
-                <a:cs typeface="Courier New" panose="02070309020205020404" pitchFamily="49" charset="0"/>
-              </a:rPr>
-              <a:t>|””””””””’| </a:t>
-            </a:r>
-          </a:p>
-          <a:p>
-            <a:pPr marL="0" indent="0" algn="ctr">
-              <a:lnSpc>
-                <a:spcPct val="100000"/>
-              </a:lnSpc>
-              <a:spcBef>
-                <a:spcPts val="0"/>
-              </a:spcBef>
-              <a:buNone/>
-            </a:pPr>
-            <a:endParaRPr lang="en-US" sz="1600" dirty="0">
-              <a:latin typeface="Courier New" panose="02070309020205020404" pitchFamily="49" charset="0"/>
-              <a:cs typeface="Courier New" panose="02070309020205020404" pitchFamily="49" charset="0"/>
-            </a:endParaRPr>
-          </a:p>
-          <a:p>
-            <a:pPr marL="0" indent="0">
-              <a:lnSpc>
-                <a:spcPct val="100000"/>
-              </a:lnSpc>
-              <a:spcBef>
-                <a:spcPts val="0"/>
-              </a:spcBef>
-              <a:buNone/>
-            </a:pPr>
-            <a:endParaRPr lang="en-US" sz="1600" dirty="0">
-              <a:latin typeface="Courier New" panose="02070309020205020404" pitchFamily="49" charset="0"/>
-              <a:cs typeface="Courier New" panose="02070309020205020404" pitchFamily="49" charset="0"/>
-            </a:endParaRPr>
-          </a:p>
-          <a:p>
-            <a:pPr marL="0" indent="0">
-              <a:lnSpc>
-                <a:spcPct val="100000"/>
-              </a:lnSpc>
-              <a:spcBef>
-                <a:spcPts val="0"/>
-              </a:spcBef>
-              <a:buNone/>
-            </a:pPr>
-            <a:r>
-              <a:rPr lang="en-US" sz="2600" dirty="0">
-                <a:cs typeface="Courier New" panose="02070309020205020404" pitchFamily="49" charset="0"/>
-              </a:rPr>
-              <a:t>TIPS: Start with a structure diagram. Isolate repeated tasks into methods. Include comments in with your code so others can easily understand your code.</a:t>
-            </a:r>
-          </a:p>
-        </p:txBody>
-      </p:sp>
-      <p:sp>
-        <p:nvSpPr>
-          <p:cNvPr id="4" name="Rectangle 3"/>
-          <p:cNvSpPr/>
-          <p:nvPr/>
-        </p:nvSpPr>
-        <p:spPr>
-          <a:xfrm>
-            <a:off x="4734732" y="2533973"/>
-            <a:ext cx="2766448" cy="2541722"/>
-          </a:xfrm>
-          <a:prstGeom prst="rect">
-            <a:avLst/>
-          </a:prstGeom>
-          <a:noFill/>
-        </p:spPr>
-        <p:style>
-          <a:lnRef idx="2">
-            <a:schemeClr val="accent1">
-              <a:shade val="50000"/>
-            </a:schemeClr>
-          </a:lnRef>
-          <a:fillRef idx="1">
-            <a:schemeClr val="accent1"/>
-          </a:fillRef>
-          <a:effectRef idx="0">
-            <a:schemeClr val="accent1"/>
-          </a:effectRef>
-          <a:fontRef idx="minor">
-            <a:schemeClr val="lt1"/>
-          </a:fontRef>
-        </p:style>
-        <p:txBody>
-          <a:bodyPr rtlCol="0" anchor="ctr"/>
-          <a:lstStyle/>
-          <a:p>
-            <a:pPr algn="ctr"/>
-            <a:endParaRPr lang="en-US"/>
-          </a:p>
-        </p:txBody>
-      </p:sp>
-    </p:spTree>
-    <p:extLst>
-      <p:ext uri="{BB962C8B-B14F-4D97-AF65-F5344CB8AC3E}">
-        <p14:creationId xmlns:p14="http://schemas.microsoft.com/office/powerpoint/2010/main" val="1740164949"/>
-      </p:ext>
-    </p:extLst>
-  </p:cSld>
-  <p:clrMapOvr>
-    <a:masterClrMapping/>
-  </p:clrMapOvr>
-</p:sld>
-</file>
-
 <file path=ppt/slides/slide68.xml><?xml version="1.0" encoding="utf-8"?>
 <p:sld xmlns:a="http://schemas.openxmlformats.org/drawingml/2006/main" xmlns:r="http://schemas.openxmlformats.org/officeDocument/2006/relationships" xmlns:p="http://schemas.openxmlformats.org/presentationml/2006/main">
   <p:cSld>
@@ -15461,12 +15414,14 @@
         </p:nvSpPr>
         <p:spPr/>
         <p:txBody>
-          <a:bodyPr/>
-          <a:lstStyle/>
-          <a:p>
-            <a:r>
-              <a:rPr lang="en-US" dirty="0"/>
-              <a:t>Slide for finished code:</a:t>
+          <a:bodyPr>
+            <a:normAutofit/>
+          </a:bodyPr>
+          <a:lstStyle/>
+          <a:p>
+            <a:r>
+              <a:rPr lang="en-US" dirty="0"/>
+              <a:t>Homework</a:t>
             </a:r>
           </a:p>
         </p:txBody>
@@ -15486,14 +15441,20 @@
           <a:bodyPr/>
           <a:lstStyle/>
           <a:p>
-            <a:endParaRPr lang="en-US"/>
+            <a:pPr marL="0" indent="0">
+              <a:buNone/>
+            </a:pPr>
+            <a:r>
+              <a:rPr lang="en-US" dirty="0"/>
+              <a:t>Outline Chapter 2, omitting HW 2.5</a:t>
+            </a:r>
           </a:p>
         </p:txBody>
       </p:sp>
     </p:spTree>
     <p:extLst>
       <p:ext uri="{BB962C8B-B14F-4D97-AF65-F5344CB8AC3E}">
-        <p14:creationId xmlns:p14="http://schemas.microsoft.com/office/powerpoint/2010/main" val="2612696784"/>
+        <p14:creationId xmlns:p14="http://schemas.microsoft.com/office/powerpoint/2010/main" val="3860406451"/>
       </p:ext>
     </p:extLst>
   </p:cSld>
@@ -15527,111 +15488,47 @@
             <a:spLocks noGrp="1"/>
           </p:cNvSpPr>
           <p:nvPr>
-            <p:ph type="title"/>
-          </p:nvPr>
-        </p:nvSpPr>
-        <p:spPr/>
-        <p:txBody>
-          <a:bodyPr/>
-          <a:lstStyle/>
-          <a:p>
-            <a:r>
-              <a:rPr lang="en-US" dirty="0"/>
-              <a:t>Class Constants</a:t>
-            </a:r>
-          </a:p>
-        </p:txBody>
-      </p:sp>
-      <p:sp>
-        <p:nvSpPr>
-          <p:cNvPr id="3" name="Content Placeholder 2"/>
-          <p:cNvSpPr>
-            <a:spLocks noGrp="1"/>
-          </p:cNvSpPr>
-          <p:nvPr>
-            <p:ph idx="1"/>
-          </p:nvPr>
-        </p:nvSpPr>
-        <p:spPr/>
-        <p:txBody>
-          <a:bodyPr/>
-          <a:lstStyle/>
-          <a:p>
-            <a:pPr marL="0" indent="0">
-              <a:buNone/>
-            </a:pPr>
-            <a:endParaRPr lang="en-US" dirty="0"/>
-          </a:p>
-          <a:p>
-            <a:pPr marL="0" indent="0">
-              <a:buNone/>
-            </a:pPr>
-            <a:r>
-              <a:rPr lang="en-US" dirty="0">
-                <a:latin typeface="Courier New" panose="02070309020205020404" pitchFamily="49" charset="0"/>
-                <a:cs typeface="Courier New" panose="02070309020205020404" pitchFamily="49" charset="0"/>
-              </a:rPr>
-              <a:t>public static final </a:t>
-            </a:r>
-            <a:r>
-              <a:rPr lang="en-US" dirty="0" err="1">
-                <a:latin typeface="Courier New" panose="02070309020205020404" pitchFamily="49" charset="0"/>
-                <a:cs typeface="Courier New" panose="02070309020205020404" pitchFamily="49" charset="0"/>
-              </a:rPr>
-              <a:t>int</a:t>
-            </a:r>
-            <a:r>
-              <a:rPr lang="en-US" dirty="0">
-                <a:latin typeface="Courier New" panose="02070309020205020404" pitchFamily="49" charset="0"/>
-                <a:cs typeface="Courier New" panose="02070309020205020404" pitchFamily="49" charset="0"/>
-              </a:rPr>
-              <a:t> NAME = 1;</a:t>
-            </a:r>
-          </a:p>
-          <a:p>
-            <a:pPr marL="0" indent="0">
-              <a:buNone/>
-            </a:pPr>
-            <a:endParaRPr lang="en-US" dirty="0">
-              <a:latin typeface="Courier New" panose="02070309020205020404" pitchFamily="49" charset="0"/>
-              <a:cs typeface="Courier New" panose="02070309020205020404" pitchFamily="49" charset="0"/>
-            </a:endParaRPr>
-          </a:p>
-          <a:p>
-            <a:pPr marL="0" indent="0">
-              <a:buNone/>
-            </a:pPr>
-            <a:r>
-              <a:rPr lang="en-US" dirty="0">
-                <a:latin typeface="Courier New" panose="02070309020205020404" pitchFamily="49" charset="0"/>
-                <a:cs typeface="Courier New" panose="02070309020205020404" pitchFamily="49" charset="0"/>
-              </a:rPr>
-              <a:t>public static void main(String[...</a:t>
-            </a:r>
-          </a:p>
-          <a:p>
-            <a:pPr marL="0" indent="0">
-              <a:buNone/>
-            </a:pPr>
-            <a:endParaRPr lang="en-US" dirty="0">
-              <a:latin typeface="Courier New" panose="02070309020205020404" pitchFamily="49" charset="0"/>
-              <a:cs typeface="Courier New" panose="02070309020205020404" pitchFamily="49" charset="0"/>
-            </a:endParaRPr>
-          </a:p>
-          <a:p>
-            <a:pPr marL="0" indent="0">
-              <a:buNone/>
-            </a:pPr>
-            <a:endParaRPr lang="en-US" dirty="0">
-              <a:cs typeface="Courier New" panose="02070309020205020404" pitchFamily="49" charset="0"/>
-            </a:endParaRPr>
+            <p:ph type="ctrTitle"/>
+          </p:nvPr>
+        </p:nvSpPr>
+        <p:spPr/>
+        <p:txBody>
+          <a:bodyPr/>
+          <a:lstStyle/>
+          <a:p>
+            <a:r>
+              <a:rPr lang="en-US" dirty="0"/>
+              <a:t>Programming Project</a:t>
+            </a:r>
+          </a:p>
+        </p:txBody>
+      </p:sp>
+      <p:sp>
+        <p:nvSpPr>
+          <p:cNvPr id="3" name="Subtitle 2"/>
+          <p:cNvSpPr>
+            <a:spLocks noGrp="1"/>
+          </p:cNvSpPr>
+          <p:nvPr>
+            <p:ph type="subTitle" idx="1"/>
+          </p:nvPr>
+        </p:nvSpPr>
+        <p:spPr/>
+        <p:txBody>
+          <a:bodyPr/>
+          <a:lstStyle/>
+          <a:p>
+            <a:r>
+              <a:rPr lang="en-US" dirty="0"/>
+              <a:t>[ 2.09 ] [ Today’s Date ] [ Instructor Name ]</a:t>
+            </a:r>
           </a:p>
         </p:txBody>
       </p:sp>
     </p:spTree>
     <p:extLst>
       <p:ext uri="{BB962C8B-B14F-4D97-AF65-F5344CB8AC3E}">
-        <p14:creationId xmlns:p14="http://schemas.microsoft.com/office/powerpoint/2010/main" val="985446204"/>
+        <p14:creationId xmlns:p14="http://schemas.microsoft.com/office/powerpoint/2010/main" val="2596130600"/>
       </p:ext>
     </p:extLst>
   </p:cSld>
@@ -15830,47 +15727,345 @@
         </p:nvSpPr>
         <p:spPr/>
         <p:txBody>
+          <a:bodyPr/>
+          <a:lstStyle/>
+          <a:p>
+            <a:r>
+              <a:rPr lang="en-US" dirty="0"/>
+              <a:t>Programming Project</a:t>
+            </a:r>
+          </a:p>
+        </p:txBody>
+      </p:sp>
+      <p:sp>
+        <p:nvSpPr>
+          <p:cNvPr id="3" name="Content Placeholder 2"/>
+          <p:cNvSpPr>
+            <a:spLocks noGrp="1"/>
+          </p:cNvSpPr>
+          <p:nvPr>
+            <p:ph idx="1"/>
+          </p:nvPr>
+        </p:nvSpPr>
+        <p:spPr/>
+        <p:txBody>
           <a:bodyPr>
-            <a:normAutofit/>
+            <a:normAutofit fontScale="92500" lnSpcReduction="10000"/>
           </a:bodyPr>
           <a:lstStyle/>
           <a:p>
-            <a:r>
-              <a:rPr lang="en-US" dirty="0"/>
-              <a:t>Homework</a:t>
-            </a:r>
-          </a:p>
-        </p:txBody>
-      </p:sp>
-      <p:sp>
-        <p:nvSpPr>
-          <p:cNvPr id="3" name="Content Placeholder 2"/>
-          <p:cNvSpPr>
-            <a:spLocks noGrp="1"/>
-          </p:cNvSpPr>
-          <p:nvPr>
-            <p:ph idx="1"/>
-          </p:nvPr>
-        </p:nvSpPr>
-        <p:spPr/>
-        <p:txBody>
-          <a:bodyPr/>
-          <a:lstStyle/>
-          <a:p>
-            <a:pPr marL="0" indent="0">
-              <a:buNone/>
-            </a:pPr>
-            <a:r>
-              <a:rPr lang="en-US" dirty="0"/>
-              <a:t>Complete practice questions with class constants.</a:t>
-            </a:r>
+            <a:pPr marL="0" indent="0">
+              <a:buNone/>
+            </a:pPr>
+            <a:r>
+              <a:rPr lang="en-US" sz="2600" dirty="0"/>
+              <a:t>Write a program that produces the following output using nested for loops:</a:t>
+            </a:r>
+          </a:p>
+          <a:p>
+            <a:pPr marL="0" indent="0" algn="ctr">
+              <a:lnSpc>
+                <a:spcPct val="100000"/>
+              </a:lnSpc>
+              <a:spcBef>
+                <a:spcPts val="0"/>
+              </a:spcBef>
+              <a:buNone/>
+            </a:pPr>
+            <a:endParaRPr lang="en-US" sz="1600" dirty="0">
+              <a:latin typeface="Courier New" panose="02070309020205020404" pitchFamily="49" charset="0"/>
+              <a:cs typeface="Courier New" panose="02070309020205020404" pitchFamily="49" charset="0"/>
+            </a:endParaRPr>
+          </a:p>
+          <a:p>
+            <a:pPr marL="0" indent="0" algn="ctr">
+              <a:lnSpc>
+                <a:spcPct val="100000"/>
+              </a:lnSpc>
+              <a:spcBef>
+                <a:spcPts val="0"/>
+              </a:spcBef>
+              <a:buNone/>
+            </a:pPr>
+            <a:endParaRPr lang="en-US" sz="1600" dirty="0">
+              <a:latin typeface="Courier New" panose="02070309020205020404" pitchFamily="49" charset="0"/>
+              <a:cs typeface="Courier New" panose="02070309020205020404" pitchFamily="49" charset="0"/>
+            </a:endParaRPr>
+          </a:p>
+          <a:p>
+            <a:pPr marL="0" indent="0" algn="ctr">
+              <a:lnSpc>
+                <a:spcPct val="100000"/>
+              </a:lnSpc>
+              <a:spcBef>
+                <a:spcPts val="0"/>
+              </a:spcBef>
+              <a:buNone/>
+            </a:pPr>
+            <a:r>
+              <a:rPr lang="en-US" sz="1600" dirty="0">
+                <a:latin typeface="Courier New" panose="02070309020205020404" pitchFamily="49" charset="0"/>
+                <a:cs typeface="Courier New" panose="02070309020205020404" pitchFamily="49" charset="0"/>
+              </a:rPr>
+              <a:t>|””””””””’|</a:t>
+            </a:r>
+          </a:p>
+          <a:p>
+            <a:pPr marL="0" indent="0" algn="ctr">
+              <a:lnSpc>
+                <a:spcPct val="100000"/>
+              </a:lnSpc>
+              <a:spcBef>
+                <a:spcPts val="0"/>
+              </a:spcBef>
+              <a:buNone/>
+            </a:pPr>
+            <a:r>
+              <a:rPr lang="en-US" sz="1600" dirty="0">
+                <a:latin typeface="Courier New" panose="02070309020205020404" pitchFamily="49" charset="0"/>
+                <a:cs typeface="Courier New" panose="02070309020205020404" pitchFamily="49" charset="0"/>
+              </a:rPr>
+              <a:t>\: : : : : : :/</a:t>
+            </a:r>
+          </a:p>
+          <a:p>
+            <a:pPr marL="0" indent="0" algn="ctr">
+              <a:lnSpc>
+                <a:spcPct val="100000"/>
+              </a:lnSpc>
+              <a:spcBef>
+                <a:spcPts val="0"/>
+              </a:spcBef>
+              <a:buNone/>
+            </a:pPr>
+            <a:r>
+              <a:rPr lang="en-US" sz="1600" dirty="0">
+                <a:latin typeface="Courier New" panose="02070309020205020404" pitchFamily="49" charset="0"/>
+                <a:cs typeface="Courier New" panose="02070309020205020404" pitchFamily="49" charset="0"/>
+              </a:rPr>
+              <a:t>\: : : : :/</a:t>
+            </a:r>
+          </a:p>
+          <a:p>
+            <a:pPr marL="0" indent="0" algn="ctr">
+              <a:lnSpc>
+                <a:spcPct val="100000"/>
+              </a:lnSpc>
+              <a:spcBef>
+                <a:spcPts val="0"/>
+              </a:spcBef>
+              <a:buNone/>
+            </a:pPr>
+            <a:r>
+              <a:rPr lang="en-US" sz="1600" dirty="0">
+                <a:latin typeface="Courier New" panose="02070309020205020404" pitchFamily="49" charset="0"/>
+                <a:cs typeface="Courier New" panose="02070309020205020404" pitchFamily="49" charset="0"/>
+              </a:rPr>
+              <a:t>\: : :/</a:t>
+            </a:r>
+          </a:p>
+          <a:p>
+            <a:pPr marL="0" indent="0" algn="ctr">
+              <a:lnSpc>
+                <a:spcPct val="100000"/>
+              </a:lnSpc>
+              <a:spcBef>
+                <a:spcPts val="0"/>
+              </a:spcBef>
+              <a:buNone/>
+            </a:pPr>
+            <a:r>
+              <a:rPr lang="en-US" sz="1600" dirty="0">
+                <a:latin typeface="Courier New" panose="02070309020205020404" pitchFamily="49" charset="0"/>
+                <a:cs typeface="Courier New" panose="02070309020205020404" pitchFamily="49" charset="0"/>
+              </a:rPr>
+              <a:t>\:/</a:t>
+            </a:r>
+          </a:p>
+          <a:p>
+            <a:pPr marL="0" indent="0" algn="ctr">
+              <a:lnSpc>
+                <a:spcPct val="100000"/>
+              </a:lnSpc>
+              <a:spcBef>
+                <a:spcPts val="0"/>
+              </a:spcBef>
+              <a:buNone/>
+            </a:pPr>
+            <a:r>
+              <a:rPr lang="en-US" sz="1600" dirty="0">
+                <a:latin typeface="Courier New" panose="02070309020205020404" pitchFamily="49" charset="0"/>
+                <a:cs typeface="Courier New" panose="02070309020205020404" pitchFamily="49" charset="0"/>
+              </a:rPr>
+              <a:t>/:\</a:t>
+            </a:r>
+          </a:p>
+          <a:p>
+            <a:pPr marL="0" indent="0" algn="ctr">
+              <a:lnSpc>
+                <a:spcPct val="100000"/>
+              </a:lnSpc>
+              <a:spcBef>
+                <a:spcPts val="0"/>
+              </a:spcBef>
+              <a:buNone/>
+            </a:pPr>
+            <a:r>
+              <a:rPr lang="en-US" sz="1600" dirty="0">
+                <a:latin typeface="Courier New" panose="02070309020205020404" pitchFamily="49" charset="0"/>
+                <a:cs typeface="Courier New" panose="02070309020205020404" pitchFamily="49" charset="0"/>
+              </a:rPr>
+              <a:t>/: : :\</a:t>
+            </a:r>
+          </a:p>
+          <a:p>
+            <a:pPr marL="0" indent="0" algn="ctr">
+              <a:lnSpc>
+                <a:spcPct val="100000"/>
+              </a:lnSpc>
+              <a:spcBef>
+                <a:spcPts val="0"/>
+              </a:spcBef>
+              <a:buNone/>
+            </a:pPr>
+            <a:r>
+              <a:rPr lang="en-US" sz="1600" dirty="0">
+                <a:latin typeface="Courier New" panose="02070309020205020404" pitchFamily="49" charset="0"/>
+                <a:cs typeface="Courier New" panose="02070309020205020404" pitchFamily="49" charset="0"/>
+              </a:rPr>
+              <a:t>/: : : : :\</a:t>
+            </a:r>
+          </a:p>
+          <a:p>
+            <a:pPr marL="0" indent="0" algn="ctr">
+              <a:lnSpc>
+                <a:spcPct val="100000"/>
+              </a:lnSpc>
+              <a:spcBef>
+                <a:spcPts val="0"/>
+              </a:spcBef>
+              <a:buNone/>
+            </a:pPr>
+            <a:r>
+              <a:rPr lang="en-US" sz="1600" dirty="0">
+                <a:latin typeface="Courier New" panose="02070309020205020404" pitchFamily="49" charset="0"/>
+                <a:cs typeface="Courier New" panose="02070309020205020404" pitchFamily="49" charset="0"/>
+              </a:rPr>
+              <a:t>/: : : : : : :\</a:t>
+            </a:r>
+          </a:p>
+          <a:p>
+            <a:pPr marL="0" indent="0" algn="ctr">
+              <a:lnSpc>
+                <a:spcPct val="100000"/>
+              </a:lnSpc>
+              <a:spcBef>
+                <a:spcPts val="0"/>
+              </a:spcBef>
+              <a:buNone/>
+            </a:pPr>
+            <a:r>
+              <a:rPr lang="en-US" sz="1600" dirty="0">
+                <a:latin typeface="Courier New" panose="02070309020205020404" pitchFamily="49" charset="0"/>
+                <a:cs typeface="Courier New" panose="02070309020205020404" pitchFamily="49" charset="0"/>
+              </a:rPr>
+              <a:t>|””””””””’| </a:t>
+            </a:r>
+          </a:p>
+          <a:p>
+            <a:pPr marL="0" indent="0" algn="ctr">
+              <a:lnSpc>
+                <a:spcPct val="100000"/>
+              </a:lnSpc>
+              <a:spcBef>
+                <a:spcPts val="0"/>
+              </a:spcBef>
+              <a:buNone/>
+            </a:pPr>
+            <a:endParaRPr lang="en-US" sz="1600" dirty="0">
+              <a:latin typeface="Courier New" panose="02070309020205020404" pitchFamily="49" charset="0"/>
+              <a:cs typeface="Courier New" panose="02070309020205020404" pitchFamily="49" charset="0"/>
+            </a:endParaRPr>
+          </a:p>
+          <a:p>
+            <a:pPr marL="0" indent="0">
+              <a:lnSpc>
+                <a:spcPct val="100000"/>
+              </a:lnSpc>
+              <a:spcBef>
+                <a:spcPts val="0"/>
+              </a:spcBef>
+              <a:buNone/>
+            </a:pPr>
+            <a:endParaRPr lang="en-US" sz="1600" dirty="0">
+              <a:latin typeface="Courier New" panose="02070309020205020404" pitchFamily="49" charset="0"/>
+              <a:cs typeface="Courier New" panose="02070309020205020404" pitchFamily="49" charset="0"/>
+            </a:endParaRPr>
+          </a:p>
+          <a:p>
+            <a:pPr marL="0" indent="0">
+              <a:lnSpc>
+                <a:spcPct val="100000"/>
+              </a:lnSpc>
+              <a:spcBef>
+                <a:spcPts val="0"/>
+              </a:spcBef>
+              <a:buNone/>
+            </a:pPr>
+            <a:r>
+              <a:rPr lang="en-US" sz="2600" dirty="0">
+                <a:cs typeface="Courier New" panose="02070309020205020404" pitchFamily="49" charset="0"/>
+              </a:rPr>
+              <a:t>TIPS: Start with a structure diagram. Isolate repeated tasks into methods. Include comments in with your code so others can easily understand your code.</a:t>
+            </a:r>
+          </a:p>
+        </p:txBody>
+      </p:sp>
+      <p:sp>
+        <p:nvSpPr>
+          <p:cNvPr id="4" name="Rectangle 3"/>
+          <p:cNvSpPr/>
+          <p:nvPr/>
+        </p:nvSpPr>
+        <p:spPr>
+          <a:xfrm>
+            <a:off x="4734732" y="2533973"/>
+            <a:ext cx="2766448" cy="2541722"/>
+          </a:xfrm>
+          <a:prstGeom prst="rect">
+            <a:avLst/>
+          </a:prstGeom>
+          <a:noFill/>
+        </p:spPr>
+        <p:style>
+          <a:lnRef idx="2">
+            <a:schemeClr val="accent1">
+              <a:shade val="50000"/>
+            </a:schemeClr>
+          </a:lnRef>
+          <a:fillRef idx="1">
+            <a:schemeClr val="accent1"/>
+          </a:fillRef>
+          <a:effectRef idx="0">
+            <a:schemeClr val="accent1"/>
+          </a:effectRef>
+          <a:fontRef idx="minor">
+            <a:schemeClr val="lt1"/>
+          </a:fontRef>
+        </p:style>
+        <p:txBody>
+          <a:bodyPr rtlCol="0" anchor="ctr"/>
+          <a:lstStyle/>
+          <a:p>
+            <a:pPr algn="ctr"/>
+            <a:endParaRPr lang="en-US"/>
           </a:p>
         </p:txBody>
       </p:sp>
     </p:spTree>
     <p:extLst>
       <p:ext uri="{BB962C8B-B14F-4D97-AF65-F5344CB8AC3E}">
-        <p14:creationId xmlns:p14="http://schemas.microsoft.com/office/powerpoint/2010/main" val="4079995640"/>
+        <p14:creationId xmlns:p14="http://schemas.microsoft.com/office/powerpoint/2010/main" val="1740164949"/>
       </p:ext>
     </p:extLst>
   </p:cSld>
@@ -15904,47 +16099,44 @@
             <a:spLocks noGrp="1"/>
           </p:cNvSpPr>
           <p:nvPr>
-            <p:ph type="ctrTitle"/>
-          </p:nvPr>
-        </p:nvSpPr>
-        <p:spPr/>
-        <p:txBody>
-          <a:bodyPr/>
-          <a:lstStyle/>
-          <a:p>
-            <a:r>
-              <a:rPr lang="en-US" dirty="0"/>
-              <a:t>Finding and Fixing Errors</a:t>
-            </a:r>
-          </a:p>
-        </p:txBody>
-      </p:sp>
-      <p:sp>
-        <p:nvSpPr>
-          <p:cNvPr id="3" name="Subtitle 2"/>
-          <p:cNvSpPr>
-            <a:spLocks noGrp="1"/>
-          </p:cNvSpPr>
-          <p:nvPr>
-            <p:ph type="subTitle" idx="1"/>
-          </p:nvPr>
-        </p:nvSpPr>
-        <p:spPr/>
-        <p:txBody>
-          <a:bodyPr/>
-          <a:lstStyle/>
-          <a:p>
-            <a:r>
-              <a:rPr lang="en-US" dirty="0"/>
-              <a:t>[ 2.10 ] [ Today’s Date ] [ Instructor Name ]</a:t>
-            </a:r>
+            <p:ph type="title"/>
+          </p:nvPr>
+        </p:nvSpPr>
+        <p:spPr/>
+        <p:txBody>
+          <a:bodyPr/>
+          <a:lstStyle/>
+          <a:p>
+            <a:r>
+              <a:rPr lang="en-US" dirty="0"/>
+              <a:t>Slide for finished code:</a:t>
+            </a:r>
+          </a:p>
+        </p:txBody>
+      </p:sp>
+      <p:sp>
+        <p:nvSpPr>
+          <p:cNvPr id="3" name="Content Placeholder 2"/>
+          <p:cNvSpPr>
+            <a:spLocks noGrp="1"/>
+          </p:cNvSpPr>
+          <p:nvPr>
+            <p:ph idx="1"/>
+          </p:nvPr>
+        </p:nvSpPr>
+        <p:spPr/>
+        <p:txBody>
+          <a:bodyPr/>
+          <a:lstStyle/>
+          <a:p>
+            <a:endParaRPr lang="en-US"/>
           </a:p>
         </p:txBody>
       </p:sp>
     </p:spTree>
     <p:extLst>
       <p:ext uri="{BB962C8B-B14F-4D97-AF65-F5344CB8AC3E}">
-        <p14:creationId xmlns:p14="http://schemas.microsoft.com/office/powerpoint/2010/main" val="960272638"/>
+        <p14:creationId xmlns:p14="http://schemas.microsoft.com/office/powerpoint/2010/main" val="2612696784"/>
       </p:ext>
     </p:extLst>
   </p:cSld>
@@ -15988,7 +16180,7 @@
           <a:p>
             <a:r>
               <a:rPr lang="en-US" dirty="0"/>
-              <a:t>Today’s plan:</a:t>
+              <a:t>Class Constants</a:t>
             </a:r>
           </a:p>
         </p:txBody>
@@ -16011,12 +16203,6 @@
             <a:pPr marL="0" indent="0">
               <a:buNone/>
             </a:pPr>
-            <a:r>
-              <a:rPr lang="en-US" dirty="0"/>
-              <a:t>Error check and resubmit all chapter 2 assignments</a:t>
-            </a:r>
-          </a:p>
-          <a:p>
             <a:endParaRPr lang="en-US" dirty="0"/>
           </a:p>
           <a:p>
@@ -16024,43 +16210,71 @@
               <a:buNone/>
             </a:pPr>
             <a:r>
-              <a:rPr lang="en-US" dirty="0"/>
-              <a:t>Study for the test by:</a:t>
-            </a:r>
-          </a:p>
-          <a:p>
-            <a:pPr lvl="1"/>
-            <a:r>
-              <a:rPr lang="en-US" dirty="0"/>
-              <a:t>Reviewing all of the blue, self-check pages at the end of Chapter 2</a:t>
-            </a:r>
-          </a:p>
-          <a:p>
-            <a:pPr lvl="1"/>
-            <a:r>
-              <a:rPr lang="en-US" dirty="0"/>
-              <a:t>Re-reading sections as needed to complete the self-check problems</a:t>
-            </a:r>
-          </a:p>
-          <a:p>
-            <a:pPr lvl="1"/>
-            <a:endParaRPr lang="en-US" dirty="0"/>
-          </a:p>
-          <a:p>
-            <a:pPr marL="0" indent="0">
-              <a:buNone/>
-            </a:pPr>
-            <a:r>
-              <a:rPr lang="en-US" dirty="0"/>
-              <a:t>Submit 5 questions for review in class tomorrow</a:t>
-            </a:r>
+              <a:rPr lang="en-US" dirty="0">
+                <a:latin typeface="Courier New" panose="02070309020205020404" pitchFamily="49" charset="0"/>
+                <a:cs typeface="Courier New" panose="02070309020205020404" pitchFamily="49" charset="0"/>
+              </a:rPr>
+              <a:t>public static final </a:t>
+            </a:r>
+            <a:r>
+              <a:rPr lang="en-US" dirty="0" err="1">
+                <a:latin typeface="Courier New" panose="02070309020205020404" pitchFamily="49" charset="0"/>
+                <a:cs typeface="Courier New" panose="02070309020205020404" pitchFamily="49" charset="0"/>
+              </a:rPr>
+              <a:t>int</a:t>
+            </a:r>
+            <a:r>
+              <a:rPr lang="en-US" dirty="0">
+                <a:latin typeface="Courier New" panose="02070309020205020404" pitchFamily="49" charset="0"/>
+                <a:cs typeface="Courier New" panose="02070309020205020404" pitchFamily="49" charset="0"/>
+              </a:rPr>
+              <a:t> NAME = 1;</a:t>
+            </a:r>
+          </a:p>
+          <a:p>
+            <a:pPr marL="0" indent="0">
+              <a:buNone/>
+            </a:pPr>
+            <a:endParaRPr lang="en-US" dirty="0">
+              <a:latin typeface="Courier New" panose="02070309020205020404" pitchFamily="49" charset="0"/>
+              <a:cs typeface="Courier New" panose="02070309020205020404" pitchFamily="49" charset="0"/>
+            </a:endParaRPr>
+          </a:p>
+          <a:p>
+            <a:pPr marL="0" indent="0">
+              <a:buNone/>
+            </a:pPr>
+            <a:r>
+              <a:rPr lang="en-US" dirty="0">
+                <a:latin typeface="Courier New" panose="02070309020205020404" pitchFamily="49" charset="0"/>
+                <a:cs typeface="Courier New" panose="02070309020205020404" pitchFamily="49" charset="0"/>
+              </a:rPr>
+              <a:t>public static void main(String[...</a:t>
+            </a:r>
+          </a:p>
+          <a:p>
+            <a:pPr marL="0" indent="0">
+              <a:buNone/>
+            </a:pPr>
+            <a:endParaRPr lang="en-US" dirty="0">
+              <a:latin typeface="Courier New" panose="02070309020205020404" pitchFamily="49" charset="0"/>
+              <a:cs typeface="Courier New" panose="02070309020205020404" pitchFamily="49" charset="0"/>
+            </a:endParaRPr>
+          </a:p>
+          <a:p>
+            <a:pPr marL="0" indent="0">
+              <a:buNone/>
+            </a:pPr>
+            <a:endParaRPr lang="en-US" dirty="0">
+              <a:cs typeface="Courier New" panose="02070309020205020404" pitchFamily="49" charset="0"/>
+            </a:endParaRPr>
           </a:p>
         </p:txBody>
       </p:sp>
     </p:spTree>
     <p:extLst>
       <p:ext uri="{BB962C8B-B14F-4D97-AF65-F5344CB8AC3E}">
-        <p14:creationId xmlns:p14="http://schemas.microsoft.com/office/powerpoint/2010/main" val="3889261873"/>
+        <p14:creationId xmlns:p14="http://schemas.microsoft.com/office/powerpoint/2010/main" val="985446204"/>
       </p:ext>
     </p:extLst>
   </p:cSld>
@@ -16099,12 +16313,14 @@
         </p:nvSpPr>
         <p:spPr/>
         <p:txBody>
-          <a:bodyPr/>
-          <a:lstStyle/>
-          <a:p>
-            <a:r>
-              <a:rPr lang="en-US" dirty="0"/>
-              <a:t>Homework Regrade/Resubmit</a:t>
+          <a:bodyPr>
+            <a:normAutofit/>
+          </a:bodyPr>
+          <a:lstStyle/>
+          <a:p>
+            <a:r>
+              <a:rPr lang="en-US" dirty="0"/>
+              <a:t>Homework</a:t>
             </a:r>
           </a:p>
         </p:txBody>
@@ -16129,34 +16345,7 @@
             </a:pPr>
             <a:r>
               <a:rPr lang="en-US" dirty="0"/>
-              <a:t>You all have the opportunity to get full credit  on your homework grades by correcting them now, in class</a:t>
-            </a:r>
-          </a:p>
-          <a:p>
-            <a:endParaRPr lang="en-US" dirty="0"/>
-          </a:p>
-          <a:p>
-            <a:pPr marL="0" indent="0">
-              <a:buNone/>
-            </a:pPr>
-            <a:r>
-              <a:rPr lang="en-US" dirty="0"/>
-              <a:t>Use your error checking algorithm, and if you need help just ask!</a:t>
-            </a:r>
-          </a:p>
-          <a:p>
-            <a:pPr marL="0" indent="0">
-              <a:buNone/>
-            </a:pPr>
-            <a:endParaRPr lang="en-US" dirty="0"/>
-          </a:p>
-          <a:p>
-            <a:pPr marL="0" indent="0">
-              <a:buNone/>
-            </a:pPr>
-            <a:r>
-              <a:rPr lang="en-US" dirty="0"/>
-              <a:t>Make sure to check for issues with scope!</a:t>
+              <a:t>Complete practice questions with class constants.</a:t>
             </a:r>
           </a:p>
         </p:txBody>
@@ -16164,7 +16353,7 @@
     </p:spTree>
     <p:extLst>
       <p:ext uri="{BB962C8B-B14F-4D97-AF65-F5344CB8AC3E}">
-        <p14:creationId xmlns:p14="http://schemas.microsoft.com/office/powerpoint/2010/main" val="2135506189"/>
+        <p14:creationId xmlns:p14="http://schemas.microsoft.com/office/powerpoint/2010/main" val="4079995640"/>
       </p:ext>
     </p:extLst>
   </p:cSld>
@@ -16198,74 +16387,47 @@
             <a:spLocks noGrp="1"/>
           </p:cNvSpPr>
           <p:nvPr>
-            <p:ph type="title"/>
-          </p:nvPr>
-        </p:nvSpPr>
-        <p:spPr/>
-        <p:txBody>
-          <a:bodyPr/>
-          <a:lstStyle/>
-          <a:p>
-            <a:r>
-              <a:rPr lang="en-US" dirty="0"/>
-              <a:t>If you finish early:</a:t>
-            </a:r>
-          </a:p>
-        </p:txBody>
-      </p:sp>
-      <p:sp>
-        <p:nvSpPr>
-          <p:cNvPr id="3" name="Content Placeholder 2"/>
-          <p:cNvSpPr>
-            <a:spLocks noGrp="1"/>
-          </p:cNvSpPr>
-          <p:nvPr>
-            <p:ph idx="1"/>
-          </p:nvPr>
-        </p:nvSpPr>
-        <p:spPr/>
-        <p:txBody>
-          <a:bodyPr/>
-          <a:lstStyle/>
-          <a:p>
-            <a:pPr marL="0" indent="0">
-              <a:buNone/>
-            </a:pPr>
-            <a:r>
-              <a:rPr lang="en-US" dirty="0"/>
-              <a:t>Some useful review includes working on :</a:t>
-            </a:r>
-          </a:p>
-          <a:p>
-            <a:pPr marL="0" indent="0">
-              <a:buNone/>
-            </a:pPr>
-            <a:endParaRPr lang="en-US" dirty="0"/>
-          </a:p>
-          <a:p>
-            <a:r>
-              <a:rPr lang="en-US" dirty="0"/>
-              <a:t>Programming Project 2</a:t>
-            </a:r>
-          </a:p>
-          <a:p>
-            <a:r>
-              <a:rPr lang="en-US" dirty="0"/>
-              <a:t>Programming Project 3</a:t>
-            </a:r>
-          </a:p>
-          <a:p>
-            <a:endParaRPr lang="en-US" dirty="0"/>
-          </a:p>
-          <a:p>
-            <a:endParaRPr lang="en-US" dirty="0"/>
+            <p:ph type="ctrTitle"/>
+          </p:nvPr>
+        </p:nvSpPr>
+        <p:spPr/>
+        <p:txBody>
+          <a:bodyPr/>
+          <a:lstStyle/>
+          <a:p>
+            <a:r>
+              <a:rPr lang="en-US" dirty="0"/>
+              <a:t>Finding and Fixing Errors</a:t>
+            </a:r>
+          </a:p>
+        </p:txBody>
+      </p:sp>
+      <p:sp>
+        <p:nvSpPr>
+          <p:cNvPr id="3" name="Subtitle 2"/>
+          <p:cNvSpPr>
+            <a:spLocks noGrp="1"/>
+          </p:cNvSpPr>
+          <p:nvPr>
+            <p:ph type="subTitle" idx="1"/>
+          </p:nvPr>
+        </p:nvSpPr>
+        <p:spPr/>
+        <p:txBody>
+          <a:bodyPr/>
+          <a:lstStyle/>
+          <a:p>
+            <a:r>
+              <a:rPr lang="en-US" dirty="0"/>
+              <a:t>[ 2.10 ] [ Today’s Date ] [ Instructor Name ]</a:t>
+            </a:r>
           </a:p>
         </p:txBody>
       </p:sp>
     </p:spTree>
     <p:extLst>
       <p:ext uri="{BB962C8B-B14F-4D97-AF65-F5344CB8AC3E}">
-        <p14:creationId xmlns:p14="http://schemas.microsoft.com/office/powerpoint/2010/main" val="196217508"/>
+        <p14:creationId xmlns:p14="http://schemas.microsoft.com/office/powerpoint/2010/main" val="960272638"/>
       </p:ext>
     </p:extLst>
   </p:cSld>
@@ -16309,7 +16471,7 @@
           <a:p>
             <a:r>
               <a:rPr lang="en-US" dirty="0"/>
-              <a:t>Homework</a:t>
+              <a:t>Today’s plan:</a:t>
             </a:r>
           </a:p>
         </p:txBody>
@@ -16329,18 +16491,51 @@
           <a:bodyPr/>
           <a:lstStyle/>
           <a:p>
-            <a:r>
-              <a:rPr lang="en-US" dirty="0"/>
-              <a:t>Begin reviewing chapter two for the Unit Test</a:t>
+            <a:pPr marL="0" indent="0">
+              <a:buNone/>
+            </a:pPr>
+            <a:r>
+              <a:rPr lang="en-US" dirty="0"/>
+              <a:t>Error check and resubmit all chapter 2 assignments</a:t>
             </a:r>
           </a:p>
           <a:p>
             <a:endParaRPr lang="en-US" dirty="0"/>
           </a:p>
           <a:p>
-            <a:r>
-              <a:rPr lang="en-US" dirty="0"/>
-              <a:t>Submit 5 questions you have for review tomorrow</a:t>
+            <a:pPr marL="0" indent="0">
+              <a:buNone/>
+            </a:pPr>
+            <a:r>
+              <a:rPr lang="en-US" dirty="0"/>
+              <a:t>Study for the test by:</a:t>
+            </a:r>
+          </a:p>
+          <a:p>
+            <a:pPr lvl="1"/>
+            <a:r>
+              <a:rPr lang="en-US" dirty="0"/>
+              <a:t>Reviewing all of the blue, self-check pages at the end of Chapter 2</a:t>
+            </a:r>
+          </a:p>
+          <a:p>
+            <a:pPr lvl="1"/>
+            <a:r>
+              <a:rPr lang="en-US" dirty="0"/>
+              <a:t>Re-reading sections as needed to complete the self-check problems</a:t>
+            </a:r>
+          </a:p>
+          <a:p>
+            <a:pPr lvl="1"/>
+            <a:endParaRPr lang="en-US" dirty="0"/>
+          </a:p>
+          <a:p>
+            <a:pPr marL="0" indent="0">
+              <a:buNone/>
+            </a:pPr>
+            <a:r>
+              <a:rPr lang="en-US" dirty="0"/>
+              <a:t>Submit 5 questions for review in class tomorrow</a:t>
             </a:r>
           </a:p>
         </p:txBody>
@@ -16348,7 +16543,7 @@
     </p:spTree>
     <p:extLst>
       <p:ext uri="{BB962C8B-B14F-4D97-AF65-F5344CB8AC3E}">
-        <p14:creationId xmlns:p14="http://schemas.microsoft.com/office/powerpoint/2010/main" val="4040128174"/>
+        <p14:creationId xmlns:p14="http://schemas.microsoft.com/office/powerpoint/2010/main" val="3889261873"/>
       </p:ext>
     </p:extLst>
   </p:cSld>
@@ -16382,39 +16577,69 @@
             <a:spLocks noGrp="1"/>
           </p:cNvSpPr>
           <p:nvPr>
-            <p:ph type="ctrTitle"/>
-          </p:nvPr>
-        </p:nvSpPr>
-        <p:spPr/>
-        <p:txBody>
-          <a:bodyPr/>
-          <a:lstStyle/>
-          <a:p>
-            <a:r>
-              <a:rPr lang="en-US" dirty="0"/>
-              <a:t>Review</a:t>
-            </a:r>
-          </a:p>
-        </p:txBody>
-      </p:sp>
-      <p:sp>
-        <p:nvSpPr>
-          <p:cNvPr id="3" name="Subtitle 2"/>
-          <p:cNvSpPr>
-            <a:spLocks noGrp="1"/>
-          </p:cNvSpPr>
-          <p:nvPr>
-            <p:ph type="subTitle" idx="1"/>
-          </p:nvPr>
-        </p:nvSpPr>
-        <p:spPr/>
-        <p:txBody>
-          <a:bodyPr/>
-          <a:lstStyle/>
-          <a:p>
-            <a:r>
-              <a:rPr lang="en-US" dirty="0"/>
-              <a:t>[ 2.11 ] [ Today’s Date ] [ Instructor Name ]</a:t>
+            <p:ph type="title"/>
+          </p:nvPr>
+        </p:nvSpPr>
+        <p:spPr/>
+        <p:txBody>
+          <a:bodyPr/>
+          <a:lstStyle/>
+          <a:p>
+            <a:r>
+              <a:rPr lang="en-US" dirty="0"/>
+              <a:t>Homework Regrade/Resubmit</a:t>
+            </a:r>
+          </a:p>
+        </p:txBody>
+      </p:sp>
+      <p:sp>
+        <p:nvSpPr>
+          <p:cNvPr id="3" name="Content Placeholder 2"/>
+          <p:cNvSpPr>
+            <a:spLocks noGrp="1"/>
+          </p:cNvSpPr>
+          <p:nvPr>
+            <p:ph idx="1"/>
+          </p:nvPr>
+        </p:nvSpPr>
+        <p:spPr/>
+        <p:txBody>
+          <a:bodyPr/>
+          <a:lstStyle/>
+          <a:p>
+            <a:pPr marL="0" indent="0">
+              <a:buNone/>
+            </a:pPr>
+            <a:r>
+              <a:rPr lang="en-US" dirty="0"/>
+              <a:t>You all have the opportunity to get full credit  on your homework grades by correcting them now, in class</a:t>
+            </a:r>
+          </a:p>
+          <a:p>
+            <a:endParaRPr lang="en-US" dirty="0"/>
+          </a:p>
+          <a:p>
+            <a:pPr marL="0" indent="0">
+              <a:buNone/>
+            </a:pPr>
+            <a:r>
+              <a:rPr lang="en-US" dirty="0"/>
+              <a:t>Use your error checking algorithm, and if you need help just ask!</a:t>
+            </a:r>
+          </a:p>
+          <a:p>
+            <a:pPr marL="0" indent="0">
+              <a:buNone/>
+            </a:pPr>
+            <a:endParaRPr lang="en-US" dirty="0"/>
+          </a:p>
+          <a:p>
+            <a:pPr marL="0" indent="0">
+              <a:buNone/>
+            </a:pPr>
+            <a:r>
+              <a:rPr lang="en-US" dirty="0"/>
+              <a:t>Make sure to check for issues with scope!</a:t>
             </a:r>
           </a:p>
         </p:txBody>
@@ -16422,7 +16647,7 @@
     </p:spTree>
     <p:extLst>
       <p:ext uri="{BB962C8B-B14F-4D97-AF65-F5344CB8AC3E}">
-        <p14:creationId xmlns:p14="http://schemas.microsoft.com/office/powerpoint/2010/main" val="3882292036"/>
+        <p14:creationId xmlns:p14="http://schemas.microsoft.com/office/powerpoint/2010/main" val="2135506189"/>
       </p:ext>
     </p:extLst>
   </p:cSld>
@@ -16451,37 +16676,79 @@
       </p:grpSpPr>
       <p:sp>
         <p:nvSpPr>
-          <p:cNvPr id="4" name="Title 3"/>
-          <p:cNvSpPr>
-            <a:spLocks noGrp="1"/>
-          </p:cNvSpPr>
-          <p:nvPr>
-            <p:ph type="ctrTitle"/>
-          </p:nvPr>
-        </p:nvSpPr>
-        <p:spPr>
-          <a:xfrm>
-            <a:off x="1524000" y="1374151"/>
-            <a:ext cx="9144000" cy="2387600"/>
-          </a:xfrm>
-        </p:spPr>
-        <p:txBody>
-          <a:bodyPr>
-            <a:normAutofit/>
-          </a:bodyPr>
-          <a:lstStyle/>
-          <a:p>
-            <a:r>
-              <a:rPr lang="en-US" sz="5000" dirty="0"/>
-              <a:t>What’s on the test?</a:t>
-            </a:r>
+          <p:cNvPr id="2" name="Title 1"/>
+          <p:cNvSpPr>
+            <a:spLocks noGrp="1"/>
+          </p:cNvSpPr>
+          <p:nvPr>
+            <p:ph type="title"/>
+          </p:nvPr>
+        </p:nvSpPr>
+        <p:spPr/>
+        <p:txBody>
+          <a:bodyPr/>
+          <a:lstStyle/>
+          <a:p>
+            <a:r>
+              <a:rPr lang="en-US" dirty="0"/>
+              <a:t>If you finish early:</a:t>
+            </a:r>
+          </a:p>
+        </p:txBody>
+      </p:sp>
+      <p:sp>
+        <p:nvSpPr>
+          <p:cNvPr id="3" name="Content Placeholder 2"/>
+          <p:cNvSpPr>
+            <a:spLocks noGrp="1"/>
+          </p:cNvSpPr>
+          <p:nvPr>
+            <p:ph idx="1"/>
+          </p:nvPr>
+        </p:nvSpPr>
+        <p:spPr/>
+        <p:txBody>
+          <a:bodyPr/>
+          <a:lstStyle/>
+          <a:p>
+            <a:pPr marL="0" indent="0">
+              <a:buNone/>
+            </a:pPr>
+            <a:r>
+              <a:rPr lang="en-US" dirty="0"/>
+              <a:t>Some useful review includes working on :</a:t>
+            </a:r>
+          </a:p>
+          <a:p>
+            <a:pPr marL="0" indent="0">
+              <a:buNone/>
+            </a:pPr>
+            <a:endParaRPr lang="en-US" dirty="0"/>
+          </a:p>
+          <a:p>
+            <a:r>
+              <a:rPr lang="en-US" dirty="0"/>
+              <a:t>Programming Project 2</a:t>
+            </a:r>
+          </a:p>
+          <a:p>
+            <a:r>
+              <a:rPr lang="en-US" dirty="0"/>
+              <a:t>Programming Project 3</a:t>
+            </a:r>
+          </a:p>
+          <a:p>
+            <a:endParaRPr lang="en-US" dirty="0"/>
+          </a:p>
+          <a:p>
+            <a:endParaRPr lang="en-US" dirty="0"/>
           </a:p>
         </p:txBody>
       </p:sp>
     </p:spTree>
     <p:extLst>
       <p:ext uri="{BB962C8B-B14F-4D97-AF65-F5344CB8AC3E}">
-        <p14:creationId xmlns:p14="http://schemas.microsoft.com/office/powerpoint/2010/main" val="2658648405"/>
+        <p14:creationId xmlns:p14="http://schemas.microsoft.com/office/powerpoint/2010/main" val="196217508"/>
       </p:ext>
     </p:extLst>
   </p:cSld>
@@ -16525,7 +16792,7 @@
           <a:p>
             <a:r>
               <a:rPr lang="en-US" dirty="0"/>
-              <a:t>Review Questions</a:t>
+              <a:t>Homework</a:t>
             </a:r>
           </a:p>
         </p:txBody>
@@ -16547,7 +16814,7 @@
           <a:p>
             <a:r>
               <a:rPr lang="en-US" dirty="0"/>
-              <a:t>Use submitted review questions to review for the test</a:t>
+              <a:t>Begin reviewing chapter two for the Unit Test</a:t>
             </a:r>
           </a:p>
           <a:p>
@@ -16556,16 +16823,7 @@
           <a:p>
             <a:r>
               <a:rPr lang="en-US" dirty="0"/>
-              <a:t>Assemble the questions into categories to go over</a:t>
-            </a:r>
-          </a:p>
-          <a:p>
-            <a:endParaRPr lang="en-US" dirty="0"/>
-          </a:p>
-          <a:p>
-            <a:r>
-              <a:rPr lang="en-US" dirty="0"/>
-              <a:t>Answer individual questions, or make slides for topics you think students need to go over</a:t>
+              <a:t>Submit 5 questions you have for review tomorrow</a:t>
             </a:r>
           </a:p>
         </p:txBody>
@@ -16573,7 +16831,7 @@
     </p:spTree>
     <p:extLst>
       <p:ext uri="{BB962C8B-B14F-4D97-AF65-F5344CB8AC3E}">
-        <p14:creationId xmlns:p14="http://schemas.microsoft.com/office/powerpoint/2010/main" val="2220848634"/>
+        <p14:creationId xmlns:p14="http://schemas.microsoft.com/office/powerpoint/2010/main" val="4040128174"/>
       </p:ext>
     </p:extLst>
   </p:cSld>
@@ -16607,57 +16865,39 @@
             <a:spLocks noGrp="1"/>
           </p:cNvSpPr>
           <p:nvPr>
-            <p:ph type="title"/>
-          </p:nvPr>
-        </p:nvSpPr>
-        <p:spPr/>
-        <p:txBody>
-          <a:bodyPr/>
-          <a:lstStyle/>
-          <a:p>
-            <a:r>
-              <a:rPr lang="en-US" dirty="0"/>
-              <a:t>Review Topics</a:t>
-            </a:r>
-          </a:p>
-        </p:txBody>
-      </p:sp>
-      <p:sp>
-        <p:nvSpPr>
-          <p:cNvPr id="3" name="Content Placeholder 2"/>
-          <p:cNvSpPr>
-            <a:spLocks noGrp="1"/>
-          </p:cNvSpPr>
-          <p:nvPr>
-            <p:ph idx="1"/>
-          </p:nvPr>
-        </p:nvSpPr>
-        <p:spPr/>
-        <p:txBody>
-          <a:bodyPr/>
-          <a:lstStyle/>
-          <a:p>
-            <a:pPr marL="0" indent="0">
-              <a:buNone/>
-            </a:pPr>
-            <a:r>
-              <a:rPr lang="en-US" dirty="0"/>
-              <a:t>Make a list of review topics that you feel you need to go over for the test tomorrow</a:t>
-            </a:r>
-          </a:p>
-          <a:p>
-            <a:pPr marL="0" indent="0">
-              <a:buNone/>
-            </a:pPr>
-            <a:endParaRPr lang="en-US" dirty="0"/>
-          </a:p>
-          <a:p>
-            <a:pPr marL="0" indent="0">
-              <a:buNone/>
-            </a:pPr>
-            <a:r>
-              <a:rPr lang="en-US" dirty="0"/>
-              <a:t>For each topic, follow up by reviewing the textbook and self-check problems</a:t>
+            <p:ph type="ctrTitle"/>
+          </p:nvPr>
+        </p:nvSpPr>
+        <p:spPr/>
+        <p:txBody>
+          <a:bodyPr/>
+          <a:lstStyle/>
+          <a:p>
+            <a:r>
+              <a:rPr lang="en-US" dirty="0"/>
+              <a:t>Review</a:t>
+            </a:r>
+          </a:p>
+        </p:txBody>
+      </p:sp>
+      <p:sp>
+        <p:nvSpPr>
+          <p:cNvPr id="3" name="Subtitle 2"/>
+          <p:cNvSpPr>
+            <a:spLocks noGrp="1"/>
+          </p:cNvSpPr>
+          <p:nvPr>
+            <p:ph type="subTitle" idx="1"/>
+          </p:nvPr>
+        </p:nvSpPr>
+        <p:spPr/>
+        <p:txBody>
+          <a:bodyPr/>
+          <a:lstStyle/>
+          <a:p>
+            <a:r>
+              <a:rPr lang="en-US" dirty="0"/>
+              <a:t>[ 2.11 ] [ Today’s Date ] [ Instructor Name ]</a:t>
             </a:r>
           </a:p>
         </p:txBody>
@@ -16665,7 +16905,7 @@
     </p:spTree>
     <p:extLst>
       <p:ext uri="{BB962C8B-B14F-4D97-AF65-F5344CB8AC3E}">
-        <p14:creationId xmlns:p14="http://schemas.microsoft.com/office/powerpoint/2010/main" val="5537454"/>
+        <p14:creationId xmlns:p14="http://schemas.microsoft.com/office/powerpoint/2010/main" val="3882292036"/>
       </p:ext>
     </p:extLst>
   </p:cSld>
@@ -16951,6 +17191,249 @@
 </file>
 
 <file path=ppt/slides/slide80.xml><?xml version="1.0" encoding="utf-8"?>
+<p:sld xmlns:a="http://schemas.openxmlformats.org/drawingml/2006/main" xmlns:r="http://schemas.openxmlformats.org/officeDocument/2006/relationships" xmlns:p="http://schemas.openxmlformats.org/presentationml/2006/main">
+  <p:cSld>
+    <p:spTree>
+      <p:nvGrpSpPr>
+        <p:cNvPr id="1" name=""/>
+        <p:cNvGrpSpPr/>
+        <p:nvPr/>
+      </p:nvGrpSpPr>
+      <p:grpSpPr>
+        <a:xfrm>
+          <a:off x="0" y="0"/>
+          <a:ext cx="0" cy="0"/>
+          <a:chOff x="0" y="0"/>
+          <a:chExt cx="0" cy="0"/>
+        </a:xfrm>
+      </p:grpSpPr>
+      <p:sp>
+        <p:nvSpPr>
+          <p:cNvPr id="4" name="Title 3"/>
+          <p:cNvSpPr>
+            <a:spLocks noGrp="1"/>
+          </p:cNvSpPr>
+          <p:nvPr>
+            <p:ph type="ctrTitle"/>
+          </p:nvPr>
+        </p:nvSpPr>
+        <p:spPr>
+          <a:xfrm>
+            <a:off x="1524000" y="1374151"/>
+            <a:ext cx="9144000" cy="2387600"/>
+          </a:xfrm>
+        </p:spPr>
+        <p:txBody>
+          <a:bodyPr>
+            <a:normAutofit/>
+          </a:bodyPr>
+          <a:lstStyle/>
+          <a:p>
+            <a:r>
+              <a:rPr lang="en-US" sz="5000" dirty="0"/>
+              <a:t>What’s on the test?</a:t>
+            </a:r>
+          </a:p>
+        </p:txBody>
+      </p:sp>
+    </p:spTree>
+    <p:extLst>
+      <p:ext uri="{BB962C8B-B14F-4D97-AF65-F5344CB8AC3E}">
+        <p14:creationId xmlns:p14="http://schemas.microsoft.com/office/powerpoint/2010/main" val="2658648405"/>
+      </p:ext>
+    </p:extLst>
+  </p:cSld>
+  <p:clrMapOvr>
+    <a:masterClrMapping/>
+  </p:clrMapOvr>
+</p:sld>
+</file>
+
+<file path=ppt/slides/slide81.xml><?xml version="1.0" encoding="utf-8"?>
+<p:sld xmlns:a="http://schemas.openxmlformats.org/drawingml/2006/main" xmlns:r="http://schemas.openxmlformats.org/officeDocument/2006/relationships" xmlns:p="http://schemas.openxmlformats.org/presentationml/2006/main">
+  <p:cSld>
+    <p:spTree>
+      <p:nvGrpSpPr>
+        <p:cNvPr id="1" name=""/>
+        <p:cNvGrpSpPr/>
+        <p:nvPr/>
+      </p:nvGrpSpPr>
+      <p:grpSpPr>
+        <a:xfrm>
+          <a:off x="0" y="0"/>
+          <a:ext cx="0" cy="0"/>
+          <a:chOff x="0" y="0"/>
+          <a:chExt cx="0" cy="0"/>
+        </a:xfrm>
+      </p:grpSpPr>
+      <p:sp>
+        <p:nvSpPr>
+          <p:cNvPr id="2" name="Title 1"/>
+          <p:cNvSpPr>
+            <a:spLocks noGrp="1"/>
+          </p:cNvSpPr>
+          <p:nvPr>
+            <p:ph type="title"/>
+          </p:nvPr>
+        </p:nvSpPr>
+        <p:spPr/>
+        <p:txBody>
+          <a:bodyPr/>
+          <a:lstStyle/>
+          <a:p>
+            <a:r>
+              <a:rPr lang="en-US" dirty="0"/>
+              <a:t>Review Questions</a:t>
+            </a:r>
+          </a:p>
+        </p:txBody>
+      </p:sp>
+      <p:sp>
+        <p:nvSpPr>
+          <p:cNvPr id="3" name="Content Placeholder 2"/>
+          <p:cNvSpPr>
+            <a:spLocks noGrp="1"/>
+          </p:cNvSpPr>
+          <p:nvPr>
+            <p:ph idx="1"/>
+          </p:nvPr>
+        </p:nvSpPr>
+        <p:spPr/>
+        <p:txBody>
+          <a:bodyPr/>
+          <a:lstStyle/>
+          <a:p>
+            <a:r>
+              <a:rPr lang="en-US" dirty="0"/>
+              <a:t>Use submitted review questions to review for the test</a:t>
+            </a:r>
+          </a:p>
+          <a:p>
+            <a:endParaRPr lang="en-US" dirty="0"/>
+          </a:p>
+          <a:p>
+            <a:r>
+              <a:rPr lang="en-US" dirty="0"/>
+              <a:t>Assemble the questions into categories to go over</a:t>
+            </a:r>
+          </a:p>
+          <a:p>
+            <a:endParaRPr lang="en-US" dirty="0"/>
+          </a:p>
+          <a:p>
+            <a:r>
+              <a:rPr lang="en-US" dirty="0"/>
+              <a:t>Answer individual questions, or make slides for topics you think students need to go over</a:t>
+            </a:r>
+          </a:p>
+        </p:txBody>
+      </p:sp>
+    </p:spTree>
+    <p:extLst>
+      <p:ext uri="{BB962C8B-B14F-4D97-AF65-F5344CB8AC3E}">
+        <p14:creationId xmlns:p14="http://schemas.microsoft.com/office/powerpoint/2010/main" val="2220848634"/>
+      </p:ext>
+    </p:extLst>
+  </p:cSld>
+  <p:clrMapOvr>
+    <a:masterClrMapping/>
+  </p:clrMapOvr>
+</p:sld>
+</file>
+
+<file path=ppt/slides/slide82.xml><?xml version="1.0" encoding="utf-8"?>
+<p:sld xmlns:a="http://schemas.openxmlformats.org/drawingml/2006/main" xmlns:r="http://schemas.openxmlformats.org/officeDocument/2006/relationships" xmlns:p="http://schemas.openxmlformats.org/presentationml/2006/main">
+  <p:cSld>
+    <p:spTree>
+      <p:nvGrpSpPr>
+        <p:cNvPr id="1" name=""/>
+        <p:cNvGrpSpPr/>
+        <p:nvPr/>
+      </p:nvGrpSpPr>
+      <p:grpSpPr>
+        <a:xfrm>
+          <a:off x="0" y="0"/>
+          <a:ext cx="0" cy="0"/>
+          <a:chOff x="0" y="0"/>
+          <a:chExt cx="0" cy="0"/>
+        </a:xfrm>
+      </p:grpSpPr>
+      <p:sp>
+        <p:nvSpPr>
+          <p:cNvPr id="2" name="Title 1"/>
+          <p:cNvSpPr>
+            <a:spLocks noGrp="1"/>
+          </p:cNvSpPr>
+          <p:nvPr>
+            <p:ph type="title"/>
+          </p:nvPr>
+        </p:nvSpPr>
+        <p:spPr/>
+        <p:txBody>
+          <a:bodyPr/>
+          <a:lstStyle/>
+          <a:p>
+            <a:r>
+              <a:rPr lang="en-US" dirty="0"/>
+              <a:t>Review Topics</a:t>
+            </a:r>
+          </a:p>
+        </p:txBody>
+      </p:sp>
+      <p:sp>
+        <p:nvSpPr>
+          <p:cNvPr id="3" name="Content Placeholder 2"/>
+          <p:cNvSpPr>
+            <a:spLocks noGrp="1"/>
+          </p:cNvSpPr>
+          <p:nvPr>
+            <p:ph idx="1"/>
+          </p:nvPr>
+        </p:nvSpPr>
+        <p:spPr/>
+        <p:txBody>
+          <a:bodyPr/>
+          <a:lstStyle/>
+          <a:p>
+            <a:pPr marL="0" indent="0">
+              <a:buNone/>
+            </a:pPr>
+            <a:r>
+              <a:rPr lang="en-US" dirty="0"/>
+              <a:t>Make a list of review topics that you feel you need to go over for the test tomorrow</a:t>
+            </a:r>
+          </a:p>
+          <a:p>
+            <a:pPr marL="0" indent="0">
+              <a:buNone/>
+            </a:pPr>
+            <a:endParaRPr lang="en-US" dirty="0"/>
+          </a:p>
+          <a:p>
+            <a:pPr marL="0" indent="0">
+              <a:buNone/>
+            </a:pPr>
+            <a:r>
+              <a:rPr lang="en-US" dirty="0"/>
+              <a:t>For each topic, follow up by reviewing the textbook, self-check problems, and the appropriate Practice-It problems</a:t>
+            </a:r>
+          </a:p>
+        </p:txBody>
+      </p:sp>
+    </p:spTree>
+    <p:extLst>
+      <p:ext uri="{BB962C8B-B14F-4D97-AF65-F5344CB8AC3E}">
+        <p14:creationId xmlns:p14="http://schemas.microsoft.com/office/powerpoint/2010/main" val="5537454"/>
+      </p:ext>
+    </p:extLst>
+  </p:cSld>
+  <p:clrMapOvr>
+    <a:masterClrMapping/>
+  </p:clrMapOvr>
+</p:sld>
+</file>
+
+<file path=ppt/slides/slide83.xml><?xml version="1.0" encoding="utf-8"?>
 <p:sld xmlns:a="http://schemas.openxmlformats.org/drawingml/2006/main" xmlns:r="http://schemas.openxmlformats.org/officeDocument/2006/relationships" xmlns:p="http://schemas.openxmlformats.org/presentationml/2006/main">
   <p:cSld>
     <p:spTree>
@@ -17718,27 +18201,28 @@
 </file>
 
 <file path=customXml/item1.xml><?xml version="1.0" encoding="utf-8"?>
-<?mso-contentType ?>
-<FormTemplates xmlns="http://schemas.microsoft.com/sharepoint/v3/contenttype/forms">
-  <Display>DocumentLibraryForm</Display>
-  <Edit>DocumentLibraryForm</Edit>
-  <New>DocumentLibraryForm</New>
-</FormTemplates>
-</file>
-
-<file path=customXml/item2.xml><?xml version="1.0" encoding="utf-8"?>
-<ct:contentTypeSchema xmlns:ct="http://schemas.microsoft.com/office/2006/metadata/contentType" xmlns:ma="http://schemas.microsoft.com/office/2006/metadata/properties/metaAttributes" ct:_="" ma:_="" ma:contentTypeName="Document" ma:contentTypeID="0x010100BABADD3A0624AA4E97287821B8F4D7D6" ma:contentTypeVersion="3" ma:contentTypeDescription="Create a new document." ma:contentTypeScope="" ma:versionID="d1f55a70bd1930e0ae5c5588ea58d234">
-  <xsd:schema xmlns:xsd="http://www.w3.org/2001/XMLSchema" xmlns:xs="http://www.w3.org/2001/XMLSchema" xmlns:p="http://schemas.microsoft.com/office/2006/metadata/properties" xmlns:ns2="5edd459b-714d-42ed-b78f-512da7d1c14e" targetNamespace="http://schemas.microsoft.com/office/2006/metadata/properties" ma:root="true" ma:fieldsID="5a6a6e2895642296b7d1775ae73bc200" ns2:_="">
-    <xsd:import namespace="5edd459b-714d-42ed-b78f-512da7d1c14e"/>
+<ct:contentTypeSchema xmlns:ct="http://schemas.microsoft.com/office/2006/metadata/contentType" xmlns:ma="http://schemas.microsoft.com/office/2006/metadata/properties/metaAttributes" ct:_="" ma:_="" ma:contentTypeName="Document" ma:contentTypeID="0x01010011E83E049C87AC4AB56F27089B4ACA55" ma:contentTypeVersion="12" ma:contentTypeDescription="Create a new document." ma:contentTypeScope="" ma:versionID="1178fe99ddca204d3fc8224f4ed0acf8">
+  <xsd:schema xmlns:xsd="http://www.w3.org/2001/XMLSchema" xmlns:xs="http://www.w3.org/2001/XMLSchema" xmlns:p="http://schemas.microsoft.com/office/2006/metadata/properties" xmlns:ns2="be898649-fe57-4b08-9fd4-31fc752880e3" xmlns:ns3="6f430b7c-f2e9-4385-9cb2-4dd06cc2317e" targetNamespace="http://schemas.microsoft.com/office/2006/metadata/properties" ma:root="true" ma:fieldsID="05a700af6660b82c6e85ae510b7169e9" ns2:_="" ns3:_="">
+    <xsd:import namespace="be898649-fe57-4b08-9fd4-31fc752880e3"/>
+    <xsd:import namespace="6f430b7c-f2e9-4385-9cb2-4dd06cc2317e"/>
     <xsd:element name="properties">
       <xsd:complexType>
         <xsd:sequence>
           <xsd:element name="documentManagement">
             <xsd:complexType>
               <xsd:all>
-                <xsd:element ref="ns2:SharedWithUsers" minOccurs="0"/>
-                <xsd:element ref="ns2:SharedWithDetails" minOccurs="0"/>
-                <xsd:element ref="ns2:SharingHintHash" minOccurs="0"/>
+                <xsd:element ref="ns2:MediaServiceMetadata" minOccurs="0"/>
+                <xsd:element ref="ns2:MediaServiceFastMetadata" minOccurs="0"/>
+                <xsd:element ref="ns2:MediaServiceAutoTags" minOccurs="0"/>
+                <xsd:element ref="ns2:MediaServiceDateTaken" minOccurs="0"/>
+                <xsd:element ref="ns3:SharedWithUsers" minOccurs="0"/>
+                <xsd:element ref="ns3:SharedWithDetails" minOccurs="0"/>
+                <xsd:element ref="ns2:MediaServiceLocation" minOccurs="0"/>
+                <xsd:element ref="ns2:MediaServiceOCR" minOccurs="0"/>
+                <xsd:element ref="ns2:MediaServiceEventHashCode" minOccurs="0"/>
+                <xsd:element ref="ns2:MediaServiceGenerationTime" minOccurs="0"/>
+                <xsd:element ref="ns2:MediaServiceAutoKeyPoints" minOccurs="0"/>
+                <xsd:element ref="ns2:MediaServiceKeyPoints" minOccurs="0"/>
               </xsd:all>
             </xsd:complexType>
           </xsd:element>
@@ -17746,10 +18230,68 @@
       </xsd:complexType>
     </xsd:element>
   </xsd:schema>
-  <xsd:schema xmlns:xsd="http://www.w3.org/2001/XMLSchema" xmlns:xs="http://www.w3.org/2001/XMLSchema" xmlns:dms="http://schemas.microsoft.com/office/2006/documentManagement/types" xmlns:pc="http://schemas.microsoft.com/office/infopath/2007/PartnerControls" targetNamespace="5edd459b-714d-42ed-b78f-512da7d1c14e" elementFormDefault="qualified">
+  <xsd:schema xmlns:xsd="http://www.w3.org/2001/XMLSchema" xmlns:xs="http://www.w3.org/2001/XMLSchema" xmlns:dms="http://schemas.microsoft.com/office/2006/documentManagement/types" xmlns:pc="http://schemas.microsoft.com/office/infopath/2007/PartnerControls" targetNamespace="be898649-fe57-4b08-9fd4-31fc752880e3" elementFormDefault="qualified">
     <xsd:import namespace="http://schemas.microsoft.com/office/2006/documentManagement/types"/>
     <xsd:import namespace="http://schemas.microsoft.com/office/infopath/2007/PartnerControls"/>
-    <xsd:element name="SharedWithUsers" ma:index="8" nillable="true" ma:displayName="Shared With" ma:internalName="SharedWithUsers" ma:readOnly="true">
+    <xsd:element name="MediaServiceMetadata" ma:index="8" nillable="true" ma:displayName="MediaServiceMetadata" ma:description="" ma:hidden="true" ma:internalName="MediaServiceMetadata" ma:readOnly="true">
+      <xsd:simpleType>
+        <xsd:restriction base="dms:Note"/>
+      </xsd:simpleType>
+    </xsd:element>
+    <xsd:element name="MediaServiceFastMetadata" ma:index="9" nillable="true" ma:displayName="MediaServiceFastMetadata" ma:description="" ma:hidden="true" ma:internalName="MediaServiceFastMetadata" ma:readOnly="true">
+      <xsd:simpleType>
+        <xsd:restriction base="dms:Note"/>
+      </xsd:simpleType>
+    </xsd:element>
+    <xsd:element name="MediaServiceAutoTags" ma:index="10" nillable="true" ma:displayName="MediaServiceAutoTags" ma:description="" ma:internalName="MediaServiceAutoTags" ma:readOnly="true">
+      <xsd:simpleType>
+        <xsd:restriction base="dms:Text"/>
+      </xsd:simpleType>
+    </xsd:element>
+    <xsd:element name="MediaServiceDateTaken" ma:index="11" nillable="true" ma:displayName="MediaServiceDateTaken" ma:description="" ma:hidden="true" ma:internalName="MediaServiceDateTaken" ma:readOnly="true">
+      <xsd:simpleType>
+        <xsd:restriction base="dms:Text"/>
+      </xsd:simpleType>
+    </xsd:element>
+    <xsd:element name="MediaServiceLocation" ma:index="14" nillable="true" ma:displayName="MediaServiceLocation" ma:internalName="MediaServiceLocation" ma:readOnly="true">
+      <xsd:simpleType>
+        <xsd:restriction base="dms:Text"/>
+      </xsd:simpleType>
+    </xsd:element>
+    <xsd:element name="MediaServiceOCR" ma:index="15" nillable="true" ma:displayName="MediaServiceOCR" ma:internalName="MediaServiceOCR" ma:readOnly="true">
+      <xsd:simpleType>
+        <xsd:restriction base="dms:Note">
+          <xsd:maxLength value="255"/>
+        </xsd:restriction>
+      </xsd:simpleType>
+    </xsd:element>
+    <xsd:element name="MediaServiceEventHashCode" ma:index="16" nillable="true" ma:displayName="MediaServiceEventHashCode" ma:hidden="true" ma:internalName="MediaServiceEventHashCode" ma:readOnly="true">
+      <xsd:simpleType>
+        <xsd:restriction base="dms:Text"/>
+      </xsd:simpleType>
+    </xsd:element>
+    <xsd:element name="MediaServiceGenerationTime" ma:index="17" nillable="true" ma:displayName="MediaServiceGenerationTime" ma:hidden="true" ma:internalName="MediaServiceGenerationTime" ma:readOnly="true">
+      <xsd:simpleType>
+        <xsd:restriction base="dms:Text"/>
+      </xsd:simpleType>
+    </xsd:element>
+    <xsd:element name="MediaServiceAutoKeyPoints" ma:index="18" nillable="true" ma:displayName="MediaServiceAutoKeyPoints" ma:hidden="true" ma:internalName="MediaServiceAutoKeyPoints" ma:readOnly="true">
+      <xsd:simpleType>
+        <xsd:restriction base="dms:Note"/>
+      </xsd:simpleType>
+    </xsd:element>
+    <xsd:element name="MediaServiceKeyPoints" ma:index="19" nillable="true" ma:displayName="KeyPoints" ma:internalName="MediaServiceKeyPoints" ma:readOnly="true">
+      <xsd:simpleType>
+        <xsd:restriction base="dms:Note">
+          <xsd:maxLength value="255"/>
+        </xsd:restriction>
+      </xsd:simpleType>
+    </xsd:element>
+  </xsd:schema>
+  <xsd:schema xmlns:xsd="http://www.w3.org/2001/XMLSchema" xmlns:xs="http://www.w3.org/2001/XMLSchema" xmlns:dms="http://schemas.microsoft.com/office/2006/documentManagement/types" xmlns:pc="http://schemas.microsoft.com/office/infopath/2007/PartnerControls" targetNamespace="6f430b7c-f2e9-4385-9cb2-4dd06cc2317e" elementFormDefault="qualified">
+    <xsd:import namespace="http://schemas.microsoft.com/office/2006/documentManagement/types"/>
+    <xsd:import namespace="http://schemas.microsoft.com/office/infopath/2007/PartnerControls"/>
+    <xsd:element name="SharedWithUsers" ma:index="12" nillable="true" ma:displayName="Shared With" ma:internalName="SharedWithUsers" ma:readOnly="true">
       <xsd:complexType>
         <xsd:complexContent>
           <xsd:extension base="dms:UserMulti">
@@ -17768,16 +18310,11 @@
         </xsd:complexContent>
       </xsd:complexType>
     </xsd:element>
-    <xsd:element name="SharedWithDetails" ma:index="9" nillable="true" ma:displayName="Shared With Details" ma:internalName="SharedWithDetails" ma:readOnly="true">
+    <xsd:element name="SharedWithDetails" ma:index="13" nillable="true" ma:displayName="Shared With Details" ma:internalName="SharedWithDetails" ma:readOnly="true">
       <xsd:simpleType>
         <xsd:restriction base="dms:Note">
           <xsd:maxLength value="255"/>
         </xsd:restriction>
-      </xsd:simpleType>
-    </xsd:element>
-    <xsd:element name="SharingHintHash" ma:index="10" nillable="true" ma:displayName="Sharing Hint Hash" ma:internalName="SharingHintHash" ma:readOnly="true">
-      <xsd:simpleType>
-        <xsd:restriction base="dms:Text"/>
       </xsd:simpleType>
     </xsd:element>
   </xsd:schema>
@@ -17880,39 +18417,26 @@
 </ct:contentTypeSchema>
 </file>
 
-<file path=customXml/item3.xml><?xml version="1.0" encoding="utf-8"?>
+<file path=customXml/item2.xml><?xml version="1.0" encoding="utf-8"?>
 <p:properties xmlns:p="http://schemas.microsoft.com/office/2006/metadata/properties" xmlns:xsi="http://www.w3.org/2001/XMLSchema-instance" xmlns:pc="http://schemas.microsoft.com/office/infopath/2007/PartnerControls">
   <documentManagement/>
 </p:properties>
 </file>
 
+<file path=customXml/item3.xml><?xml version="1.0" encoding="utf-8"?>
+<?mso-contentType ?>
+<FormTemplates xmlns="http://schemas.microsoft.com/sharepoint/v3/contenttype/forms">
+  <Display>DocumentLibraryForm</Display>
+  <Edit>DocumentLibraryForm</Edit>
+  <New>DocumentLibraryForm</New>
+</FormTemplates>
+</file>
+
 <file path=customXml/itemProps1.xml><?xml version="1.0" encoding="utf-8"?>
-<ds:datastoreItem xmlns:ds="http://schemas.openxmlformats.org/officeDocument/2006/customXml" ds:itemID="{D3F258A9-62F9-4AA7-BEBE-DE1957F67E4B}">
-  <ds:schemaRefs>
-    <ds:schemaRef ds:uri="http://schemas.microsoft.com/sharepoint/v3/contenttype/forms"/>
-  </ds:schemaRefs>
-</ds:datastoreItem>
+<ds:datastoreItem xmlns:ds="http://schemas.openxmlformats.org/officeDocument/2006/customXml" ds:itemID="{E2DC49C9-2F98-4D7B-AF4E-4A156FEF0E1E}"/>
 </file>
 
 <file path=customXml/itemProps2.xml><?xml version="1.0" encoding="utf-8"?>
-<ds:datastoreItem xmlns:ds="http://schemas.openxmlformats.org/officeDocument/2006/customXml" ds:itemID="{9B436524-1E59-45A9-9022-9518E43CCB5C}">
-  <ds:schemaRefs>
-    <ds:schemaRef ds:uri="http://schemas.microsoft.com/office/2006/metadata/contentType"/>
-    <ds:schemaRef ds:uri="http://schemas.microsoft.com/office/2006/metadata/properties/metaAttributes"/>
-    <ds:schemaRef ds:uri="http://www.w3.org/2001/XMLSchema"/>
-    <ds:schemaRef ds:uri="http://schemas.microsoft.com/office/2006/metadata/properties"/>
-    <ds:schemaRef ds:uri="5edd459b-714d-42ed-b78f-512da7d1c14e"/>
-    <ds:schemaRef ds:uri="http://schemas.microsoft.com/office/2006/documentManagement/types"/>
-    <ds:schemaRef ds:uri="http://schemas.microsoft.com/office/infopath/2007/PartnerControls"/>
-    <ds:schemaRef ds:uri="http://schemas.openxmlformats.org/package/2006/metadata/core-properties"/>
-    <ds:schemaRef ds:uri="http://purl.org/dc/elements/1.1/"/>
-    <ds:schemaRef ds:uri="http://purl.org/dc/terms/"/>
-    <ds:schemaRef ds:uri="http://schemas.microsoft.com/internal/obd"/>
-  </ds:schemaRefs>
-</ds:datastoreItem>
-</file>
-
-<file path=customXml/itemProps3.xml><?xml version="1.0" encoding="utf-8"?>
 <ds:datastoreItem xmlns:ds="http://schemas.openxmlformats.org/officeDocument/2006/customXml" ds:itemID="{137ABD09-FFEE-4830-B492-D9820D9FDFA2}">
   <ds:schemaRefs>
     <ds:schemaRef ds:uri="http://schemas.microsoft.com/office/infopath/2007/PartnerControls"/>
@@ -17926,4 +18450,12 @@
     <ds:schemaRef ds:uri="http://www.w3.org/XML/1998/namespace"/>
   </ds:schemaRefs>
 </ds:datastoreItem>
+</file>
+
+<file path=customXml/itemProps3.xml><?xml version="1.0" encoding="utf-8"?>
+<ds:datastoreItem xmlns:ds="http://schemas.openxmlformats.org/officeDocument/2006/customXml" ds:itemID="{D3F258A9-62F9-4AA7-BEBE-DE1957F67E4B}">
+  <ds:schemaRefs>
+    <ds:schemaRef ds:uri="http://schemas.microsoft.com/sharepoint/v3/contenttype/forms"/>
+  </ds:schemaRefs>
+</ds:datastoreItem>
 </file>
--- a/curriculum/Unit2/Unit2.pptx
+++ b/curriculum/Unit2/Unit2.pptx
@@ -290,7 +290,7 @@
           <a:p>
             <a:fld id="{01EE7243-FE3C-4092-BCD1-A3CEC92C371A}" type="datetimeFigureOut">
               <a:rPr lang="en-US" smtClean="0"/>
-              <a:t>1/9/2020</a:t>
+              <a:t>2/18/2020</a:t>
             </a:fld>
             <a:endParaRPr lang="en-US"/>
           </a:p>
@@ -2608,7 +2608,7 @@
           <a:p>
             <a:fld id="{04E6A347-E849-4263-9BF9-31A91B9AAA7C}" type="datetimeFigureOut">
               <a:rPr lang="en-US" smtClean="0"/>
-              <a:t>1/9/2020</a:t>
+              <a:t>2/18/2020</a:t>
             </a:fld>
             <a:endParaRPr lang="en-US"/>
           </a:p>
@@ -2776,7 +2776,7 @@
           <a:p>
             <a:fld id="{04E6A347-E849-4263-9BF9-31A91B9AAA7C}" type="datetimeFigureOut">
               <a:rPr lang="en-US" smtClean="0"/>
-              <a:t>1/9/2020</a:t>
+              <a:t>2/18/2020</a:t>
             </a:fld>
             <a:endParaRPr lang="en-US"/>
           </a:p>
@@ -2954,7 +2954,7 @@
           <a:p>
             <a:fld id="{04E6A347-E849-4263-9BF9-31A91B9AAA7C}" type="datetimeFigureOut">
               <a:rPr lang="en-US" smtClean="0"/>
-              <a:t>1/9/2020</a:t>
+              <a:t>2/18/2020</a:t>
             </a:fld>
             <a:endParaRPr lang="en-US"/>
           </a:p>
@@ -3122,7 +3122,7 @@
           <a:p>
             <a:fld id="{04E6A347-E849-4263-9BF9-31A91B9AAA7C}" type="datetimeFigureOut">
               <a:rPr lang="en-US" smtClean="0"/>
-              <a:t>1/9/2020</a:t>
+              <a:t>2/18/2020</a:t>
             </a:fld>
             <a:endParaRPr lang="en-US"/>
           </a:p>
@@ -3367,7 +3367,7 @@
           <a:p>
             <a:fld id="{04E6A347-E849-4263-9BF9-31A91B9AAA7C}" type="datetimeFigureOut">
               <a:rPr lang="en-US" smtClean="0"/>
-              <a:t>1/9/2020</a:t>
+              <a:t>2/18/2020</a:t>
             </a:fld>
             <a:endParaRPr lang="en-US"/>
           </a:p>
@@ -3596,7 +3596,7 @@
           <a:p>
             <a:fld id="{04E6A347-E849-4263-9BF9-31A91B9AAA7C}" type="datetimeFigureOut">
               <a:rPr lang="en-US" smtClean="0"/>
-              <a:t>1/9/2020</a:t>
+              <a:t>2/18/2020</a:t>
             </a:fld>
             <a:endParaRPr lang="en-US"/>
           </a:p>
@@ -3960,7 +3960,7 @@
           <a:p>
             <a:fld id="{04E6A347-E849-4263-9BF9-31A91B9AAA7C}" type="datetimeFigureOut">
               <a:rPr lang="en-US" smtClean="0"/>
-              <a:t>1/9/2020</a:t>
+              <a:t>2/18/2020</a:t>
             </a:fld>
             <a:endParaRPr lang="en-US"/>
           </a:p>
@@ -4077,7 +4077,7 @@
           <a:p>
             <a:fld id="{04E6A347-E849-4263-9BF9-31A91B9AAA7C}" type="datetimeFigureOut">
               <a:rPr lang="en-US" smtClean="0"/>
-              <a:t>1/9/2020</a:t>
+              <a:t>2/18/2020</a:t>
             </a:fld>
             <a:endParaRPr lang="en-US"/>
           </a:p>
@@ -4172,7 +4172,7 @@
           <a:p>
             <a:fld id="{04E6A347-E849-4263-9BF9-31A91B9AAA7C}" type="datetimeFigureOut">
               <a:rPr lang="en-US" smtClean="0"/>
-              <a:t>1/9/2020</a:t>
+              <a:t>2/18/2020</a:t>
             </a:fld>
             <a:endParaRPr lang="en-US"/>
           </a:p>
@@ -4447,7 +4447,7 @@
           <a:p>
             <a:fld id="{04E6A347-E849-4263-9BF9-31A91B9AAA7C}" type="datetimeFigureOut">
               <a:rPr lang="en-US" smtClean="0"/>
-              <a:t>1/9/2020</a:t>
+              <a:t>2/18/2020</a:t>
             </a:fld>
             <a:endParaRPr lang="en-US"/>
           </a:p>
@@ -4699,7 +4699,7 @@
           <a:p>
             <a:fld id="{04E6A347-E849-4263-9BF9-31A91B9AAA7C}" type="datetimeFigureOut">
               <a:rPr lang="en-US" smtClean="0"/>
-              <a:t>1/9/2020</a:t>
+              <a:t>2/18/2020</a:t>
             </a:fld>
             <a:endParaRPr lang="en-US"/>
           </a:p>
@@ -4910,7 +4910,7 @@
           <a:p>
             <a:fld id="{04E6A347-E849-4263-9BF9-31A91B9AAA7C}" type="datetimeFigureOut">
               <a:rPr lang="en-US" smtClean="0"/>
-              <a:t>1/9/2020</a:t>
+              <a:t>2/18/2020</a:t>
             </a:fld>
             <a:endParaRPr lang="en-US"/>
           </a:p>
@@ -9440,7 +9440,7 @@
           <a:p>
             <a:r>
               <a:rPr lang="en-US" dirty="0"/>
-              <a:t>Practice-It</a:t>
+              <a:t>Practice Problems</a:t>
             </a:r>
           </a:p>
         </p:txBody>
@@ -9479,6 +9479,10 @@
               <a:buAutoNum type="alphaLcPeriod"/>
             </a:pPr>
             <a:r>
+              <a:rPr lang="en-US" dirty="0"/>
+              <a:t>Self-Check 2.8: </a:t>
+            </a:r>
+            <a:r>
               <a:rPr lang="en-US" dirty="0" err="1"/>
               <a:t>studentVariables</a:t>
             </a:r>
@@ -9490,13 +9494,12 @@
             </a:pPr>
             <a:r>
               <a:rPr lang="en-US" dirty="0"/>
-              <a:t>Values of A, B, C</a:t>
-            </a:r>
-          </a:p>
-          <a:p>
-            <a:pPr marL="514350" indent="-514350">
-              <a:buAutoNum type="alphaLcPeriod"/>
-            </a:pPr>
+              <a:t>Self-Check 2.13: </a:t>
+            </a:r>
+            <a:r>
+              <a:rPr lang="en-US" dirty="0" err="1"/>
+              <a:t>valuesOfABC</a:t>
+            </a:r>
             <a:endParaRPr lang="en-US" dirty="0"/>
           </a:p>
           <a:p>
@@ -9505,7 +9508,7 @@
             </a:pPr>
             <a:r>
               <a:rPr lang="en-US" dirty="0"/>
-              <a:t>Complete the Practice-It exercise “displacement”.</a:t>
+              <a:t>Complete the Practice exercise “displacement”.</a:t>
             </a:r>
           </a:p>
           <a:p>
@@ -13074,7 +13077,7 @@
           <a:p>
             <a:r>
               <a:rPr lang="en-US" sz="5000" dirty="0"/>
-              <a:t>Practice-It</a:t>
+              <a:t>Practice Problems</a:t>
             </a:r>
           </a:p>
         </p:txBody>
@@ -14189,7 +14192,7 @@
           <a:p>
             <a:r>
               <a:rPr lang="en-US" sz="5000" dirty="0"/>
-              <a:t>Practice-It</a:t>
+              <a:t>Practice Problems</a:t>
             </a:r>
           </a:p>
         </p:txBody>
@@ -17415,7 +17418,7 @@
             </a:pPr>
             <a:r>
               <a:rPr lang="en-US" dirty="0"/>
-              <a:t>For each topic, follow up by reviewing the textbook, self-check problems, and the appropriate Practice-It problems</a:t>
+              <a:t>For each topic, follow up by reviewing the textbook, self-check problems, and the appropriate Practice problems</a:t>
             </a:r>
           </a:p>
         </p:txBody>
@@ -18201,6 +18204,15 @@
 </file>
 
 <file path=customXml/item1.xml><?xml version="1.0" encoding="utf-8"?>
+<?mso-contentType ?>
+<FormTemplates xmlns="http://schemas.microsoft.com/sharepoint/v3/contenttype/forms">
+  <Display>DocumentLibraryForm</Display>
+  <Edit>DocumentLibraryForm</Edit>
+  <New>DocumentLibraryForm</New>
+</FormTemplates>
+</file>
+
+<file path=customXml/item2.xml><?xml version="1.0" encoding="utf-8"?>
 <ct:contentTypeSchema xmlns:ct="http://schemas.microsoft.com/office/2006/metadata/contentType" xmlns:ma="http://schemas.microsoft.com/office/2006/metadata/properties/metaAttributes" ct:_="" ma:_="" ma:contentTypeName="Document" ma:contentTypeID="0x01010011E83E049C87AC4AB56F27089B4ACA55" ma:contentTypeVersion="12" ma:contentTypeDescription="Create a new document." ma:contentTypeScope="" ma:versionID="1178fe99ddca204d3fc8224f4ed0acf8">
   <xsd:schema xmlns:xsd="http://www.w3.org/2001/XMLSchema" xmlns:xs="http://www.w3.org/2001/XMLSchema" xmlns:p="http://schemas.microsoft.com/office/2006/metadata/properties" xmlns:ns2="be898649-fe57-4b08-9fd4-31fc752880e3" xmlns:ns3="6f430b7c-f2e9-4385-9cb2-4dd06cc2317e" targetNamespace="http://schemas.microsoft.com/office/2006/metadata/properties" ma:root="true" ma:fieldsID="05a700af6660b82c6e85ae510b7169e9" ns2:_="" ns3:_="">
     <xsd:import namespace="be898649-fe57-4b08-9fd4-31fc752880e3"/>
@@ -18417,26 +18429,40 @@
 </ct:contentTypeSchema>
 </file>
 
-<file path=customXml/item2.xml><?xml version="1.0" encoding="utf-8"?>
+<file path=customXml/item3.xml><?xml version="1.0" encoding="utf-8"?>
 <p:properties xmlns:p="http://schemas.microsoft.com/office/2006/metadata/properties" xmlns:xsi="http://www.w3.org/2001/XMLSchema-instance" xmlns:pc="http://schemas.microsoft.com/office/infopath/2007/PartnerControls">
   <documentManagement/>
 </p:properties>
 </file>
 
-<file path=customXml/item3.xml><?xml version="1.0" encoding="utf-8"?>
-<?mso-contentType ?>
-<FormTemplates xmlns="http://schemas.microsoft.com/sharepoint/v3/contenttype/forms">
-  <Display>DocumentLibraryForm</Display>
-  <Edit>DocumentLibraryForm</Edit>
-  <New>DocumentLibraryForm</New>
-</FormTemplates>
-</file>
-
 <file path=customXml/itemProps1.xml><?xml version="1.0" encoding="utf-8"?>
-<ds:datastoreItem xmlns:ds="http://schemas.openxmlformats.org/officeDocument/2006/customXml" ds:itemID="{E2DC49C9-2F98-4D7B-AF4E-4A156FEF0E1E}"/>
+<ds:datastoreItem xmlns:ds="http://schemas.openxmlformats.org/officeDocument/2006/customXml" ds:itemID="{D3F258A9-62F9-4AA7-BEBE-DE1957F67E4B}">
+  <ds:schemaRefs>
+    <ds:schemaRef ds:uri="http://schemas.microsoft.com/sharepoint/v3/contenttype/forms"/>
+  </ds:schemaRefs>
+</ds:datastoreItem>
 </file>
 
 <file path=customXml/itemProps2.xml><?xml version="1.0" encoding="utf-8"?>
+<ds:datastoreItem xmlns:ds="http://schemas.openxmlformats.org/officeDocument/2006/customXml" ds:itemID="{E2DC49C9-2F98-4D7B-AF4E-4A156FEF0E1E}">
+  <ds:schemaRefs>
+    <ds:schemaRef ds:uri="http://schemas.microsoft.com/office/2006/metadata/contentType"/>
+    <ds:schemaRef ds:uri="http://schemas.microsoft.com/office/2006/metadata/properties/metaAttributes"/>
+    <ds:schemaRef ds:uri="http://www.w3.org/2001/XMLSchema"/>
+    <ds:schemaRef ds:uri="http://schemas.microsoft.com/office/2006/metadata/properties"/>
+    <ds:schemaRef ds:uri="be898649-fe57-4b08-9fd4-31fc752880e3"/>
+    <ds:schemaRef ds:uri="6f430b7c-f2e9-4385-9cb2-4dd06cc2317e"/>
+    <ds:schemaRef ds:uri="http://schemas.microsoft.com/office/2006/documentManagement/types"/>
+    <ds:schemaRef ds:uri="http://schemas.microsoft.com/office/infopath/2007/PartnerControls"/>
+    <ds:schemaRef ds:uri="http://schemas.openxmlformats.org/package/2006/metadata/core-properties"/>
+    <ds:schemaRef ds:uri="http://purl.org/dc/elements/1.1/"/>
+    <ds:schemaRef ds:uri="http://purl.org/dc/terms/"/>
+    <ds:schemaRef ds:uri="http://schemas.microsoft.com/internal/obd"/>
+  </ds:schemaRefs>
+</ds:datastoreItem>
+</file>
+
+<file path=customXml/itemProps3.xml><?xml version="1.0" encoding="utf-8"?>
 <ds:datastoreItem xmlns:ds="http://schemas.openxmlformats.org/officeDocument/2006/customXml" ds:itemID="{137ABD09-FFEE-4830-B492-D9820D9FDFA2}">
   <ds:schemaRefs>
     <ds:schemaRef ds:uri="http://schemas.microsoft.com/office/infopath/2007/PartnerControls"/>
@@ -18450,12 +18476,4 @@
     <ds:schemaRef ds:uri="http://www.w3.org/XML/1998/namespace"/>
   </ds:schemaRefs>
 </ds:datastoreItem>
-</file>
-
-<file path=customXml/itemProps3.xml><?xml version="1.0" encoding="utf-8"?>
-<ds:datastoreItem xmlns:ds="http://schemas.openxmlformats.org/officeDocument/2006/customXml" ds:itemID="{D3F258A9-62F9-4AA7-BEBE-DE1957F67E4B}">
-  <ds:schemaRefs>
-    <ds:schemaRef ds:uri="http://schemas.microsoft.com/sharepoint/v3/contenttype/forms"/>
-  </ds:schemaRefs>
-</ds:datastoreItem>
 </file>